--- a/resources/IgFamily.pptx
+++ b/resources/IgFamily.pptx
@@ -238,7 +238,7 @@
           <a:p>
             <a:fld id="{E8E323B8-8316-4D7E-A45B-C020709A219F}" type="datetimeFigureOut">
               <a:rPr lang="en-AU" smtClean="0"/>
-              <a:t>8/11/2016</a:t>
+              <a:t>10/11/2016</a:t>
             </a:fld>
             <a:endParaRPr lang="en-AU"/>
           </a:p>
@@ -408,7 +408,7 @@
           <a:p>
             <a:fld id="{E8E323B8-8316-4D7E-A45B-C020709A219F}" type="datetimeFigureOut">
               <a:rPr lang="en-AU" smtClean="0"/>
-              <a:t>8/11/2016</a:t>
+              <a:t>10/11/2016</a:t>
             </a:fld>
             <a:endParaRPr lang="en-AU"/>
           </a:p>
@@ -588,7 +588,7 @@
           <a:p>
             <a:fld id="{E8E323B8-8316-4D7E-A45B-C020709A219F}" type="datetimeFigureOut">
               <a:rPr lang="en-AU" smtClean="0"/>
-              <a:t>8/11/2016</a:t>
+              <a:t>10/11/2016</a:t>
             </a:fld>
             <a:endParaRPr lang="en-AU"/>
           </a:p>
@@ -758,7 +758,7 @@
           <a:p>
             <a:fld id="{E8E323B8-8316-4D7E-A45B-C020709A219F}" type="datetimeFigureOut">
               <a:rPr lang="en-AU" smtClean="0"/>
-              <a:t>8/11/2016</a:t>
+              <a:t>10/11/2016</a:t>
             </a:fld>
             <a:endParaRPr lang="en-AU"/>
           </a:p>
@@ -1004,7 +1004,7 @@
           <a:p>
             <a:fld id="{E8E323B8-8316-4D7E-A45B-C020709A219F}" type="datetimeFigureOut">
               <a:rPr lang="en-AU" smtClean="0"/>
-              <a:t>8/11/2016</a:t>
+              <a:t>10/11/2016</a:t>
             </a:fld>
             <a:endParaRPr lang="en-AU"/>
           </a:p>
@@ -1236,7 +1236,7 @@
           <a:p>
             <a:fld id="{E8E323B8-8316-4D7E-A45B-C020709A219F}" type="datetimeFigureOut">
               <a:rPr lang="en-AU" smtClean="0"/>
-              <a:t>8/11/2016</a:t>
+              <a:t>10/11/2016</a:t>
             </a:fld>
             <a:endParaRPr lang="en-AU"/>
           </a:p>
@@ -1603,7 +1603,7 @@
           <a:p>
             <a:fld id="{E8E323B8-8316-4D7E-A45B-C020709A219F}" type="datetimeFigureOut">
               <a:rPr lang="en-AU" smtClean="0"/>
-              <a:t>8/11/2016</a:t>
+              <a:t>10/11/2016</a:t>
             </a:fld>
             <a:endParaRPr lang="en-AU"/>
           </a:p>
@@ -1721,7 +1721,7 @@
           <a:p>
             <a:fld id="{E8E323B8-8316-4D7E-A45B-C020709A219F}" type="datetimeFigureOut">
               <a:rPr lang="en-AU" smtClean="0"/>
-              <a:t>8/11/2016</a:t>
+              <a:t>10/11/2016</a:t>
             </a:fld>
             <a:endParaRPr lang="en-AU"/>
           </a:p>
@@ -1816,7 +1816,7 @@
           <a:p>
             <a:fld id="{E8E323B8-8316-4D7E-A45B-C020709A219F}" type="datetimeFigureOut">
               <a:rPr lang="en-AU" smtClean="0"/>
-              <a:t>8/11/2016</a:t>
+              <a:t>10/11/2016</a:t>
             </a:fld>
             <a:endParaRPr lang="en-AU"/>
           </a:p>
@@ -2093,7 +2093,7 @@
           <a:p>
             <a:fld id="{E8E323B8-8316-4D7E-A45B-C020709A219F}" type="datetimeFigureOut">
               <a:rPr lang="en-AU" smtClean="0"/>
-              <a:t>8/11/2016</a:t>
+              <a:t>10/11/2016</a:t>
             </a:fld>
             <a:endParaRPr lang="en-AU"/>
           </a:p>
@@ -2346,7 +2346,7 @@
           <a:p>
             <a:fld id="{E8E323B8-8316-4D7E-A45B-C020709A219F}" type="datetimeFigureOut">
               <a:rPr lang="en-AU" smtClean="0"/>
-              <a:t>8/11/2016</a:t>
+              <a:t>10/11/2016</a:t>
             </a:fld>
             <a:endParaRPr lang="en-AU"/>
           </a:p>
@@ -2559,7 +2559,7 @@
           <a:p>
             <a:fld id="{E8E323B8-8316-4D7E-A45B-C020709A219F}" type="datetimeFigureOut">
               <a:rPr lang="en-AU" smtClean="0"/>
-              <a:t>8/11/2016</a:t>
+              <a:t>10/11/2016</a:t>
             </a:fld>
             <a:endParaRPr lang="en-AU"/>
           </a:p>
@@ -3003,14 +3003,14 @@
               <p:nvPr>
                 <p:extLst>
                   <p:ext uri="{D42A27DB-BD31-4B8C-83A1-F6EECF244321}">
-                    <p14:modId xmlns:p14="http://schemas.microsoft.com/office/powerpoint/2010/main" val="2486615769"/>
+                    <p14:modId xmlns:p14="http://schemas.microsoft.com/office/powerpoint/2010/main" val="1765061195"/>
                   </p:ext>
                 </p:extLst>
               </p:nvPr>
             </p:nvGraphicFramePr>
             <p:xfrm>
               <a:off x="5689600" y="1570265"/>
-              <a:ext cx="3517030" cy="3390898"/>
+              <a:ext cx="3159125" cy="3390898"/>
             </p:xfrm>
             <a:graphic>
               <a:graphicData uri="http://schemas.openxmlformats.org/drawingml/2006/table">
@@ -3019,38 +3019,38 @@
                     <a:tableStyleId>{F2DE63D5-997A-4646-A377-4702673A728D}</a:tableStyleId>
                   </a:tblPr>
                   <a:tblGrid>
-                    <a:gridCol w="874038">
+                    <a:gridCol w="785093">
                       <a:extLst>
                         <a:ext uri="{9D8B030D-6E8A-4147-A177-3AD203B41FA5}">
-                          <a16:colId xmlns:a16="http://schemas.microsoft.com/office/drawing/2014/main" val="2070464311"/>
+                          <a16:colId xmlns:a16="http://schemas.microsoft.com/office/drawing/2014/main" xmlns="" val="2070464311"/>
                         </a:ext>
                       </a:extLst>
                     </a:gridCol>
-                    <a:gridCol w="532774">
+                    <a:gridCol w="478557">
                       <a:extLst>
                         <a:ext uri="{9D8B030D-6E8A-4147-A177-3AD203B41FA5}">
-                          <a16:colId xmlns:a16="http://schemas.microsoft.com/office/drawing/2014/main" val="2814482158"/>
+                          <a16:colId xmlns:a16="http://schemas.microsoft.com/office/drawing/2014/main" xmlns="" val="2814482158"/>
                         </a:ext>
                       </a:extLst>
                     </a:gridCol>
-                    <a:gridCol w="703406">
+                    <a:gridCol w="631825">
                       <a:extLst>
                         <a:ext uri="{9D8B030D-6E8A-4147-A177-3AD203B41FA5}">
-                          <a16:colId xmlns:a16="http://schemas.microsoft.com/office/drawing/2014/main" val="3449075261"/>
+                          <a16:colId xmlns:a16="http://schemas.microsoft.com/office/drawing/2014/main" xmlns="" val="3449075261"/>
                         </a:ext>
                       </a:extLst>
                     </a:gridCol>
-                    <a:gridCol w="703406">
+                    <a:gridCol w="631825">
                       <a:extLst>
                         <a:ext uri="{9D8B030D-6E8A-4147-A177-3AD203B41FA5}">
-                          <a16:colId xmlns:a16="http://schemas.microsoft.com/office/drawing/2014/main" val="1813670796"/>
+                          <a16:colId xmlns:a16="http://schemas.microsoft.com/office/drawing/2014/main" xmlns="" val="1813670796"/>
                         </a:ext>
                       </a:extLst>
                     </a:gridCol>
-                    <a:gridCol w="703406">
+                    <a:gridCol w="631825">
                       <a:extLst>
                         <a:ext uri="{9D8B030D-6E8A-4147-A177-3AD203B41FA5}">
-                          <a16:colId xmlns:a16="http://schemas.microsoft.com/office/drawing/2014/main" val="1994465920"/>
+                          <a16:colId xmlns:a16="http://schemas.microsoft.com/office/drawing/2014/main" xmlns="" val="1994465920"/>
                         </a:ext>
                       </a:extLst>
                     </a:gridCol>
@@ -3071,12 +3071,12 @@
                                 <m:sSub>
                                   <m:sSubPr>
                                     <m:ctrlPr>
-                                      <a:rPr lang="en-AU" sz="1400" b="1" i="1" kern="1200" smtClean="0">
+                                      <a:rPr lang="en-AU" sz="1200" b="1" i="1" kern="1200" smtClean="0">
                                         <a:solidFill>
                                           <a:schemeClr val="tx1"/>
                                         </a:solidFill>
                                         <a:effectLst/>
-                                        <a:latin typeface="+mn-lt"/>
+                                        <a:latin typeface="Cambria Math"/>
                                         <a:ea typeface="+mn-ea"/>
                                         <a:cs typeface="+mn-cs"/>
                                       </a:rPr>
@@ -3084,12 +3084,12 @@
                                   </m:sSubPr>
                                   <m:e>
                                     <m:r>
-                                      <a:rPr lang="en-AU" sz="1400" b="1" i="1" kern="1200">
+                                      <a:rPr lang="en-AU" sz="1200" b="1" i="1" kern="1200">
                                         <a:solidFill>
                                           <a:schemeClr val="tx1"/>
                                         </a:solidFill>
                                         <a:effectLst/>
-                                        <a:latin typeface="+mn-lt"/>
+                                        <a:latin typeface="Cambria Math"/>
                                         <a:ea typeface="+mn-ea"/>
                                         <a:cs typeface="+mn-cs"/>
                                       </a:rPr>
@@ -3098,12 +3098,12 @@
                                   </m:e>
                                   <m:sub>
                                     <m:r>
-                                      <a:rPr lang="en-AU" sz="1400" b="1" i="1" kern="1200">
+                                      <a:rPr lang="en-AU" sz="1200" b="1" i="1" kern="1200">
                                         <a:solidFill>
                                           <a:schemeClr val="tx1"/>
                                         </a:solidFill>
                                         <a:effectLst/>
-                                        <a:latin typeface="+mn-lt"/>
+                                        <a:latin typeface="Cambria Math"/>
                                         <a:ea typeface="+mn-ea"/>
                                         <a:cs typeface="+mn-cs"/>
                                       </a:rPr>
@@ -3114,7 +3114,7 @@
                               </m:oMath>
                             </m:oMathPara>
                           </a14:m>
-                          <a:endParaRPr lang="en-AU" sz="1400" dirty="0"/>
+                          <a:endParaRPr lang="en-AU" sz="1200" dirty="0"/>
                         </a:p>
                       </a:txBody>
                       <a:tcPr anchor="ctr">
@@ -3165,7 +3165,7 @@
                         <a:p>
                           <a:pPr algn="ctr"/>
                           <a:r>
-                            <a:rPr lang="en-AU" sz="1400" b="1" i="1" dirty="0"/>
+                            <a:rPr lang="en-AU" sz="1200" b="1" i="1" dirty="0"/>
                             <a:t>#</a:t>
                           </a:r>
                         </a:p>
@@ -3220,12 +3220,12 @@
                                 <m:sSub>
                                   <m:sSubPr>
                                     <m:ctrlPr>
-                                      <a:rPr lang="en-AU" sz="1400" b="1" i="1" kern="1200" smtClean="0">
+                                      <a:rPr lang="en-AU" sz="1200" b="1" i="1" kern="1200" smtClean="0">
                                         <a:solidFill>
                                           <a:schemeClr val="tx1"/>
                                         </a:solidFill>
                                         <a:effectLst/>
-                                        <a:latin typeface="+mn-lt"/>
+                                        <a:latin typeface="Cambria Math"/>
                                         <a:ea typeface="+mn-ea"/>
                                         <a:cs typeface="+mn-cs"/>
                                       </a:rPr>
@@ -3233,12 +3233,12 @@
                                   </m:sSubPr>
                                   <m:e>
                                     <m:r>
-                                      <a:rPr lang="en-AU" sz="1400" b="1" i="1" kern="1200">
+                                      <a:rPr lang="en-AU" sz="1200" b="1" i="1" kern="1200">
                                         <a:solidFill>
                                           <a:schemeClr val="tx1"/>
                                         </a:solidFill>
                                         <a:effectLst/>
-                                        <a:latin typeface="+mn-lt"/>
+                                        <a:latin typeface="Cambria Math"/>
                                         <a:ea typeface="+mn-ea"/>
                                         <a:cs typeface="+mn-cs"/>
                                       </a:rPr>
@@ -3247,12 +3247,12 @@
                                   </m:e>
                                   <m:sub>
                                     <m:r>
-                                      <a:rPr lang="en-AU" sz="1400" b="1" i="1" kern="1200">
+                                      <a:rPr lang="en-AU" sz="1200" b="1" i="1" kern="1200">
                                         <a:solidFill>
                                           <a:schemeClr val="tx1"/>
                                         </a:solidFill>
                                         <a:effectLst/>
-                                        <a:latin typeface="+mn-lt"/>
+                                        <a:latin typeface="Cambria Math"/>
                                         <a:ea typeface="+mn-ea"/>
                                         <a:cs typeface="+mn-cs"/>
                                       </a:rPr>
@@ -3263,12 +3263,12 @@
                                 <m:d>
                                   <m:dPr>
                                     <m:ctrlPr>
-                                      <a:rPr lang="en-AU" sz="1400" b="1" i="1" kern="1200">
+                                      <a:rPr lang="en-AU" sz="1200" b="1" i="1" kern="1200">
                                         <a:solidFill>
                                           <a:schemeClr val="tx1"/>
                                         </a:solidFill>
                                         <a:effectLst/>
-                                        <a:latin typeface="+mn-lt"/>
+                                        <a:latin typeface="Cambria Math"/>
                                         <a:ea typeface="+mn-ea"/>
                                         <a:cs typeface="+mn-cs"/>
                                       </a:rPr>
@@ -3278,12 +3278,12 @@
                                     <m:sSub>
                                       <m:sSubPr>
                                         <m:ctrlPr>
-                                          <a:rPr lang="en-AU" sz="1400" b="1" i="1" kern="1200">
+                                          <a:rPr lang="en-AU" sz="1200" b="1" i="1" kern="1200">
                                             <a:solidFill>
                                               <a:schemeClr val="tx1"/>
                                             </a:solidFill>
                                             <a:effectLst/>
-                                            <a:latin typeface="+mn-lt"/>
+                                            <a:latin typeface="Cambria Math"/>
                                             <a:ea typeface="+mn-ea"/>
                                             <a:cs typeface="+mn-cs"/>
                                           </a:rPr>
@@ -3291,12 +3291,12 @@
                                       </m:sSubPr>
                                       <m:e>
                                         <m:r>
-                                          <a:rPr lang="en-AU" sz="1400" b="1" i="1" kern="1200">
+                                          <a:rPr lang="en-AU" sz="1200" b="1" i="1" kern="1200">
                                             <a:solidFill>
                                               <a:schemeClr val="tx1"/>
                                             </a:solidFill>
                                             <a:effectLst/>
-                                            <a:latin typeface="+mn-lt"/>
+                                            <a:latin typeface="Cambria Math"/>
                                             <a:ea typeface="+mn-ea"/>
                                             <a:cs typeface="+mn-cs"/>
                                           </a:rPr>
@@ -3305,12 +3305,12 @@
                                       </m:e>
                                       <m:sub>
                                         <m:r>
-                                          <a:rPr lang="en-AU" sz="1400" b="1" i="1" kern="1200">
+                                          <a:rPr lang="en-AU" sz="1200" b="1" i="1" kern="1200">
                                             <a:solidFill>
                                               <a:schemeClr val="tx1"/>
                                             </a:solidFill>
                                             <a:effectLst/>
-                                            <a:latin typeface="+mn-lt"/>
+                                            <a:latin typeface="Cambria Math"/>
                                             <a:ea typeface="+mn-ea"/>
                                             <a:cs typeface="+mn-cs"/>
                                           </a:rPr>
@@ -3323,7 +3323,7 @@
                               </m:oMath>
                             </m:oMathPara>
                           </a14:m>
-                          <a:endParaRPr lang="en-AU" sz="1400" dirty="0"/>
+                          <a:endParaRPr lang="en-AU" sz="1200" dirty="0"/>
                         </a:p>
                       </a:txBody>
                       <a:tcPr anchor="ctr">
@@ -3376,12 +3376,12 @@
                                 <m:sSub>
                                   <m:sSubPr>
                                     <m:ctrlPr>
-                                      <a:rPr lang="en-AU" sz="1400" b="1" i="1" kern="1200" smtClean="0">
+                                      <a:rPr lang="en-AU" sz="1200" b="1" i="1" kern="1200" smtClean="0">
                                         <a:solidFill>
                                           <a:schemeClr val="tx1"/>
                                         </a:solidFill>
                                         <a:effectLst/>
-                                        <a:latin typeface="+mn-lt"/>
+                                        <a:latin typeface="Cambria Math"/>
                                         <a:ea typeface="+mn-ea"/>
                                         <a:cs typeface="+mn-cs"/>
                                       </a:rPr>
@@ -3389,7 +3389,7 @@
                                   </m:sSubPr>
                                   <m:e>
                                     <m:r>
-                                      <a:rPr lang="en-AU" sz="1400" b="1" i="1" kern="1200" smtClean="0">
+                                      <a:rPr lang="en-AU" sz="1200" b="1" i="1" kern="1200" smtClean="0">
                                         <a:solidFill>
                                           <a:schemeClr val="tx1"/>
                                         </a:solidFill>
@@ -3403,12 +3403,12 @@
                                   </m:e>
                                   <m:sub>
                                     <m:r>
-                                      <a:rPr lang="en-AU" sz="1400" b="1" i="1" kern="1200">
+                                      <a:rPr lang="en-AU" sz="1200" b="1" i="1" kern="1200">
                                         <a:solidFill>
                                           <a:schemeClr val="tx1"/>
                                         </a:solidFill>
                                         <a:effectLst/>
-                                        <a:latin typeface="+mn-lt"/>
+                                        <a:latin typeface="Cambria Math"/>
                                         <a:ea typeface="+mn-ea"/>
                                         <a:cs typeface="+mn-cs"/>
                                       </a:rPr>
@@ -3419,12 +3419,12 @@
                                 <m:d>
                                   <m:dPr>
                                     <m:ctrlPr>
-                                      <a:rPr lang="en-AU" sz="1400" b="1" i="1" kern="1200">
+                                      <a:rPr lang="en-AU" sz="1200" b="1" i="1" kern="1200">
                                         <a:solidFill>
                                           <a:schemeClr val="tx1"/>
                                         </a:solidFill>
                                         <a:effectLst/>
-                                        <a:latin typeface="+mn-lt"/>
+                                        <a:latin typeface="Cambria Math"/>
                                         <a:ea typeface="+mn-ea"/>
                                         <a:cs typeface="+mn-cs"/>
                                       </a:rPr>
@@ -3434,12 +3434,12 @@
                                     <m:sSub>
                                       <m:sSubPr>
                                         <m:ctrlPr>
-                                          <a:rPr lang="en-AU" sz="1400" b="1" i="1" kern="1200">
+                                          <a:rPr lang="en-AU" sz="1200" b="1" i="1" kern="1200">
                                             <a:solidFill>
                                               <a:schemeClr val="tx1"/>
                                             </a:solidFill>
                                             <a:effectLst/>
-                                            <a:latin typeface="+mn-lt"/>
+                                            <a:latin typeface="Cambria Math"/>
                                             <a:ea typeface="+mn-ea"/>
                                             <a:cs typeface="+mn-cs"/>
                                           </a:rPr>
@@ -3447,12 +3447,12 @@
                                       </m:sSubPr>
                                       <m:e>
                                         <m:r>
-                                          <a:rPr lang="en-AU" sz="1400" b="1" i="1" kern="1200">
+                                          <a:rPr lang="en-AU" sz="1200" b="1" i="1" kern="1200">
                                             <a:solidFill>
                                               <a:schemeClr val="tx1"/>
                                             </a:solidFill>
                                             <a:effectLst/>
-                                            <a:latin typeface="+mn-lt"/>
+                                            <a:latin typeface="Cambria Math"/>
                                             <a:ea typeface="+mn-ea"/>
                                             <a:cs typeface="+mn-cs"/>
                                           </a:rPr>
@@ -3461,12 +3461,12 @@
                                       </m:e>
                                       <m:sub>
                                         <m:r>
-                                          <a:rPr lang="en-AU" sz="1400" b="1" i="1" kern="1200">
+                                          <a:rPr lang="en-AU" sz="1200" b="1" i="1" kern="1200">
                                             <a:solidFill>
                                               <a:schemeClr val="tx1"/>
                                             </a:solidFill>
                                             <a:effectLst/>
-                                            <a:latin typeface="+mn-lt"/>
+                                            <a:latin typeface="Cambria Math"/>
                                             <a:ea typeface="+mn-ea"/>
                                             <a:cs typeface="+mn-cs"/>
                                           </a:rPr>
@@ -3479,7 +3479,7 @@
                               </m:oMath>
                             </m:oMathPara>
                           </a14:m>
-                          <a:endParaRPr lang="en-AU" sz="1400" dirty="0"/>
+                          <a:endParaRPr lang="en-AU" sz="1200" dirty="0"/>
                         </a:p>
                       </a:txBody>
                       <a:tcPr anchor="ctr">
@@ -3532,12 +3532,12 @@
                                 <m:sSub>
                                   <m:sSubPr>
                                     <m:ctrlPr>
-                                      <a:rPr lang="en-AU" sz="1400" b="1" i="1" kern="1200" smtClean="0">
+                                      <a:rPr lang="en-AU" sz="1200" b="1" i="1" kern="1200" smtClean="0">
                                         <a:solidFill>
                                           <a:schemeClr val="tx1"/>
                                         </a:solidFill>
                                         <a:effectLst/>
-                                        <a:latin typeface="+mn-lt"/>
+                                        <a:latin typeface="Cambria Math"/>
                                         <a:ea typeface="+mn-ea"/>
                                         <a:cs typeface="+mn-cs"/>
                                       </a:rPr>
@@ -3545,12 +3545,12 @@
                                   </m:sSubPr>
                                   <m:e>
                                     <m:r>
-                                      <a:rPr lang="en-AU" sz="1400" b="1" i="1" kern="1200">
+                                      <a:rPr lang="en-AU" sz="1200" b="1" i="1" kern="1200">
                                         <a:solidFill>
                                           <a:schemeClr val="tx1"/>
                                         </a:solidFill>
                                         <a:effectLst/>
-                                        <a:latin typeface="+mn-lt"/>
+                                        <a:latin typeface="Cambria Math"/>
                                         <a:ea typeface="+mn-ea"/>
                                         <a:cs typeface="+mn-cs"/>
                                       </a:rPr>
@@ -3559,12 +3559,12 @@
                                   </m:e>
                                   <m:sub>
                                     <m:r>
-                                      <a:rPr lang="en-AU" sz="1400" b="1" i="1" kern="1200">
+                                      <a:rPr lang="en-AU" sz="1200" b="1" i="1" kern="1200">
                                         <a:solidFill>
                                           <a:schemeClr val="tx1"/>
                                         </a:solidFill>
                                         <a:effectLst/>
-                                        <a:latin typeface="+mn-lt"/>
+                                        <a:latin typeface="Cambria Math"/>
                                         <a:ea typeface="+mn-ea"/>
                                         <a:cs typeface="+mn-cs"/>
                                       </a:rPr>
@@ -3575,12 +3575,12 @@
                                 <m:d>
                                   <m:dPr>
                                     <m:ctrlPr>
-                                      <a:rPr lang="en-AU" sz="1400" b="1" i="1" kern="1200">
+                                      <a:rPr lang="en-AU" sz="1200" b="1" i="1" kern="1200">
                                         <a:solidFill>
                                           <a:schemeClr val="tx1"/>
                                         </a:solidFill>
                                         <a:effectLst/>
-                                        <a:latin typeface="+mn-lt"/>
+                                        <a:latin typeface="Cambria Math"/>
                                         <a:ea typeface="+mn-ea"/>
                                         <a:cs typeface="+mn-cs"/>
                                       </a:rPr>
@@ -3590,12 +3590,12 @@
                                     <m:sSub>
                                       <m:sSubPr>
                                         <m:ctrlPr>
-                                          <a:rPr lang="en-AU" sz="1400" b="1" i="1" kern="1200">
+                                          <a:rPr lang="en-AU" sz="1200" b="1" i="1" kern="1200">
                                             <a:solidFill>
                                               <a:schemeClr val="tx1"/>
                                             </a:solidFill>
                                             <a:effectLst/>
-                                            <a:latin typeface="+mn-lt"/>
+                                            <a:latin typeface="Cambria Math"/>
                                             <a:ea typeface="+mn-ea"/>
                                             <a:cs typeface="+mn-cs"/>
                                           </a:rPr>
@@ -3603,12 +3603,12 @@
                                       </m:sSubPr>
                                       <m:e>
                                         <m:r>
-                                          <a:rPr lang="en-AU" sz="1400" b="1" i="1" kern="1200">
+                                          <a:rPr lang="en-AU" sz="1200" b="1" i="1" kern="1200">
                                             <a:solidFill>
                                               <a:schemeClr val="tx1"/>
                                             </a:solidFill>
                                             <a:effectLst/>
-                                            <a:latin typeface="+mn-lt"/>
+                                            <a:latin typeface="Cambria Math"/>
                                             <a:ea typeface="+mn-ea"/>
                                             <a:cs typeface="+mn-cs"/>
                                           </a:rPr>
@@ -3617,12 +3617,12 @@
                                       </m:e>
                                       <m:sub>
                                         <m:r>
-                                          <a:rPr lang="en-AU" sz="1400" b="1" i="1" kern="1200">
+                                          <a:rPr lang="en-AU" sz="1200" b="1" i="1" kern="1200">
                                             <a:solidFill>
                                               <a:schemeClr val="tx1"/>
                                             </a:solidFill>
                                             <a:effectLst/>
-                                            <a:latin typeface="+mn-lt"/>
+                                            <a:latin typeface="Cambria Math"/>
                                             <a:ea typeface="+mn-ea"/>
                                             <a:cs typeface="+mn-cs"/>
                                           </a:rPr>
@@ -3635,7 +3635,7 @@
                               </m:oMath>
                             </m:oMathPara>
                           </a14:m>
-                          <a:endParaRPr lang="en-AU" sz="1400" dirty="0"/>
+                          <a:endParaRPr lang="en-AU" sz="1200" dirty="0"/>
                         </a:p>
                       </a:txBody>
                       <a:tcPr anchor="ctr">
@@ -3681,7 +3681,7 @@
                     </a:tc>
                     <a:extLst>
                       <a:ext uri="{0D108BD9-81ED-4DB2-BD59-A6C34878D82A}">
-                        <a16:rowId xmlns:a16="http://schemas.microsoft.com/office/drawing/2014/main" val="3176941515"/>
+                        <a16:rowId xmlns:a16="http://schemas.microsoft.com/office/drawing/2014/main" xmlns="" val="3176941515"/>
                       </a:ext>
                     </a:extLst>
                   </a:tr>
@@ -3914,7 +3914,7 @@
                     </a:tc>
                     <a:extLst>
                       <a:ext uri="{0D108BD9-81ED-4DB2-BD59-A6C34878D82A}">
-                        <a16:rowId xmlns:a16="http://schemas.microsoft.com/office/drawing/2014/main" val="2673339703"/>
+                        <a16:rowId xmlns:a16="http://schemas.microsoft.com/office/drawing/2014/main" xmlns="" val="2673339703"/>
                       </a:ext>
                     </a:extLst>
                   </a:tr>
@@ -3929,7 +3929,6 @@
                             <a:rPr lang="en-AU" sz="900" dirty="0"/>
                             <a:t>YAQNFQGR</a:t>
                           </a:r>
-                          <a:endParaRPr lang="en-AU" sz="900" dirty="0"/>
                         </a:p>
                       </a:txBody>
                       <a:tcPr anchor="ctr">
@@ -4109,7 +4108,7 @@
                     </a:tc>
                     <a:extLst>
                       <a:ext uri="{0D108BD9-81ED-4DB2-BD59-A6C34878D82A}">
-                        <a16:rowId xmlns:a16="http://schemas.microsoft.com/office/drawing/2014/main" val="2736953877"/>
+                        <a16:rowId xmlns:a16="http://schemas.microsoft.com/office/drawing/2014/main" xmlns="" val="2736953877"/>
                       </a:ext>
                     </a:extLst>
                   </a:tr>
@@ -4312,7 +4311,7 @@
                     </a:tc>
                     <a:extLst>
                       <a:ext uri="{0D108BD9-81ED-4DB2-BD59-A6C34878D82A}">
-                        <a16:rowId xmlns:a16="http://schemas.microsoft.com/office/drawing/2014/main" val="935999974"/>
+                        <a16:rowId xmlns:a16="http://schemas.microsoft.com/office/drawing/2014/main" xmlns="" val="935999974"/>
                       </a:ext>
                     </a:extLst>
                   </a:tr>
@@ -4327,7 +4326,6 @@
                             <a:rPr lang="en-AU" sz="900" dirty="0"/>
                             <a:t>FGTANYAQR</a:t>
                           </a:r>
-                          <a:endParaRPr lang="en-AU" sz="900" dirty="0"/>
                         </a:p>
                       </a:txBody>
                       <a:tcPr anchor="ctr">
@@ -4507,7 +4505,7 @@
                     </a:tc>
                     <a:extLst>
                       <a:ext uri="{0D108BD9-81ED-4DB2-BD59-A6C34878D82A}">
-                        <a16:rowId xmlns:a16="http://schemas.microsoft.com/office/drawing/2014/main" val="3527595651"/>
+                        <a16:rowId xmlns:a16="http://schemas.microsoft.com/office/drawing/2014/main" xmlns="" val="3527595651"/>
                       </a:ext>
                     </a:extLst>
                   </a:tr>
@@ -4522,7 +4520,6 @@
                             <a:rPr lang="en-AU" sz="900" dirty="0"/>
                             <a:t>VTLTAD</a:t>
                           </a:r>
-                          <a:endParaRPr lang="en-AU" sz="900" dirty="0"/>
                         </a:p>
                       </a:txBody>
                       <a:tcPr anchor="ctr">
@@ -4702,7 +4699,7 @@
                     </a:tc>
                     <a:extLst>
                       <a:ext uri="{0D108BD9-81ED-4DB2-BD59-A6C34878D82A}">
-                        <a16:rowId xmlns:a16="http://schemas.microsoft.com/office/drawing/2014/main" val="2500584138"/>
+                        <a16:rowId xmlns:a16="http://schemas.microsoft.com/office/drawing/2014/main" xmlns="" val="2500584138"/>
                       </a:ext>
                     </a:extLst>
                   </a:tr>
@@ -4717,7 +4714,6 @@
                             <a:rPr lang="en-AU" sz="900" dirty="0"/>
                             <a:t>FATANY</a:t>
                           </a:r>
-                          <a:endParaRPr lang="en-AU" sz="900" dirty="0"/>
                         </a:p>
                       </a:txBody>
                       <a:tcPr anchor="ctr">
@@ -4897,7 +4893,7 @@
                     </a:tc>
                     <a:extLst>
                       <a:ext uri="{0D108BD9-81ED-4DB2-BD59-A6C34878D82A}">
-                        <a16:rowId xmlns:a16="http://schemas.microsoft.com/office/drawing/2014/main" val="1644191295"/>
+                        <a16:rowId xmlns:a16="http://schemas.microsoft.com/office/drawing/2014/main" xmlns="" val="1644191295"/>
                       </a:ext>
                     </a:extLst>
                   </a:tr>
@@ -4912,7 +4908,6 @@
                             <a:rPr lang="en-AU" sz="900" dirty="0"/>
                             <a:t>FGTANY</a:t>
                           </a:r>
-                          <a:endParaRPr lang="en-AU" sz="900" dirty="0"/>
                         </a:p>
                       </a:txBody>
                       <a:tcPr anchor="ctr">
@@ -5092,7 +5087,7 @@
                     </a:tc>
                     <a:extLst>
                       <a:ext uri="{0D108BD9-81ED-4DB2-BD59-A6C34878D82A}">
-                        <a16:rowId xmlns:a16="http://schemas.microsoft.com/office/drawing/2014/main" val="2249276370"/>
+                        <a16:rowId xmlns:a16="http://schemas.microsoft.com/office/drawing/2014/main" xmlns="" val="2249276370"/>
                       </a:ext>
                     </a:extLst>
                   </a:tr>
@@ -5107,7 +5102,6 @@
                             <a:rPr lang="en-AU" sz="900" dirty="0"/>
                             <a:t>YSQNFQGR</a:t>
                           </a:r>
-                          <a:endParaRPr lang="en-AU" sz="900" dirty="0"/>
                         </a:p>
                       </a:txBody>
                       <a:tcPr anchor="ctr">
@@ -5287,7 +5281,7 @@
                     </a:tc>
                     <a:extLst>
                       <a:ext uri="{0D108BD9-81ED-4DB2-BD59-A6C34878D82A}">
-                        <a16:rowId xmlns:a16="http://schemas.microsoft.com/office/drawing/2014/main" val="889951462"/>
+                        <a16:rowId xmlns:a16="http://schemas.microsoft.com/office/drawing/2014/main" xmlns="" val="889951462"/>
                       </a:ext>
                     </a:extLst>
                   </a:tr>
@@ -5302,7 +5296,6 @@
                             <a:rPr lang="en-AU" sz="900" dirty="0"/>
                             <a:t>YAQNFQDR</a:t>
                           </a:r>
-                          <a:endParaRPr lang="en-AU" sz="900" dirty="0"/>
                         </a:p>
                       </a:txBody>
                       <a:tcPr anchor="ctr">
@@ -5512,7 +5505,7 @@
                     </a:tc>
                     <a:extLst>
                       <a:ext uri="{0D108BD9-81ED-4DB2-BD59-A6C34878D82A}">
-                        <a16:rowId xmlns:a16="http://schemas.microsoft.com/office/drawing/2014/main" val="141707935"/>
+                        <a16:rowId xmlns:a16="http://schemas.microsoft.com/office/drawing/2014/main" xmlns="" val="141707935"/>
                       </a:ext>
                     </a:extLst>
                   </a:tr>
@@ -5531,14 +5524,14 @@
               <p:nvPr>
                 <p:extLst>
                   <p:ext uri="{D42A27DB-BD31-4B8C-83A1-F6EECF244321}">
-                    <p14:modId xmlns:p14="http://schemas.microsoft.com/office/powerpoint/2010/main" val="2486615769"/>
+                    <p14:modId xmlns:p14="http://schemas.microsoft.com/office/powerpoint/2010/main" val="1765061195"/>
                   </p:ext>
                 </p:extLst>
               </p:nvPr>
             </p:nvGraphicFramePr>
             <p:xfrm>
               <a:off x="5689600" y="1570265"/>
-              <a:ext cx="3517030" cy="3390898"/>
+              <a:ext cx="3159125" cy="3390898"/>
             </p:xfrm>
             <a:graphic>
               <a:graphicData uri="http://schemas.openxmlformats.org/drawingml/2006/table">
@@ -5547,38 +5540,38 @@
                     <a:tableStyleId>{F2DE63D5-997A-4646-A377-4702673A728D}</a:tableStyleId>
                   </a:tblPr>
                   <a:tblGrid>
-                    <a:gridCol w="874038">
+                    <a:gridCol w="785093">
                       <a:extLst>
                         <a:ext uri="{9D8B030D-6E8A-4147-A177-3AD203B41FA5}">
-                          <a16:colId xmlns:a16="http://schemas.microsoft.com/office/drawing/2014/main" val="2070464311"/>
+                          <a16:colId xmlns:a16="http://schemas.microsoft.com/office/drawing/2014/main" xmlns:a14="http://schemas.microsoft.com/office/drawing/2010/main" xmlns="" val="2070464311"/>
                         </a:ext>
                       </a:extLst>
                     </a:gridCol>
-                    <a:gridCol w="532774">
+                    <a:gridCol w="478557">
                       <a:extLst>
                         <a:ext uri="{9D8B030D-6E8A-4147-A177-3AD203B41FA5}">
-                          <a16:colId xmlns:a16="http://schemas.microsoft.com/office/drawing/2014/main" val="2814482158"/>
+                          <a16:colId xmlns:a16="http://schemas.microsoft.com/office/drawing/2014/main" xmlns:a14="http://schemas.microsoft.com/office/drawing/2010/main" xmlns="" val="2814482158"/>
                         </a:ext>
                       </a:extLst>
                     </a:gridCol>
-                    <a:gridCol w="703406">
+                    <a:gridCol w="631825">
                       <a:extLst>
                         <a:ext uri="{9D8B030D-6E8A-4147-A177-3AD203B41FA5}">
-                          <a16:colId xmlns:a16="http://schemas.microsoft.com/office/drawing/2014/main" val="3449075261"/>
+                          <a16:colId xmlns:a16="http://schemas.microsoft.com/office/drawing/2014/main" xmlns:a14="http://schemas.microsoft.com/office/drawing/2010/main" xmlns="" val="3449075261"/>
                         </a:ext>
                       </a:extLst>
                     </a:gridCol>
-                    <a:gridCol w="703406">
+                    <a:gridCol w="631825">
                       <a:extLst>
                         <a:ext uri="{9D8B030D-6E8A-4147-A177-3AD203B41FA5}">
-                          <a16:colId xmlns:a16="http://schemas.microsoft.com/office/drawing/2014/main" val="1813670796"/>
+                          <a16:colId xmlns:a16="http://schemas.microsoft.com/office/drawing/2014/main" xmlns:a14="http://schemas.microsoft.com/office/drawing/2010/main" xmlns="" val="1813670796"/>
                         </a:ext>
                       </a:extLst>
                     </a:gridCol>
-                    <a:gridCol w="703406">
+                    <a:gridCol w="631825">
                       <a:extLst>
                         <a:ext uri="{9D8B030D-6E8A-4147-A177-3AD203B41FA5}">
-                          <a16:colId xmlns:a16="http://schemas.microsoft.com/office/drawing/2014/main" val="1994465920"/>
+                          <a16:colId xmlns:a16="http://schemas.microsoft.com/office/drawing/2014/main" xmlns:a14="http://schemas.microsoft.com/office/drawing/2010/main" xmlns="" val="1994465920"/>
                         </a:ext>
                       </a:extLst>
                     </a:gridCol>
@@ -5631,10 +5624,10 @@
                           <a:noFill/>
                           <a:prstDash val="solid"/>
                         </a:lnBlToTr>
-                        <a:blipFill>
+                        <a:blipFill rotWithShape="1">
                           <a:blip r:embed="rId3"/>
                           <a:stretch>
-                            <a:fillRect l="-694" t="-1190" r="-302778" b="-565476"/>
+                            <a:fillRect t="-1190" r="-302326" b="-561905"/>
                           </a:stretch>
                         </a:blipFill>
                       </a:tcPr>
@@ -5646,7 +5639,7 @@
                         <a:p>
                           <a:pPr algn="ctr"/>
                           <a:r>
-                            <a:rPr lang="en-AU" sz="1400" b="1" i="1" dirty="0"/>
+                            <a:rPr lang="en-AU" sz="1200" b="1" i="1" dirty="0"/>
                             <a:t>#</a:t>
                           </a:r>
                         </a:p>
@@ -5727,10 +5720,10 @@
                           <a:noFill/>
                           <a:prstDash val="solid"/>
                         </a:lnBlToTr>
-                        <a:blipFill>
+                        <a:blipFill rotWithShape="1">
                           <a:blip r:embed="rId3"/>
                           <a:stretch>
-                            <a:fillRect l="-200000" t="-1190" r="-200862" b="-565476"/>
+                            <a:fillRect l="-201942" t="-1190" r="-201942" b="-561905"/>
                           </a:stretch>
                         </a:blipFill>
                       </a:tcPr>
@@ -5776,10 +5769,10 @@
                           <a:noFill/>
                           <a:prstDash val="solid"/>
                         </a:lnBlToTr>
-                        <a:blipFill>
+                        <a:blipFill rotWithShape="1">
                           <a:blip r:embed="rId3"/>
                           <a:stretch>
-                            <a:fillRect l="-302609" t="-1190" r="-102609" b="-565476"/>
+                            <a:fillRect l="-299038" t="-1190" r="-100000" b="-561905"/>
                           </a:stretch>
                         </a:blipFill>
                       </a:tcPr>
@@ -5831,17 +5824,17 @@
                           <a:noFill/>
                           <a:prstDash val="solid"/>
                         </a:lnBlToTr>
-                        <a:blipFill>
+                        <a:blipFill rotWithShape="1">
                           <a:blip r:embed="rId3"/>
                           <a:stretch>
-                            <a:fillRect l="-399138" t="-1190" r="-1724" b="-565476"/>
+                            <a:fillRect l="-399038" t="-1190" b="-561905"/>
                           </a:stretch>
                         </a:blipFill>
                       </a:tcPr>
                     </a:tc>
                     <a:extLst>
                       <a:ext uri="{0D108BD9-81ED-4DB2-BD59-A6C34878D82A}">
-                        <a16:rowId xmlns:a16="http://schemas.microsoft.com/office/drawing/2014/main" val="3176941515"/>
+                        <a16:rowId xmlns:a16="http://schemas.microsoft.com/office/drawing/2014/main" xmlns:a14="http://schemas.microsoft.com/office/drawing/2010/main" xmlns="" val="3176941515"/>
                       </a:ext>
                     </a:extLst>
                   </a:tr>
@@ -6074,7 +6067,7 @@
                     </a:tc>
                     <a:extLst>
                       <a:ext uri="{0D108BD9-81ED-4DB2-BD59-A6C34878D82A}">
-                        <a16:rowId xmlns:a16="http://schemas.microsoft.com/office/drawing/2014/main" val="2673339703"/>
+                        <a16:rowId xmlns:a16="http://schemas.microsoft.com/office/drawing/2014/main" xmlns:a14="http://schemas.microsoft.com/office/drawing/2010/main" xmlns="" val="2673339703"/>
                       </a:ext>
                     </a:extLst>
                   </a:tr>
@@ -6089,7 +6082,6 @@
                             <a:rPr lang="en-AU" sz="900" dirty="0"/>
                             <a:t>YAQNFQGR</a:t>
                           </a:r>
-                          <a:endParaRPr lang="en-AU" sz="900" dirty="0"/>
                         </a:p>
                       </a:txBody>
                       <a:tcPr anchor="ctr">
@@ -6269,7 +6261,7 @@
                     </a:tc>
                     <a:extLst>
                       <a:ext uri="{0D108BD9-81ED-4DB2-BD59-A6C34878D82A}">
-                        <a16:rowId xmlns:a16="http://schemas.microsoft.com/office/drawing/2014/main" val="2736953877"/>
+                        <a16:rowId xmlns:a16="http://schemas.microsoft.com/office/drawing/2014/main" xmlns:a14="http://schemas.microsoft.com/office/drawing/2010/main" xmlns="" val="2736953877"/>
                       </a:ext>
                     </a:extLst>
                   </a:tr>
@@ -6472,7 +6464,7 @@
                     </a:tc>
                     <a:extLst>
                       <a:ext uri="{0D108BD9-81ED-4DB2-BD59-A6C34878D82A}">
-                        <a16:rowId xmlns:a16="http://schemas.microsoft.com/office/drawing/2014/main" val="935999974"/>
+                        <a16:rowId xmlns:a16="http://schemas.microsoft.com/office/drawing/2014/main" xmlns:a14="http://schemas.microsoft.com/office/drawing/2010/main" xmlns="" val="935999974"/>
                       </a:ext>
                     </a:extLst>
                   </a:tr>
@@ -6487,7 +6479,6 @@
                             <a:rPr lang="en-AU" sz="900" dirty="0"/>
                             <a:t>FGTANYAQR</a:t>
                           </a:r>
-                          <a:endParaRPr lang="en-AU" sz="900" dirty="0"/>
                         </a:p>
                       </a:txBody>
                       <a:tcPr anchor="ctr">
@@ -6667,7 +6658,7 @@
                     </a:tc>
                     <a:extLst>
                       <a:ext uri="{0D108BD9-81ED-4DB2-BD59-A6C34878D82A}">
-                        <a16:rowId xmlns:a16="http://schemas.microsoft.com/office/drawing/2014/main" val="3527595651"/>
+                        <a16:rowId xmlns:a16="http://schemas.microsoft.com/office/drawing/2014/main" xmlns:a14="http://schemas.microsoft.com/office/drawing/2010/main" xmlns="" val="3527595651"/>
                       </a:ext>
                     </a:extLst>
                   </a:tr>
@@ -6682,7 +6673,6 @@
                             <a:rPr lang="en-AU" sz="900" dirty="0"/>
                             <a:t>VTLTAD</a:t>
                           </a:r>
-                          <a:endParaRPr lang="en-AU" sz="900" dirty="0"/>
                         </a:p>
                       </a:txBody>
                       <a:tcPr anchor="ctr">
@@ -6862,7 +6852,7 @@
                     </a:tc>
                     <a:extLst>
                       <a:ext uri="{0D108BD9-81ED-4DB2-BD59-A6C34878D82A}">
-                        <a16:rowId xmlns:a16="http://schemas.microsoft.com/office/drawing/2014/main" val="2500584138"/>
+                        <a16:rowId xmlns:a16="http://schemas.microsoft.com/office/drawing/2014/main" xmlns:a14="http://schemas.microsoft.com/office/drawing/2010/main" xmlns="" val="2500584138"/>
                       </a:ext>
                     </a:extLst>
                   </a:tr>
@@ -6877,7 +6867,6 @@
                             <a:rPr lang="en-AU" sz="900" dirty="0"/>
                             <a:t>FATANY</a:t>
                           </a:r>
-                          <a:endParaRPr lang="en-AU" sz="900" dirty="0"/>
                         </a:p>
                       </a:txBody>
                       <a:tcPr anchor="ctr">
@@ -7057,7 +7046,7 @@
                     </a:tc>
                     <a:extLst>
                       <a:ext uri="{0D108BD9-81ED-4DB2-BD59-A6C34878D82A}">
-                        <a16:rowId xmlns:a16="http://schemas.microsoft.com/office/drawing/2014/main" val="1644191295"/>
+                        <a16:rowId xmlns:a16="http://schemas.microsoft.com/office/drawing/2014/main" xmlns:a14="http://schemas.microsoft.com/office/drawing/2010/main" xmlns="" val="1644191295"/>
                       </a:ext>
                     </a:extLst>
                   </a:tr>
@@ -7072,7 +7061,6 @@
                             <a:rPr lang="en-AU" sz="900" dirty="0"/>
                             <a:t>FGTANY</a:t>
                           </a:r>
-                          <a:endParaRPr lang="en-AU" sz="900" dirty="0"/>
                         </a:p>
                       </a:txBody>
                       <a:tcPr anchor="ctr">
@@ -7252,7 +7240,7 @@
                     </a:tc>
                     <a:extLst>
                       <a:ext uri="{0D108BD9-81ED-4DB2-BD59-A6C34878D82A}">
-                        <a16:rowId xmlns:a16="http://schemas.microsoft.com/office/drawing/2014/main" val="2249276370"/>
+                        <a16:rowId xmlns:a16="http://schemas.microsoft.com/office/drawing/2014/main" xmlns:a14="http://schemas.microsoft.com/office/drawing/2010/main" xmlns="" val="2249276370"/>
                       </a:ext>
                     </a:extLst>
                   </a:tr>
@@ -7267,7 +7255,6 @@
                             <a:rPr lang="en-AU" sz="900" dirty="0"/>
                             <a:t>YSQNFQGR</a:t>
                           </a:r>
-                          <a:endParaRPr lang="en-AU" sz="900" dirty="0"/>
                         </a:p>
                       </a:txBody>
                       <a:tcPr anchor="ctr">
@@ -7447,7 +7434,7 @@
                     </a:tc>
                     <a:extLst>
                       <a:ext uri="{0D108BD9-81ED-4DB2-BD59-A6C34878D82A}">
-                        <a16:rowId xmlns:a16="http://schemas.microsoft.com/office/drawing/2014/main" val="889951462"/>
+                        <a16:rowId xmlns:a16="http://schemas.microsoft.com/office/drawing/2014/main" xmlns:a14="http://schemas.microsoft.com/office/drawing/2010/main" xmlns="" val="889951462"/>
                       </a:ext>
                     </a:extLst>
                   </a:tr>
@@ -7462,7 +7449,6 @@
                             <a:rPr lang="en-AU" sz="900" dirty="0"/>
                             <a:t>YAQNFQDR</a:t>
                           </a:r>
-                          <a:endParaRPr lang="en-AU" sz="900" dirty="0"/>
                         </a:p>
                       </a:txBody>
                       <a:tcPr anchor="ctr">
@@ -7672,7 +7658,7 @@
                     </a:tc>
                     <a:extLst>
                       <a:ext uri="{0D108BD9-81ED-4DB2-BD59-A6C34878D82A}">
-                        <a16:rowId xmlns:a16="http://schemas.microsoft.com/office/drawing/2014/main" val="141707935"/>
+                        <a16:rowId xmlns:a16="http://schemas.microsoft.com/office/drawing/2014/main" xmlns:a14="http://schemas.microsoft.com/office/drawing/2010/main" xmlns="" val="141707935"/>
                       </a:ext>
                     </a:extLst>
                   </a:tr>
@@ -7984,7 +7970,7 @@
   <a:extraClrSchemeLst/>
   <a:extLst>
     <a:ext uri="{05A4C25C-085E-4340-85A3-A5531E510DB2}">
-      <thm15:themeFamily xmlns:thm15="http://schemas.microsoft.com/office/thememl/2012/main" name="Office Theme" id="{62F939B6-93AF-4DB8-9C6B-D6C7DFDC589F}" vid="{4A3C46E8-61CC-4603-A589-7422A47A8E4A}"/>
+      <thm15:themeFamily xmlns:thm15="http://schemas.microsoft.com/office/thememl/2012/main" xmlns="" name="Office Theme" id="{62F939B6-93AF-4DB8-9C6B-D6C7DFDC589F}" vid="{4A3C46E8-61CC-4603-A589-7422A47A8E4A}"/>
     </a:ext>
   </a:extLst>
 </a:theme>

--- a/resources/IgFamily.pptx
+++ b/resources/IgFamily.pptx
@@ -6,8 +6,12 @@
   </p:sldMasterIdLst>
   <p:sldIdLst>
     <p:sldId id="256" r:id="rId2"/>
+    <p:sldId id="257" r:id="rId3"/>
+    <p:sldId id="258" r:id="rId4"/>
+    <p:sldId id="260" r:id="rId5"/>
+    <p:sldId id="259" r:id="rId6"/>
   </p:sldIdLst>
-  <p:sldSz cx="12192000" cy="6858000"/>
+  <p:sldSz cx="6858000" cy="9144000" type="screen4x3"/>
   <p:notesSz cx="6858000" cy="9144000"/>
   <p:defaultTextStyle>
     <a:defPPr>
@@ -136,20 +140,16 @@
         </p:nvSpPr>
         <p:spPr>
           <a:xfrm>
-            <a:off x="1524000" y="1122363"/>
-            <a:ext cx="9144000" cy="2387600"/>
+            <a:off x="514350" y="2840568"/>
+            <a:ext cx="5829300" cy="1960033"/>
           </a:xfrm>
         </p:spPr>
         <p:txBody>
-          <a:bodyPr anchor="b"/>
-          <a:lstStyle>
-            <a:lvl1pPr algn="ctr">
-              <a:defRPr sz="6000"/>
-            </a:lvl1pPr>
-          </a:lstStyle>
+          <a:bodyPr/>
+          <a:lstStyle/>
           <a:p>
             <a:r>
-              <a:rPr lang="en-US"/>
+              <a:rPr lang="en-US" smtClean="0"/>
               <a:t>Click to edit Master title style</a:t>
             </a:r>
             <a:endParaRPr lang="en-AU"/>
@@ -168,8 +168,8 @@
         </p:nvSpPr>
         <p:spPr>
           <a:xfrm>
-            <a:off x="1524000" y="3602038"/>
-            <a:ext cx="9144000" cy="1655762"/>
+            <a:off x="1028700" y="5181600"/>
+            <a:ext cx="4800600" cy="2336800"/>
           </a:xfrm>
         </p:spPr>
         <p:txBody>
@@ -177,44 +177,98 @@
           <a:lstStyle>
             <a:lvl1pPr marL="0" indent="0" algn="ctr">
               <a:buNone/>
-              <a:defRPr sz="2400"/>
+              <a:defRPr>
+                <a:solidFill>
+                  <a:schemeClr val="tx1">
+                    <a:tint val="75000"/>
+                  </a:schemeClr>
+                </a:solidFill>
+              </a:defRPr>
             </a:lvl1pPr>
             <a:lvl2pPr marL="457200" indent="0" algn="ctr">
               <a:buNone/>
-              <a:defRPr sz="2000"/>
+              <a:defRPr>
+                <a:solidFill>
+                  <a:schemeClr val="tx1">
+                    <a:tint val="75000"/>
+                  </a:schemeClr>
+                </a:solidFill>
+              </a:defRPr>
             </a:lvl2pPr>
             <a:lvl3pPr marL="914400" indent="0" algn="ctr">
               <a:buNone/>
-              <a:defRPr sz="1800"/>
+              <a:defRPr>
+                <a:solidFill>
+                  <a:schemeClr val="tx1">
+                    <a:tint val="75000"/>
+                  </a:schemeClr>
+                </a:solidFill>
+              </a:defRPr>
             </a:lvl3pPr>
             <a:lvl4pPr marL="1371600" indent="0" algn="ctr">
               <a:buNone/>
-              <a:defRPr sz="1600"/>
+              <a:defRPr>
+                <a:solidFill>
+                  <a:schemeClr val="tx1">
+                    <a:tint val="75000"/>
+                  </a:schemeClr>
+                </a:solidFill>
+              </a:defRPr>
             </a:lvl4pPr>
             <a:lvl5pPr marL="1828800" indent="0" algn="ctr">
               <a:buNone/>
-              <a:defRPr sz="1600"/>
+              <a:defRPr>
+                <a:solidFill>
+                  <a:schemeClr val="tx1">
+                    <a:tint val="75000"/>
+                  </a:schemeClr>
+                </a:solidFill>
+              </a:defRPr>
             </a:lvl5pPr>
             <a:lvl6pPr marL="2286000" indent="0" algn="ctr">
               <a:buNone/>
-              <a:defRPr sz="1600"/>
+              <a:defRPr>
+                <a:solidFill>
+                  <a:schemeClr val="tx1">
+                    <a:tint val="75000"/>
+                  </a:schemeClr>
+                </a:solidFill>
+              </a:defRPr>
             </a:lvl6pPr>
             <a:lvl7pPr marL="2743200" indent="0" algn="ctr">
               <a:buNone/>
-              <a:defRPr sz="1600"/>
+              <a:defRPr>
+                <a:solidFill>
+                  <a:schemeClr val="tx1">
+                    <a:tint val="75000"/>
+                  </a:schemeClr>
+                </a:solidFill>
+              </a:defRPr>
             </a:lvl7pPr>
             <a:lvl8pPr marL="3200400" indent="0" algn="ctr">
               <a:buNone/>
-              <a:defRPr sz="1600"/>
+              <a:defRPr>
+                <a:solidFill>
+                  <a:schemeClr val="tx1">
+                    <a:tint val="75000"/>
+                  </a:schemeClr>
+                </a:solidFill>
+              </a:defRPr>
             </a:lvl8pPr>
             <a:lvl9pPr marL="3657600" indent="0" algn="ctr">
               <a:buNone/>
-              <a:defRPr sz="1600"/>
+              <a:defRPr>
+                <a:solidFill>
+                  <a:schemeClr val="tx1">
+                    <a:tint val="75000"/>
+                  </a:schemeClr>
+                </a:solidFill>
+              </a:defRPr>
             </a:lvl9pPr>
           </a:lstStyle>
           <a:p>
             <a:r>
-              <a:rPr lang="en-US"/>
+              <a:rPr lang="en-US" smtClean="0"/>
               <a:t>Click to edit Master subtitle style</a:t>
             </a:r>
             <a:endParaRPr lang="en-AU"/>
@@ -236,9 +290,9 @@
           <a:bodyPr/>
           <a:lstStyle/>
           <a:p>
-            <a:fld id="{E8E323B8-8316-4D7E-A45B-C020709A219F}" type="datetimeFigureOut">
+            <a:fld id="{A1603105-CD7D-46BB-B5E1-D51F2A03682D}" type="datetimeFigureOut">
               <a:rPr lang="en-AU" smtClean="0"/>
-              <a:t>10/11/2016</a:t>
+              <a:t>11/11/2016</a:t>
             </a:fld>
             <a:endParaRPr lang="en-AU"/>
           </a:p>
@@ -278,7 +332,7 @@
           <a:bodyPr/>
           <a:lstStyle/>
           <a:p>
-            <a:fld id="{80B98BCC-D1C3-43A6-9D4C-05666A0B7708}" type="slidenum">
+            <a:fld id="{09776DF5-5E6C-4175-9102-593FA19323B2}" type="slidenum">
               <a:rPr lang="en-AU" smtClean="0"/>
               <a:t>‹#›</a:t>
             </a:fld>
@@ -289,7 +343,7 @@
     </p:spTree>
     <p:extLst>
       <p:ext uri="{BB962C8B-B14F-4D97-AF65-F5344CB8AC3E}">
-        <p14:creationId xmlns:p14="http://schemas.microsoft.com/office/powerpoint/2010/main" val="1225451774"/>
+        <p14:creationId xmlns:p14="http://schemas.microsoft.com/office/powerpoint/2010/main" val="238473450"/>
       </p:ext>
     </p:extLst>
   </p:cSld>
@@ -332,7 +386,7 @@
           <a:lstStyle/>
           <a:p>
             <a:r>
-              <a:rPr lang="en-US"/>
+              <a:rPr lang="en-US" smtClean="0"/>
               <a:t>Click to edit Master title style</a:t>
             </a:r>
             <a:endParaRPr lang="en-AU"/>
@@ -356,35 +410,35 @@
           <a:p>
             <a:pPr lvl="0"/>
             <a:r>
-              <a:rPr lang="en-US"/>
-              <a:t>Edit Master text styles</a:t>
+              <a:rPr lang="en-US" smtClean="0"/>
+              <a:t>Click to edit Master text styles</a:t>
             </a:r>
           </a:p>
           <a:p>
             <a:pPr lvl="1"/>
             <a:r>
-              <a:rPr lang="en-US"/>
+              <a:rPr lang="en-US" smtClean="0"/>
               <a:t>Second level</a:t>
             </a:r>
           </a:p>
           <a:p>
             <a:pPr lvl="2"/>
             <a:r>
-              <a:rPr lang="en-US"/>
+              <a:rPr lang="en-US" smtClean="0"/>
               <a:t>Third level</a:t>
             </a:r>
           </a:p>
           <a:p>
             <a:pPr lvl="3"/>
             <a:r>
-              <a:rPr lang="en-US"/>
+              <a:rPr lang="en-US" smtClean="0"/>
               <a:t>Fourth level</a:t>
             </a:r>
           </a:p>
           <a:p>
             <a:pPr lvl="4"/>
             <a:r>
-              <a:rPr lang="en-US"/>
+              <a:rPr lang="en-US" smtClean="0"/>
               <a:t>Fifth level</a:t>
             </a:r>
             <a:endParaRPr lang="en-AU"/>
@@ -406,9 +460,9 @@
           <a:bodyPr/>
           <a:lstStyle/>
           <a:p>
-            <a:fld id="{E8E323B8-8316-4D7E-A45B-C020709A219F}" type="datetimeFigureOut">
+            <a:fld id="{A1603105-CD7D-46BB-B5E1-D51F2A03682D}" type="datetimeFigureOut">
               <a:rPr lang="en-AU" smtClean="0"/>
-              <a:t>10/11/2016</a:t>
+              <a:t>11/11/2016</a:t>
             </a:fld>
             <a:endParaRPr lang="en-AU"/>
           </a:p>
@@ -448,7 +502,7 @@
           <a:bodyPr/>
           <a:lstStyle/>
           <a:p>
-            <a:fld id="{80B98BCC-D1C3-43A6-9D4C-05666A0B7708}" type="slidenum">
+            <a:fld id="{09776DF5-5E6C-4175-9102-593FA19323B2}" type="slidenum">
               <a:rPr lang="en-AU" smtClean="0"/>
               <a:t>‹#›</a:t>
             </a:fld>
@@ -459,7 +513,7 @@
     </p:spTree>
     <p:extLst>
       <p:ext uri="{BB962C8B-B14F-4D97-AF65-F5344CB8AC3E}">
-        <p14:creationId xmlns:p14="http://schemas.microsoft.com/office/powerpoint/2010/main" val="3222686317"/>
+        <p14:creationId xmlns:p14="http://schemas.microsoft.com/office/powerpoint/2010/main" val="2154905721"/>
       </p:ext>
     </p:extLst>
   </p:cSld>
@@ -498,8 +552,8 @@
         </p:nvSpPr>
         <p:spPr>
           <a:xfrm>
-            <a:off x="8724900" y="365125"/>
-            <a:ext cx="2628900" cy="5811838"/>
+            <a:off x="4972050" y="366185"/>
+            <a:ext cx="1543050" cy="7802033"/>
           </a:xfrm>
         </p:spPr>
         <p:txBody>
@@ -507,7 +561,7 @@
           <a:lstStyle/>
           <a:p>
             <a:r>
-              <a:rPr lang="en-US"/>
+              <a:rPr lang="en-US" smtClean="0"/>
               <a:t>Click to edit Master title style</a:t>
             </a:r>
             <a:endParaRPr lang="en-AU"/>
@@ -526,8 +580,8 @@
         </p:nvSpPr>
         <p:spPr>
           <a:xfrm>
-            <a:off x="838200" y="365125"/>
-            <a:ext cx="7734300" cy="5811838"/>
+            <a:off x="342900" y="366185"/>
+            <a:ext cx="4514850" cy="7802033"/>
           </a:xfrm>
         </p:spPr>
         <p:txBody>
@@ -536,35 +590,35 @@
           <a:p>
             <a:pPr lvl="0"/>
             <a:r>
-              <a:rPr lang="en-US"/>
-              <a:t>Edit Master text styles</a:t>
+              <a:rPr lang="en-US" smtClean="0"/>
+              <a:t>Click to edit Master text styles</a:t>
             </a:r>
           </a:p>
           <a:p>
             <a:pPr lvl="1"/>
             <a:r>
-              <a:rPr lang="en-US"/>
+              <a:rPr lang="en-US" smtClean="0"/>
               <a:t>Second level</a:t>
             </a:r>
           </a:p>
           <a:p>
             <a:pPr lvl="2"/>
             <a:r>
-              <a:rPr lang="en-US"/>
+              <a:rPr lang="en-US" smtClean="0"/>
               <a:t>Third level</a:t>
             </a:r>
           </a:p>
           <a:p>
             <a:pPr lvl="3"/>
             <a:r>
-              <a:rPr lang="en-US"/>
+              <a:rPr lang="en-US" smtClean="0"/>
               <a:t>Fourth level</a:t>
             </a:r>
           </a:p>
           <a:p>
             <a:pPr lvl="4"/>
             <a:r>
-              <a:rPr lang="en-US"/>
+              <a:rPr lang="en-US" smtClean="0"/>
               <a:t>Fifth level</a:t>
             </a:r>
             <a:endParaRPr lang="en-AU"/>
@@ -586,9 +640,9 @@
           <a:bodyPr/>
           <a:lstStyle/>
           <a:p>
-            <a:fld id="{E8E323B8-8316-4D7E-A45B-C020709A219F}" type="datetimeFigureOut">
+            <a:fld id="{A1603105-CD7D-46BB-B5E1-D51F2A03682D}" type="datetimeFigureOut">
               <a:rPr lang="en-AU" smtClean="0"/>
-              <a:t>10/11/2016</a:t>
+              <a:t>11/11/2016</a:t>
             </a:fld>
             <a:endParaRPr lang="en-AU"/>
           </a:p>
@@ -628,7 +682,7 @@
           <a:bodyPr/>
           <a:lstStyle/>
           <a:p>
-            <a:fld id="{80B98BCC-D1C3-43A6-9D4C-05666A0B7708}" type="slidenum">
+            <a:fld id="{09776DF5-5E6C-4175-9102-593FA19323B2}" type="slidenum">
               <a:rPr lang="en-AU" smtClean="0"/>
               <a:t>‹#›</a:t>
             </a:fld>
@@ -639,7 +693,7 @@
     </p:spTree>
     <p:extLst>
       <p:ext uri="{BB962C8B-B14F-4D97-AF65-F5344CB8AC3E}">
-        <p14:creationId xmlns:p14="http://schemas.microsoft.com/office/powerpoint/2010/main" val="325190292"/>
+        <p14:creationId xmlns:p14="http://schemas.microsoft.com/office/powerpoint/2010/main" val="3564101372"/>
       </p:ext>
     </p:extLst>
   </p:cSld>
@@ -682,7 +736,7 @@
           <a:lstStyle/>
           <a:p>
             <a:r>
-              <a:rPr lang="en-US"/>
+              <a:rPr lang="en-US" smtClean="0"/>
               <a:t>Click to edit Master title style</a:t>
             </a:r>
             <a:endParaRPr lang="en-AU"/>
@@ -706,35 +760,35 @@
           <a:p>
             <a:pPr lvl="0"/>
             <a:r>
-              <a:rPr lang="en-US"/>
-              <a:t>Edit Master text styles</a:t>
+              <a:rPr lang="en-US" smtClean="0"/>
+              <a:t>Click to edit Master text styles</a:t>
             </a:r>
           </a:p>
           <a:p>
             <a:pPr lvl="1"/>
             <a:r>
-              <a:rPr lang="en-US"/>
+              <a:rPr lang="en-US" smtClean="0"/>
               <a:t>Second level</a:t>
             </a:r>
           </a:p>
           <a:p>
             <a:pPr lvl="2"/>
             <a:r>
-              <a:rPr lang="en-US"/>
+              <a:rPr lang="en-US" smtClean="0"/>
               <a:t>Third level</a:t>
             </a:r>
           </a:p>
           <a:p>
             <a:pPr lvl="3"/>
             <a:r>
-              <a:rPr lang="en-US"/>
+              <a:rPr lang="en-US" smtClean="0"/>
               <a:t>Fourth level</a:t>
             </a:r>
           </a:p>
           <a:p>
             <a:pPr lvl="4"/>
             <a:r>
-              <a:rPr lang="en-US"/>
+              <a:rPr lang="en-US" smtClean="0"/>
               <a:t>Fifth level</a:t>
             </a:r>
             <a:endParaRPr lang="en-AU"/>
@@ -756,9 +810,9 @@
           <a:bodyPr/>
           <a:lstStyle/>
           <a:p>
-            <a:fld id="{E8E323B8-8316-4D7E-A45B-C020709A219F}" type="datetimeFigureOut">
+            <a:fld id="{A1603105-CD7D-46BB-B5E1-D51F2A03682D}" type="datetimeFigureOut">
               <a:rPr lang="en-AU" smtClean="0"/>
-              <a:t>10/11/2016</a:t>
+              <a:t>11/11/2016</a:t>
             </a:fld>
             <a:endParaRPr lang="en-AU"/>
           </a:p>
@@ -798,7 +852,7 @@
           <a:bodyPr/>
           <a:lstStyle/>
           <a:p>
-            <a:fld id="{80B98BCC-D1C3-43A6-9D4C-05666A0B7708}" type="slidenum">
+            <a:fld id="{09776DF5-5E6C-4175-9102-593FA19323B2}" type="slidenum">
               <a:rPr lang="en-AU" smtClean="0"/>
               <a:t>‹#›</a:t>
             </a:fld>
@@ -809,7 +863,7 @@
     </p:spTree>
     <p:extLst>
       <p:ext uri="{BB962C8B-B14F-4D97-AF65-F5344CB8AC3E}">
-        <p14:creationId xmlns:p14="http://schemas.microsoft.com/office/powerpoint/2010/main" val="3629423577"/>
+        <p14:creationId xmlns:p14="http://schemas.microsoft.com/office/powerpoint/2010/main" val="914856727"/>
       </p:ext>
     </p:extLst>
   </p:cSld>
@@ -848,20 +902,20 @@
         </p:nvSpPr>
         <p:spPr>
           <a:xfrm>
-            <a:off x="831850" y="1709738"/>
-            <a:ext cx="10515600" cy="2852737"/>
+            <a:off x="541735" y="5875867"/>
+            <a:ext cx="5829300" cy="1816100"/>
           </a:xfrm>
         </p:spPr>
         <p:txBody>
-          <a:bodyPr anchor="b"/>
+          <a:bodyPr anchor="t"/>
           <a:lstStyle>
-            <a:lvl1pPr>
-              <a:defRPr sz="6000"/>
+            <a:lvl1pPr algn="l">
+              <a:defRPr sz="4000" b="1" cap="all"/>
             </a:lvl1pPr>
           </a:lstStyle>
           <a:p>
             <a:r>
-              <a:rPr lang="en-US"/>
+              <a:rPr lang="en-US" smtClean="0"/>
               <a:t>Click to edit Master title style</a:t>
             </a:r>
             <a:endParaRPr lang="en-AU"/>
@@ -880,16 +934,16 @@
         </p:nvSpPr>
         <p:spPr>
           <a:xfrm>
-            <a:off x="831850" y="4589463"/>
-            <a:ext cx="10515600" cy="1500187"/>
+            <a:off x="541735" y="3875618"/>
+            <a:ext cx="5829300" cy="2000249"/>
           </a:xfrm>
         </p:spPr>
         <p:txBody>
-          <a:bodyPr/>
+          <a:bodyPr anchor="b"/>
           <a:lstStyle>
             <a:lvl1pPr marL="0" indent="0">
               <a:buNone/>
-              <a:defRPr sz="2400">
+              <a:defRPr sz="2000">
                 <a:solidFill>
                   <a:schemeClr val="tx1">
                     <a:tint val="75000"/>
@@ -899,7 +953,7 @@
             </a:lvl1pPr>
             <a:lvl2pPr marL="457200" indent="0">
               <a:buNone/>
-              <a:defRPr sz="2000">
+              <a:defRPr sz="1800">
                 <a:solidFill>
                   <a:schemeClr val="tx1">
                     <a:tint val="75000"/>
@@ -909,7 +963,7 @@
             </a:lvl2pPr>
             <a:lvl3pPr marL="914400" indent="0">
               <a:buNone/>
-              <a:defRPr sz="1800">
+              <a:defRPr sz="1600">
                 <a:solidFill>
                   <a:schemeClr val="tx1">
                     <a:tint val="75000"/>
@@ -919,7 +973,7 @@
             </a:lvl3pPr>
             <a:lvl4pPr marL="1371600" indent="0">
               <a:buNone/>
-              <a:defRPr sz="1600">
+              <a:defRPr sz="1400">
                 <a:solidFill>
                   <a:schemeClr val="tx1">
                     <a:tint val="75000"/>
@@ -929,7 +983,7 @@
             </a:lvl4pPr>
             <a:lvl5pPr marL="1828800" indent="0">
               <a:buNone/>
-              <a:defRPr sz="1600">
+              <a:defRPr sz="1400">
                 <a:solidFill>
                   <a:schemeClr val="tx1">
                     <a:tint val="75000"/>
@@ -939,7 +993,7 @@
             </a:lvl5pPr>
             <a:lvl6pPr marL="2286000" indent="0">
               <a:buNone/>
-              <a:defRPr sz="1600">
+              <a:defRPr sz="1400">
                 <a:solidFill>
                   <a:schemeClr val="tx1">
                     <a:tint val="75000"/>
@@ -949,7 +1003,7 @@
             </a:lvl6pPr>
             <a:lvl7pPr marL="2743200" indent="0">
               <a:buNone/>
-              <a:defRPr sz="1600">
+              <a:defRPr sz="1400">
                 <a:solidFill>
                   <a:schemeClr val="tx1">
                     <a:tint val="75000"/>
@@ -959,7 +1013,7 @@
             </a:lvl7pPr>
             <a:lvl8pPr marL="3200400" indent="0">
               <a:buNone/>
-              <a:defRPr sz="1600">
+              <a:defRPr sz="1400">
                 <a:solidFill>
                   <a:schemeClr val="tx1">
                     <a:tint val="75000"/>
@@ -969,7 +1023,7 @@
             </a:lvl8pPr>
             <a:lvl9pPr marL="3657600" indent="0">
               <a:buNone/>
-              <a:defRPr sz="1600">
+              <a:defRPr sz="1400">
                 <a:solidFill>
                   <a:schemeClr val="tx1">
                     <a:tint val="75000"/>
@@ -981,8 +1035,8 @@
           <a:p>
             <a:pPr lvl="0"/>
             <a:r>
-              <a:rPr lang="en-US"/>
-              <a:t>Edit Master text styles</a:t>
+              <a:rPr lang="en-US" smtClean="0"/>
+              <a:t>Click to edit Master text styles</a:t>
             </a:r>
           </a:p>
         </p:txBody>
@@ -1002,9 +1056,9 @@
           <a:bodyPr/>
           <a:lstStyle/>
           <a:p>
-            <a:fld id="{E8E323B8-8316-4D7E-A45B-C020709A219F}" type="datetimeFigureOut">
+            <a:fld id="{A1603105-CD7D-46BB-B5E1-D51F2A03682D}" type="datetimeFigureOut">
               <a:rPr lang="en-AU" smtClean="0"/>
-              <a:t>10/11/2016</a:t>
+              <a:t>11/11/2016</a:t>
             </a:fld>
             <a:endParaRPr lang="en-AU"/>
           </a:p>
@@ -1044,7 +1098,7 @@
           <a:bodyPr/>
           <a:lstStyle/>
           <a:p>
-            <a:fld id="{80B98BCC-D1C3-43A6-9D4C-05666A0B7708}" type="slidenum">
+            <a:fld id="{09776DF5-5E6C-4175-9102-593FA19323B2}" type="slidenum">
               <a:rPr lang="en-AU" smtClean="0"/>
               <a:t>‹#›</a:t>
             </a:fld>
@@ -1055,7 +1109,7 @@
     </p:spTree>
     <p:extLst>
       <p:ext uri="{BB962C8B-B14F-4D97-AF65-F5344CB8AC3E}">
-        <p14:creationId xmlns:p14="http://schemas.microsoft.com/office/powerpoint/2010/main" val="1365782357"/>
+        <p14:creationId xmlns:p14="http://schemas.microsoft.com/office/powerpoint/2010/main" val="2231719031"/>
       </p:ext>
     </p:extLst>
   </p:cSld>
@@ -1098,7 +1152,7 @@
           <a:lstStyle/>
           <a:p>
             <a:r>
-              <a:rPr lang="en-US"/>
+              <a:rPr lang="en-US" smtClean="0"/>
               <a:t>Click to edit Master title style</a:t>
             </a:r>
             <a:endParaRPr lang="en-AU"/>
@@ -1117,45 +1171,73 @@
         </p:nvSpPr>
         <p:spPr>
           <a:xfrm>
-            <a:off x="838200" y="1825625"/>
-            <a:ext cx="5181600" cy="4351338"/>
+            <a:off x="342900" y="2133601"/>
+            <a:ext cx="3028950" cy="6034617"/>
           </a:xfrm>
         </p:spPr>
         <p:txBody>
           <a:bodyPr/>
-          <a:lstStyle/>
+          <a:lstStyle>
+            <a:lvl1pPr>
+              <a:defRPr sz="2800"/>
+            </a:lvl1pPr>
+            <a:lvl2pPr>
+              <a:defRPr sz="2400"/>
+            </a:lvl2pPr>
+            <a:lvl3pPr>
+              <a:defRPr sz="2000"/>
+            </a:lvl3pPr>
+            <a:lvl4pPr>
+              <a:defRPr sz="1800"/>
+            </a:lvl4pPr>
+            <a:lvl5pPr>
+              <a:defRPr sz="1800"/>
+            </a:lvl5pPr>
+            <a:lvl6pPr>
+              <a:defRPr sz="1800"/>
+            </a:lvl6pPr>
+            <a:lvl7pPr>
+              <a:defRPr sz="1800"/>
+            </a:lvl7pPr>
+            <a:lvl8pPr>
+              <a:defRPr sz="1800"/>
+            </a:lvl8pPr>
+            <a:lvl9pPr>
+              <a:defRPr sz="1800"/>
+            </a:lvl9pPr>
+          </a:lstStyle>
           <a:p>
             <a:pPr lvl="0"/>
             <a:r>
-              <a:rPr lang="en-US"/>
-              <a:t>Edit Master text styles</a:t>
+              <a:rPr lang="en-US" smtClean="0"/>
+              <a:t>Click to edit Master text styles</a:t>
             </a:r>
           </a:p>
           <a:p>
             <a:pPr lvl="1"/>
             <a:r>
-              <a:rPr lang="en-US"/>
+              <a:rPr lang="en-US" smtClean="0"/>
               <a:t>Second level</a:t>
             </a:r>
           </a:p>
           <a:p>
             <a:pPr lvl="2"/>
             <a:r>
-              <a:rPr lang="en-US"/>
+              <a:rPr lang="en-US" smtClean="0"/>
               <a:t>Third level</a:t>
             </a:r>
           </a:p>
           <a:p>
             <a:pPr lvl="3"/>
             <a:r>
-              <a:rPr lang="en-US"/>
+              <a:rPr lang="en-US" smtClean="0"/>
               <a:t>Fourth level</a:t>
             </a:r>
           </a:p>
           <a:p>
             <a:pPr lvl="4"/>
             <a:r>
-              <a:rPr lang="en-US"/>
+              <a:rPr lang="en-US" smtClean="0"/>
               <a:t>Fifth level</a:t>
             </a:r>
             <a:endParaRPr lang="en-AU"/>
@@ -1174,45 +1256,73 @@
         </p:nvSpPr>
         <p:spPr>
           <a:xfrm>
-            <a:off x="6172200" y="1825625"/>
-            <a:ext cx="5181600" cy="4351338"/>
+            <a:off x="3486150" y="2133601"/>
+            <a:ext cx="3028950" cy="6034617"/>
           </a:xfrm>
         </p:spPr>
         <p:txBody>
           <a:bodyPr/>
-          <a:lstStyle/>
+          <a:lstStyle>
+            <a:lvl1pPr>
+              <a:defRPr sz="2800"/>
+            </a:lvl1pPr>
+            <a:lvl2pPr>
+              <a:defRPr sz="2400"/>
+            </a:lvl2pPr>
+            <a:lvl3pPr>
+              <a:defRPr sz="2000"/>
+            </a:lvl3pPr>
+            <a:lvl4pPr>
+              <a:defRPr sz="1800"/>
+            </a:lvl4pPr>
+            <a:lvl5pPr>
+              <a:defRPr sz="1800"/>
+            </a:lvl5pPr>
+            <a:lvl6pPr>
+              <a:defRPr sz="1800"/>
+            </a:lvl6pPr>
+            <a:lvl7pPr>
+              <a:defRPr sz="1800"/>
+            </a:lvl7pPr>
+            <a:lvl8pPr>
+              <a:defRPr sz="1800"/>
+            </a:lvl8pPr>
+            <a:lvl9pPr>
+              <a:defRPr sz="1800"/>
+            </a:lvl9pPr>
+          </a:lstStyle>
           <a:p>
             <a:pPr lvl="0"/>
             <a:r>
-              <a:rPr lang="en-US"/>
-              <a:t>Edit Master text styles</a:t>
+              <a:rPr lang="en-US" smtClean="0"/>
+              <a:t>Click to edit Master text styles</a:t>
             </a:r>
           </a:p>
           <a:p>
             <a:pPr lvl="1"/>
             <a:r>
-              <a:rPr lang="en-US"/>
+              <a:rPr lang="en-US" smtClean="0"/>
               <a:t>Second level</a:t>
             </a:r>
           </a:p>
           <a:p>
             <a:pPr lvl="2"/>
             <a:r>
-              <a:rPr lang="en-US"/>
+              <a:rPr lang="en-US" smtClean="0"/>
               <a:t>Third level</a:t>
             </a:r>
           </a:p>
           <a:p>
             <a:pPr lvl="3"/>
             <a:r>
-              <a:rPr lang="en-US"/>
+              <a:rPr lang="en-US" smtClean="0"/>
               <a:t>Fourth level</a:t>
             </a:r>
           </a:p>
           <a:p>
             <a:pPr lvl="4"/>
             <a:r>
-              <a:rPr lang="en-US"/>
+              <a:rPr lang="en-US" smtClean="0"/>
               <a:t>Fifth level</a:t>
             </a:r>
             <a:endParaRPr lang="en-AU"/>
@@ -1234,9 +1344,9 @@
           <a:bodyPr/>
           <a:lstStyle/>
           <a:p>
-            <a:fld id="{E8E323B8-8316-4D7E-A45B-C020709A219F}" type="datetimeFigureOut">
+            <a:fld id="{A1603105-CD7D-46BB-B5E1-D51F2A03682D}" type="datetimeFigureOut">
               <a:rPr lang="en-AU" smtClean="0"/>
-              <a:t>10/11/2016</a:t>
+              <a:t>11/11/2016</a:t>
             </a:fld>
             <a:endParaRPr lang="en-AU"/>
           </a:p>
@@ -1276,7 +1386,7 @@
           <a:bodyPr/>
           <a:lstStyle/>
           <a:p>
-            <a:fld id="{80B98BCC-D1C3-43A6-9D4C-05666A0B7708}" type="slidenum">
+            <a:fld id="{09776DF5-5E6C-4175-9102-593FA19323B2}" type="slidenum">
               <a:rPr lang="en-AU" smtClean="0"/>
               <a:t>‹#›</a:t>
             </a:fld>
@@ -1287,7 +1397,7 @@
     </p:spTree>
     <p:extLst>
       <p:ext uri="{BB962C8B-B14F-4D97-AF65-F5344CB8AC3E}">
-        <p14:creationId xmlns:p14="http://schemas.microsoft.com/office/powerpoint/2010/main" val="2335410076"/>
+        <p14:creationId xmlns:p14="http://schemas.microsoft.com/office/powerpoint/2010/main" val="957125827"/>
       </p:ext>
     </p:extLst>
   </p:cSld>
@@ -1324,18 +1434,17 @@
             <p:ph type="title"/>
           </p:nvPr>
         </p:nvSpPr>
-        <p:spPr>
-          <a:xfrm>
-            <a:off x="839788" y="365125"/>
-            <a:ext cx="10515600" cy="1325563"/>
-          </a:xfrm>
-        </p:spPr>
+        <p:spPr/>
         <p:txBody>
           <a:bodyPr/>
-          <a:lstStyle/>
+          <a:lstStyle>
+            <a:lvl1pPr>
+              <a:defRPr/>
+            </a:lvl1pPr>
+          </a:lstStyle>
           <a:p>
             <a:r>
-              <a:rPr lang="en-US"/>
+              <a:rPr lang="en-US" smtClean="0"/>
               <a:t>Click to edit Master title style</a:t>
             </a:r>
             <a:endParaRPr lang="en-AU"/>
@@ -1354,8 +1463,8 @@
         </p:nvSpPr>
         <p:spPr>
           <a:xfrm>
-            <a:off x="839788" y="1681163"/>
-            <a:ext cx="5157787" cy="823912"/>
+            <a:off x="342900" y="2046817"/>
+            <a:ext cx="3030141" cy="853016"/>
           </a:xfrm>
         </p:spPr>
         <p:txBody>
@@ -1401,8 +1510,8 @@
           <a:p>
             <a:pPr lvl="0"/>
             <a:r>
-              <a:rPr lang="en-US"/>
-              <a:t>Edit Master text styles</a:t>
+              <a:rPr lang="en-US" smtClean="0"/>
+              <a:t>Click to edit Master text styles</a:t>
             </a:r>
           </a:p>
         </p:txBody>
@@ -1419,45 +1528,73 @@
         </p:nvSpPr>
         <p:spPr>
           <a:xfrm>
-            <a:off x="839788" y="2505075"/>
-            <a:ext cx="5157787" cy="3684588"/>
+            <a:off x="342900" y="2899833"/>
+            <a:ext cx="3030141" cy="5268384"/>
           </a:xfrm>
         </p:spPr>
         <p:txBody>
           <a:bodyPr/>
-          <a:lstStyle/>
+          <a:lstStyle>
+            <a:lvl1pPr>
+              <a:defRPr sz="2400"/>
+            </a:lvl1pPr>
+            <a:lvl2pPr>
+              <a:defRPr sz="2000"/>
+            </a:lvl2pPr>
+            <a:lvl3pPr>
+              <a:defRPr sz="1800"/>
+            </a:lvl3pPr>
+            <a:lvl4pPr>
+              <a:defRPr sz="1600"/>
+            </a:lvl4pPr>
+            <a:lvl5pPr>
+              <a:defRPr sz="1600"/>
+            </a:lvl5pPr>
+            <a:lvl6pPr>
+              <a:defRPr sz="1600"/>
+            </a:lvl6pPr>
+            <a:lvl7pPr>
+              <a:defRPr sz="1600"/>
+            </a:lvl7pPr>
+            <a:lvl8pPr>
+              <a:defRPr sz="1600"/>
+            </a:lvl8pPr>
+            <a:lvl9pPr>
+              <a:defRPr sz="1600"/>
+            </a:lvl9pPr>
+          </a:lstStyle>
           <a:p>
             <a:pPr lvl="0"/>
             <a:r>
-              <a:rPr lang="en-US"/>
-              <a:t>Edit Master text styles</a:t>
+              <a:rPr lang="en-US" smtClean="0"/>
+              <a:t>Click to edit Master text styles</a:t>
             </a:r>
           </a:p>
           <a:p>
             <a:pPr lvl="1"/>
             <a:r>
-              <a:rPr lang="en-US"/>
+              <a:rPr lang="en-US" smtClean="0"/>
               <a:t>Second level</a:t>
             </a:r>
           </a:p>
           <a:p>
             <a:pPr lvl="2"/>
             <a:r>
-              <a:rPr lang="en-US"/>
+              <a:rPr lang="en-US" smtClean="0"/>
               <a:t>Third level</a:t>
             </a:r>
           </a:p>
           <a:p>
             <a:pPr lvl="3"/>
             <a:r>
-              <a:rPr lang="en-US"/>
+              <a:rPr lang="en-US" smtClean="0"/>
               <a:t>Fourth level</a:t>
             </a:r>
           </a:p>
           <a:p>
             <a:pPr lvl="4"/>
             <a:r>
-              <a:rPr lang="en-US"/>
+              <a:rPr lang="en-US" smtClean="0"/>
               <a:t>Fifth level</a:t>
             </a:r>
             <a:endParaRPr lang="en-AU"/>
@@ -1476,8 +1613,8 @@
         </p:nvSpPr>
         <p:spPr>
           <a:xfrm>
-            <a:off x="6172200" y="1681163"/>
-            <a:ext cx="5183188" cy="823912"/>
+            <a:off x="3483769" y="2046817"/>
+            <a:ext cx="3031331" cy="853016"/>
           </a:xfrm>
         </p:spPr>
         <p:txBody>
@@ -1523,8 +1660,8 @@
           <a:p>
             <a:pPr lvl="0"/>
             <a:r>
-              <a:rPr lang="en-US"/>
-              <a:t>Edit Master text styles</a:t>
+              <a:rPr lang="en-US" smtClean="0"/>
+              <a:t>Click to edit Master text styles</a:t>
             </a:r>
           </a:p>
         </p:txBody>
@@ -1541,45 +1678,73 @@
         </p:nvSpPr>
         <p:spPr>
           <a:xfrm>
-            <a:off x="6172200" y="2505075"/>
-            <a:ext cx="5183188" cy="3684588"/>
+            <a:off x="3483769" y="2899833"/>
+            <a:ext cx="3031331" cy="5268384"/>
           </a:xfrm>
         </p:spPr>
         <p:txBody>
           <a:bodyPr/>
-          <a:lstStyle/>
+          <a:lstStyle>
+            <a:lvl1pPr>
+              <a:defRPr sz="2400"/>
+            </a:lvl1pPr>
+            <a:lvl2pPr>
+              <a:defRPr sz="2000"/>
+            </a:lvl2pPr>
+            <a:lvl3pPr>
+              <a:defRPr sz="1800"/>
+            </a:lvl3pPr>
+            <a:lvl4pPr>
+              <a:defRPr sz="1600"/>
+            </a:lvl4pPr>
+            <a:lvl5pPr>
+              <a:defRPr sz="1600"/>
+            </a:lvl5pPr>
+            <a:lvl6pPr>
+              <a:defRPr sz="1600"/>
+            </a:lvl6pPr>
+            <a:lvl7pPr>
+              <a:defRPr sz="1600"/>
+            </a:lvl7pPr>
+            <a:lvl8pPr>
+              <a:defRPr sz="1600"/>
+            </a:lvl8pPr>
+            <a:lvl9pPr>
+              <a:defRPr sz="1600"/>
+            </a:lvl9pPr>
+          </a:lstStyle>
           <a:p>
             <a:pPr lvl="0"/>
             <a:r>
-              <a:rPr lang="en-US"/>
-              <a:t>Edit Master text styles</a:t>
+              <a:rPr lang="en-US" smtClean="0"/>
+              <a:t>Click to edit Master text styles</a:t>
             </a:r>
           </a:p>
           <a:p>
             <a:pPr lvl="1"/>
             <a:r>
-              <a:rPr lang="en-US"/>
+              <a:rPr lang="en-US" smtClean="0"/>
               <a:t>Second level</a:t>
             </a:r>
           </a:p>
           <a:p>
             <a:pPr lvl="2"/>
             <a:r>
-              <a:rPr lang="en-US"/>
+              <a:rPr lang="en-US" smtClean="0"/>
               <a:t>Third level</a:t>
             </a:r>
           </a:p>
           <a:p>
             <a:pPr lvl="3"/>
             <a:r>
-              <a:rPr lang="en-US"/>
+              <a:rPr lang="en-US" smtClean="0"/>
               <a:t>Fourth level</a:t>
             </a:r>
           </a:p>
           <a:p>
             <a:pPr lvl="4"/>
             <a:r>
-              <a:rPr lang="en-US"/>
+              <a:rPr lang="en-US" smtClean="0"/>
               <a:t>Fifth level</a:t>
             </a:r>
             <a:endParaRPr lang="en-AU"/>
@@ -1601,9 +1766,9 @@
           <a:bodyPr/>
           <a:lstStyle/>
           <a:p>
-            <a:fld id="{E8E323B8-8316-4D7E-A45B-C020709A219F}" type="datetimeFigureOut">
+            <a:fld id="{A1603105-CD7D-46BB-B5E1-D51F2A03682D}" type="datetimeFigureOut">
               <a:rPr lang="en-AU" smtClean="0"/>
-              <a:t>10/11/2016</a:t>
+              <a:t>11/11/2016</a:t>
             </a:fld>
             <a:endParaRPr lang="en-AU"/>
           </a:p>
@@ -1643,7 +1808,7 @@
           <a:bodyPr/>
           <a:lstStyle/>
           <a:p>
-            <a:fld id="{80B98BCC-D1C3-43A6-9D4C-05666A0B7708}" type="slidenum">
+            <a:fld id="{09776DF5-5E6C-4175-9102-593FA19323B2}" type="slidenum">
               <a:rPr lang="en-AU" smtClean="0"/>
               <a:t>‹#›</a:t>
             </a:fld>
@@ -1654,7 +1819,7 @@
     </p:spTree>
     <p:extLst>
       <p:ext uri="{BB962C8B-B14F-4D97-AF65-F5344CB8AC3E}">
-        <p14:creationId xmlns:p14="http://schemas.microsoft.com/office/powerpoint/2010/main" val="2120961224"/>
+        <p14:creationId xmlns:p14="http://schemas.microsoft.com/office/powerpoint/2010/main" val="619685383"/>
       </p:ext>
     </p:extLst>
   </p:cSld>
@@ -1697,7 +1862,7 @@
           <a:lstStyle/>
           <a:p>
             <a:r>
-              <a:rPr lang="en-US"/>
+              <a:rPr lang="en-US" smtClean="0"/>
               <a:t>Click to edit Master title style</a:t>
             </a:r>
             <a:endParaRPr lang="en-AU"/>
@@ -1719,9 +1884,9 @@
           <a:bodyPr/>
           <a:lstStyle/>
           <a:p>
-            <a:fld id="{E8E323B8-8316-4D7E-A45B-C020709A219F}" type="datetimeFigureOut">
+            <a:fld id="{A1603105-CD7D-46BB-B5E1-D51F2A03682D}" type="datetimeFigureOut">
               <a:rPr lang="en-AU" smtClean="0"/>
-              <a:t>10/11/2016</a:t>
+              <a:t>11/11/2016</a:t>
             </a:fld>
             <a:endParaRPr lang="en-AU"/>
           </a:p>
@@ -1761,7 +1926,7 @@
           <a:bodyPr/>
           <a:lstStyle/>
           <a:p>
-            <a:fld id="{80B98BCC-D1C3-43A6-9D4C-05666A0B7708}" type="slidenum">
+            <a:fld id="{09776DF5-5E6C-4175-9102-593FA19323B2}" type="slidenum">
               <a:rPr lang="en-AU" smtClean="0"/>
               <a:t>‹#›</a:t>
             </a:fld>
@@ -1772,7 +1937,7 @@
     </p:spTree>
     <p:extLst>
       <p:ext uri="{BB962C8B-B14F-4D97-AF65-F5344CB8AC3E}">
-        <p14:creationId xmlns:p14="http://schemas.microsoft.com/office/powerpoint/2010/main" val="2907931363"/>
+        <p14:creationId xmlns:p14="http://schemas.microsoft.com/office/powerpoint/2010/main" val="394405069"/>
       </p:ext>
     </p:extLst>
   </p:cSld>
@@ -1814,9 +1979,9 @@
           <a:bodyPr/>
           <a:lstStyle/>
           <a:p>
-            <a:fld id="{E8E323B8-8316-4D7E-A45B-C020709A219F}" type="datetimeFigureOut">
+            <a:fld id="{A1603105-CD7D-46BB-B5E1-D51F2A03682D}" type="datetimeFigureOut">
               <a:rPr lang="en-AU" smtClean="0"/>
-              <a:t>10/11/2016</a:t>
+              <a:t>11/11/2016</a:t>
             </a:fld>
             <a:endParaRPr lang="en-AU"/>
           </a:p>
@@ -1856,7 +2021,7 @@
           <a:bodyPr/>
           <a:lstStyle/>
           <a:p>
-            <a:fld id="{80B98BCC-D1C3-43A6-9D4C-05666A0B7708}" type="slidenum">
+            <a:fld id="{09776DF5-5E6C-4175-9102-593FA19323B2}" type="slidenum">
               <a:rPr lang="en-AU" smtClean="0"/>
               <a:t>‹#›</a:t>
             </a:fld>
@@ -1867,7 +2032,7 @@
     </p:spTree>
     <p:extLst>
       <p:ext uri="{BB962C8B-B14F-4D97-AF65-F5344CB8AC3E}">
-        <p14:creationId xmlns:p14="http://schemas.microsoft.com/office/powerpoint/2010/main" val="804853322"/>
+        <p14:creationId xmlns:p14="http://schemas.microsoft.com/office/powerpoint/2010/main" val="4218855520"/>
       </p:ext>
     </p:extLst>
   </p:cSld>
@@ -1906,20 +2071,20 @@
         </p:nvSpPr>
         <p:spPr>
           <a:xfrm>
-            <a:off x="839788" y="457200"/>
-            <a:ext cx="3932237" cy="1600200"/>
+            <a:off x="342900" y="364067"/>
+            <a:ext cx="2256235" cy="1549400"/>
           </a:xfrm>
         </p:spPr>
         <p:txBody>
           <a:bodyPr anchor="b"/>
           <a:lstStyle>
-            <a:lvl1pPr>
-              <a:defRPr sz="3200"/>
+            <a:lvl1pPr algn="l">
+              <a:defRPr sz="2000" b="1"/>
             </a:lvl1pPr>
           </a:lstStyle>
           <a:p>
             <a:r>
-              <a:rPr lang="en-US"/>
+              <a:rPr lang="en-US" smtClean="0"/>
               <a:t>Click to edit Master title style</a:t>
             </a:r>
             <a:endParaRPr lang="en-AU"/>
@@ -1938,8 +2103,8 @@
         </p:nvSpPr>
         <p:spPr>
           <a:xfrm>
-            <a:off x="5183188" y="987425"/>
-            <a:ext cx="6172200" cy="4873625"/>
+            <a:off x="2681287" y="364067"/>
+            <a:ext cx="3833813" cy="7804151"/>
           </a:xfrm>
         </p:spPr>
         <p:txBody>
@@ -1976,35 +2141,35 @@
           <a:p>
             <a:pPr lvl="0"/>
             <a:r>
-              <a:rPr lang="en-US"/>
-              <a:t>Edit Master text styles</a:t>
+              <a:rPr lang="en-US" smtClean="0"/>
+              <a:t>Click to edit Master text styles</a:t>
             </a:r>
           </a:p>
           <a:p>
             <a:pPr lvl="1"/>
             <a:r>
-              <a:rPr lang="en-US"/>
+              <a:rPr lang="en-US" smtClean="0"/>
               <a:t>Second level</a:t>
             </a:r>
           </a:p>
           <a:p>
             <a:pPr lvl="2"/>
             <a:r>
-              <a:rPr lang="en-US"/>
+              <a:rPr lang="en-US" smtClean="0"/>
               <a:t>Third level</a:t>
             </a:r>
           </a:p>
           <a:p>
             <a:pPr lvl="3"/>
             <a:r>
-              <a:rPr lang="en-US"/>
+              <a:rPr lang="en-US" smtClean="0"/>
               <a:t>Fourth level</a:t>
             </a:r>
           </a:p>
           <a:p>
             <a:pPr lvl="4"/>
             <a:r>
-              <a:rPr lang="en-US"/>
+              <a:rPr lang="en-US" smtClean="0"/>
               <a:t>Fifth level</a:t>
             </a:r>
             <a:endParaRPr lang="en-AU"/>
@@ -2023,8 +2188,8 @@
         </p:nvSpPr>
         <p:spPr>
           <a:xfrm>
-            <a:off x="839788" y="2057400"/>
-            <a:ext cx="3932237" cy="3811588"/>
+            <a:off x="342900" y="1913467"/>
+            <a:ext cx="2256235" cy="6254751"/>
           </a:xfrm>
         </p:spPr>
         <p:txBody>
@@ -2032,46 +2197,46 @@
           <a:lstStyle>
             <a:lvl1pPr marL="0" indent="0">
               <a:buNone/>
-              <a:defRPr sz="1600"/>
+              <a:defRPr sz="1400"/>
             </a:lvl1pPr>
             <a:lvl2pPr marL="457200" indent="0">
               <a:buNone/>
-              <a:defRPr sz="1400"/>
+              <a:defRPr sz="1200"/>
             </a:lvl2pPr>
             <a:lvl3pPr marL="914400" indent="0">
               <a:buNone/>
-              <a:defRPr sz="1200"/>
+              <a:defRPr sz="1000"/>
             </a:lvl3pPr>
             <a:lvl4pPr marL="1371600" indent="0">
               <a:buNone/>
-              <a:defRPr sz="1000"/>
+              <a:defRPr sz="900"/>
             </a:lvl4pPr>
             <a:lvl5pPr marL="1828800" indent="0">
               <a:buNone/>
-              <a:defRPr sz="1000"/>
+              <a:defRPr sz="900"/>
             </a:lvl5pPr>
             <a:lvl6pPr marL="2286000" indent="0">
               <a:buNone/>
-              <a:defRPr sz="1000"/>
+              <a:defRPr sz="900"/>
             </a:lvl6pPr>
             <a:lvl7pPr marL="2743200" indent="0">
               <a:buNone/>
-              <a:defRPr sz="1000"/>
+              <a:defRPr sz="900"/>
             </a:lvl7pPr>
             <a:lvl8pPr marL="3200400" indent="0">
               <a:buNone/>
-              <a:defRPr sz="1000"/>
+              <a:defRPr sz="900"/>
             </a:lvl8pPr>
             <a:lvl9pPr marL="3657600" indent="0">
               <a:buNone/>
-              <a:defRPr sz="1000"/>
+              <a:defRPr sz="900"/>
             </a:lvl9pPr>
           </a:lstStyle>
           <a:p>
             <a:pPr lvl="0"/>
             <a:r>
-              <a:rPr lang="en-US"/>
-              <a:t>Edit Master text styles</a:t>
+              <a:rPr lang="en-US" smtClean="0"/>
+              <a:t>Click to edit Master text styles</a:t>
             </a:r>
           </a:p>
         </p:txBody>
@@ -2091,9 +2256,9 @@
           <a:bodyPr/>
           <a:lstStyle/>
           <a:p>
-            <a:fld id="{E8E323B8-8316-4D7E-A45B-C020709A219F}" type="datetimeFigureOut">
+            <a:fld id="{A1603105-CD7D-46BB-B5E1-D51F2A03682D}" type="datetimeFigureOut">
               <a:rPr lang="en-AU" smtClean="0"/>
-              <a:t>10/11/2016</a:t>
+              <a:t>11/11/2016</a:t>
             </a:fld>
             <a:endParaRPr lang="en-AU"/>
           </a:p>
@@ -2133,7 +2298,7 @@
           <a:bodyPr/>
           <a:lstStyle/>
           <a:p>
-            <a:fld id="{80B98BCC-D1C3-43A6-9D4C-05666A0B7708}" type="slidenum">
+            <a:fld id="{09776DF5-5E6C-4175-9102-593FA19323B2}" type="slidenum">
               <a:rPr lang="en-AU" smtClean="0"/>
               <a:t>‹#›</a:t>
             </a:fld>
@@ -2144,7 +2309,7 @@
     </p:spTree>
     <p:extLst>
       <p:ext uri="{BB962C8B-B14F-4D97-AF65-F5344CB8AC3E}">
-        <p14:creationId xmlns:p14="http://schemas.microsoft.com/office/powerpoint/2010/main" val="408880440"/>
+        <p14:creationId xmlns:p14="http://schemas.microsoft.com/office/powerpoint/2010/main" val="4259381402"/>
       </p:ext>
     </p:extLst>
   </p:cSld>
@@ -2183,20 +2348,20 @@
         </p:nvSpPr>
         <p:spPr>
           <a:xfrm>
-            <a:off x="839788" y="457200"/>
-            <a:ext cx="3932237" cy="1600200"/>
+            <a:off x="1344216" y="6400800"/>
+            <a:ext cx="4114800" cy="755651"/>
           </a:xfrm>
         </p:spPr>
         <p:txBody>
           <a:bodyPr anchor="b"/>
           <a:lstStyle>
-            <a:lvl1pPr>
-              <a:defRPr sz="3200"/>
+            <a:lvl1pPr algn="l">
+              <a:defRPr sz="2000" b="1"/>
             </a:lvl1pPr>
           </a:lstStyle>
           <a:p>
             <a:r>
-              <a:rPr lang="en-US"/>
+              <a:rPr lang="en-US" smtClean="0"/>
               <a:t>Click to edit Master title style</a:t>
             </a:r>
             <a:endParaRPr lang="en-AU"/>
@@ -2215,8 +2380,8 @@
         </p:nvSpPr>
         <p:spPr>
           <a:xfrm>
-            <a:off x="5183188" y="987425"/>
-            <a:ext cx="6172200" cy="4873625"/>
+            <a:off x="1344216" y="817033"/>
+            <a:ext cx="4114800" cy="5486400"/>
           </a:xfrm>
         </p:spPr>
         <p:txBody>
@@ -2276,8 +2441,8 @@
         </p:nvSpPr>
         <p:spPr>
           <a:xfrm>
-            <a:off x="839788" y="2057400"/>
-            <a:ext cx="3932237" cy="3811588"/>
+            <a:off x="1344216" y="7156451"/>
+            <a:ext cx="4114800" cy="1073149"/>
           </a:xfrm>
         </p:spPr>
         <p:txBody>
@@ -2285,46 +2450,46 @@
           <a:lstStyle>
             <a:lvl1pPr marL="0" indent="0">
               <a:buNone/>
-              <a:defRPr sz="1600"/>
+              <a:defRPr sz="1400"/>
             </a:lvl1pPr>
             <a:lvl2pPr marL="457200" indent="0">
               <a:buNone/>
-              <a:defRPr sz="1400"/>
+              <a:defRPr sz="1200"/>
             </a:lvl2pPr>
             <a:lvl3pPr marL="914400" indent="0">
               <a:buNone/>
-              <a:defRPr sz="1200"/>
+              <a:defRPr sz="1000"/>
             </a:lvl3pPr>
             <a:lvl4pPr marL="1371600" indent="0">
               <a:buNone/>
-              <a:defRPr sz="1000"/>
+              <a:defRPr sz="900"/>
             </a:lvl4pPr>
             <a:lvl5pPr marL="1828800" indent="0">
               <a:buNone/>
-              <a:defRPr sz="1000"/>
+              <a:defRPr sz="900"/>
             </a:lvl5pPr>
             <a:lvl6pPr marL="2286000" indent="0">
               <a:buNone/>
-              <a:defRPr sz="1000"/>
+              <a:defRPr sz="900"/>
             </a:lvl6pPr>
             <a:lvl7pPr marL="2743200" indent="0">
               <a:buNone/>
-              <a:defRPr sz="1000"/>
+              <a:defRPr sz="900"/>
             </a:lvl7pPr>
             <a:lvl8pPr marL="3200400" indent="0">
               <a:buNone/>
-              <a:defRPr sz="1000"/>
+              <a:defRPr sz="900"/>
             </a:lvl8pPr>
             <a:lvl9pPr marL="3657600" indent="0">
               <a:buNone/>
-              <a:defRPr sz="1000"/>
+              <a:defRPr sz="900"/>
             </a:lvl9pPr>
           </a:lstStyle>
           <a:p>
             <a:pPr lvl="0"/>
             <a:r>
-              <a:rPr lang="en-US"/>
-              <a:t>Edit Master text styles</a:t>
+              <a:rPr lang="en-US" smtClean="0"/>
+              <a:t>Click to edit Master text styles</a:t>
             </a:r>
           </a:p>
         </p:txBody>
@@ -2344,9 +2509,9 @@
           <a:bodyPr/>
           <a:lstStyle/>
           <a:p>
-            <a:fld id="{E8E323B8-8316-4D7E-A45B-C020709A219F}" type="datetimeFigureOut">
+            <a:fld id="{A1603105-CD7D-46BB-B5E1-D51F2A03682D}" type="datetimeFigureOut">
               <a:rPr lang="en-AU" smtClean="0"/>
-              <a:t>10/11/2016</a:t>
+              <a:t>11/11/2016</a:t>
             </a:fld>
             <a:endParaRPr lang="en-AU"/>
           </a:p>
@@ -2386,7 +2551,7 @@
           <a:bodyPr/>
           <a:lstStyle/>
           <a:p>
-            <a:fld id="{80B98BCC-D1C3-43A6-9D4C-05666A0B7708}" type="slidenum">
+            <a:fld id="{09776DF5-5E6C-4175-9102-593FA19323B2}" type="slidenum">
               <a:rPr lang="en-AU" smtClean="0"/>
               <a:t>‹#›</a:t>
             </a:fld>
@@ -2397,7 +2562,7 @@
     </p:spTree>
     <p:extLst>
       <p:ext uri="{BB962C8B-B14F-4D97-AF65-F5344CB8AC3E}">
-        <p14:creationId xmlns:p14="http://schemas.microsoft.com/office/powerpoint/2010/main" val="1452804236"/>
+        <p14:creationId xmlns:p14="http://schemas.microsoft.com/office/powerpoint/2010/main" val="406937748"/>
       </p:ext>
     </p:extLst>
   </p:cSld>
@@ -2441,8 +2606,8 @@
         </p:nvSpPr>
         <p:spPr>
           <a:xfrm>
-            <a:off x="838200" y="365125"/>
-            <a:ext cx="10515600" cy="1325563"/>
+            <a:off x="342900" y="366184"/>
+            <a:ext cx="6172200" cy="1524000"/>
           </a:xfrm>
           <a:prstGeom prst="rect">
             <a:avLst/>
@@ -2455,7 +2620,7 @@
           <a:lstStyle/>
           <a:p>
             <a:r>
-              <a:rPr lang="en-US"/>
+              <a:rPr lang="en-US" smtClean="0"/>
               <a:t>Click to edit Master title style</a:t>
             </a:r>
             <a:endParaRPr lang="en-AU"/>
@@ -2474,8 +2639,8 @@
         </p:nvSpPr>
         <p:spPr>
           <a:xfrm>
-            <a:off x="838200" y="1825625"/>
-            <a:ext cx="10515600" cy="4351338"/>
+            <a:off x="342900" y="2133601"/>
+            <a:ext cx="6172200" cy="6034617"/>
           </a:xfrm>
           <a:prstGeom prst="rect">
             <a:avLst/>
@@ -2489,35 +2654,35 @@
           <a:p>
             <a:pPr lvl="0"/>
             <a:r>
-              <a:rPr lang="en-US"/>
-              <a:t>Edit Master text styles</a:t>
+              <a:rPr lang="en-US" smtClean="0"/>
+              <a:t>Click to edit Master text styles</a:t>
             </a:r>
           </a:p>
           <a:p>
             <a:pPr lvl="1"/>
             <a:r>
-              <a:rPr lang="en-US"/>
+              <a:rPr lang="en-US" smtClean="0"/>
               <a:t>Second level</a:t>
             </a:r>
           </a:p>
           <a:p>
             <a:pPr lvl="2"/>
             <a:r>
-              <a:rPr lang="en-US"/>
+              <a:rPr lang="en-US" smtClean="0"/>
               <a:t>Third level</a:t>
             </a:r>
           </a:p>
           <a:p>
             <a:pPr lvl="3"/>
             <a:r>
-              <a:rPr lang="en-US"/>
+              <a:rPr lang="en-US" smtClean="0"/>
               <a:t>Fourth level</a:t>
             </a:r>
           </a:p>
           <a:p>
             <a:pPr lvl="4"/>
             <a:r>
-              <a:rPr lang="en-US"/>
+              <a:rPr lang="en-US" smtClean="0"/>
               <a:t>Fifth level</a:t>
             </a:r>
             <a:endParaRPr lang="en-AU"/>
@@ -2536,8 +2701,8 @@
         </p:nvSpPr>
         <p:spPr>
           <a:xfrm>
-            <a:off x="838200" y="6356350"/>
-            <a:ext cx="2743200" cy="365125"/>
+            <a:off x="342900" y="8475134"/>
+            <a:ext cx="1600200" cy="486833"/>
           </a:xfrm>
           <a:prstGeom prst="rect">
             <a:avLst/>
@@ -2557,9 +2722,9 @@
             </a:lvl1pPr>
           </a:lstStyle>
           <a:p>
-            <a:fld id="{E8E323B8-8316-4D7E-A45B-C020709A219F}" type="datetimeFigureOut">
+            <a:fld id="{A1603105-CD7D-46BB-B5E1-D51F2A03682D}" type="datetimeFigureOut">
               <a:rPr lang="en-AU" smtClean="0"/>
-              <a:t>10/11/2016</a:t>
+              <a:t>11/11/2016</a:t>
             </a:fld>
             <a:endParaRPr lang="en-AU"/>
           </a:p>
@@ -2577,8 +2742,8 @@
         </p:nvSpPr>
         <p:spPr>
           <a:xfrm>
-            <a:off x="4038600" y="6356350"/>
-            <a:ext cx="4114800" cy="365125"/>
+            <a:off x="2343150" y="8475134"/>
+            <a:ext cx="2171700" cy="486833"/>
           </a:xfrm>
           <a:prstGeom prst="rect">
             <a:avLst/>
@@ -2614,8 +2779,8 @@
         </p:nvSpPr>
         <p:spPr>
           <a:xfrm>
-            <a:off x="8610600" y="6356350"/>
-            <a:ext cx="2743200" cy="365125"/>
+            <a:off x="4914900" y="8475134"/>
+            <a:ext cx="1600200" cy="486833"/>
           </a:xfrm>
           <a:prstGeom prst="rect">
             <a:avLst/>
@@ -2635,7 +2800,7 @@
             </a:lvl1pPr>
           </a:lstStyle>
           <a:p>
-            <a:fld id="{80B98BCC-D1C3-43A6-9D4C-05666A0B7708}" type="slidenum">
+            <a:fld id="{09776DF5-5E6C-4175-9102-593FA19323B2}" type="slidenum">
               <a:rPr lang="en-AU" smtClean="0"/>
               <a:t>‹#›</a:t>
             </a:fld>
@@ -2646,7 +2811,7 @@
     </p:spTree>
     <p:extLst>
       <p:ext uri="{BB962C8B-B14F-4D97-AF65-F5344CB8AC3E}">
-        <p14:creationId xmlns:p14="http://schemas.microsoft.com/office/powerpoint/2010/main" val="764453703"/>
+        <p14:creationId xmlns:p14="http://schemas.microsoft.com/office/powerpoint/2010/main" val="79540998"/>
       </p:ext>
     </p:extLst>
   </p:cSld>
@@ -2666,10 +2831,7 @@
   </p:sldLayoutIdLst>
   <p:txStyles>
     <p:titleStyle>
-      <a:lvl1pPr algn="l" defTabSz="914400" rtl="0" eaLnBrk="1" latinLnBrk="0" hangingPunct="1">
-        <a:lnSpc>
-          <a:spcPct val="90000"/>
-        </a:lnSpc>
+      <a:lvl1pPr algn="ctr" defTabSz="914400" rtl="0" eaLnBrk="1" latinLnBrk="0" hangingPunct="1">
         <a:spcBef>
           <a:spcPct val="0"/>
         </a:spcBef>
@@ -2685,15 +2847,27 @@
       </a:lvl1pPr>
     </p:titleStyle>
     <p:bodyStyle>
-      <a:lvl1pPr marL="228600" indent="-228600" algn="l" defTabSz="914400" rtl="0" eaLnBrk="1" latinLnBrk="0" hangingPunct="1">
-        <a:lnSpc>
-          <a:spcPct val="90000"/>
-        </a:lnSpc>
+      <a:lvl1pPr marL="342900" indent="-342900" algn="l" defTabSz="914400" rtl="0" eaLnBrk="1" latinLnBrk="0" hangingPunct="1">
         <a:spcBef>
-          <a:spcPts val="1000"/>
+          <a:spcPct val="20000"/>
         </a:spcBef>
         <a:buFont typeface="Arial" panose="020B0604020202020204" pitchFamily="34" charset="0"/>
         <a:buChar char="•"/>
+        <a:defRPr sz="3200" kern="1200">
+          <a:solidFill>
+            <a:schemeClr val="tx1"/>
+          </a:solidFill>
+          <a:latin typeface="+mn-lt"/>
+          <a:ea typeface="+mn-ea"/>
+          <a:cs typeface="+mn-cs"/>
+        </a:defRPr>
+      </a:lvl1pPr>
+      <a:lvl2pPr marL="742950" indent="-285750" algn="l" defTabSz="914400" rtl="0" eaLnBrk="1" latinLnBrk="0" hangingPunct="1">
+        <a:spcBef>
+          <a:spcPct val="20000"/>
+        </a:spcBef>
+        <a:buFont typeface="Arial" panose="020B0604020202020204" pitchFamily="34" charset="0"/>
+        <a:buChar char="–"/>
         <a:defRPr sz="2800" kern="1200">
           <a:solidFill>
             <a:schemeClr val="tx1"/>
@@ -2702,13 +2876,10 @@
           <a:ea typeface="+mn-ea"/>
           <a:cs typeface="+mn-cs"/>
         </a:defRPr>
-      </a:lvl1pPr>
-      <a:lvl2pPr marL="685800" indent="-228600" algn="l" defTabSz="914400" rtl="0" eaLnBrk="1" latinLnBrk="0" hangingPunct="1">
-        <a:lnSpc>
-          <a:spcPct val="90000"/>
-        </a:lnSpc>
+      </a:lvl2pPr>
+      <a:lvl3pPr marL="1143000" indent="-228600" algn="l" defTabSz="914400" rtl="0" eaLnBrk="1" latinLnBrk="0" hangingPunct="1">
         <a:spcBef>
-          <a:spcPts val="500"/>
+          <a:spcPct val="20000"/>
         </a:spcBef>
         <a:buFont typeface="Arial" panose="020B0604020202020204" pitchFamily="34" charset="0"/>
         <a:buChar char="•"/>
@@ -2720,13 +2891,40 @@
           <a:ea typeface="+mn-ea"/>
           <a:cs typeface="+mn-cs"/>
         </a:defRPr>
-      </a:lvl2pPr>
-      <a:lvl3pPr marL="1143000" indent="-228600" algn="l" defTabSz="914400" rtl="0" eaLnBrk="1" latinLnBrk="0" hangingPunct="1">
-        <a:lnSpc>
-          <a:spcPct val="90000"/>
-        </a:lnSpc>
+      </a:lvl3pPr>
+      <a:lvl4pPr marL="1600200" indent="-228600" algn="l" defTabSz="914400" rtl="0" eaLnBrk="1" latinLnBrk="0" hangingPunct="1">
         <a:spcBef>
-          <a:spcPts val="500"/>
+          <a:spcPct val="20000"/>
+        </a:spcBef>
+        <a:buFont typeface="Arial" panose="020B0604020202020204" pitchFamily="34" charset="0"/>
+        <a:buChar char="–"/>
+        <a:defRPr sz="2000" kern="1200">
+          <a:solidFill>
+            <a:schemeClr val="tx1"/>
+          </a:solidFill>
+          <a:latin typeface="+mn-lt"/>
+          <a:ea typeface="+mn-ea"/>
+          <a:cs typeface="+mn-cs"/>
+        </a:defRPr>
+      </a:lvl4pPr>
+      <a:lvl5pPr marL="2057400" indent="-228600" algn="l" defTabSz="914400" rtl="0" eaLnBrk="1" latinLnBrk="0" hangingPunct="1">
+        <a:spcBef>
+          <a:spcPct val="20000"/>
+        </a:spcBef>
+        <a:buFont typeface="Arial" panose="020B0604020202020204" pitchFamily="34" charset="0"/>
+        <a:buChar char="»"/>
+        <a:defRPr sz="2000" kern="1200">
+          <a:solidFill>
+            <a:schemeClr val="tx1"/>
+          </a:solidFill>
+          <a:latin typeface="+mn-lt"/>
+          <a:ea typeface="+mn-ea"/>
+          <a:cs typeface="+mn-cs"/>
+        </a:defRPr>
+      </a:lvl5pPr>
+      <a:lvl6pPr marL="2514600" indent="-228600" algn="l" defTabSz="914400" rtl="0" eaLnBrk="1" latinLnBrk="0" hangingPunct="1">
+        <a:spcBef>
+          <a:spcPct val="20000"/>
         </a:spcBef>
         <a:buFont typeface="Arial" panose="020B0604020202020204" pitchFamily="34" charset="0"/>
         <a:buChar char="•"/>
@@ -2738,71 +2936,14 @@
           <a:ea typeface="+mn-ea"/>
           <a:cs typeface="+mn-cs"/>
         </a:defRPr>
-      </a:lvl3pPr>
-      <a:lvl4pPr marL="1600200" indent="-228600" algn="l" defTabSz="914400" rtl="0" eaLnBrk="1" latinLnBrk="0" hangingPunct="1">
-        <a:lnSpc>
-          <a:spcPct val="90000"/>
-        </a:lnSpc>
+      </a:lvl6pPr>
+      <a:lvl7pPr marL="2971800" indent="-228600" algn="l" defTabSz="914400" rtl="0" eaLnBrk="1" latinLnBrk="0" hangingPunct="1">
         <a:spcBef>
-          <a:spcPts val="500"/>
+          <a:spcPct val="20000"/>
         </a:spcBef>
         <a:buFont typeface="Arial" panose="020B0604020202020204" pitchFamily="34" charset="0"/>
         <a:buChar char="•"/>
-        <a:defRPr sz="1800" kern="1200">
-          <a:solidFill>
-            <a:schemeClr val="tx1"/>
-          </a:solidFill>
-          <a:latin typeface="+mn-lt"/>
-          <a:ea typeface="+mn-ea"/>
-          <a:cs typeface="+mn-cs"/>
-        </a:defRPr>
-      </a:lvl4pPr>
-      <a:lvl5pPr marL="2057400" indent="-228600" algn="l" defTabSz="914400" rtl="0" eaLnBrk="1" latinLnBrk="0" hangingPunct="1">
-        <a:lnSpc>
-          <a:spcPct val="90000"/>
-        </a:lnSpc>
-        <a:spcBef>
-          <a:spcPts val="500"/>
-        </a:spcBef>
-        <a:buFont typeface="Arial" panose="020B0604020202020204" pitchFamily="34" charset="0"/>
-        <a:buChar char="•"/>
-        <a:defRPr sz="1800" kern="1200">
-          <a:solidFill>
-            <a:schemeClr val="tx1"/>
-          </a:solidFill>
-          <a:latin typeface="+mn-lt"/>
-          <a:ea typeface="+mn-ea"/>
-          <a:cs typeface="+mn-cs"/>
-        </a:defRPr>
-      </a:lvl5pPr>
-      <a:lvl6pPr marL="2514600" indent="-228600" algn="l" defTabSz="914400" rtl="0" eaLnBrk="1" latinLnBrk="0" hangingPunct="1">
-        <a:lnSpc>
-          <a:spcPct val="90000"/>
-        </a:lnSpc>
-        <a:spcBef>
-          <a:spcPts val="500"/>
-        </a:spcBef>
-        <a:buFont typeface="Arial" panose="020B0604020202020204" pitchFamily="34" charset="0"/>
-        <a:buChar char="•"/>
-        <a:defRPr sz="1800" kern="1200">
-          <a:solidFill>
-            <a:schemeClr val="tx1"/>
-          </a:solidFill>
-          <a:latin typeface="+mn-lt"/>
-          <a:ea typeface="+mn-ea"/>
-          <a:cs typeface="+mn-cs"/>
-        </a:defRPr>
-      </a:lvl6pPr>
-      <a:lvl7pPr marL="2971800" indent="-228600" algn="l" defTabSz="914400" rtl="0" eaLnBrk="1" latinLnBrk="0" hangingPunct="1">
-        <a:lnSpc>
-          <a:spcPct val="90000"/>
-        </a:lnSpc>
-        <a:spcBef>
-          <a:spcPts val="500"/>
-        </a:spcBef>
-        <a:buFont typeface="Arial" panose="020B0604020202020204" pitchFamily="34" charset="0"/>
-        <a:buChar char="•"/>
-        <a:defRPr sz="1800" kern="1200">
+        <a:defRPr sz="2000" kern="1200">
           <a:solidFill>
             <a:schemeClr val="tx1"/>
           </a:solidFill>
@@ -2812,15 +2953,12 @@
         </a:defRPr>
       </a:lvl7pPr>
       <a:lvl8pPr marL="3429000" indent="-228600" algn="l" defTabSz="914400" rtl="0" eaLnBrk="1" latinLnBrk="0" hangingPunct="1">
-        <a:lnSpc>
-          <a:spcPct val="90000"/>
-        </a:lnSpc>
         <a:spcBef>
-          <a:spcPts val="500"/>
+          <a:spcPct val="20000"/>
         </a:spcBef>
         <a:buFont typeface="Arial" panose="020B0604020202020204" pitchFamily="34" charset="0"/>
         <a:buChar char="•"/>
-        <a:defRPr sz="1800" kern="1200">
+        <a:defRPr sz="2000" kern="1200">
           <a:solidFill>
             <a:schemeClr val="tx1"/>
           </a:solidFill>
@@ -2830,15 +2968,12 @@
         </a:defRPr>
       </a:lvl8pPr>
       <a:lvl9pPr marL="3886200" indent="-228600" algn="l" defTabSz="914400" rtl="0" eaLnBrk="1" latinLnBrk="0" hangingPunct="1">
-        <a:lnSpc>
-          <a:spcPct val="90000"/>
-        </a:lnSpc>
         <a:spcBef>
-          <a:spcPts val="500"/>
+          <a:spcPct val="20000"/>
         </a:spcBef>
         <a:buFont typeface="Arial" panose="020B0604020202020204" pitchFamily="34" charset="0"/>
         <a:buChar char="•"/>
-        <a:defRPr sz="1800" kern="1200">
+        <a:defRPr sz="2000" kern="1200">
           <a:solidFill>
             <a:schemeClr val="tx1"/>
           </a:solidFill>
@@ -2966,7 +3101,7 @@
       </p:grpSpPr>
       <p:pic>
         <p:nvPicPr>
-          <p:cNvPr id="4" name="Picture 3"/>
+          <p:cNvPr id="10" name="Picture 9"/>
           <p:cNvPicPr/>
           <p:nvPr/>
         </p:nvPicPr>
@@ -2984,7 +3119,7 @@
         </p:blipFill>
         <p:spPr>
           <a:xfrm>
-            <a:off x="3165022" y="1570265"/>
+            <a:off x="764704" y="1691680"/>
             <a:ext cx="1943100" cy="3390900"/>
           </a:xfrm>
           <a:prstGeom prst="rect">
@@ -2996,21 +3131,21 @@
         <mc:Choice xmlns:a14="http://schemas.microsoft.com/office/drawing/2010/main" Requires="a14">
           <p:graphicFrame>
             <p:nvGraphicFramePr>
-              <p:cNvPr id="5" name="Table 4"/>
+              <p:cNvPr id="11" name="Table 10"/>
               <p:cNvGraphicFramePr>
                 <a:graphicFrameLocks noGrp="1"/>
               </p:cNvGraphicFramePr>
               <p:nvPr>
                 <p:extLst>
                   <p:ext uri="{D42A27DB-BD31-4B8C-83A1-F6EECF244321}">
-                    <p14:modId xmlns:p14="http://schemas.microsoft.com/office/powerpoint/2010/main" val="1765061195"/>
+                    <p14:modId xmlns:p14="http://schemas.microsoft.com/office/powerpoint/2010/main" val="2083847375"/>
                   </p:ext>
                 </p:extLst>
               </p:nvPr>
             </p:nvGraphicFramePr>
             <p:xfrm>
-              <a:off x="5689600" y="1570265"/>
-              <a:ext cx="3159125" cy="3390898"/>
+              <a:off x="3289283" y="1691681"/>
+              <a:ext cx="3159127" cy="3342469"/>
             </p:xfrm>
             <a:graphic>
               <a:graphicData uri="http://schemas.openxmlformats.org/drawingml/2006/table">
@@ -3022,40 +3157,40 @@
                     <a:gridCol w="785093">
                       <a:extLst>
                         <a:ext uri="{9D8B030D-6E8A-4147-A177-3AD203B41FA5}">
-                          <a16:colId xmlns:a16="http://schemas.microsoft.com/office/drawing/2014/main" xmlns="" val="2070464311"/>
+                          <a16:colId xmlns="" xmlns:a16="http://schemas.microsoft.com/office/drawing/2014/main" val="2070464311"/>
                         </a:ext>
                       </a:extLst>
                     </a:gridCol>
-                    <a:gridCol w="478557">
+                    <a:gridCol w="478556">
                       <a:extLst>
                         <a:ext uri="{9D8B030D-6E8A-4147-A177-3AD203B41FA5}">
-                          <a16:colId xmlns:a16="http://schemas.microsoft.com/office/drawing/2014/main" xmlns="" val="2814482158"/>
+                          <a16:colId xmlns="" xmlns:a16="http://schemas.microsoft.com/office/drawing/2014/main" val="2814482158"/>
                         </a:ext>
                       </a:extLst>
                     </a:gridCol>
-                    <a:gridCol w="631825">
+                    <a:gridCol w="631826">
                       <a:extLst>
                         <a:ext uri="{9D8B030D-6E8A-4147-A177-3AD203B41FA5}">
-                          <a16:colId xmlns:a16="http://schemas.microsoft.com/office/drawing/2014/main" xmlns="" val="3449075261"/>
+                          <a16:colId xmlns="" xmlns:a16="http://schemas.microsoft.com/office/drawing/2014/main" val="3449075261"/>
                         </a:ext>
                       </a:extLst>
                     </a:gridCol>
-                    <a:gridCol w="631825">
+                    <a:gridCol w="631826">
                       <a:extLst>
                         <a:ext uri="{9D8B030D-6E8A-4147-A177-3AD203B41FA5}">
-                          <a16:colId xmlns:a16="http://schemas.microsoft.com/office/drawing/2014/main" xmlns="" val="1813670796"/>
+                          <a16:colId xmlns="" xmlns:a16="http://schemas.microsoft.com/office/drawing/2014/main" val="1813670796"/>
                         </a:ext>
                       </a:extLst>
                     </a:gridCol>
-                    <a:gridCol w="631825">
+                    <a:gridCol w="631826">
                       <a:extLst>
                         <a:ext uri="{9D8B030D-6E8A-4147-A177-3AD203B41FA5}">
-                          <a16:colId xmlns:a16="http://schemas.microsoft.com/office/drawing/2014/main" xmlns="" val="1994465920"/>
+                          <a16:colId xmlns="" xmlns:a16="http://schemas.microsoft.com/office/drawing/2014/main" val="1994465920"/>
                         </a:ext>
                       </a:extLst>
                     </a:gridCol>
                   </a:tblGrid>
-                  <a:tr h="511834">
+                  <a:tr h="504055">
                     <a:tc>
                       <a:txBody>
                         <a:bodyPr/>
@@ -3165,9 +3300,57 @@
                         <a:p>
                           <a:pPr algn="ctr"/>
                           <a:r>
-                            <a:rPr lang="en-AU" sz="1200" b="1" i="1" dirty="0"/>
+                            <a:rPr lang="en-AU" sz="1200" b="1" i="1" smtClean="0"/>
                             <a:t>#</a:t>
                           </a:r>
+                          <a14:m>
+                            <m:oMath xmlns:m="http://schemas.openxmlformats.org/officeDocument/2006/math">
+                              <m:sSub>
+                                <m:sSubPr>
+                                  <m:ctrlPr>
+                                    <a:rPr lang="en-AU" sz="1200" b="1" i="1" kern="1200" smtClean="0">
+                                      <a:solidFill>
+                                        <a:schemeClr val="tx1"/>
+                                      </a:solidFill>
+                                      <a:effectLst/>
+                                      <a:latin typeface="Cambria Math"/>
+                                      <a:ea typeface="+mn-ea"/>
+                                      <a:cs typeface="+mn-cs"/>
+                                    </a:rPr>
+                                  </m:ctrlPr>
+                                </m:sSubPr>
+                                <m:e>
+                                  <m:r>
+                                    <a:rPr lang="en-AU" sz="1200" b="1" i="1" kern="1200">
+                                      <a:solidFill>
+                                        <a:schemeClr val="tx1"/>
+                                      </a:solidFill>
+                                      <a:effectLst/>
+                                      <a:latin typeface="Cambria Math"/>
+                                      <a:ea typeface="+mn-ea"/>
+                                      <a:cs typeface="+mn-cs"/>
+                                    </a:rPr>
+                                    <m:t>𝑷</m:t>
+                                  </m:r>
+                                </m:e>
+                                <m:sub>
+                                  <m:r>
+                                    <a:rPr lang="en-AU" sz="1200" b="1" i="1" kern="1200">
+                                      <a:solidFill>
+                                        <a:schemeClr val="tx1"/>
+                                      </a:solidFill>
+                                      <a:effectLst/>
+                                      <a:latin typeface="Cambria Math"/>
+                                      <a:ea typeface="+mn-ea"/>
+                                      <a:cs typeface="+mn-cs"/>
+                                    </a:rPr>
+                                    <m:t>𝒊</m:t>
+                                  </m:r>
+                                </m:sub>
+                              </m:sSub>
+                            </m:oMath>
+                          </a14:m>
+                          <a:endParaRPr lang="en-AU" sz="1200" b="1" i="1" dirty="0"/>
                         </a:p>
                       </a:txBody>
                       <a:tcPr anchor="ctr">
@@ -3681,11 +3864,11 @@
                     </a:tc>
                     <a:extLst>
                       <a:ext uri="{0D108BD9-81ED-4DB2-BD59-A6C34878D82A}">
-                        <a16:rowId xmlns:a16="http://schemas.microsoft.com/office/drawing/2014/main" xmlns="" val="3176941515"/>
+                        <a16:rowId xmlns="" xmlns:a16="http://schemas.microsoft.com/office/drawing/2014/main" val="3176941515"/>
                       </a:ext>
                     </a:extLst>
                   </a:tr>
-                  <a:tr h="319896">
+                  <a:tr h="249252">
                     <a:tc>
                       <a:txBody>
                         <a:bodyPr/>
@@ -3914,11 +4097,11 @@
                     </a:tc>
                     <a:extLst>
                       <a:ext uri="{0D108BD9-81ED-4DB2-BD59-A6C34878D82A}">
-                        <a16:rowId xmlns:a16="http://schemas.microsoft.com/office/drawing/2014/main" xmlns="" val="2673339703"/>
+                        <a16:rowId xmlns="" xmlns:a16="http://schemas.microsoft.com/office/drawing/2014/main" val="2673339703"/>
                       </a:ext>
                     </a:extLst>
                   </a:tr>
-                  <a:tr h="319896">
+                  <a:tr h="378953">
                     <a:tc>
                       <a:txBody>
                         <a:bodyPr/>
@@ -4108,11 +4291,11 @@
                     </a:tc>
                     <a:extLst>
                       <a:ext uri="{0D108BD9-81ED-4DB2-BD59-A6C34878D82A}">
-                        <a16:rowId xmlns:a16="http://schemas.microsoft.com/office/drawing/2014/main" xmlns="" val="2736953877"/>
+                        <a16:rowId xmlns="" xmlns:a16="http://schemas.microsoft.com/office/drawing/2014/main" val="2736953877"/>
                       </a:ext>
                     </a:extLst>
                   </a:tr>
-                  <a:tr h="319896">
+                  <a:tr h="249252">
                     <a:tc>
                       <a:txBody>
                         <a:bodyPr/>
@@ -4311,11 +4494,11 @@
                     </a:tc>
                     <a:extLst>
                       <a:ext uri="{0D108BD9-81ED-4DB2-BD59-A6C34878D82A}">
-                        <a16:rowId xmlns:a16="http://schemas.microsoft.com/office/drawing/2014/main" xmlns="" val="935999974"/>
+                        <a16:rowId xmlns="" xmlns:a16="http://schemas.microsoft.com/office/drawing/2014/main" val="935999974"/>
                       </a:ext>
                     </a:extLst>
                   </a:tr>
-                  <a:tr h="319896">
+                  <a:tr h="378953">
                     <a:tc>
                       <a:txBody>
                         <a:bodyPr/>
@@ -4505,11 +4688,11 @@
                     </a:tc>
                     <a:extLst>
                       <a:ext uri="{0D108BD9-81ED-4DB2-BD59-A6C34878D82A}">
-                        <a16:rowId xmlns:a16="http://schemas.microsoft.com/office/drawing/2014/main" xmlns="" val="3527595651"/>
+                        <a16:rowId xmlns="" xmlns:a16="http://schemas.microsoft.com/office/drawing/2014/main" val="3527595651"/>
                       </a:ext>
                     </a:extLst>
                   </a:tr>
-                  <a:tr h="319896">
+                  <a:tr h="221902">
                     <a:tc>
                       <a:txBody>
                         <a:bodyPr/>
@@ -4699,11 +4882,11 @@
                     </a:tc>
                     <a:extLst>
                       <a:ext uri="{0D108BD9-81ED-4DB2-BD59-A6C34878D82A}">
-                        <a16:rowId xmlns:a16="http://schemas.microsoft.com/office/drawing/2014/main" xmlns="" val="2500584138"/>
+                        <a16:rowId xmlns="" xmlns:a16="http://schemas.microsoft.com/office/drawing/2014/main" val="2500584138"/>
                       </a:ext>
                     </a:extLst>
                   </a:tr>
-                  <a:tr h="319896">
+                  <a:tr h="297749">
                     <a:tc>
                       <a:txBody>
                         <a:bodyPr/>
@@ -4893,11 +5076,11 @@
                     </a:tc>
                     <a:extLst>
                       <a:ext uri="{0D108BD9-81ED-4DB2-BD59-A6C34878D82A}">
-                        <a16:rowId xmlns:a16="http://schemas.microsoft.com/office/drawing/2014/main" xmlns="" val="1644191295"/>
+                        <a16:rowId xmlns="" xmlns:a16="http://schemas.microsoft.com/office/drawing/2014/main" val="1644191295"/>
                       </a:ext>
                     </a:extLst>
                   </a:tr>
-                  <a:tr h="319896">
+                  <a:tr h="297749">
                     <a:tc>
                       <a:txBody>
                         <a:bodyPr/>
@@ -5087,11 +5270,11 @@
                     </a:tc>
                     <a:extLst>
                       <a:ext uri="{0D108BD9-81ED-4DB2-BD59-A6C34878D82A}">
-                        <a16:rowId xmlns:a16="http://schemas.microsoft.com/office/drawing/2014/main" xmlns="" val="2249276370"/>
+                        <a16:rowId xmlns="" xmlns:a16="http://schemas.microsoft.com/office/drawing/2014/main" val="2249276370"/>
                       </a:ext>
                     </a:extLst>
                   </a:tr>
-                  <a:tr h="319896">
+                  <a:tr h="378953">
                     <a:tc>
                       <a:txBody>
                         <a:bodyPr/>
@@ -5281,11 +5464,11 @@
                     </a:tc>
                     <a:extLst>
                       <a:ext uri="{0D108BD9-81ED-4DB2-BD59-A6C34878D82A}">
-                        <a16:rowId xmlns:a16="http://schemas.microsoft.com/office/drawing/2014/main" xmlns="" val="889951462"/>
+                        <a16:rowId xmlns="" xmlns:a16="http://schemas.microsoft.com/office/drawing/2014/main" val="889951462"/>
                       </a:ext>
                     </a:extLst>
                   </a:tr>
-                  <a:tr h="319896">
+                  <a:tr h="378953">
                     <a:tc>
                       <a:txBody>
                         <a:bodyPr/>
@@ -5505,7 +5688,7 @@
                     </a:tc>
                     <a:extLst>
                       <a:ext uri="{0D108BD9-81ED-4DB2-BD59-A6C34878D82A}">
-                        <a16:rowId xmlns:a16="http://schemas.microsoft.com/office/drawing/2014/main" xmlns="" val="141707935"/>
+                        <a16:rowId xmlns="" xmlns:a16="http://schemas.microsoft.com/office/drawing/2014/main" val="141707935"/>
                       </a:ext>
                     </a:extLst>
                   </a:tr>
@@ -5517,21 +5700,21 @@
         <mc:Fallback>
           <p:graphicFrame>
             <p:nvGraphicFramePr>
-              <p:cNvPr id="5" name="Table 4"/>
+              <p:cNvPr id="11" name="Table 10"/>
               <p:cNvGraphicFramePr>
                 <a:graphicFrameLocks noGrp="1"/>
               </p:cNvGraphicFramePr>
               <p:nvPr>
                 <p:extLst>
                   <p:ext uri="{D42A27DB-BD31-4B8C-83A1-F6EECF244321}">
-                    <p14:modId xmlns:p14="http://schemas.microsoft.com/office/powerpoint/2010/main" val="1765061195"/>
+                    <p14:modId xmlns:p14="http://schemas.microsoft.com/office/powerpoint/2010/main" val="2083847375"/>
                   </p:ext>
                 </p:extLst>
               </p:nvPr>
             </p:nvGraphicFramePr>
             <p:xfrm>
-              <a:off x="5689600" y="1570265"/>
-              <a:ext cx="3159125" cy="3390898"/>
+              <a:off x="3289283" y="1691681"/>
+              <a:ext cx="3159127" cy="3342469"/>
             </p:xfrm>
             <a:graphic>
               <a:graphicData uri="http://schemas.openxmlformats.org/drawingml/2006/table">
@@ -5543,40 +5726,40 @@
                     <a:gridCol w="785093">
                       <a:extLst>
                         <a:ext uri="{9D8B030D-6E8A-4147-A177-3AD203B41FA5}">
-                          <a16:colId xmlns:a16="http://schemas.microsoft.com/office/drawing/2014/main" xmlns:a14="http://schemas.microsoft.com/office/drawing/2010/main" xmlns="" val="2070464311"/>
+                          <a16:colId xmlns="" xmlns:a16="http://schemas.microsoft.com/office/drawing/2014/main" xmlns:a14="http://schemas.microsoft.com/office/drawing/2010/main" val="2070464311"/>
                         </a:ext>
                       </a:extLst>
                     </a:gridCol>
-                    <a:gridCol w="478557">
+                    <a:gridCol w="478556">
                       <a:extLst>
                         <a:ext uri="{9D8B030D-6E8A-4147-A177-3AD203B41FA5}">
-                          <a16:colId xmlns:a16="http://schemas.microsoft.com/office/drawing/2014/main" xmlns:a14="http://schemas.microsoft.com/office/drawing/2010/main" xmlns="" val="2814482158"/>
+                          <a16:colId xmlns="" xmlns:a16="http://schemas.microsoft.com/office/drawing/2014/main" xmlns:a14="http://schemas.microsoft.com/office/drawing/2010/main" val="2814482158"/>
                         </a:ext>
                       </a:extLst>
                     </a:gridCol>
-                    <a:gridCol w="631825">
+                    <a:gridCol w="631826">
                       <a:extLst>
                         <a:ext uri="{9D8B030D-6E8A-4147-A177-3AD203B41FA5}">
-                          <a16:colId xmlns:a16="http://schemas.microsoft.com/office/drawing/2014/main" xmlns:a14="http://schemas.microsoft.com/office/drawing/2010/main" xmlns="" val="3449075261"/>
+                          <a16:colId xmlns="" xmlns:a16="http://schemas.microsoft.com/office/drawing/2014/main" xmlns:a14="http://schemas.microsoft.com/office/drawing/2010/main" val="3449075261"/>
                         </a:ext>
                       </a:extLst>
                     </a:gridCol>
-                    <a:gridCol w="631825">
+                    <a:gridCol w="631826">
                       <a:extLst>
                         <a:ext uri="{9D8B030D-6E8A-4147-A177-3AD203B41FA5}">
-                          <a16:colId xmlns:a16="http://schemas.microsoft.com/office/drawing/2014/main" xmlns:a14="http://schemas.microsoft.com/office/drawing/2010/main" xmlns="" val="1813670796"/>
+                          <a16:colId xmlns="" xmlns:a16="http://schemas.microsoft.com/office/drawing/2014/main" xmlns:a14="http://schemas.microsoft.com/office/drawing/2010/main" val="1813670796"/>
                         </a:ext>
                       </a:extLst>
                     </a:gridCol>
-                    <a:gridCol w="631825">
+                    <a:gridCol w="631826">
                       <a:extLst>
                         <a:ext uri="{9D8B030D-6E8A-4147-A177-3AD203B41FA5}">
-                          <a16:colId xmlns:a16="http://schemas.microsoft.com/office/drawing/2014/main" xmlns:a14="http://schemas.microsoft.com/office/drawing/2010/main" xmlns="" val="1994465920"/>
+                          <a16:colId xmlns="" xmlns:a16="http://schemas.microsoft.com/office/drawing/2014/main" xmlns:a14="http://schemas.microsoft.com/office/drawing/2010/main" val="1994465920"/>
                         </a:ext>
                       </a:extLst>
                     </a:gridCol>
                   </a:tblGrid>
-                  <a:tr h="511834">
+                  <a:tr h="504055">
                     <a:tc>
                       <a:txBody>
                         <a:bodyPr/>
@@ -5627,56 +5810,9 @@
                         <a:blipFill rotWithShape="1">
                           <a:blip r:embed="rId3"/>
                           <a:stretch>
-                            <a:fillRect t="-1190" r="-302326" b="-561905"/>
+                            <a:fillRect l="-775" t="-1205" r="-301550" b="-560241"/>
                           </a:stretch>
                         </a:blipFill>
-                      </a:tcPr>
-                    </a:tc>
-                    <a:tc>
-                      <a:txBody>
-                        <a:bodyPr/>
-                        <a:lstStyle/>
-                        <a:p>
-                          <a:pPr algn="ctr"/>
-                          <a:r>
-                            <a:rPr lang="en-AU" sz="1200" b="1" i="1" dirty="0"/>
-                            <a:t>#</a:t>
-                          </a:r>
-                        </a:p>
-                      </a:txBody>
-                      <a:tcPr anchor="ctr">
-                        <a:lnL>
-                          <a:noFill/>
-                        </a:lnL>
-                        <a:lnR>
-                          <a:noFill/>
-                        </a:lnR>
-                        <a:lnT w="12700" cap="flat" cmpd="sng" algn="ctr">
-                          <a:solidFill>
-                            <a:schemeClr val="tx1"/>
-                          </a:solidFill>
-                          <a:prstDash val="solid"/>
-                          <a:round/>
-                          <a:headEnd type="none" w="med" len="med"/>
-                          <a:tailEnd type="none" w="med" len="med"/>
-                        </a:lnT>
-                        <a:lnB w="12700" cap="flat" cmpd="sng" algn="ctr">
-                          <a:solidFill>
-                            <a:schemeClr val="tx1"/>
-                          </a:solidFill>
-                          <a:prstDash val="solid"/>
-                          <a:round/>
-                          <a:headEnd type="none" w="med" len="med"/>
-                          <a:tailEnd type="none" w="med" len="med"/>
-                        </a:lnB>
-                        <a:lnTlToBr w="12700" cmpd="sng">
-                          <a:noFill/>
-                          <a:prstDash val="solid"/>
-                        </a:lnTlToBr>
-                        <a:lnBlToTr w="12700" cmpd="sng">
-                          <a:noFill/>
-                          <a:prstDash val="solid"/>
-                        </a:lnBlToTr>
                       </a:tcPr>
                     </a:tc>
                     <a:tc>
@@ -5723,7 +5859,7 @@
                         <a:blipFill rotWithShape="1">
                           <a:blip r:embed="rId3"/>
                           <a:stretch>
-                            <a:fillRect l="-201942" t="-1190" r="-201942" b="-561905"/>
+                            <a:fillRect l="-166667" t="-1205" r="-398718" b="-560241"/>
                           </a:stretch>
                         </a:blipFill>
                       </a:tcPr>
@@ -5772,7 +5908,7 @@
                         <a:blipFill rotWithShape="1">
                           <a:blip r:embed="rId3"/>
                           <a:stretch>
-                            <a:fillRect l="-299038" t="-1190" r="-100000" b="-561905"/>
+                            <a:fillRect l="-200000" t="-1205" r="-199038" b="-560241"/>
                           </a:stretch>
                         </a:blipFill>
                       </a:tcPr>
@@ -5789,14 +5925,8 @@
                         <a:lnL>
                           <a:noFill/>
                         </a:lnL>
-                        <a:lnR w="12700" cap="flat" cmpd="sng" algn="ctr">
-                          <a:solidFill>
-                            <a:schemeClr val="tx1"/>
-                          </a:solidFill>
-                          <a:prstDash val="solid"/>
-                          <a:round/>
-                          <a:headEnd type="none" w="med" len="med"/>
-                          <a:tailEnd type="none" w="med" len="med"/>
+                        <a:lnR>
+                          <a:noFill/>
                         </a:lnR>
                         <a:lnT w="12700" cap="flat" cmpd="sng" algn="ctr">
                           <a:solidFill>
@@ -5827,18 +5957,73 @@
                         <a:blipFill rotWithShape="1">
                           <a:blip r:embed="rId3"/>
                           <a:stretch>
-                            <a:fillRect l="-399038" t="-1190" b="-561905"/>
+                            <a:fillRect l="-302913" t="-1205" r="-100971" b="-560241"/>
                           </a:stretch>
                         </a:blipFill>
                       </a:tcPr>
                     </a:tc>
+                    <a:tc>
+                      <a:txBody>
+                        <a:bodyPr/>
+                        <a:lstStyle/>
+                        <a:p>
+                          <a:endParaRPr lang="en-US"/>
+                        </a:p>
+                      </a:txBody>
+                      <a:tcPr anchor="ctr">
+                        <a:lnL>
+                          <a:noFill/>
+                        </a:lnL>
+                        <a:lnR w="12700" cap="flat" cmpd="sng" algn="ctr">
+                          <a:solidFill>
+                            <a:schemeClr val="tx1"/>
+                          </a:solidFill>
+                          <a:prstDash val="solid"/>
+                          <a:round/>
+                          <a:headEnd type="none" w="med" len="med"/>
+                          <a:tailEnd type="none" w="med" len="med"/>
+                        </a:lnR>
+                        <a:lnT w="12700" cap="flat" cmpd="sng" algn="ctr">
+                          <a:solidFill>
+                            <a:schemeClr val="tx1"/>
+                          </a:solidFill>
+                          <a:prstDash val="solid"/>
+                          <a:round/>
+                          <a:headEnd type="none" w="med" len="med"/>
+                          <a:tailEnd type="none" w="med" len="med"/>
+                        </a:lnT>
+                        <a:lnB w="12700" cap="flat" cmpd="sng" algn="ctr">
+                          <a:solidFill>
+                            <a:schemeClr val="tx1"/>
+                          </a:solidFill>
+                          <a:prstDash val="solid"/>
+                          <a:round/>
+                          <a:headEnd type="none" w="med" len="med"/>
+                          <a:tailEnd type="none" w="med" len="med"/>
+                        </a:lnB>
+                        <a:lnTlToBr w="12700" cmpd="sng">
+                          <a:noFill/>
+                          <a:prstDash val="solid"/>
+                        </a:lnTlToBr>
+                        <a:lnBlToTr w="12700" cmpd="sng">
+                          <a:noFill/>
+                          <a:prstDash val="solid"/>
+                        </a:lnBlToTr>
+                        <a:blipFill rotWithShape="1">
+                          <a:blip r:embed="rId3"/>
+                          <a:stretch>
+                            <a:fillRect l="-399038" t="-1205" b="-560241"/>
+                          </a:stretch>
+                        </a:blipFill>
+                      </a:tcPr>
+                    </a:tc>
                     <a:extLst>
                       <a:ext uri="{0D108BD9-81ED-4DB2-BD59-A6C34878D82A}">
-                        <a16:rowId xmlns:a16="http://schemas.microsoft.com/office/drawing/2014/main" xmlns:a14="http://schemas.microsoft.com/office/drawing/2010/main" xmlns="" val="3176941515"/>
+                        <a16:rowId xmlns="" xmlns:a16="http://schemas.microsoft.com/office/drawing/2014/main" xmlns:a14="http://schemas.microsoft.com/office/drawing/2010/main" val="3176941515"/>
                       </a:ext>
                     </a:extLst>
                   </a:tr>
-                  <a:tr h="319896">
+                  <a:tr h="249252">
                     <a:tc>
                       <a:txBody>
                         <a:bodyPr/>
@@ -6067,11 +6252,11 @@
                     </a:tc>
                     <a:extLst>
                       <a:ext uri="{0D108BD9-81ED-4DB2-BD59-A6C34878D82A}">
-                        <a16:rowId xmlns:a16="http://schemas.microsoft.com/office/drawing/2014/main" xmlns:a14="http://schemas.microsoft.com/office/drawing/2010/main" xmlns="" val="2673339703"/>
+                        <a16:rowId xmlns="" xmlns:a16="http://schemas.microsoft.com/office/drawing/2014/main" xmlns:a14="http://schemas.microsoft.com/office/drawing/2010/main" val="2673339703"/>
                       </a:ext>
                     </a:extLst>
                   </a:tr>
-                  <a:tr h="319896">
+                  <a:tr h="378953">
                     <a:tc>
                       <a:txBody>
                         <a:bodyPr/>
@@ -6261,11 +6446,11 @@
                     </a:tc>
                     <a:extLst>
                       <a:ext uri="{0D108BD9-81ED-4DB2-BD59-A6C34878D82A}">
-                        <a16:rowId xmlns:a16="http://schemas.microsoft.com/office/drawing/2014/main" xmlns:a14="http://schemas.microsoft.com/office/drawing/2010/main" xmlns="" val="2736953877"/>
+                        <a16:rowId xmlns="" xmlns:a16="http://schemas.microsoft.com/office/drawing/2014/main" xmlns:a14="http://schemas.microsoft.com/office/drawing/2010/main" val="2736953877"/>
                       </a:ext>
                     </a:extLst>
                   </a:tr>
-                  <a:tr h="319896">
+                  <a:tr h="249252">
                     <a:tc>
                       <a:txBody>
                         <a:bodyPr/>
@@ -6464,11 +6649,11 @@
                     </a:tc>
                     <a:extLst>
                       <a:ext uri="{0D108BD9-81ED-4DB2-BD59-A6C34878D82A}">
-                        <a16:rowId xmlns:a16="http://schemas.microsoft.com/office/drawing/2014/main" xmlns:a14="http://schemas.microsoft.com/office/drawing/2010/main" xmlns="" val="935999974"/>
+                        <a16:rowId xmlns="" xmlns:a16="http://schemas.microsoft.com/office/drawing/2014/main" xmlns:a14="http://schemas.microsoft.com/office/drawing/2010/main" val="935999974"/>
                       </a:ext>
                     </a:extLst>
                   </a:tr>
-                  <a:tr h="319896">
+                  <a:tr h="378953">
                     <a:tc>
                       <a:txBody>
                         <a:bodyPr/>
@@ -6658,11 +6843,11 @@
                     </a:tc>
                     <a:extLst>
                       <a:ext uri="{0D108BD9-81ED-4DB2-BD59-A6C34878D82A}">
-                        <a16:rowId xmlns:a16="http://schemas.microsoft.com/office/drawing/2014/main" xmlns:a14="http://schemas.microsoft.com/office/drawing/2010/main" xmlns="" val="3527595651"/>
+                        <a16:rowId xmlns="" xmlns:a16="http://schemas.microsoft.com/office/drawing/2014/main" xmlns:a14="http://schemas.microsoft.com/office/drawing/2010/main" val="3527595651"/>
                       </a:ext>
                     </a:extLst>
                   </a:tr>
-                  <a:tr h="319896">
+                  <a:tr h="228600">
                     <a:tc>
                       <a:txBody>
                         <a:bodyPr/>
@@ -6852,11 +7037,11 @@
                     </a:tc>
                     <a:extLst>
                       <a:ext uri="{0D108BD9-81ED-4DB2-BD59-A6C34878D82A}">
-                        <a16:rowId xmlns:a16="http://schemas.microsoft.com/office/drawing/2014/main" xmlns:a14="http://schemas.microsoft.com/office/drawing/2010/main" xmlns="" val="2500584138"/>
+                        <a16:rowId xmlns="" xmlns:a16="http://schemas.microsoft.com/office/drawing/2014/main" xmlns:a14="http://schemas.microsoft.com/office/drawing/2010/main" val="2500584138"/>
                       </a:ext>
                     </a:extLst>
                   </a:tr>
-                  <a:tr h="319896">
+                  <a:tr h="297749">
                     <a:tc>
                       <a:txBody>
                         <a:bodyPr/>
@@ -7046,11 +7231,11 @@
                     </a:tc>
                     <a:extLst>
                       <a:ext uri="{0D108BD9-81ED-4DB2-BD59-A6C34878D82A}">
-                        <a16:rowId xmlns:a16="http://schemas.microsoft.com/office/drawing/2014/main" xmlns:a14="http://schemas.microsoft.com/office/drawing/2010/main" xmlns="" val="1644191295"/>
+                        <a16:rowId xmlns="" xmlns:a16="http://schemas.microsoft.com/office/drawing/2014/main" xmlns:a14="http://schemas.microsoft.com/office/drawing/2010/main" val="1644191295"/>
                       </a:ext>
                     </a:extLst>
                   </a:tr>
-                  <a:tr h="319896">
+                  <a:tr h="297749">
                     <a:tc>
                       <a:txBody>
                         <a:bodyPr/>
@@ -7240,11 +7425,11 @@
                     </a:tc>
                     <a:extLst>
                       <a:ext uri="{0D108BD9-81ED-4DB2-BD59-A6C34878D82A}">
-                        <a16:rowId xmlns:a16="http://schemas.microsoft.com/office/drawing/2014/main" xmlns:a14="http://schemas.microsoft.com/office/drawing/2010/main" xmlns="" val="2249276370"/>
+                        <a16:rowId xmlns="" xmlns:a16="http://schemas.microsoft.com/office/drawing/2014/main" xmlns:a14="http://schemas.microsoft.com/office/drawing/2010/main" val="2249276370"/>
                       </a:ext>
                     </a:extLst>
                   </a:tr>
-                  <a:tr h="319896">
+                  <a:tr h="378953">
                     <a:tc>
                       <a:txBody>
                         <a:bodyPr/>
@@ -7434,11 +7619,11 @@
                     </a:tc>
                     <a:extLst>
                       <a:ext uri="{0D108BD9-81ED-4DB2-BD59-A6C34878D82A}">
-                        <a16:rowId xmlns:a16="http://schemas.microsoft.com/office/drawing/2014/main" xmlns:a14="http://schemas.microsoft.com/office/drawing/2010/main" xmlns="" val="889951462"/>
+                        <a16:rowId xmlns="" xmlns:a16="http://schemas.microsoft.com/office/drawing/2014/main" xmlns:a14="http://schemas.microsoft.com/office/drawing/2010/main" val="889951462"/>
                       </a:ext>
                     </a:extLst>
                   </a:tr>
-                  <a:tr h="319896">
+                  <a:tr h="378953">
                     <a:tc>
                       <a:txBody>
                         <a:bodyPr/>
@@ -7658,7 +7843,7 @@
                     </a:tc>
                     <a:extLst>
                       <a:ext uri="{0D108BD9-81ED-4DB2-BD59-A6C34878D82A}">
-                        <a16:rowId xmlns:a16="http://schemas.microsoft.com/office/drawing/2014/main" xmlns:a14="http://schemas.microsoft.com/office/drawing/2010/main" xmlns="" val="141707935"/>
+                        <a16:rowId xmlns="" xmlns:a16="http://schemas.microsoft.com/office/drawing/2014/main" xmlns:a14="http://schemas.microsoft.com/office/drawing/2010/main" val="141707935"/>
                       </a:ext>
                     </a:extLst>
                   </a:tr>
@@ -7671,7 +7856,5231 @@
     </p:spTree>
     <p:extLst>
       <p:ext uri="{BB962C8B-B14F-4D97-AF65-F5344CB8AC3E}">
-        <p14:creationId xmlns:p14="http://schemas.microsoft.com/office/powerpoint/2010/main" val="3562788701"/>
+        <p14:creationId xmlns:p14="http://schemas.microsoft.com/office/powerpoint/2010/main" val="60961916"/>
+      </p:ext>
+    </p:extLst>
+  </p:cSld>
+  <p:clrMapOvr>
+    <a:masterClrMapping/>
+  </p:clrMapOvr>
+</p:sld>
+</file>
+
+<file path=ppt/slides/slide2.xml><?xml version="1.0" encoding="utf-8"?>
+<p:sld xmlns:a="http://schemas.openxmlformats.org/drawingml/2006/main" xmlns:r="http://schemas.openxmlformats.org/officeDocument/2006/relationships" xmlns:p="http://schemas.openxmlformats.org/presentationml/2006/main">
+  <p:cSld>
+    <p:spTree>
+      <p:nvGrpSpPr>
+        <p:cNvPr id="1" name=""/>
+        <p:cNvGrpSpPr/>
+        <p:nvPr/>
+      </p:nvGrpSpPr>
+      <p:grpSpPr>
+        <a:xfrm>
+          <a:off x="0" y="0"/>
+          <a:ext cx="0" cy="0"/>
+          <a:chOff x="0" y="0"/>
+          <a:chExt cx="0" cy="0"/>
+        </a:xfrm>
+      </p:grpSpPr>
+      <mc:AlternateContent xmlns:mc="http://schemas.openxmlformats.org/markup-compatibility/2006">
+        <mc:Choice xmlns:a14="http://schemas.microsoft.com/office/drawing/2010/main" Requires="a14">
+          <p:graphicFrame>
+            <p:nvGraphicFramePr>
+              <p:cNvPr id="6" name="Table 5"/>
+              <p:cNvGraphicFramePr>
+                <a:graphicFrameLocks noGrp="1"/>
+              </p:cNvGraphicFramePr>
+              <p:nvPr>
+                <p:extLst>
+                  <p:ext uri="{D42A27DB-BD31-4B8C-83A1-F6EECF244321}">
+                    <p14:modId xmlns:p14="http://schemas.microsoft.com/office/powerpoint/2010/main" val="1286778539"/>
+                  </p:ext>
+                </p:extLst>
+              </p:nvPr>
+            </p:nvGraphicFramePr>
+            <p:xfrm>
+              <a:off x="3409732" y="2313841"/>
+              <a:ext cx="3159125" cy="3390899"/>
+            </p:xfrm>
+            <a:graphic>
+              <a:graphicData uri="http://schemas.openxmlformats.org/drawingml/2006/table">
+                <a:tbl>
+                  <a:tblPr>
+                    <a:tableStyleId>{F2DE63D5-997A-4646-A377-4702673A728D}</a:tableStyleId>
+                  </a:tblPr>
+                  <a:tblGrid>
+                    <a:gridCol w="785093">
+                      <a:extLst>
+                        <a:ext uri="{9D8B030D-6E8A-4147-A177-3AD203B41FA5}">
+                          <a16:colId xmlns="" xmlns:a16="http://schemas.microsoft.com/office/drawing/2014/main" val="2070464311"/>
+                        </a:ext>
+                      </a:extLst>
+                    </a:gridCol>
+                    <a:gridCol w="478557">
+                      <a:extLst>
+                        <a:ext uri="{9D8B030D-6E8A-4147-A177-3AD203B41FA5}">
+                          <a16:colId xmlns="" xmlns:a16="http://schemas.microsoft.com/office/drawing/2014/main" val="2814482158"/>
+                        </a:ext>
+                      </a:extLst>
+                    </a:gridCol>
+                    <a:gridCol w="631825">
+                      <a:extLst>
+                        <a:ext uri="{9D8B030D-6E8A-4147-A177-3AD203B41FA5}">
+                          <a16:colId xmlns="" xmlns:a16="http://schemas.microsoft.com/office/drawing/2014/main" val="3449075261"/>
+                        </a:ext>
+                      </a:extLst>
+                    </a:gridCol>
+                    <a:gridCol w="631825">
+                      <a:extLst>
+                        <a:ext uri="{9D8B030D-6E8A-4147-A177-3AD203B41FA5}">
+                          <a16:colId xmlns="" xmlns:a16="http://schemas.microsoft.com/office/drawing/2014/main" val="1813670796"/>
+                        </a:ext>
+                      </a:extLst>
+                    </a:gridCol>
+                    <a:gridCol w="631825">
+                      <a:extLst>
+                        <a:ext uri="{9D8B030D-6E8A-4147-A177-3AD203B41FA5}">
+                          <a16:colId xmlns="" xmlns:a16="http://schemas.microsoft.com/office/drawing/2014/main" val="1994465920"/>
+                        </a:ext>
+                      </a:extLst>
+                    </a:gridCol>
+                  </a:tblGrid>
+                  <a:tr h="511835">
+                    <a:tc>
+                      <a:txBody>
+                        <a:bodyPr/>
+                        <a:lstStyle/>
+                        <a:p>
+                          <a:pPr algn="ctr"/>
+                          <a14:m>
+                            <m:oMathPara xmlns:m="http://schemas.openxmlformats.org/officeDocument/2006/math">
+                              <m:oMathParaPr>
+                                <m:jc m:val="centerGroup"/>
+                              </m:oMathParaPr>
+                              <m:oMath xmlns:m="http://schemas.openxmlformats.org/officeDocument/2006/math">
+                                <m:sSub>
+                                  <m:sSubPr>
+                                    <m:ctrlPr>
+                                      <a:rPr lang="en-AU" sz="1200" b="1" i="1" kern="1200" smtClean="0">
+                                        <a:solidFill>
+                                          <a:schemeClr val="tx1"/>
+                                        </a:solidFill>
+                                        <a:effectLst/>
+                                        <a:latin typeface="Cambria Math"/>
+                                        <a:ea typeface="+mn-ea"/>
+                                        <a:cs typeface="+mn-cs"/>
+                                      </a:rPr>
+                                    </m:ctrlPr>
+                                  </m:sSubPr>
+                                  <m:e>
+                                    <m:r>
+                                      <a:rPr lang="en-AU" sz="1200" b="1" i="1" kern="1200">
+                                        <a:solidFill>
+                                          <a:schemeClr val="tx1"/>
+                                        </a:solidFill>
+                                        <a:effectLst/>
+                                        <a:latin typeface="Cambria Math"/>
+                                        <a:ea typeface="+mn-ea"/>
+                                        <a:cs typeface="+mn-cs"/>
+                                      </a:rPr>
+                                      <m:t>𝑷</m:t>
+                                    </m:r>
+                                  </m:e>
+                                  <m:sub>
+                                    <m:r>
+                                      <a:rPr lang="en-AU" sz="1200" b="1" i="1" kern="1200">
+                                        <a:solidFill>
+                                          <a:schemeClr val="tx1"/>
+                                        </a:solidFill>
+                                        <a:effectLst/>
+                                        <a:latin typeface="Cambria Math"/>
+                                        <a:ea typeface="+mn-ea"/>
+                                        <a:cs typeface="+mn-cs"/>
+                                      </a:rPr>
+                                      <m:t>𝒊</m:t>
+                                    </m:r>
+                                  </m:sub>
+                                </m:sSub>
+                              </m:oMath>
+                            </m:oMathPara>
+                          </a14:m>
+                          <a:endParaRPr lang="en-AU" sz="1200" dirty="0"/>
+                        </a:p>
+                      </a:txBody>
+                      <a:tcPr anchor="ctr">
+                        <a:lnL w="12700" cap="flat" cmpd="sng" algn="ctr">
+                          <a:solidFill>
+                            <a:schemeClr val="tx1"/>
+                          </a:solidFill>
+                          <a:prstDash val="solid"/>
+                          <a:round/>
+                          <a:headEnd type="none" w="med" len="med"/>
+                          <a:tailEnd type="none" w="med" len="med"/>
+                        </a:lnL>
+                        <a:lnR>
+                          <a:noFill/>
+                        </a:lnR>
+                        <a:lnT w="12700" cap="flat" cmpd="sng" algn="ctr">
+                          <a:solidFill>
+                            <a:schemeClr val="tx1"/>
+                          </a:solidFill>
+                          <a:prstDash val="solid"/>
+                          <a:round/>
+                          <a:headEnd type="none" w="med" len="med"/>
+                          <a:tailEnd type="none" w="med" len="med"/>
+                        </a:lnT>
+                        <a:lnB w="12700" cap="flat" cmpd="sng" algn="ctr">
+                          <a:solidFill>
+                            <a:schemeClr val="tx1"/>
+                          </a:solidFill>
+                          <a:prstDash val="solid"/>
+                          <a:round/>
+                          <a:headEnd type="none" w="med" len="med"/>
+                          <a:tailEnd type="none" w="med" len="med"/>
+                        </a:lnB>
+                        <a:lnTlToBr w="12700" cmpd="sng">
+                          <a:noFill/>
+                          <a:prstDash val="solid"/>
+                        </a:lnTlToBr>
+                        <a:lnBlToTr w="12700" cmpd="sng">
+                          <a:noFill/>
+                          <a:prstDash val="solid"/>
+                        </a:lnBlToTr>
+                      </a:tcPr>
+                    </a:tc>
+                    <a:tc>
+                      <a:txBody>
+                        <a:bodyPr/>
+                        <a:lstStyle/>
+                        <a:p>
+                          <a:pPr algn="ctr"/>
+                          <a:r>
+                            <a:rPr lang="en-AU" sz="1200" b="1" i="1" dirty="0"/>
+                            <a:t>#</a:t>
+                          </a:r>
+                          <a14:m>
+                            <m:oMath xmlns:m="http://schemas.openxmlformats.org/officeDocument/2006/math">
+                              <m:sSub>
+                                <m:sSubPr>
+                                  <m:ctrlPr>
+                                    <a:rPr lang="en-AU" sz="1200" b="1" i="1" kern="1200" smtClean="0">
+                                      <a:solidFill>
+                                        <a:schemeClr val="tx1"/>
+                                      </a:solidFill>
+                                      <a:effectLst/>
+                                      <a:latin typeface="Cambria Math"/>
+                                      <a:ea typeface="+mn-ea"/>
+                                      <a:cs typeface="+mn-cs"/>
+                                    </a:rPr>
+                                  </m:ctrlPr>
+                                </m:sSubPr>
+                                <m:e>
+                                  <m:r>
+                                    <a:rPr lang="en-AU" sz="1200" b="1" i="1" kern="1200">
+                                      <a:solidFill>
+                                        <a:schemeClr val="tx1"/>
+                                      </a:solidFill>
+                                      <a:effectLst/>
+                                      <a:latin typeface="Cambria Math"/>
+                                      <a:ea typeface="+mn-ea"/>
+                                      <a:cs typeface="+mn-cs"/>
+                                    </a:rPr>
+                                    <m:t>𝑷</m:t>
+                                  </m:r>
+                                </m:e>
+                                <m:sub>
+                                  <m:r>
+                                    <a:rPr lang="en-AU" sz="1200" b="1" i="1" kern="1200">
+                                      <a:solidFill>
+                                        <a:schemeClr val="tx1"/>
+                                      </a:solidFill>
+                                      <a:effectLst/>
+                                      <a:latin typeface="Cambria Math"/>
+                                      <a:ea typeface="+mn-ea"/>
+                                      <a:cs typeface="+mn-cs"/>
+                                    </a:rPr>
+                                    <m:t>𝒊</m:t>
+                                  </m:r>
+                                </m:sub>
+                              </m:sSub>
+                            </m:oMath>
+                          </a14:m>
+                          <a:endParaRPr lang="en-AU" sz="1200" b="1" i="1" dirty="0"/>
+                        </a:p>
+                      </a:txBody>
+                      <a:tcPr anchor="ctr">
+                        <a:lnL>
+                          <a:noFill/>
+                        </a:lnL>
+                        <a:lnR>
+                          <a:noFill/>
+                        </a:lnR>
+                        <a:lnT w="12700" cap="flat" cmpd="sng" algn="ctr">
+                          <a:solidFill>
+                            <a:schemeClr val="tx1"/>
+                          </a:solidFill>
+                          <a:prstDash val="solid"/>
+                          <a:round/>
+                          <a:headEnd type="none" w="med" len="med"/>
+                          <a:tailEnd type="none" w="med" len="med"/>
+                        </a:lnT>
+                        <a:lnB w="12700" cap="flat" cmpd="sng" algn="ctr">
+                          <a:solidFill>
+                            <a:schemeClr val="tx1"/>
+                          </a:solidFill>
+                          <a:prstDash val="solid"/>
+                          <a:round/>
+                          <a:headEnd type="none" w="med" len="med"/>
+                          <a:tailEnd type="none" w="med" len="med"/>
+                        </a:lnB>
+                        <a:lnTlToBr w="12700" cmpd="sng">
+                          <a:noFill/>
+                          <a:prstDash val="solid"/>
+                        </a:lnTlToBr>
+                        <a:lnBlToTr w="12700" cmpd="sng">
+                          <a:noFill/>
+                          <a:prstDash val="solid"/>
+                        </a:lnBlToTr>
+                      </a:tcPr>
+                    </a:tc>
+                    <a:tc>
+                      <a:txBody>
+                        <a:bodyPr/>
+                        <a:lstStyle/>
+                        <a:p>
+                          <a:pPr algn="ctr"/>
+                          <a14:m>
+                            <m:oMathPara xmlns:m="http://schemas.openxmlformats.org/officeDocument/2006/math">
+                              <m:oMathParaPr>
+                                <m:jc m:val="centerGroup"/>
+                              </m:oMathParaPr>
+                              <m:oMath xmlns:m="http://schemas.openxmlformats.org/officeDocument/2006/math">
+                                <m:sSub>
+                                  <m:sSubPr>
+                                    <m:ctrlPr>
+                                      <a:rPr lang="en-AU" sz="1200" b="1" i="1" kern="1200" smtClean="0">
+                                        <a:solidFill>
+                                          <a:schemeClr val="tx1"/>
+                                        </a:solidFill>
+                                        <a:effectLst/>
+                                        <a:latin typeface="Cambria Math"/>
+                                        <a:ea typeface="+mn-ea"/>
+                                        <a:cs typeface="+mn-cs"/>
+                                      </a:rPr>
+                                    </m:ctrlPr>
+                                  </m:sSubPr>
+                                  <m:e>
+                                    <m:r>
+                                      <a:rPr lang="en-AU" sz="1200" b="1" i="1" kern="1200">
+                                        <a:solidFill>
+                                          <a:schemeClr val="tx1"/>
+                                        </a:solidFill>
+                                        <a:effectLst/>
+                                        <a:latin typeface="Cambria Math"/>
+                                        <a:ea typeface="+mn-ea"/>
+                                        <a:cs typeface="+mn-cs"/>
+                                      </a:rPr>
+                                      <m:t>𝑬</m:t>
+                                    </m:r>
+                                  </m:e>
+                                  <m:sub>
+                                    <m:r>
+                                      <a:rPr lang="en-AU" sz="1200" b="1" i="1" kern="1200">
+                                        <a:solidFill>
+                                          <a:schemeClr val="tx1"/>
+                                        </a:solidFill>
+                                        <a:effectLst/>
+                                        <a:latin typeface="Cambria Math"/>
+                                        <a:ea typeface="+mn-ea"/>
+                                        <a:cs typeface="+mn-cs"/>
+                                      </a:rPr>
+                                      <m:t>𝒌</m:t>
+                                    </m:r>
+                                  </m:sub>
+                                </m:sSub>
+                                <m:d>
+                                  <m:dPr>
+                                    <m:ctrlPr>
+                                      <a:rPr lang="en-AU" sz="1200" b="1" i="1" kern="1200">
+                                        <a:solidFill>
+                                          <a:schemeClr val="tx1"/>
+                                        </a:solidFill>
+                                        <a:effectLst/>
+                                        <a:latin typeface="Cambria Math"/>
+                                        <a:ea typeface="+mn-ea"/>
+                                        <a:cs typeface="+mn-cs"/>
+                                      </a:rPr>
+                                    </m:ctrlPr>
+                                  </m:dPr>
+                                  <m:e>
+                                    <m:sSub>
+                                      <m:sSubPr>
+                                        <m:ctrlPr>
+                                          <a:rPr lang="en-AU" sz="1200" b="1" i="1" kern="1200">
+                                            <a:solidFill>
+                                              <a:schemeClr val="tx1"/>
+                                            </a:solidFill>
+                                            <a:effectLst/>
+                                            <a:latin typeface="Cambria Math"/>
+                                            <a:ea typeface="+mn-ea"/>
+                                            <a:cs typeface="+mn-cs"/>
+                                          </a:rPr>
+                                        </m:ctrlPr>
+                                      </m:sSubPr>
+                                      <m:e>
+                                        <m:r>
+                                          <a:rPr lang="en-AU" sz="1200" b="1" i="1" kern="1200">
+                                            <a:solidFill>
+                                              <a:schemeClr val="tx1"/>
+                                            </a:solidFill>
+                                            <a:effectLst/>
+                                            <a:latin typeface="Cambria Math"/>
+                                            <a:ea typeface="+mn-ea"/>
+                                            <a:cs typeface="+mn-cs"/>
+                                          </a:rPr>
+                                          <m:t>𝑷</m:t>
+                                        </m:r>
+                                      </m:e>
+                                      <m:sub>
+                                        <m:r>
+                                          <a:rPr lang="en-AU" sz="1200" b="1" i="1" kern="1200">
+                                            <a:solidFill>
+                                              <a:schemeClr val="tx1"/>
+                                            </a:solidFill>
+                                            <a:effectLst/>
+                                            <a:latin typeface="Cambria Math"/>
+                                            <a:ea typeface="+mn-ea"/>
+                                            <a:cs typeface="+mn-cs"/>
+                                          </a:rPr>
+                                          <m:t>𝒊</m:t>
+                                        </m:r>
+                                      </m:sub>
+                                    </m:sSub>
+                                  </m:e>
+                                </m:d>
+                              </m:oMath>
+                            </m:oMathPara>
+                          </a14:m>
+                          <a:endParaRPr lang="en-AU" sz="1200" dirty="0"/>
+                        </a:p>
+                      </a:txBody>
+                      <a:tcPr anchor="ctr">
+                        <a:lnL>
+                          <a:noFill/>
+                        </a:lnL>
+                        <a:lnR>
+                          <a:noFill/>
+                        </a:lnR>
+                        <a:lnT w="12700" cap="flat" cmpd="sng" algn="ctr">
+                          <a:solidFill>
+                            <a:schemeClr val="tx1"/>
+                          </a:solidFill>
+                          <a:prstDash val="solid"/>
+                          <a:round/>
+                          <a:headEnd type="none" w="med" len="med"/>
+                          <a:tailEnd type="none" w="med" len="med"/>
+                        </a:lnT>
+                        <a:lnB w="12700" cap="flat" cmpd="sng" algn="ctr">
+                          <a:solidFill>
+                            <a:schemeClr val="tx1"/>
+                          </a:solidFill>
+                          <a:prstDash val="solid"/>
+                          <a:round/>
+                          <a:headEnd type="none" w="med" len="med"/>
+                          <a:tailEnd type="none" w="med" len="med"/>
+                        </a:lnB>
+                        <a:lnTlToBr w="12700" cmpd="sng">
+                          <a:noFill/>
+                          <a:prstDash val="solid"/>
+                        </a:lnTlToBr>
+                        <a:lnBlToTr w="12700" cmpd="sng">
+                          <a:noFill/>
+                          <a:prstDash val="solid"/>
+                        </a:lnBlToTr>
+                      </a:tcPr>
+                    </a:tc>
+                    <a:tc>
+                      <a:txBody>
+                        <a:bodyPr/>
+                        <a:lstStyle/>
+                        <a:p>
+                          <a:pPr algn="ctr"/>
+                          <a14:m>
+                            <m:oMathPara xmlns:m="http://schemas.openxmlformats.org/officeDocument/2006/math">
+                              <m:oMathParaPr>
+                                <m:jc m:val="centerGroup"/>
+                              </m:oMathParaPr>
+                              <m:oMath xmlns:m="http://schemas.openxmlformats.org/officeDocument/2006/math">
+                                <m:sSub>
+                                  <m:sSubPr>
+                                    <m:ctrlPr>
+                                      <a:rPr lang="en-AU" sz="1200" b="1" i="1" kern="1200" smtClean="0">
+                                        <a:solidFill>
+                                          <a:schemeClr val="tx1"/>
+                                        </a:solidFill>
+                                        <a:effectLst/>
+                                        <a:latin typeface="Cambria Math"/>
+                                        <a:ea typeface="+mn-ea"/>
+                                        <a:cs typeface="+mn-cs"/>
+                                      </a:rPr>
+                                    </m:ctrlPr>
+                                  </m:sSubPr>
+                                  <m:e>
+                                    <m:r>
+                                      <a:rPr lang="en-AU" sz="1200" b="1" i="1" kern="1200" smtClean="0">
+                                        <a:solidFill>
+                                          <a:schemeClr val="tx1"/>
+                                        </a:solidFill>
+                                        <a:effectLst/>
+                                        <a:latin typeface="Cambria Math" panose="02040503050406030204" pitchFamily="18" charset="0"/>
+                                        <a:ea typeface="+mn-ea"/>
+                                        <a:cs typeface="+mn-cs"/>
+                                      </a:rPr>
+                                      <m:t>𝑪</m:t>
+                                    </m:r>
+                                  </m:e>
+                                  <m:sub>
+                                    <m:r>
+                                      <a:rPr lang="en-AU" sz="1200" b="1" i="1" kern="1200">
+                                        <a:solidFill>
+                                          <a:schemeClr val="tx1"/>
+                                        </a:solidFill>
+                                        <a:effectLst/>
+                                        <a:latin typeface="Cambria Math"/>
+                                        <a:ea typeface="+mn-ea"/>
+                                        <a:cs typeface="+mn-cs"/>
+                                      </a:rPr>
+                                      <m:t>𝒌</m:t>
+                                    </m:r>
+                                  </m:sub>
+                                </m:sSub>
+                                <m:d>
+                                  <m:dPr>
+                                    <m:ctrlPr>
+                                      <a:rPr lang="en-AU" sz="1200" b="1" i="1" kern="1200">
+                                        <a:solidFill>
+                                          <a:schemeClr val="tx1"/>
+                                        </a:solidFill>
+                                        <a:effectLst/>
+                                        <a:latin typeface="Cambria Math"/>
+                                        <a:ea typeface="+mn-ea"/>
+                                        <a:cs typeface="+mn-cs"/>
+                                      </a:rPr>
+                                    </m:ctrlPr>
+                                  </m:dPr>
+                                  <m:e>
+                                    <m:sSub>
+                                      <m:sSubPr>
+                                        <m:ctrlPr>
+                                          <a:rPr lang="en-AU" sz="1200" b="1" i="1" kern="1200">
+                                            <a:solidFill>
+                                              <a:schemeClr val="tx1"/>
+                                            </a:solidFill>
+                                            <a:effectLst/>
+                                            <a:latin typeface="Cambria Math"/>
+                                            <a:ea typeface="+mn-ea"/>
+                                            <a:cs typeface="+mn-cs"/>
+                                          </a:rPr>
+                                        </m:ctrlPr>
+                                      </m:sSubPr>
+                                      <m:e>
+                                        <m:r>
+                                          <a:rPr lang="en-AU" sz="1200" b="1" i="1" kern="1200">
+                                            <a:solidFill>
+                                              <a:schemeClr val="tx1"/>
+                                            </a:solidFill>
+                                            <a:effectLst/>
+                                            <a:latin typeface="Cambria Math"/>
+                                            <a:ea typeface="+mn-ea"/>
+                                            <a:cs typeface="+mn-cs"/>
+                                          </a:rPr>
+                                          <m:t>𝑷</m:t>
+                                        </m:r>
+                                      </m:e>
+                                      <m:sub>
+                                        <m:r>
+                                          <a:rPr lang="en-AU" sz="1200" b="1" i="1" kern="1200">
+                                            <a:solidFill>
+                                              <a:schemeClr val="tx1"/>
+                                            </a:solidFill>
+                                            <a:effectLst/>
+                                            <a:latin typeface="Cambria Math"/>
+                                            <a:ea typeface="+mn-ea"/>
+                                            <a:cs typeface="+mn-cs"/>
+                                          </a:rPr>
+                                          <m:t>𝒊</m:t>
+                                        </m:r>
+                                      </m:sub>
+                                    </m:sSub>
+                                  </m:e>
+                                </m:d>
+                              </m:oMath>
+                            </m:oMathPara>
+                          </a14:m>
+                          <a:endParaRPr lang="en-AU" sz="1200" dirty="0"/>
+                        </a:p>
+                      </a:txBody>
+                      <a:tcPr anchor="ctr">
+                        <a:lnL>
+                          <a:noFill/>
+                        </a:lnL>
+                        <a:lnR>
+                          <a:noFill/>
+                        </a:lnR>
+                        <a:lnT w="12700" cap="flat" cmpd="sng" algn="ctr">
+                          <a:solidFill>
+                            <a:schemeClr val="tx1"/>
+                          </a:solidFill>
+                          <a:prstDash val="solid"/>
+                          <a:round/>
+                          <a:headEnd type="none" w="med" len="med"/>
+                          <a:tailEnd type="none" w="med" len="med"/>
+                        </a:lnT>
+                        <a:lnB w="12700" cap="flat" cmpd="sng" algn="ctr">
+                          <a:solidFill>
+                            <a:schemeClr val="tx1"/>
+                          </a:solidFill>
+                          <a:prstDash val="solid"/>
+                          <a:round/>
+                          <a:headEnd type="none" w="med" len="med"/>
+                          <a:tailEnd type="none" w="med" len="med"/>
+                        </a:lnB>
+                        <a:lnTlToBr w="12700" cmpd="sng">
+                          <a:noFill/>
+                          <a:prstDash val="solid"/>
+                        </a:lnTlToBr>
+                        <a:lnBlToTr w="12700" cmpd="sng">
+                          <a:noFill/>
+                          <a:prstDash val="solid"/>
+                        </a:lnBlToTr>
+                      </a:tcPr>
+                    </a:tc>
+                    <a:tc>
+                      <a:txBody>
+                        <a:bodyPr/>
+                        <a:lstStyle/>
+                        <a:p>
+                          <a:pPr algn="ctr"/>
+                          <a14:m>
+                            <m:oMathPara xmlns:m="http://schemas.openxmlformats.org/officeDocument/2006/math">
+                              <m:oMathParaPr>
+                                <m:jc m:val="centerGroup"/>
+                              </m:oMathParaPr>
+                              <m:oMath xmlns:m="http://schemas.openxmlformats.org/officeDocument/2006/math">
+                                <m:sSub>
+                                  <m:sSubPr>
+                                    <m:ctrlPr>
+                                      <a:rPr lang="en-AU" sz="1200" b="1" i="1" kern="1200" smtClean="0">
+                                        <a:solidFill>
+                                          <a:schemeClr val="tx1"/>
+                                        </a:solidFill>
+                                        <a:effectLst/>
+                                        <a:latin typeface="Cambria Math"/>
+                                        <a:ea typeface="+mn-ea"/>
+                                        <a:cs typeface="+mn-cs"/>
+                                      </a:rPr>
+                                    </m:ctrlPr>
+                                  </m:sSubPr>
+                                  <m:e>
+                                    <m:r>
+                                      <a:rPr lang="en-AU" sz="1200" b="1" i="1" kern="1200">
+                                        <a:solidFill>
+                                          <a:schemeClr val="tx1"/>
+                                        </a:solidFill>
+                                        <a:effectLst/>
+                                        <a:latin typeface="Cambria Math"/>
+                                        <a:ea typeface="+mn-ea"/>
+                                        <a:cs typeface="+mn-cs"/>
+                                      </a:rPr>
+                                      <m:t>𝑫</m:t>
+                                    </m:r>
+                                  </m:e>
+                                  <m:sub>
+                                    <m:r>
+                                      <a:rPr lang="en-AU" sz="1200" b="1" i="1" kern="1200">
+                                        <a:solidFill>
+                                          <a:schemeClr val="tx1"/>
+                                        </a:solidFill>
+                                        <a:effectLst/>
+                                        <a:latin typeface="Cambria Math"/>
+                                        <a:ea typeface="+mn-ea"/>
+                                        <a:cs typeface="+mn-cs"/>
+                                      </a:rPr>
+                                      <m:t>𝒌</m:t>
+                                    </m:r>
+                                  </m:sub>
+                                </m:sSub>
+                                <m:d>
+                                  <m:dPr>
+                                    <m:ctrlPr>
+                                      <a:rPr lang="en-AU" sz="1200" b="1" i="1" kern="1200">
+                                        <a:solidFill>
+                                          <a:schemeClr val="tx1"/>
+                                        </a:solidFill>
+                                        <a:effectLst/>
+                                        <a:latin typeface="Cambria Math"/>
+                                        <a:ea typeface="+mn-ea"/>
+                                        <a:cs typeface="+mn-cs"/>
+                                      </a:rPr>
+                                    </m:ctrlPr>
+                                  </m:dPr>
+                                  <m:e>
+                                    <m:sSub>
+                                      <m:sSubPr>
+                                        <m:ctrlPr>
+                                          <a:rPr lang="en-AU" sz="1200" b="1" i="1" kern="1200">
+                                            <a:solidFill>
+                                              <a:schemeClr val="tx1"/>
+                                            </a:solidFill>
+                                            <a:effectLst/>
+                                            <a:latin typeface="Cambria Math"/>
+                                            <a:ea typeface="+mn-ea"/>
+                                            <a:cs typeface="+mn-cs"/>
+                                          </a:rPr>
+                                        </m:ctrlPr>
+                                      </m:sSubPr>
+                                      <m:e>
+                                        <m:r>
+                                          <a:rPr lang="en-AU" sz="1200" b="1" i="1" kern="1200">
+                                            <a:solidFill>
+                                              <a:schemeClr val="tx1"/>
+                                            </a:solidFill>
+                                            <a:effectLst/>
+                                            <a:latin typeface="Cambria Math"/>
+                                            <a:ea typeface="+mn-ea"/>
+                                            <a:cs typeface="+mn-cs"/>
+                                          </a:rPr>
+                                          <m:t>𝑷</m:t>
+                                        </m:r>
+                                      </m:e>
+                                      <m:sub>
+                                        <m:r>
+                                          <a:rPr lang="en-AU" sz="1200" b="1" i="1" kern="1200">
+                                            <a:solidFill>
+                                              <a:schemeClr val="tx1"/>
+                                            </a:solidFill>
+                                            <a:effectLst/>
+                                            <a:latin typeface="Cambria Math"/>
+                                            <a:ea typeface="+mn-ea"/>
+                                            <a:cs typeface="+mn-cs"/>
+                                          </a:rPr>
+                                          <m:t>𝒊</m:t>
+                                        </m:r>
+                                      </m:sub>
+                                    </m:sSub>
+                                  </m:e>
+                                </m:d>
+                              </m:oMath>
+                            </m:oMathPara>
+                          </a14:m>
+                          <a:endParaRPr lang="en-AU" sz="1200" dirty="0"/>
+                        </a:p>
+                      </a:txBody>
+                      <a:tcPr anchor="ctr">
+                        <a:lnL>
+                          <a:noFill/>
+                        </a:lnL>
+                        <a:lnR w="12700" cap="flat" cmpd="sng" algn="ctr">
+                          <a:solidFill>
+                            <a:schemeClr val="tx1"/>
+                          </a:solidFill>
+                          <a:prstDash val="solid"/>
+                          <a:round/>
+                          <a:headEnd type="none" w="med" len="med"/>
+                          <a:tailEnd type="none" w="med" len="med"/>
+                        </a:lnR>
+                        <a:lnT w="12700" cap="flat" cmpd="sng" algn="ctr">
+                          <a:solidFill>
+                            <a:schemeClr val="tx1"/>
+                          </a:solidFill>
+                          <a:prstDash val="solid"/>
+                          <a:round/>
+                          <a:headEnd type="none" w="med" len="med"/>
+                          <a:tailEnd type="none" w="med" len="med"/>
+                        </a:lnT>
+                        <a:lnB w="12700" cap="flat" cmpd="sng" algn="ctr">
+                          <a:solidFill>
+                            <a:schemeClr val="tx1"/>
+                          </a:solidFill>
+                          <a:prstDash val="solid"/>
+                          <a:round/>
+                          <a:headEnd type="none" w="med" len="med"/>
+                          <a:tailEnd type="none" w="med" len="med"/>
+                        </a:lnB>
+                        <a:lnTlToBr w="12700" cmpd="sng">
+                          <a:noFill/>
+                          <a:prstDash val="solid"/>
+                        </a:lnTlToBr>
+                        <a:lnBlToTr w="12700" cmpd="sng">
+                          <a:noFill/>
+                          <a:prstDash val="solid"/>
+                        </a:lnBlToTr>
+                      </a:tcPr>
+                    </a:tc>
+                    <a:extLst>
+                      <a:ext uri="{0D108BD9-81ED-4DB2-BD59-A6C34878D82A}">
+                        <a16:rowId xmlns="" xmlns:a16="http://schemas.microsoft.com/office/drawing/2014/main" val="3176941515"/>
+                      </a:ext>
+                    </a:extLst>
+                  </a:tr>
+                  <a:tr h="319896">
+                    <a:tc>
+                      <a:txBody>
+                        <a:bodyPr/>
+                        <a:lstStyle/>
+                        <a:p>
+                          <a:pPr algn="ctr" fontAlgn="b"/>
+                          <a:r>
+                            <a:rPr lang="en-AU" sz="900" u="none" strike="noStrike" dirty="0" smtClean="0">
+                              <a:effectLst/>
+                            </a:rPr>
+                            <a:t>FYVDSVK</a:t>
+                          </a:r>
+                          <a:endParaRPr lang="en-AU" sz="900" b="0" i="0" u="none" strike="noStrike" dirty="0">
+                            <a:solidFill>
+                              <a:srgbClr val="000000"/>
+                            </a:solidFill>
+                            <a:effectLst/>
+                            <a:latin typeface="Calibri" panose="020F0502020204030204" pitchFamily="34" charset="0"/>
+                          </a:endParaRPr>
+                        </a:p>
+                      </a:txBody>
+                      <a:tcPr marL="9525" marR="9525" marT="9525" marB="0" anchor="ctr">
+                        <a:lnL w="12700" cap="flat" cmpd="sng" algn="ctr">
+                          <a:solidFill>
+                            <a:schemeClr val="tx1"/>
+                          </a:solidFill>
+                          <a:prstDash val="solid"/>
+                          <a:round/>
+                          <a:headEnd type="none" w="med" len="med"/>
+                          <a:tailEnd type="none" w="med" len="med"/>
+                        </a:lnL>
+                        <a:lnR>
+                          <a:noFill/>
+                        </a:lnR>
+                        <a:lnT w="12700" cap="flat" cmpd="sng" algn="ctr">
+                          <a:solidFill>
+                            <a:schemeClr val="tx1"/>
+                          </a:solidFill>
+                          <a:prstDash val="solid"/>
+                          <a:round/>
+                          <a:headEnd type="none" w="med" len="med"/>
+                          <a:tailEnd type="none" w="med" len="med"/>
+                        </a:lnT>
+                        <a:lnB>
+                          <a:noFill/>
+                        </a:lnB>
+                        <a:lnTlToBr w="12700" cmpd="sng">
+                          <a:noFill/>
+                          <a:prstDash val="solid"/>
+                        </a:lnTlToBr>
+                        <a:lnBlToTr w="12700" cmpd="sng">
+                          <a:noFill/>
+                          <a:prstDash val="solid"/>
+                        </a:lnBlToTr>
+                      </a:tcPr>
+                    </a:tc>
+                    <a:tc>
+                      <a:txBody>
+                        <a:bodyPr/>
+                        <a:lstStyle/>
+                        <a:p>
+                          <a:pPr algn="ctr"/>
+                          <a:r>
+                            <a:rPr lang="en-AU" sz="900" dirty="0" smtClean="0"/>
+                            <a:t>9</a:t>
+                          </a:r>
+                          <a:endParaRPr lang="en-AU" sz="900" dirty="0"/>
+                        </a:p>
+                      </a:txBody>
+                      <a:tcPr anchor="ctr">
+                        <a:lnL>
+                          <a:noFill/>
+                        </a:lnL>
+                        <a:lnR>
+                          <a:noFill/>
+                        </a:lnR>
+                        <a:lnT w="12700" cap="flat" cmpd="sng" algn="ctr">
+                          <a:solidFill>
+                            <a:schemeClr val="tx1"/>
+                          </a:solidFill>
+                          <a:prstDash val="solid"/>
+                          <a:round/>
+                          <a:headEnd type="none" w="med" len="med"/>
+                          <a:tailEnd type="none" w="med" len="med"/>
+                        </a:lnT>
+                        <a:lnB>
+                          <a:noFill/>
+                        </a:lnB>
+                        <a:lnTlToBr w="12700" cmpd="sng">
+                          <a:noFill/>
+                          <a:prstDash val="solid"/>
+                        </a:lnTlToBr>
+                        <a:lnBlToTr w="12700" cmpd="sng">
+                          <a:noFill/>
+                          <a:prstDash val="solid"/>
+                        </a:lnBlToTr>
+                      </a:tcPr>
+                    </a:tc>
+                    <a:tc>
+                      <a:txBody>
+                        <a:bodyPr/>
+                        <a:lstStyle/>
+                        <a:p>
+                          <a:pPr algn="ctr"/>
+                          <a:r>
+                            <a:rPr lang="en-AU" sz="900" dirty="0" smtClean="0"/>
+                            <a:t>1</a:t>
+                          </a:r>
+                          <a:endParaRPr lang="en-AU" sz="900" dirty="0"/>
+                        </a:p>
+                      </a:txBody>
+                      <a:tcPr anchor="ctr">
+                        <a:lnL>
+                          <a:noFill/>
+                        </a:lnL>
+                        <a:lnR>
+                          <a:noFill/>
+                        </a:lnR>
+                        <a:lnT w="12700" cap="flat" cmpd="sng" algn="ctr">
+                          <a:solidFill>
+                            <a:schemeClr val="tx1"/>
+                          </a:solidFill>
+                          <a:prstDash val="solid"/>
+                          <a:round/>
+                          <a:headEnd type="none" w="med" len="med"/>
+                          <a:tailEnd type="none" w="med" len="med"/>
+                        </a:lnT>
+                        <a:lnB>
+                          <a:noFill/>
+                        </a:lnB>
+                        <a:lnTlToBr w="12700" cmpd="sng">
+                          <a:noFill/>
+                          <a:prstDash val="solid"/>
+                        </a:lnTlToBr>
+                        <a:lnBlToTr w="12700" cmpd="sng">
+                          <a:noFill/>
+                          <a:prstDash val="solid"/>
+                        </a:lnBlToTr>
+                      </a:tcPr>
+                    </a:tc>
+                    <a:tc>
+                      <a:txBody>
+                        <a:bodyPr/>
+                        <a:lstStyle/>
+                        <a:p>
+                          <a:pPr algn="ctr"/>
+                          <a:r>
+                            <a:rPr lang="en-AU" sz="900" dirty="0" smtClean="0"/>
+                            <a:t>0.994</a:t>
+                          </a:r>
+                          <a:endParaRPr lang="en-AU" sz="900" dirty="0"/>
+                        </a:p>
+                      </a:txBody>
+                      <a:tcPr anchor="ctr">
+                        <a:lnL>
+                          <a:noFill/>
+                        </a:lnL>
+                        <a:lnR>
+                          <a:noFill/>
+                        </a:lnR>
+                        <a:lnT w="12700" cap="flat" cmpd="sng" algn="ctr">
+                          <a:solidFill>
+                            <a:schemeClr val="tx1"/>
+                          </a:solidFill>
+                          <a:prstDash val="solid"/>
+                          <a:round/>
+                          <a:headEnd type="none" w="med" len="med"/>
+                          <a:tailEnd type="none" w="med" len="med"/>
+                        </a:lnT>
+                        <a:lnB>
+                          <a:noFill/>
+                        </a:lnB>
+                        <a:lnTlToBr w="12700" cmpd="sng">
+                          <a:noFill/>
+                          <a:prstDash val="solid"/>
+                        </a:lnTlToBr>
+                        <a:lnBlToTr w="12700" cmpd="sng">
+                          <a:noFill/>
+                          <a:prstDash val="solid"/>
+                        </a:lnBlToTr>
+                      </a:tcPr>
+                    </a:tc>
+                    <a:tc>
+                      <a:txBody>
+                        <a:bodyPr/>
+                        <a:lstStyle/>
+                        <a:p>
+                          <a:pPr algn="ctr"/>
+                          <a:r>
+                            <a:rPr lang="en-AU" sz="900" dirty="0" smtClean="0"/>
+                            <a:t>0.509</a:t>
+                          </a:r>
+                          <a:endParaRPr lang="en-AU" sz="900" dirty="0"/>
+                        </a:p>
+                      </a:txBody>
+                      <a:tcPr anchor="ctr">
+                        <a:lnL>
+                          <a:noFill/>
+                        </a:lnL>
+                        <a:lnR w="12700" cap="flat" cmpd="sng" algn="ctr">
+                          <a:solidFill>
+                            <a:schemeClr val="tx1"/>
+                          </a:solidFill>
+                          <a:prstDash val="solid"/>
+                          <a:round/>
+                          <a:headEnd type="none" w="med" len="med"/>
+                          <a:tailEnd type="none" w="med" len="med"/>
+                        </a:lnR>
+                        <a:lnT w="12700" cap="flat" cmpd="sng" algn="ctr">
+                          <a:solidFill>
+                            <a:schemeClr val="tx1"/>
+                          </a:solidFill>
+                          <a:prstDash val="solid"/>
+                          <a:round/>
+                          <a:headEnd type="none" w="med" len="med"/>
+                          <a:tailEnd type="none" w="med" len="med"/>
+                        </a:lnT>
+                        <a:lnB>
+                          <a:noFill/>
+                        </a:lnB>
+                        <a:lnTlToBr w="12700" cmpd="sng">
+                          <a:noFill/>
+                          <a:prstDash val="solid"/>
+                        </a:lnTlToBr>
+                        <a:lnBlToTr w="12700" cmpd="sng">
+                          <a:noFill/>
+                          <a:prstDash val="solid"/>
+                        </a:lnBlToTr>
+                      </a:tcPr>
+                    </a:tc>
+                    <a:extLst>
+                      <a:ext uri="{0D108BD9-81ED-4DB2-BD59-A6C34878D82A}">
+                        <a16:rowId xmlns="" xmlns:a16="http://schemas.microsoft.com/office/drawing/2014/main" val="2673339703"/>
+                      </a:ext>
+                    </a:extLst>
+                  </a:tr>
+                  <a:tr h="319896">
+                    <a:tc>
+                      <a:txBody>
+                        <a:bodyPr/>
+                        <a:lstStyle/>
+                        <a:p>
+                          <a:pPr algn="ctr"/>
+                          <a:r>
+                            <a:rPr lang="en-AU" sz="900" dirty="0" smtClean="0"/>
+                            <a:t>YYVDSVK</a:t>
+                          </a:r>
+                          <a:endParaRPr lang="en-AU" sz="900" dirty="0"/>
+                        </a:p>
+                      </a:txBody>
+                      <a:tcPr anchor="ctr">
+                        <a:lnL w="12700" cap="flat" cmpd="sng" algn="ctr">
+                          <a:solidFill>
+                            <a:schemeClr val="tx1"/>
+                          </a:solidFill>
+                          <a:prstDash val="solid"/>
+                          <a:round/>
+                          <a:headEnd type="none" w="med" len="med"/>
+                          <a:tailEnd type="none" w="med" len="med"/>
+                        </a:lnL>
+                        <a:lnR>
+                          <a:noFill/>
+                        </a:lnR>
+                        <a:lnT>
+                          <a:noFill/>
+                        </a:lnT>
+                        <a:lnB>
+                          <a:noFill/>
+                        </a:lnB>
+                        <a:lnTlToBr w="12700" cmpd="sng">
+                          <a:noFill/>
+                          <a:prstDash val="solid"/>
+                        </a:lnTlToBr>
+                        <a:lnBlToTr w="12700" cmpd="sng">
+                          <a:noFill/>
+                          <a:prstDash val="solid"/>
+                        </a:lnBlToTr>
+                      </a:tcPr>
+                    </a:tc>
+                    <a:tc>
+                      <a:txBody>
+                        <a:bodyPr/>
+                        <a:lstStyle/>
+                        <a:p>
+                          <a:pPr algn="ctr"/>
+                          <a:r>
+                            <a:rPr lang="en-AU" sz="900" dirty="0" smtClean="0"/>
+                            <a:t>6</a:t>
+                          </a:r>
+                          <a:endParaRPr lang="en-AU" sz="900" dirty="0"/>
+                        </a:p>
+                      </a:txBody>
+                      <a:tcPr anchor="ctr">
+                        <a:lnL>
+                          <a:noFill/>
+                        </a:lnL>
+                        <a:lnR>
+                          <a:noFill/>
+                        </a:lnR>
+                        <a:lnT>
+                          <a:noFill/>
+                        </a:lnT>
+                        <a:lnB>
+                          <a:noFill/>
+                        </a:lnB>
+                        <a:lnTlToBr w="12700" cmpd="sng">
+                          <a:noFill/>
+                          <a:prstDash val="solid"/>
+                        </a:lnTlToBr>
+                        <a:lnBlToTr w="12700" cmpd="sng">
+                          <a:noFill/>
+                          <a:prstDash val="solid"/>
+                        </a:lnBlToTr>
+                      </a:tcPr>
+                    </a:tc>
+                    <a:tc>
+                      <a:txBody>
+                        <a:bodyPr/>
+                        <a:lstStyle/>
+                        <a:p>
+                          <a:pPr algn="ctr"/>
+                          <a:r>
+                            <a:rPr lang="en-AU" sz="900" dirty="0" smtClean="0"/>
+                            <a:t>0</a:t>
+                          </a:r>
+                          <a:endParaRPr lang="en-AU" sz="900" dirty="0"/>
+                        </a:p>
+                      </a:txBody>
+                      <a:tcPr anchor="ctr">
+                        <a:lnL>
+                          <a:noFill/>
+                        </a:lnL>
+                        <a:lnR>
+                          <a:noFill/>
+                        </a:lnR>
+                        <a:lnT>
+                          <a:noFill/>
+                        </a:lnT>
+                        <a:lnB>
+                          <a:noFill/>
+                        </a:lnB>
+                        <a:lnTlToBr w="12700" cmpd="sng">
+                          <a:noFill/>
+                          <a:prstDash val="solid"/>
+                        </a:lnTlToBr>
+                        <a:lnBlToTr w="12700" cmpd="sng">
+                          <a:noFill/>
+                          <a:prstDash val="solid"/>
+                        </a:lnBlToTr>
+                      </a:tcPr>
+                    </a:tc>
+                    <a:tc>
+                      <a:txBody>
+                        <a:bodyPr/>
+                        <a:lstStyle/>
+                        <a:p>
+                          <a:pPr algn="ctr"/>
+                          <a:r>
+                            <a:rPr lang="en-AU" sz="900" dirty="0" smtClean="0"/>
+                            <a:t>0.994</a:t>
+                          </a:r>
+                          <a:endParaRPr lang="en-AU" sz="900" dirty="0"/>
+                        </a:p>
+                      </a:txBody>
+                      <a:tcPr anchor="ctr">
+                        <a:lnL>
+                          <a:noFill/>
+                        </a:lnL>
+                        <a:lnR>
+                          <a:noFill/>
+                        </a:lnR>
+                        <a:lnT>
+                          <a:noFill/>
+                        </a:lnT>
+                        <a:lnB>
+                          <a:noFill/>
+                        </a:lnB>
+                        <a:lnTlToBr w="12700" cmpd="sng">
+                          <a:noFill/>
+                          <a:prstDash val="solid"/>
+                        </a:lnTlToBr>
+                        <a:lnBlToTr w="12700" cmpd="sng">
+                          <a:noFill/>
+                          <a:prstDash val="solid"/>
+                        </a:lnBlToTr>
+                      </a:tcPr>
+                    </a:tc>
+                    <a:tc>
+                      <a:txBody>
+                        <a:bodyPr/>
+                        <a:lstStyle/>
+                        <a:p>
+                          <a:pPr algn="ctr"/>
+                          <a:r>
+                            <a:rPr lang="en-AU" sz="900" dirty="0" smtClean="0"/>
+                            <a:t>0.475</a:t>
+                          </a:r>
+                          <a:endParaRPr lang="en-AU" sz="900" dirty="0"/>
+                        </a:p>
+                      </a:txBody>
+                      <a:tcPr anchor="ctr">
+                        <a:lnL>
+                          <a:noFill/>
+                        </a:lnL>
+                        <a:lnR w="12700" cap="flat" cmpd="sng" algn="ctr">
+                          <a:solidFill>
+                            <a:schemeClr val="tx1"/>
+                          </a:solidFill>
+                          <a:prstDash val="solid"/>
+                          <a:round/>
+                          <a:headEnd type="none" w="med" len="med"/>
+                          <a:tailEnd type="none" w="med" len="med"/>
+                        </a:lnR>
+                        <a:lnT>
+                          <a:noFill/>
+                        </a:lnT>
+                        <a:lnB>
+                          <a:noFill/>
+                        </a:lnB>
+                        <a:lnTlToBr w="12700" cmpd="sng">
+                          <a:noFill/>
+                          <a:prstDash val="solid"/>
+                        </a:lnTlToBr>
+                        <a:lnBlToTr w="12700" cmpd="sng">
+                          <a:noFill/>
+                          <a:prstDash val="solid"/>
+                        </a:lnBlToTr>
+                      </a:tcPr>
+                    </a:tc>
+                    <a:extLst>
+                      <a:ext uri="{0D108BD9-81ED-4DB2-BD59-A6C34878D82A}">
+                        <a16:rowId xmlns="" xmlns:a16="http://schemas.microsoft.com/office/drawing/2014/main" val="2736953877"/>
+                      </a:ext>
+                    </a:extLst>
+                  </a:tr>
+                  <a:tr h="319896">
+                    <a:tc>
+                      <a:txBody>
+                        <a:bodyPr/>
+                        <a:lstStyle/>
+                        <a:p>
+                          <a:pPr algn="ctr" fontAlgn="b"/>
+                          <a:r>
+                            <a:rPr lang="en-AU" sz="900" u="none" strike="noStrike" dirty="0" smtClean="0">
+                              <a:effectLst/>
+                            </a:rPr>
+                            <a:t>YVDSVK</a:t>
+                          </a:r>
+                          <a:endParaRPr lang="en-AU" sz="900" b="0" i="0" u="none" strike="noStrike" dirty="0">
+                            <a:solidFill>
+                              <a:srgbClr val="000000"/>
+                            </a:solidFill>
+                            <a:effectLst/>
+                            <a:latin typeface="Calibri" panose="020F0502020204030204" pitchFamily="34" charset="0"/>
+                          </a:endParaRPr>
+                        </a:p>
+                      </a:txBody>
+                      <a:tcPr marL="9525" marR="9525" marT="9525" marB="0" anchor="ctr">
+                        <a:lnL w="12700" cap="flat" cmpd="sng" algn="ctr">
+                          <a:solidFill>
+                            <a:schemeClr val="tx1"/>
+                          </a:solidFill>
+                          <a:prstDash val="solid"/>
+                          <a:round/>
+                          <a:headEnd type="none" w="med" len="med"/>
+                          <a:tailEnd type="none" w="med" len="med"/>
+                        </a:lnL>
+                        <a:lnR>
+                          <a:noFill/>
+                        </a:lnR>
+                        <a:lnT>
+                          <a:noFill/>
+                        </a:lnT>
+                        <a:lnB>
+                          <a:noFill/>
+                        </a:lnB>
+                        <a:lnTlToBr w="12700" cmpd="sng">
+                          <a:noFill/>
+                          <a:prstDash val="solid"/>
+                        </a:lnTlToBr>
+                        <a:lnBlToTr w="12700" cmpd="sng">
+                          <a:noFill/>
+                          <a:prstDash val="solid"/>
+                        </a:lnBlToTr>
+                      </a:tcPr>
+                    </a:tc>
+                    <a:tc>
+                      <a:txBody>
+                        <a:bodyPr/>
+                        <a:lstStyle/>
+                        <a:p>
+                          <a:pPr algn="ctr"/>
+                          <a:r>
+                            <a:rPr lang="en-AU" sz="900" dirty="0" smtClean="0"/>
+                            <a:t>5</a:t>
+                          </a:r>
+                          <a:endParaRPr lang="en-AU" sz="900" dirty="0"/>
+                        </a:p>
+                      </a:txBody>
+                      <a:tcPr anchor="ctr">
+                        <a:lnL>
+                          <a:noFill/>
+                        </a:lnL>
+                        <a:lnR>
+                          <a:noFill/>
+                        </a:lnR>
+                        <a:lnT>
+                          <a:noFill/>
+                        </a:lnT>
+                        <a:lnB>
+                          <a:noFill/>
+                        </a:lnB>
+                        <a:lnTlToBr w="12700" cmpd="sng">
+                          <a:noFill/>
+                          <a:prstDash val="solid"/>
+                        </a:lnTlToBr>
+                        <a:lnBlToTr w="12700" cmpd="sng">
+                          <a:noFill/>
+                          <a:prstDash val="solid"/>
+                        </a:lnBlToTr>
+                      </a:tcPr>
+                    </a:tc>
+                    <a:tc>
+                      <a:txBody>
+                        <a:bodyPr/>
+                        <a:lstStyle/>
+                        <a:p>
+                          <a:pPr algn="ctr"/>
+                          <a:r>
+                            <a:rPr lang="en-AU" sz="900" dirty="0" smtClean="0"/>
+                            <a:t>0</a:t>
+                          </a:r>
+                          <a:endParaRPr lang="en-AU" sz="900" dirty="0"/>
+                        </a:p>
+                      </a:txBody>
+                      <a:tcPr anchor="ctr">
+                        <a:lnL>
+                          <a:noFill/>
+                        </a:lnL>
+                        <a:lnR>
+                          <a:noFill/>
+                        </a:lnR>
+                        <a:lnT>
+                          <a:noFill/>
+                        </a:lnT>
+                        <a:lnB>
+                          <a:noFill/>
+                        </a:lnB>
+                        <a:lnTlToBr w="12700" cmpd="sng">
+                          <a:noFill/>
+                          <a:prstDash val="solid"/>
+                        </a:lnTlToBr>
+                        <a:lnBlToTr w="12700" cmpd="sng">
+                          <a:noFill/>
+                          <a:prstDash val="solid"/>
+                        </a:lnBlToTr>
+                      </a:tcPr>
+                    </a:tc>
+                    <a:tc>
+                      <a:txBody>
+                        <a:bodyPr/>
+                        <a:lstStyle/>
+                        <a:p>
+                          <a:pPr algn="ctr"/>
+                          <a:r>
+                            <a:rPr lang="en-AU" sz="900" dirty="0" smtClean="0"/>
+                            <a:t>0.998</a:t>
+                          </a:r>
+                          <a:endParaRPr lang="en-AU" sz="900" dirty="0"/>
+                        </a:p>
+                      </a:txBody>
+                      <a:tcPr anchor="ctr">
+                        <a:lnL>
+                          <a:noFill/>
+                        </a:lnL>
+                        <a:lnR>
+                          <a:noFill/>
+                        </a:lnR>
+                        <a:lnT>
+                          <a:noFill/>
+                        </a:lnT>
+                        <a:lnB>
+                          <a:noFill/>
+                        </a:lnB>
+                        <a:lnTlToBr w="12700" cmpd="sng">
+                          <a:noFill/>
+                          <a:prstDash val="solid"/>
+                        </a:lnTlToBr>
+                        <a:lnBlToTr w="12700" cmpd="sng">
+                          <a:noFill/>
+                          <a:prstDash val="solid"/>
+                        </a:lnBlToTr>
+                      </a:tcPr>
+                    </a:tc>
+                    <a:tc>
+                      <a:txBody>
+                        <a:bodyPr/>
+                        <a:lstStyle/>
+                        <a:p>
+                          <a:pPr algn="ctr"/>
+                          <a:r>
+                            <a:rPr lang="en-AU" sz="900" dirty="0" smtClean="0"/>
+                            <a:t>0.300</a:t>
+                          </a:r>
+                          <a:endParaRPr lang="en-AU" sz="900" dirty="0"/>
+                        </a:p>
+                      </a:txBody>
+                      <a:tcPr anchor="ctr">
+                        <a:lnL>
+                          <a:noFill/>
+                        </a:lnL>
+                        <a:lnR w="12700" cap="flat" cmpd="sng" algn="ctr">
+                          <a:solidFill>
+                            <a:schemeClr val="tx1"/>
+                          </a:solidFill>
+                          <a:prstDash val="solid"/>
+                          <a:round/>
+                          <a:headEnd type="none" w="med" len="med"/>
+                          <a:tailEnd type="none" w="med" len="med"/>
+                        </a:lnR>
+                        <a:lnT>
+                          <a:noFill/>
+                        </a:lnT>
+                        <a:lnB>
+                          <a:noFill/>
+                        </a:lnB>
+                        <a:lnTlToBr w="12700" cmpd="sng">
+                          <a:noFill/>
+                          <a:prstDash val="solid"/>
+                        </a:lnTlToBr>
+                        <a:lnBlToTr w="12700" cmpd="sng">
+                          <a:noFill/>
+                          <a:prstDash val="solid"/>
+                        </a:lnBlToTr>
+                      </a:tcPr>
+                    </a:tc>
+                    <a:extLst>
+                      <a:ext uri="{0D108BD9-81ED-4DB2-BD59-A6C34878D82A}">
+                        <a16:rowId xmlns="" xmlns:a16="http://schemas.microsoft.com/office/drawing/2014/main" val="935999974"/>
+                      </a:ext>
+                    </a:extLst>
+                  </a:tr>
+                  <a:tr h="319896">
+                    <a:tc>
+                      <a:txBody>
+                        <a:bodyPr/>
+                        <a:lstStyle/>
+                        <a:p>
+                          <a:pPr algn="ctr"/>
+                          <a:r>
+                            <a:rPr lang="en-AU" sz="900" dirty="0" smtClean="0"/>
+                            <a:t>FYVDSVGK</a:t>
+                          </a:r>
+                          <a:endParaRPr lang="en-AU" sz="900" dirty="0"/>
+                        </a:p>
+                      </a:txBody>
+                      <a:tcPr anchor="ctr">
+                        <a:lnL w="12700" cap="flat" cmpd="sng" algn="ctr">
+                          <a:solidFill>
+                            <a:schemeClr val="tx1"/>
+                          </a:solidFill>
+                          <a:prstDash val="solid"/>
+                          <a:round/>
+                          <a:headEnd type="none" w="med" len="med"/>
+                          <a:tailEnd type="none" w="med" len="med"/>
+                        </a:lnL>
+                        <a:lnR>
+                          <a:noFill/>
+                        </a:lnR>
+                        <a:lnT>
+                          <a:noFill/>
+                        </a:lnT>
+                        <a:lnB>
+                          <a:noFill/>
+                        </a:lnB>
+                        <a:lnTlToBr w="12700" cmpd="sng">
+                          <a:noFill/>
+                          <a:prstDash val="solid"/>
+                        </a:lnTlToBr>
+                        <a:lnBlToTr w="12700" cmpd="sng">
+                          <a:noFill/>
+                          <a:prstDash val="solid"/>
+                        </a:lnBlToTr>
+                      </a:tcPr>
+                    </a:tc>
+                    <a:tc>
+                      <a:txBody>
+                        <a:bodyPr/>
+                        <a:lstStyle/>
+                        <a:p>
+                          <a:pPr algn="ctr"/>
+                          <a:r>
+                            <a:rPr lang="en-AU" sz="900" dirty="0"/>
+                            <a:t>3</a:t>
+                          </a:r>
+                        </a:p>
+                      </a:txBody>
+                      <a:tcPr anchor="ctr">
+                        <a:lnL>
+                          <a:noFill/>
+                        </a:lnL>
+                        <a:lnR>
+                          <a:noFill/>
+                        </a:lnR>
+                        <a:lnT>
+                          <a:noFill/>
+                        </a:lnT>
+                        <a:lnB>
+                          <a:noFill/>
+                        </a:lnB>
+                        <a:lnTlToBr w="12700" cmpd="sng">
+                          <a:noFill/>
+                          <a:prstDash val="solid"/>
+                        </a:lnTlToBr>
+                        <a:lnBlToTr w="12700" cmpd="sng">
+                          <a:noFill/>
+                          <a:prstDash val="solid"/>
+                        </a:lnBlToTr>
+                      </a:tcPr>
+                    </a:tc>
+                    <a:tc>
+                      <a:txBody>
+                        <a:bodyPr/>
+                        <a:lstStyle/>
+                        <a:p>
+                          <a:pPr algn="ctr"/>
+                          <a:r>
+                            <a:rPr lang="en-AU" sz="900" dirty="0" smtClean="0"/>
+                            <a:t>3</a:t>
+                          </a:r>
+                          <a:endParaRPr lang="en-AU" sz="900" dirty="0"/>
+                        </a:p>
+                      </a:txBody>
+                      <a:tcPr anchor="ctr">
+                        <a:lnL>
+                          <a:noFill/>
+                        </a:lnL>
+                        <a:lnR>
+                          <a:noFill/>
+                        </a:lnR>
+                        <a:lnT>
+                          <a:noFill/>
+                        </a:lnT>
+                        <a:lnB>
+                          <a:noFill/>
+                        </a:lnB>
+                        <a:lnTlToBr w="12700" cmpd="sng">
+                          <a:noFill/>
+                          <a:prstDash val="solid"/>
+                        </a:lnTlToBr>
+                        <a:lnBlToTr w="12700" cmpd="sng">
+                          <a:noFill/>
+                          <a:prstDash val="solid"/>
+                        </a:lnBlToTr>
+                      </a:tcPr>
+                    </a:tc>
+                    <a:tc>
+                      <a:txBody>
+                        <a:bodyPr/>
+                        <a:lstStyle/>
+                        <a:p>
+                          <a:pPr algn="ctr"/>
+                          <a:r>
+                            <a:rPr lang="en-AU" sz="900" dirty="0"/>
+                            <a:t>1</a:t>
+                          </a:r>
+                        </a:p>
+                      </a:txBody>
+                      <a:tcPr anchor="ctr">
+                        <a:lnL>
+                          <a:noFill/>
+                        </a:lnL>
+                        <a:lnR>
+                          <a:noFill/>
+                        </a:lnR>
+                        <a:lnT>
+                          <a:noFill/>
+                        </a:lnT>
+                        <a:lnB>
+                          <a:noFill/>
+                        </a:lnB>
+                        <a:lnTlToBr w="12700" cmpd="sng">
+                          <a:noFill/>
+                          <a:prstDash val="solid"/>
+                        </a:lnTlToBr>
+                        <a:lnBlToTr w="12700" cmpd="sng">
+                          <a:noFill/>
+                          <a:prstDash val="solid"/>
+                        </a:lnBlToTr>
+                      </a:tcPr>
+                    </a:tc>
+                    <a:tc>
+                      <a:txBody>
+                        <a:bodyPr/>
+                        <a:lstStyle/>
+                        <a:p>
+                          <a:pPr algn="ctr"/>
+                          <a:r>
+                            <a:rPr lang="en-AU" sz="900" dirty="0" smtClean="0"/>
+                            <a:t>0.500</a:t>
+                          </a:r>
+                          <a:endParaRPr lang="en-AU" sz="900" dirty="0"/>
+                        </a:p>
+                      </a:txBody>
+                      <a:tcPr anchor="ctr">
+                        <a:lnL>
+                          <a:noFill/>
+                        </a:lnL>
+                        <a:lnR w="12700" cap="flat" cmpd="sng" algn="ctr">
+                          <a:solidFill>
+                            <a:schemeClr val="tx1"/>
+                          </a:solidFill>
+                          <a:prstDash val="solid"/>
+                          <a:round/>
+                          <a:headEnd type="none" w="med" len="med"/>
+                          <a:tailEnd type="none" w="med" len="med"/>
+                        </a:lnR>
+                        <a:lnT>
+                          <a:noFill/>
+                        </a:lnT>
+                        <a:lnB>
+                          <a:noFill/>
+                        </a:lnB>
+                        <a:lnTlToBr w="12700" cmpd="sng">
+                          <a:noFill/>
+                          <a:prstDash val="solid"/>
+                        </a:lnTlToBr>
+                        <a:lnBlToTr w="12700" cmpd="sng">
+                          <a:noFill/>
+                          <a:prstDash val="solid"/>
+                        </a:lnBlToTr>
+                      </a:tcPr>
+                    </a:tc>
+                    <a:extLst>
+                      <a:ext uri="{0D108BD9-81ED-4DB2-BD59-A6C34878D82A}">
+                        <a16:rowId xmlns="" xmlns:a16="http://schemas.microsoft.com/office/drawing/2014/main" val="3527595651"/>
+                      </a:ext>
+                    </a:extLst>
+                  </a:tr>
+                  <a:tr h="319896">
+                    <a:tc>
+                      <a:txBody>
+                        <a:bodyPr/>
+                        <a:lstStyle/>
+                        <a:p>
+                          <a:pPr algn="ctr"/>
+                          <a:r>
+                            <a:rPr lang="en-AU" sz="900" dirty="0" smtClean="0"/>
+                            <a:t>WVANLK</a:t>
+                          </a:r>
+                          <a:endParaRPr lang="en-AU" sz="900" dirty="0"/>
+                        </a:p>
+                      </a:txBody>
+                      <a:tcPr anchor="ctr">
+                        <a:lnL w="12700" cap="flat" cmpd="sng" algn="ctr">
+                          <a:solidFill>
+                            <a:schemeClr val="tx1"/>
+                          </a:solidFill>
+                          <a:prstDash val="solid"/>
+                          <a:round/>
+                          <a:headEnd type="none" w="med" len="med"/>
+                          <a:tailEnd type="none" w="med" len="med"/>
+                        </a:lnL>
+                        <a:lnR>
+                          <a:noFill/>
+                        </a:lnR>
+                        <a:lnT>
+                          <a:noFill/>
+                        </a:lnT>
+                        <a:lnB>
+                          <a:noFill/>
+                        </a:lnB>
+                        <a:lnTlToBr w="12700" cmpd="sng">
+                          <a:noFill/>
+                          <a:prstDash val="solid"/>
+                        </a:lnTlToBr>
+                        <a:lnBlToTr w="12700" cmpd="sng">
+                          <a:noFill/>
+                          <a:prstDash val="solid"/>
+                        </a:lnBlToTr>
+                      </a:tcPr>
+                    </a:tc>
+                    <a:tc>
+                      <a:txBody>
+                        <a:bodyPr/>
+                        <a:lstStyle/>
+                        <a:p>
+                          <a:pPr algn="ctr"/>
+                          <a:r>
+                            <a:rPr lang="en-AU" sz="900" dirty="0" smtClean="0"/>
+                            <a:t>2</a:t>
+                          </a:r>
+                          <a:endParaRPr lang="en-AU" sz="900" dirty="0"/>
+                        </a:p>
+                      </a:txBody>
+                      <a:tcPr anchor="ctr">
+                        <a:lnL>
+                          <a:noFill/>
+                        </a:lnL>
+                        <a:lnR>
+                          <a:noFill/>
+                        </a:lnR>
+                        <a:lnT>
+                          <a:noFill/>
+                        </a:lnT>
+                        <a:lnB>
+                          <a:noFill/>
+                        </a:lnB>
+                        <a:lnTlToBr w="12700" cmpd="sng">
+                          <a:noFill/>
+                          <a:prstDash val="solid"/>
+                        </a:lnTlToBr>
+                        <a:lnBlToTr w="12700" cmpd="sng">
+                          <a:noFill/>
+                          <a:prstDash val="solid"/>
+                        </a:lnBlToTr>
+                      </a:tcPr>
+                    </a:tc>
+                    <a:tc>
+                      <a:txBody>
+                        <a:bodyPr/>
+                        <a:lstStyle/>
+                        <a:p>
+                          <a:pPr algn="ctr"/>
+                          <a:r>
+                            <a:rPr lang="en-AU" sz="900" dirty="0"/>
+                            <a:t>0</a:t>
+                          </a:r>
+                        </a:p>
+                      </a:txBody>
+                      <a:tcPr anchor="ctr">
+                        <a:lnL>
+                          <a:noFill/>
+                        </a:lnL>
+                        <a:lnR>
+                          <a:noFill/>
+                        </a:lnR>
+                        <a:lnT>
+                          <a:noFill/>
+                        </a:lnT>
+                        <a:lnB>
+                          <a:noFill/>
+                        </a:lnB>
+                        <a:lnTlToBr w="12700" cmpd="sng">
+                          <a:noFill/>
+                          <a:prstDash val="solid"/>
+                        </a:lnTlToBr>
+                        <a:lnBlToTr w="12700" cmpd="sng">
+                          <a:noFill/>
+                          <a:prstDash val="solid"/>
+                        </a:lnBlToTr>
+                      </a:tcPr>
+                    </a:tc>
+                    <a:tc>
+                      <a:txBody>
+                        <a:bodyPr/>
+                        <a:lstStyle/>
+                        <a:p>
+                          <a:pPr algn="ctr"/>
+                          <a:r>
+                            <a:rPr lang="en-AU" sz="900" dirty="0"/>
+                            <a:t>1</a:t>
+                          </a:r>
+                        </a:p>
+                      </a:txBody>
+                      <a:tcPr anchor="ctr">
+                        <a:lnL>
+                          <a:noFill/>
+                        </a:lnL>
+                        <a:lnR>
+                          <a:noFill/>
+                        </a:lnR>
+                        <a:lnT>
+                          <a:noFill/>
+                        </a:lnT>
+                        <a:lnB>
+                          <a:noFill/>
+                        </a:lnB>
+                        <a:lnTlToBr w="12700" cmpd="sng">
+                          <a:noFill/>
+                          <a:prstDash val="solid"/>
+                        </a:lnTlToBr>
+                        <a:lnBlToTr w="12700" cmpd="sng">
+                          <a:noFill/>
+                          <a:prstDash val="solid"/>
+                        </a:lnBlToTr>
+                      </a:tcPr>
+                    </a:tc>
+                    <a:tc>
+                      <a:txBody>
+                        <a:bodyPr/>
+                        <a:lstStyle/>
+                        <a:p>
+                          <a:pPr algn="ctr"/>
+                          <a:r>
+                            <a:rPr lang="en-AU" sz="900" dirty="0"/>
+                            <a:t>1</a:t>
+                          </a:r>
+                        </a:p>
+                      </a:txBody>
+                      <a:tcPr anchor="ctr">
+                        <a:lnL>
+                          <a:noFill/>
+                        </a:lnL>
+                        <a:lnR w="12700" cap="flat" cmpd="sng" algn="ctr">
+                          <a:solidFill>
+                            <a:schemeClr val="tx1"/>
+                          </a:solidFill>
+                          <a:prstDash val="solid"/>
+                          <a:round/>
+                          <a:headEnd type="none" w="med" len="med"/>
+                          <a:tailEnd type="none" w="med" len="med"/>
+                        </a:lnR>
+                        <a:lnT>
+                          <a:noFill/>
+                        </a:lnT>
+                        <a:lnB>
+                          <a:noFill/>
+                        </a:lnB>
+                        <a:lnTlToBr w="12700" cmpd="sng">
+                          <a:noFill/>
+                          <a:prstDash val="solid"/>
+                        </a:lnTlToBr>
+                        <a:lnBlToTr w="12700" cmpd="sng">
+                          <a:noFill/>
+                          <a:prstDash val="solid"/>
+                        </a:lnBlToTr>
+                      </a:tcPr>
+                    </a:tc>
+                    <a:extLst>
+                      <a:ext uri="{0D108BD9-81ED-4DB2-BD59-A6C34878D82A}">
+                        <a16:rowId xmlns="" xmlns:a16="http://schemas.microsoft.com/office/drawing/2014/main" val="2500584138"/>
+                      </a:ext>
+                    </a:extLst>
+                  </a:tr>
+                  <a:tr h="319896">
+                    <a:tc>
+                      <a:txBody>
+                        <a:bodyPr/>
+                        <a:lstStyle/>
+                        <a:p>
+                          <a:pPr algn="ctr"/>
+                          <a:r>
+                            <a:rPr lang="en-AU" sz="900" dirty="0" smtClean="0"/>
+                            <a:t>YYTDSVK</a:t>
+                          </a:r>
+                          <a:endParaRPr lang="en-AU" sz="900" dirty="0"/>
+                        </a:p>
+                      </a:txBody>
+                      <a:tcPr anchor="ctr">
+                        <a:lnL w="12700" cap="flat" cmpd="sng" algn="ctr">
+                          <a:solidFill>
+                            <a:schemeClr val="tx1"/>
+                          </a:solidFill>
+                          <a:prstDash val="solid"/>
+                          <a:round/>
+                          <a:headEnd type="none" w="med" len="med"/>
+                          <a:tailEnd type="none" w="med" len="med"/>
+                        </a:lnL>
+                        <a:lnR>
+                          <a:noFill/>
+                        </a:lnR>
+                        <a:lnT>
+                          <a:noFill/>
+                        </a:lnT>
+                        <a:lnB>
+                          <a:noFill/>
+                        </a:lnB>
+                        <a:lnTlToBr w="12700" cmpd="sng">
+                          <a:noFill/>
+                          <a:prstDash val="solid"/>
+                        </a:lnTlToBr>
+                        <a:lnBlToTr w="12700" cmpd="sng">
+                          <a:noFill/>
+                          <a:prstDash val="solid"/>
+                        </a:lnBlToTr>
+                      </a:tcPr>
+                    </a:tc>
+                    <a:tc>
+                      <a:txBody>
+                        <a:bodyPr/>
+                        <a:lstStyle/>
+                        <a:p>
+                          <a:pPr algn="ctr"/>
+                          <a:r>
+                            <a:rPr lang="en-AU" sz="900" dirty="0" smtClean="0"/>
+                            <a:t>3</a:t>
+                          </a:r>
+                          <a:endParaRPr lang="en-AU" sz="900" dirty="0"/>
+                        </a:p>
+                      </a:txBody>
+                      <a:tcPr anchor="ctr">
+                        <a:lnL>
+                          <a:noFill/>
+                        </a:lnL>
+                        <a:lnR>
+                          <a:noFill/>
+                        </a:lnR>
+                        <a:lnT>
+                          <a:noFill/>
+                        </a:lnT>
+                        <a:lnB>
+                          <a:noFill/>
+                        </a:lnB>
+                        <a:lnTlToBr w="12700" cmpd="sng">
+                          <a:noFill/>
+                          <a:prstDash val="solid"/>
+                        </a:lnTlToBr>
+                        <a:lnBlToTr w="12700" cmpd="sng">
+                          <a:noFill/>
+                          <a:prstDash val="solid"/>
+                        </a:lnBlToTr>
+                      </a:tcPr>
+                    </a:tc>
+                    <a:tc>
+                      <a:txBody>
+                        <a:bodyPr/>
+                        <a:lstStyle/>
+                        <a:p>
+                          <a:pPr algn="ctr"/>
+                          <a:r>
+                            <a:rPr lang="en-AU" sz="900" dirty="0"/>
+                            <a:t>1</a:t>
+                          </a:r>
+                        </a:p>
+                      </a:txBody>
+                      <a:tcPr anchor="ctr">
+                        <a:lnL>
+                          <a:noFill/>
+                        </a:lnL>
+                        <a:lnR>
+                          <a:noFill/>
+                        </a:lnR>
+                        <a:lnT>
+                          <a:noFill/>
+                        </a:lnT>
+                        <a:lnB>
+                          <a:noFill/>
+                        </a:lnB>
+                        <a:lnTlToBr w="12700" cmpd="sng">
+                          <a:noFill/>
+                          <a:prstDash val="solid"/>
+                        </a:lnTlToBr>
+                        <a:lnBlToTr w="12700" cmpd="sng">
+                          <a:noFill/>
+                          <a:prstDash val="solid"/>
+                        </a:lnBlToTr>
+                      </a:tcPr>
+                    </a:tc>
+                    <a:tc>
+                      <a:txBody>
+                        <a:bodyPr/>
+                        <a:lstStyle/>
+                        <a:p>
+                          <a:pPr algn="ctr"/>
+                          <a:r>
+                            <a:rPr lang="en-AU" sz="900" dirty="0" smtClean="0"/>
+                            <a:t>0.568</a:t>
+                          </a:r>
+                          <a:endParaRPr lang="en-AU" sz="900" dirty="0"/>
+                        </a:p>
+                      </a:txBody>
+                      <a:tcPr anchor="ctr">
+                        <a:lnL>
+                          <a:noFill/>
+                        </a:lnL>
+                        <a:lnR>
+                          <a:noFill/>
+                        </a:lnR>
+                        <a:lnT>
+                          <a:noFill/>
+                        </a:lnT>
+                        <a:lnB>
+                          <a:noFill/>
+                        </a:lnB>
+                        <a:lnTlToBr w="12700" cmpd="sng">
+                          <a:noFill/>
+                          <a:prstDash val="solid"/>
+                        </a:lnTlToBr>
+                        <a:lnBlToTr w="12700" cmpd="sng">
+                          <a:noFill/>
+                          <a:prstDash val="solid"/>
+                        </a:lnBlToTr>
+                      </a:tcPr>
+                    </a:tc>
+                    <a:tc>
+                      <a:txBody>
+                        <a:bodyPr/>
+                        <a:lstStyle/>
+                        <a:p>
+                          <a:pPr algn="ctr"/>
+                          <a:r>
+                            <a:rPr lang="en-AU" sz="900" dirty="0" smtClean="0"/>
+                            <a:t>0.075</a:t>
+                          </a:r>
+                          <a:endParaRPr lang="en-AU" sz="900" dirty="0"/>
+                        </a:p>
+                      </a:txBody>
+                      <a:tcPr anchor="ctr">
+                        <a:lnL>
+                          <a:noFill/>
+                        </a:lnL>
+                        <a:lnR w="12700" cap="flat" cmpd="sng" algn="ctr">
+                          <a:solidFill>
+                            <a:schemeClr val="tx1"/>
+                          </a:solidFill>
+                          <a:prstDash val="solid"/>
+                          <a:round/>
+                          <a:headEnd type="none" w="med" len="med"/>
+                          <a:tailEnd type="none" w="med" len="med"/>
+                        </a:lnR>
+                        <a:lnT>
+                          <a:noFill/>
+                        </a:lnT>
+                        <a:lnB>
+                          <a:noFill/>
+                        </a:lnB>
+                        <a:lnTlToBr w="12700" cmpd="sng">
+                          <a:noFill/>
+                          <a:prstDash val="solid"/>
+                        </a:lnTlToBr>
+                        <a:lnBlToTr w="12700" cmpd="sng">
+                          <a:noFill/>
+                          <a:prstDash val="solid"/>
+                        </a:lnBlToTr>
+                      </a:tcPr>
+                    </a:tc>
+                    <a:extLst>
+                      <a:ext uri="{0D108BD9-81ED-4DB2-BD59-A6C34878D82A}">
+                        <a16:rowId xmlns="" xmlns:a16="http://schemas.microsoft.com/office/drawing/2014/main" val="1644191295"/>
+                      </a:ext>
+                    </a:extLst>
+                  </a:tr>
+                  <a:tr h="319896">
+                    <a:tc>
+                      <a:txBody>
+                        <a:bodyPr/>
+                        <a:lstStyle/>
+                        <a:p>
+                          <a:pPr algn="ctr"/>
+                          <a:r>
+                            <a:rPr lang="en-AU" sz="900" dirty="0" smtClean="0"/>
+                            <a:t>YYGDSVK</a:t>
+                          </a:r>
+                          <a:endParaRPr lang="en-AU" sz="900" dirty="0"/>
+                        </a:p>
+                      </a:txBody>
+                      <a:tcPr anchor="ctr">
+                        <a:lnL w="12700" cap="flat" cmpd="sng" algn="ctr">
+                          <a:solidFill>
+                            <a:schemeClr val="tx1"/>
+                          </a:solidFill>
+                          <a:prstDash val="solid"/>
+                          <a:round/>
+                          <a:headEnd type="none" w="med" len="med"/>
+                          <a:tailEnd type="none" w="med" len="med"/>
+                        </a:lnL>
+                        <a:lnR>
+                          <a:noFill/>
+                        </a:lnR>
+                        <a:lnT>
+                          <a:noFill/>
+                        </a:lnT>
+                        <a:lnB>
+                          <a:noFill/>
+                        </a:lnB>
+                        <a:lnTlToBr w="12700" cmpd="sng">
+                          <a:noFill/>
+                          <a:prstDash val="solid"/>
+                        </a:lnTlToBr>
+                        <a:lnBlToTr w="12700" cmpd="sng">
+                          <a:noFill/>
+                          <a:prstDash val="solid"/>
+                        </a:lnBlToTr>
+                      </a:tcPr>
+                    </a:tc>
+                    <a:tc>
+                      <a:txBody>
+                        <a:bodyPr/>
+                        <a:lstStyle/>
+                        <a:p>
+                          <a:pPr algn="ctr"/>
+                          <a:r>
+                            <a:rPr lang="en-AU" sz="900" dirty="0" smtClean="0"/>
+                            <a:t>3</a:t>
+                          </a:r>
+                          <a:endParaRPr lang="en-AU" sz="900" dirty="0"/>
+                        </a:p>
+                      </a:txBody>
+                      <a:tcPr anchor="ctr">
+                        <a:lnL>
+                          <a:noFill/>
+                        </a:lnL>
+                        <a:lnR>
+                          <a:noFill/>
+                        </a:lnR>
+                        <a:lnT>
+                          <a:noFill/>
+                        </a:lnT>
+                        <a:lnB>
+                          <a:noFill/>
+                        </a:lnB>
+                        <a:lnTlToBr w="12700" cmpd="sng">
+                          <a:noFill/>
+                          <a:prstDash val="solid"/>
+                        </a:lnTlToBr>
+                        <a:lnBlToTr w="12700" cmpd="sng">
+                          <a:noFill/>
+                          <a:prstDash val="solid"/>
+                        </a:lnBlToTr>
+                      </a:tcPr>
+                    </a:tc>
+                    <a:tc>
+                      <a:txBody>
+                        <a:bodyPr/>
+                        <a:lstStyle/>
+                        <a:p>
+                          <a:pPr algn="ctr"/>
+                          <a:r>
+                            <a:rPr lang="en-AU" sz="900" dirty="0" smtClean="0"/>
+                            <a:t>1</a:t>
+                          </a:r>
+                          <a:endParaRPr lang="en-AU" sz="900" dirty="0"/>
+                        </a:p>
+                      </a:txBody>
+                      <a:tcPr anchor="ctr">
+                        <a:lnL>
+                          <a:noFill/>
+                        </a:lnL>
+                        <a:lnR>
+                          <a:noFill/>
+                        </a:lnR>
+                        <a:lnT>
+                          <a:noFill/>
+                        </a:lnT>
+                        <a:lnB>
+                          <a:noFill/>
+                        </a:lnB>
+                        <a:lnTlToBr w="12700" cmpd="sng">
+                          <a:noFill/>
+                          <a:prstDash val="solid"/>
+                        </a:lnTlToBr>
+                        <a:lnBlToTr w="12700" cmpd="sng">
+                          <a:noFill/>
+                          <a:prstDash val="solid"/>
+                        </a:lnBlToTr>
+                      </a:tcPr>
+                    </a:tc>
+                    <a:tc>
+                      <a:txBody>
+                        <a:bodyPr/>
+                        <a:lstStyle/>
+                        <a:p>
+                          <a:pPr algn="ctr"/>
+                          <a:r>
+                            <a:rPr lang="en-AU" sz="900" dirty="0" smtClean="0"/>
+                            <a:t>0.475</a:t>
+                          </a:r>
+                          <a:endParaRPr lang="en-AU" sz="900" dirty="0"/>
+                        </a:p>
+                      </a:txBody>
+                      <a:tcPr anchor="ctr">
+                        <a:lnL>
+                          <a:noFill/>
+                        </a:lnL>
+                        <a:lnR>
+                          <a:noFill/>
+                        </a:lnR>
+                        <a:lnT>
+                          <a:noFill/>
+                        </a:lnT>
+                        <a:lnB>
+                          <a:noFill/>
+                        </a:lnB>
+                        <a:lnTlToBr w="12700" cmpd="sng">
+                          <a:noFill/>
+                          <a:prstDash val="solid"/>
+                        </a:lnTlToBr>
+                        <a:lnBlToTr w="12700" cmpd="sng">
+                          <a:noFill/>
+                          <a:prstDash val="solid"/>
+                        </a:lnBlToTr>
+                      </a:tcPr>
+                    </a:tc>
+                    <a:tc>
+                      <a:txBody>
+                        <a:bodyPr/>
+                        <a:lstStyle/>
+                        <a:p>
+                          <a:pPr algn="ctr"/>
+                          <a:r>
+                            <a:rPr lang="en-AU" sz="900" dirty="0" smtClean="0"/>
+                            <a:t>0.056</a:t>
+                          </a:r>
+                          <a:endParaRPr lang="en-AU" sz="900" dirty="0"/>
+                        </a:p>
+                      </a:txBody>
+                      <a:tcPr anchor="ctr">
+                        <a:lnL>
+                          <a:noFill/>
+                        </a:lnL>
+                        <a:lnR w="12700" cap="flat" cmpd="sng" algn="ctr">
+                          <a:solidFill>
+                            <a:schemeClr val="tx1"/>
+                          </a:solidFill>
+                          <a:prstDash val="solid"/>
+                          <a:round/>
+                          <a:headEnd type="none" w="med" len="med"/>
+                          <a:tailEnd type="none" w="med" len="med"/>
+                        </a:lnR>
+                        <a:lnT>
+                          <a:noFill/>
+                        </a:lnT>
+                        <a:lnB>
+                          <a:noFill/>
+                        </a:lnB>
+                        <a:lnTlToBr w="12700" cmpd="sng">
+                          <a:noFill/>
+                          <a:prstDash val="solid"/>
+                        </a:lnTlToBr>
+                        <a:lnBlToTr w="12700" cmpd="sng">
+                          <a:noFill/>
+                          <a:prstDash val="solid"/>
+                        </a:lnBlToTr>
+                      </a:tcPr>
+                    </a:tc>
+                    <a:extLst>
+                      <a:ext uri="{0D108BD9-81ED-4DB2-BD59-A6C34878D82A}">
+                        <a16:rowId xmlns="" xmlns:a16="http://schemas.microsoft.com/office/drawing/2014/main" val="2249276370"/>
+                      </a:ext>
+                    </a:extLst>
+                  </a:tr>
+                  <a:tr h="319896">
+                    <a:tc>
+                      <a:txBody>
+                        <a:bodyPr/>
+                        <a:lstStyle/>
+                        <a:p>
+                          <a:pPr algn="ctr"/>
+                          <a:r>
+                            <a:rPr lang="en-AU" sz="900" dirty="0" smtClean="0"/>
+                            <a:t>FGYVDSVK</a:t>
+                          </a:r>
+                          <a:endParaRPr lang="en-AU" sz="900" dirty="0"/>
+                        </a:p>
+                      </a:txBody>
+                      <a:tcPr anchor="ctr">
+                        <a:lnL w="12700" cap="flat" cmpd="sng" algn="ctr">
+                          <a:solidFill>
+                            <a:schemeClr val="tx1"/>
+                          </a:solidFill>
+                          <a:prstDash val="solid"/>
+                          <a:round/>
+                          <a:headEnd type="none" w="med" len="med"/>
+                          <a:tailEnd type="none" w="med" len="med"/>
+                        </a:lnL>
+                        <a:lnR>
+                          <a:noFill/>
+                        </a:lnR>
+                        <a:lnT>
+                          <a:noFill/>
+                        </a:lnT>
+                        <a:lnB>
+                          <a:noFill/>
+                        </a:lnB>
+                        <a:lnTlToBr w="12700" cmpd="sng">
+                          <a:noFill/>
+                          <a:prstDash val="solid"/>
+                        </a:lnTlToBr>
+                        <a:lnBlToTr w="12700" cmpd="sng">
+                          <a:noFill/>
+                          <a:prstDash val="solid"/>
+                        </a:lnBlToTr>
+                      </a:tcPr>
+                    </a:tc>
+                    <a:tc>
+                      <a:txBody>
+                        <a:bodyPr/>
+                        <a:lstStyle/>
+                        <a:p>
+                          <a:pPr algn="ctr"/>
+                          <a:r>
+                            <a:rPr lang="en-AU" sz="900" dirty="0"/>
+                            <a:t>3</a:t>
+                          </a:r>
+                          <a:endParaRPr lang="en-AU" sz="900" dirty="0"/>
+                        </a:p>
+                      </a:txBody>
+                      <a:tcPr anchor="ctr">
+                        <a:lnL>
+                          <a:noFill/>
+                        </a:lnL>
+                        <a:lnR>
+                          <a:noFill/>
+                        </a:lnR>
+                        <a:lnT>
+                          <a:noFill/>
+                        </a:lnT>
+                        <a:lnB>
+                          <a:noFill/>
+                        </a:lnB>
+                        <a:lnTlToBr w="12700" cmpd="sng">
+                          <a:noFill/>
+                          <a:prstDash val="solid"/>
+                        </a:lnTlToBr>
+                        <a:lnBlToTr w="12700" cmpd="sng">
+                          <a:noFill/>
+                          <a:prstDash val="solid"/>
+                        </a:lnBlToTr>
+                      </a:tcPr>
+                    </a:tc>
+                    <a:tc>
+                      <a:txBody>
+                        <a:bodyPr/>
+                        <a:lstStyle/>
+                        <a:p>
+                          <a:pPr algn="ctr"/>
+                          <a:r>
+                            <a:rPr lang="en-AU" sz="900" dirty="0"/>
+                            <a:t>2</a:t>
+                          </a:r>
+                        </a:p>
+                      </a:txBody>
+                      <a:tcPr anchor="ctr">
+                        <a:lnL>
+                          <a:noFill/>
+                        </a:lnL>
+                        <a:lnR>
+                          <a:noFill/>
+                        </a:lnR>
+                        <a:lnT>
+                          <a:noFill/>
+                        </a:lnT>
+                        <a:lnB>
+                          <a:noFill/>
+                        </a:lnB>
+                        <a:lnTlToBr w="12700" cmpd="sng">
+                          <a:noFill/>
+                          <a:prstDash val="solid"/>
+                        </a:lnTlToBr>
+                        <a:lnBlToTr w="12700" cmpd="sng">
+                          <a:noFill/>
+                          <a:prstDash val="solid"/>
+                        </a:lnBlToTr>
+                      </a:tcPr>
+                    </a:tc>
+                    <a:tc>
+                      <a:txBody>
+                        <a:bodyPr/>
+                        <a:lstStyle/>
+                        <a:p>
+                          <a:pPr algn="ctr"/>
+                          <a:r>
+                            <a:rPr lang="en-AU" sz="900" dirty="0" smtClean="0"/>
+                            <a:t>0.437</a:t>
+                          </a:r>
+                          <a:endParaRPr lang="en-AU" sz="900" dirty="0"/>
+                        </a:p>
+                      </a:txBody>
+                      <a:tcPr anchor="ctr">
+                        <a:lnL>
+                          <a:noFill/>
+                        </a:lnL>
+                        <a:lnR>
+                          <a:noFill/>
+                        </a:lnR>
+                        <a:lnT>
+                          <a:noFill/>
+                        </a:lnT>
+                        <a:lnB>
+                          <a:noFill/>
+                        </a:lnB>
+                        <a:lnTlToBr w="12700" cmpd="sng">
+                          <a:noFill/>
+                          <a:prstDash val="solid"/>
+                        </a:lnTlToBr>
+                        <a:lnBlToTr w="12700" cmpd="sng">
+                          <a:noFill/>
+                          <a:prstDash val="solid"/>
+                        </a:lnBlToTr>
+                      </a:tcPr>
+                    </a:tc>
+                    <a:tc>
+                      <a:txBody>
+                        <a:bodyPr/>
+                        <a:lstStyle/>
+                        <a:p>
+                          <a:pPr algn="ctr"/>
+                          <a:r>
+                            <a:rPr lang="en-AU" sz="900" dirty="0" smtClean="0"/>
+                            <a:t>0.033</a:t>
+                          </a:r>
+                          <a:endParaRPr lang="en-AU" sz="900" dirty="0"/>
+                        </a:p>
+                      </a:txBody>
+                      <a:tcPr anchor="ctr">
+                        <a:lnL>
+                          <a:noFill/>
+                        </a:lnL>
+                        <a:lnR w="12700" cap="flat" cmpd="sng" algn="ctr">
+                          <a:solidFill>
+                            <a:schemeClr val="tx1"/>
+                          </a:solidFill>
+                          <a:prstDash val="solid"/>
+                          <a:round/>
+                          <a:headEnd type="none" w="med" len="med"/>
+                          <a:tailEnd type="none" w="med" len="med"/>
+                        </a:lnR>
+                        <a:lnT>
+                          <a:noFill/>
+                        </a:lnT>
+                        <a:lnB>
+                          <a:noFill/>
+                        </a:lnB>
+                        <a:lnTlToBr w="12700" cmpd="sng">
+                          <a:noFill/>
+                          <a:prstDash val="solid"/>
+                        </a:lnTlToBr>
+                        <a:lnBlToTr w="12700" cmpd="sng">
+                          <a:noFill/>
+                          <a:prstDash val="solid"/>
+                        </a:lnBlToTr>
+                      </a:tcPr>
+                    </a:tc>
+                    <a:extLst>
+                      <a:ext uri="{0D108BD9-81ED-4DB2-BD59-A6C34878D82A}">
+                        <a16:rowId xmlns="" xmlns:a16="http://schemas.microsoft.com/office/drawing/2014/main" val="889951462"/>
+                      </a:ext>
+                    </a:extLst>
+                  </a:tr>
+                  <a:tr h="319896">
+                    <a:tc>
+                      <a:txBody>
+                        <a:bodyPr/>
+                        <a:lstStyle/>
+                        <a:p>
+                          <a:pPr algn="ctr"/>
+                          <a:r>
+                            <a:rPr lang="en-AU" sz="900" dirty="0" smtClean="0"/>
+                            <a:t>YYADSVK</a:t>
+                          </a:r>
+                          <a:endParaRPr lang="en-AU" sz="900" dirty="0"/>
+                        </a:p>
+                      </a:txBody>
+                      <a:tcPr anchor="ctr">
+                        <a:lnL w="12700" cap="flat" cmpd="sng" algn="ctr">
+                          <a:solidFill>
+                            <a:schemeClr val="tx1"/>
+                          </a:solidFill>
+                          <a:prstDash val="solid"/>
+                          <a:round/>
+                          <a:headEnd type="none" w="med" len="med"/>
+                          <a:tailEnd type="none" w="med" len="med"/>
+                        </a:lnL>
+                        <a:lnR>
+                          <a:noFill/>
+                        </a:lnR>
+                        <a:lnT>
+                          <a:noFill/>
+                        </a:lnT>
+                        <a:lnB w="12700" cap="flat" cmpd="sng" algn="ctr">
+                          <a:solidFill>
+                            <a:schemeClr val="tx1"/>
+                          </a:solidFill>
+                          <a:prstDash val="solid"/>
+                          <a:round/>
+                          <a:headEnd type="none" w="med" len="med"/>
+                          <a:tailEnd type="none" w="med" len="med"/>
+                        </a:lnB>
+                        <a:lnTlToBr w="12700" cmpd="sng">
+                          <a:noFill/>
+                          <a:prstDash val="solid"/>
+                        </a:lnTlToBr>
+                        <a:lnBlToTr w="12700" cmpd="sng">
+                          <a:noFill/>
+                          <a:prstDash val="solid"/>
+                        </a:lnBlToTr>
+                      </a:tcPr>
+                    </a:tc>
+                    <a:tc>
+                      <a:txBody>
+                        <a:bodyPr/>
+                        <a:lstStyle/>
+                        <a:p>
+                          <a:pPr algn="ctr"/>
+                          <a:r>
+                            <a:rPr lang="en-AU" sz="900" dirty="0" smtClean="0"/>
+                            <a:t>13</a:t>
+                          </a:r>
+                          <a:endParaRPr lang="en-AU" sz="900" dirty="0"/>
+                        </a:p>
+                      </a:txBody>
+                      <a:tcPr anchor="ctr">
+                        <a:lnL>
+                          <a:noFill/>
+                        </a:lnL>
+                        <a:lnR>
+                          <a:noFill/>
+                        </a:lnR>
+                        <a:lnT>
+                          <a:noFill/>
+                        </a:lnT>
+                        <a:lnB w="12700" cap="flat" cmpd="sng" algn="ctr">
+                          <a:solidFill>
+                            <a:schemeClr val="tx1"/>
+                          </a:solidFill>
+                          <a:prstDash val="solid"/>
+                          <a:round/>
+                          <a:headEnd type="none" w="med" len="med"/>
+                          <a:tailEnd type="none" w="med" len="med"/>
+                        </a:lnB>
+                        <a:lnTlToBr w="12700" cmpd="sng">
+                          <a:noFill/>
+                          <a:prstDash val="solid"/>
+                        </a:lnTlToBr>
+                        <a:lnBlToTr w="12700" cmpd="sng">
+                          <a:noFill/>
+                          <a:prstDash val="solid"/>
+                        </a:lnBlToTr>
+                      </a:tcPr>
+                    </a:tc>
+                    <a:tc>
+                      <a:txBody>
+                        <a:bodyPr/>
+                        <a:lstStyle/>
+                        <a:p>
+                          <a:pPr algn="ctr"/>
+                          <a:r>
+                            <a:rPr lang="en-AU" sz="900" dirty="0" smtClean="0"/>
+                            <a:t>1</a:t>
+                          </a:r>
+                          <a:endParaRPr lang="en-AU" sz="900" dirty="0"/>
+                        </a:p>
+                      </a:txBody>
+                      <a:tcPr anchor="ctr">
+                        <a:lnL>
+                          <a:noFill/>
+                        </a:lnL>
+                        <a:lnR>
+                          <a:noFill/>
+                        </a:lnR>
+                        <a:lnT>
+                          <a:noFill/>
+                        </a:lnT>
+                        <a:lnB w="12700" cap="flat" cmpd="sng" algn="ctr">
+                          <a:solidFill>
+                            <a:schemeClr val="tx1"/>
+                          </a:solidFill>
+                          <a:prstDash val="solid"/>
+                          <a:round/>
+                          <a:headEnd type="none" w="med" len="med"/>
+                          <a:tailEnd type="none" w="med" len="med"/>
+                        </a:lnB>
+                        <a:lnTlToBr w="12700" cmpd="sng">
+                          <a:noFill/>
+                          <a:prstDash val="solid"/>
+                        </a:lnTlToBr>
+                        <a:lnBlToTr w="12700" cmpd="sng">
+                          <a:noFill/>
+                          <a:prstDash val="solid"/>
+                        </a:lnBlToTr>
+                      </a:tcPr>
+                    </a:tc>
+                    <a:tc>
+                      <a:txBody>
+                        <a:bodyPr/>
+                        <a:lstStyle/>
+                        <a:p>
+                          <a:pPr algn="ctr"/>
+                          <a:r>
+                            <a:rPr lang="en-AU" sz="900" dirty="0" smtClean="0"/>
+                            <a:t>0.012</a:t>
+                          </a:r>
+                          <a:endParaRPr lang="en-AU" sz="900" dirty="0"/>
+                        </a:p>
+                      </a:txBody>
+                      <a:tcPr anchor="ctr">
+                        <a:lnL>
+                          <a:noFill/>
+                        </a:lnL>
+                        <a:lnR>
+                          <a:noFill/>
+                        </a:lnR>
+                        <a:lnT>
+                          <a:noFill/>
+                        </a:lnT>
+                        <a:lnB w="12700" cap="flat" cmpd="sng" algn="ctr">
+                          <a:solidFill>
+                            <a:schemeClr val="tx1"/>
+                          </a:solidFill>
+                          <a:prstDash val="solid"/>
+                          <a:round/>
+                          <a:headEnd type="none" w="med" len="med"/>
+                          <a:tailEnd type="none" w="med" len="med"/>
+                        </a:lnB>
+                        <a:lnTlToBr w="12700" cmpd="sng">
+                          <a:noFill/>
+                          <a:prstDash val="solid"/>
+                        </a:lnTlToBr>
+                        <a:lnBlToTr w="12700" cmpd="sng">
+                          <a:noFill/>
+                          <a:prstDash val="solid"/>
+                        </a:lnBlToTr>
+                      </a:tcPr>
+                    </a:tc>
+                    <a:tc>
+                      <a:txBody>
+                        <a:bodyPr/>
+                        <a:lstStyle/>
+                        <a:p>
+                          <a:pPr algn="ctr"/>
+                          <a:r>
+                            <a:rPr lang="en-AU" sz="900" dirty="0" smtClean="0"/>
+                            <a:t>0.001</a:t>
+                          </a:r>
+                          <a:endParaRPr lang="en-AU" sz="900" dirty="0"/>
+                        </a:p>
+                      </a:txBody>
+                      <a:tcPr anchor="ctr">
+                        <a:lnL>
+                          <a:noFill/>
+                        </a:lnL>
+                        <a:lnR w="12700" cap="flat" cmpd="sng" algn="ctr">
+                          <a:solidFill>
+                            <a:schemeClr val="tx1"/>
+                          </a:solidFill>
+                          <a:prstDash val="solid"/>
+                          <a:round/>
+                          <a:headEnd type="none" w="med" len="med"/>
+                          <a:tailEnd type="none" w="med" len="med"/>
+                        </a:lnR>
+                        <a:lnT>
+                          <a:noFill/>
+                        </a:lnT>
+                        <a:lnB w="12700" cap="flat" cmpd="sng" algn="ctr">
+                          <a:solidFill>
+                            <a:schemeClr val="tx1"/>
+                          </a:solidFill>
+                          <a:prstDash val="solid"/>
+                          <a:round/>
+                          <a:headEnd type="none" w="med" len="med"/>
+                          <a:tailEnd type="none" w="med" len="med"/>
+                        </a:lnB>
+                        <a:lnTlToBr w="12700" cmpd="sng">
+                          <a:noFill/>
+                          <a:prstDash val="solid"/>
+                        </a:lnTlToBr>
+                        <a:lnBlToTr w="12700" cmpd="sng">
+                          <a:noFill/>
+                          <a:prstDash val="solid"/>
+                        </a:lnBlToTr>
+                      </a:tcPr>
+                    </a:tc>
+                    <a:extLst>
+                      <a:ext uri="{0D108BD9-81ED-4DB2-BD59-A6C34878D82A}">
+                        <a16:rowId xmlns="" xmlns:a16="http://schemas.microsoft.com/office/drawing/2014/main" val="141707935"/>
+                      </a:ext>
+                    </a:extLst>
+                  </a:tr>
+                </a:tbl>
+              </a:graphicData>
+            </a:graphic>
+          </p:graphicFrame>
+        </mc:Choice>
+        <mc:Fallback>
+          <p:graphicFrame>
+            <p:nvGraphicFramePr>
+              <p:cNvPr id="6" name="Table 5"/>
+              <p:cNvGraphicFramePr>
+                <a:graphicFrameLocks noGrp="1"/>
+              </p:cNvGraphicFramePr>
+              <p:nvPr>
+                <p:extLst>
+                  <p:ext uri="{D42A27DB-BD31-4B8C-83A1-F6EECF244321}">
+                    <p14:modId xmlns:p14="http://schemas.microsoft.com/office/powerpoint/2010/main" val="1286778539"/>
+                  </p:ext>
+                </p:extLst>
+              </p:nvPr>
+            </p:nvGraphicFramePr>
+            <p:xfrm>
+              <a:off x="3409732" y="2313841"/>
+              <a:ext cx="3159125" cy="3390899"/>
+            </p:xfrm>
+            <a:graphic>
+              <a:graphicData uri="http://schemas.openxmlformats.org/drawingml/2006/table">
+                <a:tbl>
+                  <a:tblPr>
+                    <a:tableStyleId>{F2DE63D5-997A-4646-A377-4702673A728D}</a:tableStyleId>
+                  </a:tblPr>
+                  <a:tblGrid>
+                    <a:gridCol w="785093">
+                      <a:extLst>
+                        <a:ext uri="{9D8B030D-6E8A-4147-A177-3AD203B41FA5}">
+                          <a16:colId xmlns="" xmlns:a16="http://schemas.microsoft.com/office/drawing/2014/main" xmlns:a14="http://schemas.microsoft.com/office/drawing/2010/main" val="2070464311"/>
+                        </a:ext>
+                      </a:extLst>
+                    </a:gridCol>
+                    <a:gridCol w="478557">
+                      <a:extLst>
+                        <a:ext uri="{9D8B030D-6E8A-4147-A177-3AD203B41FA5}">
+                          <a16:colId xmlns="" xmlns:a16="http://schemas.microsoft.com/office/drawing/2014/main" xmlns:a14="http://schemas.microsoft.com/office/drawing/2010/main" val="2814482158"/>
+                        </a:ext>
+                      </a:extLst>
+                    </a:gridCol>
+                    <a:gridCol w="631825">
+                      <a:extLst>
+                        <a:ext uri="{9D8B030D-6E8A-4147-A177-3AD203B41FA5}">
+                          <a16:colId xmlns="" xmlns:a16="http://schemas.microsoft.com/office/drawing/2014/main" xmlns:a14="http://schemas.microsoft.com/office/drawing/2010/main" val="3449075261"/>
+                        </a:ext>
+                      </a:extLst>
+                    </a:gridCol>
+                    <a:gridCol w="631825">
+                      <a:extLst>
+                        <a:ext uri="{9D8B030D-6E8A-4147-A177-3AD203B41FA5}">
+                          <a16:colId xmlns="" xmlns:a16="http://schemas.microsoft.com/office/drawing/2014/main" xmlns:a14="http://schemas.microsoft.com/office/drawing/2010/main" val="1813670796"/>
+                        </a:ext>
+                      </a:extLst>
+                    </a:gridCol>
+                    <a:gridCol w="631825">
+                      <a:extLst>
+                        <a:ext uri="{9D8B030D-6E8A-4147-A177-3AD203B41FA5}">
+                          <a16:colId xmlns="" xmlns:a16="http://schemas.microsoft.com/office/drawing/2014/main" xmlns:a14="http://schemas.microsoft.com/office/drawing/2010/main" val="1994465920"/>
+                        </a:ext>
+                      </a:extLst>
+                    </a:gridCol>
+                  </a:tblGrid>
+                  <a:tr h="511835">
+                    <a:tc>
+                      <a:txBody>
+                        <a:bodyPr/>
+                        <a:lstStyle/>
+                        <a:p>
+                          <a:endParaRPr lang="en-US"/>
+                        </a:p>
+                      </a:txBody>
+                      <a:tcPr anchor="ctr">
+                        <a:lnL w="12700" cap="flat" cmpd="sng" algn="ctr">
+                          <a:solidFill>
+                            <a:schemeClr val="tx1"/>
+                          </a:solidFill>
+                          <a:prstDash val="solid"/>
+                          <a:round/>
+                          <a:headEnd type="none" w="med" len="med"/>
+                          <a:tailEnd type="none" w="med" len="med"/>
+                        </a:lnL>
+                        <a:lnR>
+                          <a:noFill/>
+                        </a:lnR>
+                        <a:lnT w="12700" cap="flat" cmpd="sng" algn="ctr">
+                          <a:solidFill>
+                            <a:schemeClr val="tx1"/>
+                          </a:solidFill>
+                          <a:prstDash val="solid"/>
+                          <a:round/>
+                          <a:headEnd type="none" w="med" len="med"/>
+                          <a:tailEnd type="none" w="med" len="med"/>
+                        </a:lnT>
+                        <a:lnB w="12700" cap="flat" cmpd="sng" algn="ctr">
+                          <a:solidFill>
+                            <a:schemeClr val="tx1"/>
+                          </a:solidFill>
+                          <a:prstDash val="solid"/>
+                          <a:round/>
+                          <a:headEnd type="none" w="med" len="med"/>
+                          <a:tailEnd type="none" w="med" len="med"/>
+                        </a:lnB>
+                        <a:lnTlToBr w="12700" cmpd="sng">
+                          <a:noFill/>
+                          <a:prstDash val="solid"/>
+                        </a:lnTlToBr>
+                        <a:lnBlToTr w="12700" cmpd="sng">
+                          <a:noFill/>
+                          <a:prstDash val="solid"/>
+                        </a:lnBlToTr>
+                        <a:blipFill rotWithShape="1">
+                          <a:blip r:embed="rId2"/>
+                          <a:stretch>
+                            <a:fillRect t="-1190" r="-302326" b="-561905"/>
+                          </a:stretch>
+                        </a:blipFill>
+                      </a:tcPr>
+                    </a:tc>
+                    <a:tc>
+                      <a:txBody>
+                        <a:bodyPr/>
+                        <a:lstStyle/>
+                        <a:p>
+                          <a:endParaRPr lang="en-US"/>
+                        </a:p>
+                      </a:txBody>
+                      <a:tcPr anchor="ctr">
+                        <a:lnL>
+                          <a:noFill/>
+                        </a:lnL>
+                        <a:lnR>
+                          <a:noFill/>
+                        </a:lnR>
+                        <a:lnT w="12700" cap="flat" cmpd="sng" algn="ctr">
+                          <a:solidFill>
+                            <a:schemeClr val="tx1"/>
+                          </a:solidFill>
+                          <a:prstDash val="solid"/>
+                          <a:round/>
+                          <a:headEnd type="none" w="med" len="med"/>
+                          <a:tailEnd type="none" w="med" len="med"/>
+                        </a:lnT>
+                        <a:lnB w="12700" cap="flat" cmpd="sng" algn="ctr">
+                          <a:solidFill>
+                            <a:schemeClr val="tx1"/>
+                          </a:solidFill>
+                          <a:prstDash val="solid"/>
+                          <a:round/>
+                          <a:headEnd type="none" w="med" len="med"/>
+                          <a:tailEnd type="none" w="med" len="med"/>
+                        </a:lnB>
+                        <a:lnTlToBr w="12700" cmpd="sng">
+                          <a:noFill/>
+                          <a:prstDash val="solid"/>
+                        </a:lnTlToBr>
+                        <a:lnBlToTr w="12700" cmpd="sng">
+                          <a:noFill/>
+                          <a:prstDash val="solid"/>
+                        </a:lnBlToTr>
+                        <a:blipFill rotWithShape="1">
+                          <a:blip r:embed="rId2"/>
+                          <a:stretch>
+                            <a:fillRect l="-163291" t="-1190" r="-393671" b="-561905"/>
+                          </a:stretch>
+                        </a:blipFill>
+                      </a:tcPr>
+                    </a:tc>
+                    <a:tc>
+                      <a:txBody>
+                        <a:bodyPr/>
+                        <a:lstStyle/>
+                        <a:p>
+                          <a:endParaRPr lang="en-US"/>
+                        </a:p>
+                      </a:txBody>
+                      <a:tcPr anchor="ctr">
+                        <a:lnL>
+                          <a:noFill/>
+                        </a:lnL>
+                        <a:lnR>
+                          <a:noFill/>
+                        </a:lnR>
+                        <a:lnT w="12700" cap="flat" cmpd="sng" algn="ctr">
+                          <a:solidFill>
+                            <a:schemeClr val="tx1"/>
+                          </a:solidFill>
+                          <a:prstDash val="solid"/>
+                          <a:round/>
+                          <a:headEnd type="none" w="med" len="med"/>
+                          <a:tailEnd type="none" w="med" len="med"/>
+                        </a:lnT>
+                        <a:lnB w="12700" cap="flat" cmpd="sng" algn="ctr">
+                          <a:solidFill>
+                            <a:schemeClr val="tx1"/>
+                          </a:solidFill>
+                          <a:prstDash val="solid"/>
+                          <a:round/>
+                          <a:headEnd type="none" w="med" len="med"/>
+                          <a:tailEnd type="none" w="med" len="med"/>
+                        </a:lnB>
+                        <a:lnTlToBr w="12700" cmpd="sng">
+                          <a:noFill/>
+                          <a:prstDash val="solid"/>
+                        </a:lnTlToBr>
+                        <a:lnBlToTr w="12700" cmpd="sng">
+                          <a:noFill/>
+                          <a:prstDash val="solid"/>
+                        </a:lnBlToTr>
+                        <a:blipFill rotWithShape="1">
+                          <a:blip r:embed="rId2"/>
+                          <a:stretch>
+                            <a:fillRect l="-201942" t="-1190" r="-201942" b="-561905"/>
+                          </a:stretch>
+                        </a:blipFill>
+                      </a:tcPr>
+                    </a:tc>
+                    <a:tc>
+                      <a:txBody>
+                        <a:bodyPr/>
+                        <a:lstStyle/>
+                        <a:p>
+                          <a:endParaRPr lang="en-US"/>
+                        </a:p>
+                      </a:txBody>
+                      <a:tcPr anchor="ctr">
+                        <a:lnL>
+                          <a:noFill/>
+                        </a:lnL>
+                        <a:lnR>
+                          <a:noFill/>
+                        </a:lnR>
+                        <a:lnT w="12700" cap="flat" cmpd="sng" algn="ctr">
+                          <a:solidFill>
+                            <a:schemeClr val="tx1"/>
+                          </a:solidFill>
+                          <a:prstDash val="solid"/>
+                          <a:round/>
+                          <a:headEnd type="none" w="med" len="med"/>
+                          <a:tailEnd type="none" w="med" len="med"/>
+                        </a:lnT>
+                        <a:lnB w="12700" cap="flat" cmpd="sng" algn="ctr">
+                          <a:solidFill>
+                            <a:schemeClr val="tx1"/>
+                          </a:solidFill>
+                          <a:prstDash val="solid"/>
+                          <a:round/>
+                          <a:headEnd type="none" w="med" len="med"/>
+                          <a:tailEnd type="none" w="med" len="med"/>
+                        </a:lnB>
+                        <a:lnTlToBr w="12700" cmpd="sng">
+                          <a:noFill/>
+                          <a:prstDash val="solid"/>
+                        </a:lnTlToBr>
+                        <a:lnBlToTr w="12700" cmpd="sng">
+                          <a:noFill/>
+                          <a:prstDash val="solid"/>
+                        </a:lnBlToTr>
+                        <a:blipFill rotWithShape="1">
+                          <a:blip r:embed="rId2"/>
+                          <a:stretch>
+                            <a:fillRect l="-299038" t="-1190" r="-100000" b="-561905"/>
+                          </a:stretch>
+                        </a:blipFill>
+                      </a:tcPr>
+                    </a:tc>
+                    <a:tc>
+                      <a:txBody>
+                        <a:bodyPr/>
+                        <a:lstStyle/>
+                        <a:p>
+                          <a:endParaRPr lang="en-US"/>
+                        </a:p>
+                      </a:txBody>
+                      <a:tcPr anchor="ctr">
+                        <a:lnL>
+                          <a:noFill/>
+                        </a:lnL>
+                        <a:lnR w="12700" cap="flat" cmpd="sng" algn="ctr">
+                          <a:solidFill>
+                            <a:schemeClr val="tx1"/>
+                          </a:solidFill>
+                          <a:prstDash val="solid"/>
+                          <a:round/>
+                          <a:headEnd type="none" w="med" len="med"/>
+                          <a:tailEnd type="none" w="med" len="med"/>
+                        </a:lnR>
+                        <a:lnT w="12700" cap="flat" cmpd="sng" algn="ctr">
+                          <a:solidFill>
+                            <a:schemeClr val="tx1"/>
+                          </a:solidFill>
+                          <a:prstDash val="solid"/>
+                          <a:round/>
+                          <a:headEnd type="none" w="med" len="med"/>
+                          <a:tailEnd type="none" w="med" len="med"/>
+                        </a:lnT>
+                        <a:lnB w="12700" cap="flat" cmpd="sng" algn="ctr">
+                          <a:solidFill>
+                            <a:schemeClr val="tx1"/>
+                          </a:solidFill>
+                          <a:prstDash val="solid"/>
+                          <a:round/>
+                          <a:headEnd type="none" w="med" len="med"/>
+                          <a:tailEnd type="none" w="med" len="med"/>
+                        </a:lnB>
+                        <a:lnTlToBr w="12700" cmpd="sng">
+                          <a:noFill/>
+                          <a:prstDash val="solid"/>
+                        </a:lnTlToBr>
+                        <a:lnBlToTr w="12700" cmpd="sng">
+                          <a:noFill/>
+                          <a:prstDash val="solid"/>
+                        </a:lnBlToTr>
+                        <a:blipFill rotWithShape="1">
+                          <a:blip r:embed="rId2"/>
+                          <a:stretch>
+                            <a:fillRect l="-399038" t="-1190" b="-561905"/>
+                          </a:stretch>
+                        </a:blipFill>
+                      </a:tcPr>
+                    </a:tc>
+                    <a:extLst>
+                      <a:ext uri="{0D108BD9-81ED-4DB2-BD59-A6C34878D82A}">
+                        <a16:rowId xmlns="" xmlns:a16="http://schemas.microsoft.com/office/drawing/2014/main" xmlns:a14="http://schemas.microsoft.com/office/drawing/2010/main" val="3176941515"/>
+                      </a:ext>
+                    </a:extLst>
+                  </a:tr>
+                  <a:tr h="319896">
+                    <a:tc>
+                      <a:txBody>
+                        <a:bodyPr/>
+                        <a:lstStyle/>
+                        <a:p>
+                          <a:pPr algn="ctr" fontAlgn="b"/>
+                          <a:r>
+                            <a:rPr lang="en-AU" sz="900" u="none" strike="noStrike" dirty="0" smtClean="0">
+                              <a:effectLst/>
+                            </a:rPr>
+                            <a:t>FYVDSVK</a:t>
+                          </a:r>
+                          <a:endParaRPr lang="en-AU" sz="900" b="0" i="0" u="none" strike="noStrike" dirty="0">
+                            <a:solidFill>
+                              <a:srgbClr val="000000"/>
+                            </a:solidFill>
+                            <a:effectLst/>
+                            <a:latin typeface="Calibri" panose="020F0502020204030204" pitchFamily="34" charset="0"/>
+                          </a:endParaRPr>
+                        </a:p>
+                      </a:txBody>
+                      <a:tcPr marL="9525" marR="9525" marT="9525" marB="0" anchor="ctr">
+                        <a:lnL w="12700" cap="flat" cmpd="sng" algn="ctr">
+                          <a:solidFill>
+                            <a:schemeClr val="tx1"/>
+                          </a:solidFill>
+                          <a:prstDash val="solid"/>
+                          <a:round/>
+                          <a:headEnd type="none" w="med" len="med"/>
+                          <a:tailEnd type="none" w="med" len="med"/>
+                        </a:lnL>
+                        <a:lnR>
+                          <a:noFill/>
+                        </a:lnR>
+                        <a:lnT w="12700" cap="flat" cmpd="sng" algn="ctr">
+                          <a:solidFill>
+                            <a:schemeClr val="tx1"/>
+                          </a:solidFill>
+                          <a:prstDash val="solid"/>
+                          <a:round/>
+                          <a:headEnd type="none" w="med" len="med"/>
+                          <a:tailEnd type="none" w="med" len="med"/>
+                        </a:lnT>
+                        <a:lnB>
+                          <a:noFill/>
+                        </a:lnB>
+                        <a:lnTlToBr w="12700" cmpd="sng">
+                          <a:noFill/>
+                          <a:prstDash val="solid"/>
+                        </a:lnTlToBr>
+                        <a:lnBlToTr w="12700" cmpd="sng">
+                          <a:noFill/>
+                          <a:prstDash val="solid"/>
+                        </a:lnBlToTr>
+                      </a:tcPr>
+                    </a:tc>
+                    <a:tc>
+                      <a:txBody>
+                        <a:bodyPr/>
+                        <a:lstStyle/>
+                        <a:p>
+                          <a:pPr algn="ctr"/>
+                          <a:r>
+                            <a:rPr lang="en-AU" sz="900" dirty="0" smtClean="0"/>
+                            <a:t>9</a:t>
+                          </a:r>
+                          <a:endParaRPr lang="en-AU" sz="900" dirty="0"/>
+                        </a:p>
+                      </a:txBody>
+                      <a:tcPr anchor="ctr">
+                        <a:lnL>
+                          <a:noFill/>
+                        </a:lnL>
+                        <a:lnR>
+                          <a:noFill/>
+                        </a:lnR>
+                        <a:lnT w="12700" cap="flat" cmpd="sng" algn="ctr">
+                          <a:solidFill>
+                            <a:schemeClr val="tx1"/>
+                          </a:solidFill>
+                          <a:prstDash val="solid"/>
+                          <a:round/>
+                          <a:headEnd type="none" w="med" len="med"/>
+                          <a:tailEnd type="none" w="med" len="med"/>
+                        </a:lnT>
+                        <a:lnB>
+                          <a:noFill/>
+                        </a:lnB>
+                        <a:lnTlToBr w="12700" cmpd="sng">
+                          <a:noFill/>
+                          <a:prstDash val="solid"/>
+                        </a:lnTlToBr>
+                        <a:lnBlToTr w="12700" cmpd="sng">
+                          <a:noFill/>
+                          <a:prstDash val="solid"/>
+                        </a:lnBlToTr>
+                      </a:tcPr>
+                    </a:tc>
+                    <a:tc>
+                      <a:txBody>
+                        <a:bodyPr/>
+                        <a:lstStyle/>
+                        <a:p>
+                          <a:pPr algn="ctr"/>
+                          <a:r>
+                            <a:rPr lang="en-AU" sz="900" dirty="0" smtClean="0"/>
+                            <a:t>1</a:t>
+                          </a:r>
+                          <a:endParaRPr lang="en-AU" sz="900" dirty="0"/>
+                        </a:p>
+                      </a:txBody>
+                      <a:tcPr anchor="ctr">
+                        <a:lnL>
+                          <a:noFill/>
+                        </a:lnL>
+                        <a:lnR>
+                          <a:noFill/>
+                        </a:lnR>
+                        <a:lnT w="12700" cap="flat" cmpd="sng" algn="ctr">
+                          <a:solidFill>
+                            <a:schemeClr val="tx1"/>
+                          </a:solidFill>
+                          <a:prstDash val="solid"/>
+                          <a:round/>
+                          <a:headEnd type="none" w="med" len="med"/>
+                          <a:tailEnd type="none" w="med" len="med"/>
+                        </a:lnT>
+                        <a:lnB>
+                          <a:noFill/>
+                        </a:lnB>
+                        <a:lnTlToBr w="12700" cmpd="sng">
+                          <a:noFill/>
+                          <a:prstDash val="solid"/>
+                        </a:lnTlToBr>
+                        <a:lnBlToTr w="12700" cmpd="sng">
+                          <a:noFill/>
+                          <a:prstDash val="solid"/>
+                        </a:lnBlToTr>
+                      </a:tcPr>
+                    </a:tc>
+                    <a:tc>
+                      <a:txBody>
+                        <a:bodyPr/>
+                        <a:lstStyle/>
+                        <a:p>
+                          <a:pPr algn="ctr"/>
+                          <a:r>
+                            <a:rPr lang="en-AU" sz="900" dirty="0" smtClean="0"/>
+                            <a:t>0.994</a:t>
+                          </a:r>
+                          <a:endParaRPr lang="en-AU" sz="900" dirty="0"/>
+                        </a:p>
+                      </a:txBody>
+                      <a:tcPr anchor="ctr">
+                        <a:lnL>
+                          <a:noFill/>
+                        </a:lnL>
+                        <a:lnR>
+                          <a:noFill/>
+                        </a:lnR>
+                        <a:lnT w="12700" cap="flat" cmpd="sng" algn="ctr">
+                          <a:solidFill>
+                            <a:schemeClr val="tx1"/>
+                          </a:solidFill>
+                          <a:prstDash val="solid"/>
+                          <a:round/>
+                          <a:headEnd type="none" w="med" len="med"/>
+                          <a:tailEnd type="none" w="med" len="med"/>
+                        </a:lnT>
+                        <a:lnB>
+                          <a:noFill/>
+                        </a:lnB>
+                        <a:lnTlToBr w="12700" cmpd="sng">
+                          <a:noFill/>
+                          <a:prstDash val="solid"/>
+                        </a:lnTlToBr>
+                        <a:lnBlToTr w="12700" cmpd="sng">
+                          <a:noFill/>
+                          <a:prstDash val="solid"/>
+                        </a:lnBlToTr>
+                      </a:tcPr>
+                    </a:tc>
+                    <a:tc>
+                      <a:txBody>
+                        <a:bodyPr/>
+                        <a:lstStyle/>
+                        <a:p>
+                          <a:pPr algn="ctr"/>
+                          <a:r>
+                            <a:rPr lang="en-AU" sz="900" dirty="0" smtClean="0"/>
+                            <a:t>0.509</a:t>
+                          </a:r>
+                          <a:endParaRPr lang="en-AU" sz="900" dirty="0"/>
+                        </a:p>
+                      </a:txBody>
+                      <a:tcPr anchor="ctr">
+                        <a:lnL>
+                          <a:noFill/>
+                        </a:lnL>
+                        <a:lnR w="12700" cap="flat" cmpd="sng" algn="ctr">
+                          <a:solidFill>
+                            <a:schemeClr val="tx1"/>
+                          </a:solidFill>
+                          <a:prstDash val="solid"/>
+                          <a:round/>
+                          <a:headEnd type="none" w="med" len="med"/>
+                          <a:tailEnd type="none" w="med" len="med"/>
+                        </a:lnR>
+                        <a:lnT w="12700" cap="flat" cmpd="sng" algn="ctr">
+                          <a:solidFill>
+                            <a:schemeClr val="tx1"/>
+                          </a:solidFill>
+                          <a:prstDash val="solid"/>
+                          <a:round/>
+                          <a:headEnd type="none" w="med" len="med"/>
+                          <a:tailEnd type="none" w="med" len="med"/>
+                        </a:lnT>
+                        <a:lnB>
+                          <a:noFill/>
+                        </a:lnB>
+                        <a:lnTlToBr w="12700" cmpd="sng">
+                          <a:noFill/>
+                          <a:prstDash val="solid"/>
+                        </a:lnTlToBr>
+                        <a:lnBlToTr w="12700" cmpd="sng">
+                          <a:noFill/>
+                          <a:prstDash val="solid"/>
+                        </a:lnBlToTr>
+                      </a:tcPr>
+                    </a:tc>
+                    <a:extLst>
+                      <a:ext uri="{0D108BD9-81ED-4DB2-BD59-A6C34878D82A}">
+                        <a16:rowId xmlns="" xmlns:a16="http://schemas.microsoft.com/office/drawing/2014/main" xmlns:a14="http://schemas.microsoft.com/office/drawing/2010/main" val="2673339703"/>
+                      </a:ext>
+                    </a:extLst>
+                  </a:tr>
+                  <a:tr h="319896">
+                    <a:tc>
+                      <a:txBody>
+                        <a:bodyPr/>
+                        <a:lstStyle/>
+                        <a:p>
+                          <a:pPr algn="ctr"/>
+                          <a:r>
+                            <a:rPr lang="en-AU" sz="900" dirty="0" smtClean="0"/>
+                            <a:t>YYVDSVK</a:t>
+                          </a:r>
+                          <a:endParaRPr lang="en-AU" sz="900" dirty="0"/>
+                        </a:p>
+                      </a:txBody>
+                      <a:tcPr anchor="ctr">
+                        <a:lnL w="12700" cap="flat" cmpd="sng" algn="ctr">
+                          <a:solidFill>
+                            <a:schemeClr val="tx1"/>
+                          </a:solidFill>
+                          <a:prstDash val="solid"/>
+                          <a:round/>
+                          <a:headEnd type="none" w="med" len="med"/>
+                          <a:tailEnd type="none" w="med" len="med"/>
+                        </a:lnL>
+                        <a:lnR>
+                          <a:noFill/>
+                        </a:lnR>
+                        <a:lnT>
+                          <a:noFill/>
+                        </a:lnT>
+                        <a:lnB>
+                          <a:noFill/>
+                        </a:lnB>
+                        <a:lnTlToBr w="12700" cmpd="sng">
+                          <a:noFill/>
+                          <a:prstDash val="solid"/>
+                        </a:lnTlToBr>
+                        <a:lnBlToTr w="12700" cmpd="sng">
+                          <a:noFill/>
+                          <a:prstDash val="solid"/>
+                        </a:lnBlToTr>
+                      </a:tcPr>
+                    </a:tc>
+                    <a:tc>
+                      <a:txBody>
+                        <a:bodyPr/>
+                        <a:lstStyle/>
+                        <a:p>
+                          <a:pPr algn="ctr"/>
+                          <a:r>
+                            <a:rPr lang="en-AU" sz="900" dirty="0" smtClean="0"/>
+                            <a:t>6</a:t>
+                          </a:r>
+                          <a:endParaRPr lang="en-AU" sz="900" dirty="0"/>
+                        </a:p>
+                      </a:txBody>
+                      <a:tcPr anchor="ctr">
+                        <a:lnL>
+                          <a:noFill/>
+                        </a:lnL>
+                        <a:lnR>
+                          <a:noFill/>
+                        </a:lnR>
+                        <a:lnT>
+                          <a:noFill/>
+                        </a:lnT>
+                        <a:lnB>
+                          <a:noFill/>
+                        </a:lnB>
+                        <a:lnTlToBr w="12700" cmpd="sng">
+                          <a:noFill/>
+                          <a:prstDash val="solid"/>
+                        </a:lnTlToBr>
+                        <a:lnBlToTr w="12700" cmpd="sng">
+                          <a:noFill/>
+                          <a:prstDash val="solid"/>
+                        </a:lnBlToTr>
+                      </a:tcPr>
+                    </a:tc>
+                    <a:tc>
+                      <a:txBody>
+                        <a:bodyPr/>
+                        <a:lstStyle/>
+                        <a:p>
+                          <a:pPr algn="ctr"/>
+                          <a:r>
+                            <a:rPr lang="en-AU" sz="900" dirty="0" smtClean="0"/>
+                            <a:t>0</a:t>
+                          </a:r>
+                          <a:endParaRPr lang="en-AU" sz="900" dirty="0"/>
+                        </a:p>
+                      </a:txBody>
+                      <a:tcPr anchor="ctr">
+                        <a:lnL>
+                          <a:noFill/>
+                        </a:lnL>
+                        <a:lnR>
+                          <a:noFill/>
+                        </a:lnR>
+                        <a:lnT>
+                          <a:noFill/>
+                        </a:lnT>
+                        <a:lnB>
+                          <a:noFill/>
+                        </a:lnB>
+                        <a:lnTlToBr w="12700" cmpd="sng">
+                          <a:noFill/>
+                          <a:prstDash val="solid"/>
+                        </a:lnTlToBr>
+                        <a:lnBlToTr w="12700" cmpd="sng">
+                          <a:noFill/>
+                          <a:prstDash val="solid"/>
+                        </a:lnBlToTr>
+                      </a:tcPr>
+                    </a:tc>
+                    <a:tc>
+                      <a:txBody>
+                        <a:bodyPr/>
+                        <a:lstStyle/>
+                        <a:p>
+                          <a:pPr algn="ctr"/>
+                          <a:r>
+                            <a:rPr lang="en-AU" sz="900" dirty="0" smtClean="0"/>
+                            <a:t>0.994</a:t>
+                          </a:r>
+                          <a:endParaRPr lang="en-AU" sz="900" dirty="0"/>
+                        </a:p>
+                      </a:txBody>
+                      <a:tcPr anchor="ctr">
+                        <a:lnL>
+                          <a:noFill/>
+                        </a:lnL>
+                        <a:lnR>
+                          <a:noFill/>
+                        </a:lnR>
+                        <a:lnT>
+                          <a:noFill/>
+                        </a:lnT>
+                        <a:lnB>
+                          <a:noFill/>
+                        </a:lnB>
+                        <a:lnTlToBr w="12700" cmpd="sng">
+                          <a:noFill/>
+                          <a:prstDash val="solid"/>
+                        </a:lnTlToBr>
+                        <a:lnBlToTr w="12700" cmpd="sng">
+                          <a:noFill/>
+                          <a:prstDash val="solid"/>
+                        </a:lnBlToTr>
+                      </a:tcPr>
+                    </a:tc>
+                    <a:tc>
+                      <a:txBody>
+                        <a:bodyPr/>
+                        <a:lstStyle/>
+                        <a:p>
+                          <a:pPr algn="ctr"/>
+                          <a:r>
+                            <a:rPr lang="en-AU" sz="900" dirty="0" smtClean="0"/>
+                            <a:t>0.475</a:t>
+                          </a:r>
+                          <a:endParaRPr lang="en-AU" sz="900" dirty="0"/>
+                        </a:p>
+                      </a:txBody>
+                      <a:tcPr anchor="ctr">
+                        <a:lnL>
+                          <a:noFill/>
+                        </a:lnL>
+                        <a:lnR w="12700" cap="flat" cmpd="sng" algn="ctr">
+                          <a:solidFill>
+                            <a:schemeClr val="tx1"/>
+                          </a:solidFill>
+                          <a:prstDash val="solid"/>
+                          <a:round/>
+                          <a:headEnd type="none" w="med" len="med"/>
+                          <a:tailEnd type="none" w="med" len="med"/>
+                        </a:lnR>
+                        <a:lnT>
+                          <a:noFill/>
+                        </a:lnT>
+                        <a:lnB>
+                          <a:noFill/>
+                        </a:lnB>
+                        <a:lnTlToBr w="12700" cmpd="sng">
+                          <a:noFill/>
+                          <a:prstDash val="solid"/>
+                        </a:lnTlToBr>
+                        <a:lnBlToTr w="12700" cmpd="sng">
+                          <a:noFill/>
+                          <a:prstDash val="solid"/>
+                        </a:lnBlToTr>
+                      </a:tcPr>
+                    </a:tc>
+                    <a:extLst>
+                      <a:ext uri="{0D108BD9-81ED-4DB2-BD59-A6C34878D82A}">
+                        <a16:rowId xmlns="" xmlns:a16="http://schemas.microsoft.com/office/drawing/2014/main" xmlns:a14="http://schemas.microsoft.com/office/drawing/2010/main" val="2736953877"/>
+                      </a:ext>
+                    </a:extLst>
+                  </a:tr>
+                  <a:tr h="319896">
+                    <a:tc>
+                      <a:txBody>
+                        <a:bodyPr/>
+                        <a:lstStyle/>
+                        <a:p>
+                          <a:pPr algn="ctr" fontAlgn="b"/>
+                          <a:r>
+                            <a:rPr lang="en-AU" sz="900" u="none" strike="noStrike" dirty="0" smtClean="0">
+                              <a:effectLst/>
+                            </a:rPr>
+                            <a:t>YVDSVK</a:t>
+                          </a:r>
+                          <a:endParaRPr lang="en-AU" sz="900" b="0" i="0" u="none" strike="noStrike" dirty="0">
+                            <a:solidFill>
+                              <a:srgbClr val="000000"/>
+                            </a:solidFill>
+                            <a:effectLst/>
+                            <a:latin typeface="Calibri" panose="020F0502020204030204" pitchFamily="34" charset="0"/>
+                          </a:endParaRPr>
+                        </a:p>
+                      </a:txBody>
+                      <a:tcPr marL="9525" marR="9525" marT="9525" marB="0" anchor="ctr">
+                        <a:lnL w="12700" cap="flat" cmpd="sng" algn="ctr">
+                          <a:solidFill>
+                            <a:schemeClr val="tx1"/>
+                          </a:solidFill>
+                          <a:prstDash val="solid"/>
+                          <a:round/>
+                          <a:headEnd type="none" w="med" len="med"/>
+                          <a:tailEnd type="none" w="med" len="med"/>
+                        </a:lnL>
+                        <a:lnR>
+                          <a:noFill/>
+                        </a:lnR>
+                        <a:lnT>
+                          <a:noFill/>
+                        </a:lnT>
+                        <a:lnB>
+                          <a:noFill/>
+                        </a:lnB>
+                        <a:lnTlToBr w="12700" cmpd="sng">
+                          <a:noFill/>
+                          <a:prstDash val="solid"/>
+                        </a:lnTlToBr>
+                        <a:lnBlToTr w="12700" cmpd="sng">
+                          <a:noFill/>
+                          <a:prstDash val="solid"/>
+                        </a:lnBlToTr>
+                      </a:tcPr>
+                    </a:tc>
+                    <a:tc>
+                      <a:txBody>
+                        <a:bodyPr/>
+                        <a:lstStyle/>
+                        <a:p>
+                          <a:pPr algn="ctr"/>
+                          <a:r>
+                            <a:rPr lang="en-AU" sz="900" dirty="0" smtClean="0"/>
+                            <a:t>5</a:t>
+                          </a:r>
+                          <a:endParaRPr lang="en-AU" sz="900" dirty="0"/>
+                        </a:p>
+                      </a:txBody>
+                      <a:tcPr anchor="ctr">
+                        <a:lnL>
+                          <a:noFill/>
+                        </a:lnL>
+                        <a:lnR>
+                          <a:noFill/>
+                        </a:lnR>
+                        <a:lnT>
+                          <a:noFill/>
+                        </a:lnT>
+                        <a:lnB>
+                          <a:noFill/>
+                        </a:lnB>
+                        <a:lnTlToBr w="12700" cmpd="sng">
+                          <a:noFill/>
+                          <a:prstDash val="solid"/>
+                        </a:lnTlToBr>
+                        <a:lnBlToTr w="12700" cmpd="sng">
+                          <a:noFill/>
+                          <a:prstDash val="solid"/>
+                        </a:lnBlToTr>
+                      </a:tcPr>
+                    </a:tc>
+                    <a:tc>
+                      <a:txBody>
+                        <a:bodyPr/>
+                        <a:lstStyle/>
+                        <a:p>
+                          <a:pPr algn="ctr"/>
+                          <a:r>
+                            <a:rPr lang="en-AU" sz="900" dirty="0" smtClean="0"/>
+                            <a:t>0</a:t>
+                          </a:r>
+                          <a:endParaRPr lang="en-AU" sz="900" dirty="0"/>
+                        </a:p>
+                      </a:txBody>
+                      <a:tcPr anchor="ctr">
+                        <a:lnL>
+                          <a:noFill/>
+                        </a:lnL>
+                        <a:lnR>
+                          <a:noFill/>
+                        </a:lnR>
+                        <a:lnT>
+                          <a:noFill/>
+                        </a:lnT>
+                        <a:lnB>
+                          <a:noFill/>
+                        </a:lnB>
+                        <a:lnTlToBr w="12700" cmpd="sng">
+                          <a:noFill/>
+                          <a:prstDash val="solid"/>
+                        </a:lnTlToBr>
+                        <a:lnBlToTr w="12700" cmpd="sng">
+                          <a:noFill/>
+                          <a:prstDash val="solid"/>
+                        </a:lnBlToTr>
+                      </a:tcPr>
+                    </a:tc>
+                    <a:tc>
+                      <a:txBody>
+                        <a:bodyPr/>
+                        <a:lstStyle/>
+                        <a:p>
+                          <a:pPr algn="ctr"/>
+                          <a:r>
+                            <a:rPr lang="en-AU" sz="900" dirty="0" smtClean="0"/>
+                            <a:t>0.998</a:t>
+                          </a:r>
+                          <a:endParaRPr lang="en-AU" sz="900" dirty="0"/>
+                        </a:p>
+                      </a:txBody>
+                      <a:tcPr anchor="ctr">
+                        <a:lnL>
+                          <a:noFill/>
+                        </a:lnL>
+                        <a:lnR>
+                          <a:noFill/>
+                        </a:lnR>
+                        <a:lnT>
+                          <a:noFill/>
+                        </a:lnT>
+                        <a:lnB>
+                          <a:noFill/>
+                        </a:lnB>
+                        <a:lnTlToBr w="12700" cmpd="sng">
+                          <a:noFill/>
+                          <a:prstDash val="solid"/>
+                        </a:lnTlToBr>
+                        <a:lnBlToTr w="12700" cmpd="sng">
+                          <a:noFill/>
+                          <a:prstDash val="solid"/>
+                        </a:lnBlToTr>
+                      </a:tcPr>
+                    </a:tc>
+                    <a:tc>
+                      <a:txBody>
+                        <a:bodyPr/>
+                        <a:lstStyle/>
+                        <a:p>
+                          <a:pPr algn="ctr"/>
+                          <a:r>
+                            <a:rPr lang="en-AU" sz="900" dirty="0" smtClean="0"/>
+                            <a:t>0.300</a:t>
+                          </a:r>
+                          <a:endParaRPr lang="en-AU" sz="900" dirty="0"/>
+                        </a:p>
+                      </a:txBody>
+                      <a:tcPr anchor="ctr">
+                        <a:lnL>
+                          <a:noFill/>
+                        </a:lnL>
+                        <a:lnR w="12700" cap="flat" cmpd="sng" algn="ctr">
+                          <a:solidFill>
+                            <a:schemeClr val="tx1"/>
+                          </a:solidFill>
+                          <a:prstDash val="solid"/>
+                          <a:round/>
+                          <a:headEnd type="none" w="med" len="med"/>
+                          <a:tailEnd type="none" w="med" len="med"/>
+                        </a:lnR>
+                        <a:lnT>
+                          <a:noFill/>
+                        </a:lnT>
+                        <a:lnB>
+                          <a:noFill/>
+                        </a:lnB>
+                        <a:lnTlToBr w="12700" cmpd="sng">
+                          <a:noFill/>
+                          <a:prstDash val="solid"/>
+                        </a:lnTlToBr>
+                        <a:lnBlToTr w="12700" cmpd="sng">
+                          <a:noFill/>
+                          <a:prstDash val="solid"/>
+                        </a:lnBlToTr>
+                      </a:tcPr>
+                    </a:tc>
+                    <a:extLst>
+                      <a:ext uri="{0D108BD9-81ED-4DB2-BD59-A6C34878D82A}">
+                        <a16:rowId xmlns="" xmlns:a16="http://schemas.microsoft.com/office/drawing/2014/main" xmlns:a14="http://schemas.microsoft.com/office/drawing/2010/main" val="935999974"/>
+                      </a:ext>
+                    </a:extLst>
+                  </a:tr>
+                  <a:tr h="319896">
+                    <a:tc>
+                      <a:txBody>
+                        <a:bodyPr/>
+                        <a:lstStyle/>
+                        <a:p>
+                          <a:pPr algn="ctr"/>
+                          <a:r>
+                            <a:rPr lang="en-AU" sz="900" dirty="0" smtClean="0"/>
+                            <a:t>FYVDSVGK</a:t>
+                          </a:r>
+                          <a:endParaRPr lang="en-AU" sz="900" dirty="0"/>
+                        </a:p>
+                      </a:txBody>
+                      <a:tcPr anchor="ctr">
+                        <a:lnL w="12700" cap="flat" cmpd="sng" algn="ctr">
+                          <a:solidFill>
+                            <a:schemeClr val="tx1"/>
+                          </a:solidFill>
+                          <a:prstDash val="solid"/>
+                          <a:round/>
+                          <a:headEnd type="none" w="med" len="med"/>
+                          <a:tailEnd type="none" w="med" len="med"/>
+                        </a:lnL>
+                        <a:lnR>
+                          <a:noFill/>
+                        </a:lnR>
+                        <a:lnT>
+                          <a:noFill/>
+                        </a:lnT>
+                        <a:lnB>
+                          <a:noFill/>
+                        </a:lnB>
+                        <a:lnTlToBr w="12700" cmpd="sng">
+                          <a:noFill/>
+                          <a:prstDash val="solid"/>
+                        </a:lnTlToBr>
+                        <a:lnBlToTr w="12700" cmpd="sng">
+                          <a:noFill/>
+                          <a:prstDash val="solid"/>
+                        </a:lnBlToTr>
+                      </a:tcPr>
+                    </a:tc>
+                    <a:tc>
+                      <a:txBody>
+                        <a:bodyPr/>
+                        <a:lstStyle/>
+                        <a:p>
+                          <a:pPr algn="ctr"/>
+                          <a:r>
+                            <a:rPr lang="en-AU" sz="900" dirty="0"/>
+                            <a:t>3</a:t>
+                          </a:r>
+                        </a:p>
+                      </a:txBody>
+                      <a:tcPr anchor="ctr">
+                        <a:lnL>
+                          <a:noFill/>
+                        </a:lnL>
+                        <a:lnR>
+                          <a:noFill/>
+                        </a:lnR>
+                        <a:lnT>
+                          <a:noFill/>
+                        </a:lnT>
+                        <a:lnB>
+                          <a:noFill/>
+                        </a:lnB>
+                        <a:lnTlToBr w="12700" cmpd="sng">
+                          <a:noFill/>
+                          <a:prstDash val="solid"/>
+                        </a:lnTlToBr>
+                        <a:lnBlToTr w="12700" cmpd="sng">
+                          <a:noFill/>
+                          <a:prstDash val="solid"/>
+                        </a:lnBlToTr>
+                      </a:tcPr>
+                    </a:tc>
+                    <a:tc>
+                      <a:txBody>
+                        <a:bodyPr/>
+                        <a:lstStyle/>
+                        <a:p>
+                          <a:pPr algn="ctr"/>
+                          <a:r>
+                            <a:rPr lang="en-AU" sz="900" dirty="0" smtClean="0"/>
+                            <a:t>3</a:t>
+                          </a:r>
+                          <a:endParaRPr lang="en-AU" sz="900" dirty="0"/>
+                        </a:p>
+                      </a:txBody>
+                      <a:tcPr anchor="ctr">
+                        <a:lnL>
+                          <a:noFill/>
+                        </a:lnL>
+                        <a:lnR>
+                          <a:noFill/>
+                        </a:lnR>
+                        <a:lnT>
+                          <a:noFill/>
+                        </a:lnT>
+                        <a:lnB>
+                          <a:noFill/>
+                        </a:lnB>
+                        <a:lnTlToBr w="12700" cmpd="sng">
+                          <a:noFill/>
+                          <a:prstDash val="solid"/>
+                        </a:lnTlToBr>
+                        <a:lnBlToTr w="12700" cmpd="sng">
+                          <a:noFill/>
+                          <a:prstDash val="solid"/>
+                        </a:lnBlToTr>
+                      </a:tcPr>
+                    </a:tc>
+                    <a:tc>
+                      <a:txBody>
+                        <a:bodyPr/>
+                        <a:lstStyle/>
+                        <a:p>
+                          <a:pPr algn="ctr"/>
+                          <a:r>
+                            <a:rPr lang="en-AU" sz="900" dirty="0"/>
+                            <a:t>1</a:t>
+                          </a:r>
+                        </a:p>
+                      </a:txBody>
+                      <a:tcPr anchor="ctr">
+                        <a:lnL>
+                          <a:noFill/>
+                        </a:lnL>
+                        <a:lnR>
+                          <a:noFill/>
+                        </a:lnR>
+                        <a:lnT>
+                          <a:noFill/>
+                        </a:lnT>
+                        <a:lnB>
+                          <a:noFill/>
+                        </a:lnB>
+                        <a:lnTlToBr w="12700" cmpd="sng">
+                          <a:noFill/>
+                          <a:prstDash val="solid"/>
+                        </a:lnTlToBr>
+                        <a:lnBlToTr w="12700" cmpd="sng">
+                          <a:noFill/>
+                          <a:prstDash val="solid"/>
+                        </a:lnBlToTr>
+                      </a:tcPr>
+                    </a:tc>
+                    <a:tc>
+                      <a:txBody>
+                        <a:bodyPr/>
+                        <a:lstStyle/>
+                        <a:p>
+                          <a:pPr algn="ctr"/>
+                          <a:r>
+                            <a:rPr lang="en-AU" sz="900" dirty="0" smtClean="0"/>
+                            <a:t>0.500</a:t>
+                          </a:r>
+                          <a:endParaRPr lang="en-AU" sz="900" dirty="0"/>
+                        </a:p>
+                      </a:txBody>
+                      <a:tcPr anchor="ctr">
+                        <a:lnL>
+                          <a:noFill/>
+                        </a:lnL>
+                        <a:lnR w="12700" cap="flat" cmpd="sng" algn="ctr">
+                          <a:solidFill>
+                            <a:schemeClr val="tx1"/>
+                          </a:solidFill>
+                          <a:prstDash val="solid"/>
+                          <a:round/>
+                          <a:headEnd type="none" w="med" len="med"/>
+                          <a:tailEnd type="none" w="med" len="med"/>
+                        </a:lnR>
+                        <a:lnT>
+                          <a:noFill/>
+                        </a:lnT>
+                        <a:lnB>
+                          <a:noFill/>
+                        </a:lnB>
+                        <a:lnTlToBr w="12700" cmpd="sng">
+                          <a:noFill/>
+                          <a:prstDash val="solid"/>
+                        </a:lnTlToBr>
+                        <a:lnBlToTr w="12700" cmpd="sng">
+                          <a:noFill/>
+                          <a:prstDash val="solid"/>
+                        </a:lnBlToTr>
+                      </a:tcPr>
+                    </a:tc>
+                    <a:extLst>
+                      <a:ext uri="{0D108BD9-81ED-4DB2-BD59-A6C34878D82A}">
+                        <a16:rowId xmlns="" xmlns:a16="http://schemas.microsoft.com/office/drawing/2014/main" xmlns:a14="http://schemas.microsoft.com/office/drawing/2010/main" val="3527595651"/>
+                      </a:ext>
+                    </a:extLst>
+                  </a:tr>
+                  <a:tr h="319896">
+                    <a:tc>
+                      <a:txBody>
+                        <a:bodyPr/>
+                        <a:lstStyle/>
+                        <a:p>
+                          <a:pPr algn="ctr"/>
+                          <a:r>
+                            <a:rPr lang="en-AU" sz="900" dirty="0" smtClean="0"/>
+                            <a:t>WVANLK</a:t>
+                          </a:r>
+                          <a:endParaRPr lang="en-AU" sz="900" dirty="0"/>
+                        </a:p>
+                      </a:txBody>
+                      <a:tcPr anchor="ctr">
+                        <a:lnL w="12700" cap="flat" cmpd="sng" algn="ctr">
+                          <a:solidFill>
+                            <a:schemeClr val="tx1"/>
+                          </a:solidFill>
+                          <a:prstDash val="solid"/>
+                          <a:round/>
+                          <a:headEnd type="none" w="med" len="med"/>
+                          <a:tailEnd type="none" w="med" len="med"/>
+                        </a:lnL>
+                        <a:lnR>
+                          <a:noFill/>
+                        </a:lnR>
+                        <a:lnT>
+                          <a:noFill/>
+                        </a:lnT>
+                        <a:lnB>
+                          <a:noFill/>
+                        </a:lnB>
+                        <a:lnTlToBr w="12700" cmpd="sng">
+                          <a:noFill/>
+                          <a:prstDash val="solid"/>
+                        </a:lnTlToBr>
+                        <a:lnBlToTr w="12700" cmpd="sng">
+                          <a:noFill/>
+                          <a:prstDash val="solid"/>
+                        </a:lnBlToTr>
+                      </a:tcPr>
+                    </a:tc>
+                    <a:tc>
+                      <a:txBody>
+                        <a:bodyPr/>
+                        <a:lstStyle/>
+                        <a:p>
+                          <a:pPr algn="ctr"/>
+                          <a:r>
+                            <a:rPr lang="en-AU" sz="900" dirty="0" smtClean="0"/>
+                            <a:t>2</a:t>
+                          </a:r>
+                          <a:endParaRPr lang="en-AU" sz="900" dirty="0"/>
+                        </a:p>
+                      </a:txBody>
+                      <a:tcPr anchor="ctr">
+                        <a:lnL>
+                          <a:noFill/>
+                        </a:lnL>
+                        <a:lnR>
+                          <a:noFill/>
+                        </a:lnR>
+                        <a:lnT>
+                          <a:noFill/>
+                        </a:lnT>
+                        <a:lnB>
+                          <a:noFill/>
+                        </a:lnB>
+                        <a:lnTlToBr w="12700" cmpd="sng">
+                          <a:noFill/>
+                          <a:prstDash val="solid"/>
+                        </a:lnTlToBr>
+                        <a:lnBlToTr w="12700" cmpd="sng">
+                          <a:noFill/>
+                          <a:prstDash val="solid"/>
+                        </a:lnBlToTr>
+                      </a:tcPr>
+                    </a:tc>
+                    <a:tc>
+                      <a:txBody>
+                        <a:bodyPr/>
+                        <a:lstStyle/>
+                        <a:p>
+                          <a:pPr algn="ctr"/>
+                          <a:r>
+                            <a:rPr lang="en-AU" sz="900" dirty="0"/>
+                            <a:t>0</a:t>
+                          </a:r>
+                        </a:p>
+                      </a:txBody>
+                      <a:tcPr anchor="ctr">
+                        <a:lnL>
+                          <a:noFill/>
+                        </a:lnL>
+                        <a:lnR>
+                          <a:noFill/>
+                        </a:lnR>
+                        <a:lnT>
+                          <a:noFill/>
+                        </a:lnT>
+                        <a:lnB>
+                          <a:noFill/>
+                        </a:lnB>
+                        <a:lnTlToBr w="12700" cmpd="sng">
+                          <a:noFill/>
+                          <a:prstDash val="solid"/>
+                        </a:lnTlToBr>
+                        <a:lnBlToTr w="12700" cmpd="sng">
+                          <a:noFill/>
+                          <a:prstDash val="solid"/>
+                        </a:lnBlToTr>
+                      </a:tcPr>
+                    </a:tc>
+                    <a:tc>
+                      <a:txBody>
+                        <a:bodyPr/>
+                        <a:lstStyle/>
+                        <a:p>
+                          <a:pPr algn="ctr"/>
+                          <a:r>
+                            <a:rPr lang="en-AU" sz="900" dirty="0"/>
+                            <a:t>1</a:t>
+                          </a:r>
+                        </a:p>
+                      </a:txBody>
+                      <a:tcPr anchor="ctr">
+                        <a:lnL>
+                          <a:noFill/>
+                        </a:lnL>
+                        <a:lnR>
+                          <a:noFill/>
+                        </a:lnR>
+                        <a:lnT>
+                          <a:noFill/>
+                        </a:lnT>
+                        <a:lnB>
+                          <a:noFill/>
+                        </a:lnB>
+                        <a:lnTlToBr w="12700" cmpd="sng">
+                          <a:noFill/>
+                          <a:prstDash val="solid"/>
+                        </a:lnTlToBr>
+                        <a:lnBlToTr w="12700" cmpd="sng">
+                          <a:noFill/>
+                          <a:prstDash val="solid"/>
+                        </a:lnBlToTr>
+                      </a:tcPr>
+                    </a:tc>
+                    <a:tc>
+                      <a:txBody>
+                        <a:bodyPr/>
+                        <a:lstStyle/>
+                        <a:p>
+                          <a:pPr algn="ctr"/>
+                          <a:r>
+                            <a:rPr lang="en-AU" sz="900" dirty="0"/>
+                            <a:t>1</a:t>
+                          </a:r>
+                        </a:p>
+                      </a:txBody>
+                      <a:tcPr anchor="ctr">
+                        <a:lnL>
+                          <a:noFill/>
+                        </a:lnL>
+                        <a:lnR w="12700" cap="flat" cmpd="sng" algn="ctr">
+                          <a:solidFill>
+                            <a:schemeClr val="tx1"/>
+                          </a:solidFill>
+                          <a:prstDash val="solid"/>
+                          <a:round/>
+                          <a:headEnd type="none" w="med" len="med"/>
+                          <a:tailEnd type="none" w="med" len="med"/>
+                        </a:lnR>
+                        <a:lnT>
+                          <a:noFill/>
+                        </a:lnT>
+                        <a:lnB>
+                          <a:noFill/>
+                        </a:lnB>
+                        <a:lnTlToBr w="12700" cmpd="sng">
+                          <a:noFill/>
+                          <a:prstDash val="solid"/>
+                        </a:lnTlToBr>
+                        <a:lnBlToTr w="12700" cmpd="sng">
+                          <a:noFill/>
+                          <a:prstDash val="solid"/>
+                        </a:lnBlToTr>
+                      </a:tcPr>
+                    </a:tc>
+                    <a:extLst>
+                      <a:ext uri="{0D108BD9-81ED-4DB2-BD59-A6C34878D82A}">
+                        <a16:rowId xmlns="" xmlns:a16="http://schemas.microsoft.com/office/drawing/2014/main" xmlns:a14="http://schemas.microsoft.com/office/drawing/2010/main" val="2500584138"/>
+                      </a:ext>
+                    </a:extLst>
+                  </a:tr>
+                  <a:tr h="319896">
+                    <a:tc>
+                      <a:txBody>
+                        <a:bodyPr/>
+                        <a:lstStyle/>
+                        <a:p>
+                          <a:pPr algn="ctr"/>
+                          <a:r>
+                            <a:rPr lang="en-AU" sz="900" dirty="0" smtClean="0"/>
+                            <a:t>YYTDSVK</a:t>
+                          </a:r>
+                          <a:endParaRPr lang="en-AU" sz="900" dirty="0"/>
+                        </a:p>
+                      </a:txBody>
+                      <a:tcPr anchor="ctr">
+                        <a:lnL w="12700" cap="flat" cmpd="sng" algn="ctr">
+                          <a:solidFill>
+                            <a:schemeClr val="tx1"/>
+                          </a:solidFill>
+                          <a:prstDash val="solid"/>
+                          <a:round/>
+                          <a:headEnd type="none" w="med" len="med"/>
+                          <a:tailEnd type="none" w="med" len="med"/>
+                        </a:lnL>
+                        <a:lnR>
+                          <a:noFill/>
+                        </a:lnR>
+                        <a:lnT>
+                          <a:noFill/>
+                        </a:lnT>
+                        <a:lnB>
+                          <a:noFill/>
+                        </a:lnB>
+                        <a:lnTlToBr w="12700" cmpd="sng">
+                          <a:noFill/>
+                          <a:prstDash val="solid"/>
+                        </a:lnTlToBr>
+                        <a:lnBlToTr w="12700" cmpd="sng">
+                          <a:noFill/>
+                          <a:prstDash val="solid"/>
+                        </a:lnBlToTr>
+                      </a:tcPr>
+                    </a:tc>
+                    <a:tc>
+                      <a:txBody>
+                        <a:bodyPr/>
+                        <a:lstStyle/>
+                        <a:p>
+                          <a:pPr algn="ctr"/>
+                          <a:r>
+                            <a:rPr lang="en-AU" sz="900" dirty="0" smtClean="0"/>
+                            <a:t>3</a:t>
+                          </a:r>
+                          <a:endParaRPr lang="en-AU" sz="900" dirty="0"/>
+                        </a:p>
+                      </a:txBody>
+                      <a:tcPr anchor="ctr">
+                        <a:lnL>
+                          <a:noFill/>
+                        </a:lnL>
+                        <a:lnR>
+                          <a:noFill/>
+                        </a:lnR>
+                        <a:lnT>
+                          <a:noFill/>
+                        </a:lnT>
+                        <a:lnB>
+                          <a:noFill/>
+                        </a:lnB>
+                        <a:lnTlToBr w="12700" cmpd="sng">
+                          <a:noFill/>
+                          <a:prstDash val="solid"/>
+                        </a:lnTlToBr>
+                        <a:lnBlToTr w="12700" cmpd="sng">
+                          <a:noFill/>
+                          <a:prstDash val="solid"/>
+                        </a:lnBlToTr>
+                      </a:tcPr>
+                    </a:tc>
+                    <a:tc>
+                      <a:txBody>
+                        <a:bodyPr/>
+                        <a:lstStyle/>
+                        <a:p>
+                          <a:pPr algn="ctr"/>
+                          <a:r>
+                            <a:rPr lang="en-AU" sz="900" dirty="0"/>
+                            <a:t>1</a:t>
+                          </a:r>
+                        </a:p>
+                      </a:txBody>
+                      <a:tcPr anchor="ctr">
+                        <a:lnL>
+                          <a:noFill/>
+                        </a:lnL>
+                        <a:lnR>
+                          <a:noFill/>
+                        </a:lnR>
+                        <a:lnT>
+                          <a:noFill/>
+                        </a:lnT>
+                        <a:lnB>
+                          <a:noFill/>
+                        </a:lnB>
+                        <a:lnTlToBr w="12700" cmpd="sng">
+                          <a:noFill/>
+                          <a:prstDash val="solid"/>
+                        </a:lnTlToBr>
+                        <a:lnBlToTr w="12700" cmpd="sng">
+                          <a:noFill/>
+                          <a:prstDash val="solid"/>
+                        </a:lnBlToTr>
+                      </a:tcPr>
+                    </a:tc>
+                    <a:tc>
+                      <a:txBody>
+                        <a:bodyPr/>
+                        <a:lstStyle/>
+                        <a:p>
+                          <a:pPr algn="ctr"/>
+                          <a:r>
+                            <a:rPr lang="en-AU" sz="900" dirty="0" smtClean="0"/>
+                            <a:t>0.568</a:t>
+                          </a:r>
+                          <a:endParaRPr lang="en-AU" sz="900" dirty="0"/>
+                        </a:p>
+                      </a:txBody>
+                      <a:tcPr anchor="ctr">
+                        <a:lnL>
+                          <a:noFill/>
+                        </a:lnL>
+                        <a:lnR>
+                          <a:noFill/>
+                        </a:lnR>
+                        <a:lnT>
+                          <a:noFill/>
+                        </a:lnT>
+                        <a:lnB>
+                          <a:noFill/>
+                        </a:lnB>
+                        <a:lnTlToBr w="12700" cmpd="sng">
+                          <a:noFill/>
+                          <a:prstDash val="solid"/>
+                        </a:lnTlToBr>
+                        <a:lnBlToTr w="12700" cmpd="sng">
+                          <a:noFill/>
+                          <a:prstDash val="solid"/>
+                        </a:lnBlToTr>
+                      </a:tcPr>
+                    </a:tc>
+                    <a:tc>
+                      <a:txBody>
+                        <a:bodyPr/>
+                        <a:lstStyle/>
+                        <a:p>
+                          <a:pPr algn="ctr"/>
+                          <a:r>
+                            <a:rPr lang="en-AU" sz="900" dirty="0" smtClean="0"/>
+                            <a:t>0.075</a:t>
+                          </a:r>
+                          <a:endParaRPr lang="en-AU" sz="900" dirty="0"/>
+                        </a:p>
+                      </a:txBody>
+                      <a:tcPr anchor="ctr">
+                        <a:lnL>
+                          <a:noFill/>
+                        </a:lnL>
+                        <a:lnR w="12700" cap="flat" cmpd="sng" algn="ctr">
+                          <a:solidFill>
+                            <a:schemeClr val="tx1"/>
+                          </a:solidFill>
+                          <a:prstDash val="solid"/>
+                          <a:round/>
+                          <a:headEnd type="none" w="med" len="med"/>
+                          <a:tailEnd type="none" w="med" len="med"/>
+                        </a:lnR>
+                        <a:lnT>
+                          <a:noFill/>
+                        </a:lnT>
+                        <a:lnB>
+                          <a:noFill/>
+                        </a:lnB>
+                        <a:lnTlToBr w="12700" cmpd="sng">
+                          <a:noFill/>
+                          <a:prstDash val="solid"/>
+                        </a:lnTlToBr>
+                        <a:lnBlToTr w="12700" cmpd="sng">
+                          <a:noFill/>
+                          <a:prstDash val="solid"/>
+                        </a:lnBlToTr>
+                      </a:tcPr>
+                    </a:tc>
+                    <a:extLst>
+                      <a:ext uri="{0D108BD9-81ED-4DB2-BD59-A6C34878D82A}">
+                        <a16:rowId xmlns="" xmlns:a16="http://schemas.microsoft.com/office/drawing/2014/main" xmlns:a14="http://schemas.microsoft.com/office/drawing/2010/main" val="1644191295"/>
+                      </a:ext>
+                    </a:extLst>
+                  </a:tr>
+                  <a:tr h="319896">
+                    <a:tc>
+                      <a:txBody>
+                        <a:bodyPr/>
+                        <a:lstStyle/>
+                        <a:p>
+                          <a:pPr algn="ctr"/>
+                          <a:r>
+                            <a:rPr lang="en-AU" sz="900" dirty="0" smtClean="0"/>
+                            <a:t>YYGDSVK</a:t>
+                          </a:r>
+                          <a:endParaRPr lang="en-AU" sz="900" dirty="0"/>
+                        </a:p>
+                      </a:txBody>
+                      <a:tcPr anchor="ctr">
+                        <a:lnL w="12700" cap="flat" cmpd="sng" algn="ctr">
+                          <a:solidFill>
+                            <a:schemeClr val="tx1"/>
+                          </a:solidFill>
+                          <a:prstDash val="solid"/>
+                          <a:round/>
+                          <a:headEnd type="none" w="med" len="med"/>
+                          <a:tailEnd type="none" w="med" len="med"/>
+                        </a:lnL>
+                        <a:lnR>
+                          <a:noFill/>
+                        </a:lnR>
+                        <a:lnT>
+                          <a:noFill/>
+                        </a:lnT>
+                        <a:lnB>
+                          <a:noFill/>
+                        </a:lnB>
+                        <a:lnTlToBr w="12700" cmpd="sng">
+                          <a:noFill/>
+                          <a:prstDash val="solid"/>
+                        </a:lnTlToBr>
+                        <a:lnBlToTr w="12700" cmpd="sng">
+                          <a:noFill/>
+                          <a:prstDash val="solid"/>
+                        </a:lnBlToTr>
+                      </a:tcPr>
+                    </a:tc>
+                    <a:tc>
+                      <a:txBody>
+                        <a:bodyPr/>
+                        <a:lstStyle/>
+                        <a:p>
+                          <a:pPr algn="ctr"/>
+                          <a:r>
+                            <a:rPr lang="en-AU" sz="900" dirty="0" smtClean="0"/>
+                            <a:t>3</a:t>
+                          </a:r>
+                          <a:endParaRPr lang="en-AU" sz="900" dirty="0"/>
+                        </a:p>
+                      </a:txBody>
+                      <a:tcPr anchor="ctr">
+                        <a:lnL>
+                          <a:noFill/>
+                        </a:lnL>
+                        <a:lnR>
+                          <a:noFill/>
+                        </a:lnR>
+                        <a:lnT>
+                          <a:noFill/>
+                        </a:lnT>
+                        <a:lnB>
+                          <a:noFill/>
+                        </a:lnB>
+                        <a:lnTlToBr w="12700" cmpd="sng">
+                          <a:noFill/>
+                          <a:prstDash val="solid"/>
+                        </a:lnTlToBr>
+                        <a:lnBlToTr w="12700" cmpd="sng">
+                          <a:noFill/>
+                          <a:prstDash val="solid"/>
+                        </a:lnBlToTr>
+                      </a:tcPr>
+                    </a:tc>
+                    <a:tc>
+                      <a:txBody>
+                        <a:bodyPr/>
+                        <a:lstStyle/>
+                        <a:p>
+                          <a:pPr algn="ctr"/>
+                          <a:r>
+                            <a:rPr lang="en-AU" sz="900" dirty="0" smtClean="0"/>
+                            <a:t>1</a:t>
+                          </a:r>
+                          <a:endParaRPr lang="en-AU" sz="900" dirty="0"/>
+                        </a:p>
+                      </a:txBody>
+                      <a:tcPr anchor="ctr">
+                        <a:lnL>
+                          <a:noFill/>
+                        </a:lnL>
+                        <a:lnR>
+                          <a:noFill/>
+                        </a:lnR>
+                        <a:lnT>
+                          <a:noFill/>
+                        </a:lnT>
+                        <a:lnB>
+                          <a:noFill/>
+                        </a:lnB>
+                        <a:lnTlToBr w="12700" cmpd="sng">
+                          <a:noFill/>
+                          <a:prstDash val="solid"/>
+                        </a:lnTlToBr>
+                        <a:lnBlToTr w="12700" cmpd="sng">
+                          <a:noFill/>
+                          <a:prstDash val="solid"/>
+                        </a:lnBlToTr>
+                      </a:tcPr>
+                    </a:tc>
+                    <a:tc>
+                      <a:txBody>
+                        <a:bodyPr/>
+                        <a:lstStyle/>
+                        <a:p>
+                          <a:pPr algn="ctr"/>
+                          <a:r>
+                            <a:rPr lang="en-AU" sz="900" dirty="0" smtClean="0"/>
+                            <a:t>0.475</a:t>
+                          </a:r>
+                          <a:endParaRPr lang="en-AU" sz="900" dirty="0"/>
+                        </a:p>
+                      </a:txBody>
+                      <a:tcPr anchor="ctr">
+                        <a:lnL>
+                          <a:noFill/>
+                        </a:lnL>
+                        <a:lnR>
+                          <a:noFill/>
+                        </a:lnR>
+                        <a:lnT>
+                          <a:noFill/>
+                        </a:lnT>
+                        <a:lnB>
+                          <a:noFill/>
+                        </a:lnB>
+                        <a:lnTlToBr w="12700" cmpd="sng">
+                          <a:noFill/>
+                          <a:prstDash val="solid"/>
+                        </a:lnTlToBr>
+                        <a:lnBlToTr w="12700" cmpd="sng">
+                          <a:noFill/>
+                          <a:prstDash val="solid"/>
+                        </a:lnBlToTr>
+                      </a:tcPr>
+                    </a:tc>
+                    <a:tc>
+                      <a:txBody>
+                        <a:bodyPr/>
+                        <a:lstStyle/>
+                        <a:p>
+                          <a:pPr algn="ctr"/>
+                          <a:r>
+                            <a:rPr lang="en-AU" sz="900" dirty="0" smtClean="0"/>
+                            <a:t>0.056</a:t>
+                          </a:r>
+                          <a:endParaRPr lang="en-AU" sz="900" dirty="0"/>
+                        </a:p>
+                      </a:txBody>
+                      <a:tcPr anchor="ctr">
+                        <a:lnL>
+                          <a:noFill/>
+                        </a:lnL>
+                        <a:lnR w="12700" cap="flat" cmpd="sng" algn="ctr">
+                          <a:solidFill>
+                            <a:schemeClr val="tx1"/>
+                          </a:solidFill>
+                          <a:prstDash val="solid"/>
+                          <a:round/>
+                          <a:headEnd type="none" w="med" len="med"/>
+                          <a:tailEnd type="none" w="med" len="med"/>
+                        </a:lnR>
+                        <a:lnT>
+                          <a:noFill/>
+                        </a:lnT>
+                        <a:lnB>
+                          <a:noFill/>
+                        </a:lnB>
+                        <a:lnTlToBr w="12700" cmpd="sng">
+                          <a:noFill/>
+                          <a:prstDash val="solid"/>
+                        </a:lnTlToBr>
+                        <a:lnBlToTr w="12700" cmpd="sng">
+                          <a:noFill/>
+                          <a:prstDash val="solid"/>
+                        </a:lnBlToTr>
+                      </a:tcPr>
+                    </a:tc>
+                    <a:extLst>
+                      <a:ext uri="{0D108BD9-81ED-4DB2-BD59-A6C34878D82A}">
+                        <a16:rowId xmlns="" xmlns:a16="http://schemas.microsoft.com/office/drawing/2014/main" xmlns:a14="http://schemas.microsoft.com/office/drawing/2010/main" val="2249276370"/>
+                      </a:ext>
+                    </a:extLst>
+                  </a:tr>
+                  <a:tr h="319896">
+                    <a:tc>
+                      <a:txBody>
+                        <a:bodyPr/>
+                        <a:lstStyle/>
+                        <a:p>
+                          <a:pPr algn="ctr"/>
+                          <a:r>
+                            <a:rPr lang="en-AU" sz="900" dirty="0" smtClean="0"/>
+                            <a:t>FGYVDSVK</a:t>
+                          </a:r>
+                          <a:endParaRPr lang="en-AU" sz="900" dirty="0"/>
+                        </a:p>
+                      </a:txBody>
+                      <a:tcPr anchor="ctr">
+                        <a:lnL w="12700" cap="flat" cmpd="sng" algn="ctr">
+                          <a:solidFill>
+                            <a:schemeClr val="tx1"/>
+                          </a:solidFill>
+                          <a:prstDash val="solid"/>
+                          <a:round/>
+                          <a:headEnd type="none" w="med" len="med"/>
+                          <a:tailEnd type="none" w="med" len="med"/>
+                        </a:lnL>
+                        <a:lnR>
+                          <a:noFill/>
+                        </a:lnR>
+                        <a:lnT>
+                          <a:noFill/>
+                        </a:lnT>
+                        <a:lnB>
+                          <a:noFill/>
+                        </a:lnB>
+                        <a:lnTlToBr w="12700" cmpd="sng">
+                          <a:noFill/>
+                          <a:prstDash val="solid"/>
+                        </a:lnTlToBr>
+                        <a:lnBlToTr w="12700" cmpd="sng">
+                          <a:noFill/>
+                          <a:prstDash val="solid"/>
+                        </a:lnBlToTr>
+                      </a:tcPr>
+                    </a:tc>
+                    <a:tc>
+                      <a:txBody>
+                        <a:bodyPr/>
+                        <a:lstStyle/>
+                        <a:p>
+                          <a:pPr algn="ctr"/>
+                          <a:r>
+                            <a:rPr lang="en-AU" sz="900" dirty="0"/>
+                            <a:t>3</a:t>
+                          </a:r>
+                          <a:endParaRPr lang="en-AU" sz="900" dirty="0"/>
+                        </a:p>
+                      </a:txBody>
+                      <a:tcPr anchor="ctr">
+                        <a:lnL>
+                          <a:noFill/>
+                        </a:lnL>
+                        <a:lnR>
+                          <a:noFill/>
+                        </a:lnR>
+                        <a:lnT>
+                          <a:noFill/>
+                        </a:lnT>
+                        <a:lnB>
+                          <a:noFill/>
+                        </a:lnB>
+                        <a:lnTlToBr w="12700" cmpd="sng">
+                          <a:noFill/>
+                          <a:prstDash val="solid"/>
+                        </a:lnTlToBr>
+                        <a:lnBlToTr w="12700" cmpd="sng">
+                          <a:noFill/>
+                          <a:prstDash val="solid"/>
+                        </a:lnBlToTr>
+                      </a:tcPr>
+                    </a:tc>
+                    <a:tc>
+                      <a:txBody>
+                        <a:bodyPr/>
+                        <a:lstStyle/>
+                        <a:p>
+                          <a:pPr algn="ctr"/>
+                          <a:r>
+                            <a:rPr lang="en-AU" sz="900" dirty="0"/>
+                            <a:t>2</a:t>
+                          </a:r>
+                        </a:p>
+                      </a:txBody>
+                      <a:tcPr anchor="ctr">
+                        <a:lnL>
+                          <a:noFill/>
+                        </a:lnL>
+                        <a:lnR>
+                          <a:noFill/>
+                        </a:lnR>
+                        <a:lnT>
+                          <a:noFill/>
+                        </a:lnT>
+                        <a:lnB>
+                          <a:noFill/>
+                        </a:lnB>
+                        <a:lnTlToBr w="12700" cmpd="sng">
+                          <a:noFill/>
+                          <a:prstDash val="solid"/>
+                        </a:lnTlToBr>
+                        <a:lnBlToTr w="12700" cmpd="sng">
+                          <a:noFill/>
+                          <a:prstDash val="solid"/>
+                        </a:lnBlToTr>
+                      </a:tcPr>
+                    </a:tc>
+                    <a:tc>
+                      <a:txBody>
+                        <a:bodyPr/>
+                        <a:lstStyle/>
+                        <a:p>
+                          <a:pPr algn="ctr"/>
+                          <a:r>
+                            <a:rPr lang="en-AU" sz="900" dirty="0" smtClean="0"/>
+                            <a:t>0.437</a:t>
+                          </a:r>
+                          <a:endParaRPr lang="en-AU" sz="900" dirty="0"/>
+                        </a:p>
+                      </a:txBody>
+                      <a:tcPr anchor="ctr">
+                        <a:lnL>
+                          <a:noFill/>
+                        </a:lnL>
+                        <a:lnR>
+                          <a:noFill/>
+                        </a:lnR>
+                        <a:lnT>
+                          <a:noFill/>
+                        </a:lnT>
+                        <a:lnB>
+                          <a:noFill/>
+                        </a:lnB>
+                        <a:lnTlToBr w="12700" cmpd="sng">
+                          <a:noFill/>
+                          <a:prstDash val="solid"/>
+                        </a:lnTlToBr>
+                        <a:lnBlToTr w="12700" cmpd="sng">
+                          <a:noFill/>
+                          <a:prstDash val="solid"/>
+                        </a:lnBlToTr>
+                      </a:tcPr>
+                    </a:tc>
+                    <a:tc>
+                      <a:txBody>
+                        <a:bodyPr/>
+                        <a:lstStyle/>
+                        <a:p>
+                          <a:pPr algn="ctr"/>
+                          <a:r>
+                            <a:rPr lang="en-AU" sz="900" dirty="0" smtClean="0"/>
+                            <a:t>0.033</a:t>
+                          </a:r>
+                          <a:endParaRPr lang="en-AU" sz="900" dirty="0"/>
+                        </a:p>
+                      </a:txBody>
+                      <a:tcPr anchor="ctr">
+                        <a:lnL>
+                          <a:noFill/>
+                        </a:lnL>
+                        <a:lnR w="12700" cap="flat" cmpd="sng" algn="ctr">
+                          <a:solidFill>
+                            <a:schemeClr val="tx1"/>
+                          </a:solidFill>
+                          <a:prstDash val="solid"/>
+                          <a:round/>
+                          <a:headEnd type="none" w="med" len="med"/>
+                          <a:tailEnd type="none" w="med" len="med"/>
+                        </a:lnR>
+                        <a:lnT>
+                          <a:noFill/>
+                        </a:lnT>
+                        <a:lnB>
+                          <a:noFill/>
+                        </a:lnB>
+                        <a:lnTlToBr w="12700" cmpd="sng">
+                          <a:noFill/>
+                          <a:prstDash val="solid"/>
+                        </a:lnTlToBr>
+                        <a:lnBlToTr w="12700" cmpd="sng">
+                          <a:noFill/>
+                          <a:prstDash val="solid"/>
+                        </a:lnBlToTr>
+                      </a:tcPr>
+                    </a:tc>
+                    <a:extLst>
+                      <a:ext uri="{0D108BD9-81ED-4DB2-BD59-A6C34878D82A}">
+                        <a16:rowId xmlns="" xmlns:a16="http://schemas.microsoft.com/office/drawing/2014/main" xmlns:a14="http://schemas.microsoft.com/office/drawing/2010/main" val="889951462"/>
+                      </a:ext>
+                    </a:extLst>
+                  </a:tr>
+                  <a:tr h="319896">
+                    <a:tc>
+                      <a:txBody>
+                        <a:bodyPr/>
+                        <a:lstStyle/>
+                        <a:p>
+                          <a:pPr algn="ctr"/>
+                          <a:r>
+                            <a:rPr lang="en-AU" sz="900" dirty="0" smtClean="0"/>
+                            <a:t>YYADSVK</a:t>
+                          </a:r>
+                          <a:endParaRPr lang="en-AU" sz="900" dirty="0"/>
+                        </a:p>
+                      </a:txBody>
+                      <a:tcPr anchor="ctr">
+                        <a:lnL w="12700" cap="flat" cmpd="sng" algn="ctr">
+                          <a:solidFill>
+                            <a:schemeClr val="tx1"/>
+                          </a:solidFill>
+                          <a:prstDash val="solid"/>
+                          <a:round/>
+                          <a:headEnd type="none" w="med" len="med"/>
+                          <a:tailEnd type="none" w="med" len="med"/>
+                        </a:lnL>
+                        <a:lnR>
+                          <a:noFill/>
+                        </a:lnR>
+                        <a:lnT>
+                          <a:noFill/>
+                        </a:lnT>
+                        <a:lnB w="12700" cap="flat" cmpd="sng" algn="ctr">
+                          <a:solidFill>
+                            <a:schemeClr val="tx1"/>
+                          </a:solidFill>
+                          <a:prstDash val="solid"/>
+                          <a:round/>
+                          <a:headEnd type="none" w="med" len="med"/>
+                          <a:tailEnd type="none" w="med" len="med"/>
+                        </a:lnB>
+                        <a:lnTlToBr w="12700" cmpd="sng">
+                          <a:noFill/>
+                          <a:prstDash val="solid"/>
+                        </a:lnTlToBr>
+                        <a:lnBlToTr w="12700" cmpd="sng">
+                          <a:noFill/>
+                          <a:prstDash val="solid"/>
+                        </a:lnBlToTr>
+                      </a:tcPr>
+                    </a:tc>
+                    <a:tc>
+                      <a:txBody>
+                        <a:bodyPr/>
+                        <a:lstStyle/>
+                        <a:p>
+                          <a:pPr algn="ctr"/>
+                          <a:r>
+                            <a:rPr lang="en-AU" sz="900" dirty="0" smtClean="0"/>
+                            <a:t>13</a:t>
+                          </a:r>
+                          <a:endParaRPr lang="en-AU" sz="900" dirty="0"/>
+                        </a:p>
+                      </a:txBody>
+                      <a:tcPr anchor="ctr">
+                        <a:lnL>
+                          <a:noFill/>
+                        </a:lnL>
+                        <a:lnR>
+                          <a:noFill/>
+                        </a:lnR>
+                        <a:lnT>
+                          <a:noFill/>
+                        </a:lnT>
+                        <a:lnB w="12700" cap="flat" cmpd="sng" algn="ctr">
+                          <a:solidFill>
+                            <a:schemeClr val="tx1"/>
+                          </a:solidFill>
+                          <a:prstDash val="solid"/>
+                          <a:round/>
+                          <a:headEnd type="none" w="med" len="med"/>
+                          <a:tailEnd type="none" w="med" len="med"/>
+                        </a:lnB>
+                        <a:lnTlToBr w="12700" cmpd="sng">
+                          <a:noFill/>
+                          <a:prstDash val="solid"/>
+                        </a:lnTlToBr>
+                        <a:lnBlToTr w="12700" cmpd="sng">
+                          <a:noFill/>
+                          <a:prstDash val="solid"/>
+                        </a:lnBlToTr>
+                      </a:tcPr>
+                    </a:tc>
+                    <a:tc>
+                      <a:txBody>
+                        <a:bodyPr/>
+                        <a:lstStyle/>
+                        <a:p>
+                          <a:pPr algn="ctr"/>
+                          <a:r>
+                            <a:rPr lang="en-AU" sz="900" dirty="0" smtClean="0"/>
+                            <a:t>1</a:t>
+                          </a:r>
+                          <a:endParaRPr lang="en-AU" sz="900" dirty="0"/>
+                        </a:p>
+                      </a:txBody>
+                      <a:tcPr anchor="ctr">
+                        <a:lnL>
+                          <a:noFill/>
+                        </a:lnL>
+                        <a:lnR>
+                          <a:noFill/>
+                        </a:lnR>
+                        <a:lnT>
+                          <a:noFill/>
+                        </a:lnT>
+                        <a:lnB w="12700" cap="flat" cmpd="sng" algn="ctr">
+                          <a:solidFill>
+                            <a:schemeClr val="tx1"/>
+                          </a:solidFill>
+                          <a:prstDash val="solid"/>
+                          <a:round/>
+                          <a:headEnd type="none" w="med" len="med"/>
+                          <a:tailEnd type="none" w="med" len="med"/>
+                        </a:lnB>
+                        <a:lnTlToBr w="12700" cmpd="sng">
+                          <a:noFill/>
+                          <a:prstDash val="solid"/>
+                        </a:lnTlToBr>
+                        <a:lnBlToTr w="12700" cmpd="sng">
+                          <a:noFill/>
+                          <a:prstDash val="solid"/>
+                        </a:lnBlToTr>
+                      </a:tcPr>
+                    </a:tc>
+                    <a:tc>
+                      <a:txBody>
+                        <a:bodyPr/>
+                        <a:lstStyle/>
+                        <a:p>
+                          <a:pPr algn="ctr"/>
+                          <a:r>
+                            <a:rPr lang="en-AU" sz="900" dirty="0" smtClean="0"/>
+                            <a:t>0.012</a:t>
+                          </a:r>
+                          <a:endParaRPr lang="en-AU" sz="900" dirty="0"/>
+                        </a:p>
+                      </a:txBody>
+                      <a:tcPr anchor="ctr">
+                        <a:lnL>
+                          <a:noFill/>
+                        </a:lnL>
+                        <a:lnR>
+                          <a:noFill/>
+                        </a:lnR>
+                        <a:lnT>
+                          <a:noFill/>
+                        </a:lnT>
+                        <a:lnB w="12700" cap="flat" cmpd="sng" algn="ctr">
+                          <a:solidFill>
+                            <a:schemeClr val="tx1"/>
+                          </a:solidFill>
+                          <a:prstDash val="solid"/>
+                          <a:round/>
+                          <a:headEnd type="none" w="med" len="med"/>
+                          <a:tailEnd type="none" w="med" len="med"/>
+                        </a:lnB>
+                        <a:lnTlToBr w="12700" cmpd="sng">
+                          <a:noFill/>
+                          <a:prstDash val="solid"/>
+                        </a:lnTlToBr>
+                        <a:lnBlToTr w="12700" cmpd="sng">
+                          <a:noFill/>
+                          <a:prstDash val="solid"/>
+                        </a:lnBlToTr>
+                      </a:tcPr>
+                    </a:tc>
+                    <a:tc>
+                      <a:txBody>
+                        <a:bodyPr/>
+                        <a:lstStyle/>
+                        <a:p>
+                          <a:pPr algn="ctr"/>
+                          <a:r>
+                            <a:rPr lang="en-AU" sz="900" dirty="0" smtClean="0"/>
+                            <a:t>0.001</a:t>
+                          </a:r>
+                          <a:endParaRPr lang="en-AU" sz="900" dirty="0"/>
+                        </a:p>
+                      </a:txBody>
+                      <a:tcPr anchor="ctr">
+                        <a:lnL>
+                          <a:noFill/>
+                        </a:lnL>
+                        <a:lnR w="12700" cap="flat" cmpd="sng" algn="ctr">
+                          <a:solidFill>
+                            <a:schemeClr val="tx1"/>
+                          </a:solidFill>
+                          <a:prstDash val="solid"/>
+                          <a:round/>
+                          <a:headEnd type="none" w="med" len="med"/>
+                          <a:tailEnd type="none" w="med" len="med"/>
+                        </a:lnR>
+                        <a:lnT>
+                          <a:noFill/>
+                        </a:lnT>
+                        <a:lnB w="12700" cap="flat" cmpd="sng" algn="ctr">
+                          <a:solidFill>
+                            <a:schemeClr val="tx1"/>
+                          </a:solidFill>
+                          <a:prstDash val="solid"/>
+                          <a:round/>
+                          <a:headEnd type="none" w="med" len="med"/>
+                          <a:tailEnd type="none" w="med" len="med"/>
+                        </a:lnB>
+                        <a:lnTlToBr w="12700" cmpd="sng">
+                          <a:noFill/>
+                          <a:prstDash val="solid"/>
+                        </a:lnTlToBr>
+                        <a:lnBlToTr w="12700" cmpd="sng">
+                          <a:noFill/>
+                          <a:prstDash val="solid"/>
+                        </a:lnBlToTr>
+                      </a:tcPr>
+                    </a:tc>
+                    <a:extLst>
+                      <a:ext uri="{0D108BD9-81ED-4DB2-BD59-A6C34878D82A}">
+                        <a16:rowId xmlns="" xmlns:a16="http://schemas.microsoft.com/office/drawing/2014/main" xmlns:a14="http://schemas.microsoft.com/office/drawing/2010/main" val="141707935"/>
+                      </a:ext>
+                    </a:extLst>
+                  </a:tr>
+                </a:tbl>
+              </a:graphicData>
+            </a:graphic>
+          </p:graphicFrame>
+        </mc:Fallback>
+      </mc:AlternateContent>
+      <p:grpSp>
+        <p:nvGrpSpPr>
+          <p:cNvPr id="7" name="Group 6"/>
+          <p:cNvGrpSpPr/>
+          <p:nvPr/>
+        </p:nvGrpSpPr>
+        <p:grpSpPr>
+          <a:xfrm>
+            <a:off x="836712" y="1763688"/>
+            <a:ext cx="1808662" cy="4473148"/>
+            <a:chOff x="3069487" y="838851"/>
+            <a:chExt cx="2038635" cy="5041913"/>
+          </a:xfrm>
+        </p:grpSpPr>
+        <p:pic>
+          <p:nvPicPr>
+            <p:cNvPr id="8" name="Picture 7"/>
+            <p:cNvPicPr>
+              <a:picLocks noChangeAspect="1"/>
+            </p:cNvPicPr>
+            <p:nvPr/>
+          </p:nvPicPr>
+          <p:blipFill rotWithShape="1">
+            <a:blip r:embed="rId3">
+              <a:extLst>
+                <a:ext uri="{28A0092B-C50C-407E-A947-70E740481C1C}">
+                  <a14:useLocalDpi xmlns:a14="http://schemas.microsoft.com/office/drawing/2010/main" val="0"/>
+                </a:ext>
+              </a:extLst>
+            </a:blip>
+            <a:srcRect l="926" r="1"/>
+            <a:stretch/>
+          </p:blipFill>
+          <p:spPr>
+            <a:xfrm>
+              <a:off x="3069487" y="838851"/>
+              <a:ext cx="2038635" cy="4315428"/>
+            </a:xfrm>
+            <a:prstGeom prst="rect">
+              <a:avLst/>
+            </a:prstGeom>
+          </p:spPr>
+        </p:pic>
+        <p:pic>
+          <p:nvPicPr>
+            <p:cNvPr id="9" name="Picture 8"/>
+            <p:cNvPicPr>
+              <a:picLocks noChangeAspect="1"/>
+            </p:cNvPicPr>
+            <p:nvPr/>
+          </p:nvPicPr>
+          <p:blipFill>
+            <a:blip r:embed="rId4">
+              <a:extLst>
+                <a:ext uri="{28A0092B-C50C-407E-A947-70E740481C1C}">
+                  <a14:useLocalDpi xmlns:a14="http://schemas.microsoft.com/office/drawing/2010/main" val="0"/>
+                </a:ext>
+              </a:extLst>
+            </a:blip>
+            <a:stretch>
+              <a:fillRect/>
+            </a:stretch>
+          </p:blipFill>
+          <p:spPr>
+            <a:xfrm>
+              <a:off x="3069487" y="5442553"/>
+              <a:ext cx="2019582" cy="438211"/>
+            </a:xfrm>
+            <a:prstGeom prst="rect">
+              <a:avLst/>
+            </a:prstGeom>
+          </p:spPr>
+        </p:pic>
+      </p:grpSp>
+    </p:spTree>
+    <p:extLst>
+      <p:ext uri="{BB962C8B-B14F-4D97-AF65-F5344CB8AC3E}">
+        <p14:creationId xmlns:p14="http://schemas.microsoft.com/office/powerpoint/2010/main" val="1668803329"/>
+      </p:ext>
+    </p:extLst>
+  </p:cSld>
+  <p:clrMapOvr>
+    <a:masterClrMapping/>
+  </p:clrMapOvr>
+</p:sld>
+</file>
+
+<file path=ppt/slides/slide3.xml><?xml version="1.0" encoding="utf-8"?>
+<p:sld xmlns:a="http://schemas.openxmlformats.org/drawingml/2006/main" xmlns:r="http://schemas.openxmlformats.org/officeDocument/2006/relationships" xmlns:p="http://schemas.openxmlformats.org/presentationml/2006/main">
+  <p:cSld>
+    <p:spTree>
+      <p:nvGrpSpPr>
+        <p:cNvPr id="1" name=""/>
+        <p:cNvGrpSpPr/>
+        <p:nvPr/>
+      </p:nvGrpSpPr>
+      <p:grpSpPr>
+        <a:xfrm>
+          <a:off x="0" y="0"/>
+          <a:ext cx="0" cy="0"/>
+          <a:chOff x="0" y="0"/>
+          <a:chExt cx="0" cy="0"/>
+        </a:xfrm>
+      </p:grpSpPr>
+      <p:grpSp>
+        <p:nvGrpSpPr>
+          <p:cNvPr id="16" name="Group 15"/>
+          <p:cNvGrpSpPr/>
+          <p:nvPr/>
+        </p:nvGrpSpPr>
+        <p:grpSpPr>
+          <a:xfrm>
+            <a:off x="845022" y="781246"/>
+            <a:ext cx="5320282" cy="6197254"/>
+            <a:chOff x="845022" y="781246"/>
+            <a:chExt cx="5320282" cy="6197254"/>
+          </a:xfrm>
+        </p:grpSpPr>
+        <p:pic>
+          <p:nvPicPr>
+            <p:cNvPr id="15" name="Picture 14"/>
+            <p:cNvPicPr>
+              <a:picLocks noChangeAspect="1"/>
+            </p:cNvPicPr>
+            <p:nvPr/>
+          </p:nvPicPr>
+          <p:blipFill>
+            <a:blip r:embed="rId2">
+              <a:extLst>
+                <a:ext uri="{28A0092B-C50C-407E-A947-70E740481C1C}">
+                  <a14:useLocalDpi xmlns:a14="http://schemas.microsoft.com/office/drawing/2010/main" val="0"/>
+                </a:ext>
+              </a:extLst>
+            </a:blip>
+            <a:stretch>
+              <a:fillRect/>
+            </a:stretch>
+          </p:blipFill>
+          <p:spPr>
+            <a:xfrm>
+              <a:off x="963432" y="899591"/>
+              <a:ext cx="5115686" cy="5900220"/>
+            </a:xfrm>
+            <a:prstGeom prst="rect">
+              <a:avLst/>
+            </a:prstGeom>
+          </p:spPr>
+        </p:pic>
+        <p:sp>
+          <p:nvSpPr>
+            <p:cNvPr id="11" name="Rectangle 10"/>
+            <p:cNvSpPr/>
+            <p:nvPr/>
+          </p:nvSpPr>
+          <p:spPr>
+            <a:xfrm>
+              <a:off x="845022" y="789558"/>
+              <a:ext cx="110942" cy="6188942"/>
+            </a:xfrm>
+            <a:prstGeom prst="rect">
+              <a:avLst/>
+            </a:prstGeom>
+            <a:noFill/>
+            <a:ln>
+              <a:solidFill>
+                <a:schemeClr val="bg1"/>
+              </a:solidFill>
+            </a:ln>
+          </p:spPr>
+          <p:style>
+            <a:lnRef idx="2">
+              <a:schemeClr val="accent1">
+                <a:shade val="50000"/>
+              </a:schemeClr>
+            </a:lnRef>
+            <a:fillRef idx="1">
+              <a:schemeClr val="accent1"/>
+            </a:fillRef>
+            <a:effectRef idx="0">
+              <a:schemeClr val="accent1"/>
+            </a:effectRef>
+            <a:fontRef idx="minor">
+              <a:schemeClr val="lt1"/>
+            </a:fontRef>
+          </p:style>
+          <p:txBody>
+            <a:bodyPr rtlCol="0" anchor="ctr"/>
+            <a:lstStyle/>
+            <a:p>
+              <a:pPr algn="ctr"/>
+              <a:endParaRPr lang="en-AU">
+                <a:solidFill>
+                  <a:schemeClr val="bg1"/>
+                </a:solidFill>
+              </a:endParaRPr>
+            </a:p>
+          </p:txBody>
+        </p:sp>
+        <p:sp>
+          <p:nvSpPr>
+            <p:cNvPr id="13" name="Rectangle 12"/>
+            <p:cNvSpPr/>
+            <p:nvPr/>
+          </p:nvSpPr>
+          <p:spPr>
+            <a:xfrm>
+              <a:off x="900073" y="781246"/>
+              <a:ext cx="5265231" cy="6095010"/>
+            </a:xfrm>
+            <a:prstGeom prst="rect">
+              <a:avLst/>
+            </a:prstGeom>
+            <a:noFill/>
+            <a:ln w="9525">
+              <a:solidFill>
+                <a:schemeClr val="tx1"/>
+              </a:solidFill>
+            </a:ln>
+          </p:spPr>
+          <p:style>
+            <a:lnRef idx="2">
+              <a:schemeClr val="accent1">
+                <a:shade val="50000"/>
+              </a:schemeClr>
+            </a:lnRef>
+            <a:fillRef idx="1">
+              <a:schemeClr val="accent1"/>
+            </a:fillRef>
+            <a:effectRef idx="0">
+              <a:schemeClr val="accent1"/>
+            </a:effectRef>
+            <a:fontRef idx="minor">
+              <a:schemeClr val="lt1"/>
+            </a:fontRef>
+          </p:style>
+          <p:txBody>
+            <a:bodyPr rtlCol="0" anchor="ctr"/>
+            <a:lstStyle/>
+            <a:p>
+              <a:pPr algn="ctr"/>
+              <a:endParaRPr lang="en-AU"/>
+            </a:p>
+          </p:txBody>
+        </p:sp>
+      </p:grpSp>
+    </p:spTree>
+    <p:extLst>
+      <p:ext uri="{BB962C8B-B14F-4D97-AF65-F5344CB8AC3E}">
+        <p14:creationId xmlns:p14="http://schemas.microsoft.com/office/powerpoint/2010/main" val="1734441562"/>
+      </p:ext>
+    </p:extLst>
+  </p:cSld>
+  <p:clrMapOvr>
+    <a:masterClrMapping/>
+  </p:clrMapOvr>
+</p:sld>
+</file>
+
+<file path=ppt/slides/slide4.xml><?xml version="1.0" encoding="utf-8"?>
+<p:sld xmlns:a="http://schemas.openxmlformats.org/drawingml/2006/main" xmlns:r="http://schemas.openxmlformats.org/officeDocument/2006/relationships" xmlns:p="http://schemas.openxmlformats.org/presentationml/2006/main">
+  <p:cSld>
+    <p:spTree>
+      <p:nvGrpSpPr>
+        <p:cNvPr id="1" name=""/>
+        <p:cNvGrpSpPr/>
+        <p:nvPr/>
+      </p:nvGrpSpPr>
+      <p:grpSpPr>
+        <a:xfrm>
+          <a:off x="0" y="0"/>
+          <a:ext cx="0" cy="0"/>
+          <a:chOff x="0" y="0"/>
+          <a:chExt cx="0" cy="0"/>
+        </a:xfrm>
+      </p:grpSpPr>
+      <p:grpSp>
+        <p:nvGrpSpPr>
+          <p:cNvPr id="3" name="Group 2"/>
+          <p:cNvGrpSpPr/>
+          <p:nvPr/>
+        </p:nvGrpSpPr>
+        <p:grpSpPr>
+          <a:xfrm>
+            <a:off x="900073" y="971600"/>
+            <a:ext cx="5265231" cy="4824536"/>
+            <a:chOff x="900073" y="971600"/>
+            <a:chExt cx="5265231" cy="4824536"/>
+          </a:xfrm>
+        </p:grpSpPr>
+        <p:sp>
+          <p:nvSpPr>
+            <p:cNvPr id="13" name="Rectangle 12"/>
+            <p:cNvSpPr/>
+            <p:nvPr/>
+          </p:nvSpPr>
+          <p:spPr>
+            <a:xfrm>
+              <a:off x="900073" y="971600"/>
+              <a:ext cx="5265231" cy="4824536"/>
+            </a:xfrm>
+            <a:prstGeom prst="rect">
+              <a:avLst/>
+            </a:prstGeom>
+            <a:noFill/>
+            <a:ln w="9525">
+              <a:solidFill>
+                <a:schemeClr val="tx1"/>
+              </a:solidFill>
+            </a:ln>
+          </p:spPr>
+          <p:style>
+            <a:lnRef idx="2">
+              <a:schemeClr val="accent1">
+                <a:shade val="50000"/>
+              </a:schemeClr>
+            </a:lnRef>
+            <a:fillRef idx="1">
+              <a:schemeClr val="accent1"/>
+            </a:fillRef>
+            <a:effectRef idx="0">
+              <a:schemeClr val="accent1"/>
+            </a:effectRef>
+            <a:fontRef idx="minor">
+              <a:schemeClr val="lt1"/>
+            </a:fontRef>
+          </p:style>
+          <p:txBody>
+            <a:bodyPr rtlCol="0" anchor="ctr"/>
+            <a:lstStyle/>
+            <a:p>
+              <a:pPr algn="ctr"/>
+              <a:endParaRPr lang="en-AU"/>
+            </a:p>
+          </p:txBody>
+        </p:sp>
+        <p:pic>
+          <p:nvPicPr>
+            <p:cNvPr id="2" name="Picture 1"/>
+            <p:cNvPicPr>
+              <a:picLocks noChangeAspect="1"/>
+            </p:cNvPicPr>
+            <p:nvPr/>
+          </p:nvPicPr>
+          <p:blipFill>
+            <a:blip r:embed="rId2">
+              <a:extLst>
+                <a:ext uri="{28A0092B-C50C-407E-A947-70E740481C1C}">
+                  <a14:useLocalDpi xmlns:a14="http://schemas.microsoft.com/office/drawing/2010/main" val="0"/>
+                </a:ext>
+              </a:extLst>
+            </a:blip>
+            <a:stretch>
+              <a:fillRect/>
+            </a:stretch>
+          </p:blipFill>
+          <p:spPr>
+            <a:xfrm>
+              <a:off x="974845" y="1055616"/>
+              <a:ext cx="5115686" cy="4656503"/>
+            </a:xfrm>
+            <a:prstGeom prst="rect">
+              <a:avLst/>
+            </a:prstGeom>
+          </p:spPr>
+        </p:pic>
+      </p:grpSp>
+    </p:spTree>
+    <p:extLst>
+      <p:ext uri="{BB962C8B-B14F-4D97-AF65-F5344CB8AC3E}">
+        <p14:creationId xmlns:p14="http://schemas.microsoft.com/office/powerpoint/2010/main" val="359585701"/>
+      </p:ext>
+    </p:extLst>
+  </p:cSld>
+  <p:clrMapOvr>
+    <a:masterClrMapping/>
+  </p:clrMapOvr>
+</p:sld>
+</file>
+
+<file path=ppt/slides/slide5.xml><?xml version="1.0" encoding="utf-8"?>
+<p:sld xmlns:a="http://schemas.openxmlformats.org/drawingml/2006/main" xmlns:r="http://schemas.openxmlformats.org/officeDocument/2006/relationships" xmlns:p="http://schemas.openxmlformats.org/presentationml/2006/main">
+  <p:cSld>
+    <p:spTree>
+      <p:nvGrpSpPr>
+        <p:cNvPr id="1" name=""/>
+        <p:cNvGrpSpPr/>
+        <p:nvPr/>
+      </p:nvGrpSpPr>
+      <p:grpSpPr>
+        <a:xfrm>
+          <a:off x="0" y="0"/>
+          <a:ext cx="0" cy="0"/>
+          <a:chOff x="0" y="0"/>
+          <a:chExt cx="0" cy="0"/>
+        </a:xfrm>
+      </p:grpSpPr>
+    </p:spTree>
+    <p:extLst>
+      <p:ext uri="{BB962C8B-B14F-4D97-AF65-F5344CB8AC3E}">
+        <p14:creationId xmlns:p14="http://schemas.microsoft.com/office/powerpoint/2010/main" val="1707650775"/>
       </p:ext>
     </p:extLst>
   </p:cSld>
@@ -7692,44 +13101,44 @@
         <a:sysClr val="window" lastClr="FFFFFF"/>
       </a:lt1>
       <a:dk2>
-        <a:srgbClr val="44546A"/>
+        <a:srgbClr val="1F497D"/>
       </a:dk2>
       <a:lt2>
-        <a:srgbClr val="E7E6E6"/>
+        <a:srgbClr val="EEECE1"/>
       </a:lt2>
       <a:accent1>
-        <a:srgbClr val="5B9BD5"/>
+        <a:srgbClr val="4F81BD"/>
       </a:accent1>
       <a:accent2>
-        <a:srgbClr val="ED7D31"/>
+        <a:srgbClr val="C0504D"/>
       </a:accent2>
       <a:accent3>
-        <a:srgbClr val="A5A5A5"/>
+        <a:srgbClr val="9BBB59"/>
       </a:accent3>
       <a:accent4>
-        <a:srgbClr val="FFC000"/>
+        <a:srgbClr val="8064A2"/>
       </a:accent4>
       <a:accent5>
-        <a:srgbClr val="4472C4"/>
+        <a:srgbClr val="4BACC6"/>
       </a:accent5>
       <a:accent6>
-        <a:srgbClr val="70AD47"/>
+        <a:srgbClr val="F79646"/>
       </a:accent6>
       <a:hlink>
-        <a:srgbClr val="0563C1"/>
+        <a:srgbClr val="0000FF"/>
       </a:hlink>
       <a:folHlink>
-        <a:srgbClr val="954F72"/>
+        <a:srgbClr val="800080"/>
       </a:folHlink>
     </a:clrScheme>
     <a:fontScheme name="Office">
       <a:majorFont>
-        <a:latin typeface="Calibri Light" panose="020F0302020204030204"/>
+        <a:latin typeface="Calibri"/>
         <a:ea typeface=""/>
         <a:cs typeface=""/>
-        <a:font script="Jpan" typeface="游ゴシック Light"/>
+        <a:font script="Jpan" typeface="ＭＳ Ｐゴシック"/>
         <a:font script="Hang" typeface="맑은 고딕"/>
-        <a:font script="Hans" typeface="等线 Light"/>
+        <a:font script="Hans" typeface="宋体"/>
         <a:font script="Hant" typeface="新細明體"/>
         <a:font script="Arab" typeface="Times New Roman"/>
         <a:font script="Hebr" typeface="Times New Roman"/>
@@ -7757,31 +13166,14 @@
         <a:font script="Viet" typeface="Times New Roman"/>
         <a:font script="Uigh" typeface="Microsoft Uighur"/>
         <a:font script="Geor" typeface="Sylfaen"/>
-        <a:font script="Armn" typeface="Arial"/>
-        <a:font script="Bugi" typeface="Leelawadee UI"/>
-        <a:font script="Bopo" typeface="Microsoft JhengHei"/>
-        <a:font script="Java" typeface="Javanese Text"/>
-        <a:font script="Lisu" typeface="Segoe UI"/>
-        <a:font script="Mymr" typeface="Myanmar Text"/>
-        <a:font script="Nkoo" typeface="Ebrima"/>
-        <a:font script="Olck" typeface="Nirmala UI"/>
-        <a:font script="Osma" typeface="Ebrima"/>
-        <a:font script="Phag" typeface="Phagspa"/>
-        <a:font script="Syrn" typeface="Estrangelo Edessa"/>
-        <a:font script="Syrj" typeface="Estrangelo Edessa"/>
-        <a:font script="Syre" typeface="Estrangelo Edessa"/>
-        <a:font script="Sora" typeface="Nirmala UI"/>
-        <a:font script="Tale" typeface="Microsoft Tai Le"/>
-        <a:font script="Talu" typeface="Microsoft New Tai Lue"/>
-        <a:font script="Tfng" typeface="Ebrima"/>
       </a:majorFont>
       <a:minorFont>
-        <a:latin typeface="Calibri" panose="020F0502020204030204"/>
+        <a:latin typeface="Calibri"/>
         <a:ea typeface=""/>
         <a:cs typeface=""/>
-        <a:font script="Jpan" typeface="游ゴシック"/>
+        <a:font script="Jpan" typeface="ＭＳ Ｐゴシック"/>
         <a:font script="Hang" typeface="맑은 고딕"/>
-        <a:font script="Hans" typeface="等线"/>
+        <a:font script="Hans" typeface="宋体"/>
         <a:font script="Hant" typeface="新細明體"/>
         <a:font script="Arab" typeface="Arial"/>
         <a:font script="Hebr" typeface="Arial"/>
@@ -7809,23 +13201,6 @@
         <a:font script="Viet" typeface="Arial"/>
         <a:font script="Uigh" typeface="Microsoft Uighur"/>
         <a:font script="Geor" typeface="Sylfaen"/>
-        <a:font script="Armn" typeface="Arial"/>
-        <a:font script="Bugi" typeface="Leelawadee UI"/>
-        <a:font script="Bopo" typeface="Microsoft JhengHei"/>
-        <a:font script="Java" typeface="Javanese Text"/>
-        <a:font script="Lisu" typeface="Segoe UI"/>
-        <a:font script="Mymr" typeface="Myanmar Text"/>
-        <a:font script="Nkoo" typeface="Ebrima"/>
-        <a:font script="Olck" typeface="Nirmala UI"/>
-        <a:font script="Osma" typeface="Ebrima"/>
-        <a:font script="Phag" typeface="Phagspa"/>
-        <a:font script="Syrn" typeface="Estrangelo Edessa"/>
-        <a:font script="Syrj" typeface="Estrangelo Edessa"/>
-        <a:font script="Syre" typeface="Estrangelo Edessa"/>
-        <a:font script="Sora" typeface="Nirmala UI"/>
-        <a:font script="Tale" typeface="Microsoft Tai Le"/>
-        <a:font script="Talu" typeface="Microsoft New Tai Lue"/>
-        <a:font script="Tfng" typeface="Ebrima"/>
       </a:minorFont>
     </a:fontScheme>
     <a:fmtScheme name="Office">
@@ -7837,141 +13212,165 @@
           <a:gsLst>
             <a:gs pos="0">
               <a:schemeClr val="phClr">
-                <a:lumMod val="110000"/>
-                <a:satMod val="105000"/>
-                <a:tint val="67000"/>
+                <a:tint val="50000"/>
+                <a:satMod val="300000"/>
               </a:schemeClr>
             </a:gs>
-            <a:gs pos="50000">
+            <a:gs pos="35000">
               <a:schemeClr val="phClr">
-                <a:lumMod val="105000"/>
-                <a:satMod val="103000"/>
-                <a:tint val="73000"/>
+                <a:tint val="37000"/>
+                <a:satMod val="300000"/>
               </a:schemeClr>
             </a:gs>
             <a:gs pos="100000">
               <a:schemeClr val="phClr">
-                <a:lumMod val="105000"/>
-                <a:satMod val="109000"/>
-                <a:tint val="81000"/>
+                <a:tint val="15000"/>
+                <a:satMod val="350000"/>
               </a:schemeClr>
             </a:gs>
           </a:gsLst>
-          <a:lin ang="5400000" scaled="0"/>
+          <a:lin ang="16200000" scaled="1"/>
         </a:gradFill>
         <a:gradFill rotWithShape="1">
           <a:gsLst>
             <a:gs pos="0">
               <a:schemeClr val="phClr">
-                <a:satMod val="103000"/>
-                <a:lumMod val="102000"/>
-                <a:tint val="94000"/>
+                <a:shade val="51000"/>
+                <a:satMod val="130000"/>
               </a:schemeClr>
             </a:gs>
-            <a:gs pos="50000">
+            <a:gs pos="80000">
               <a:schemeClr val="phClr">
-                <a:satMod val="110000"/>
-                <a:lumMod val="100000"/>
-                <a:shade val="100000"/>
+                <a:shade val="93000"/>
+                <a:satMod val="130000"/>
               </a:schemeClr>
             </a:gs>
             <a:gs pos="100000">
               <a:schemeClr val="phClr">
-                <a:lumMod val="99000"/>
-                <a:satMod val="120000"/>
-                <a:shade val="78000"/>
+                <a:shade val="94000"/>
+                <a:satMod val="135000"/>
               </a:schemeClr>
             </a:gs>
           </a:gsLst>
-          <a:lin ang="5400000" scaled="0"/>
+          <a:lin ang="16200000" scaled="0"/>
         </a:gradFill>
       </a:fillStyleLst>
       <a:lnStyleLst>
-        <a:ln w="6350" cap="flat" cmpd="sng" algn="ctr">
+        <a:ln w="9525" cap="flat" cmpd="sng" algn="ctr">
+          <a:solidFill>
+            <a:schemeClr val="phClr">
+              <a:shade val="95000"/>
+              <a:satMod val="105000"/>
+            </a:schemeClr>
+          </a:solidFill>
+          <a:prstDash val="solid"/>
+        </a:ln>
+        <a:ln w="25400" cap="flat" cmpd="sng" algn="ctr">
           <a:solidFill>
             <a:schemeClr val="phClr"/>
           </a:solidFill>
           <a:prstDash val="solid"/>
-          <a:miter lim="800000"/>
         </a:ln>
-        <a:ln w="12700" cap="flat" cmpd="sng" algn="ctr">
+        <a:ln w="38100" cap="flat" cmpd="sng" algn="ctr">
           <a:solidFill>
             <a:schemeClr val="phClr"/>
           </a:solidFill>
           <a:prstDash val="solid"/>
-          <a:miter lim="800000"/>
-        </a:ln>
-        <a:ln w="19050" cap="flat" cmpd="sng" algn="ctr">
-          <a:solidFill>
-            <a:schemeClr val="phClr"/>
-          </a:solidFill>
-          <a:prstDash val="solid"/>
-          <a:miter lim="800000"/>
         </a:ln>
       </a:lnStyleLst>
       <a:effectStyleLst>
         <a:effectStyle>
-          <a:effectLst/>
-        </a:effectStyle>
-        <a:effectStyle>
-          <a:effectLst/>
+          <a:effectLst>
+            <a:outerShdw blurRad="40000" dist="20000" dir="5400000" rotWithShape="0">
+              <a:srgbClr val="000000">
+                <a:alpha val="38000"/>
+              </a:srgbClr>
+            </a:outerShdw>
+          </a:effectLst>
         </a:effectStyle>
         <a:effectStyle>
           <a:effectLst>
-            <a:outerShdw blurRad="57150" dist="19050" dir="5400000" algn="ctr" rotWithShape="0">
+            <a:outerShdw blurRad="40000" dist="23000" dir="5400000" rotWithShape="0">
               <a:srgbClr val="000000">
-                <a:alpha val="63000"/>
+                <a:alpha val="35000"/>
               </a:srgbClr>
             </a:outerShdw>
           </a:effectLst>
+        </a:effectStyle>
+        <a:effectStyle>
+          <a:effectLst>
+            <a:outerShdw blurRad="40000" dist="23000" dir="5400000" rotWithShape="0">
+              <a:srgbClr val="000000">
+                <a:alpha val="35000"/>
+              </a:srgbClr>
+            </a:outerShdw>
+          </a:effectLst>
+          <a:scene3d>
+            <a:camera prst="orthographicFront">
+              <a:rot lat="0" lon="0" rev="0"/>
+            </a:camera>
+            <a:lightRig rig="threePt" dir="t">
+              <a:rot lat="0" lon="0" rev="1200000"/>
+            </a:lightRig>
+          </a:scene3d>
+          <a:sp3d>
+            <a:bevelT w="63500" h="25400"/>
+          </a:sp3d>
         </a:effectStyle>
       </a:effectStyleLst>
       <a:bgFillStyleLst>
         <a:solidFill>
           <a:schemeClr val="phClr"/>
         </a:solidFill>
-        <a:solidFill>
-          <a:schemeClr val="phClr">
-            <a:tint val="95000"/>
-            <a:satMod val="170000"/>
-          </a:schemeClr>
-        </a:solidFill>
         <a:gradFill rotWithShape="1">
           <a:gsLst>
             <a:gs pos="0">
               <a:schemeClr val="phClr">
-                <a:tint val="93000"/>
-                <a:satMod val="150000"/>
-                <a:shade val="98000"/>
-                <a:lumMod val="102000"/>
+                <a:tint val="40000"/>
+                <a:satMod val="350000"/>
               </a:schemeClr>
             </a:gs>
-            <a:gs pos="50000">
+            <a:gs pos="40000">
               <a:schemeClr val="phClr">
-                <a:tint val="98000"/>
-                <a:satMod val="130000"/>
-                <a:shade val="90000"/>
-                <a:lumMod val="103000"/>
+                <a:tint val="45000"/>
+                <a:shade val="99000"/>
+                <a:satMod val="350000"/>
               </a:schemeClr>
             </a:gs>
             <a:gs pos="100000">
               <a:schemeClr val="phClr">
-                <a:shade val="63000"/>
-                <a:satMod val="120000"/>
+                <a:shade val="20000"/>
+                <a:satMod val="255000"/>
               </a:schemeClr>
             </a:gs>
           </a:gsLst>
-          <a:lin ang="5400000" scaled="0"/>
+          <a:path path="circle">
+            <a:fillToRect l="50000" t="-80000" r="50000" b="180000"/>
+          </a:path>
+        </a:gradFill>
+        <a:gradFill rotWithShape="1">
+          <a:gsLst>
+            <a:gs pos="0">
+              <a:schemeClr val="phClr">
+                <a:tint val="80000"/>
+                <a:satMod val="300000"/>
+              </a:schemeClr>
+            </a:gs>
+            <a:gs pos="100000">
+              <a:schemeClr val="phClr">
+                <a:shade val="30000"/>
+                <a:satMod val="200000"/>
+              </a:schemeClr>
+            </a:gs>
+          </a:gsLst>
+          <a:path path="circle">
+            <a:fillToRect l="50000" t="50000" r="50000" b="50000"/>
+          </a:path>
         </a:gradFill>
       </a:bgFillStyleLst>
     </a:fmtScheme>
   </a:themeElements>
   <a:objectDefaults/>
   <a:extraClrSchemeLst/>
-  <a:extLst>
-    <a:ext uri="{05A4C25C-085E-4340-85A3-A5531E510DB2}">
-      <thm15:themeFamily xmlns:thm15="http://schemas.microsoft.com/office/thememl/2012/main" xmlns="" name="Office Theme" id="{62F939B6-93AF-4DB8-9C6B-D6C7DFDC589F}" vid="{4A3C46E8-61CC-4603-A589-7422A47A8E4A}"/>
-    </a:ext>
-  </a:extLst>
 </a:theme>
 </file>
--- a/resources/IgFamily.pptx
+++ b/resources/IgFamily.pptx
@@ -7,9 +7,12 @@
   <p:sldIdLst>
     <p:sldId id="256" r:id="rId2"/>
     <p:sldId id="257" r:id="rId3"/>
-    <p:sldId id="258" r:id="rId4"/>
-    <p:sldId id="260" r:id="rId5"/>
-    <p:sldId id="259" r:id="rId6"/>
+    <p:sldId id="261" r:id="rId4"/>
+    <p:sldId id="258" r:id="rId5"/>
+    <p:sldId id="262" r:id="rId6"/>
+    <p:sldId id="263" r:id="rId7"/>
+    <p:sldId id="264" r:id="rId8"/>
+    <p:sldId id="259" r:id="rId9"/>
   </p:sldIdLst>
   <p:sldSz cx="6858000" cy="9144000" type="screen4x3"/>
   <p:notesSz cx="6858000" cy="9144000"/>
@@ -108,6 +111,22 @@
       </a:defRPr>
     </a:lvl9pPr>
   </p:defaultTextStyle>
+  <p:extLst>
+    <p:ext uri="{EFAFB233-063F-42B5-8137-9DF3F51BA10A}">
+      <p15:sldGuideLst xmlns:p15="http://schemas.microsoft.com/office/powerpoint/2012/main">
+        <p15:guide id="1" orient="horz" pos="2880">
+          <p15:clr>
+            <a:srgbClr val="A4A3A4"/>
+          </p15:clr>
+        </p15:guide>
+        <p15:guide id="2" pos="2160">
+          <p15:clr>
+            <a:srgbClr val="A4A3A4"/>
+          </p15:clr>
+        </p15:guide>
+      </p15:sldGuideLst>
+    </p:ext>
+  </p:extLst>
 </p:presentation>
 </file>
 
@@ -149,7 +168,7 @@
           <a:lstStyle/>
           <a:p>
             <a:r>
-              <a:rPr lang="en-US" smtClean="0"/>
+              <a:rPr lang="en-US"/>
               <a:t>Click to edit Master title style</a:t>
             </a:r>
             <a:endParaRPr lang="en-AU"/>
@@ -268,7 +287,7 @@
           </a:lstStyle>
           <a:p>
             <a:r>
-              <a:rPr lang="en-US" smtClean="0"/>
+              <a:rPr lang="en-US"/>
               <a:t>Click to edit Master subtitle style</a:t>
             </a:r>
             <a:endParaRPr lang="en-AU"/>
@@ -292,7 +311,7 @@
           <a:p>
             <a:fld id="{A1603105-CD7D-46BB-B5E1-D51F2A03682D}" type="datetimeFigureOut">
               <a:rPr lang="en-AU" smtClean="0"/>
-              <a:t>11/11/2016</a:t>
+              <a:t>13/11/2016</a:t>
             </a:fld>
             <a:endParaRPr lang="en-AU"/>
           </a:p>
@@ -386,7 +405,7 @@
           <a:lstStyle/>
           <a:p>
             <a:r>
-              <a:rPr lang="en-US" smtClean="0"/>
+              <a:rPr lang="en-US"/>
               <a:t>Click to edit Master title style</a:t>
             </a:r>
             <a:endParaRPr lang="en-AU"/>
@@ -410,35 +429,35 @@
           <a:p>
             <a:pPr lvl="0"/>
             <a:r>
-              <a:rPr lang="en-US" smtClean="0"/>
+              <a:rPr lang="en-US"/>
               <a:t>Click to edit Master text styles</a:t>
             </a:r>
           </a:p>
           <a:p>
             <a:pPr lvl="1"/>
             <a:r>
-              <a:rPr lang="en-US" smtClean="0"/>
+              <a:rPr lang="en-US"/>
               <a:t>Second level</a:t>
             </a:r>
           </a:p>
           <a:p>
             <a:pPr lvl="2"/>
             <a:r>
-              <a:rPr lang="en-US" smtClean="0"/>
+              <a:rPr lang="en-US"/>
               <a:t>Third level</a:t>
             </a:r>
           </a:p>
           <a:p>
             <a:pPr lvl="3"/>
             <a:r>
-              <a:rPr lang="en-US" smtClean="0"/>
+              <a:rPr lang="en-US"/>
               <a:t>Fourth level</a:t>
             </a:r>
           </a:p>
           <a:p>
             <a:pPr lvl="4"/>
             <a:r>
-              <a:rPr lang="en-US" smtClean="0"/>
+              <a:rPr lang="en-US"/>
               <a:t>Fifth level</a:t>
             </a:r>
             <a:endParaRPr lang="en-AU"/>
@@ -462,7 +481,7 @@
           <a:p>
             <a:fld id="{A1603105-CD7D-46BB-B5E1-D51F2A03682D}" type="datetimeFigureOut">
               <a:rPr lang="en-AU" smtClean="0"/>
-              <a:t>11/11/2016</a:t>
+              <a:t>13/11/2016</a:t>
             </a:fld>
             <a:endParaRPr lang="en-AU"/>
           </a:p>
@@ -561,7 +580,7 @@
           <a:lstStyle/>
           <a:p>
             <a:r>
-              <a:rPr lang="en-US" smtClean="0"/>
+              <a:rPr lang="en-US"/>
               <a:t>Click to edit Master title style</a:t>
             </a:r>
             <a:endParaRPr lang="en-AU"/>
@@ -590,35 +609,35 @@
           <a:p>
             <a:pPr lvl="0"/>
             <a:r>
-              <a:rPr lang="en-US" smtClean="0"/>
+              <a:rPr lang="en-US"/>
               <a:t>Click to edit Master text styles</a:t>
             </a:r>
           </a:p>
           <a:p>
             <a:pPr lvl="1"/>
             <a:r>
-              <a:rPr lang="en-US" smtClean="0"/>
+              <a:rPr lang="en-US"/>
               <a:t>Second level</a:t>
             </a:r>
           </a:p>
           <a:p>
             <a:pPr lvl="2"/>
             <a:r>
-              <a:rPr lang="en-US" smtClean="0"/>
+              <a:rPr lang="en-US"/>
               <a:t>Third level</a:t>
             </a:r>
           </a:p>
           <a:p>
             <a:pPr lvl="3"/>
             <a:r>
-              <a:rPr lang="en-US" smtClean="0"/>
+              <a:rPr lang="en-US"/>
               <a:t>Fourth level</a:t>
             </a:r>
           </a:p>
           <a:p>
             <a:pPr lvl="4"/>
             <a:r>
-              <a:rPr lang="en-US" smtClean="0"/>
+              <a:rPr lang="en-US"/>
               <a:t>Fifth level</a:t>
             </a:r>
             <a:endParaRPr lang="en-AU"/>
@@ -642,7 +661,7 @@
           <a:p>
             <a:fld id="{A1603105-CD7D-46BB-B5E1-D51F2A03682D}" type="datetimeFigureOut">
               <a:rPr lang="en-AU" smtClean="0"/>
-              <a:t>11/11/2016</a:t>
+              <a:t>13/11/2016</a:t>
             </a:fld>
             <a:endParaRPr lang="en-AU"/>
           </a:p>
@@ -736,7 +755,7 @@
           <a:lstStyle/>
           <a:p>
             <a:r>
-              <a:rPr lang="en-US" smtClean="0"/>
+              <a:rPr lang="en-US"/>
               <a:t>Click to edit Master title style</a:t>
             </a:r>
             <a:endParaRPr lang="en-AU"/>
@@ -760,35 +779,35 @@
           <a:p>
             <a:pPr lvl="0"/>
             <a:r>
-              <a:rPr lang="en-US" smtClean="0"/>
+              <a:rPr lang="en-US"/>
               <a:t>Click to edit Master text styles</a:t>
             </a:r>
           </a:p>
           <a:p>
             <a:pPr lvl="1"/>
             <a:r>
-              <a:rPr lang="en-US" smtClean="0"/>
+              <a:rPr lang="en-US"/>
               <a:t>Second level</a:t>
             </a:r>
           </a:p>
           <a:p>
             <a:pPr lvl="2"/>
             <a:r>
-              <a:rPr lang="en-US" smtClean="0"/>
+              <a:rPr lang="en-US"/>
               <a:t>Third level</a:t>
             </a:r>
           </a:p>
           <a:p>
             <a:pPr lvl="3"/>
             <a:r>
-              <a:rPr lang="en-US" smtClean="0"/>
+              <a:rPr lang="en-US"/>
               <a:t>Fourth level</a:t>
             </a:r>
           </a:p>
           <a:p>
             <a:pPr lvl="4"/>
             <a:r>
-              <a:rPr lang="en-US" smtClean="0"/>
+              <a:rPr lang="en-US"/>
               <a:t>Fifth level</a:t>
             </a:r>
             <a:endParaRPr lang="en-AU"/>
@@ -812,7 +831,7 @@
           <a:p>
             <a:fld id="{A1603105-CD7D-46BB-B5E1-D51F2A03682D}" type="datetimeFigureOut">
               <a:rPr lang="en-AU" smtClean="0"/>
-              <a:t>11/11/2016</a:t>
+              <a:t>13/11/2016</a:t>
             </a:fld>
             <a:endParaRPr lang="en-AU"/>
           </a:p>
@@ -915,7 +934,7 @@
           </a:lstStyle>
           <a:p>
             <a:r>
-              <a:rPr lang="en-US" smtClean="0"/>
+              <a:rPr lang="en-US"/>
               <a:t>Click to edit Master title style</a:t>
             </a:r>
             <a:endParaRPr lang="en-AU"/>
@@ -1035,7 +1054,7 @@
           <a:p>
             <a:pPr lvl="0"/>
             <a:r>
-              <a:rPr lang="en-US" smtClean="0"/>
+              <a:rPr lang="en-US"/>
               <a:t>Click to edit Master text styles</a:t>
             </a:r>
           </a:p>
@@ -1058,7 +1077,7 @@
           <a:p>
             <a:fld id="{A1603105-CD7D-46BB-B5E1-D51F2A03682D}" type="datetimeFigureOut">
               <a:rPr lang="en-AU" smtClean="0"/>
-              <a:t>11/11/2016</a:t>
+              <a:t>13/11/2016</a:t>
             </a:fld>
             <a:endParaRPr lang="en-AU"/>
           </a:p>
@@ -1152,7 +1171,7 @@
           <a:lstStyle/>
           <a:p>
             <a:r>
-              <a:rPr lang="en-US" smtClean="0"/>
+              <a:rPr lang="en-US"/>
               <a:t>Click to edit Master title style</a:t>
             </a:r>
             <a:endParaRPr lang="en-AU"/>
@@ -1209,35 +1228,35 @@
           <a:p>
             <a:pPr lvl="0"/>
             <a:r>
-              <a:rPr lang="en-US" smtClean="0"/>
+              <a:rPr lang="en-US"/>
               <a:t>Click to edit Master text styles</a:t>
             </a:r>
           </a:p>
           <a:p>
             <a:pPr lvl="1"/>
             <a:r>
-              <a:rPr lang="en-US" smtClean="0"/>
+              <a:rPr lang="en-US"/>
               <a:t>Second level</a:t>
             </a:r>
           </a:p>
           <a:p>
             <a:pPr lvl="2"/>
             <a:r>
-              <a:rPr lang="en-US" smtClean="0"/>
+              <a:rPr lang="en-US"/>
               <a:t>Third level</a:t>
             </a:r>
           </a:p>
           <a:p>
             <a:pPr lvl="3"/>
             <a:r>
-              <a:rPr lang="en-US" smtClean="0"/>
+              <a:rPr lang="en-US"/>
               <a:t>Fourth level</a:t>
             </a:r>
           </a:p>
           <a:p>
             <a:pPr lvl="4"/>
             <a:r>
-              <a:rPr lang="en-US" smtClean="0"/>
+              <a:rPr lang="en-US"/>
               <a:t>Fifth level</a:t>
             </a:r>
             <a:endParaRPr lang="en-AU"/>
@@ -1294,35 +1313,35 @@
           <a:p>
             <a:pPr lvl="0"/>
             <a:r>
-              <a:rPr lang="en-US" smtClean="0"/>
+              <a:rPr lang="en-US"/>
               <a:t>Click to edit Master text styles</a:t>
             </a:r>
           </a:p>
           <a:p>
             <a:pPr lvl="1"/>
             <a:r>
-              <a:rPr lang="en-US" smtClean="0"/>
+              <a:rPr lang="en-US"/>
               <a:t>Second level</a:t>
             </a:r>
           </a:p>
           <a:p>
             <a:pPr lvl="2"/>
             <a:r>
-              <a:rPr lang="en-US" smtClean="0"/>
+              <a:rPr lang="en-US"/>
               <a:t>Third level</a:t>
             </a:r>
           </a:p>
           <a:p>
             <a:pPr lvl="3"/>
             <a:r>
-              <a:rPr lang="en-US" smtClean="0"/>
+              <a:rPr lang="en-US"/>
               <a:t>Fourth level</a:t>
             </a:r>
           </a:p>
           <a:p>
             <a:pPr lvl="4"/>
             <a:r>
-              <a:rPr lang="en-US" smtClean="0"/>
+              <a:rPr lang="en-US"/>
               <a:t>Fifth level</a:t>
             </a:r>
             <a:endParaRPr lang="en-AU"/>
@@ -1346,7 +1365,7 @@
           <a:p>
             <a:fld id="{A1603105-CD7D-46BB-B5E1-D51F2A03682D}" type="datetimeFigureOut">
               <a:rPr lang="en-AU" smtClean="0"/>
-              <a:t>11/11/2016</a:t>
+              <a:t>13/11/2016</a:t>
             </a:fld>
             <a:endParaRPr lang="en-AU"/>
           </a:p>
@@ -1444,7 +1463,7 @@
           </a:lstStyle>
           <a:p>
             <a:r>
-              <a:rPr lang="en-US" smtClean="0"/>
+              <a:rPr lang="en-US"/>
               <a:t>Click to edit Master title style</a:t>
             </a:r>
             <a:endParaRPr lang="en-AU"/>
@@ -1510,7 +1529,7 @@
           <a:p>
             <a:pPr lvl="0"/>
             <a:r>
-              <a:rPr lang="en-US" smtClean="0"/>
+              <a:rPr lang="en-US"/>
               <a:t>Click to edit Master text styles</a:t>
             </a:r>
           </a:p>
@@ -1566,35 +1585,35 @@
           <a:p>
             <a:pPr lvl="0"/>
             <a:r>
-              <a:rPr lang="en-US" smtClean="0"/>
+              <a:rPr lang="en-US"/>
               <a:t>Click to edit Master text styles</a:t>
             </a:r>
           </a:p>
           <a:p>
             <a:pPr lvl="1"/>
             <a:r>
-              <a:rPr lang="en-US" smtClean="0"/>
+              <a:rPr lang="en-US"/>
               <a:t>Second level</a:t>
             </a:r>
           </a:p>
           <a:p>
             <a:pPr lvl="2"/>
             <a:r>
-              <a:rPr lang="en-US" smtClean="0"/>
+              <a:rPr lang="en-US"/>
               <a:t>Third level</a:t>
             </a:r>
           </a:p>
           <a:p>
             <a:pPr lvl="3"/>
             <a:r>
-              <a:rPr lang="en-US" smtClean="0"/>
+              <a:rPr lang="en-US"/>
               <a:t>Fourth level</a:t>
             </a:r>
           </a:p>
           <a:p>
             <a:pPr lvl="4"/>
             <a:r>
-              <a:rPr lang="en-US" smtClean="0"/>
+              <a:rPr lang="en-US"/>
               <a:t>Fifth level</a:t>
             </a:r>
             <a:endParaRPr lang="en-AU"/>
@@ -1660,7 +1679,7 @@
           <a:p>
             <a:pPr lvl="0"/>
             <a:r>
-              <a:rPr lang="en-US" smtClean="0"/>
+              <a:rPr lang="en-US"/>
               <a:t>Click to edit Master text styles</a:t>
             </a:r>
           </a:p>
@@ -1716,35 +1735,35 @@
           <a:p>
             <a:pPr lvl="0"/>
             <a:r>
-              <a:rPr lang="en-US" smtClean="0"/>
+              <a:rPr lang="en-US"/>
               <a:t>Click to edit Master text styles</a:t>
             </a:r>
           </a:p>
           <a:p>
             <a:pPr lvl="1"/>
             <a:r>
-              <a:rPr lang="en-US" smtClean="0"/>
+              <a:rPr lang="en-US"/>
               <a:t>Second level</a:t>
             </a:r>
           </a:p>
           <a:p>
             <a:pPr lvl="2"/>
             <a:r>
-              <a:rPr lang="en-US" smtClean="0"/>
+              <a:rPr lang="en-US"/>
               <a:t>Third level</a:t>
             </a:r>
           </a:p>
           <a:p>
             <a:pPr lvl="3"/>
             <a:r>
-              <a:rPr lang="en-US" smtClean="0"/>
+              <a:rPr lang="en-US"/>
               <a:t>Fourth level</a:t>
             </a:r>
           </a:p>
           <a:p>
             <a:pPr lvl="4"/>
             <a:r>
-              <a:rPr lang="en-US" smtClean="0"/>
+              <a:rPr lang="en-US"/>
               <a:t>Fifth level</a:t>
             </a:r>
             <a:endParaRPr lang="en-AU"/>
@@ -1768,7 +1787,7 @@
           <a:p>
             <a:fld id="{A1603105-CD7D-46BB-B5E1-D51F2A03682D}" type="datetimeFigureOut">
               <a:rPr lang="en-AU" smtClean="0"/>
-              <a:t>11/11/2016</a:t>
+              <a:t>13/11/2016</a:t>
             </a:fld>
             <a:endParaRPr lang="en-AU"/>
           </a:p>
@@ -1862,7 +1881,7 @@
           <a:lstStyle/>
           <a:p>
             <a:r>
-              <a:rPr lang="en-US" smtClean="0"/>
+              <a:rPr lang="en-US"/>
               <a:t>Click to edit Master title style</a:t>
             </a:r>
             <a:endParaRPr lang="en-AU"/>
@@ -1886,7 +1905,7 @@
           <a:p>
             <a:fld id="{A1603105-CD7D-46BB-B5E1-D51F2A03682D}" type="datetimeFigureOut">
               <a:rPr lang="en-AU" smtClean="0"/>
-              <a:t>11/11/2016</a:t>
+              <a:t>13/11/2016</a:t>
             </a:fld>
             <a:endParaRPr lang="en-AU"/>
           </a:p>
@@ -1981,7 +2000,7 @@
           <a:p>
             <a:fld id="{A1603105-CD7D-46BB-B5E1-D51F2A03682D}" type="datetimeFigureOut">
               <a:rPr lang="en-AU" smtClean="0"/>
-              <a:t>11/11/2016</a:t>
+              <a:t>13/11/2016</a:t>
             </a:fld>
             <a:endParaRPr lang="en-AU"/>
           </a:p>
@@ -2084,7 +2103,7 @@
           </a:lstStyle>
           <a:p>
             <a:r>
-              <a:rPr lang="en-US" smtClean="0"/>
+              <a:rPr lang="en-US"/>
               <a:t>Click to edit Master title style</a:t>
             </a:r>
             <a:endParaRPr lang="en-AU"/>
@@ -2141,35 +2160,35 @@
           <a:p>
             <a:pPr lvl="0"/>
             <a:r>
-              <a:rPr lang="en-US" smtClean="0"/>
+              <a:rPr lang="en-US"/>
               <a:t>Click to edit Master text styles</a:t>
             </a:r>
           </a:p>
           <a:p>
             <a:pPr lvl="1"/>
             <a:r>
-              <a:rPr lang="en-US" smtClean="0"/>
+              <a:rPr lang="en-US"/>
               <a:t>Second level</a:t>
             </a:r>
           </a:p>
           <a:p>
             <a:pPr lvl="2"/>
             <a:r>
-              <a:rPr lang="en-US" smtClean="0"/>
+              <a:rPr lang="en-US"/>
               <a:t>Third level</a:t>
             </a:r>
           </a:p>
           <a:p>
             <a:pPr lvl="3"/>
             <a:r>
-              <a:rPr lang="en-US" smtClean="0"/>
+              <a:rPr lang="en-US"/>
               <a:t>Fourth level</a:t>
             </a:r>
           </a:p>
           <a:p>
             <a:pPr lvl="4"/>
             <a:r>
-              <a:rPr lang="en-US" smtClean="0"/>
+              <a:rPr lang="en-US"/>
               <a:t>Fifth level</a:t>
             </a:r>
             <a:endParaRPr lang="en-AU"/>
@@ -2235,7 +2254,7 @@
           <a:p>
             <a:pPr lvl="0"/>
             <a:r>
-              <a:rPr lang="en-US" smtClean="0"/>
+              <a:rPr lang="en-US"/>
               <a:t>Click to edit Master text styles</a:t>
             </a:r>
           </a:p>
@@ -2258,7 +2277,7 @@
           <a:p>
             <a:fld id="{A1603105-CD7D-46BB-B5E1-D51F2A03682D}" type="datetimeFigureOut">
               <a:rPr lang="en-AU" smtClean="0"/>
-              <a:t>11/11/2016</a:t>
+              <a:t>13/11/2016</a:t>
             </a:fld>
             <a:endParaRPr lang="en-AU"/>
           </a:p>
@@ -2361,7 +2380,7 @@
           </a:lstStyle>
           <a:p>
             <a:r>
-              <a:rPr lang="en-US" smtClean="0"/>
+              <a:rPr lang="en-US"/>
               <a:t>Click to edit Master title style</a:t>
             </a:r>
             <a:endParaRPr lang="en-AU"/>
@@ -2488,7 +2507,7 @@
           <a:p>
             <a:pPr lvl="0"/>
             <a:r>
-              <a:rPr lang="en-US" smtClean="0"/>
+              <a:rPr lang="en-US"/>
               <a:t>Click to edit Master text styles</a:t>
             </a:r>
           </a:p>
@@ -2511,7 +2530,7 @@
           <a:p>
             <a:fld id="{A1603105-CD7D-46BB-B5E1-D51F2A03682D}" type="datetimeFigureOut">
               <a:rPr lang="en-AU" smtClean="0"/>
-              <a:t>11/11/2016</a:t>
+              <a:t>13/11/2016</a:t>
             </a:fld>
             <a:endParaRPr lang="en-AU"/>
           </a:p>
@@ -2620,7 +2639,7 @@
           <a:lstStyle/>
           <a:p>
             <a:r>
-              <a:rPr lang="en-US" smtClean="0"/>
+              <a:rPr lang="en-US"/>
               <a:t>Click to edit Master title style</a:t>
             </a:r>
             <a:endParaRPr lang="en-AU"/>
@@ -2654,35 +2673,35 @@
           <a:p>
             <a:pPr lvl="0"/>
             <a:r>
-              <a:rPr lang="en-US" smtClean="0"/>
+              <a:rPr lang="en-US"/>
               <a:t>Click to edit Master text styles</a:t>
             </a:r>
           </a:p>
           <a:p>
             <a:pPr lvl="1"/>
             <a:r>
-              <a:rPr lang="en-US" smtClean="0"/>
+              <a:rPr lang="en-US"/>
               <a:t>Second level</a:t>
             </a:r>
           </a:p>
           <a:p>
             <a:pPr lvl="2"/>
             <a:r>
-              <a:rPr lang="en-US" smtClean="0"/>
+              <a:rPr lang="en-US"/>
               <a:t>Third level</a:t>
             </a:r>
           </a:p>
           <a:p>
             <a:pPr lvl="3"/>
             <a:r>
-              <a:rPr lang="en-US" smtClean="0"/>
+              <a:rPr lang="en-US"/>
               <a:t>Fourth level</a:t>
             </a:r>
           </a:p>
           <a:p>
             <a:pPr lvl="4"/>
             <a:r>
-              <a:rPr lang="en-US" smtClean="0"/>
+              <a:rPr lang="en-US"/>
               <a:t>Fifth level</a:t>
             </a:r>
             <a:endParaRPr lang="en-AU"/>
@@ -2724,7 +2743,7 @@
           <a:p>
             <a:fld id="{A1603105-CD7D-46BB-B5E1-D51F2A03682D}" type="datetimeFigureOut">
               <a:rPr lang="en-AU" smtClean="0"/>
-              <a:t>11/11/2016</a:t>
+              <a:t>13/11/2016</a:t>
             </a:fld>
             <a:endParaRPr lang="en-AU"/>
           </a:p>
@@ -3127,8 +3146,8 @@
           </a:prstGeom>
         </p:spPr>
       </p:pic>
-      <mc:AlternateContent xmlns:mc="http://schemas.openxmlformats.org/markup-compatibility/2006">
-        <mc:Choice xmlns:a14="http://schemas.microsoft.com/office/drawing/2010/main" Requires="a14">
+      <mc:AlternateContent xmlns:mc="http://schemas.openxmlformats.org/markup-compatibility/2006" xmlns:a14="http://schemas.microsoft.com/office/drawing/2010/main">
+        <mc:Choice Requires="a14">
           <p:graphicFrame>
             <p:nvGraphicFramePr>
               <p:cNvPr id="11" name="Table 10"/>
@@ -3157,35 +3176,35 @@
                     <a:gridCol w="785093">
                       <a:extLst>
                         <a:ext uri="{9D8B030D-6E8A-4147-A177-3AD203B41FA5}">
-                          <a16:colId xmlns="" xmlns:a16="http://schemas.microsoft.com/office/drawing/2014/main" val="2070464311"/>
+                          <a16:colId xmlns:a16="http://schemas.microsoft.com/office/drawing/2014/main" val="2070464311"/>
                         </a:ext>
                       </a:extLst>
                     </a:gridCol>
                     <a:gridCol w="478556">
                       <a:extLst>
                         <a:ext uri="{9D8B030D-6E8A-4147-A177-3AD203B41FA5}">
-                          <a16:colId xmlns="" xmlns:a16="http://schemas.microsoft.com/office/drawing/2014/main" val="2814482158"/>
+                          <a16:colId xmlns:a16="http://schemas.microsoft.com/office/drawing/2014/main" val="2814482158"/>
                         </a:ext>
                       </a:extLst>
                     </a:gridCol>
                     <a:gridCol w="631826">
                       <a:extLst>
                         <a:ext uri="{9D8B030D-6E8A-4147-A177-3AD203B41FA5}">
-                          <a16:colId xmlns="" xmlns:a16="http://schemas.microsoft.com/office/drawing/2014/main" val="3449075261"/>
+                          <a16:colId xmlns:a16="http://schemas.microsoft.com/office/drawing/2014/main" val="3449075261"/>
                         </a:ext>
                       </a:extLst>
                     </a:gridCol>
                     <a:gridCol w="631826">
                       <a:extLst>
                         <a:ext uri="{9D8B030D-6E8A-4147-A177-3AD203B41FA5}">
-                          <a16:colId xmlns="" xmlns:a16="http://schemas.microsoft.com/office/drawing/2014/main" val="1813670796"/>
+                          <a16:colId xmlns:a16="http://schemas.microsoft.com/office/drawing/2014/main" val="1813670796"/>
                         </a:ext>
                       </a:extLst>
                     </a:gridCol>
                     <a:gridCol w="631826">
                       <a:extLst>
                         <a:ext uri="{9D8B030D-6E8A-4147-A177-3AD203B41FA5}">
-                          <a16:colId xmlns="" xmlns:a16="http://schemas.microsoft.com/office/drawing/2014/main" val="1994465920"/>
+                          <a16:colId xmlns:a16="http://schemas.microsoft.com/office/drawing/2014/main" val="1994465920"/>
                         </a:ext>
                       </a:extLst>
                     </a:gridCol>
@@ -3211,7 +3230,7 @@
                                           <a:schemeClr val="tx1"/>
                                         </a:solidFill>
                                         <a:effectLst/>
-                                        <a:latin typeface="Cambria Math"/>
+                                        <a:latin typeface="Cambria Math" panose="02040503050406030204" pitchFamily="18" charset="0"/>
                                         <a:ea typeface="+mn-ea"/>
                                         <a:cs typeface="+mn-cs"/>
                                       </a:rPr>
@@ -3300,7 +3319,7 @@
                         <a:p>
                           <a:pPr algn="ctr"/>
                           <a:r>
-                            <a:rPr lang="en-AU" sz="1200" b="1" i="1" smtClean="0"/>
+                            <a:rPr lang="en-AU" sz="1200" b="1" i="1"/>
                             <a:t>#</a:t>
                           </a:r>
                           <a14:m>
@@ -3313,7 +3332,7 @@
                                         <a:schemeClr val="tx1"/>
                                       </a:solidFill>
                                       <a:effectLst/>
-                                      <a:latin typeface="Cambria Math"/>
+                                      <a:latin typeface="Cambria Math" panose="02040503050406030204" pitchFamily="18" charset="0"/>
                                       <a:ea typeface="+mn-ea"/>
                                       <a:cs typeface="+mn-cs"/>
                                     </a:rPr>
@@ -3408,7 +3427,7 @@
                                           <a:schemeClr val="tx1"/>
                                         </a:solidFill>
                                         <a:effectLst/>
-                                        <a:latin typeface="Cambria Math"/>
+                                        <a:latin typeface="Cambria Math" panose="02040503050406030204" pitchFamily="18" charset="0"/>
                                         <a:ea typeface="+mn-ea"/>
                                         <a:cs typeface="+mn-cs"/>
                                       </a:rPr>
@@ -3451,7 +3470,7 @@
                                           <a:schemeClr val="tx1"/>
                                         </a:solidFill>
                                         <a:effectLst/>
-                                        <a:latin typeface="Cambria Math"/>
+                                        <a:latin typeface="Cambria Math" panose="02040503050406030204" pitchFamily="18" charset="0"/>
                                         <a:ea typeface="+mn-ea"/>
                                         <a:cs typeface="+mn-cs"/>
                                       </a:rPr>
@@ -3466,7 +3485,7 @@
                                               <a:schemeClr val="tx1"/>
                                             </a:solidFill>
                                             <a:effectLst/>
-                                            <a:latin typeface="Cambria Math"/>
+                                            <a:latin typeface="Cambria Math" panose="02040503050406030204" pitchFamily="18" charset="0"/>
                                             <a:ea typeface="+mn-ea"/>
                                             <a:cs typeface="+mn-cs"/>
                                           </a:rPr>
@@ -3564,7 +3583,7 @@
                                           <a:schemeClr val="tx1"/>
                                         </a:solidFill>
                                         <a:effectLst/>
-                                        <a:latin typeface="Cambria Math"/>
+                                        <a:latin typeface="Cambria Math" panose="02040503050406030204" pitchFamily="18" charset="0"/>
                                         <a:ea typeface="+mn-ea"/>
                                         <a:cs typeface="+mn-cs"/>
                                       </a:rPr>
@@ -3607,7 +3626,7 @@
                                           <a:schemeClr val="tx1"/>
                                         </a:solidFill>
                                         <a:effectLst/>
-                                        <a:latin typeface="Cambria Math"/>
+                                        <a:latin typeface="Cambria Math" panose="02040503050406030204" pitchFamily="18" charset="0"/>
                                         <a:ea typeface="+mn-ea"/>
                                         <a:cs typeface="+mn-cs"/>
                                       </a:rPr>
@@ -3622,7 +3641,7 @@
                                               <a:schemeClr val="tx1"/>
                                             </a:solidFill>
                                             <a:effectLst/>
-                                            <a:latin typeface="Cambria Math"/>
+                                            <a:latin typeface="Cambria Math" panose="02040503050406030204" pitchFamily="18" charset="0"/>
                                             <a:ea typeface="+mn-ea"/>
                                             <a:cs typeface="+mn-cs"/>
                                           </a:rPr>
@@ -3720,7 +3739,7 @@
                                           <a:schemeClr val="tx1"/>
                                         </a:solidFill>
                                         <a:effectLst/>
-                                        <a:latin typeface="Cambria Math"/>
+                                        <a:latin typeface="Cambria Math" panose="02040503050406030204" pitchFamily="18" charset="0"/>
                                         <a:ea typeface="+mn-ea"/>
                                         <a:cs typeface="+mn-cs"/>
                                       </a:rPr>
@@ -3763,7 +3782,7 @@
                                           <a:schemeClr val="tx1"/>
                                         </a:solidFill>
                                         <a:effectLst/>
-                                        <a:latin typeface="Cambria Math"/>
+                                        <a:latin typeface="Cambria Math" panose="02040503050406030204" pitchFamily="18" charset="0"/>
                                         <a:ea typeface="+mn-ea"/>
                                         <a:cs typeface="+mn-cs"/>
                                       </a:rPr>
@@ -3778,7 +3797,7 @@
                                               <a:schemeClr val="tx1"/>
                                             </a:solidFill>
                                             <a:effectLst/>
-                                            <a:latin typeface="Cambria Math"/>
+                                            <a:latin typeface="Cambria Math" panose="02040503050406030204" pitchFamily="18" charset="0"/>
                                             <a:ea typeface="+mn-ea"/>
                                             <a:cs typeface="+mn-cs"/>
                                           </a:rPr>
@@ -3864,7 +3883,7 @@
                     </a:tc>
                     <a:extLst>
                       <a:ext uri="{0D108BD9-81ED-4DB2-BD59-A6C34878D82A}">
-                        <a16:rowId xmlns="" xmlns:a16="http://schemas.microsoft.com/office/drawing/2014/main" val="3176941515"/>
+                        <a16:rowId xmlns:a16="http://schemas.microsoft.com/office/drawing/2014/main" val="3176941515"/>
                       </a:ext>
                     </a:extLst>
                   </a:tr>
@@ -4097,7 +4116,7 @@
                     </a:tc>
                     <a:extLst>
                       <a:ext uri="{0D108BD9-81ED-4DB2-BD59-A6C34878D82A}">
-                        <a16:rowId xmlns="" xmlns:a16="http://schemas.microsoft.com/office/drawing/2014/main" val="2673339703"/>
+                        <a16:rowId xmlns:a16="http://schemas.microsoft.com/office/drawing/2014/main" val="2673339703"/>
                       </a:ext>
                     </a:extLst>
                   </a:tr>
@@ -4291,7 +4310,7 @@
                     </a:tc>
                     <a:extLst>
                       <a:ext uri="{0D108BD9-81ED-4DB2-BD59-A6C34878D82A}">
-                        <a16:rowId xmlns="" xmlns:a16="http://schemas.microsoft.com/office/drawing/2014/main" val="2736953877"/>
+                        <a16:rowId xmlns:a16="http://schemas.microsoft.com/office/drawing/2014/main" val="2736953877"/>
                       </a:ext>
                     </a:extLst>
                   </a:tr>
@@ -4494,7 +4513,7 @@
                     </a:tc>
                     <a:extLst>
                       <a:ext uri="{0D108BD9-81ED-4DB2-BD59-A6C34878D82A}">
-                        <a16:rowId xmlns="" xmlns:a16="http://schemas.microsoft.com/office/drawing/2014/main" val="935999974"/>
+                        <a16:rowId xmlns:a16="http://schemas.microsoft.com/office/drawing/2014/main" val="935999974"/>
                       </a:ext>
                     </a:extLst>
                   </a:tr>
@@ -4688,7 +4707,7 @@
                     </a:tc>
                     <a:extLst>
                       <a:ext uri="{0D108BD9-81ED-4DB2-BD59-A6C34878D82A}">
-                        <a16:rowId xmlns="" xmlns:a16="http://schemas.microsoft.com/office/drawing/2014/main" val="3527595651"/>
+                        <a16:rowId xmlns:a16="http://schemas.microsoft.com/office/drawing/2014/main" val="3527595651"/>
                       </a:ext>
                     </a:extLst>
                   </a:tr>
@@ -4882,7 +4901,7 @@
                     </a:tc>
                     <a:extLst>
                       <a:ext uri="{0D108BD9-81ED-4DB2-BD59-A6C34878D82A}">
-                        <a16:rowId xmlns="" xmlns:a16="http://schemas.microsoft.com/office/drawing/2014/main" val="2500584138"/>
+                        <a16:rowId xmlns:a16="http://schemas.microsoft.com/office/drawing/2014/main" val="2500584138"/>
                       </a:ext>
                     </a:extLst>
                   </a:tr>
@@ -5076,7 +5095,7 @@
                     </a:tc>
                     <a:extLst>
                       <a:ext uri="{0D108BD9-81ED-4DB2-BD59-A6C34878D82A}">
-                        <a16:rowId xmlns="" xmlns:a16="http://schemas.microsoft.com/office/drawing/2014/main" val="1644191295"/>
+                        <a16:rowId xmlns:a16="http://schemas.microsoft.com/office/drawing/2014/main" val="1644191295"/>
                       </a:ext>
                     </a:extLst>
                   </a:tr>
@@ -5270,7 +5289,7 @@
                     </a:tc>
                     <a:extLst>
                       <a:ext uri="{0D108BD9-81ED-4DB2-BD59-A6C34878D82A}">
-                        <a16:rowId xmlns="" xmlns:a16="http://schemas.microsoft.com/office/drawing/2014/main" val="2249276370"/>
+                        <a16:rowId xmlns:a16="http://schemas.microsoft.com/office/drawing/2014/main" val="2249276370"/>
                       </a:ext>
                     </a:extLst>
                   </a:tr>
@@ -5464,7 +5483,7 @@
                     </a:tc>
                     <a:extLst>
                       <a:ext uri="{0D108BD9-81ED-4DB2-BD59-A6C34878D82A}">
-                        <a16:rowId xmlns="" xmlns:a16="http://schemas.microsoft.com/office/drawing/2014/main" val="889951462"/>
+                        <a16:rowId xmlns:a16="http://schemas.microsoft.com/office/drawing/2014/main" val="889951462"/>
                       </a:ext>
                     </a:extLst>
                   </a:tr>
@@ -5688,7 +5707,7 @@
                     </a:tc>
                     <a:extLst>
                       <a:ext uri="{0D108BD9-81ED-4DB2-BD59-A6C34878D82A}">
-                        <a16:rowId xmlns="" xmlns:a16="http://schemas.microsoft.com/office/drawing/2014/main" val="141707935"/>
+                        <a16:rowId xmlns:a16="http://schemas.microsoft.com/office/drawing/2014/main" val="141707935"/>
                       </a:ext>
                     </a:extLst>
                   </a:tr>
@@ -5697,7 +5716,7 @@
             </a:graphic>
           </p:graphicFrame>
         </mc:Choice>
-        <mc:Fallback>
+        <mc:Fallback xmlns="">
           <p:graphicFrame>
             <p:nvGraphicFramePr>
               <p:cNvPr id="11" name="Table 10"/>
@@ -7883,8 +7902,8 @@
           <a:chExt cx="0" cy="0"/>
         </a:xfrm>
       </p:grpSpPr>
-      <mc:AlternateContent xmlns:mc="http://schemas.openxmlformats.org/markup-compatibility/2006">
-        <mc:Choice xmlns:a14="http://schemas.microsoft.com/office/drawing/2010/main" Requires="a14">
+      <mc:AlternateContent xmlns:mc="http://schemas.openxmlformats.org/markup-compatibility/2006" xmlns:a14="http://schemas.microsoft.com/office/drawing/2010/main">
+        <mc:Choice Requires="a14">
           <p:graphicFrame>
             <p:nvGraphicFramePr>
               <p:cNvPr id="6" name="Table 5"/>
@@ -7913,35 +7932,35 @@
                     <a:gridCol w="785093">
                       <a:extLst>
                         <a:ext uri="{9D8B030D-6E8A-4147-A177-3AD203B41FA5}">
-                          <a16:colId xmlns="" xmlns:a16="http://schemas.microsoft.com/office/drawing/2014/main" val="2070464311"/>
+                          <a16:colId xmlns:a16="http://schemas.microsoft.com/office/drawing/2014/main" val="2070464311"/>
                         </a:ext>
                       </a:extLst>
                     </a:gridCol>
                     <a:gridCol w="478557">
                       <a:extLst>
                         <a:ext uri="{9D8B030D-6E8A-4147-A177-3AD203B41FA5}">
-                          <a16:colId xmlns="" xmlns:a16="http://schemas.microsoft.com/office/drawing/2014/main" val="2814482158"/>
+                          <a16:colId xmlns:a16="http://schemas.microsoft.com/office/drawing/2014/main" val="2814482158"/>
                         </a:ext>
                       </a:extLst>
                     </a:gridCol>
                     <a:gridCol w="631825">
                       <a:extLst>
                         <a:ext uri="{9D8B030D-6E8A-4147-A177-3AD203B41FA5}">
-                          <a16:colId xmlns="" xmlns:a16="http://schemas.microsoft.com/office/drawing/2014/main" val="3449075261"/>
+                          <a16:colId xmlns:a16="http://schemas.microsoft.com/office/drawing/2014/main" val="3449075261"/>
                         </a:ext>
                       </a:extLst>
                     </a:gridCol>
                     <a:gridCol w="631825">
                       <a:extLst>
                         <a:ext uri="{9D8B030D-6E8A-4147-A177-3AD203B41FA5}">
-                          <a16:colId xmlns="" xmlns:a16="http://schemas.microsoft.com/office/drawing/2014/main" val="1813670796"/>
+                          <a16:colId xmlns:a16="http://schemas.microsoft.com/office/drawing/2014/main" val="1813670796"/>
                         </a:ext>
                       </a:extLst>
                     </a:gridCol>
                     <a:gridCol w="631825">
                       <a:extLst>
                         <a:ext uri="{9D8B030D-6E8A-4147-A177-3AD203B41FA5}">
-                          <a16:colId xmlns="" xmlns:a16="http://schemas.microsoft.com/office/drawing/2014/main" val="1994465920"/>
+                          <a16:colId xmlns:a16="http://schemas.microsoft.com/office/drawing/2014/main" val="1994465920"/>
                         </a:ext>
                       </a:extLst>
                     </a:gridCol>
@@ -7967,7 +7986,7 @@
                                           <a:schemeClr val="tx1"/>
                                         </a:solidFill>
                                         <a:effectLst/>
-                                        <a:latin typeface="Cambria Math"/>
+                                        <a:latin typeface="Cambria Math" panose="02040503050406030204" pitchFamily="18" charset="0"/>
                                         <a:ea typeface="+mn-ea"/>
                                         <a:cs typeface="+mn-cs"/>
                                       </a:rPr>
@@ -8069,7 +8088,7 @@
                                         <a:schemeClr val="tx1"/>
                                       </a:solidFill>
                                       <a:effectLst/>
-                                      <a:latin typeface="Cambria Math"/>
+                                      <a:latin typeface="Cambria Math" panose="02040503050406030204" pitchFamily="18" charset="0"/>
                                       <a:ea typeface="+mn-ea"/>
                                       <a:cs typeface="+mn-cs"/>
                                     </a:rPr>
@@ -8164,7 +8183,7 @@
                                           <a:schemeClr val="tx1"/>
                                         </a:solidFill>
                                         <a:effectLst/>
-                                        <a:latin typeface="Cambria Math"/>
+                                        <a:latin typeface="Cambria Math" panose="02040503050406030204" pitchFamily="18" charset="0"/>
                                         <a:ea typeface="+mn-ea"/>
                                         <a:cs typeface="+mn-cs"/>
                                       </a:rPr>
@@ -8207,7 +8226,7 @@
                                           <a:schemeClr val="tx1"/>
                                         </a:solidFill>
                                         <a:effectLst/>
-                                        <a:latin typeface="Cambria Math"/>
+                                        <a:latin typeface="Cambria Math" panose="02040503050406030204" pitchFamily="18" charset="0"/>
                                         <a:ea typeface="+mn-ea"/>
                                         <a:cs typeface="+mn-cs"/>
                                       </a:rPr>
@@ -8222,7 +8241,7 @@
                                               <a:schemeClr val="tx1"/>
                                             </a:solidFill>
                                             <a:effectLst/>
-                                            <a:latin typeface="Cambria Math"/>
+                                            <a:latin typeface="Cambria Math" panose="02040503050406030204" pitchFamily="18" charset="0"/>
                                             <a:ea typeface="+mn-ea"/>
                                             <a:cs typeface="+mn-cs"/>
                                           </a:rPr>
@@ -8320,7 +8339,7 @@
                                           <a:schemeClr val="tx1"/>
                                         </a:solidFill>
                                         <a:effectLst/>
-                                        <a:latin typeface="Cambria Math"/>
+                                        <a:latin typeface="Cambria Math" panose="02040503050406030204" pitchFamily="18" charset="0"/>
                                         <a:ea typeface="+mn-ea"/>
                                         <a:cs typeface="+mn-cs"/>
                                       </a:rPr>
@@ -8363,7 +8382,7 @@
                                           <a:schemeClr val="tx1"/>
                                         </a:solidFill>
                                         <a:effectLst/>
-                                        <a:latin typeface="Cambria Math"/>
+                                        <a:latin typeface="Cambria Math" panose="02040503050406030204" pitchFamily="18" charset="0"/>
                                         <a:ea typeface="+mn-ea"/>
                                         <a:cs typeface="+mn-cs"/>
                                       </a:rPr>
@@ -8378,7 +8397,7 @@
                                               <a:schemeClr val="tx1"/>
                                             </a:solidFill>
                                             <a:effectLst/>
-                                            <a:latin typeface="Cambria Math"/>
+                                            <a:latin typeface="Cambria Math" panose="02040503050406030204" pitchFamily="18" charset="0"/>
                                             <a:ea typeface="+mn-ea"/>
                                             <a:cs typeface="+mn-cs"/>
                                           </a:rPr>
@@ -8476,7 +8495,7 @@
                                           <a:schemeClr val="tx1"/>
                                         </a:solidFill>
                                         <a:effectLst/>
-                                        <a:latin typeface="Cambria Math"/>
+                                        <a:latin typeface="Cambria Math" panose="02040503050406030204" pitchFamily="18" charset="0"/>
                                         <a:ea typeface="+mn-ea"/>
                                         <a:cs typeface="+mn-cs"/>
                                       </a:rPr>
@@ -8519,7 +8538,7 @@
                                           <a:schemeClr val="tx1"/>
                                         </a:solidFill>
                                         <a:effectLst/>
-                                        <a:latin typeface="Cambria Math"/>
+                                        <a:latin typeface="Cambria Math" panose="02040503050406030204" pitchFamily="18" charset="0"/>
                                         <a:ea typeface="+mn-ea"/>
                                         <a:cs typeface="+mn-cs"/>
                                       </a:rPr>
@@ -8534,7 +8553,7 @@
                                               <a:schemeClr val="tx1"/>
                                             </a:solidFill>
                                             <a:effectLst/>
-                                            <a:latin typeface="Cambria Math"/>
+                                            <a:latin typeface="Cambria Math" panose="02040503050406030204" pitchFamily="18" charset="0"/>
                                             <a:ea typeface="+mn-ea"/>
                                             <a:cs typeface="+mn-cs"/>
                                           </a:rPr>
@@ -8620,7 +8639,7 @@
                     </a:tc>
                     <a:extLst>
                       <a:ext uri="{0D108BD9-81ED-4DB2-BD59-A6C34878D82A}">
-                        <a16:rowId xmlns="" xmlns:a16="http://schemas.microsoft.com/office/drawing/2014/main" val="3176941515"/>
+                        <a16:rowId xmlns:a16="http://schemas.microsoft.com/office/drawing/2014/main" val="3176941515"/>
                       </a:ext>
                     </a:extLst>
                   </a:tr>
@@ -8632,7 +8651,7 @@
                         <a:p>
                           <a:pPr algn="ctr" fontAlgn="b"/>
                           <a:r>
-                            <a:rPr lang="en-AU" sz="900" u="none" strike="noStrike" dirty="0" smtClean="0">
+                            <a:rPr lang="en-AU" sz="900" u="none" strike="noStrike" dirty="0">
                               <a:effectLst/>
                             </a:rPr>
                             <a:t>FYVDSVK</a:t>
@@ -8688,10 +8707,9 @@
                         <a:p>
                           <a:pPr algn="ctr"/>
                           <a:r>
-                            <a:rPr lang="en-AU" sz="900" dirty="0" smtClean="0"/>
+                            <a:rPr lang="en-AU" sz="900" dirty="0"/>
                             <a:t>9</a:t>
                           </a:r>
-                          <a:endParaRPr lang="en-AU" sz="900" dirty="0"/>
                         </a:p>
                       </a:txBody>
                       <a:tcPr anchor="ctr">
@@ -8730,10 +8748,9 @@
                         <a:p>
                           <a:pPr algn="ctr"/>
                           <a:r>
-                            <a:rPr lang="en-AU" sz="900" dirty="0" smtClean="0"/>
+                            <a:rPr lang="en-AU" sz="900" dirty="0"/>
                             <a:t>1</a:t>
                           </a:r>
-                          <a:endParaRPr lang="en-AU" sz="900" dirty="0"/>
                         </a:p>
                       </a:txBody>
                       <a:tcPr anchor="ctr">
@@ -8772,10 +8789,9 @@
                         <a:p>
                           <a:pPr algn="ctr"/>
                           <a:r>
-                            <a:rPr lang="en-AU" sz="900" dirty="0" smtClean="0"/>
+                            <a:rPr lang="en-AU" sz="900" dirty="0"/>
                             <a:t>0.994</a:t>
                           </a:r>
-                          <a:endParaRPr lang="en-AU" sz="900" dirty="0"/>
                         </a:p>
                       </a:txBody>
                       <a:tcPr anchor="ctr">
@@ -8814,10 +8830,9 @@
                         <a:p>
                           <a:pPr algn="ctr"/>
                           <a:r>
-                            <a:rPr lang="en-AU" sz="900" dirty="0" smtClean="0"/>
+                            <a:rPr lang="en-AU" sz="900" dirty="0"/>
                             <a:t>0.509</a:t>
                           </a:r>
-                          <a:endParaRPr lang="en-AU" sz="900" dirty="0"/>
                         </a:p>
                       </a:txBody>
                       <a:tcPr anchor="ctr">
@@ -8857,7 +8872,7 @@
                     </a:tc>
                     <a:extLst>
                       <a:ext uri="{0D108BD9-81ED-4DB2-BD59-A6C34878D82A}">
-                        <a16:rowId xmlns="" xmlns:a16="http://schemas.microsoft.com/office/drawing/2014/main" val="2673339703"/>
+                        <a16:rowId xmlns:a16="http://schemas.microsoft.com/office/drawing/2014/main" val="2673339703"/>
                       </a:ext>
                     </a:extLst>
                   </a:tr>
@@ -8869,10 +8884,9 @@
                         <a:p>
                           <a:pPr algn="ctr"/>
                           <a:r>
-                            <a:rPr lang="en-AU" sz="900" dirty="0" smtClean="0"/>
+                            <a:rPr lang="en-AU" sz="900" dirty="0"/>
                             <a:t>YYVDSVK</a:t>
                           </a:r>
-                          <a:endParaRPr lang="en-AU" sz="900" dirty="0"/>
                         </a:p>
                       </a:txBody>
                       <a:tcPr anchor="ctr">
@@ -8911,118 +8925,114 @@
                         <a:p>
                           <a:pPr algn="ctr"/>
                           <a:r>
-                            <a:rPr lang="en-AU" sz="900" dirty="0" smtClean="0"/>
+                            <a:rPr lang="en-AU" sz="900" dirty="0"/>
                             <a:t>6</a:t>
                           </a:r>
-                          <a:endParaRPr lang="en-AU" sz="900" dirty="0"/>
-                        </a:p>
-                      </a:txBody>
-                      <a:tcPr anchor="ctr">
-                        <a:lnL>
-                          <a:noFill/>
-                        </a:lnL>
-                        <a:lnR>
-                          <a:noFill/>
-                        </a:lnR>
-                        <a:lnT>
-                          <a:noFill/>
-                        </a:lnT>
-                        <a:lnB>
-                          <a:noFill/>
-                        </a:lnB>
-                        <a:lnTlToBr w="12700" cmpd="sng">
-                          <a:noFill/>
-                          <a:prstDash val="solid"/>
-                        </a:lnTlToBr>
-                        <a:lnBlToTr w="12700" cmpd="sng">
-                          <a:noFill/>
-                          <a:prstDash val="solid"/>
-                        </a:lnBlToTr>
-                      </a:tcPr>
-                    </a:tc>
-                    <a:tc>
-                      <a:txBody>
-                        <a:bodyPr/>
-                        <a:lstStyle/>
-                        <a:p>
-                          <a:pPr algn="ctr"/>
-                          <a:r>
-                            <a:rPr lang="en-AU" sz="900" dirty="0" smtClean="0"/>
+                        </a:p>
+                      </a:txBody>
+                      <a:tcPr anchor="ctr">
+                        <a:lnL>
+                          <a:noFill/>
+                        </a:lnL>
+                        <a:lnR>
+                          <a:noFill/>
+                        </a:lnR>
+                        <a:lnT>
+                          <a:noFill/>
+                        </a:lnT>
+                        <a:lnB>
+                          <a:noFill/>
+                        </a:lnB>
+                        <a:lnTlToBr w="12700" cmpd="sng">
+                          <a:noFill/>
+                          <a:prstDash val="solid"/>
+                        </a:lnTlToBr>
+                        <a:lnBlToTr w="12700" cmpd="sng">
+                          <a:noFill/>
+                          <a:prstDash val="solid"/>
+                        </a:lnBlToTr>
+                      </a:tcPr>
+                    </a:tc>
+                    <a:tc>
+                      <a:txBody>
+                        <a:bodyPr/>
+                        <a:lstStyle/>
+                        <a:p>
+                          <a:pPr algn="ctr"/>
+                          <a:r>
+                            <a:rPr lang="en-AU" sz="900" dirty="0"/>
                             <a:t>0</a:t>
                           </a:r>
-                          <a:endParaRPr lang="en-AU" sz="900" dirty="0"/>
-                        </a:p>
-                      </a:txBody>
-                      <a:tcPr anchor="ctr">
-                        <a:lnL>
-                          <a:noFill/>
-                        </a:lnL>
-                        <a:lnR>
-                          <a:noFill/>
-                        </a:lnR>
-                        <a:lnT>
-                          <a:noFill/>
-                        </a:lnT>
-                        <a:lnB>
-                          <a:noFill/>
-                        </a:lnB>
-                        <a:lnTlToBr w="12700" cmpd="sng">
-                          <a:noFill/>
-                          <a:prstDash val="solid"/>
-                        </a:lnTlToBr>
-                        <a:lnBlToTr w="12700" cmpd="sng">
-                          <a:noFill/>
-                          <a:prstDash val="solid"/>
-                        </a:lnBlToTr>
-                      </a:tcPr>
-                    </a:tc>
-                    <a:tc>
-                      <a:txBody>
-                        <a:bodyPr/>
-                        <a:lstStyle/>
-                        <a:p>
-                          <a:pPr algn="ctr"/>
-                          <a:r>
-                            <a:rPr lang="en-AU" sz="900" dirty="0" smtClean="0"/>
+                        </a:p>
+                      </a:txBody>
+                      <a:tcPr anchor="ctr">
+                        <a:lnL>
+                          <a:noFill/>
+                        </a:lnL>
+                        <a:lnR>
+                          <a:noFill/>
+                        </a:lnR>
+                        <a:lnT>
+                          <a:noFill/>
+                        </a:lnT>
+                        <a:lnB>
+                          <a:noFill/>
+                        </a:lnB>
+                        <a:lnTlToBr w="12700" cmpd="sng">
+                          <a:noFill/>
+                          <a:prstDash val="solid"/>
+                        </a:lnTlToBr>
+                        <a:lnBlToTr w="12700" cmpd="sng">
+                          <a:noFill/>
+                          <a:prstDash val="solid"/>
+                        </a:lnBlToTr>
+                      </a:tcPr>
+                    </a:tc>
+                    <a:tc>
+                      <a:txBody>
+                        <a:bodyPr/>
+                        <a:lstStyle/>
+                        <a:p>
+                          <a:pPr algn="ctr"/>
+                          <a:r>
+                            <a:rPr lang="en-AU" sz="900" dirty="0"/>
                             <a:t>0.994</a:t>
                           </a:r>
-                          <a:endParaRPr lang="en-AU" sz="900" dirty="0"/>
-                        </a:p>
-                      </a:txBody>
-                      <a:tcPr anchor="ctr">
-                        <a:lnL>
-                          <a:noFill/>
-                        </a:lnL>
-                        <a:lnR>
-                          <a:noFill/>
-                        </a:lnR>
-                        <a:lnT>
-                          <a:noFill/>
-                        </a:lnT>
-                        <a:lnB>
-                          <a:noFill/>
-                        </a:lnB>
-                        <a:lnTlToBr w="12700" cmpd="sng">
-                          <a:noFill/>
-                          <a:prstDash val="solid"/>
-                        </a:lnTlToBr>
-                        <a:lnBlToTr w="12700" cmpd="sng">
-                          <a:noFill/>
-                          <a:prstDash val="solid"/>
-                        </a:lnBlToTr>
-                      </a:tcPr>
-                    </a:tc>
-                    <a:tc>
-                      <a:txBody>
-                        <a:bodyPr/>
-                        <a:lstStyle/>
-                        <a:p>
-                          <a:pPr algn="ctr"/>
-                          <a:r>
-                            <a:rPr lang="en-AU" sz="900" dirty="0" smtClean="0"/>
+                        </a:p>
+                      </a:txBody>
+                      <a:tcPr anchor="ctr">
+                        <a:lnL>
+                          <a:noFill/>
+                        </a:lnL>
+                        <a:lnR>
+                          <a:noFill/>
+                        </a:lnR>
+                        <a:lnT>
+                          <a:noFill/>
+                        </a:lnT>
+                        <a:lnB>
+                          <a:noFill/>
+                        </a:lnB>
+                        <a:lnTlToBr w="12700" cmpd="sng">
+                          <a:noFill/>
+                          <a:prstDash val="solid"/>
+                        </a:lnTlToBr>
+                        <a:lnBlToTr w="12700" cmpd="sng">
+                          <a:noFill/>
+                          <a:prstDash val="solid"/>
+                        </a:lnBlToTr>
+                      </a:tcPr>
+                    </a:tc>
+                    <a:tc>
+                      <a:txBody>
+                        <a:bodyPr/>
+                        <a:lstStyle/>
+                        <a:p>
+                          <a:pPr algn="ctr"/>
+                          <a:r>
+                            <a:rPr lang="en-AU" sz="900" dirty="0"/>
                             <a:t>0.475</a:t>
                           </a:r>
-                          <a:endParaRPr lang="en-AU" sz="900" dirty="0"/>
                         </a:p>
                       </a:txBody>
                       <a:tcPr anchor="ctr">
@@ -9056,7 +9066,7 @@
                     </a:tc>
                     <a:extLst>
                       <a:ext uri="{0D108BD9-81ED-4DB2-BD59-A6C34878D82A}">
-                        <a16:rowId xmlns="" xmlns:a16="http://schemas.microsoft.com/office/drawing/2014/main" val="2736953877"/>
+                        <a16:rowId xmlns:a16="http://schemas.microsoft.com/office/drawing/2014/main" val="2736953877"/>
                       </a:ext>
                     </a:extLst>
                   </a:tr>
@@ -9068,7 +9078,7 @@
                         <a:p>
                           <a:pPr algn="ctr" fontAlgn="b"/>
                           <a:r>
-                            <a:rPr lang="en-AU" sz="900" u="none" strike="noStrike" dirty="0" smtClean="0">
+                            <a:rPr lang="en-AU" sz="900" u="none" strike="noStrike" dirty="0">
                               <a:effectLst/>
                             </a:rPr>
                             <a:t>YVDSVK</a:t>
@@ -9118,118 +9128,114 @@
                         <a:p>
                           <a:pPr algn="ctr"/>
                           <a:r>
-                            <a:rPr lang="en-AU" sz="900" dirty="0" smtClean="0"/>
+                            <a:rPr lang="en-AU" sz="900" dirty="0"/>
                             <a:t>5</a:t>
                           </a:r>
-                          <a:endParaRPr lang="en-AU" sz="900" dirty="0"/>
-                        </a:p>
-                      </a:txBody>
-                      <a:tcPr anchor="ctr">
-                        <a:lnL>
-                          <a:noFill/>
-                        </a:lnL>
-                        <a:lnR>
-                          <a:noFill/>
-                        </a:lnR>
-                        <a:lnT>
-                          <a:noFill/>
-                        </a:lnT>
-                        <a:lnB>
-                          <a:noFill/>
-                        </a:lnB>
-                        <a:lnTlToBr w="12700" cmpd="sng">
-                          <a:noFill/>
-                          <a:prstDash val="solid"/>
-                        </a:lnTlToBr>
-                        <a:lnBlToTr w="12700" cmpd="sng">
-                          <a:noFill/>
-                          <a:prstDash val="solid"/>
-                        </a:lnBlToTr>
-                      </a:tcPr>
-                    </a:tc>
-                    <a:tc>
-                      <a:txBody>
-                        <a:bodyPr/>
-                        <a:lstStyle/>
-                        <a:p>
-                          <a:pPr algn="ctr"/>
-                          <a:r>
-                            <a:rPr lang="en-AU" sz="900" dirty="0" smtClean="0"/>
+                        </a:p>
+                      </a:txBody>
+                      <a:tcPr anchor="ctr">
+                        <a:lnL>
+                          <a:noFill/>
+                        </a:lnL>
+                        <a:lnR>
+                          <a:noFill/>
+                        </a:lnR>
+                        <a:lnT>
+                          <a:noFill/>
+                        </a:lnT>
+                        <a:lnB>
+                          <a:noFill/>
+                        </a:lnB>
+                        <a:lnTlToBr w="12700" cmpd="sng">
+                          <a:noFill/>
+                          <a:prstDash val="solid"/>
+                        </a:lnTlToBr>
+                        <a:lnBlToTr w="12700" cmpd="sng">
+                          <a:noFill/>
+                          <a:prstDash val="solid"/>
+                        </a:lnBlToTr>
+                      </a:tcPr>
+                    </a:tc>
+                    <a:tc>
+                      <a:txBody>
+                        <a:bodyPr/>
+                        <a:lstStyle/>
+                        <a:p>
+                          <a:pPr algn="ctr"/>
+                          <a:r>
+                            <a:rPr lang="en-AU" sz="900" dirty="0"/>
                             <a:t>0</a:t>
                           </a:r>
-                          <a:endParaRPr lang="en-AU" sz="900" dirty="0"/>
-                        </a:p>
-                      </a:txBody>
-                      <a:tcPr anchor="ctr">
-                        <a:lnL>
-                          <a:noFill/>
-                        </a:lnL>
-                        <a:lnR>
-                          <a:noFill/>
-                        </a:lnR>
-                        <a:lnT>
-                          <a:noFill/>
-                        </a:lnT>
-                        <a:lnB>
-                          <a:noFill/>
-                        </a:lnB>
-                        <a:lnTlToBr w="12700" cmpd="sng">
-                          <a:noFill/>
-                          <a:prstDash val="solid"/>
-                        </a:lnTlToBr>
-                        <a:lnBlToTr w="12700" cmpd="sng">
-                          <a:noFill/>
-                          <a:prstDash val="solid"/>
-                        </a:lnBlToTr>
-                      </a:tcPr>
-                    </a:tc>
-                    <a:tc>
-                      <a:txBody>
-                        <a:bodyPr/>
-                        <a:lstStyle/>
-                        <a:p>
-                          <a:pPr algn="ctr"/>
-                          <a:r>
-                            <a:rPr lang="en-AU" sz="900" dirty="0" smtClean="0"/>
+                        </a:p>
+                      </a:txBody>
+                      <a:tcPr anchor="ctr">
+                        <a:lnL>
+                          <a:noFill/>
+                        </a:lnL>
+                        <a:lnR>
+                          <a:noFill/>
+                        </a:lnR>
+                        <a:lnT>
+                          <a:noFill/>
+                        </a:lnT>
+                        <a:lnB>
+                          <a:noFill/>
+                        </a:lnB>
+                        <a:lnTlToBr w="12700" cmpd="sng">
+                          <a:noFill/>
+                          <a:prstDash val="solid"/>
+                        </a:lnTlToBr>
+                        <a:lnBlToTr w="12700" cmpd="sng">
+                          <a:noFill/>
+                          <a:prstDash val="solid"/>
+                        </a:lnBlToTr>
+                      </a:tcPr>
+                    </a:tc>
+                    <a:tc>
+                      <a:txBody>
+                        <a:bodyPr/>
+                        <a:lstStyle/>
+                        <a:p>
+                          <a:pPr algn="ctr"/>
+                          <a:r>
+                            <a:rPr lang="en-AU" sz="900" dirty="0"/>
                             <a:t>0.998</a:t>
                           </a:r>
-                          <a:endParaRPr lang="en-AU" sz="900" dirty="0"/>
-                        </a:p>
-                      </a:txBody>
-                      <a:tcPr anchor="ctr">
-                        <a:lnL>
-                          <a:noFill/>
-                        </a:lnL>
-                        <a:lnR>
-                          <a:noFill/>
-                        </a:lnR>
-                        <a:lnT>
-                          <a:noFill/>
-                        </a:lnT>
-                        <a:lnB>
-                          <a:noFill/>
-                        </a:lnB>
-                        <a:lnTlToBr w="12700" cmpd="sng">
-                          <a:noFill/>
-                          <a:prstDash val="solid"/>
-                        </a:lnTlToBr>
-                        <a:lnBlToTr w="12700" cmpd="sng">
-                          <a:noFill/>
-                          <a:prstDash val="solid"/>
-                        </a:lnBlToTr>
-                      </a:tcPr>
-                    </a:tc>
-                    <a:tc>
-                      <a:txBody>
-                        <a:bodyPr/>
-                        <a:lstStyle/>
-                        <a:p>
-                          <a:pPr algn="ctr"/>
-                          <a:r>
-                            <a:rPr lang="en-AU" sz="900" dirty="0" smtClean="0"/>
+                        </a:p>
+                      </a:txBody>
+                      <a:tcPr anchor="ctr">
+                        <a:lnL>
+                          <a:noFill/>
+                        </a:lnL>
+                        <a:lnR>
+                          <a:noFill/>
+                        </a:lnR>
+                        <a:lnT>
+                          <a:noFill/>
+                        </a:lnT>
+                        <a:lnB>
+                          <a:noFill/>
+                        </a:lnB>
+                        <a:lnTlToBr w="12700" cmpd="sng">
+                          <a:noFill/>
+                          <a:prstDash val="solid"/>
+                        </a:lnTlToBr>
+                        <a:lnBlToTr w="12700" cmpd="sng">
+                          <a:noFill/>
+                          <a:prstDash val="solid"/>
+                        </a:lnBlToTr>
+                      </a:tcPr>
+                    </a:tc>
+                    <a:tc>
+                      <a:txBody>
+                        <a:bodyPr/>
+                        <a:lstStyle/>
+                        <a:p>
+                          <a:pPr algn="ctr"/>
+                          <a:r>
+                            <a:rPr lang="en-AU" sz="900" dirty="0"/>
                             <a:t>0.300</a:t>
                           </a:r>
-                          <a:endParaRPr lang="en-AU" sz="900" dirty="0"/>
                         </a:p>
                       </a:txBody>
                       <a:tcPr anchor="ctr">
@@ -9263,7 +9269,7 @@
                     </a:tc>
                     <a:extLst>
                       <a:ext uri="{0D108BD9-81ED-4DB2-BD59-A6C34878D82A}">
-                        <a16:rowId xmlns="" xmlns:a16="http://schemas.microsoft.com/office/drawing/2014/main" val="935999974"/>
+                        <a16:rowId xmlns:a16="http://schemas.microsoft.com/office/drawing/2014/main" val="935999974"/>
                       </a:ext>
                     </a:extLst>
                   </a:tr>
@@ -9275,10 +9281,9 @@
                         <a:p>
                           <a:pPr algn="ctr"/>
                           <a:r>
-                            <a:rPr lang="en-AU" sz="900" dirty="0" smtClean="0"/>
+                            <a:rPr lang="en-AU" sz="900" dirty="0"/>
                             <a:t>FYVDSVGK</a:t>
                           </a:r>
-                          <a:endParaRPr lang="en-AU" sz="900" dirty="0"/>
                         </a:p>
                       </a:txBody>
                       <a:tcPr anchor="ctr">
@@ -9352,10 +9357,9 @@
                         <a:p>
                           <a:pPr algn="ctr"/>
                           <a:r>
-                            <a:rPr lang="en-AU" sz="900" dirty="0" smtClean="0"/>
+                            <a:rPr lang="en-AU" sz="900" dirty="0"/>
                             <a:t>3</a:t>
                           </a:r>
-                          <a:endParaRPr lang="en-AU" sz="900" dirty="0"/>
                         </a:p>
                       </a:txBody>
                       <a:tcPr anchor="ctr">
@@ -9423,10 +9427,9 @@
                         <a:p>
                           <a:pPr algn="ctr"/>
                           <a:r>
-                            <a:rPr lang="en-AU" sz="900" dirty="0" smtClean="0"/>
+                            <a:rPr lang="en-AU" sz="900" dirty="0"/>
                             <a:t>0.500</a:t>
                           </a:r>
-                          <a:endParaRPr lang="en-AU" sz="900" dirty="0"/>
                         </a:p>
                       </a:txBody>
                       <a:tcPr anchor="ctr">
@@ -9460,7 +9463,7 @@
                     </a:tc>
                     <a:extLst>
                       <a:ext uri="{0D108BD9-81ED-4DB2-BD59-A6C34878D82A}">
-                        <a16:rowId xmlns="" xmlns:a16="http://schemas.microsoft.com/office/drawing/2014/main" val="3527595651"/>
+                        <a16:rowId xmlns:a16="http://schemas.microsoft.com/office/drawing/2014/main" val="3527595651"/>
                       </a:ext>
                     </a:extLst>
                   </a:tr>
@@ -9472,10 +9475,9 @@
                         <a:p>
                           <a:pPr algn="ctr"/>
                           <a:r>
-                            <a:rPr lang="en-AU" sz="900" dirty="0" smtClean="0"/>
+                            <a:rPr lang="en-AU" sz="900" dirty="0"/>
                             <a:t>WVANLK</a:t>
                           </a:r>
-                          <a:endParaRPr lang="en-AU" sz="900" dirty="0"/>
                         </a:p>
                       </a:txBody>
                       <a:tcPr anchor="ctr">
@@ -9514,10 +9516,9 @@
                         <a:p>
                           <a:pPr algn="ctr"/>
                           <a:r>
-                            <a:rPr lang="en-AU" sz="900" dirty="0" smtClean="0"/>
+                            <a:rPr lang="en-AU" sz="900" dirty="0"/>
                             <a:t>2</a:t>
                           </a:r>
-                          <a:endParaRPr lang="en-AU" sz="900" dirty="0"/>
                         </a:p>
                       </a:txBody>
                       <a:tcPr anchor="ctr">
@@ -9656,7 +9657,7 @@
                     </a:tc>
                     <a:extLst>
                       <a:ext uri="{0D108BD9-81ED-4DB2-BD59-A6C34878D82A}">
-                        <a16:rowId xmlns="" xmlns:a16="http://schemas.microsoft.com/office/drawing/2014/main" val="2500584138"/>
+                        <a16:rowId xmlns:a16="http://schemas.microsoft.com/office/drawing/2014/main" val="2500584138"/>
                       </a:ext>
                     </a:extLst>
                   </a:tr>
@@ -9668,10 +9669,9 @@
                         <a:p>
                           <a:pPr algn="ctr"/>
                           <a:r>
-                            <a:rPr lang="en-AU" sz="900" dirty="0" smtClean="0"/>
+                            <a:rPr lang="en-AU" sz="900" dirty="0"/>
                             <a:t>YYTDSVK</a:t>
                           </a:r>
-                          <a:endParaRPr lang="en-AU" sz="900" dirty="0"/>
                         </a:p>
                       </a:txBody>
                       <a:tcPr anchor="ctr">
@@ -9710,10 +9710,9 @@
                         <a:p>
                           <a:pPr algn="ctr"/>
                           <a:r>
-                            <a:rPr lang="en-AU" sz="900" dirty="0" smtClean="0"/>
+                            <a:rPr lang="en-AU" sz="900" dirty="0"/>
                             <a:t>3</a:t>
                           </a:r>
-                          <a:endParaRPr lang="en-AU" sz="900" dirty="0"/>
                         </a:p>
                       </a:txBody>
                       <a:tcPr anchor="ctr">
@@ -9781,46 +9780,44 @@
                         <a:p>
                           <a:pPr algn="ctr"/>
                           <a:r>
-                            <a:rPr lang="en-AU" sz="900" dirty="0" smtClean="0"/>
+                            <a:rPr lang="en-AU" sz="900" dirty="0"/>
                             <a:t>0.568</a:t>
                           </a:r>
-                          <a:endParaRPr lang="en-AU" sz="900" dirty="0"/>
-                        </a:p>
-                      </a:txBody>
-                      <a:tcPr anchor="ctr">
-                        <a:lnL>
-                          <a:noFill/>
-                        </a:lnL>
-                        <a:lnR>
-                          <a:noFill/>
-                        </a:lnR>
-                        <a:lnT>
-                          <a:noFill/>
-                        </a:lnT>
-                        <a:lnB>
-                          <a:noFill/>
-                        </a:lnB>
-                        <a:lnTlToBr w="12700" cmpd="sng">
-                          <a:noFill/>
-                          <a:prstDash val="solid"/>
-                        </a:lnTlToBr>
-                        <a:lnBlToTr w="12700" cmpd="sng">
-                          <a:noFill/>
-                          <a:prstDash val="solid"/>
-                        </a:lnBlToTr>
-                      </a:tcPr>
-                    </a:tc>
-                    <a:tc>
-                      <a:txBody>
-                        <a:bodyPr/>
-                        <a:lstStyle/>
-                        <a:p>
-                          <a:pPr algn="ctr"/>
-                          <a:r>
-                            <a:rPr lang="en-AU" sz="900" dirty="0" smtClean="0"/>
+                        </a:p>
+                      </a:txBody>
+                      <a:tcPr anchor="ctr">
+                        <a:lnL>
+                          <a:noFill/>
+                        </a:lnL>
+                        <a:lnR>
+                          <a:noFill/>
+                        </a:lnR>
+                        <a:lnT>
+                          <a:noFill/>
+                        </a:lnT>
+                        <a:lnB>
+                          <a:noFill/>
+                        </a:lnB>
+                        <a:lnTlToBr w="12700" cmpd="sng">
+                          <a:noFill/>
+                          <a:prstDash val="solid"/>
+                        </a:lnTlToBr>
+                        <a:lnBlToTr w="12700" cmpd="sng">
+                          <a:noFill/>
+                          <a:prstDash val="solid"/>
+                        </a:lnBlToTr>
+                      </a:tcPr>
+                    </a:tc>
+                    <a:tc>
+                      <a:txBody>
+                        <a:bodyPr/>
+                        <a:lstStyle/>
+                        <a:p>
+                          <a:pPr algn="ctr"/>
+                          <a:r>
+                            <a:rPr lang="en-AU" sz="900" dirty="0"/>
                             <a:t>0.075</a:t>
                           </a:r>
-                          <a:endParaRPr lang="en-AU" sz="900" dirty="0"/>
                         </a:p>
                       </a:txBody>
                       <a:tcPr anchor="ctr">
@@ -9854,7 +9851,7 @@
                     </a:tc>
                     <a:extLst>
                       <a:ext uri="{0D108BD9-81ED-4DB2-BD59-A6C34878D82A}">
-                        <a16:rowId xmlns="" xmlns:a16="http://schemas.microsoft.com/office/drawing/2014/main" val="1644191295"/>
+                        <a16:rowId xmlns:a16="http://schemas.microsoft.com/office/drawing/2014/main" val="1644191295"/>
                       </a:ext>
                     </a:extLst>
                   </a:tr>
@@ -9866,10 +9863,9 @@
                         <a:p>
                           <a:pPr algn="ctr"/>
                           <a:r>
-                            <a:rPr lang="en-AU" sz="900" dirty="0" smtClean="0"/>
+                            <a:rPr lang="en-AU" sz="900" dirty="0"/>
                             <a:t>YYGDSVK</a:t>
                           </a:r>
-                          <a:endParaRPr lang="en-AU" sz="900" dirty="0"/>
                         </a:p>
                       </a:txBody>
                       <a:tcPr anchor="ctr">
@@ -9908,118 +9904,114 @@
                         <a:p>
                           <a:pPr algn="ctr"/>
                           <a:r>
-                            <a:rPr lang="en-AU" sz="900" dirty="0" smtClean="0"/>
+                            <a:rPr lang="en-AU" sz="900" dirty="0"/>
                             <a:t>3</a:t>
                           </a:r>
-                          <a:endParaRPr lang="en-AU" sz="900" dirty="0"/>
-                        </a:p>
-                      </a:txBody>
-                      <a:tcPr anchor="ctr">
-                        <a:lnL>
-                          <a:noFill/>
-                        </a:lnL>
-                        <a:lnR>
-                          <a:noFill/>
-                        </a:lnR>
-                        <a:lnT>
-                          <a:noFill/>
-                        </a:lnT>
-                        <a:lnB>
-                          <a:noFill/>
-                        </a:lnB>
-                        <a:lnTlToBr w="12700" cmpd="sng">
-                          <a:noFill/>
-                          <a:prstDash val="solid"/>
-                        </a:lnTlToBr>
-                        <a:lnBlToTr w="12700" cmpd="sng">
-                          <a:noFill/>
-                          <a:prstDash val="solid"/>
-                        </a:lnBlToTr>
-                      </a:tcPr>
-                    </a:tc>
-                    <a:tc>
-                      <a:txBody>
-                        <a:bodyPr/>
-                        <a:lstStyle/>
-                        <a:p>
-                          <a:pPr algn="ctr"/>
-                          <a:r>
-                            <a:rPr lang="en-AU" sz="900" dirty="0" smtClean="0"/>
+                        </a:p>
+                      </a:txBody>
+                      <a:tcPr anchor="ctr">
+                        <a:lnL>
+                          <a:noFill/>
+                        </a:lnL>
+                        <a:lnR>
+                          <a:noFill/>
+                        </a:lnR>
+                        <a:lnT>
+                          <a:noFill/>
+                        </a:lnT>
+                        <a:lnB>
+                          <a:noFill/>
+                        </a:lnB>
+                        <a:lnTlToBr w="12700" cmpd="sng">
+                          <a:noFill/>
+                          <a:prstDash val="solid"/>
+                        </a:lnTlToBr>
+                        <a:lnBlToTr w="12700" cmpd="sng">
+                          <a:noFill/>
+                          <a:prstDash val="solid"/>
+                        </a:lnBlToTr>
+                      </a:tcPr>
+                    </a:tc>
+                    <a:tc>
+                      <a:txBody>
+                        <a:bodyPr/>
+                        <a:lstStyle/>
+                        <a:p>
+                          <a:pPr algn="ctr"/>
+                          <a:r>
+                            <a:rPr lang="en-AU" sz="900" dirty="0"/>
                             <a:t>1</a:t>
                           </a:r>
-                          <a:endParaRPr lang="en-AU" sz="900" dirty="0"/>
-                        </a:p>
-                      </a:txBody>
-                      <a:tcPr anchor="ctr">
-                        <a:lnL>
-                          <a:noFill/>
-                        </a:lnL>
-                        <a:lnR>
-                          <a:noFill/>
-                        </a:lnR>
-                        <a:lnT>
-                          <a:noFill/>
-                        </a:lnT>
-                        <a:lnB>
-                          <a:noFill/>
-                        </a:lnB>
-                        <a:lnTlToBr w="12700" cmpd="sng">
-                          <a:noFill/>
-                          <a:prstDash val="solid"/>
-                        </a:lnTlToBr>
-                        <a:lnBlToTr w="12700" cmpd="sng">
-                          <a:noFill/>
-                          <a:prstDash val="solid"/>
-                        </a:lnBlToTr>
-                      </a:tcPr>
-                    </a:tc>
-                    <a:tc>
-                      <a:txBody>
-                        <a:bodyPr/>
-                        <a:lstStyle/>
-                        <a:p>
-                          <a:pPr algn="ctr"/>
-                          <a:r>
-                            <a:rPr lang="en-AU" sz="900" dirty="0" smtClean="0"/>
+                        </a:p>
+                      </a:txBody>
+                      <a:tcPr anchor="ctr">
+                        <a:lnL>
+                          <a:noFill/>
+                        </a:lnL>
+                        <a:lnR>
+                          <a:noFill/>
+                        </a:lnR>
+                        <a:lnT>
+                          <a:noFill/>
+                        </a:lnT>
+                        <a:lnB>
+                          <a:noFill/>
+                        </a:lnB>
+                        <a:lnTlToBr w="12700" cmpd="sng">
+                          <a:noFill/>
+                          <a:prstDash val="solid"/>
+                        </a:lnTlToBr>
+                        <a:lnBlToTr w="12700" cmpd="sng">
+                          <a:noFill/>
+                          <a:prstDash val="solid"/>
+                        </a:lnBlToTr>
+                      </a:tcPr>
+                    </a:tc>
+                    <a:tc>
+                      <a:txBody>
+                        <a:bodyPr/>
+                        <a:lstStyle/>
+                        <a:p>
+                          <a:pPr algn="ctr"/>
+                          <a:r>
+                            <a:rPr lang="en-AU" sz="900" dirty="0"/>
                             <a:t>0.475</a:t>
                           </a:r>
-                          <a:endParaRPr lang="en-AU" sz="900" dirty="0"/>
-                        </a:p>
-                      </a:txBody>
-                      <a:tcPr anchor="ctr">
-                        <a:lnL>
-                          <a:noFill/>
-                        </a:lnL>
-                        <a:lnR>
-                          <a:noFill/>
-                        </a:lnR>
-                        <a:lnT>
-                          <a:noFill/>
-                        </a:lnT>
-                        <a:lnB>
-                          <a:noFill/>
-                        </a:lnB>
-                        <a:lnTlToBr w="12700" cmpd="sng">
-                          <a:noFill/>
-                          <a:prstDash val="solid"/>
-                        </a:lnTlToBr>
-                        <a:lnBlToTr w="12700" cmpd="sng">
-                          <a:noFill/>
-                          <a:prstDash val="solid"/>
-                        </a:lnBlToTr>
-                      </a:tcPr>
-                    </a:tc>
-                    <a:tc>
-                      <a:txBody>
-                        <a:bodyPr/>
-                        <a:lstStyle/>
-                        <a:p>
-                          <a:pPr algn="ctr"/>
-                          <a:r>
-                            <a:rPr lang="en-AU" sz="900" dirty="0" smtClean="0"/>
+                        </a:p>
+                      </a:txBody>
+                      <a:tcPr anchor="ctr">
+                        <a:lnL>
+                          <a:noFill/>
+                        </a:lnL>
+                        <a:lnR>
+                          <a:noFill/>
+                        </a:lnR>
+                        <a:lnT>
+                          <a:noFill/>
+                        </a:lnT>
+                        <a:lnB>
+                          <a:noFill/>
+                        </a:lnB>
+                        <a:lnTlToBr w="12700" cmpd="sng">
+                          <a:noFill/>
+                          <a:prstDash val="solid"/>
+                        </a:lnTlToBr>
+                        <a:lnBlToTr w="12700" cmpd="sng">
+                          <a:noFill/>
+                          <a:prstDash val="solid"/>
+                        </a:lnBlToTr>
+                      </a:tcPr>
+                    </a:tc>
+                    <a:tc>
+                      <a:txBody>
+                        <a:bodyPr/>
+                        <a:lstStyle/>
+                        <a:p>
+                          <a:pPr algn="ctr"/>
+                          <a:r>
+                            <a:rPr lang="en-AU" sz="900" dirty="0"/>
                             <a:t>0.056</a:t>
                           </a:r>
-                          <a:endParaRPr lang="en-AU" sz="900" dirty="0"/>
                         </a:p>
                       </a:txBody>
                       <a:tcPr anchor="ctr">
@@ -10053,7 +10045,7 @@
                     </a:tc>
                     <a:extLst>
                       <a:ext uri="{0D108BD9-81ED-4DB2-BD59-A6C34878D82A}">
-                        <a16:rowId xmlns="" xmlns:a16="http://schemas.microsoft.com/office/drawing/2014/main" val="2249276370"/>
+                        <a16:rowId xmlns:a16="http://schemas.microsoft.com/office/drawing/2014/main" val="2249276370"/>
                       </a:ext>
                     </a:extLst>
                   </a:tr>
@@ -10065,10 +10057,9 @@
                         <a:p>
                           <a:pPr algn="ctr"/>
                           <a:r>
-                            <a:rPr lang="en-AU" sz="900" dirty="0" smtClean="0"/>
+                            <a:rPr lang="en-AU" sz="900" dirty="0"/>
                             <a:t>FGYVDSVK</a:t>
                           </a:r>
-                          <a:endParaRPr lang="en-AU" sz="900" dirty="0"/>
                         </a:p>
                       </a:txBody>
                       <a:tcPr anchor="ctr">
@@ -10110,7 +10101,6 @@
                             <a:rPr lang="en-AU" sz="900" dirty="0"/>
                             <a:t>3</a:t>
                           </a:r>
-                          <a:endParaRPr lang="en-AU" sz="900" dirty="0"/>
                         </a:p>
                       </a:txBody>
                       <a:tcPr anchor="ctr">
@@ -10178,46 +10168,44 @@
                         <a:p>
                           <a:pPr algn="ctr"/>
                           <a:r>
-                            <a:rPr lang="en-AU" sz="900" dirty="0" smtClean="0"/>
+                            <a:rPr lang="en-AU" sz="900" dirty="0"/>
                             <a:t>0.437</a:t>
                           </a:r>
-                          <a:endParaRPr lang="en-AU" sz="900" dirty="0"/>
-                        </a:p>
-                      </a:txBody>
-                      <a:tcPr anchor="ctr">
-                        <a:lnL>
-                          <a:noFill/>
-                        </a:lnL>
-                        <a:lnR>
-                          <a:noFill/>
-                        </a:lnR>
-                        <a:lnT>
-                          <a:noFill/>
-                        </a:lnT>
-                        <a:lnB>
-                          <a:noFill/>
-                        </a:lnB>
-                        <a:lnTlToBr w="12700" cmpd="sng">
-                          <a:noFill/>
-                          <a:prstDash val="solid"/>
-                        </a:lnTlToBr>
-                        <a:lnBlToTr w="12700" cmpd="sng">
-                          <a:noFill/>
-                          <a:prstDash val="solid"/>
-                        </a:lnBlToTr>
-                      </a:tcPr>
-                    </a:tc>
-                    <a:tc>
-                      <a:txBody>
-                        <a:bodyPr/>
-                        <a:lstStyle/>
-                        <a:p>
-                          <a:pPr algn="ctr"/>
-                          <a:r>
-                            <a:rPr lang="en-AU" sz="900" dirty="0" smtClean="0"/>
+                        </a:p>
+                      </a:txBody>
+                      <a:tcPr anchor="ctr">
+                        <a:lnL>
+                          <a:noFill/>
+                        </a:lnL>
+                        <a:lnR>
+                          <a:noFill/>
+                        </a:lnR>
+                        <a:lnT>
+                          <a:noFill/>
+                        </a:lnT>
+                        <a:lnB>
+                          <a:noFill/>
+                        </a:lnB>
+                        <a:lnTlToBr w="12700" cmpd="sng">
+                          <a:noFill/>
+                          <a:prstDash val="solid"/>
+                        </a:lnTlToBr>
+                        <a:lnBlToTr w="12700" cmpd="sng">
+                          <a:noFill/>
+                          <a:prstDash val="solid"/>
+                        </a:lnBlToTr>
+                      </a:tcPr>
+                    </a:tc>
+                    <a:tc>
+                      <a:txBody>
+                        <a:bodyPr/>
+                        <a:lstStyle/>
+                        <a:p>
+                          <a:pPr algn="ctr"/>
+                          <a:r>
+                            <a:rPr lang="en-AU" sz="900" dirty="0"/>
                             <a:t>0.033</a:t>
                           </a:r>
-                          <a:endParaRPr lang="en-AU" sz="900" dirty="0"/>
                         </a:p>
                       </a:txBody>
                       <a:tcPr anchor="ctr">
@@ -10251,7 +10239,7 @@
                     </a:tc>
                     <a:extLst>
                       <a:ext uri="{0D108BD9-81ED-4DB2-BD59-A6C34878D82A}">
-                        <a16:rowId xmlns="" xmlns:a16="http://schemas.microsoft.com/office/drawing/2014/main" val="889951462"/>
+                        <a16:rowId xmlns:a16="http://schemas.microsoft.com/office/drawing/2014/main" val="889951462"/>
                       </a:ext>
                     </a:extLst>
                   </a:tr>
@@ -10263,10 +10251,9 @@
                         <a:p>
                           <a:pPr algn="ctr"/>
                           <a:r>
-                            <a:rPr lang="en-AU" sz="900" dirty="0" smtClean="0"/>
+                            <a:rPr lang="en-AU" sz="900" dirty="0"/>
                             <a:t>YYADSVK</a:t>
                           </a:r>
-                          <a:endParaRPr lang="en-AU" sz="900" dirty="0"/>
                         </a:p>
                       </a:txBody>
                       <a:tcPr anchor="ctr">
@@ -10311,10 +10298,9 @@
                         <a:p>
                           <a:pPr algn="ctr"/>
                           <a:r>
-                            <a:rPr lang="en-AU" sz="900" dirty="0" smtClean="0"/>
+                            <a:rPr lang="en-AU" sz="900" dirty="0"/>
                             <a:t>13</a:t>
                           </a:r>
-                          <a:endParaRPr lang="en-AU" sz="900" dirty="0"/>
                         </a:p>
                       </a:txBody>
                       <a:tcPr anchor="ctr">
@@ -10353,10 +10339,9 @@
                         <a:p>
                           <a:pPr algn="ctr"/>
                           <a:r>
-                            <a:rPr lang="en-AU" sz="900" dirty="0" smtClean="0"/>
+                            <a:rPr lang="en-AU" sz="900" dirty="0"/>
                             <a:t>1</a:t>
                           </a:r>
-                          <a:endParaRPr lang="en-AU" sz="900" dirty="0"/>
                         </a:p>
                       </a:txBody>
                       <a:tcPr anchor="ctr">
@@ -10395,10 +10380,9 @@
                         <a:p>
                           <a:pPr algn="ctr"/>
                           <a:r>
-                            <a:rPr lang="en-AU" sz="900" dirty="0" smtClean="0"/>
+                            <a:rPr lang="en-AU" sz="900" dirty="0"/>
                             <a:t>0.012</a:t>
                           </a:r>
-                          <a:endParaRPr lang="en-AU" sz="900" dirty="0"/>
                         </a:p>
                       </a:txBody>
                       <a:tcPr anchor="ctr">
@@ -10437,10 +10421,9 @@
                         <a:p>
                           <a:pPr algn="ctr"/>
                           <a:r>
-                            <a:rPr lang="en-AU" sz="900" dirty="0" smtClean="0"/>
+                            <a:rPr lang="en-AU" sz="900" dirty="0"/>
                             <a:t>0.001</a:t>
                           </a:r>
-                          <a:endParaRPr lang="en-AU" sz="900" dirty="0"/>
                         </a:p>
                       </a:txBody>
                       <a:tcPr anchor="ctr">
@@ -10480,7 +10463,7 @@
                     </a:tc>
                     <a:extLst>
                       <a:ext uri="{0D108BD9-81ED-4DB2-BD59-A6C34878D82A}">
-                        <a16:rowId xmlns="" xmlns:a16="http://schemas.microsoft.com/office/drawing/2014/main" val="141707935"/>
+                        <a16:rowId xmlns:a16="http://schemas.microsoft.com/office/drawing/2014/main" val="141707935"/>
                       </a:ext>
                     </a:extLst>
                   </a:tr>
@@ -10489,7 +10472,7 @@
             </a:graphic>
           </p:graphicFrame>
         </mc:Choice>
-        <mc:Fallback>
+        <mc:Fallback xmlns="">
           <p:graphicFrame>
             <p:nvGraphicFramePr>
               <p:cNvPr id="6" name="Table 5"/>
@@ -12785,23 +12768,3645 @@
           <a:chExt cx="0" cy="0"/>
         </a:xfrm>
       </p:grpSpPr>
+      <mc:AlternateContent xmlns:mc="http://schemas.openxmlformats.org/markup-compatibility/2006" xmlns:a14="http://schemas.microsoft.com/office/drawing/2010/main">
+        <mc:Choice Requires="a14">
+          <p:graphicFrame>
+            <p:nvGraphicFramePr>
+              <p:cNvPr id="6" name="Table 5"/>
+              <p:cNvGraphicFramePr>
+                <a:graphicFrameLocks noGrp="1"/>
+              </p:cNvGraphicFramePr>
+              <p:nvPr>
+                <p:extLst>
+                  <p:ext uri="{D42A27DB-BD31-4B8C-83A1-F6EECF244321}">
+                    <p14:modId xmlns:p14="http://schemas.microsoft.com/office/powerpoint/2010/main" val="676818687"/>
+                  </p:ext>
+                </p:extLst>
+              </p:nvPr>
+            </p:nvGraphicFramePr>
+            <p:xfrm>
+              <a:off x="3409732" y="2483768"/>
+              <a:ext cx="3159125" cy="2431211"/>
+            </p:xfrm>
+            <a:graphic>
+              <a:graphicData uri="http://schemas.openxmlformats.org/drawingml/2006/table">
+                <a:tbl>
+                  <a:tblPr>
+                    <a:tableStyleId>{F2DE63D5-997A-4646-A377-4702673A728D}</a:tableStyleId>
+                  </a:tblPr>
+                  <a:tblGrid>
+                    <a:gridCol w="785093">
+                      <a:extLst>
+                        <a:ext uri="{9D8B030D-6E8A-4147-A177-3AD203B41FA5}">
+                          <a16:colId xmlns:a16="http://schemas.microsoft.com/office/drawing/2014/main" val="2070464311"/>
+                        </a:ext>
+                      </a:extLst>
+                    </a:gridCol>
+                    <a:gridCol w="478557">
+                      <a:extLst>
+                        <a:ext uri="{9D8B030D-6E8A-4147-A177-3AD203B41FA5}">
+                          <a16:colId xmlns:a16="http://schemas.microsoft.com/office/drawing/2014/main" val="2814482158"/>
+                        </a:ext>
+                      </a:extLst>
+                    </a:gridCol>
+                    <a:gridCol w="631825">
+                      <a:extLst>
+                        <a:ext uri="{9D8B030D-6E8A-4147-A177-3AD203B41FA5}">
+                          <a16:colId xmlns:a16="http://schemas.microsoft.com/office/drawing/2014/main" val="3449075261"/>
+                        </a:ext>
+                      </a:extLst>
+                    </a:gridCol>
+                    <a:gridCol w="631825">
+                      <a:extLst>
+                        <a:ext uri="{9D8B030D-6E8A-4147-A177-3AD203B41FA5}">
+                          <a16:colId xmlns:a16="http://schemas.microsoft.com/office/drawing/2014/main" val="1813670796"/>
+                        </a:ext>
+                      </a:extLst>
+                    </a:gridCol>
+                    <a:gridCol w="631825">
+                      <a:extLst>
+                        <a:ext uri="{9D8B030D-6E8A-4147-A177-3AD203B41FA5}">
+                          <a16:colId xmlns:a16="http://schemas.microsoft.com/office/drawing/2014/main" val="1994465920"/>
+                        </a:ext>
+                      </a:extLst>
+                    </a:gridCol>
+                  </a:tblGrid>
+                  <a:tr h="511835">
+                    <a:tc>
+                      <a:txBody>
+                        <a:bodyPr/>
+                        <a:lstStyle/>
+                        <a:p>
+                          <a:pPr algn="ctr"/>
+                          <a14:m>
+                            <m:oMathPara xmlns:m="http://schemas.openxmlformats.org/officeDocument/2006/math">
+                              <m:oMathParaPr>
+                                <m:jc m:val="centerGroup"/>
+                              </m:oMathParaPr>
+                              <m:oMath xmlns:m="http://schemas.openxmlformats.org/officeDocument/2006/math">
+                                <m:sSub>
+                                  <m:sSubPr>
+                                    <m:ctrlPr>
+                                      <a:rPr lang="en-AU" sz="1200" b="1" i="1" kern="1200" smtClean="0">
+                                        <a:solidFill>
+                                          <a:schemeClr val="tx1"/>
+                                        </a:solidFill>
+                                        <a:effectLst/>
+                                        <a:latin typeface="Cambria Math" panose="02040503050406030204" pitchFamily="18" charset="0"/>
+                                        <a:ea typeface="+mn-ea"/>
+                                        <a:cs typeface="+mn-cs"/>
+                                      </a:rPr>
+                                    </m:ctrlPr>
+                                  </m:sSubPr>
+                                  <m:e>
+                                    <m:r>
+                                      <a:rPr lang="en-AU" sz="1200" b="1" i="1" kern="1200">
+                                        <a:solidFill>
+                                          <a:schemeClr val="tx1"/>
+                                        </a:solidFill>
+                                        <a:effectLst/>
+                                        <a:latin typeface="Cambria Math"/>
+                                        <a:ea typeface="+mn-ea"/>
+                                        <a:cs typeface="+mn-cs"/>
+                                      </a:rPr>
+                                      <m:t>𝑷</m:t>
+                                    </m:r>
+                                  </m:e>
+                                  <m:sub>
+                                    <m:r>
+                                      <a:rPr lang="en-AU" sz="1200" b="1" i="1" kern="1200">
+                                        <a:solidFill>
+                                          <a:schemeClr val="tx1"/>
+                                        </a:solidFill>
+                                        <a:effectLst/>
+                                        <a:latin typeface="Cambria Math"/>
+                                        <a:ea typeface="+mn-ea"/>
+                                        <a:cs typeface="+mn-cs"/>
+                                      </a:rPr>
+                                      <m:t>𝒊</m:t>
+                                    </m:r>
+                                  </m:sub>
+                                </m:sSub>
+                              </m:oMath>
+                            </m:oMathPara>
+                          </a14:m>
+                          <a:endParaRPr lang="en-AU" sz="1200" dirty="0"/>
+                        </a:p>
+                      </a:txBody>
+                      <a:tcPr anchor="ctr">
+                        <a:lnL w="12700" cap="flat" cmpd="sng" algn="ctr">
+                          <a:solidFill>
+                            <a:schemeClr val="tx1"/>
+                          </a:solidFill>
+                          <a:prstDash val="solid"/>
+                          <a:round/>
+                          <a:headEnd type="none" w="med" len="med"/>
+                          <a:tailEnd type="none" w="med" len="med"/>
+                        </a:lnL>
+                        <a:lnR>
+                          <a:noFill/>
+                        </a:lnR>
+                        <a:lnT w="12700" cap="flat" cmpd="sng" algn="ctr">
+                          <a:solidFill>
+                            <a:schemeClr val="tx1"/>
+                          </a:solidFill>
+                          <a:prstDash val="solid"/>
+                          <a:round/>
+                          <a:headEnd type="none" w="med" len="med"/>
+                          <a:tailEnd type="none" w="med" len="med"/>
+                        </a:lnT>
+                        <a:lnB w="12700" cap="flat" cmpd="sng" algn="ctr">
+                          <a:solidFill>
+                            <a:schemeClr val="tx1"/>
+                          </a:solidFill>
+                          <a:prstDash val="solid"/>
+                          <a:round/>
+                          <a:headEnd type="none" w="med" len="med"/>
+                          <a:tailEnd type="none" w="med" len="med"/>
+                        </a:lnB>
+                        <a:lnTlToBr w="12700" cmpd="sng">
+                          <a:noFill/>
+                          <a:prstDash val="solid"/>
+                        </a:lnTlToBr>
+                        <a:lnBlToTr w="12700" cmpd="sng">
+                          <a:noFill/>
+                          <a:prstDash val="solid"/>
+                        </a:lnBlToTr>
+                      </a:tcPr>
+                    </a:tc>
+                    <a:tc>
+                      <a:txBody>
+                        <a:bodyPr/>
+                        <a:lstStyle/>
+                        <a:p>
+                          <a:pPr algn="ctr"/>
+                          <a:r>
+                            <a:rPr lang="en-AU" sz="1200" b="1" i="1" dirty="0"/>
+                            <a:t>#</a:t>
+                          </a:r>
+                          <a14:m>
+                            <m:oMath xmlns:m="http://schemas.openxmlformats.org/officeDocument/2006/math">
+                              <m:sSub>
+                                <m:sSubPr>
+                                  <m:ctrlPr>
+                                    <a:rPr lang="en-AU" sz="1200" b="1" i="1" kern="1200" smtClean="0">
+                                      <a:solidFill>
+                                        <a:schemeClr val="tx1"/>
+                                      </a:solidFill>
+                                      <a:effectLst/>
+                                      <a:latin typeface="Cambria Math" panose="02040503050406030204" pitchFamily="18" charset="0"/>
+                                      <a:ea typeface="+mn-ea"/>
+                                      <a:cs typeface="+mn-cs"/>
+                                    </a:rPr>
+                                  </m:ctrlPr>
+                                </m:sSubPr>
+                                <m:e>
+                                  <m:r>
+                                    <a:rPr lang="en-AU" sz="1200" b="1" i="1" kern="1200">
+                                      <a:solidFill>
+                                        <a:schemeClr val="tx1"/>
+                                      </a:solidFill>
+                                      <a:effectLst/>
+                                      <a:latin typeface="Cambria Math"/>
+                                      <a:ea typeface="+mn-ea"/>
+                                      <a:cs typeface="+mn-cs"/>
+                                    </a:rPr>
+                                    <m:t>𝑷</m:t>
+                                  </m:r>
+                                </m:e>
+                                <m:sub>
+                                  <m:r>
+                                    <a:rPr lang="en-AU" sz="1200" b="1" i="1" kern="1200">
+                                      <a:solidFill>
+                                        <a:schemeClr val="tx1"/>
+                                      </a:solidFill>
+                                      <a:effectLst/>
+                                      <a:latin typeface="Cambria Math"/>
+                                      <a:ea typeface="+mn-ea"/>
+                                      <a:cs typeface="+mn-cs"/>
+                                    </a:rPr>
+                                    <m:t>𝒊</m:t>
+                                  </m:r>
+                                </m:sub>
+                              </m:sSub>
+                            </m:oMath>
+                          </a14:m>
+                          <a:endParaRPr lang="en-AU" sz="1200" b="1" i="1" dirty="0"/>
+                        </a:p>
+                      </a:txBody>
+                      <a:tcPr anchor="ctr">
+                        <a:lnL>
+                          <a:noFill/>
+                        </a:lnL>
+                        <a:lnR>
+                          <a:noFill/>
+                        </a:lnR>
+                        <a:lnT w="12700" cap="flat" cmpd="sng" algn="ctr">
+                          <a:solidFill>
+                            <a:schemeClr val="tx1"/>
+                          </a:solidFill>
+                          <a:prstDash val="solid"/>
+                          <a:round/>
+                          <a:headEnd type="none" w="med" len="med"/>
+                          <a:tailEnd type="none" w="med" len="med"/>
+                        </a:lnT>
+                        <a:lnB w="12700" cap="flat" cmpd="sng" algn="ctr">
+                          <a:solidFill>
+                            <a:schemeClr val="tx1"/>
+                          </a:solidFill>
+                          <a:prstDash val="solid"/>
+                          <a:round/>
+                          <a:headEnd type="none" w="med" len="med"/>
+                          <a:tailEnd type="none" w="med" len="med"/>
+                        </a:lnB>
+                        <a:lnTlToBr w="12700" cmpd="sng">
+                          <a:noFill/>
+                          <a:prstDash val="solid"/>
+                        </a:lnTlToBr>
+                        <a:lnBlToTr w="12700" cmpd="sng">
+                          <a:noFill/>
+                          <a:prstDash val="solid"/>
+                        </a:lnBlToTr>
+                      </a:tcPr>
+                    </a:tc>
+                    <a:tc>
+                      <a:txBody>
+                        <a:bodyPr/>
+                        <a:lstStyle/>
+                        <a:p>
+                          <a:pPr algn="ctr"/>
+                          <a14:m>
+                            <m:oMathPara xmlns:m="http://schemas.openxmlformats.org/officeDocument/2006/math">
+                              <m:oMathParaPr>
+                                <m:jc m:val="centerGroup"/>
+                              </m:oMathParaPr>
+                              <m:oMath xmlns:m="http://schemas.openxmlformats.org/officeDocument/2006/math">
+                                <m:sSub>
+                                  <m:sSubPr>
+                                    <m:ctrlPr>
+                                      <a:rPr lang="en-AU" sz="1200" b="1" i="1" kern="1200" smtClean="0">
+                                        <a:solidFill>
+                                          <a:schemeClr val="tx1"/>
+                                        </a:solidFill>
+                                        <a:effectLst/>
+                                        <a:latin typeface="Cambria Math" panose="02040503050406030204" pitchFamily="18" charset="0"/>
+                                        <a:ea typeface="+mn-ea"/>
+                                        <a:cs typeface="+mn-cs"/>
+                                      </a:rPr>
+                                    </m:ctrlPr>
+                                  </m:sSubPr>
+                                  <m:e>
+                                    <m:r>
+                                      <a:rPr lang="en-AU" sz="1200" b="1" i="1" kern="1200">
+                                        <a:solidFill>
+                                          <a:schemeClr val="tx1"/>
+                                        </a:solidFill>
+                                        <a:effectLst/>
+                                        <a:latin typeface="Cambria Math"/>
+                                        <a:ea typeface="+mn-ea"/>
+                                        <a:cs typeface="+mn-cs"/>
+                                      </a:rPr>
+                                      <m:t>𝑬</m:t>
+                                    </m:r>
+                                  </m:e>
+                                  <m:sub>
+                                    <m:r>
+                                      <a:rPr lang="en-AU" sz="1200" b="1" i="1" kern="1200">
+                                        <a:solidFill>
+                                          <a:schemeClr val="tx1"/>
+                                        </a:solidFill>
+                                        <a:effectLst/>
+                                        <a:latin typeface="Cambria Math"/>
+                                        <a:ea typeface="+mn-ea"/>
+                                        <a:cs typeface="+mn-cs"/>
+                                      </a:rPr>
+                                      <m:t>𝒌</m:t>
+                                    </m:r>
+                                  </m:sub>
+                                </m:sSub>
+                                <m:d>
+                                  <m:dPr>
+                                    <m:ctrlPr>
+                                      <a:rPr lang="en-AU" sz="1200" b="1" i="1" kern="1200">
+                                        <a:solidFill>
+                                          <a:schemeClr val="tx1"/>
+                                        </a:solidFill>
+                                        <a:effectLst/>
+                                        <a:latin typeface="Cambria Math" panose="02040503050406030204" pitchFamily="18" charset="0"/>
+                                        <a:ea typeface="+mn-ea"/>
+                                        <a:cs typeface="+mn-cs"/>
+                                      </a:rPr>
+                                    </m:ctrlPr>
+                                  </m:dPr>
+                                  <m:e>
+                                    <m:sSub>
+                                      <m:sSubPr>
+                                        <m:ctrlPr>
+                                          <a:rPr lang="en-AU" sz="1200" b="1" i="1" kern="1200">
+                                            <a:solidFill>
+                                              <a:schemeClr val="tx1"/>
+                                            </a:solidFill>
+                                            <a:effectLst/>
+                                            <a:latin typeface="Cambria Math" panose="02040503050406030204" pitchFamily="18" charset="0"/>
+                                            <a:ea typeface="+mn-ea"/>
+                                            <a:cs typeface="+mn-cs"/>
+                                          </a:rPr>
+                                        </m:ctrlPr>
+                                      </m:sSubPr>
+                                      <m:e>
+                                        <m:r>
+                                          <a:rPr lang="en-AU" sz="1200" b="1" i="1" kern="1200">
+                                            <a:solidFill>
+                                              <a:schemeClr val="tx1"/>
+                                            </a:solidFill>
+                                            <a:effectLst/>
+                                            <a:latin typeface="Cambria Math"/>
+                                            <a:ea typeface="+mn-ea"/>
+                                            <a:cs typeface="+mn-cs"/>
+                                          </a:rPr>
+                                          <m:t>𝑷</m:t>
+                                        </m:r>
+                                      </m:e>
+                                      <m:sub>
+                                        <m:r>
+                                          <a:rPr lang="en-AU" sz="1200" b="1" i="1" kern="1200">
+                                            <a:solidFill>
+                                              <a:schemeClr val="tx1"/>
+                                            </a:solidFill>
+                                            <a:effectLst/>
+                                            <a:latin typeface="Cambria Math"/>
+                                            <a:ea typeface="+mn-ea"/>
+                                            <a:cs typeface="+mn-cs"/>
+                                          </a:rPr>
+                                          <m:t>𝒊</m:t>
+                                        </m:r>
+                                      </m:sub>
+                                    </m:sSub>
+                                  </m:e>
+                                </m:d>
+                              </m:oMath>
+                            </m:oMathPara>
+                          </a14:m>
+                          <a:endParaRPr lang="en-AU" sz="1200" dirty="0"/>
+                        </a:p>
+                      </a:txBody>
+                      <a:tcPr anchor="ctr">
+                        <a:lnL>
+                          <a:noFill/>
+                        </a:lnL>
+                        <a:lnR>
+                          <a:noFill/>
+                        </a:lnR>
+                        <a:lnT w="12700" cap="flat" cmpd="sng" algn="ctr">
+                          <a:solidFill>
+                            <a:schemeClr val="tx1"/>
+                          </a:solidFill>
+                          <a:prstDash val="solid"/>
+                          <a:round/>
+                          <a:headEnd type="none" w="med" len="med"/>
+                          <a:tailEnd type="none" w="med" len="med"/>
+                        </a:lnT>
+                        <a:lnB w="12700" cap="flat" cmpd="sng" algn="ctr">
+                          <a:solidFill>
+                            <a:schemeClr val="tx1"/>
+                          </a:solidFill>
+                          <a:prstDash val="solid"/>
+                          <a:round/>
+                          <a:headEnd type="none" w="med" len="med"/>
+                          <a:tailEnd type="none" w="med" len="med"/>
+                        </a:lnB>
+                        <a:lnTlToBr w="12700" cmpd="sng">
+                          <a:noFill/>
+                          <a:prstDash val="solid"/>
+                        </a:lnTlToBr>
+                        <a:lnBlToTr w="12700" cmpd="sng">
+                          <a:noFill/>
+                          <a:prstDash val="solid"/>
+                        </a:lnBlToTr>
+                      </a:tcPr>
+                    </a:tc>
+                    <a:tc>
+                      <a:txBody>
+                        <a:bodyPr/>
+                        <a:lstStyle/>
+                        <a:p>
+                          <a:pPr algn="ctr"/>
+                          <a14:m>
+                            <m:oMathPara xmlns:m="http://schemas.openxmlformats.org/officeDocument/2006/math">
+                              <m:oMathParaPr>
+                                <m:jc m:val="centerGroup"/>
+                              </m:oMathParaPr>
+                              <m:oMath xmlns:m="http://schemas.openxmlformats.org/officeDocument/2006/math">
+                                <m:sSub>
+                                  <m:sSubPr>
+                                    <m:ctrlPr>
+                                      <a:rPr lang="en-AU" sz="1200" b="1" i="1" kern="1200" smtClean="0">
+                                        <a:solidFill>
+                                          <a:schemeClr val="tx1"/>
+                                        </a:solidFill>
+                                        <a:effectLst/>
+                                        <a:latin typeface="Cambria Math" panose="02040503050406030204" pitchFamily="18" charset="0"/>
+                                        <a:ea typeface="+mn-ea"/>
+                                        <a:cs typeface="+mn-cs"/>
+                                      </a:rPr>
+                                    </m:ctrlPr>
+                                  </m:sSubPr>
+                                  <m:e>
+                                    <m:r>
+                                      <a:rPr lang="en-AU" sz="1200" b="1" i="1" kern="1200" smtClean="0">
+                                        <a:solidFill>
+                                          <a:schemeClr val="tx1"/>
+                                        </a:solidFill>
+                                        <a:effectLst/>
+                                        <a:latin typeface="Cambria Math" panose="02040503050406030204" pitchFamily="18" charset="0"/>
+                                        <a:ea typeface="+mn-ea"/>
+                                        <a:cs typeface="+mn-cs"/>
+                                      </a:rPr>
+                                      <m:t>𝑪</m:t>
+                                    </m:r>
+                                  </m:e>
+                                  <m:sub>
+                                    <m:r>
+                                      <a:rPr lang="en-AU" sz="1200" b="1" i="1" kern="1200">
+                                        <a:solidFill>
+                                          <a:schemeClr val="tx1"/>
+                                        </a:solidFill>
+                                        <a:effectLst/>
+                                        <a:latin typeface="Cambria Math"/>
+                                        <a:ea typeface="+mn-ea"/>
+                                        <a:cs typeface="+mn-cs"/>
+                                      </a:rPr>
+                                      <m:t>𝒌</m:t>
+                                    </m:r>
+                                  </m:sub>
+                                </m:sSub>
+                                <m:d>
+                                  <m:dPr>
+                                    <m:ctrlPr>
+                                      <a:rPr lang="en-AU" sz="1200" b="1" i="1" kern="1200">
+                                        <a:solidFill>
+                                          <a:schemeClr val="tx1"/>
+                                        </a:solidFill>
+                                        <a:effectLst/>
+                                        <a:latin typeface="Cambria Math" panose="02040503050406030204" pitchFamily="18" charset="0"/>
+                                        <a:ea typeface="+mn-ea"/>
+                                        <a:cs typeface="+mn-cs"/>
+                                      </a:rPr>
+                                    </m:ctrlPr>
+                                  </m:dPr>
+                                  <m:e>
+                                    <m:sSub>
+                                      <m:sSubPr>
+                                        <m:ctrlPr>
+                                          <a:rPr lang="en-AU" sz="1200" b="1" i="1" kern="1200">
+                                            <a:solidFill>
+                                              <a:schemeClr val="tx1"/>
+                                            </a:solidFill>
+                                            <a:effectLst/>
+                                            <a:latin typeface="Cambria Math" panose="02040503050406030204" pitchFamily="18" charset="0"/>
+                                            <a:ea typeface="+mn-ea"/>
+                                            <a:cs typeface="+mn-cs"/>
+                                          </a:rPr>
+                                        </m:ctrlPr>
+                                      </m:sSubPr>
+                                      <m:e>
+                                        <m:r>
+                                          <a:rPr lang="en-AU" sz="1200" b="1" i="1" kern="1200">
+                                            <a:solidFill>
+                                              <a:schemeClr val="tx1"/>
+                                            </a:solidFill>
+                                            <a:effectLst/>
+                                            <a:latin typeface="Cambria Math"/>
+                                            <a:ea typeface="+mn-ea"/>
+                                            <a:cs typeface="+mn-cs"/>
+                                          </a:rPr>
+                                          <m:t>𝑷</m:t>
+                                        </m:r>
+                                      </m:e>
+                                      <m:sub>
+                                        <m:r>
+                                          <a:rPr lang="en-AU" sz="1200" b="1" i="1" kern="1200">
+                                            <a:solidFill>
+                                              <a:schemeClr val="tx1"/>
+                                            </a:solidFill>
+                                            <a:effectLst/>
+                                            <a:latin typeface="Cambria Math"/>
+                                            <a:ea typeface="+mn-ea"/>
+                                            <a:cs typeface="+mn-cs"/>
+                                          </a:rPr>
+                                          <m:t>𝒊</m:t>
+                                        </m:r>
+                                      </m:sub>
+                                    </m:sSub>
+                                  </m:e>
+                                </m:d>
+                              </m:oMath>
+                            </m:oMathPara>
+                          </a14:m>
+                          <a:endParaRPr lang="en-AU" sz="1200" dirty="0"/>
+                        </a:p>
+                      </a:txBody>
+                      <a:tcPr anchor="ctr">
+                        <a:lnL>
+                          <a:noFill/>
+                        </a:lnL>
+                        <a:lnR>
+                          <a:noFill/>
+                        </a:lnR>
+                        <a:lnT w="12700" cap="flat" cmpd="sng" algn="ctr">
+                          <a:solidFill>
+                            <a:schemeClr val="tx1"/>
+                          </a:solidFill>
+                          <a:prstDash val="solid"/>
+                          <a:round/>
+                          <a:headEnd type="none" w="med" len="med"/>
+                          <a:tailEnd type="none" w="med" len="med"/>
+                        </a:lnT>
+                        <a:lnB w="12700" cap="flat" cmpd="sng" algn="ctr">
+                          <a:solidFill>
+                            <a:schemeClr val="tx1"/>
+                          </a:solidFill>
+                          <a:prstDash val="solid"/>
+                          <a:round/>
+                          <a:headEnd type="none" w="med" len="med"/>
+                          <a:tailEnd type="none" w="med" len="med"/>
+                        </a:lnB>
+                        <a:lnTlToBr w="12700" cmpd="sng">
+                          <a:noFill/>
+                          <a:prstDash val="solid"/>
+                        </a:lnTlToBr>
+                        <a:lnBlToTr w="12700" cmpd="sng">
+                          <a:noFill/>
+                          <a:prstDash val="solid"/>
+                        </a:lnBlToTr>
+                      </a:tcPr>
+                    </a:tc>
+                    <a:tc>
+                      <a:txBody>
+                        <a:bodyPr/>
+                        <a:lstStyle/>
+                        <a:p>
+                          <a:pPr algn="ctr"/>
+                          <a14:m>
+                            <m:oMathPara xmlns:m="http://schemas.openxmlformats.org/officeDocument/2006/math">
+                              <m:oMathParaPr>
+                                <m:jc m:val="centerGroup"/>
+                              </m:oMathParaPr>
+                              <m:oMath xmlns:m="http://schemas.openxmlformats.org/officeDocument/2006/math">
+                                <m:sSub>
+                                  <m:sSubPr>
+                                    <m:ctrlPr>
+                                      <a:rPr lang="en-AU" sz="1200" b="1" i="1" kern="1200" smtClean="0">
+                                        <a:solidFill>
+                                          <a:schemeClr val="tx1"/>
+                                        </a:solidFill>
+                                        <a:effectLst/>
+                                        <a:latin typeface="Cambria Math" panose="02040503050406030204" pitchFamily="18" charset="0"/>
+                                        <a:ea typeface="+mn-ea"/>
+                                        <a:cs typeface="+mn-cs"/>
+                                      </a:rPr>
+                                    </m:ctrlPr>
+                                  </m:sSubPr>
+                                  <m:e>
+                                    <m:r>
+                                      <a:rPr lang="en-AU" sz="1200" b="1" i="1" kern="1200">
+                                        <a:solidFill>
+                                          <a:schemeClr val="tx1"/>
+                                        </a:solidFill>
+                                        <a:effectLst/>
+                                        <a:latin typeface="Cambria Math"/>
+                                        <a:ea typeface="+mn-ea"/>
+                                        <a:cs typeface="+mn-cs"/>
+                                      </a:rPr>
+                                      <m:t>𝑫</m:t>
+                                    </m:r>
+                                  </m:e>
+                                  <m:sub>
+                                    <m:r>
+                                      <a:rPr lang="en-AU" sz="1200" b="1" i="1" kern="1200">
+                                        <a:solidFill>
+                                          <a:schemeClr val="tx1"/>
+                                        </a:solidFill>
+                                        <a:effectLst/>
+                                        <a:latin typeface="Cambria Math"/>
+                                        <a:ea typeface="+mn-ea"/>
+                                        <a:cs typeface="+mn-cs"/>
+                                      </a:rPr>
+                                      <m:t>𝒌</m:t>
+                                    </m:r>
+                                  </m:sub>
+                                </m:sSub>
+                                <m:d>
+                                  <m:dPr>
+                                    <m:ctrlPr>
+                                      <a:rPr lang="en-AU" sz="1200" b="1" i="1" kern="1200">
+                                        <a:solidFill>
+                                          <a:schemeClr val="tx1"/>
+                                        </a:solidFill>
+                                        <a:effectLst/>
+                                        <a:latin typeface="Cambria Math" panose="02040503050406030204" pitchFamily="18" charset="0"/>
+                                        <a:ea typeface="+mn-ea"/>
+                                        <a:cs typeface="+mn-cs"/>
+                                      </a:rPr>
+                                    </m:ctrlPr>
+                                  </m:dPr>
+                                  <m:e>
+                                    <m:sSub>
+                                      <m:sSubPr>
+                                        <m:ctrlPr>
+                                          <a:rPr lang="en-AU" sz="1200" b="1" i="1" kern="1200">
+                                            <a:solidFill>
+                                              <a:schemeClr val="tx1"/>
+                                            </a:solidFill>
+                                            <a:effectLst/>
+                                            <a:latin typeface="Cambria Math" panose="02040503050406030204" pitchFamily="18" charset="0"/>
+                                            <a:ea typeface="+mn-ea"/>
+                                            <a:cs typeface="+mn-cs"/>
+                                          </a:rPr>
+                                        </m:ctrlPr>
+                                      </m:sSubPr>
+                                      <m:e>
+                                        <m:r>
+                                          <a:rPr lang="en-AU" sz="1200" b="1" i="1" kern="1200">
+                                            <a:solidFill>
+                                              <a:schemeClr val="tx1"/>
+                                            </a:solidFill>
+                                            <a:effectLst/>
+                                            <a:latin typeface="Cambria Math"/>
+                                            <a:ea typeface="+mn-ea"/>
+                                            <a:cs typeface="+mn-cs"/>
+                                          </a:rPr>
+                                          <m:t>𝑷</m:t>
+                                        </m:r>
+                                      </m:e>
+                                      <m:sub>
+                                        <m:r>
+                                          <a:rPr lang="en-AU" sz="1200" b="1" i="1" kern="1200">
+                                            <a:solidFill>
+                                              <a:schemeClr val="tx1"/>
+                                            </a:solidFill>
+                                            <a:effectLst/>
+                                            <a:latin typeface="Cambria Math"/>
+                                            <a:ea typeface="+mn-ea"/>
+                                            <a:cs typeface="+mn-cs"/>
+                                          </a:rPr>
+                                          <m:t>𝒊</m:t>
+                                        </m:r>
+                                      </m:sub>
+                                    </m:sSub>
+                                  </m:e>
+                                </m:d>
+                              </m:oMath>
+                            </m:oMathPara>
+                          </a14:m>
+                          <a:endParaRPr lang="en-AU" sz="1200" dirty="0"/>
+                        </a:p>
+                      </a:txBody>
+                      <a:tcPr anchor="ctr">
+                        <a:lnL>
+                          <a:noFill/>
+                        </a:lnL>
+                        <a:lnR w="12700" cap="flat" cmpd="sng" algn="ctr">
+                          <a:solidFill>
+                            <a:schemeClr val="tx1"/>
+                          </a:solidFill>
+                          <a:prstDash val="solid"/>
+                          <a:round/>
+                          <a:headEnd type="none" w="med" len="med"/>
+                          <a:tailEnd type="none" w="med" len="med"/>
+                        </a:lnR>
+                        <a:lnT w="12700" cap="flat" cmpd="sng" algn="ctr">
+                          <a:solidFill>
+                            <a:schemeClr val="tx1"/>
+                          </a:solidFill>
+                          <a:prstDash val="solid"/>
+                          <a:round/>
+                          <a:headEnd type="none" w="med" len="med"/>
+                          <a:tailEnd type="none" w="med" len="med"/>
+                        </a:lnT>
+                        <a:lnB w="12700" cap="flat" cmpd="sng" algn="ctr">
+                          <a:solidFill>
+                            <a:schemeClr val="tx1"/>
+                          </a:solidFill>
+                          <a:prstDash val="solid"/>
+                          <a:round/>
+                          <a:headEnd type="none" w="med" len="med"/>
+                          <a:tailEnd type="none" w="med" len="med"/>
+                        </a:lnB>
+                        <a:lnTlToBr w="12700" cmpd="sng">
+                          <a:noFill/>
+                          <a:prstDash val="solid"/>
+                        </a:lnTlToBr>
+                        <a:lnBlToTr w="12700" cmpd="sng">
+                          <a:noFill/>
+                          <a:prstDash val="solid"/>
+                        </a:lnBlToTr>
+                      </a:tcPr>
+                    </a:tc>
+                    <a:extLst>
+                      <a:ext uri="{0D108BD9-81ED-4DB2-BD59-A6C34878D82A}">
+                        <a16:rowId xmlns:a16="http://schemas.microsoft.com/office/drawing/2014/main" val="3176941515"/>
+                      </a:ext>
+                    </a:extLst>
+                  </a:tr>
+                  <a:tr h="319896">
+                    <a:tc>
+                      <a:txBody>
+                        <a:bodyPr/>
+                        <a:lstStyle/>
+                        <a:p>
+                          <a:pPr algn="ctr" fontAlgn="b"/>
+                          <a:r>
+                            <a:rPr lang="en-AU" sz="900" u="none" strike="noStrike" dirty="0">
+                              <a:effectLst/>
+                            </a:rPr>
+                            <a:t>YYADSVK</a:t>
+                          </a:r>
+                          <a:endParaRPr lang="en-AU" sz="900" b="0" i="0" u="none" strike="noStrike" dirty="0">
+                            <a:solidFill>
+                              <a:srgbClr val="000000"/>
+                            </a:solidFill>
+                            <a:effectLst/>
+                            <a:latin typeface="Calibri" panose="020F0502020204030204" pitchFamily="34" charset="0"/>
+                          </a:endParaRPr>
+                        </a:p>
+                      </a:txBody>
+                      <a:tcPr marL="9525" marR="9525" marT="9525" marB="0" anchor="ctr">
+                        <a:lnL w="12700" cap="flat" cmpd="sng" algn="ctr">
+                          <a:solidFill>
+                            <a:schemeClr val="tx1"/>
+                          </a:solidFill>
+                          <a:prstDash val="solid"/>
+                          <a:round/>
+                          <a:headEnd type="none" w="med" len="med"/>
+                          <a:tailEnd type="none" w="med" len="med"/>
+                        </a:lnL>
+                        <a:lnR>
+                          <a:noFill/>
+                        </a:lnR>
+                        <a:lnT w="12700" cap="flat" cmpd="sng" algn="ctr">
+                          <a:solidFill>
+                            <a:schemeClr val="tx1"/>
+                          </a:solidFill>
+                          <a:prstDash val="solid"/>
+                          <a:round/>
+                          <a:headEnd type="none" w="med" len="med"/>
+                          <a:tailEnd type="none" w="med" len="med"/>
+                        </a:lnT>
+                        <a:lnB>
+                          <a:noFill/>
+                        </a:lnB>
+                        <a:lnTlToBr w="12700" cmpd="sng">
+                          <a:noFill/>
+                          <a:prstDash val="solid"/>
+                        </a:lnTlToBr>
+                        <a:lnBlToTr w="12700" cmpd="sng">
+                          <a:noFill/>
+                          <a:prstDash val="solid"/>
+                        </a:lnBlToTr>
+                      </a:tcPr>
+                    </a:tc>
+                    <a:tc>
+                      <a:txBody>
+                        <a:bodyPr/>
+                        <a:lstStyle/>
+                        <a:p>
+                          <a:pPr algn="ctr"/>
+                          <a:r>
+                            <a:rPr lang="en-AU" sz="900" dirty="0"/>
+                            <a:t>13</a:t>
+                          </a:r>
+                        </a:p>
+                      </a:txBody>
+                      <a:tcPr anchor="ctr">
+                        <a:lnL>
+                          <a:noFill/>
+                        </a:lnL>
+                        <a:lnR>
+                          <a:noFill/>
+                        </a:lnR>
+                        <a:lnT w="12700" cap="flat" cmpd="sng" algn="ctr">
+                          <a:solidFill>
+                            <a:schemeClr val="tx1"/>
+                          </a:solidFill>
+                          <a:prstDash val="solid"/>
+                          <a:round/>
+                          <a:headEnd type="none" w="med" len="med"/>
+                          <a:tailEnd type="none" w="med" len="med"/>
+                        </a:lnT>
+                        <a:lnB>
+                          <a:noFill/>
+                        </a:lnB>
+                        <a:lnTlToBr w="12700" cmpd="sng">
+                          <a:noFill/>
+                          <a:prstDash val="solid"/>
+                        </a:lnTlToBr>
+                        <a:lnBlToTr w="12700" cmpd="sng">
+                          <a:noFill/>
+                          <a:prstDash val="solid"/>
+                        </a:lnBlToTr>
+                      </a:tcPr>
+                    </a:tc>
+                    <a:tc>
+                      <a:txBody>
+                        <a:bodyPr/>
+                        <a:lstStyle/>
+                        <a:p>
+                          <a:pPr algn="ctr"/>
+                          <a:r>
+                            <a:rPr lang="en-AU" sz="900" dirty="0"/>
+                            <a:t>0</a:t>
+                          </a:r>
+                        </a:p>
+                      </a:txBody>
+                      <a:tcPr anchor="ctr">
+                        <a:lnL>
+                          <a:noFill/>
+                        </a:lnL>
+                        <a:lnR>
+                          <a:noFill/>
+                        </a:lnR>
+                        <a:lnT w="12700" cap="flat" cmpd="sng" algn="ctr">
+                          <a:solidFill>
+                            <a:schemeClr val="tx1"/>
+                          </a:solidFill>
+                          <a:prstDash val="solid"/>
+                          <a:round/>
+                          <a:headEnd type="none" w="med" len="med"/>
+                          <a:tailEnd type="none" w="med" len="med"/>
+                        </a:lnT>
+                        <a:lnB>
+                          <a:noFill/>
+                        </a:lnB>
+                        <a:lnTlToBr w="12700" cmpd="sng">
+                          <a:noFill/>
+                          <a:prstDash val="solid"/>
+                        </a:lnTlToBr>
+                        <a:lnBlToTr w="12700" cmpd="sng">
+                          <a:noFill/>
+                          <a:prstDash val="solid"/>
+                        </a:lnBlToTr>
+                      </a:tcPr>
+                    </a:tc>
+                    <a:tc>
+                      <a:txBody>
+                        <a:bodyPr/>
+                        <a:lstStyle/>
+                        <a:p>
+                          <a:pPr algn="ctr"/>
+                          <a:r>
+                            <a:rPr lang="en-AU" sz="900" dirty="0"/>
+                            <a:t>0.901</a:t>
+                          </a:r>
+                        </a:p>
+                      </a:txBody>
+                      <a:tcPr anchor="ctr">
+                        <a:lnL>
+                          <a:noFill/>
+                        </a:lnL>
+                        <a:lnR>
+                          <a:noFill/>
+                        </a:lnR>
+                        <a:lnT w="12700" cap="flat" cmpd="sng" algn="ctr">
+                          <a:solidFill>
+                            <a:schemeClr val="tx1"/>
+                          </a:solidFill>
+                          <a:prstDash val="solid"/>
+                          <a:round/>
+                          <a:headEnd type="none" w="med" len="med"/>
+                          <a:tailEnd type="none" w="med" len="med"/>
+                        </a:lnT>
+                        <a:lnB>
+                          <a:noFill/>
+                        </a:lnB>
+                        <a:lnTlToBr w="12700" cmpd="sng">
+                          <a:noFill/>
+                          <a:prstDash val="solid"/>
+                        </a:lnTlToBr>
+                        <a:lnBlToTr w="12700" cmpd="sng">
+                          <a:noFill/>
+                          <a:prstDash val="solid"/>
+                        </a:lnBlToTr>
+                      </a:tcPr>
+                    </a:tc>
+                    <a:tc>
+                      <a:txBody>
+                        <a:bodyPr/>
+                        <a:lstStyle/>
+                        <a:p>
+                          <a:pPr algn="ctr"/>
+                          <a:r>
+                            <a:rPr lang="en-AU" sz="900" dirty="0"/>
+                            <a:t>0.083</a:t>
+                          </a:r>
+                        </a:p>
+                      </a:txBody>
+                      <a:tcPr anchor="ctr">
+                        <a:lnL>
+                          <a:noFill/>
+                        </a:lnL>
+                        <a:lnR w="12700" cap="flat" cmpd="sng" algn="ctr">
+                          <a:solidFill>
+                            <a:schemeClr val="tx1"/>
+                          </a:solidFill>
+                          <a:prstDash val="solid"/>
+                          <a:round/>
+                          <a:headEnd type="none" w="med" len="med"/>
+                          <a:tailEnd type="none" w="med" len="med"/>
+                        </a:lnR>
+                        <a:lnT w="12700" cap="flat" cmpd="sng" algn="ctr">
+                          <a:solidFill>
+                            <a:schemeClr val="tx1"/>
+                          </a:solidFill>
+                          <a:prstDash val="solid"/>
+                          <a:round/>
+                          <a:headEnd type="none" w="med" len="med"/>
+                          <a:tailEnd type="none" w="med" len="med"/>
+                        </a:lnT>
+                        <a:lnB>
+                          <a:noFill/>
+                        </a:lnB>
+                        <a:lnTlToBr w="12700" cmpd="sng">
+                          <a:noFill/>
+                          <a:prstDash val="solid"/>
+                        </a:lnTlToBr>
+                        <a:lnBlToTr w="12700" cmpd="sng">
+                          <a:noFill/>
+                          <a:prstDash val="solid"/>
+                        </a:lnBlToTr>
+                      </a:tcPr>
+                    </a:tc>
+                    <a:extLst>
+                      <a:ext uri="{0D108BD9-81ED-4DB2-BD59-A6C34878D82A}">
+                        <a16:rowId xmlns:a16="http://schemas.microsoft.com/office/drawing/2014/main" val="2673339703"/>
+                      </a:ext>
+                    </a:extLst>
+                  </a:tr>
+                  <a:tr h="319896">
+                    <a:tc>
+                      <a:txBody>
+                        <a:bodyPr/>
+                        <a:lstStyle/>
+                        <a:p>
+                          <a:pPr algn="ctr"/>
+                          <a:r>
+                            <a:rPr lang="en-AU" sz="900" dirty="0"/>
+                            <a:t>LYYADSVK</a:t>
+                          </a:r>
+                        </a:p>
+                      </a:txBody>
+                      <a:tcPr anchor="ctr">
+                        <a:lnL w="12700" cap="flat" cmpd="sng" algn="ctr">
+                          <a:solidFill>
+                            <a:schemeClr val="tx1"/>
+                          </a:solidFill>
+                          <a:prstDash val="solid"/>
+                          <a:round/>
+                          <a:headEnd type="none" w="med" len="med"/>
+                          <a:tailEnd type="none" w="med" len="med"/>
+                        </a:lnL>
+                        <a:lnR>
+                          <a:noFill/>
+                        </a:lnR>
+                        <a:lnT>
+                          <a:noFill/>
+                        </a:lnT>
+                        <a:lnB>
+                          <a:noFill/>
+                        </a:lnB>
+                        <a:lnTlToBr w="12700" cmpd="sng">
+                          <a:noFill/>
+                          <a:prstDash val="solid"/>
+                        </a:lnTlToBr>
+                        <a:lnBlToTr w="12700" cmpd="sng">
+                          <a:noFill/>
+                          <a:prstDash val="solid"/>
+                        </a:lnBlToTr>
+                      </a:tcPr>
+                    </a:tc>
+                    <a:tc>
+                      <a:txBody>
+                        <a:bodyPr/>
+                        <a:lstStyle/>
+                        <a:p>
+                          <a:pPr algn="ctr"/>
+                          <a:r>
+                            <a:rPr lang="en-AU" sz="900" dirty="0"/>
+                            <a:t>4</a:t>
+                          </a:r>
+                        </a:p>
+                      </a:txBody>
+                      <a:tcPr anchor="ctr">
+                        <a:lnL>
+                          <a:noFill/>
+                        </a:lnL>
+                        <a:lnR>
+                          <a:noFill/>
+                        </a:lnR>
+                        <a:lnT>
+                          <a:noFill/>
+                        </a:lnT>
+                        <a:lnB>
+                          <a:noFill/>
+                        </a:lnB>
+                        <a:lnTlToBr w="12700" cmpd="sng">
+                          <a:noFill/>
+                          <a:prstDash val="solid"/>
+                        </a:lnTlToBr>
+                        <a:lnBlToTr w="12700" cmpd="sng">
+                          <a:noFill/>
+                          <a:prstDash val="solid"/>
+                        </a:lnBlToTr>
+                      </a:tcPr>
+                    </a:tc>
+                    <a:tc>
+                      <a:txBody>
+                        <a:bodyPr/>
+                        <a:lstStyle/>
+                        <a:p>
+                          <a:pPr algn="ctr"/>
+                          <a:r>
+                            <a:rPr lang="en-AU" sz="900" dirty="0"/>
+                            <a:t>0</a:t>
+                          </a:r>
+                        </a:p>
+                      </a:txBody>
+                      <a:tcPr anchor="ctr">
+                        <a:lnL>
+                          <a:noFill/>
+                        </a:lnL>
+                        <a:lnR>
+                          <a:noFill/>
+                        </a:lnR>
+                        <a:lnT>
+                          <a:noFill/>
+                        </a:lnT>
+                        <a:lnB>
+                          <a:noFill/>
+                        </a:lnB>
+                        <a:lnTlToBr w="12700" cmpd="sng">
+                          <a:noFill/>
+                          <a:prstDash val="solid"/>
+                        </a:lnTlToBr>
+                        <a:lnBlToTr w="12700" cmpd="sng">
+                          <a:noFill/>
+                          <a:prstDash val="solid"/>
+                        </a:lnBlToTr>
+                      </a:tcPr>
+                    </a:tc>
+                    <a:tc>
+                      <a:txBody>
+                        <a:bodyPr/>
+                        <a:lstStyle/>
+                        <a:p>
+                          <a:pPr algn="ctr"/>
+                          <a:r>
+                            <a:rPr lang="en-AU" sz="900" dirty="0"/>
+                            <a:t>1.000</a:t>
+                          </a:r>
+                        </a:p>
+                      </a:txBody>
+                      <a:tcPr anchor="ctr">
+                        <a:lnL>
+                          <a:noFill/>
+                        </a:lnL>
+                        <a:lnR>
+                          <a:noFill/>
+                        </a:lnR>
+                        <a:lnT>
+                          <a:noFill/>
+                        </a:lnT>
+                        <a:lnB>
+                          <a:noFill/>
+                        </a:lnB>
+                        <a:lnTlToBr w="12700" cmpd="sng">
+                          <a:noFill/>
+                          <a:prstDash val="solid"/>
+                        </a:lnTlToBr>
+                        <a:lnBlToTr w="12700" cmpd="sng">
+                          <a:noFill/>
+                          <a:prstDash val="solid"/>
+                        </a:lnBlToTr>
+                      </a:tcPr>
+                    </a:tc>
+                    <a:tc>
+                      <a:txBody>
+                        <a:bodyPr/>
+                        <a:lstStyle/>
+                        <a:p>
+                          <a:pPr algn="ctr"/>
+                          <a:r>
+                            <a:rPr lang="en-AU" sz="900" dirty="0"/>
+                            <a:t>0.990</a:t>
+                          </a:r>
+                        </a:p>
+                      </a:txBody>
+                      <a:tcPr anchor="ctr">
+                        <a:lnL>
+                          <a:noFill/>
+                        </a:lnL>
+                        <a:lnR w="12700" cap="flat" cmpd="sng" algn="ctr">
+                          <a:solidFill>
+                            <a:schemeClr val="tx1"/>
+                          </a:solidFill>
+                          <a:prstDash val="solid"/>
+                          <a:round/>
+                          <a:headEnd type="none" w="med" len="med"/>
+                          <a:tailEnd type="none" w="med" len="med"/>
+                        </a:lnR>
+                        <a:lnT>
+                          <a:noFill/>
+                        </a:lnT>
+                        <a:lnB>
+                          <a:noFill/>
+                        </a:lnB>
+                        <a:lnTlToBr w="12700" cmpd="sng">
+                          <a:noFill/>
+                          <a:prstDash val="solid"/>
+                        </a:lnTlToBr>
+                        <a:lnBlToTr w="12700" cmpd="sng">
+                          <a:noFill/>
+                          <a:prstDash val="solid"/>
+                        </a:lnBlToTr>
+                      </a:tcPr>
+                    </a:tc>
+                    <a:extLst>
+                      <a:ext uri="{0D108BD9-81ED-4DB2-BD59-A6C34878D82A}">
+                        <a16:rowId xmlns:a16="http://schemas.microsoft.com/office/drawing/2014/main" val="2736953877"/>
+                      </a:ext>
+                    </a:extLst>
+                  </a:tr>
+                  <a:tr h="319896">
+                    <a:tc>
+                      <a:txBody>
+                        <a:bodyPr/>
+                        <a:lstStyle/>
+                        <a:p>
+                          <a:pPr algn="ctr" fontAlgn="b"/>
+                          <a:r>
+                            <a:rPr lang="en-AU" sz="900" u="none" strike="noStrike" dirty="0">
+                              <a:effectLst/>
+                            </a:rPr>
+                            <a:t>YYGDSVK</a:t>
+                          </a:r>
+                          <a:endParaRPr lang="en-AU" sz="900" b="0" i="0" u="none" strike="noStrike" dirty="0">
+                            <a:solidFill>
+                              <a:srgbClr val="000000"/>
+                            </a:solidFill>
+                            <a:effectLst/>
+                            <a:latin typeface="Calibri" panose="020F0502020204030204" pitchFamily="34" charset="0"/>
+                          </a:endParaRPr>
+                        </a:p>
+                      </a:txBody>
+                      <a:tcPr marL="9525" marR="9525" marT="9525" marB="0" anchor="ctr">
+                        <a:lnL w="12700" cap="flat" cmpd="sng" algn="ctr">
+                          <a:solidFill>
+                            <a:schemeClr val="tx1"/>
+                          </a:solidFill>
+                          <a:prstDash val="solid"/>
+                          <a:round/>
+                          <a:headEnd type="none" w="med" len="med"/>
+                          <a:tailEnd type="none" w="med" len="med"/>
+                        </a:lnL>
+                        <a:lnR>
+                          <a:noFill/>
+                        </a:lnR>
+                        <a:lnT>
+                          <a:noFill/>
+                        </a:lnT>
+                        <a:lnB>
+                          <a:noFill/>
+                        </a:lnB>
+                        <a:lnTlToBr w="12700" cmpd="sng">
+                          <a:noFill/>
+                          <a:prstDash val="solid"/>
+                        </a:lnTlToBr>
+                        <a:lnBlToTr w="12700" cmpd="sng">
+                          <a:noFill/>
+                          <a:prstDash val="solid"/>
+                        </a:lnBlToTr>
+                      </a:tcPr>
+                    </a:tc>
+                    <a:tc>
+                      <a:txBody>
+                        <a:bodyPr/>
+                        <a:lstStyle/>
+                        <a:p>
+                          <a:pPr algn="ctr"/>
+                          <a:r>
+                            <a:rPr lang="en-AU" sz="900" dirty="0"/>
+                            <a:t>3</a:t>
+                          </a:r>
+                        </a:p>
+                      </a:txBody>
+                      <a:tcPr anchor="ctr">
+                        <a:lnL>
+                          <a:noFill/>
+                        </a:lnL>
+                        <a:lnR>
+                          <a:noFill/>
+                        </a:lnR>
+                        <a:lnT>
+                          <a:noFill/>
+                        </a:lnT>
+                        <a:lnB>
+                          <a:noFill/>
+                        </a:lnB>
+                        <a:lnTlToBr w="12700" cmpd="sng">
+                          <a:noFill/>
+                          <a:prstDash val="solid"/>
+                        </a:lnTlToBr>
+                        <a:lnBlToTr w="12700" cmpd="sng">
+                          <a:noFill/>
+                          <a:prstDash val="solid"/>
+                        </a:lnBlToTr>
+                      </a:tcPr>
+                    </a:tc>
+                    <a:tc>
+                      <a:txBody>
+                        <a:bodyPr/>
+                        <a:lstStyle/>
+                        <a:p>
+                          <a:pPr algn="ctr"/>
+                          <a:r>
+                            <a:rPr lang="en-AU" sz="900" dirty="0"/>
+                            <a:t>1</a:t>
+                          </a:r>
+                        </a:p>
+                      </a:txBody>
+                      <a:tcPr anchor="ctr">
+                        <a:lnL>
+                          <a:noFill/>
+                        </a:lnL>
+                        <a:lnR>
+                          <a:noFill/>
+                        </a:lnR>
+                        <a:lnT>
+                          <a:noFill/>
+                        </a:lnT>
+                        <a:lnB>
+                          <a:noFill/>
+                        </a:lnB>
+                        <a:lnTlToBr w="12700" cmpd="sng">
+                          <a:noFill/>
+                          <a:prstDash val="solid"/>
+                        </a:lnTlToBr>
+                        <a:lnBlToTr w="12700" cmpd="sng">
+                          <a:noFill/>
+                          <a:prstDash val="solid"/>
+                        </a:lnBlToTr>
+                      </a:tcPr>
+                    </a:tc>
+                    <a:tc>
+                      <a:txBody>
+                        <a:bodyPr/>
+                        <a:lstStyle/>
+                        <a:p>
+                          <a:pPr algn="ctr"/>
+                          <a:r>
+                            <a:rPr lang="en-AU" sz="900" dirty="0"/>
+                            <a:t>0.484</a:t>
+                          </a:r>
+                        </a:p>
+                      </a:txBody>
+                      <a:tcPr anchor="ctr">
+                        <a:lnL>
+                          <a:noFill/>
+                        </a:lnL>
+                        <a:lnR>
+                          <a:noFill/>
+                        </a:lnR>
+                        <a:lnT>
+                          <a:noFill/>
+                        </a:lnT>
+                        <a:lnB>
+                          <a:noFill/>
+                        </a:lnB>
+                        <a:lnTlToBr w="12700" cmpd="sng">
+                          <a:noFill/>
+                          <a:prstDash val="solid"/>
+                        </a:lnTlToBr>
+                        <a:lnBlToTr w="12700" cmpd="sng">
+                          <a:noFill/>
+                          <a:prstDash val="solid"/>
+                        </a:lnBlToTr>
+                      </a:tcPr>
+                    </a:tc>
+                    <a:tc>
+                      <a:txBody>
+                        <a:bodyPr/>
+                        <a:lstStyle/>
+                        <a:p>
+                          <a:pPr algn="ctr"/>
+                          <a:r>
+                            <a:rPr lang="en-AU" sz="900" dirty="0"/>
+                            <a:t>0.092</a:t>
+                          </a:r>
+                        </a:p>
+                      </a:txBody>
+                      <a:tcPr anchor="ctr">
+                        <a:lnL>
+                          <a:noFill/>
+                        </a:lnL>
+                        <a:lnR w="12700" cap="flat" cmpd="sng" algn="ctr">
+                          <a:solidFill>
+                            <a:schemeClr val="tx1"/>
+                          </a:solidFill>
+                          <a:prstDash val="solid"/>
+                          <a:round/>
+                          <a:headEnd type="none" w="med" len="med"/>
+                          <a:tailEnd type="none" w="med" len="med"/>
+                        </a:lnR>
+                        <a:lnT>
+                          <a:noFill/>
+                        </a:lnT>
+                        <a:lnB>
+                          <a:noFill/>
+                        </a:lnB>
+                        <a:lnTlToBr w="12700" cmpd="sng">
+                          <a:noFill/>
+                          <a:prstDash val="solid"/>
+                        </a:lnTlToBr>
+                        <a:lnBlToTr w="12700" cmpd="sng">
+                          <a:noFill/>
+                          <a:prstDash val="solid"/>
+                        </a:lnBlToTr>
+                      </a:tcPr>
+                    </a:tc>
+                    <a:extLst>
+                      <a:ext uri="{0D108BD9-81ED-4DB2-BD59-A6C34878D82A}">
+                        <a16:rowId xmlns:a16="http://schemas.microsoft.com/office/drawing/2014/main" val="935999974"/>
+                      </a:ext>
+                    </a:extLst>
+                  </a:tr>
+                  <a:tr h="319896">
+                    <a:tc>
+                      <a:txBody>
+                        <a:bodyPr/>
+                        <a:lstStyle/>
+                        <a:p>
+                          <a:pPr algn="ctr"/>
+                          <a:r>
+                            <a:rPr lang="en-AU" sz="900" dirty="0"/>
+                            <a:t>YYTDSVK</a:t>
+                          </a:r>
+                        </a:p>
+                      </a:txBody>
+                      <a:tcPr anchor="ctr">
+                        <a:lnL w="12700" cap="flat" cmpd="sng" algn="ctr">
+                          <a:solidFill>
+                            <a:schemeClr val="tx1"/>
+                          </a:solidFill>
+                          <a:prstDash val="solid"/>
+                          <a:round/>
+                          <a:headEnd type="none" w="med" len="med"/>
+                          <a:tailEnd type="none" w="med" len="med"/>
+                        </a:lnL>
+                        <a:lnR>
+                          <a:noFill/>
+                        </a:lnR>
+                        <a:lnT>
+                          <a:noFill/>
+                        </a:lnT>
+                        <a:lnB>
+                          <a:noFill/>
+                        </a:lnB>
+                        <a:lnTlToBr w="12700" cmpd="sng">
+                          <a:noFill/>
+                          <a:prstDash val="solid"/>
+                        </a:lnTlToBr>
+                        <a:lnBlToTr w="12700" cmpd="sng">
+                          <a:noFill/>
+                          <a:prstDash val="solid"/>
+                        </a:lnBlToTr>
+                      </a:tcPr>
+                    </a:tc>
+                    <a:tc>
+                      <a:txBody>
+                        <a:bodyPr/>
+                        <a:lstStyle/>
+                        <a:p>
+                          <a:pPr algn="ctr"/>
+                          <a:r>
+                            <a:rPr lang="en-AU" sz="900" dirty="0"/>
+                            <a:t>3</a:t>
+                          </a:r>
+                        </a:p>
+                      </a:txBody>
+                      <a:tcPr anchor="ctr">
+                        <a:lnL>
+                          <a:noFill/>
+                        </a:lnL>
+                        <a:lnR>
+                          <a:noFill/>
+                        </a:lnR>
+                        <a:lnT>
+                          <a:noFill/>
+                        </a:lnT>
+                        <a:lnB>
+                          <a:noFill/>
+                        </a:lnB>
+                        <a:lnTlToBr w="12700" cmpd="sng">
+                          <a:noFill/>
+                          <a:prstDash val="solid"/>
+                        </a:lnTlToBr>
+                        <a:lnBlToTr w="12700" cmpd="sng">
+                          <a:noFill/>
+                          <a:prstDash val="solid"/>
+                        </a:lnBlToTr>
+                      </a:tcPr>
+                    </a:tc>
+                    <a:tc>
+                      <a:txBody>
+                        <a:bodyPr/>
+                        <a:lstStyle/>
+                        <a:p>
+                          <a:pPr algn="ctr"/>
+                          <a:r>
+                            <a:rPr lang="en-AU" sz="900" dirty="0"/>
+                            <a:t>1</a:t>
+                          </a:r>
+                        </a:p>
+                      </a:txBody>
+                      <a:tcPr anchor="ctr">
+                        <a:lnL>
+                          <a:noFill/>
+                        </a:lnL>
+                        <a:lnR>
+                          <a:noFill/>
+                        </a:lnR>
+                        <a:lnT>
+                          <a:noFill/>
+                        </a:lnT>
+                        <a:lnB>
+                          <a:noFill/>
+                        </a:lnB>
+                        <a:lnTlToBr w="12700" cmpd="sng">
+                          <a:noFill/>
+                          <a:prstDash val="solid"/>
+                        </a:lnTlToBr>
+                        <a:lnBlToTr w="12700" cmpd="sng">
+                          <a:noFill/>
+                          <a:prstDash val="solid"/>
+                        </a:lnBlToTr>
+                      </a:tcPr>
+                    </a:tc>
+                    <a:tc>
+                      <a:txBody>
+                        <a:bodyPr/>
+                        <a:lstStyle/>
+                        <a:p>
+                          <a:pPr algn="ctr"/>
+                          <a:r>
+                            <a:rPr lang="en-AU" sz="900" dirty="0"/>
+                            <a:t>0.394</a:t>
+                          </a:r>
+                        </a:p>
+                      </a:txBody>
+                      <a:tcPr anchor="ctr">
+                        <a:lnL>
+                          <a:noFill/>
+                        </a:lnL>
+                        <a:lnR>
+                          <a:noFill/>
+                        </a:lnR>
+                        <a:lnT>
+                          <a:noFill/>
+                        </a:lnT>
+                        <a:lnB>
+                          <a:noFill/>
+                        </a:lnB>
+                        <a:lnTlToBr w="12700" cmpd="sng">
+                          <a:noFill/>
+                          <a:prstDash val="solid"/>
+                        </a:lnTlToBr>
+                        <a:lnBlToTr w="12700" cmpd="sng">
+                          <a:noFill/>
+                          <a:prstDash val="solid"/>
+                        </a:lnBlToTr>
+                      </a:tcPr>
+                    </a:tc>
+                    <a:tc>
+                      <a:txBody>
+                        <a:bodyPr/>
+                        <a:lstStyle/>
+                        <a:p>
+                          <a:pPr algn="ctr"/>
+                          <a:r>
+                            <a:rPr lang="en-AU" sz="900" dirty="0"/>
+                            <a:t>0.084</a:t>
+                          </a:r>
+                        </a:p>
+                      </a:txBody>
+                      <a:tcPr anchor="ctr">
+                        <a:lnL>
+                          <a:noFill/>
+                        </a:lnL>
+                        <a:lnR w="12700" cap="flat" cmpd="sng" algn="ctr">
+                          <a:solidFill>
+                            <a:schemeClr val="tx1"/>
+                          </a:solidFill>
+                          <a:prstDash val="solid"/>
+                          <a:round/>
+                          <a:headEnd type="none" w="med" len="med"/>
+                          <a:tailEnd type="none" w="med" len="med"/>
+                        </a:lnR>
+                        <a:lnT>
+                          <a:noFill/>
+                        </a:lnT>
+                        <a:lnB>
+                          <a:noFill/>
+                        </a:lnB>
+                        <a:lnTlToBr w="12700" cmpd="sng">
+                          <a:noFill/>
+                          <a:prstDash val="solid"/>
+                        </a:lnTlToBr>
+                        <a:lnBlToTr w="12700" cmpd="sng">
+                          <a:noFill/>
+                          <a:prstDash val="solid"/>
+                        </a:lnBlToTr>
+                      </a:tcPr>
+                    </a:tc>
+                    <a:extLst>
+                      <a:ext uri="{0D108BD9-81ED-4DB2-BD59-A6C34878D82A}">
+                        <a16:rowId xmlns:a16="http://schemas.microsoft.com/office/drawing/2014/main" val="3527595651"/>
+                      </a:ext>
+                    </a:extLst>
+                  </a:tr>
+                  <a:tr h="319896">
+                    <a:tc>
+                      <a:txBody>
+                        <a:bodyPr/>
+                        <a:lstStyle/>
+                        <a:p>
+                          <a:pPr algn="ctr"/>
+                          <a:r>
+                            <a:rPr lang="en-AU" sz="900" dirty="0"/>
+                            <a:t>FYADSVK</a:t>
+                          </a:r>
+                        </a:p>
+                      </a:txBody>
+                      <a:tcPr anchor="ctr">
+                        <a:lnL w="12700" cap="flat" cmpd="sng" algn="ctr">
+                          <a:solidFill>
+                            <a:schemeClr val="tx1"/>
+                          </a:solidFill>
+                          <a:prstDash val="solid"/>
+                          <a:round/>
+                          <a:headEnd type="none" w="med" len="med"/>
+                          <a:tailEnd type="none" w="med" len="med"/>
+                        </a:lnL>
+                        <a:lnR>
+                          <a:noFill/>
+                        </a:lnR>
+                        <a:lnT>
+                          <a:noFill/>
+                        </a:lnT>
+                        <a:lnB>
+                          <a:noFill/>
+                        </a:lnB>
+                        <a:lnTlToBr w="12700" cmpd="sng">
+                          <a:noFill/>
+                          <a:prstDash val="solid"/>
+                        </a:lnTlToBr>
+                        <a:lnBlToTr w="12700" cmpd="sng">
+                          <a:noFill/>
+                          <a:prstDash val="solid"/>
+                        </a:lnBlToTr>
+                      </a:tcPr>
+                    </a:tc>
+                    <a:tc>
+                      <a:txBody>
+                        <a:bodyPr/>
+                        <a:lstStyle/>
+                        <a:p>
+                          <a:pPr algn="ctr"/>
+                          <a:r>
+                            <a:rPr lang="en-AU" sz="900" dirty="0"/>
+                            <a:t>1</a:t>
+                          </a:r>
+                        </a:p>
+                      </a:txBody>
+                      <a:tcPr anchor="ctr">
+                        <a:lnL>
+                          <a:noFill/>
+                        </a:lnL>
+                        <a:lnR>
+                          <a:noFill/>
+                        </a:lnR>
+                        <a:lnT>
+                          <a:noFill/>
+                        </a:lnT>
+                        <a:lnB>
+                          <a:noFill/>
+                        </a:lnB>
+                        <a:lnTlToBr w="12700" cmpd="sng">
+                          <a:noFill/>
+                          <a:prstDash val="solid"/>
+                        </a:lnTlToBr>
+                        <a:lnBlToTr w="12700" cmpd="sng">
+                          <a:noFill/>
+                          <a:prstDash val="solid"/>
+                        </a:lnBlToTr>
+                      </a:tcPr>
+                    </a:tc>
+                    <a:tc>
+                      <a:txBody>
+                        <a:bodyPr/>
+                        <a:lstStyle/>
+                        <a:p>
+                          <a:pPr algn="ctr"/>
+                          <a:r>
+                            <a:rPr lang="en-AU" sz="900" dirty="0"/>
+                            <a:t>1</a:t>
+                          </a:r>
+                        </a:p>
+                      </a:txBody>
+                      <a:tcPr anchor="ctr">
+                        <a:lnL>
+                          <a:noFill/>
+                        </a:lnL>
+                        <a:lnR>
+                          <a:noFill/>
+                        </a:lnR>
+                        <a:lnT>
+                          <a:noFill/>
+                        </a:lnT>
+                        <a:lnB>
+                          <a:noFill/>
+                        </a:lnB>
+                        <a:lnTlToBr w="12700" cmpd="sng">
+                          <a:noFill/>
+                          <a:prstDash val="solid"/>
+                        </a:lnTlToBr>
+                        <a:lnBlToTr w="12700" cmpd="sng">
+                          <a:noFill/>
+                          <a:prstDash val="solid"/>
+                        </a:lnBlToTr>
+                      </a:tcPr>
+                    </a:tc>
+                    <a:tc>
+                      <a:txBody>
+                        <a:bodyPr/>
+                        <a:lstStyle/>
+                        <a:p>
+                          <a:pPr algn="ctr"/>
+                          <a:r>
+                            <a:rPr lang="en-AU" sz="900" dirty="0"/>
+                            <a:t>0.874</a:t>
+                          </a:r>
+                        </a:p>
+                      </a:txBody>
+                      <a:tcPr anchor="ctr">
+                        <a:lnL>
+                          <a:noFill/>
+                        </a:lnL>
+                        <a:lnR>
+                          <a:noFill/>
+                        </a:lnR>
+                        <a:lnT>
+                          <a:noFill/>
+                        </a:lnT>
+                        <a:lnB>
+                          <a:noFill/>
+                        </a:lnB>
+                        <a:lnTlToBr w="12700" cmpd="sng">
+                          <a:noFill/>
+                          <a:prstDash val="solid"/>
+                        </a:lnTlToBr>
+                        <a:lnBlToTr w="12700" cmpd="sng">
+                          <a:noFill/>
+                          <a:prstDash val="solid"/>
+                        </a:lnBlToTr>
+                      </a:tcPr>
+                    </a:tc>
+                    <a:tc>
+                      <a:txBody>
+                        <a:bodyPr/>
+                        <a:lstStyle/>
+                        <a:p>
+                          <a:pPr algn="ctr"/>
+                          <a:r>
+                            <a:rPr lang="en-AU" sz="900" dirty="0"/>
+                            <a:t>0.095</a:t>
+                          </a:r>
+                        </a:p>
+                      </a:txBody>
+                      <a:tcPr anchor="ctr">
+                        <a:lnL>
+                          <a:noFill/>
+                        </a:lnL>
+                        <a:lnR w="12700" cap="flat" cmpd="sng" algn="ctr">
+                          <a:solidFill>
+                            <a:schemeClr val="tx1"/>
+                          </a:solidFill>
+                          <a:prstDash val="solid"/>
+                          <a:round/>
+                          <a:headEnd type="none" w="med" len="med"/>
+                          <a:tailEnd type="none" w="med" len="med"/>
+                        </a:lnR>
+                        <a:lnT>
+                          <a:noFill/>
+                        </a:lnT>
+                        <a:lnB>
+                          <a:noFill/>
+                        </a:lnB>
+                        <a:lnTlToBr w="12700" cmpd="sng">
+                          <a:noFill/>
+                          <a:prstDash val="solid"/>
+                        </a:lnTlToBr>
+                        <a:lnBlToTr w="12700" cmpd="sng">
+                          <a:noFill/>
+                          <a:prstDash val="solid"/>
+                        </a:lnBlToTr>
+                      </a:tcPr>
+                    </a:tc>
+                    <a:extLst>
+                      <a:ext uri="{0D108BD9-81ED-4DB2-BD59-A6C34878D82A}">
+                        <a16:rowId xmlns:a16="http://schemas.microsoft.com/office/drawing/2014/main" val="2249276370"/>
+                      </a:ext>
+                    </a:extLst>
+                  </a:tr>
+                  <a:tr h="319896">
+                    <a:tc>
+                      <a:txBody>
+                        <a:bodyPr/>
+                        <a:lstStyle/>
+                        <a:p>
+                          <a:pPr algn="ctr"/>
+                          <a:r>
+                            <a:rPr lang="en-AU" sz="900" dirty="0"/>
+                            <a:t>DYADSVK</a:t>
+                          </a:r>
+                        </a:p>
+                      </a:txBody>
+                      <a:tcPr anchor="ctr">
+                        <a:lnL w="12700" cap="flat" cmpd="sng" algn="ctr">
+                          <a:solidFill>
+                            <a:schemeClr val="tx1"/>
+                          </a:solidFill>
+                          <a:prstDash val="solid"/>
+                          <a:round/>
+                          <a:headEnd type="none" w="med" len="med"/>
+                          <a:tailEnd type="none" w="med" len="med"/>
+                        </a:lnL>
+                        <a:lnR>
+                          <a:noFill/>
+                        </a:lnR>
+                        <a:lnT>
+                          <a:noFill/>
+                        </a:lnT>
+                        <a:lnB w="12700" cap="flat" cmpd="sng" algn="ctr">
+                          <a:solidFill>
+                            <a:schemeClr val="tx1"/>
+                          </a:solidFill>
+                          <a:prstDash val="solid"/>
+                          <a:round/>
+                          <a:headEnd type="none" w="med" len="med"/>
+                          <a:tailEnd type="none" w="med" len="med"/>
+                        </a:lnB>
+                        <a:lnTlToBr w="12700" cmpd="sng">
+                          <a:noFill/>
+                          <a:prstDash val="solid"/>
+                        </a:lnTlToBr>
+                        <a:lnBlToTr w="12700" cmpd="sng">
+                          <a:noFill/>
+                          <a:prstDash val="solid"/>
+                        </a:lnBlToTr>
+                      </a:tcPr>
+                    </a:tc>
+                    <a:tc>
+                      <a:txBody>
+                        <a:bodyPr/>
+                        <a:lstStyle/>
+                        <a:p>
+                          <a:pPr algn="ctr"/>
+                          <a:r>
+                            <a:rPr lang="en-AU" sz="900" dirty="0"/>
+                            <a:t>1</a:t>
+                          </a:r>
+                        </a:p>
+                      </a:txBody>
+                      <a:tcPr anchor="ctr">
+                        <a:lnL>
+                          <a:noFill/>
+                        </a:lnL>
+                        <a:lnR>
+                          <a:noFill/>
+                        </a:lnR>
+                        <a:lnT>
+                          <a:noFill/>
+                        </a:lnT>
+                        <a:lnB w="12700" cap="flat" cmpd="sng" algn="ctr">
+                          <a:solidFill>
+                            <a:schemeClr val="tx1"/>
+                          </a:solidFill>
+                          <a:prstDash val="solid"/>
+                          <a:round/>
+                          <a:headEnd type="none" w="med" len="med"/>
+                          <a:tailEnd type="none" w="med" len="med"/>
+                        </a:lnB>
+                        <a:lnTlToBr w="12700" cmpd="sng">
+                          <a:noFill/>
+                          <a:prstDash val="solid"/>
+                        </a:lnTlToBr>
+                        <a:lnBlToTr w="12700" cmpd="sng">
+                          <a:noFill/>
+                          <a:prstDash val="solid"/>
+                        </a:lnBlToTr>
+                      </a:tcPr>
+                    </a:tc>
+                    <a:tc>
+                      <a:txBody>
+                        <a:bodyPr/>
+                        <a:lstStyle/>
+                        <a:p>
+                          <a:pPr algn="ctr"/>
+                          <a:r>
+                            <a:rPr lang="en-AU" sz="900" dirty="0"/>
+                            <a:t>1</a:t>
+                          </a:r>
+                        </a:p>
+                      </a:txBody>
+                      <a:tcPr anchor="ctr">
+                        <a:lnL>
+                          <a:noFill/>
+                        </a:lnL>
+                        <a:lnR>
+                          <a:noFill/>
+                        </a:lnR>
+                        <a:lnT>
+                          <a:noFill/>
+                        </a:lnT>
+                        <a:lnB w="12700" cap="flat" cmpd="sng" algn="ctr">
+                          <a:solidFill>
+                            <a:schemeClr val="tx1"/>
+                          </a:solidFill>
+                          <a:prstDash val="solid"/>
+                          <a:round/>
+                          <a:headEnd type="none" w="med" len="med"/>
+                          <a:tailEnd type="none" w="med" len="med"/>
+                        </a:lnB>
+                        <a:lnTlToBr w="12700" cmpd="sng">
+                          <a:noFill/>
+                          <a:prstDash val="solid"/>
+                        </a:lnTlToBr>
+                        <a:lnBlToTr w="12700" cmpd="sng">
+                          <a:noFill/>
+                          <a:prstDash val="solid"/>
+                        </a:lnBlToTr>
+                      </a:tcPr>
+                    </a:tc>
+                    <a:tc>
+                      <a:txBody>
+                        <a:bodyPr/>
+                        <a:lstStyle/>
+                        <a:p>
+                          <a:pPr algn="ctr"/>
+                          <a:r>
+                            <a:rPr lang="en-AU" sz="900" dirty="0"/>
+                            <a:t>0.693</a:t>
+                          </a:r>
+                        </a:p>
+                      </a:txBody>
+                      <a:tcPr anchor="ctr">
+                        <a:lnL>
+                          <a:noFill/>
+                        </a:lnL>
+                        <a:lnR>
+                          <a:noFill/>
+                        </a:lnR>
+                        <a:lnT>
+                          <a:noFill/>
+                        </a:lnT>
+                        <a:lnB w="12700" cap="flat" cmpd="sng" algn="ctr">
+                          <a:solidFill>
+                            <a:schemeClr val="tx1"/>
+                          </a:solidFill>
+                          <a:prstDash val="solid"/>
+                          <a:round/>
+                          <a:headEnd type="none" w="med" len="med"/>
+                          <a:tailEnd type="none" w="med" len="med"/>
+                        </a:lnB>
+                        <a:lnTlToBr w="12700" cmpd="sng">
+                          <a:noFill/>
+                          <a:prstDash val="solid"/>
+                        </a:lnTlToBr>
+                        <a:lnBlToTr w="12700" cmpd="sng">
+                          <a:noFill/>
+                          <a:prstDash val="solid"/>
+                        </a:lnBlToTr>
+                      </a:tcPr>
+                    </a:tc>
+                    <a:tc>
+                      <a:txBody>
+                        <a:bodyPr/>
+                        <a:lstStyle/>
+                        <a:p>
+                          <a:pPr algn="ctr"/>
+                          <a:r>
+                            <a:rPr lang="en-AU" sz="900" dirty="0"/>
+                            <a:t>0.032</a:t>
+                          </a:r>
+                        </a:p>
+                      </a:txBody>
+                      <a:tcPr anchor="ctr">
+                        <a:lnL>
+                          <a:noFill/>
+                        </a:lnL>
+                        <a:lnR w="12700" cap="flat" cmpd="sng" algn="ctr">
+                          <a:solidFill>
+                            <a:schemeClr val="tx1"/>
+                          </a:solidFill>
+                          <a:prstDash val="solid"/>
+                          <a:round/>
+                          <a:headEnd type="none" w="med" len="med"/>
+                          <a:tailEnd type="none" w="med" len="med"/>
+                        </a:lnR>
+                        <a:lnT>
+                          <a:noFill/>
+                        </a:lnT>
+                        <a:lnB w="12700" cap="flat" cmpd="sng" algn="ctr">
+                          <a:solidFill>
+                            <a:schemeClr val="tx1"/>
+                          </a:solidFill>
+                          <a:prstDash val="solid"/>
+                          <a:round/>
+                          <a:headEnd type="none" w="med" len="med"/>
+                          <a:tailEnd type="none" w="med" len="med"/>
+                        </a:lnB>
+                        <a:lnTlToBr w="12700" cmpd="sng">
+                          <a:noFill/>
+                          <a:prstDash val="solid"/>
+                        </a:lnTlToBr>
+                        <a:lnBlToTr w="12700" cmpd="sng">
+                          <a:noFill/>
+                          <a:prstDash val="solid"/>
+                        </a:lnBlToTr>
+                      </a:tcPr>
+                    </a:tc>
+                    <a:extLst>
+                      <a:ext uri="{0D108BD9-81ED-4DB2-BD59-A6C34878D82A}">
+                        <a16:rowId xmlns:a16="http://schemas.microsoft.com/office/drawing/2014/main" val="889951462"/>
+                      </a:ext>
+                    </a:extLst>
+                  </a:tr>
+                </a:tbl>
+              </a:graphicData>
+            </a:graphic>
+          </p:graphicFrame>
+        </mc:Choice>
+        <mc:Fallback xmlns="">
+          <p:graphicFrame>
+            <p:nvGraphicFramePr>
+              <p:cNvPr id="6" name="Table 5"/>
+              <p:cNvGraphicFramePr>
+                <a:graphicFrameLocks noGrp="1"/>
+              </p:cNvGraphicFramePr>
+              <p:nvPr>
+                <p:extLst>
+                  <p:ext uri="{D42A27DB-BD31-4B8C-83A1-F6EECF244321}">
+                    <p14:modId xmlns:p14="http://schemas.microsoft.com/office/powerpoint/2010/main" val="676818687"/>
+                  </p:ext>
+                </p:extLst>
+              </p:nvPr>
+            </p:nvGraphicFramePr>
+            <p:xfrm>
+              <a:off x="3409732" y="2483768"/>
+              <a:ext cx="3159125" cy="2431211"/>
+            </p:xfrm>
+            <a:graphic>
+              <a:graphicData uri="http://schemas.openxmlformats.org/drawingml/2006/table">
+                <a:tbl>
+                  <a:tblPr>
+                    <a:tableStyleId>{F2DE63D5-997A-4646-A377-4702673A728D}</a:tableStyleId>
+                  </a:tblPr>
+                  <a:tblGrid>
+                    <a:gridCol w="785093">
+                      <a:extLst>
+                        <a:ext uri="{9D8B030D-6E8A-4147-A177-3AD203B41FA5}">
+                          <a16:colId xmlns:a16="http://schemas.microsoft.com/office/drawing/2014/main" val="2070464311"/>
+                        </a:ext>
+                      </a:extLst>
+                    </a:gridCol>
+                    <a:gridCol w="478557">
+                      <a:extLst>
+                        <a:ext uri="{9D8B030D-6E8A-4147-A177-3AD203B41FA5}">
+                          <a16:colId xmlns:a16="http://schemas.microsoft.com/office/drawing/2014/main" val="2814482158"/>
+                        </a:ext>
+                      </a:extLst>
+                    </a:gridCol>
+                    <a:gridCol w="631825">
+                      <a:extLst>
+                        <a:ext uri="{9D8B030D-6E8A-4147-A177-3AD203B41FA5}">
+                          <a16:colId xmlns:a16="http://schemas.microsoft.com/office/drawing/2014/main" val="3449075261"/>
+                        </a:ext>
+                      </a:extLst>
+                    </a:gridCol>
+                    <a:gridCol w="631825">
+                      <a:extLst>
+                        <a:ext uri="{9D8B030D-6E8A-4147-A177-3AD203B41FA5}">
+                          <a16:colId xmlns:a16="http://schemas.microsoft.com/office/drawing/2014/main" val="1813670796"/>
+                        </a:ext>
+                      </a:extLst>
+                    </a:gridCol>
+                    <a:gridCol w="631825">
+                      <a:extLst>
+                        <a:ext uri="{9D8B030D-6E8A-4147-A177-3AD203B41FA5}">
+                          <a16:colId xmlns:a16="http://schemas.microsoft.com/office/drawing/2014/main" val="1994465920"/>
+                        </a:ext>
+                      </a:extLst>
+                    </a:gridCol>
+                  </a:tblGrid>
+                  <a:tr h="511835">
+                    <a:tc>
+                      <a:txBody>
+                        <a:bodyPr/>
+                        <a:lstStyle/>
+                        <a:p>
+                          <a:endParaRPr lang="en-US"/>
+                        </a:p>
+                      </a:txBody>
+                      <a:tcPr anchor="ctr">
+                        <a:lnL w="12700" cap="flat" cmpd="sng" algn="ctr">
+                          <a:solidFill>
+                            <a:schemeClr val="tx1"/>
+                          </a:solidFill>
+                          <a:prstDash val="solid"/>
+                          <a:round/>
+                          <a:headEnd type="none" w="med" len="med"/>
+                          <a:tailEnd type="none" w="med" len="med"/>
+                        </a:lnL>
+                        <a:lnR>
+                          <a:noFill/>
+                        </a:lnR>
+                        <a:lnT w="12700" cap="flat" cmpd="sng" algn="ctr">
+                          <a:solidFill>
+                            <a:schemeClr val="tx1"/>
+                          </a:solidFill>
+                          <a:prstDash val="solid"/>
+                          <a:round/>
+                          <a:headEnd type="none" w="med" len="med"/>
+                          <a:tailEnd type="none" w="med" len="med"/>
+                        </a:lnT>
+                        <a:lnB w="12700" cap="flat" cmpd="sng" algn="ctr">
+                          <a:solidFill>
+                            <a:schemeClr val="tx1"/>
+                          </a:solidFill>
+                          <a:prstDash val="solid"/>
+                          <a:round/>
+                          <a:headEnd type="none" w="med" len="med"/>
+                          <a:tailEnd type="none" w="med" len="med"/>
+                        </a:lnB>
+                        <a:lnTlToBr w="12700" cmpd="sng">
+                          <a:noFill/>
+                          <a:prstDash val="solid"/>
+                        </a:lnTlToBr>
+                        <a:lnBlToTr w="12700" cmpd="sng">
+                          <a:noFill/>
+                          <a:prstDash val="solid"/>
+                        </a:lnBlToTr>
+                        <a:blipFill>
+                          <a:blip r:embed="rId2"/>
+                          <a:stretch>
+                            <a:fillRect l="-775" t="-1190" r="-303876" b="-378571"/>
+                          </a:stretch>
+                        </a:blipFill>
+                      </a:tcPr>
+                    </a:tc>
+                    <a:tc>
+                      <a:txBody>
+                        <a:bodyPr/>
+                        <a:lstStyle/>
+                        <a:p>
+                          <a:endParaRPr lang="en-US"/>
+                        </a:p>
+                      </a:txBody>
+                      <a:tcPr anchor="ctr">
+                        <a:lnL>
+                          <a:noFill/>
+                        </a:lnL>
+                        <a:lnR>
+                          <a:noFill/>
+                        </a:lnR>
+                        <a:lnT w="12700" cap="flat" cmpd="sng" algn="ctr">
+                          <a:solidFill>
+                            <a:schemeClr val="tx1"/>
+                          </a:solidFill>
+                          <a:prstDash val="solid"/>
+                          <a:round/>
+                          <a:headEnd type="none" w="med" len="med"/>
+                          <a:tailEnd type="none" w="med" len="med"/>
+                        </a:lnT>
+                        <a:lnB w="12700" cap="flat" cmpd="sng" algn="ctr">
+                          <a:solidFill>
+                            <a:schemeClr val="tx1"/>
+                          </a:solidFill>
+                          <a:prstDash val="solid"/>
+                          <a:round/>
+                          <a:headEnd type="none" w="med" len="med"/>
+                          <a:tailEnd type="none" w="med" len="med"/>
+                        </a:lnB>
+                        <a:lnTlToBr w="12700" cmpd="sng">
+                          <a:noFill/>
+                          <a:prstDash val="solid"/>
+                        </a:lnTlToBr>
+                        <a:lnBlToTr w="12700" cmpd="sng">
+                          <a:noFill/>
+                          <a:prstDash val="solid"/>
+                        </a:lnBlToTr>
+                        <a:blipFill>
+                          <a:blip r:embed="rId2"/>
+                          <a:stretch>
+                            <a:fillRect l="-164557" t="-1190" r="-396203" b="-378571"/>
+                          </a:stretch>
+                        </a:blipFill>
+                      </a:tcPr>
+                    </a:tc>
+                    <a:tc>
+                      <a:txBody>
+                        <a:bodyPr/>
+                        <a:lstStyle/>
+                        <a:p>
+                          <a:endParaRPr lang="en-US"/>
+                        </a:p>
+                      </a:txBody>
+                      <a:tcPr anchor="ctr">
+                        <a:lnL>
+                          <a:noFill/>
+                        </a:lnL>
+                        <a:lnR>
+                          <a:noFill/>
+                        </a:lnR>
+                        <a:lnT w="12700" cap="flat" cmpd="sng" algn="ctr">
+                          <a:solidFill>
+                            <a:schemeClr val="tx1"/>
+                          </a:solidFill>
+                          <a:prstDash val="solid"/>
+                          <a:round/>
+                          <a:headEnd type="none" w="med" len="med"/>
+                          <a:tailEnd type="none" w="med" len="med"/>
+                        </a:lnT>
+                        <a:lnB w="12700" cap="flat" cmpd="sng" algn="ctr">
+                          <a:solidFill>
+                            <a:schemeClr val="tx1"/>
+                          </a:solidFill>
+                          <a:prstDash val="solid"/>
+                          <a:round/>
+                          <a:headEnd type="none" w="med" len="med"/>
+                          <a:tailEnd type="none" w="med" len="med"/>
+                        </a:lnB>
+                        <a:lnTlToBr w="12700" cmpd="sng">
+                          <a:noFill/>
+                          <a:prstDash val="solid"/>
+                        </a:lnTlToBr>
+                        <a:lnBlToTr w="12700" cmpd="sng">
+                          <a:noFill/>
+                          <a:prstDash val="solid"/>
+                        </a:lnBlToTr>
+                        <a:blipFill>
+                          <a:blip r:embed="rId2"/>
+                          <a:stretch>
+                            <a:fillRect l="-202913" t="-1190" r="-203883" b="-378571"/>
+                          </a:stretch>
+                        </a:blipFill>
+                      </a:tcPr>
+                    </a:tc>
+                    <a:tc>
+                      <a:txBody>
+                        <a:bodyPr/>
+                        <a:lstStyle/>
+                        <a:p>
+                          <a:endParaRPr lang="en-US"/>
+                        </a:p>
+                      </a:txBody>
+                      <a:tcPr anchor="ctr">
+                        <a:lnL>
+                          <a:noFill/>
+                        </a:lnL>
+                        <a:lnR>
+                          <a:noFill/>
+                        </a:lnR>
+                        <a:lnT w="12700" cap="flat" cmpd="sng" algn="ctr">
+                          <a:solidFill>
+                            <a:schemeClr val="tx1"/>
+                          </a:solidFill>
+                          <a:prstDash val="solid"/>
+                          <a:round/>
+                          <a:headEnd type="none" w="med" len="med"/>
+                          <a:tailEnd type="none" w="med" len="med"/>
+                        </a:lnT>
+                        <a:lnB w="12700" cap="flat" cmpd="sng" algn="ctr">
+                          <a:solidFill>
+                            <a:schemeClr val="tx1"/>
+                          </a:solidFill>
+                          <a:prstDash val="solid"/>
+                          <a:round/>
+                          <a:headEnd type="none" w="med" len="med"/>
+                          <a:tailEnd type="none" w="med" len="med"/>
+                        </a:lnB>
+                        <a:lnTlToBr w="12700" cmpd="sng">
+                          <a:noFill/>
+                          <a:prstDash val="solid"/>
+                        </a:lnTlToBr>
+                        <a:lnBlToTr w="12700" cmpd="sng">
+                          <a:noFill/>
+                          <a:prstDash val="solid"/>
+                        </a:lnBlToTr>
+                        <a:blipFill>
+                          <a:blip r:embed="rId2"/>
+                          <a:stretch>
+                            <a:fillRect l="-300000" t="-1190" r="-101923" b="-378571"/>
+                          </a:stretch>
+                        </a:blipFill>
+                      </a:tcPr>
+                    </a:tc>
+                    <a:tc>
+                      <a:txBody>
+                        <a:bodyPr/>
+                        <a:lstStyle/>
+                        <a:p>
+                          <a:endParaRPr lang="en-US"/>
+                        </a:p>
+                      </a:txBody>
+                      <a:tcPr anchor="ctr">
+                        <a:lnL>
+                          <a:noFill/>
+                        </a:lnL>
+                        <a:lnR w="12700" cap="flat" cmpd="sng" algn="ctr">
+                          <a:solidFill>
+                            <a:schemeClr val="tx1"/>
+                          </a:solidFill>
+                          <a:prstDash val="solid"/>
+                          <a:round/>
+                          <a:headEnd type="none" w="med" len="med"/>
+                          <a:tailEnd type="none" w="med" len="med"/>
+                        </a:lnR>
+                        <a:lnT w="12700" cap="flat" cmpd="sng" algn="ctr">
+                          <a:solidFill>
+                            <a:schemeClr val="tx1"/>
+                          </a:solidFill>
+                          <a:prstDash val="solid"/>
+                          <a:round/>
+                          <a:headEnd type="none" w="med" len="med"/>
+                          <a:tailEnd type="none" w="med" len="med"/>
+                        </a:lnT>
+                        <a:lnB w="12700" cap="flat" cmpd="sng" algn="ctr">
+                          <a:solidFill>
+                            <a:schemeClr val="tx1"/>
+                          </a:solidFill>
+                          <a:prstDash val="solid"/>
+                          <a:round/>
+                          <a:headEnd type="none" w="med" len="med"/>
+                          <a:tailEnd type="none" w="med" len="med"/>
+                        </a:lnB>
+                        <a:lnTlToBr w="12700" cmpd="sng">
+                          <a:noFill/>
+                          <a:prstDash val="solid"/>
+                        </a:lnTlToBr>
+                        <a:lnBlToTr w="12700" cmpd="sng">
+                          <a:noFill/>
+                          <a:prstDash val="solid"/>
+                        </a:lnBlToTr>
+                        <a:blipFill>
+                          <a:blip r:embed="rId2"/>
+                          <a:stretch>
+                            <a:fillRect l="-400000" t="-1190" r="-1923" b="-378571"/>
+                          </a:stretch>
+                        </a:blipFill>
+                      </a:tcPr>
+                    </a:tc>
+                    <a:extLst>
+                      <a:ext uri="{0D108BD9-81ED-4DB2-BD59-A6C34878D82A}">
+                        <a16:rowId xmlns:a16="http://schemas.microsoft.com/office/drawing/2014/main" val="3176941515"/>
+                      </a:ext>
+                    </a:extLst>
+                  </a:tr>
+                  <a:tr h="319896">
+                    <a:tc>
+                      <a:txBody>
+                        <a:bodyPr/>
+                        <a:lstStyle/>
+                        <a:p>
+                          <a:pPr algn="ctr" fontAlgn="b"/>
+                          <a:r>
+                            <a:rPr lang="en-AU" sz="900" u="none" strike="noStrike" dirty="0">
+                              <a:effectLst/>
+                            </a:rPr>
+                            <a:t>YYADSVK</a:t>
+                          </a:r>
+                          <a:endParaRPr lang="en-AU" sz="900" b="0" i="0" u="none" strike="noStrike" dirty="0">
+                            <a:solidFill>
+                              <a:srgbClr val="000000"/>
+                            </a:solidFill>
+                            <a:effectLst/>
+                            <a:latin typeface="Calibri" panose="020F0502020204030204" pitchFamily="34" charset="0"/>
+                          </a:endParaRPr>
+                        </a:p>
+                      </a:txBody>
+                      <a:tcPr marL="9525" marR="9525" marT="9525" marB="0" anchor="ctr">
+                        <a:lnL w="12700" cap="flat" cmpd="sng" algn="ctr">
+                          <a:solidFill>
+                            <a:schemeClr val="tx1"/>
+                          </a:solidFill>
+                          <a:prstDash val="solid"/>
+                          <a:round/>
+                          <a:headEnd type="none" w="med" len="med"/>
+                          <a:tailEnd type="none" w="med" len="med"/>
+                        </a:lnL>
+                        <a:lnR>
+                          <a:noFill/>
+                        </a:lnR>
+                        <a:lnT w="12700" cap="flat" cmpd="sng" algn="ctr">
+                          <a:solidFill>
+                            <a:schemeClr val="tx1"/>
+                          </a:solidFill>
+                          <a:prstDash val="solid"/>
+                          <a:round/>
+                          <a:headEnd type="none" w="med" len="med"/>
+                          <a:tailEnd type="none" w="med" len="med"/>
+                        </a:lnT>
+                        <a:lnB>
+                          <a:noFill/>
+                        </a:lnB>
+                        <a:lnTlToBr w="12700" cmpd="sng">
+                          <a:noFill/>
+                          <a:prstDash val="solid"/>
+                        </a:lnTlToBr>
+                        <a:lnBlToTr w="12700" cmpd="sng">
+                          <a:noFill/>
+                          <a:prstDash val="solid"/>
+                        </a:lnBlToTr>
+                      </a:tcPr>
+                    </a:tc>
+                    <a:tc>
+                      <a:txBody>
+                        <a:bodyPr/>
+                        <a:lstStyle/>
+                        <a:p>
+                          <a:pPr algn="ctr"/>
+                          <a:r>
+                            <a:rPr lang="en-AU" sz="900" dirty="0"/>
+                            <a:t>13</a:t>
+                          </a:r>
+                        </a:p>
+                      </a:txBody>
+                      <a:tcPr anchor="ctr">
+                        <a:lnL>
+                          <a:noFill/>
+                        </a:lnL>
+                        <a:lnR>
+                          <a:noFill/>
+                        </a:lnR>
+                        <a:lnT w="12700" cap="flat" cmpd="sng" algn="ctr">
+                          <a:solidFill>
+                            <a:schemeClr val="tx1"/>
+                          </a:solidFill>
+                          <a:prstDash val="solid"/>
+                          <a:round/>
+                          <a:headEnd type="none" w="med" len="med"/>
+                          <a:tailEnd type="none" w="med" len="med"/>
+                        </a:lnT>
+                        <a:lnB>
+                          <a:noFill/>
+                        </a:lnB>
+                        <a:lnTlToBr w="12700" cmpd="sng">
+                          <a:noFill/>
+                          <a:prstDash val="solid"/>
+                        </a:lnTlToBr>
+                        <a:lnBlToTr w="12700" cmpd="sng">
+                          <a:noFill/>
+                          <a:prstDash val="solid"/>
+                        </a:lnBlToTr>
+                      </a:tcPr>
+                    </a:tc>
+                    <a:tc>
+                      <a:txBody>
+                        <a:bodyPr/>
+                        <a:lstStyle/>
+                        <a:p>
+                          <a:pPr algn="ctr"/>
+                          <a:r>
+                            <a:rPr lang="en-AU" sz="900" dirty="0"/>
+                            <a:t>0</a:t>
+                          </a:r>
+                        </a:p>
+                      </a:txBody>
+                      <a:tcPr anchor="ctr">
+                        <a:lnL>
+                          <a:noFill/>
+                        </a:lnL>
+                        <a:lnR>
+                          <a:noFill/>
+                        </a:lnR>
+                        <a:lnT w="12700" cap="flat" cmpd="sng" algn="ctr">
+                          <a:solidFill>
+                            <a:schemeClr val="tx1"/>
+                          </a:solidFill>
+                          <a:prstDash val="solid"/>
+                          <a:round/>
+                          <a:headEnd type="none" w="med" len="med"/>
+                          <a:tailEnd type="none" w="med" len="med"/>
+                        </a:lnT>
+                        <a:lnB>
+                          <a:noFill/>
+                        </a:lnB>
+                        <a:lnTlToBr w="12700" cmpd="sng">
+                          <a:noFill/>
+                          <a:prstDash val="solid"/>
+                        </a:lnTlToBr>
+                        <a:lnBlToTr w="12700" cmpd="sng">
+                          <a:noFill/>
+                          <a:prstDash val="solid"/>
+                        </a:lnBlToTr>
+                      </a:tcPr>
+                    </a:tc>
+                    <a:tc>
+                      <a:txBody>
+                        <a:bodyPr/>
+                        <a:lstStyle/>
+                        <a:p>
+                          <a:pPr algn="ctr"/>
+                          <a:r>
+                            <a:rPr lang="en-AU" sz="900" dirty="0"/>
+                            <a:t>0.901</a:t>
+                          </a:r>
+                        </a:p>
+                      </a:txBody>
+                      <a:tcPr anchor="ctr">
+                        <a:lnL>
+                          <a:noFill/>
+                        </a:lnL>
+                        <a:lnR>
+                          <a:noFill/>
+                        </a:lnR>
+                        <a:lnT w="12700" cap="flat" cmpd="sng" algn="ctr">
+                          <a:solidFill>
+                            <a:schemeClr val="tx1"/>
+                          </a:solidFill>
+                          <a:prstDash val="solid"/>
+                          <a:round/>
+                          <a:headEnd type="none" w="med" len="med"/>
+                          <a:tailEnd type="none" w="med" len="med"/>
+                        </a:lnT>
+                        <a:lnB>
+                          <a:noFill/>
+                        </a:lnB>
+                        <a:lnTlToBr w="12700" cmpd="sng">
+                          <a:noFill/>
+                          <a:prstDash val="solid"/>
+                        </a:lnTlToBr>
+                        <a:lnBlToTr w="12700" cmpd="sng">
+                          <a:noFill/>
+                          <a:prstDash val="solid"/>
+                        </a:lnBlToTr>
+                      </a:tcPr>
+                    </a:tc>
+                    <a:tc>
+                      <a:txBody>
+                        <a:bodyPr/>
+                        <a:lstStyle/>
+                        <a:p>
+                          <a:pPr algn="ctr"/>
+                          <a:r>
+                            <a:rPr lang="en-AU" sz="900" dirty="0"/>
+                            <a:t>0.083</a:t>
+                          </a:r>
+                        </a:p>
+                      </a:txBody>
+                      <a:tcPr anchor="ctr">
+                        <a:lnL>
+                          <a:noFill/>
+                        </a:lnL>
+                        <a:lnR w="12700" cap="flat" cmpd="sng" algn="ctr">
+                          <a:solidFill>
+                            <a:schemeClr val="tx1"/>
+                          </a:solidFill>
+                          <a:prstDash val="solid"/>
+                          <a:round/>
+                          <a:headEnd type="none" w="med" len="med"/>
+                          <a:tailEnd type="none" w="med" len="med"/>
+                        </a:lnR>
+                        <a:lnT w="12700" cap="flat" cmpd="sng" algn="ctr">
+                          <a:solidFill>
+                            <a:schemeClr val="tx1"/>
+                          </a:solidFill>
+                          <a:prstDash val="solid"/>
+                          <a:round/>
+                          <a:headEnd type="none" w="med" len="med"/>
+                          <a:tailEnd type="none" w="med" len="med"/>
+                        </a:lnT>
+                        <a:lnB>
+                          <a:noFill/>
+                        </a:lnB>
+                        <a:lnTlToBr w="12700" cmpd="sng">
+                          <a:noFill/>
+                          <a:prstDash val="solid"/>
+                        </a:lnTlToBr>
+                        <a:lnBlToTr w="12700" cmpd="sng">
+                          <a:noFill/>
+                          <a:prstDash val="solid"/>
+                        </a:lnBlToTr>
+                      </a:tcPr>
+                    </a:tc>
+                    <a:extLst>
+                      <a:ext uri="{0D108BD9-81ED-4DB2-BD59-A6C34878D82A}">
+                        <a16:rowId xmlns:a16="http://schemas.microsoft.com/office/drawing/2014/main" val="2673339703"/>
+                      </a:ext>
+                    </a:extLst>
+                  </a:tr>
+                  <a:tr h="319896">
+                    <a:tc>
+                      <a:txBody>
+                        <a:bodyPr/>
+                        <a:lstStyle/>
+                        <a:p>
+                          <a:pPr algn="ctr"/>
+                          <a:r>
+                            <a:rPr lang="en-AU" sz="900" dirty="0"/>
+                            <a:t>LYYADSVK</a:t>
+                          </a:r>
+                        </a:p>
+                      </a:txBody>
+                      <a:tcPr anchor="ctr">
+                        <a:lnL w="12700" cap="flat" cmpd="sng" algn="ctr">
+                          <a:solidFill>
+                            <a:schemeClr val="tx1"/>
+                          </a:solidFill>
+                          <a:prstDash val="solid"/>
+                          <a:round/>
+                          <a:headEnd type="none" w="med" len="med"/>
+                          <a:tailEnd type="none" w="med" len="med"/>
+                        </a:lnL>
+                        <a:lnR>
+                          <a:noFill/>
+                        </a:lnR>
+                        <a:lnT>
+                          <a:noFill/>
+                        </a:lnT>
+                        <a:lnB>
+                          <a:noFill/>
+                        </a:lnB>
+                        <a:lnTlToBr w="12700" cmpd="sng">
+                          <a:noFill/>
+                          <a:prstDash val="solid"/>
+                        </a:lnTlToBr>
+                        <a:lnBlToTr w="12700" cmpd="sng">
+                          <a:noFill/>
+                          <a:prstDash val="solid"/>
+                        </a:lnBlToTr>
+                      </a:tcPr>
+                    </a:tc>
+                    <a:tc>
+                      <a:txBody>
+                        <a:bodyPr/>
+                        <a:lstStyle/>
+                        <a:p>
+                          <a:pPr algn="ctr"/>
+                          <a:r>
+                            <a:rPr lang="en-AU" sz="900" dirty="0"/>
+                            <a:t>4</a:t>
+                          </a:r>
+                        </a:p>
+                      </a:txBody>
+                      <a:tcPr anchor="ctr">
+                        <a:lnL>
+                          <a:noFill/>
+                        </a:lnL>
+                        <a:lnR>
+                          <a:noFill/>
+                        </a:lnR>
+                        <a:lnT>
+                          <a:noFill/>
+                        </a:lnT>
+                        <a:lnB>
+                          <a:noFill/>
+                        </a:lnB>
+                        <a:lnTlToBr w="12700" cmpd="sng">
+                          <a:noFill/>
+                          <a:prstDash val="solid"/>
+                        </a:lnTlToBr>
+                        <a:lnBlToTr w="12700" cmpd="sng">
+                          <a:noFill/>
+                          <a:prstDash val="solid"/>
+                        </a:lnBlToTr>
+                      </a:tcPr>
+                    </a:tc>
+                    <a:tc>
+                      <a:txBody>
+                        <a:bodyPr/>
+                        <a:lstStyle/>
+                        <a:p>
+                          <a:pPr algn="ctr"/>
+                          <a:r>
+                            <a:rPr lang="en-AU" sz="900" dirty="0"/>
+                            <a:t>0</a:t>
+                          </a:r>
+                        </a:p>
+                      </a:txBody>
+                      <a:tcPr anchor="ctr">
+                        <a:lnL>
+                          <a:noFill/>
+                        </a:lnL>
+                        <a:lnR>
+                          <a:noFill/>
+                        </a:lnR>
+                        <a:lnT>
+                          <a:noFill/>
+                        </a:lnT>
+                        <a:lnB>
+                          <a:noFill/>
+                        </a:lnB>
+                        <a:lnTlToBr w="12700" cmpd="sng">
+                          <a:noFill/>
+                          <a:prstDash val="solid"/>
+                        </a:lnTlToBr>
+                        <a:lnBlToTr w="12700" cmpd="sng">
+                          <a:noFill/>
+                          <a:prstDash val="solid"/>
+                        </a:lnBlToTr>
+                      </a:tcPr>
+                    </a:tc>
+                    <a:tc>
+                      <a:txBody>
+                        <a:bodyPr/>
+                        <a:lstStyle/>
+                        <a:p>
+                          <a:pPr algn="ctr"/>
+                          <a:r>
+                            <a:rPr lang="en-AU" sz="900" dirty="0"/>
+                            <a:t>1.000</a:t>
+                          </a:r>
+                        </a:p>
+                      </a:txBody>
+                      <a:tcPr anchor="ctr">
+                        <a:lnL>
+                          <a:noFill/>
+                        </a:lnL>
+                        <a:lnR>
+                          <a:noFill/>
+                        </a:lnR>
+                        <a:lnT>
+                          <a:noFill/>
+                        </a:lnT>
+                        <a:lnB>
+                          <a:noFill/>
+                        </a:lnB>
+                        <a:lnTlToBr w="12700" cmpd="sng">
+                          <a:noFill/>
+                          <a:prstDash val="solid"/>
+                        </a:lnTlToBr>
+                        <a:lnBlToTr w="12700" cmpd="sng">
+                          <a:noFill/>
+                          <a:prstDash val="solid"/>
+                        </a:lnBlToTr>
+                      </a:tcPr>
+                    </a:tc>
+                    <a:tc>
+                      <a:txBody>
+                        <a:bodyPr/>
+                        <a:lstStyle/>
+                        <a:p>
+                          <a:pPr algn="ctr"/>
+                          <a:r>
+                            <a:rPr lang="en-AU" sz="900" dirty="0"/>
+                            <a:t>0.990</a:t>
+                          </a:r>
+                        </a:p>
+                      </a:txBody>
+                      <a:tcPr anchor="ctr">
+                        <a:lnL>
+                          <a:noFill/>
+                        </a:lnL>
+                        <a:lnR w="12700" cap="flat" cmpd="sng" algn="ctr">
+                          <a:solidFill>
+                            <a:schemeClr val="tx1"/>
+                          </a:solidFill>
+                          <a:prstDash val="solid"/>
+                          <a:round/>
+                          <a:headEnd type="none" w="med" len="med"/>
+                          <a:tailEnd type="none" w="med" len="med"/>
+                        </a:lnR>
+                        <a:lnT>
+                          <a:noFill/>
+                        </a:lnT>
+                        <a:lnB>
+                          <a:noFill/>
+                        </a:lnB>
+                        <a:lnTlToBr w="12700" cmpd="sng">
+                          <a:noFill/>
+                          <a:prstDash val="solid"/>
+                        </a:lnTlToBr>
+                        <a:lnBlToTr w="12700" cmpd="sng">
+                          <a:noFill/>
+                          <a:prstDash val="solid"/>
+                        </a:lnBlToTr>
+                      </a:tcPr>
+                    </a:tc>
+                    <a:extLst>
+                      <a:ext uri="{0D108BD9-81ED-4DB2-BD59-A6C34878D82A}">
+                        <a16:rowId xmlns:a16="http://schemas.microsoft.com/office/drawing/2014/main" val="2736953877"/>
+                      </a:ext>
+                    </a:extLst>
+                  </a:tr>
+                  <a:tr h="319896">
+                    <a:tc>
+                      <a:txBody>
+                        <a:bodyPr/>
+                        <a:lstStyle/>
+                        <a:p>
+                          <a:pPr algn="ctr" fontAlgn="b"/>
+                          <a:r>
+                            <a:rPr lang="en-AU" sz="900" u="none" strike="noStrike" dirty="0">
+                              <a:effectLst/>
+                            </a:rPr>
+                            <a:t>YYGDSVK</a:t>
+                          </a:r>
+                          <a:endParaRPr lang="en-AU" sz="900" b="0" i="0" u="none" strike="noStrike" dirty="0">
+                            <a:solidFill>
+                              <a:srgbClr val="000000"/>
+                            </a:solidFill>
+                            <a:effectLst/>
+                            <a:latin typeface="Calibri" panose="020F0502020204030204" pitchFamily="34" charset="0"/>
+                          </a:endParaRPr>
+                        </a:p>
+                      </a:txBody>
+                      <a:tcPr marL="9525" marR="9525" marT="9525" marB="0" anchor="ctr">
+                        <a:lnL w="12700" cap="flat" cmpd="sng" algn="ctr">
+                          <a:solidFill>
+                            <a:schemeClr val="tx1"/>
+                          </a:solidFill>
+                          <a:prstDash val="solid"/>
+                          <a:round/>
+                          <a:headEnd type="none" w="med" len="med"/>
+                          <a:tailEnd type="none" w="med" len="med"/>
+                        </a:lnL>
+                        <a:lnR>
+                          <a:noFill/>
+                        </a:lnR>
+                        <a:lnT>
+                          <a:noFill/>
+                        </a:lnT>
+                        <a:lnB>
+                          <a:noFill/>
+                        </a:lnB>
+                        <a:lnTlToBr w="12700" cmpd="sng">
+                          <a:noFill/>
+                          <a:prstDash val="solid"/>
+                        </a:lnTlToBr>
+                        <a:lnBlToTr w="12700" cmpd="sng">
+                          <a:noFill/>
+                          <a:prstDash val="solid"/>
+                        </a:lnBlToTr>
+                      </a:tcPr>
+                    </a:tc>
+                    <a:tc>
+                      <a:txBody>
+                        <a:bodyPr/>
+                        <a:lstStyle/>
+                        <a:p>
+                          <a:pPr algn="ctr"/>
+                          <a:r>
+                            <a:rPr lang="en-AU" sz="900" dirty="0"/>
+                            <a:t>3</a:t>
+                          </a:r>
+                        </a:p>
+                      </a:txBody>
+                      <a:tcPr anchor="ctr">
+                        <a:lnL>
+                          <a:noFill/>
+                        </a:lnL>
+                        <a:lnR>
+                          <a:noFill/>
+                        </a:lnR>
+                        <a:lnT>
+                          <a:noFill/>
+                        </a:lnT>
+                        <a:lnB>
+                          <a:noFill/>
+                        </a:lnB>
+                        <a:lnTlToBr w="12700" cmpd="sng">
+                          <a:noFill/>
+                          <a:prstDash val="solid"/>
+                        </a:lnTlToBr>
+                        <a:lnBlToTr w="12700" cmpd="sng">
+                          <a:noFill/>
+                          <a:prstDash val="solid"/>
+                        </a:lnBlToTr>
+                      </a:tcPr>
+                    </a:tc>
+                    <a:tc>
+                      <a:txBody>
+                        <a:bodyPr/>
+                        <a:lstStyle/>
+                        <a:p>
+                          <a:pPr algn="ctr"/>
+                          <a:r>
+                            <a:rPr lang="en-AU" sz="900" dirty="0"/>
+                            <a:t>1</a:t>
+                          </a:r>
+                        </a:p>
+                      </a:txBody>
+                      <a:tcPr anchor="ctr">
+                        <a:lnL>
+                          <a:noFill/>
+                        </a:lnL>
+                        <a:lnR>
+                          <a:noFill/>
+                        </a:lnR>
+                        <a:lnT>
+                          <a:noFill/>
+                        </a:lnT>
+                        <a:lnB>
+                          <a:noFill/>
+                        </a:lnB>
+                        <a:lnTlToBr w="12700" cmpd="sng">
+                          <a:noFill/>
+                          <a:prstDash val="solid"/>
+                        </a:lnTlToBr>
+                        <a:lnBlToTr w="12700" cmpd="sng">
+                          <a:noFill/>
+                          <a:prstDash val="solid"/>
+                        </a:lnBlToTr>
+                      </a:tcPr>
+                    </a:tc>
+                    <a:tc>
+                      <a:txBody>
+                        <a:bodyPr/>
+                        <a:lstStyle/>
+                        <a:p>
+                          <a:pPr algn="ctr"/>
+                          <a:r>
+                            <a:rPr lang="en-AU" sz="900" dirty="0"/>
+                            <a:t>0.484</a:t>
+                          </a:r>
+                        </a:p>
+                      </a:txBody>
+                      <a:tcPr anchor="ctr">
+                        <a:lnL>
+                          <a:noFill/>
+                        </a:lnL>
+                        <a:lnR>
+                          <a:noFill/>
+                        </a:lnR>
+                        <a:lnT>
+                          <a:noFill/>
+                        </a:lnT>
+                        <a:lnB>
+                          <a:noFill/>
+                        </a:lnB>
+                        <a:lnTlToBr w="12700" cmpd="sng">
+                          <a:noFill/>
+                          <a:prstDash val="solid"/>
+                        </a:lnTlToBr>
+                        <a:lnBlToTr w="12700" cmpd="sng">
+                          <a:noFill/>
+                          <a:prstDash val="solid"/>
+                        </a:lnBlToTr>
+                      </a:tcPr>
+                    </a:tc>
+                    <a:tc>
+                      <a:txBody>
+                        <a:bodyPr/>
+                        <a:lstStyle/>
+                        <a:p>
+                          <a:pPr algn="ctr"/>
+                          <a:r>
+                            <a:rPr lang="en-AU" sz="900" dirty="0"/>
+                            <a:t>0.092</a:t>
+                          </a:r>
+                        </a:p>
+                      </a:txBody>
+                      <a:tcPr anchor="ctr">
+                        <a:lnL>
+                          <a:noFill/>
+                        </a:lnL>
+                        <a:lnR w="12700" cap="flat" cmpd="sng" algn="ctr">
+                          <a:solidFill>
+                            <a:schemeClr val="tx1"/>
+                          </a:solidFill>
+                          <a:prstDash val="solid"/>
+                          <a:round/>
+                          <a:headEnd type="none" w="med" len="med"/>
+                          <a:tailEnd type="none" w="med" len="med"/>
+                        </a:lnR>
+                        <a:lnT>
+                          <a:noFill/>
+                        </a:lnT>
+                        <a:lnB>
+                          <a:noFill/>
+                        </a:lnB>
+                        <a:lnTlToBr w="12700" cmpd="sng">
+                          <a:noFill/>
+                          <a:prstDash val="solid"/>
+                        </a:lnTlToBr>
+                        <a:lnBlToTr w="12700" cmpd="sng">
+                          <a:noFill/>
+                          <a:prstDash val="solid"/>
+                        </a:lnBlToTr>
+                      </a:tcPr>
+                    </a:tc>
+                    <a:extLst>
+                      <a:ext uri="{0D108BD9-81ED-4DB2-BD59-A6C34878D82A}">
+                        <a16:rowId xmlns:a16="http://schemas.microsoft.com/office/drawing/2014/main" val="935999974"/>
+                      </a:ext>
+                    </a:extLst>
+                  </a:tr>
+                  <a:tr h="319896">
+                    <a:tc>
+                      <a:txBody>
+                        <a:bodyPr/>
+                        <a:lstStyle/>
+                        <a:p>
+                          <a:pPr algn="ctr"/>
+                          <a:r>
+                            <a:rPr lang="en-AU" sz="900" dirty="0"/>
+                            <a:t>YYTDSVK</a:t>
+                          </a:r>
+                        </a:p>
+                      </a:txBody>
+                      <a:tcPr anchor="ctr">
+                        <a:lnL w="12700" cap="flat" cmpd="sng" algn="ctr">
+                          <a:solidFill>
+                            <a:schemeClr val="tx1"/>
+                          </a:solidFill>
+                          <a:prstDash val="solid"/>
+                          <a:round/>
+                          <a:headEnd type="none" w="med" len="med"/>
+                          <a:tailEnd type="none" w="med" len="med"/>
+                        </a:lnL>
+                        <a:lnR>
+                          <a:noFill/>
+                        </a:lnR>
+                        <a:lnT>
+                          <a:noFill/>
+                        </a:lnT>
+                        <a:lnB>
+                          <a:noFill/>
+                        </a:lnB>
+                        <a:lnTlToBr w="12700" cmpd="sng">
+                          <a:noFill/>
+                          <a:prstDash val="solid"/>
+                        </a:lnTlToBr>
+                        <a:lnBlToTr w="12700" cmpd="sng">
+                          <a:noFill/>
+                          <a:prstDash val="solid"/>
+                        </a:lnBlToTr>
+                      </a:tcPr>
+                    </a:tc>
+                    <a:tc>
+                      <a:txBody>
+                        <a:bodyPr/>
+                        <a:lstStyle/>
+                        <a:p>
+                          <a:pPr algn="ctr"/>
+                          <a:r>
+                            <a:rPr lang="en-AU" sz="900" dirty="0"/>
+                            <a:t>3</a:t>
+                          </a:r>
+                        </a:p>
+                      </a:txBody>
+                      <a:tcPr anchor="ctr">
+                        <a:lnL>
+                          <a:noFill/>
+                        </a:lnL>
+                        <a:lnR>
+                          <a:noFill/>
+                        </a:lnR>
+                        <a:lnT>
+                          <a:noFill/>
+                        </a:lnT>
+                        <a:lnB>
+                          <a:noFill/>
+                        </a:lnB>
+                        <a:lnTlToBr w="12700" cmpd="sng">
+                          <a:noFill/>
+                          <a:prstDash val="solid"/>
+                        </a:lnTlToBr>
+                        <a:lnBlToTr w="12700" cmpd="sng">
+                          <a:noFill/>
+                          <a:prstDash val="solid"/>
+                        </a:lnBlToTr>
+                      </a:tcPr>
+                    </a:tc>
+                    <a:tc>
+                      <a:txBody>
+                        <a:bodyPr/>
+                        <a:lstStyle/>
+                        <a:p>
+                          <a:pPr algn="ctr"/>
+                          <a:r>
+                            <a:rPr lang="en-AU" sz="900" dirty="0"/>
+                            <a:t>1</a:t>
+                          </a:r>
+                        </a:p>
+                      </a:txBody>
+                      <a:tcPr anchor="ctr">
+                        <a:lnL>
+                          <a:noFill/>
+                        </a:lnL>
+                        <a:lnR>
+                          <a:noFill/>
+                        </a:lnR>
+                        <a:lnT>
+                          <a:noFill/>
+                        </a:lnT>
+                        <a:lnB>
+                          <a:noFill/>
+                        </a:lnB>
+                        <a:lnTlToBr w="12700" cmpd="sng">
+                          <a:noFill/>
+                          <a:prstDash val="solid"/>
+                        </a:lnTlToBr>
+                        <a:lnBlToTr w="12700" cmpd="sng">
+                          <a:noFill/>
+                          <a:prstDash val="solid"/>
+                        </a:lnBlToTr>
+                      </a:tcPr>
+                    </a:tc>
+                    <a:tc>
+                      <a:txBody>
+                        <a:bodyPr/>
+                        <a:lstStyle/>
+                        <a:p>
+                          <a:pPr algn="ctr"/>
+                          <a:r>
+                            <a:rPr lang="en-AU" sz="900" dirty="0"/>
+                            <a:t>0.394</a:t>
+                          </a:r>
+                        </a:p>
+                      </a:txBody>
+                      <a:tcPr anchor="ctr">
+                        <a:lnL>
+                          <a:noFill/>
+                        </a:lnL>
+                        <a:lnR>
+                          <a:noFill/>
+                        </a:lnR>
+                        <a:lnT>
+                          <a:noFill/>
+                        </a:lnT>
+                        <a:lnB>
+                          <a:noFill/>
+                        </a:lnB>
+                        <a:lnTlToBr w="12700" cmpd="sng">
+                          <a:noFill/>
+                          <a:prstDash val="solid"/>
+                        </a:lnTlToBr>
+                        <a:lnBlToTr w="12700" cmpd="sng">
+                          <a:noFill/>
+                          <a:prstDash val="solid"/>
+                        </a:lnBlToTr>
+                      </a:tcPr>
+                    </a:tc>
+                    <a:tc>
+                      <a:txBody>
+                        <a:bodyPr/>
+                        <a:lstStyle/>
+                        <a:p>
+                          <a:pPr algn="ctr"/>
+                          <a:r>
+                            <a:rPr lang="en-AU" sz="900" dirty="0"/>
+                            <a:t>0.084</a:t>
+                          </a:r>
+                        </a:p>
+                      </a:txBody>
+                      <a:tcPr anchor="ctr">
+                        <a:lnL>
+                          <a:noFill/>
+                        </a:lnL>
+                        <a:lnR w="12700" cap="flat" cmpd="sng" algn="ctr">
+                          <a:solidFill>
+                            <a:schemeClr val="tx1"/>
+                          </a:solidFill>
+                          <a:prstDash val="solid"/>
+                          <a:round/>
+                          <a:headEnd type="none" w="med" len="med"/>
+                          <a:tailEnd type="none" w="med" len="med"/>
+                        </a:lnR>
+                        <a:lnT>
+                          <a:noFill/>
+                        </a:lnT>
+                        <a:lnB>
+                          <a:noFill/>
+                        </a:lnB>
+                        <a:lnTlToBr w="12700" cmpd="sng">
+                          <a:noFill/>
+                          <a:prstDash val="solid"/>
+                        </a:lnTlToBr>
+                        <a:lnBlToTr w="12700" cmpd="sng">
+                          <a:noFill/>
+                          <a:prstDash val="solid"/>
+                        </a:lnBlToTr>
+                      </a:tcPr>
+                    </a:tc>
+                    <a:extLst>
+                      <a:ext uri="{0D108BD9-81ED-4DB2-BD59-A6C34878D82A}">
+                        <a16:rowId xmlns:a16="http://schemas.microsoft.com/office/drawing/2014/main" val="3527595651"/>
+                      </a:ext>
+                    </a:extLst>
+                  </a:tr>
+                  <a:tr h="319896">
+                    <a:tc>
+                      <a:txBody>
+                        <a:bodyPr/>
+                        <a:lstStyle/>
+                        <a:p>
+                          <a:pPr algn="ctr"/>
+                          <a:r>
+                            <a:rPr lang="en-AU" sz="900" dirty="0"/>
+                            <a:t>FYADSVK</a:t>
+                          </a:r>
+                        </a:p>
+                      </a:txBody>
+                      <a:tcPr anchor="ctr">
+                        <a:lnL w="12700" cap="flat" cmpd="sng" algn="ctr">
+                          <a:solidFill>
+                            <a:schemeClr val="tx1"/>
+                          </a:solidFill>
+                          <a:prstDash val="solid"/>
+                          <a:round/>
+                          <a:headEnd type="none" w="med" len="med"/>
+                          <a:tailEnd type="none" w="med" len="med"/>
+                        </a:lnL>
+                        <a:lnR>
+                          <a:noFill/>
+                        </a:lnR>
+                        <a:lnT>
+                          <a:noFill/>
+                        </a:lnT>
+                        <a:lnB>
+                          <a:noFill/>
+                        </a:lnB>
+                        <a:lnTlToBr w="12700" cmpd="sng">
+                          <a:noFill/>
+                          <a:prstDash val="solid"/>
+                        </a:lnTlToBr>
+                        <a:lnBlToTr w="12700" cmpd="sng">
+                          <a:noFill/>
+                          <a:prstDash val="solid"/>
+                        </a:lnBlToTr>
+                      </a:tcPr>
+                    </a:tc>
+                    <a:tc>
+                      <a:txBody>
+                        <a:bodyPr/>
+                        <a:lstStyle/>
+                        <a:p>
+                          <a:pPr algn="ctr"/>
+                          <a:r>
+                            <a:rPr lang="en-AU" sz="900" dirty="0"/>
+                            <a:t>1</a:t>
+                          </a:r>
+                        </a:p>
+                      </a:txBody>
+                      <a:tcPr anchor="ctr">
+                        <a:lnL>
+                          <a:noFill/>
+                        </a:lnL>
+                        <a:lnR>
+                          <a:noFill/>
+                        </a:lnR>
+                        <a:lnT>
+                          <a:noFill/>
+                        </a:lnT>
+                        <a:lnB>
+                          <a:noFill/>
+                        </a:lnB>
+                        <a:lnTlToBr w="12700" cmpd="sng">
+                          <a:noFill/>
+                          <a:prstDash val="solid"/>
+                        </a:lnTlToBr>
+                        <a:lnBlToTr w="12700" cmpd="sng">
+                          <a:noFill/>
+                          <a:prstDash val="solid"/>
+                        </a:lnBlToTr>
+                      </a:tcPr>
+                    </a:tc>
+                    <a:tc>
+                      <a:txBody>
+                        <a:bodyPr/>
+                        <a:lstStyle/>
+                        <a:p>
+                          <a:pPr algn="ctr"/>
+                          <a:r>
+                            <a:rPr lang="en-AU" sz="900" dirty="0"/>
+                            <a:t>1</a:t>
+                          </a:r>
+                        </a:p>
+                      </a:txBody>
+                      <a:tcPr anchor="ctr">
+                        <a:lnL>
+                          <a:noFill/>
+                        </a:lnL>
+                        <a:lnR>
+                          <a:noFill/>
+                        </a:lnR>
+                        <a:lnT>
+                          <a:noFill/>
+                        </a:lnT>
+                        <a:lnB>
+                          <a:noFill/>
+                        </a:lnB>
+                        <a:lnTlToBr w="12700" cmpd="sng">
+                          <a:noFill/>
+                          <a:prstDash val="solid"/>
+                        </a:lnTlToBr>
+                        <a:lnBlToTr w="12700" cmpd="sng">
+                          <a:noFill/>
+                          <a:prstDash val="solid"/>
+                        </a:lnBlToTr>
+                      </a:tcPr>
+                    </a:tc>
+                    <a:tc>
+                      <a:txBody>
+                        <a:bodyPr/>
+                        <a:lstStyle/>
+                        <a:p>
+                          <a:pPr algn="ctr"/>
+                          <a:r>
+                            <a:rPr lang="en-AU" sz="900" dirty="0"/>
+                            <a:t>0.874</a:t>
+                          </a:r>
+                        </a:p>
+                      </a:txBody>
+                      <a:tcPr anchor="ctr">
+                        <a:lnL>
+                          <a:noFill/>
+                        </a:lnL>
+                        <a:lnR>
+                          <a:noFill/>
+                        </a:lnR>
+                        <a:lnT>
+                          <a:noFill/>
+                        </a:lnT>
+                        <a:lnB>
+                          <a:noFill/>
+                        </a:lnB>
+                        <a:lnTlToBr w="12700" cmpd="sng">
+                          <a:noFill/>
+                          <a:prstDash val="solid"/>
+                        </a:lnTlToBr>
+                        <a:lnBlToTr w="12700" cmpd="sng">
+                          <a:noFill/>
+                          <a:prstDash val="solid"/>
+                        </a:lnBlToTr>
+                      </a:tcPr>
+                    </a:tc>
+                    <a:tc>
+                      <a:txBody>
+                        <a:bodyPr/>
+                        <a:lstStyle/>
+                        <a:p>
+                          <a:pPr algn="ctr"/>
+                          <a:r>
+                            <a:rPr lang="en-AU" sz="900" dirty="0"/>
+                            <a:t>0.095</a:t>
+                          </a:r>
+                        </a:p>
+                      </a:txBody>
+                      <a:tcPr anchor="ctr">
+                        <a:lnL>
+                          <a:noFill/>
+                        </a:lnL>
+                        <a:lnR w="12700" cap="flat" cmpd="sng" algn="ctr">
+                          <a:solidFill>
+                            <a:schemeClr val="tx1"/>
+                          </a:solidFill>
+                          <a:prstDash val="solid"/>
+                          <a:round/>
+                          <a:headEnd type="none" w="med" len="med"/>
+                          <a:tailEnd type="none" w="med" len="med"/>
+                        </a:lnR>
+                        <a:lnT>
+                          <a:noFill/>
+                        </a:lnT>
+                        <a:lnB>
+                          <a:noFill/>
+                        </a:lnB>
+                        <a:lnTlToBr w="12700" cmpd="sng">
+                          <a:noFill/>
+                          <a:prstDash val="solid"/>
+                        </a:lnTlToBr>
+                        <a:lnBlToTr w="12700" cmpd="sng">
+                          <a:noFill/>
+                          <a:prstDash val="solid"/>
+                        </a:lnBlToTr>
+                      </a:tcPr>
+                    </a:tc>
+                    <a:extLst>
+                      <a:ext uri="{0D108BD9-81ED-4DB2-BD59-A6C34878D82A}">
+                        <a16:rowId xmlns:a16="http://schemas.microsoft.com/office/drawing/2014/main" val="2249276370"/>
+                      </a:ext>
+                    </a:extLst>
+                  </a:tr>
+                  <a:tr h="319896">
+                    <a:tc>
+                      <a:txBody>
+                        <a:bodyPr/>
+                        <a:lstStyle/>
+                        <a:p>
+                          <a:pPr algn="ctr"/>
+                          <a:r>
+                            <a:rPr lang="en-AU" sz="900" dirty="0"/>
+                            <a:t>DYADSVK</a:t>
+                          </a:r>
+                        </a:p>
+                      </a:txBody>
+                      <a:tcPr anchor="ctr">
+                        <a:lnL w="12700" cap="flat" cmpd="sng" algn="ctr">
+                          <a:solidFill>
+                            <a:schemeClr val="tx1"/>
+                          </a:solidFill>
+                          <a:prstDash val="solid"/>
+                          <a:round/>
+                          <a:headEnd type="none" w="med" len="med"/>
+                          <a:tailEnd type="none" w="med" len="med"/>
+                        </a:lnL>
+                        <a:lnR>
+                          <a:noFill/>
+                        </a:lnR>
+                        <a:lnT>
+                          <a:noFill/>
+                        </a:lnT>
+                        <a:lnB w="12700" cap="flat" cmpd="sng" algn="ctr">
+                          <a:solidFill>
+                            <a:schemeClr val="tx1"/>
+                          </a:solidFill>
+                          <a:prstDash val="solid"/>
+                          <a:round/>
+                          <a:headEnd type="none" w="med" len="med"/>
+                          <a:tailEnd type="none" w="med" len="med"/>
+                        </a:lnB>
+                        <a:lnTlToBr w="12700" cmpd="sng">
+                          <a:noFill/>
+                          <a:prstDash val="solid"/>
+                        </a:lnTlToBr>
+                        <a:lnBlToTr w="12700" cmpd="sng">
+                          <a:noFill/>
+                          <a:prstDash val="solid"/>
+                        </a:lnBlToTr>
+                      </a:tcPr>
+                    </a:tc>
+                    <a:tc>
+                      <a:txBody>
+                        <a:bodyPr/>
+                        <a:lstStyle/>
+                        <a:p>
+                          <a:pPr algn="ctr"/>
+                          <a:r>
+                            <a:rPr lang="en-AU" sz="900" dirty="0"/>
+                            <a:t>1</a:t>
+                          </a:r>
+                        </a:p>
+                      </a:txBody>
+                      <a:tcPr anchor="ctr">
+                        <a:lnL>
+                          <a:noFill/>
+                        </a:lnL>
+                        <a:lnR>
+                          <a:noFill/>
+                        </a:lnR>
+                        <a:lnT>
+                          <a:noFill/>
+                        </a:lnT>
+                        <a:lnB w="12700" cap="flat" cmpd="sng" algn="ctr">
+                          <a:solidFill>
+                            <a:schemeClr val="tx1"/>
+                          </a:solidFill>
+                          <a:prstDash val="solid"/>
+                          <a:round/>
+                          <a:headEnd type="none" w="med" len="med"/>
+                          <a:tailEnd type="none" w="med" len="med"/>
+                        </a:lnB>
+                        <a:lnTlToBr w="12700" cmpd="sng">
+                          <a:noFill/>
+                          <a:prstDash val="solid"/>
+                        </a:lnTlToBr>
+                        <a:lnBlToTr w="12700" cmpd="sng">
+                          <a:noFill/>
+                          <a:prstDash val="solid"/>
+                        </a:lnBlToTr>
+                      </a:tcPr>
+                    </a:tc>
+                    <a:tc>
+                      <a:txBody>
+                        <a:bodyPr/>
+                        <a:lstStyle/>
+                        <a:p>
+                          <a:pPr algn="ctr"/>
+                          <a:r>
+                            <a:rPr lang="en-AU" sz="900" dirty="0"/>
+                            <a:t>1</a:t>
+                          </a:r>
+                        </a:p>
+                      </a:txBody>
+                      <a:tcPr anchor="ctr">
+                        <a:lnL>
+                          <a:noFill/>
+                        </a:lnL>
+                        <a:lnR>
+                          <a:noFill/>
+                        </a:lnR>
+                        <a:lnT>
+                          <a:noFill/>
+                        </a:lnT>
+                        <a:lnB w="12700" cap="flat" cmpd="sng" algn="ctr">
+                          <a:solidFill>
+                            <a:schemeClr val="tx1"/>
+                          </a:solidFill>
+                          <a:prstDash val="solid"/>
+                          <a:round/>
+                          <a:headEnd type="none" w="med" len="med"/>
+                          <a:tailEnd type="none" w="med" len="med"/>
+                        </a:lnB>
+                        <a:lnTlToBr w="12700" cmpd="sng">
+                          <a:noFill/>
+                          <a:prstDash val="solid"/>
+                        </a:lnTlToBr>
+                        <a:lnBlToTr w="12700" cmpd="sng">
+                          <a:noFill/>
+                          <a:prstDash val="solid"/>
+                        </a:lnBlToTr>
+                      </a:tcPr>
+                    </a:tc>
+                    <a:tc>
+                      <a:txBody>
+                        <a:bodyPr/>
+                        <a:lstStyle/>
+                        <a:p>
+                          <a:pPr algn="ctr"/>
+                          <a:r>
+                            <a:rPr lang="en-AU" sz="900" dirty="0"/>
+                            <a:t>0.693</a:t>
+                          </a:r>
+                        </a:p>
+                      </a:txBody>
+                      <a:tcPr anchor="ctr">
+                        <a:lnL>
+                          <a:noFill/>
+                        </a:lnL>
+                        <a:lnR>
+                          <a:noFill/>
+                        </a:lnR>
+                        <a:lnT>
+                          <a:noFill/>
+                        </a:lnT>
+                        <a:lnB w="12700" cap="flat" cmpd="sng" algn="ctr">
+                          <a:solidFill>
+                            <a:schemeClr val="tx1"/>
+                          </a:solidFill>
+                          <a:prstDash val="solid"/>
+                          <a:round/>
+                          <a:headEnd type="none" w="med" len="med"/>
+                          <a:tailEnd type="none" w="med" len="med"/>
+                        </a:lnB>
+                        <a:lnTlToBr w="12700" cmpd="sng">
+                          <a:noFill/>
+                          <a:prstDash val="solid"/>
+                        </a:lnTlToBr>
+                        <a:lnBlToTr w="12700" cmpd="sng">
+                          <a:noFill/>
+                          <a:prstDash val="solid"/>
+                        </a:lnBlToTr>
+                      </a:tcPr>
+                    </a:tc>
+                    <a:tc>
+                      <a:txBody>
+                        <a:bodyPr/>
+                        <a:lstStyle/>
+                        <a:p>
+                          <a:pPr algn="ctr"/>
+                          <a:r>
+                            <a:rPr lang="en-AU" sz="900" dirty="0"/>
+                            <a:t>0.032</a:t>
+                          </a:r>
+                        </a:p>
+                      </a:txBody>
+                      <a:tcPr anchor="ctr">
+                        <a:lnL>
+                          <a:noFill/>
+                        </a:lnL>
+                        <a:lnR w="12700" cap="flat" cmpd="sng" algn="ctr">
+                          <a:solidFill>
+                            <a:schemeClr val="tx1"/>
+                          </a:solidFill>
+                          <a:prstDash val="solid"/>
+                          <a:round/>
+                          <a:headEnd type="none" w="med" len="med"/>
+                          <a:tailEnd type="none" w="med" len="med"/>
+                        </a:lnR>
+                        <a:lnT>
+                          <a:noFill/>
+                        </a:lnT>
+                        <a:lnB w="12700" cap="flat" cmpd="sng" algn="ctr">
+                          <a:solidFill>
+                            <a:schemeClr val="tx1"/>
+                          </a:solidFill>
+                          <a:prstDash val="solid"/>
+                          <a:round/>
+                          <a:headEnd type="none" w="med" len="med"/>
+                          <a:tailEnd type="none" w="med" len="med"/>
+                        </a:lnB>
+                        <a:lnTlToBr w="12700" cmpd="sng">
+                          <a:noFill/>
+                          <a:prstDash val="solid"/>
+                        </a:lnTlToBr>
+                        <a:lnBlToTr w="12700" cmpd="sng">
+                          <a:noFill/>
+                          <a:prstDash val="solid"/>
+                        </a:lnBlToTr>
+                      </a:tcPr>
+                    </a:tc>
+                    <a:extLst>
+                      <a:ext uri="{0D108BD9-81ED-4DB2-BD59-A6C34878D82A}">
+                        <a16:rowId xmlns:a16="http://schemas.microsoft.com/office/drawing/2014/main" val="889951462"/>
+                      </a:ext>
+                    </a:extLst>
+                  </a:tr>
+                </a:tbl>
+              </a:graphicData>
+            </a:graphic>
+          </p:graphicFrame>
+        </mc:Fallback>
+      </mc:AlternateContent>
+      <p:pic>
+        <p:nvPicPr>
+          <p:cNvPr id="4" name="Picture 3"/>
+          <p:cNvPicPr>
+            <a:picLocks noChangeAspect="1"/>
+          </p:cNvPicPr>
+          <p:nvPr/>
+        </p:nvPicPr>
+        <p:blipFill>
+          <a:blip r:embed="rId3">
+            <a:extLst>
+              <a:ext uri="{28A0092B-C50C-407E-A947-70E740481C1C}">
+                <a14:useLocalDpi xmlns:a14="http://schemas.microsoft.com/office/drawing/2010/main" val="0"/>
+              </a:ext>
+            </a:extLst>
+          </a:blip>
+          <a:stretch>
+            <a:fillRect/>
+          </a:stretch>
+        </p:blipFill>
+        <p:spPr>
+          <a:xfrm>
+            <a:off x="1704416" y="1737260"/>
+            <a:ext cx="924054" cy="4544059"/>
+          </a:xfrm>
+          <a:prstGeom prst="rect">
+            <a:avLst/>
+          </a:prstGeom>
+        </p:spPr>
+      </p:pic>
+    </p:spTree>
+    <p:extLst>
+      <p:ext uri="{BB962C8B-B14F-4D97-AF65-F5344CB8AC3E}">
+        <p14:creationId xmlns:p14="http://schemas.microsoft.com/office/powerpoint/2010/main" val="337918398"/>
+      </p:ext>
+    </p:extLst>
+  </p:cSld>
+  <p:clrMapOvr>
+    <a:masterClrMapping/>
+  </p:clrMapOvr>
+</p:sld>
+</file>
+
+<file path=ppt/slides/slide4.xml><?xml version="1.0" encoding="utf-8"?>
+<p:sld xmlns:a="http://schemas.openxmlformats.org/drawingml/2006/main" xmlns:r="http://schemas.openxmlformats.org/officeDocument/2006/relationships" xmlns:p="http://schemas.openxmlformats.org/presentationml/2006/main">
+  <p:cSld>
+    <p:spTree>
+      <p:nvGrpSpPr>
+        <p:cNvPr id="1" name=""/>
+        <p:cNvGrpSpPr/>
+        <p:nvPr/>
+      </p:nvGrpSpPr>
+      <p:grpSpPr>
+        <a:xfrm>
+          <a:off x="0" y="0"/>
+          <a:ext cx="0" cy="0"/>
+          <a:chOff x="0" y="0"/>
+          <a:chExt cx="0" cy="0"/>
+        </a:xfrm>
+      </p:grpSpPr>
       <p:grpSp>
         <p:nvGrpSpPr>
-          <p:cNvPr id="16" name="Group 15"/>
+          <p:cNvPr id="4" name="Group 3"/>
           <p:cNvGrpSpPr/>
           <p:nvPr/>
         </p:nvGrpSpPr>
         <p:grpSpPr>
           <a:xfrm>
-            <a:off x="845022" y="781246"/>
-            <a:ext cx="5320282" cy="6197254"/>
-            <a:chOff x="845022" y="781246"/>
-            <a:chExt cx="5320282" cy="6197254"/>
+            <a:off x="330710" y="179512"/>
+            <a:ext cx="6022534" cy="8856984"/>
+            <a:chOff x="330710" y="179512"/>
+            <a:chExt cx="6022534" cy="8856984"/>
           </a:xfrm>
         </p:grpSpPr>
         <p:pic>
           <p:nvPicPr>
-            <p:cNvPr id="15" name="Picture 14"/>
+            <p:cNvPr id="3" name="Picture 2"/>
             <p:cNvPicPr>
               <a:picLocks noChangeAspect="1"/>
             </p:cNvPicPr>
@@ -12821,8 +16426,8 @@
           </p:blipFill>
           <p:spPr>
             <a:xfrm>
-              <a:off x="963432" y="899591"/>
-              <a:ext cx="5115686" cy="5900220"/>
+              <a:off x="404664" y="323528"/>
+              <a:ext cx="5881470" cy="8614274"/>
             </a:xfrm>
             <a:prstGeom prst="rect">
               <a:avLst/>
@@ -12831,64 +16436,14 @@
         </p:pic>
         <p:sp>
           <p:nvSpPr>
-            <p:cNvPr id="11" name="Rectangle 10"/>
-            <p:cNvSpPr/>
-            <p:nvPr/>
-          </p:nvSpPr>
-          <p:spPr>
-            <a:xfrm>
-              <a:off x="845022" y="789558"/>
-              <a:ext cx="110942" cy="6188942"/>
-            </a:xfrm>
-            <a:prstGeom prst="rect">
-              <a:avLst/>
-            </a:prstGeom>
-            <a:noFill/>
-            <a:ln>
-              <a:solidFill>
-                <a:schemeClr val="bg1"/>
-              </a:solidFill>
-            </a:ln>
-          </p:spPr>
-          <p:style>
-            <a:lnRef idx="2">
-              <a:schemeClr val="accent1">
-                <a:shade val="50000"/>
-              </a:schemeClr>
-            </a:lnRef>
-            <a:fillRef idx="1">
-              <a:schemeClr val="accent1"/>
-            </a:fillRef>
-            <a:effectRef idx="0">
-              <a:schemeClr val="accent1"/>
-            </a:effectRef>
-            <a:fontRef idx="minor">
-              <a:schemeClr val="lt1"/>
-            </a:fontRef>
-          </p:style>
-          <p:txBody>
-            <a:bodyPr rtlCol="0" anchor="ctr"/>
-            <a:lstStyle/>
-            <a:p>
-              <a:pPr algn="ctr"/>
-              <a:endParaRPr lang="en-AU">
-                <a:solidFill>
-                  <a:schemeClr val="bg1"/>
-                </a:solidFill>
-              </a:endParaRPr>
-            </a:p>
-          </p:txBody>
-        </p:sp>
-        <p:sp>
-          <p:nvSpPr>
             <p:cNvPr id="13" name="Rectangle 12"/>
             <p:cNvSpPr/>
             <p:nvPr/>
           </p:nvSpPr>
           <p:spPr>
             <a:xfrm>
-              <a:off x="900073" y="781246"/>
-              <a:ext cx="5265231" cy="6095010"/>
+              <a:off x="330710" y="179512"/>
+              <a:ext cx="6022534" cy="8856984"/>
             </a:xfrm>
             <a:prstGeom prst="rect">
               <a:avLst/>
@@ -12939,7 +16494,7 @@
 </p:sld>
 </file>
 
-<file path=ppt/slides/slide4.xml><?xml version="1.0" encoding="utf-8"?>
+<file path=ppt/slides/slide5.xml><?xml version="1.0" encoding="utf-8"?>
 <p:sld xmlns:a="http://schemas.openxmlformats.org/drawingml/2006/main" xmlns:r="http://schemas.openxmlformats.org/officeDocument/2006/relationships" xmlns:p="http://schemas.openxmlformats.org/presentationml/2006/main">
   <p:cSld>
     <p:spTree>
@@ -12958,16 +16513,16 @@
       </p:grpSpPr>
       <p:grpSp>
         <p:nvGrpSpPr>
-          <p:cNvPr id="3" name="Group 2"/>
+          <p:cNvPr id="5" name="Group 4"/>
           <p:cNvGrpSpPr/>
           <p:nvPr/>
         </p:nvGrpSpPr>
         <p:grpSpPr>
           <a:xfrm>
-            <a:off x="900073" y="971600"/>
-            <a:ext cx="5265231" cy="4824536"/>
-            <a:chOff x="900073" y="971600"/>
-            <a:chExt cx="5265231" cy="4824536"/>
+            <a:off x="330710" y="179512"/>
+            <a:ext cx="6022534" cy="7632848"/>
+            <a:chOff x="330710" y="179512"/>
+            <a:chExt cx="6022534" cy="7632848"/>
           </a:xfrm>
         </p:grpSpPr>
         <p:sp>
@@ -12978,8 +16533,8 @@
           </p:nvSpPr>
           <p:spPr>
             <a:xfrm>
-              <a:off x="900073" y="971600"/>
-              <a:ext cx="5265231" cy="4824536"/>
+              <a:off x="330710" y="179512"/>
+              <a:ext cx="6022534" cy="7632848"/>
             </a:xfrm>
             <a:prstGeom prst="rect">
               <a:avLst/>
@@ -13038,8 +16593,8 @@
           </p:blipFill>
           <p:spPr>
             <a:xfrm>
-              <a:off x="974845" y="1055616"/>
-              <a:ext cx="5115686" cy="4656503"/>
+              <a:off x="444272" y="340004"/>
+              <a:ext cx="5835018" cy="7399798"/>
             </a:xfrm>
             <a:prstGeom prst="rect">
               <a:avLst/>
@@ -13050,7 +16605,7 @@
     </p:spTree>
     <p:extLst>
       <p:ext uri="{BB962C8B-B14F-4D97-AF65-F5344CB8AC3E}">
-        <p14:creationId xmlns:p14="http://schemas.microsoft.com/office/powerpoint/2010/main" val="359585701"/>
+        <p14:creationId xmlns:p14="http://schemas.microsoft.com/office/powerpoint/2010/main" val="542941164"/>
       </p:ext>
     </p:extLst>
   </p:cSld>
@@ -13060,7 +16615,249 @@
 </p:sld>
 </file>
 
-<file path=ppt/slides/slide5.xml><?xml version="1.0" encoding="utf-8"?>
+<file path=ppt/slides/slide6.xml><?xml version="1.0" encoding="utf-8"?>
+<p:sld xmlns:a="http://schemas.openxmlformats.org/drawingml/2006/main" xmlns:r="http://schemas.openxmlformats.org/officeDocument/2006/relationships" xmlns:p="http://schemas.openxmlformats.org/presentationml/2006/main">
+  <p:cSld>
+    <p:spTree>
+      <p:nvGrpSpPr>
+        <p:cNvPr id="1" name=""/>
+        <p:cNvGrpSpPr/>
+        <p:nvPr/>
+      </p:nvGrpSpPr>
+      <p:grpSpPr>
+        <a:xfrm>
+          <a:off x="0" y="0"/>
+          <a:ext cx="0" cy="0"/>
+          <a:chOff x="0" y="0"/>
+          <a:chExt cx="0" cy="0"/>
+        </a:xfrm>
+      </p:grpSpPr>
+      <p:grpSp>
+        <p:nvGrpSpPr>
+          <p:cNvPr id="4" name="Group 3"/>
+          <p:cNvGrpSpPr/>
+          <p:nvPr/>
+        </p:nvGrpSpPr>
+        <p:grpSpPr>
+          <a:xfrm>
+            <a:off x="260648" y="179512"/>
+            <a:ext cx="6022534" cy="4293634"/>
+            <a:chOff x="260648" y="179512"/>
+            <a:chExt cx="6022534" cy="4293634"/>
+          </a:xfrm>
+        </p:grpSpPr>
+        <p:sp>
+          <p:nvSpPr>
+            <p:cNvPr id="13" name="Rectangle 12"/>
+            <p:cNvSpPr/>
+            <p:nvPr/>
+          </p:nvSpPr>
+          <p:spPr>
+            <a:xfrm>
+              <a:off x="260648" y="179512"/>
+              <a:ext cx="6022534" cy="4293634"/>
+            </a:xfrm>
+            <a:prstGeom prst="rect">
+              <a:avLst/>
+            </a:prstGeom>
+            <a:noFill/>
+            <a:ln w="9525">
+              <a:solidFill>
+                <a:schemeClr val="tx1"/>
+              </a:solidFill>
+            </a:ln>
+          </p:spPr>
+          <p:style>
+            <a:lnRef idx="2">
+              <a:schemeClr val="accent1">
+                <a:shade val="50000"/>
+              </a:schemeClr>
+            </a:lnRef>
+            <a:fillRef idx="1">
+              <a:schemeClr val="accent1"/>
+            </a:fillRef>
+            <a:effectRef idx="0">
+              <a:schemeClr val="accent1"/>
+            </a:effectRef>
+            <a:fontRef idx="minor">
+              <a:schemeClr val="lt1"/>
+            </a:fontRef>
+          </p:style>
+          <p:txBody>
+            <a:bodyPr rtlCol="0" anchor="ctr"/>
+            <a:lstStyle/>
+            <a:p>
+              <a:pPr algn="ctr"/>
+              <a:endParaRPr lang="en-AU"/>
+            </a:p>
+          </p:txBody>
+        </p:sp>
+        <p:pic>
+          <p:nvPicPr>
+            <p:cNvPr id="3" name="Picture 2"/>
+            <p:cNvPicPr>
+              <a:picLocks noChangeAspect="1"/>
+            </p:cNvPicPr>
+            <p:nvPr/>
+          </p:nvPicPr>
+          <p:blipFill>
+            <a:blip r:embed="rId2">
+              <a:extLst>
+                <a:ext uri="{28A0092B-C50C-407E-A947-70E740481C1C}">
+                  <a14:useLocalDpi xmlns:a14="http://schemas.microsoft.com/office/drawing/2010/main" val="0"/>
+                </a:ext>
+              </a:extLst>
+            </a:blip>
+            <a:stretch>
+              <a:fillRect/>
+            </a:stretch>
+          </p:blipFill>
+          <p:spPr>
+            <a:xfrm>
+              <a:off x="427692" y="265863"/>
+              <a:ext cx="5806116" cy="4174332"/>
+            </a:xfrm>
+            <a:prstGeom prst="rect">
+              <a:avLst/>
+            </a:prstGeom>
+          </p:spPr>
+        </p:pic>
+      </p:grpSp>
+    </p:spTree>
+    <p:extLst>
+      <p:ext uri="{BB962C8B-B14F-4D97-AF65-F5344CB8AC3E}">
+        <p14:creationId xmlns:p14="http://schemas.microsoft.com/office/powerpoint/2010/main" val="3011501971"/>
+      </p:ext>
+    </p:extLst>
+  </p:cSld>
+  <p:clrMapOvr>
+    <a:masterClrMapping/>
+  </p:clrMapOvr>
+</p:sld>
+</file>
+
+<file path=ppt/slides/slide7.xml><?xml version="1.0" encoding="utf-8"?>
+<p:sld xmlns:a="http://schemas.openxmlformats.org/drawingml/2006/main" xmlns:r="http://schemas.openxmlformats.org/officeDocument/2006/relationships" xmlns:p="http://schemas.openxmlformats.org/presentationml/2006/main">
+  <p:cSld>
+    <p:spTree>
+      <p:nvGrpSpPr>
+        <p:cNvPr id="1" name=""/>
+        <p:cNvGrpSpPr/>
+        <p:nvPr/>
+      </p:nvGrpSpPr>
+      <p:grpSpPr>
+        <a:xfrm>
+          <a:off x="0" y="0"/>
+          <a:ext cx="0" cy="0"/>
+          <a:chOff x="0" y="0"/>
+          <a:chExt cx="0" cy="0"/>
+        </a:xfrm>
+      </p:grpSpPr>
+      <p:grpSp>
+        <p:nvGrpSpPr>
+          <p:cNvPr id="5" name="Group 4"/>
+          <p:cNvGrpSpPr/>
+          <p:nvPr/>
+        </p:nvGrpSpPr>
+        <p:grpSpPr>
+          <a:xfrm>
+            <a:off x="260648" y="179512"/>
+            <a:ext cx="6022534" cy="3296856"/>
+            <a:chOff x="260648" y="179512"/>
+            <a:chExt cx="6022534" cy="3296856"/>
+          </a:xfrm>
+        </p:grpSpPr>
+        <p:sp>
+          <p:nvSpPr>
+            <p:cNvPr id="13" name="Rectangle 12"/>
+            <p:cNvSpPr/>
+            <p:nvPr/>
+          </p:nvSpPr>
+          <p:spPr>
+            <a:xfrm>
+              <a:off x="260648" y="179512"/>
+              <a:ext cx="6022534" cy="3296856"/>
+            </a:xfrm>
+            <a:prstGeom prst="rect">
+              <a:avLst/>
+            </a:prstGeom>
+            <a:noFill/>
+            <a:ln w="9525">
+              <a:solidFill>
+                <a:schemeClr val="tx1"/>
+              </a:solidFill>
+            </a:ln>
+          </p:spPr>
+          <p:style>
+            <a:lnRef idx="2">
+              <a:schemeClr val="accent1">
+                <a:shade val="50000"/>
+              </a:schemeClr>
+            </a:lnRef>
+            <a:fillRef idx="1">
+              <a:schemeClr val="accent1"/>
+            </a:fillRef>
+            <a:effectRef idx="0">
+              <a:schemeClr val="accent1"/>
+            </a:effectRef>
+            <a:fontRef idx="minor">
+              <a:schemeClr val="lt1"/>
+            </a:fontRef>
+          </p:style>
+          <p:txBody>
+            <a:bodyPr rtlCol="0" anchor="ctr"/>
+            <a:lstStyle/>
+            <a:p>
+              <a:pPr algn="ctr"/>
+              <a:endParaRPr lang="en-AU"/>
+            </a:p>
+          </p:txBody>
+        </p:sp>
+        <p:pic>
+          <p:nvPicPr>
+            <p:cNvPr id="2" name="Picture 1"/>
+            <p:cNvPicPr>
+              <a:picLocks noChangeAspect="1"/>
+            </p:cNvPicPr>
+            <p:nvPr/>
+          </p:nvPicPr>
+          <p:blipFill>
+            <a:blip r:embed="rId2">
+              <a:extLst>
+                <a:ext uri="{28A0092B-C50C-407E-A947-70E740481C1C}">
+                  <a14:useLocalDpi xmlns:a14="http://schemas.microsoft.com/office/drawing/2010/main" val="0"/>
+                </a:ext>
+              </a:extLst>
+            </a:blip>
+            <a:stretch>
+              <a:fillRect/>
+            </a:stretch>
+          </p:blipFill>
+          <p:spPr>
+            <a:xfrm>
+              <a:off x="367153" y="323527"/>
+              <a:ext cx="5827336" cy="3095175"/>
+            </a:xfrm>
+            <a:prstGeom prst="rect">
+              <a:avLst/>
+            </a:prstGeom>
+          </p:spPr>
+        </p:pic>
+      </p:grpSp>
+    </p:spTree>
+    <p:extLst>
+      <p:ext uri="{BB962C8B-B14F-4D97-AF65-F5344CB8AC3E}">
+        <p14:creationId xmlns:p14="http://schemas.microsoft.com/office/powerpoint/2010/main" val="3415418351"/>
+      </p:ext>
+    </p:extLst>
+  </p:cSld>
+  <p:clrMapOvr>
+    <a:masterClrMapping/>
+  </p:clrMapOvr>
+</p:sld>
+</file>
+
+<file path=ppt/slides/slide8.xml><?xml version="1.0" encoding="utf-8"?>
 <p:sld xmlns:a="http://schemas.openxmlformats.org/drawingml/2006/main" xmlns:r="http://schemas.openxmlformats.org/officeDocument/2006/relationships" xmlns:p="http://schemas.openxmlformats.org/presentationml/2006/main">
   <p:cSld>
     <p:spTree>

--- a/resources/IgFamily.pptx
+++ b/resources/IgFamily.pptx
@@ -3118,34 +3118,6 @@
           <a:chExt cx="0" cy="0"/>
         </a:xfrm>
       </p:grpSpPr>
-      <p:pic>
-        <p:nvPicPr>
-          <p:cNvPr id="10" name="Picture 9"/>
-          <p:cNvPicPr/>
-          <p:nvPr/>
-        </p:nvPicPr>
-        <p:blipFill>
-          <a:blip r:embed="rId2">
-            <a:extLst>
-              <a:ext uri="{28A0092B-C50C-407E-A947-70E740481C1C}">
-                <a14:useLocalDpi xmlns:a14="http://schemas.microsoft.com/office/drawing/2010/main" val="0"/>
-              </a:ext>
-            </a:extLst>
-          </a:blip>
-          <a:stretch>
-            <a:fillRect/>
-          </a:stretch>
-        </p:blipFill>
-        <p:spPr>
-          <a:xfrm>
-            <a:off x="764704" y="1691680"/>
-            <a:ext cx="1943100" cy="3390900"/>
-          </a:xfrm>
-          <a:prstGeom prst="rect">
-            <a:avLst/>
-          </a:prstGeom>
-        </p:spPr>
-      </p:pic>
       <mc:AlternateContent xmlns:mc="http://schemas.openxmlformats.org/markup-compatibility/2006" xmlns:a14="http://schemas.microsoft.com/office/drawing/2010/main">
         <mc:Choice Requires="a14">
           <p:graphicFrame>
@@ -7872,6 +7844,79 @@
           </p:graphicFrame>
         </mc:Fallback>
       </mc:AlternateContent>
+      <p:grpSp>
+        <p:nvGrpSpPr>
+          <p:cNvPr id="5" name="Group 4"/>
+          <p:cNvGrpSpPr/>
+          <p:nvPr/>
+        </p:nvGrpSpPr>
+        <p:grpSpPr>
+          <a:xfrm>
+            <a:off x="764704" y="1724415"/>
+            <a:ext cx="1943100" cy="3276999"/>
+            <a:chOff x="764704" y="1717655"/>
+            <a:chExt cx="1943100" cy="3276999"/>
+          </a:xfrm>
+        </p:grpSpPr>
+        <p:pic>
+          <p:nvPicPr>
+            <p:cNvPr id="2" name="Picture 1"/>
+            <p:cNvPicPr>
+              <a:picLocks noChangeAspect="1"/>
+            </p:cNvPicPr>
+            <p:nvPr/>
+          </p:nvPicPr>
+          <p:blipFill rotWithShape="1">
+            <a:blip r:embed="rId4">
+              <a:extLst>
+                <a:ext uri="{28A0092B-C50C-407E-A947-70E740481C1C}">
+                  <a14:useLocalDpi xmlns:a14="http://schemas.microsoft.com/office/drawing/2010/main" val="0"/>
+                </a:ext>
+              </a:extLst>
+            </a:blip>
+            <a:srcRect t="41598" b="-1"/>
+            <a:stretch/>
+          </p:blipFill>
+          <p:spPr>
+            <a:xfrm>
+              <a:off x="764704" y="1891787"/>
+              <a:ext cx="1943100" cy="3102867"/>
+            </a:xfrm>
+            <a:prstGeom prst="rect">
+              <a:avLst/>
+            </a:prstGeom>
+          </p:spPr>
+        </p:pic>
+        <p:pic>
+          <p:nvPicPr>
+            <p:cNvPr id="3" name="Picture 2"/>
+            <p:cNvPicPr>
+              <a:picLocks noChangeAspect="1"/>
+            </p:cNvPicPr>
+            <p:nvPr/>
+          </p:nvPicPr>
+          <p:blipFill rotWithShape="1">
+            <a:blip r:embed="rId4">
+              <a:extLst>
+                <a:ext uri="{28A0092B-C50C-407E-A947-70E740481C1C}">
+                  <a14:useLocalDpi xmlns:a14="http://schemas.microsoft.com/office/drawing/2010/main" val="0"/>
+                </a:ext>
+              </a:extLst>
+            </a:blip>
+            <a:srcRect b="96949"/>
+            <a:stretch/>
+          </p:blipFill>
+          <p:spPr>
+            <a:xfrm>
+              <a:off x="764704" y="1717655"/>
+              <a:ext cx="1943100" cy="162100"/>
+            </a:xfrm>
+            <a:prstGeom prst="rect">
+              <a:avLst/>
+            </a:prstGeom>
+          </p:spPr>
+        </p:pic>
+      </p:grpSp>
     </p:spTree>
     <p:extLst>
       <p:ext uri="{BB962C8B-B14F-4D97-AF65-F5344CB8AC3E}">
@@ -12666,16 +12711,16 @@
       </mc:AlternateContent>
       <p:grpSp>
         <p:nvGrpSpPr>
-          <p:cNvPr id="7" name="Group 6"/>
+          <p:cNvPr id="3" name="Group 2"/>
           <p:cNvGrpSpPr/>
           <p:nvPr/>
         </p:nvGrpSpPr>
         <p:grpSpPr>
           <a:xfrm>
-            <a:off x="836712" y="1763688"/>
-            <a:ext cx="1808662" cy="4473148"/>
-            <a:chOff x="3069487" y="838851"/>
-            <a:chExt cx="2038635" cy="5041913"/>
+            <a:off x="836712" y="2445719"/>
+            <a:ext cx="1944216" cy="3127141"/>
+            <a:chOff x="836712" y="3109695"/>
+            <a:chExt cx="1944216" cy="3127141"/>
           </a:xfrm>
         </p:grpSpPr>
         <p:pic>
@@ -12694,13 +12739,13 @@
                 </a:ext>
               </a:extLst>
             </a:blip>
-            <a:srcRect l="926" r="1"/>
+            <a:srcRect l="926" t="39497" r="1"/>
             <a:stretch/>
           </p:blipFill>
           <p:spPr>
             <a:xfrm>
-              <a:off x="3069487" y="838851"/>
-              <a:ext cx="2038635" cy="4315428"/>
+              <a:off x="836712" y="3275856"/>
+              <a:ext cx="1808662" cy="2316448"/>
             </a:xfrm>
             <a:prstGeom prst="rect">
               <a:avLst/>
@@ -12729,8 +12774,37 @@
           </p:blipFill>
           <p:spPr>
             <a:xfrm>
-              <a:off x="3069487" y="5442553"/>
-              <a:ext cx="2019582" cy="438211"/>
+              <a:off x="836712" y="5848058"/>
+              <a:ext cx="1791758" cy="388778"/>
+            </a:xfrm>
+            <a:prstGeom prst="rect">
+              <a:avLst/>
+            </a:prstGeom>
+          </p:spPr>
+        </p:pic>
+        <p:pic>
+          <p:nvPicPr>
+            <p:cNvPr id="2" name="Picture 1"/>
+            <p:cNvPicPr>
+              <a:picLocks noChangeAspect="1"/>
+            </p:cNvPicPr>
+            <p:nvPr/>
+          </p:nvPicPr>
+          <p:blipFill rotWithShape="1">
+            <a:blip r:embed="rId3">
+              <a:extLst>
+                <a:ext uri="{28A0092B-C50C-407E-A947-70E740481C1C}">
+                  <a14:useLocalDpi xmlns:a14="http://schemas.microsoft.com/office/drawing/2010/main" val="0"/>
+                </a:ext>
+              </a:extLst>
+            </a:blip>
+            <a:srcRect l="792" t="-908" r="-7759" b="95998"/>
+            <a:stretch/>
+          </p:blipFill>
+          <p:spPr>
+            <a:xfrm>
+              <a:off x="836712" y="3109695"/>
+              <a:ext cx="1944216" cy="187141"/>
             </a:xfrm>
             <a:prstGeom prst="rect">
               <a:avLst/>
@@ -12779,13 +12853,13 @@
               <p:nvPr>
                 <p:extLst>
                   <p:ext uri="{D42A27DB-BD31-4B8C-83A1-F6EECF244321}">
-                    <p14:modId xmlns:p14="http://schemas.microsoft.com/office/powerpoint/2010/main" val="676818687"/>
+                    <p14:modId xmlns:p14="http://schemas.microsoft.com/office/powerpoint/2010/main" val="1538006737"/>
                   </p:ext>
                 </p:extLst>
               </p:nvPr>
             </p:nvGraphicFramePr>
             <p:xfrm>
-              <a:off x="3409732" y="2483768"/>
+              <a:off x="3409732" y="2376661"/>
               <a:ext cx="3159125" cy="2431211"/>
             </p:xfrm>
             <a:graphic>
@@ -14766,13 +14840,13 @@
               <p:nvPr>
                 <p:extLst>
                   <p:ext uri="{D42A27DB-BD31-4B8C-83A1-F6EECF244321}">
-                    <p14:modId xmlns:p14="http://schemas.microsoft.com/office/powerpoint/2010/main" val="676818687"/>
+                    <p14:modId xmlns:p14="http://schemas.microsoft.com/office/powerpoint/2010/main" val="1538006737"/>
                   </p:ext>
                 </p:extLst>
               </p:nvPr>
             </p:nvGraphicFramePr>
             <p:xfrm>
-              <a:off x="3409732" y="2483768"/>
+              <a:off x="3409732" y="2376661"/>
               <a:ext cx="3159125" cy="2431211"/>
             </p:xfrm>
             <a:graphic>
@@ -16338,7 +16412,7 @@
           </p:cNvPicPr>
           <p:nvPr/>
         </p:nvPicPr>
-        <p:blipFill>
+        <p:blipFill rotWithShape="1">
           <a:blip r:embed="rId3">
             <a:extLst>
               <a:ext uri="{28A0092B-C50C-407E-A947-70E740481C1C}">
@@ -16346,14 +16420,42 @@
               </a:ext>
             </a:extLst>
           </a:blip>
-          <a:stretch>
-            <a:fillRect/>
-          </a:stretch>
+          <a:srcRect t="41783"/>
+          <a:stretch/>
         </p:blipFill>
         <p:spPr>
           <a:xfrm>
-            <a:off x="1704416" y="1737260"/>
-            <a:ext cx="924054" cy="4544059"/>
+            <a:off x="1704416" y="2376661"/>
+            <a:ext cx="924054" cy="2645423"/>
+          </a:xfrm>
+          <a:prstGeom prst="rect">
+            <a:avLst/>
+          </a:prstGeom>
+        </p:spPr>
+      </p:pic>
+      <p:pic>
+        <p:nvPicPr>
+          <p:cNvPr id="2" name="Picture 1"/>
+          <p:cNvPicPr>
+            <a:picLocks noChangeAspect="1"/>
+          </p:cNvPicPr>
+          <p:nvPr/>
+        </p:nvPicPr>
+        <p:blipFill rotWithShape="1">
+          <a:blip r:embed="rId3">
+            <a:extLst>
+              <a:ext uri="{28A0092B-C50C-407E-A947-70E740481C1C}">
+                <a14:useLocalDpi xmlns:a14="http://schemas.microsoft.com/office/drawing/2010/main" val="0"/>
+              </a:ext>
+            </a:extLst>
+          </a:blip>
+          <a:srcRect b="96249"/>
+          <a:stretch/>
+        </p:blipFill>
+        <p:spPr>
+          <a:xfrm>
+            <a:off x="1704416" y="2206217"/>
+            <a:ext cx="924054" cy="170444"/>
           </a:xfrm>
           <a:prstGeom prst="rect">
             <a:avLst/>

--- a/resources/IgFamily.pptx
+++ b/resources/IgFamily.pptx
@@ -6,13 +6,14 @@
   </p:sldMasterIdLst>
   <p:sldIdLst>
     <p:sldId id="256" r:id="rId2"/>
-    <p:sldId id="257" r:id="rId3"/>
-    <p:sldId id="261" r:id="rId4"/>
-    <p:sldId id="258" r:id="rId5"/>
-    <p:sldId id="262" r:id="rId6"/>
-    <p:sldId id="263" r:id="rId7"/>
-    <p:sldId id="264" r:id="rId8"/>
-    <p:sldId id="259" r:id="rId9"/>
+    <p:sldId id="265" r:id="rId3"/>
+    <p:sldId id="257" r:id="rId4"/>
+    <p:sldId id="261" r:id="rId5"/>
+    <p:sldId id="258" r:id="rId6"/>
+    <p:sldId id="262" r:id="rId7"/>
+    <p:sldId id="263" r:id="rId8"/>
+    <p:sldId id="264" r:id="rId9"/>
+    <p:sldId id="259" r:id="rId10"/>
   </p:sldIdLst>
   <p:sldSz cx="6858000" cy="9144000" type="screen4x3"/>
   <p:notesSz cx="6858000" cy="9144000"/>
@@ -113,7 +114,7 @@
   </p:defaultTextStyle>
   <p:extLst>
     <p:ext uri="{EFAFB233-063F-42B5-8137-9DF3F51BA10A}">
-      <p15:sldGuideLst xmlns:p15="http://schemas.microsoft.com/office/powerpoint/2012/main">
+      <p15:sldGuideLst xmlns:p15="http://schemas.microsoft.com/office/powerpoint/2012/main" xmlns="">
         <p15:guide id="1" orient="horz" pos="2880">
           <p15:clr>
             <a:srgbClr val="A4A3A4"/>
@@ -311,7 +312,7 @@
           <a:p>
             <a:fld id="{A1603105-CD7D-46BB-B5E1-D51F2A03682D}" type="datetimeFigureOut">
               <a:rPr lang="en-AU" smtClean="0"/>
-              <a:t>13/11/2016</a:t>
+              <a:t>14/11/2016</a:t>
             </a:fld>
             <a:endParaRPr lang="en-AU"/>
           </a:p>
@@ -481,7 +482,7 @@
           <a:p>
             <a:fld id="{A1603105-CD7D-46BB-B5E1-D51F2A03682D}" type="datetimeFigureOut">
               <a:rPr lang="en-AU" smtClean="0"/>
-              <a:t>13/11/2016</a:t>
+              <a:t>14/11/2016</a:t>
             </a:fld>
             <a:endParaRPr lang="en-AU"/>
           </a:p>
@@ -661,7 +662,7 @@
           <a:p>
             <a:fld id="{A1603105-CD7D-46BB-B5E1-D51F2A03682D}" type="datetimeFigureOut">
               <a:rPr lang="en-AU" smtClean="0"/>
-              <a:t>13/11/2016</a:t>
+              <a:t>14/11/2016</a:t>
             </a:fld>
             <a:endParaRPr lang="en-AU"/>
           </a:p>
@@ -831,7 +832,7 @@
           <a:p>
             <a:fld id="{A1603105-CD7D-46BB-B5E1-D51F2A03682D}" type="datetimeFigureOut">
               <a:rPr lang="en-AU" smtClean="0"/>
-              <a:t>13/11/2016</a:t>
+              <a:t>14/11/2016</a:t>
             </a:fld>
             <a:endParaRPr lang="en-AU"/>
           </a:p>
@@ -1077,7 +1078,7 @@
           <a:p>
             <a:fld id="{A1603105-CD7D-46BB-B5E1-D51F2A03682D}" type="datetimeFigureOut">
               <a:rPr lang="en-AU" smtClean="0"/>
-              <a:t>13/11/2016</a:t>
+              <a:t>14/11/2016</a:t>
             </a:fld>
             <a:endParaRPr lang="en-AU"/>
           </a:p>
@@ -1365,7 +1366,7 @@
           <a:p>
             <a:fld id="{A1603105-CD7D-46BB-B5E1-D51F2A03682D}" type="datetimeFigureOut">
               <a:rPr lang="en-AU" smtClean="0"/>
-              <a:t>13/11/2016</a:t>
+              <a:t>14/11/2016</a:t>
             </a:fld>
             <a:endParaRPr lang="en-AU"/>
           </a:p>
@@ -1787,7 +1788,7 @@
           <a:p>
             <a:fld id="{A1603105-CD7D-46BB-B5E1-D51F2A03682D}" type="datetimeFigureOut">
               <a:rPr lang="en-AU" smtClean="0"/>
-              <a:t>13/11/2016</a:t>
+              <a:t>14/11/2016</a:t>
             </a:fld>
             <a:endParaRPr lang="en-AU"/>
           </a:p>
@@ -1905,7 +1906,7 @@
           <a:p>
             <a:fld id="{A1603105-CD7D-46BB-B5E1-D51F2A03682D}" type="datetimeFigureOut">
               <a:rPr lang="en-AU" smtClean="0"/>
-              <a:t>13/11/2016</a:t>
+              <a:t>14/11/2016</a:t>
             </a:fld>
             <a:endParaRPr lang="en-AU"/>
           </a:p>
@@ -2000,7 +2001,7 @@
           <a:p>
             <a:fld id="{A1603105-CD7D-46BB-B5E1-D51F2A03682D}" type="datetimeFigureOut">
               <a:rPr lang="en-AU" smtClean="0"/>
-              <a:t>13/11/2016</a:t>
+              <a:t>14/11/2016</a:t>
             </a:fld>
             <a:endParaRPr lang="en-AU"/>
           </a:p>
@@ -2277,7 +2278,7 @@
           <a:p>
             <a:fld id="{A1603105-CD7D-46BB-B5E1-D51F2A03682D}" type="datetimeFigureOut">
               <a:rPr lang="en-AU" smtClean="0"/>
-              <a:t>13/11/2016</a:t>
+              <a:t>14/11/2016</a:t>
             </a:fld>
             <a:endParaRPr lang="en-AU"/>
           </a:p>
@@ -2530,7 +2531,7 @@
           <a:p>
             <a:fld id="{A1603105-CD7D-46BB-B5E1-D51F2A03682D}" type="datetimeFigureOut">
               <a:rPr lang="en-AU" smtClean="0"/>
-              <a:t>13/11/2016</a:t>
+              <a:t>14/11/2016</a:t>
             </a:fld>
             <a:endParaRPr lang="en-AU"/>
           </a:p>
@@ -2743,7 +2744,7 @@
           <a:p>
             <a:fld id="{A1603105-CD7D-46BB-B5E1-D51F2A03682D}" type="datetimeFigureOut">
               <a:rPr lang="en-AU" smtClean="0"/>
-              <a:t>13/11/2016</a:t>
+              <a:t>14/11/2016</a:t>
             </a:fld>
             <a:endParaRPr lang="en-AU"/>
           </a:p>
@@ -3118,6 +3119,401 @@
           <a:chExt cx="0" cy="0"/>
         </a:xfrm>
       </p:grpSpPr>
+      <p:grpSp>
+        <p:nvGrpSpPr>
+          <p:cNvPr id="20" name="Group 19"/>
+          <p:cNvGrpSpPr/>
+          <p:nvPr/>
+        </p:nvGrpSpPr>
+        <p:grpSpPr>
+          <a:xfrm>
+            <a:off x="750764" y="2194749"/>
+            <a:ext cx="5207521" cy="3817411"/>
+            <a:chOff x="750764" y="2194749"/>
+            <a:chExt cx="5207521" cy="3817411"/>
+          </a:xfrm>
+        </p:grpSpPr>
+        <p:sp>
+          <p:nvSpPr>
+            <p:cNvPr id="4" name="Rounded Rectangle 3"/>
+            <p:cNvSpPr/>
+            <p:nvPr/>
+          </p:nvSpPr>
+          <p:spPr>
+            <a:xfrm>
+              <a:off x="750764" y="5220072"/>
+              <a:ext cx="2304256" cy="792088"/>
+            </a:xfrm>
+            <a:prstGeom prst="roundRect">
+              <a:avLst/>
+            </a:prstGeom>
+          </p:spPr>
+          <p:style>
+            <a:lnRef idx="2">
+              <a:schemeClr val="accent1">
+                <a:shade val="50000"/>
+              </a:schemeClr>
+            </a:lnRef>
+            <a:fillRef idx="1">
+              <a:schemeClr val="accent1"/>
+            </a:fillRef>
+            <a:effectRef idx="0">
+              <a:schemeClr val="accent1"/>
+            </a:effectRef>
+            <a:fontRef idx="minor">
+              <a:schemeClr val="lt1"/>
+            </a:fontRef>
+          </p:style>
+          <p:txBody>
+            <a:bodyPr rtlCol="0" anchor="ctr"/>
+            <a:lstStyle/>
+            <a:p>
+              <a:pPr algn="ctr"/>
+              <a:r>
+                <a:rPr lang="en-AU" dirty="0" smtClean="0"/>
+                <a:t>Poisson</a:t>
+              </a:r>
+              <a:endParaRPr lang="en-AU" dirty="0"/>
+            </a:p>
+          </p:txBody>
+        </p:sp>
+        <p:sp>
+          <p:nvSpPr>
+            <p:cNvPr id="7" name="Rounded Rectangle 6"/>
+            <p:cNvSpPr/>
+            <p:nvPr/>
+          </p:nvSpPr>
+          <p:spPr>
+            <a:xfrm>
+              <a:off x="3654029" y="5220072"/>
+              <a:ext cx="2304256" cy="792088"/>
+            </a:xfrm>
+            <a:prstGeom prst="roundRect">
+              <a:avLst/>
+            </a:prstGeom>
+          </p:spPr>
+          <p:style>
+            <a:lnRef idx="2">
+              <a:schemeClr val="accent1">
+                <a:shade val="50000"/>
+              </a:schemeClr>
+            </a:lnRef>
+            <a:fillRef idx="1">
+              <a:schemeClr val="accent1"/>
+            </a:fillRef>
+            <a:effectRef idx="0">
+              <a:schemeClr val="accent1"/>
+            </a:effectRef>
+            <a:fontRef idx="minor">
+              <a:schemeClr val="lt1"/>
+            </a:fontRef>
+          </p:style>
+          <p:txBody>
+            <a:bodyPr rtlCol="0" anchor="ctr"/>
+            <a:lstStyle/>
+            <a:p>
+              <a:pPr algn="ctr"/>
+              <a:r>
+                <a:rPr lang="en-AU" dirty="0" smtClean="0"/>
+                <a:t>Exponential</a:t>
+              </a:r>
+              <a:endParaRPr lang="en-AU" dirty="0"/>
+            </a:p>
+          </p:txBody>
+        </p:sp>
+        <p:sp>
+          <p:nvSpPr>
+            <p:cNvPr id="8" name="Rounded Rectangle 7"/>
+            <p:cNvSpPr/>
+            <p:nvPr/>
+          </p:nvSpPr>
+          <p:spPr>
+            <a:xfrm>
+              <a:off x="759271" y="3707904"/>
+              <a:ext cx="2287243" cy="792088"/>
+            </a:xfrm>
+            <a:prstGeom prst="roundRect">
+              <a:avLst/>
+            </a:prstGeom>
+          </p:spPr>
+          <p:style>
+            <a:lnRef idx="2">
+              <a:schemeClr val="accent1">
+                <a:shade val="50000"/>
+              </a:schemeClr>
+            </a:lnRef>
+            <a:fillRef idx="1">
+              <a:schemeClr val="accent1"/>
+            </a:fillRef>
+            <a:effectRef idx="0">
+              <a:schemeClr val="accent1"/>
+            </a:effectRef>
+            <a:fontRef idx="minor">
+              <a:schemeClr val="lt1"/>
+            </a:fontRef>
+          </p:style>
+          <p:txBody>
+            <a:bodyPr rtlCol="0" anchor="ctr"/>
+            <a:lstStyle/>
+            <a:p>
+              <a:pPr algn="ctr"/>
+              <a:r>
+                <a:rPr lang="en-AU" dirty="0" smtClean="0"/>
+                <a:t>Multinomial</a:t>
+              </a:r>
+              <a:endParaRPr lang="en-AU" dirty="0"/>
+            </a:p>
+          </p:txBody>
+        </p:sp>
+        <p:sp>
+          <p:nvSpPr>
+            <p:cNvPr id="9" name="Rounded Rectangle 8"/>
+            <p:cNvSpPr/>
+            <p:nvPr/>
+          </p:nvSpPr>
+          <p:spPr>
+            <a:xfrm>
+              <a:off x="3662037" y="3707904"/>
+              <a:ext cx="2287243" cy="792088"/>
+            </a:xfrm>
+            <a:prstGeom prst="roundRect">
+              <a:avLst/>
+            </a:prstGeom>
+          </p:spPr>
+          <p:style>
+            <a:lnRef idx="2">
+              <a:schemeClr val="accent1">
+                <a:shade val="50000"/>
+              </a:schemeClr>
+            </a:lnRef>
+            <a:fillRef idx="1">
+              <a:schemeClr val="accent1"/>
+            </a:fillRef>
+            <a:effectRef idx="0">
+              <a:schemeClr val="accent1"/>
+            </a:effectRef>
+            <a:fontRef idx="minor">
+              <a:schemeClr val="lt1"/>
+            </a:fontRef>
+          </p:style>
+          <p:txBody>
+            <a:bodyPr rtlCol="0" anchor="ctr"/>
+            <a:lstStyle/>
+            <a:p>
+              <a:pPr algn="ctr"/>
+              <a:r>
+                <a:rPr lang="en-AU" dirty="0" smtClean="0"/>
+                <a:t>Dirichlet</a:t>
+              </a:r>
+              <a:endParaRPr lang="en-AU" dirty="0"/>
+            </a:p>
+          </p:txBody>
+        </p:sp>
+        <p:sp>
+          <p:nvSpPr>
+            <p:cNvPr id="13" name="Rounded Rectangle 12"/>
+            <p:cNvSpPr/>
+            <p:nvPr/>
+          </p:nvSpPr>
+          <p:spPr>
+            <a:xfrm>
+              <a:off x="3662536" y="2194749"/>
+              <a:ext cx="2287243" cy="792088"/>
+            </a:xfrm>
+            <a:prstGeom prst="roundRect">
+              <a:avLst/>
+            </a:prstGeom>
+          </p:spPr>
+          <p:style>
+            <a:lnRef idx="2">
+              <a:schemeClr val="accent1">
+                <a:shade val="50000"/>
+              </a:schemeClr>
+            </a:lnRef>
+            <a:fillRef idx="1">
+              <a:schemeClr val="accent1"/>
+            </a:fillRef>
+            <a:effectRef idx="0">
+              <a:schemeClr val="accent1"/>
+            </a:effectRef>
+            <a:fontRef idx="minor">
+              <a:schemeClr val="lt1"/>
+            </a:fontRef>
+          </p:style>
+          <p:txBody>
+            <a:bodyPr rtlCol="0" anchor="ctr"/>
+            <a:lstStyle/>
+            <a:p>
+              <a:pPr algn="ctr"/>
+              <a:r>
+                <a:rPr lang="en-AU" dirty="0" smtClean="0"/>
+                <a:t>Dirichlet</a:t>
+              </a:r>
+              <a:endParaRPr lang="en-AU" dirty="0"/>
+            </a:p>
+          </p:txBody>
+        </p:sp>
+        <p:cxnSp>
+          <p:nvCxnSpPr>
+            <p:cNvPr id="14" name="Straight Connector 13"/>
+            <p:cNvCxnSpPr>
+              <a:stCxn id="8" idx="3"/>
+              <a:endCxn id="9" idx="1"/>
+            </p:cNvCxnSpPr>
+            <p:nvPr/>
+          </p:nvCxnSpPr>
+          <p:spPr>
+            <a:xfrm>
+              <a:off x="3046514" y="4103948"/>
+              <a:ext cx="615523" cy="0"/>
+            </a:xfrm>
+            <a:prstGeom prst="line">
+              <a:avLst/>
+            </a:prstGeom>
+            <a:ln w="28575"/>
+          </p:spPr>
+          <p:style>
+            <a:lnRef idx="1">
+              <a:schemeClr val="accent1"/>
+            </a:lnRef>
+            <a:fillRef idx="0">
+              <a:schemeClr val="accent1"/>
+            </a:fillRef>
+            <a:effectRef idx="0">
+              <a:schemeClr val="accent1"/>
+            </a:effectRef>
+            <a:fontRef idx="minor">
+              <a:schemeClr val="tx1"/>
+            </a:fontRef>
+          </p:style>
+        </p:cxnSp>
+        <p:cxnSp>
+          <p:nvCxnSpPr>
+            <p:cNvPr id="15" name="Straight Connector 14"/>
+            <p:cNvCxnSpPr/>
+            <p:nvPr/>
+          </p:nvCxnSpPr>
+          <p:spPr>
+            <a:xfrm>
+              <a:off x="3047013" y="5567289"/>
+              <a:ext cx="615523" cy="0"/>
+            </a:xfrm>
+            <a:prstGeom prst="line">
+              <a:avLst/>
+            </a:prstGeom>
+            <a:ln w="28575"/>
+          </p:spPr>
+          <p:style>
+            <a:lnRef idx="1">
+              <a:schemeClr val="accent1"/>
+            </a:lnRef>
+            <a:fillRef idx="0">
+              <a:schemeClr val="accent1"/>
+            </a:fillRef>
+            <a:effectRef idx="0">
+              <a:schemeClr val="accent1"/>
+            </a:effectRef>
+            <a:fontRef idx="minor">
+              <a:schemeClr val="tx1"/>
+            </a:fontRef>
+          </p:style>
+        </p:cxnSp>
+        <p:cxnSp>
+          <p:nvCxnSpPr>
+            <p:cNvPr id="17" name="Straight Connector 16"/>
+            <p:cNvCxnSpPr/>
+            <p:nvPr/>
+          </p:nvCxnSpPr>
+          <p:spPr>
+            <a:xfrm>
+              <a:off x="3354275" y="4103948"/>
+              <a:ext cx="499" cy="1463341"/>
+            </a:xfrm>
+            <a:prstGeom prst="line">
+              <a:avLst/>
+            </a:prstGeom>
+            <a:ln w="28575"/>
+          </p:spPr>
+          <p:style>
+            <a:lnRef idx="1">
+              <a:schemeClr val="accent1"/>
+            </a:lnRef>
+            <a:fillRef idx="0">
+              <a:schemeClr val="accent1"/>
+            </a:fillRef>
+            <a:effectRef idx="0">
+              <a:schemeClr val="accent1"/>
+            </a:effectRef>
+            <a:fontRef idx="minor">
+              <a:schemeClr val="tx1"/>
+            </a:fontRef>
+          </p:style>
+        </p:cxnSp>
+        <p:cxnSp>
+          <p:nvCxnSpPr>
+            <p:cNvPr id="19" name="Straight Connector 18"/>
+            <p:cNvCxnSpPr>
+              <a:stCxn id="13" idx="2"/>
+              <a:endCxn id="9" idx="0"/>
+            </p:cNvCxnSpPr>
+            <p:nvPr/>
+          </p:nvCxnSpPr>
+          <p:spPr>
+            <a:xfrm flipH="1">
+              <a:off x="4805659" y="2986837"/>
+              <a:ext cx="499" cy="721067"/>
+            </a:xfrm>
+            <a:prstGeom prst="line">
+              <a:avLst/>
+            </a:prstGeom>
+            <a:ln w="28575"/>
+          </p:spPr>
+          <p:style>
+            <a:lnRef idx="1">
+              <a:schemeClr val="accent1"/>
+            </a:lnRef>
+            <a:fillRef idx="0">
+              <a:schemeClr val="accent1"/>
+            </a:fillRef>
+            <a:effectRef idx="0">
+              <a:schemeClr val="accent1"/>
+            </a:effectRef>
+            <a:fontRef idx="minor">
+              <a:schemeClr val="tx1"/>
+            </a:fontRef>
+          </p:style>
+        </p:cxnSp>
+      </p:grpSp>
+    </p:spTree>
+    <p:extLst>
+      <p:ext uri="{BB962C8B-B14F-4D97-AF65-F5344CB8AC3E}">
+        <p14:creationId xmlns:p14="http://schemas.microsoft.com/office/powerpoint/2010/main" val="60961916"/>
+      </p:ext>
+    </p:extLst>
+  </p:cSld>
+  <p:clrMapOvr>
+    <a:masterClrMapping/>
+  </p:clrMapOvr>
+</p:sld>
+</file>
+
+<file path=ppt/slides/slide2.xml><?xml version="1.0" encoding="utf-8"?>
+<p:sld xmlns:a="http://schemas.openxmlformats.org/drawingml/2006/main" xmlns:r="http://schemas.openxmlformats.org/officeDocument/2006/relationships" xmlns:p="http://schemas.openxmlformats.org/presentationml/2006/main">
+  <p:cSld>
+    <p:spTree>
+      <p:nvGrpSpPr>
+        <p:cNvPr id="1" name=""/>
+        <p:cNvGrpSpPr/>
+        <p:nvPr/>
+      </p:nvGrpSpPr>
+      <p:grpSpPr>
+        <a:xfrm>
+          <a:off x="0" y="0"/>
+          <a:ext cx="0" cy="0"/>
+          <a:chOff x="0" y="0"/>
+          <a:chExt cx="0" cy="0"/>
+        </a:xfrm>
+      </p:grpSpPr>
       <mc:AlternateContent xmlns:mc="http://schemas.openxmlformats.org/markup-compatibility/2006" xmlns:a14="http://schemas.microsoft.com/office/drawing/2010/main">
         <mc:Choice Requires="a14">
           <p:graphicFrame>
@@ -3129,7 +3525,7 @@
               <p:nvPr>
                 <p:extLst>
                   <p:ext uri="{D42A27DB-BD31-4B8C-83A1-F6EECF244321}">
-                    <p14:modId xmlns:p14="http://schemas.microsoft.com/office/powerpoint/2010/main" val="2083847375"/>
+                    <p14:modId xmlns:p14="http://schemas.microsoft.com/office/powerpoint/2010/main" val="1125300631"/>
                   </p:ext>
                 </p:extLst>
               </p:nvPr>
@@ -3148,35 +3544,35 @@
                     <a:gridCol w="785093">
                       <a:extLst>
                         <a:ext uri="{9D8B030D-6E8A-4147-A177-3AD203B41FA5}">
-                          <a16:colId xmlns:a16="http://schemas.microsoft.com/office/drawing/2014/main" val="2070464311"/>
+                          <a16:colId xmlns:a16="http://schemas.microsoft.com/office/drawing/2014/main" xmlns="" val="2070464311"/>
                         </a:ext>
                       </a:extLst>
                     </a:gridCol>
                     <a:gridCol w="478556">
                       <a:extLst>
                         <a:ext uri="{9D8B030D-6E8A-4147-A177-3AD203B41FA5}">
-                          <a16:colId xmlns:a16="http://schemas.microsoft.com/office/drawing/2014/main" val="2814482158"/>
+                          <a16:colId xmlns:a16="http://schemas.microsoft.com/office/drawing/2014/main" xmlns="" val="2814482158"/>
                         </a:ext>
                       </a:extLst>
                     </a:gridCol>
                     <a:gridCol w="631826">
                       <a:extLst>
                         <a:ext uri="{9D8B030D-6E8A-4147-A177-3AD203B41FA5}">
-                          <a16:colId xmlns:a16="http://schemas.microsoft.com/office/drawing/2014/main" val="3449075261"/>
+                          <a16:colId xmlns:a16="http://schemas.microsoft.com/office/drawing/2014/main" xmlns="" val="3449075261"/>
                         </a:ext>
                       </a:extLst>
                     </a:gridCol>
                     <a:gridCol w="631826">
                       <a:extLst>
                         <a:ext uri="{9D8B030D-6E8A-4147-A177-3AD203B41FA5}">
-                          <a16:colId xmlns:a16="http://schemas.microsoft.com/office/drawing/2014/main" val="1813670796"/>
+                          <a16:colId xmlns:a16="http://schemas.microsoft.com/office/drawing/2014/main" xmlns="" val="1813670796"/>
                         </a:ext>
                       </a:extLst>
                     </a:gridCol>
                     <a:gridCol w="631826">
                       <a:extLst>
                         <a:ext uri="{9D8B030D-6E8A-4147-A177-3AD203B41FA5}">
-                          <a16:colId xmlns:a16="http://schemas.microsoft.com/office/drawing/2014/main" val="1994465920"/>
+                          <a16:colId xmlns:a16="http://schemas.microsoft.com/office/drawing/2014/main" xmlns="" val="1994465920"/>
                         </a:ext>
                       </a:extLst>
                     </a:gridCol>
@@ -3202,7 +3598,7 @@
                                           <a:schemeClr val="tx1"/>
                                         </a:solidFill>
                                         <a:effectLst/>
-                                        <a:latin typeface="Cambria Math" panose="02040503050406030204" pitchFamily="18" charset="0"/>
+                                        <a:latin typeface="Cambria Math"/>
                                         <a:ea typeface="+mn-ea"/>
                                         <a:cs typeface="+mn-cs"/>
                                       </a:rPr>
@@ -3304,7 +3700,7 @@
                                         <a:schemeClr val="tx1"/>
                                       </a:solidFill>
                                       <a:effectLst/>
-                                      <a:latin typeface="Cambria Math" panose="02040503050406030204" pitchFamily="18" charset="0"/>
+                                      <a:latin typeface="Cambria Math"/>
                                       <a:ea typeface="+mn-ea"/>
                                       <a:cs typeface="+mn-cs"/>
                                     </a:rPr>
@@ -3399,7 +3795,7 @@
                                           <a:schemeClr val="tx1"/>
                                         </a:solidFill>
                                         <a:effectLst/>
-                                        <a:latin typeface="Cambria Math" panose="02040503050406030204" pitchFamily="18" charset="0"/>
+                                        <a:latin typeface="Cambria Math"/>
                                         <a:ea typeface="+mn-ea"/>
                                         <a:cs typeface="+mn-cs"/>
                                       </a:rPr>
@@ -3442,7 +3838,7 @@
                                           <a:schemeClr val="tx1"/>
                                         </a:solidFill>
                                         <a:effectLst/>
-                                        <a:latin typeface="Cambria Math" panose="02040503050406030204" pitchFamily="18" charset="0"/>
+                                        <a:latin typeface="Cambria Math"/>
                                         <a:ea typeface="+mn-ea"/>
                                         <a:cs typeface="+mn-cs"/>
                                       </a:rPr>
@@ -3457,7 +3853,7 @@
                                               <a:schemeClr val="tx1"/>
                                             </a:solidFill>
                                             <a:effectLst/>
-                                            <a:latin typeface="Cambria Math" panose="02040503050406030204" pitchFamily="18" charset="0"/>
+                                            <a:latin typeface="Cambria Math"/>
                                             <a:ea typeface="+mn-ea"/>
                                             <a:cs typeface="+mn-cs"/>
                                           </a:rPr>
@@ -3555,7 +3951,7 @@
                                           <a:schemeClr val="tx1"/>
                                         </a:solidFill>
                                         <a:effectLst/>
-                                        <a:latin typeface="Cambria Math" panose="02040503050406030204" pitchFamily="18" charset="0"/>
+                                        <a:latin typeface="Cambria Math"/>
                                         <a:ea typeface="+mn-ea"/>
                                         <a:cs typeface="+mn-cs"/>
                                       </a:rPr>
@@ -3598,7 +3994,7 @@
                                           <a:schemeClr val="tx1"/>
                                         </a:solidFill>
                                         <a:effectLst/>
-                                        <a:latin typeface="Cambria Math" panose="02040503050406030204" pitchFamily="18" charset="0"/>
+                                        <a:latin typeface="Cambria Math"/>
                                         <a:ea typeface="+mn-ea"/>
                                         <a:cs typeface="+mn-cs"/>
                                       </a:rPr>
@@ -3613,7 +4009,7 @@
                                               <a:schemeClr val="tx1"/>
                                             </a:solidFill>
                                             <a:effectLst/>
-                                            <a:latin typeface="Cambria Math" panose="02040503050406030204" pitchFamily="18" charset="0"/>
+                                            <a:latin typeface="Cambria Math"/>
                                             <a:ea typeface="+mn-ea"/>
                                             <a:cs typeface="+mn-cs"/>
                                           </a:rPr>
@@ -3711,7 +4107,7 @@
                                           <a:schemeClr val="tx1"/>
                                         </a:solidFill>
                                         <a:effectLst/>
-                                        <a:latin typeface="Cambria Math" panose="02040503050406030204" pitchFamily="18" charset="0"/>
+                                        <a:latin typeface="Cambria Math"/>
                                         <a:ea typeface="+mn-ea"/>
                                         <a:cs typeface="+mn-cs"/>
                                       </a:rPr>
@@ -3754,7 +4150,7 @@
                                           <a:schemeClr val="tx1"/>
                                         </a:solidFill>
                                         <a:effectLst/>
-                                        <a:latin typeface="Cambria Math" panose="02040503050406030204" pitchFamily="18" charset="0"/>
+                                        <a:latin typeface="Cambria Math"/>
                                         <a:ea typeface="+mn-ea"/>
                                         <a:cs typeface="+mn-cs"/>
                                       </a:rPr>
@@ -3769,7 +4165,7 @@
                                               <a:schemeClr val="tx1"/>
                                             </a:solidFill>
                                             <a:effectLst/>
-                                            <a:latin typeface="Cambria Math" panose="02040503050406030204" pitchFamily="18" charset="0"/>
+                                            <a:latin typeface="Cambria Math"/>
                                             <a:ea typeface="+mn-ea"/>
                                             <a:cs typeface="+mn-cs"/>
                                           </a:rPr>
@@ -3855,7 +4251,7 @@
                     </a:tc>
                     <a:extLst>
                       <a:ext uri="{0D108BD9-81ED-4DB2-BD59-A6C34878D82A}">
-                        <a16:rowId xmlns:a16="http://schemas.microsoft.com/office/drawing/2014/main" val="3176941515"/>
+                        <a16:rowId xmlns:a16="http://schemas.microsoft.com/office/drawing/2014/main" xmlns="" val="3176941515"/>
                       </a:ext>
                     </a:extLst>
                   </a:tr>
@@ -4088,7 +4484,7 @@
                     </a:tc>
                     <a:extLst>
                       <a:ext uri="{0D108BD9-81ED-4DB2-BD59-A6C34878D82A}">
-                        <a16:rowId xmlns:a16="http://schemas.microsoft.com/office/drawing/2014/main" val="2673339703"/>
+                        <a16:rowId xmlns:a16="http://schemas.microsoft.com/office/drawing/2014/main" xmlns="" val="2673339703"/>
                       </a:ext>
                     </a:extLst>
                   </a:tr>
@@ -4282,7 +4678,7 @@
                     </a:tc>
                     <a:extLst>
                       <a:ext uri="{0D108BD9-81ED-4DB2-BD59-A6C34878D82A}">
-                        <a16:rowId xmlns:a16="http://schemas.microsoft.com/office/drawing/2014/main" val="2736953877"/>
+                        <a16:rowId xmlns:a16="http://schemas.microsoft.com/office/drawing/2014/main" xmlns="" val="2736953877"/>
                       </a:ext>
                     </a:extLst>
                   </a:tr>
@@ -4485,7 +4881,7 @@
                     </a:tc>
                     <a:extLst>
                       <a:ext uri="{0D108BD9-81ED-4DB2-BD59-A6C34878D82A}">
-                        <a16:rowId xmlns:a16="http://schemas.microsoft.com/office/drawing/2014/main" val="935999974"/>
+                        <a16:rowId xmlns:a16="http://schemas.microsoft.com/office/drawing/2014/main" xmlns="" val="935999974"/>
                       </a:ext>
                     </a:extLst>
                   </a:tr>
@@ -4679,7 +5075,7 @@
                     </a:tc>
                     <a:extLst>
                       <a:ext uri="{0D108BD9-81ED-4DB2-BD59-A6C34878D82A}">
-                        <a16:rowId xmlns:a16="http://schemas.microsoft.com/office/drawing/2014/main" val="3527595651"/>
+                        <a16:rowId xmlns:a16="http://schemas.microsoft.com/office/drawing/2014/main" xmlns="" val="3527595651"/>
                       </a:ext>
                     </a:extLst>
                   </a:tr>
@@ -4873,7 +5269,7 @@
                     </a:tc>
                     <a:extLst>
                       <a:ext uri="{0D108BD9-81ED-4DB2-BD59-A6C34878D82A}">
-                        <a16:rowId xmlns:a16="http://schemas.microsoft.com/office/drawing/2014/main" val="2500584138"/>
+                        <a16:rowId xmlns:a16="http://schemas.microsoft.com/office/drawing/2014/main" xmlns="" val="2500584138"/>
                       </a:ext>
                     </a:extLst>
                   </a:tr>
@@ -5067,7 +5463,7 @@
                     </a:tc>
                     <a:extLst>
                       <a:ext uri="{0D108BD9-81ED-4DB2-BD59-A6C34878D82A}">
-                        <a16:rowId xmlns:a16="http://schemas.microsoft.com/office/drawing/2014/main" val="1644191295"/>
+                        <a16:rowId xmlns:a16="http://schemas.microsoft.com/office/drawing/2014/main" xmlns="" val="1644191295"/>
                       </a:ext>
                     </a:extLst>
                   </a:tr>
@@ -5261,7 +5657,7 @@
                     </a:tc>
                     <a:extLst>
                       <a:ext uri="{0D108BD9-81ED-4DB2-BD59-A6C34878D82A}">
-                        <a16:rowId xmlns:a16="http://schemas.microsoft.com/office/drawing/2014/main" val="2249276370"/>
+                        <a16:rowId xmlns:a16="http://schemas.microsoft.com/office/drawing/2014/main" xmlns="" val="2249276370"/>
                       </a:ext>
                     </a:extLst>
                   </a:tr>
@@ -5455,7 +5851,7 @@
                     </a:tc>
                     <a:extLst>
                       <a:ext uri="{0D108BD9-81ED-4DB2-BD59-A6C34878D82A}">
-                        <a16:rowId xmlns:a16="http://schemas.microsoft.com/office/drawing/2014/main" val="889951462"/>
+                        <a16:rowId xmlns:a16="http://schemas.microsoft.com/office/drawing/2014/main" xmlns="" val="889951462"/>
                       </a:ext>
                     </a:extLst>
                   </a:tr>
@@ -5679,7 +6075,7 @@
                     </a:tc>
                     <a:extLst>
                       <a:ext uri="{0D108BD9-81ED-4DB2-BD59-A6C34878D82A}">
-                        <a16:rowId xmlns:a16="http://schemas.microsoft.com/office/drawing/2014/main" val="141707935"/>
+                        <a16:rowId xmlns:a16="http://schemas.microsoft.com/office/drawing/2014/main" xmlns="" val="141707935"/>
                       </a:ext>
                     </a:extLst>
                   </a:tr>
@@ -7920,7 +8316,7 @@
     </p:spTree>
     <p:extLst>
       <p:ext uri="{BB962C8B-B14F-4D97-AF65-F5344CB8AC3E}">
-        <p14:creationId xmlns:p14="http://schemas.microsoft.com/office/powerpoint/2010/main" val="60961916"/>
+        <p14:creationId xmlns:p14="http://schemas.microsoft.com/office/powerpoint/2010/main" val="3899916956"/>
       </p:ext>
     </p:extLst>
   </p:cSld>
@@ -7930,7 +8326,7 @@
 </p:sld>
 </file>
 
-<file path=ppt/slides/slide2.xml><?xml version="1.0" encoding="utf-8"?>
+<file path=ppt/slides/slide3.xml><?xml version="1.0" encoding="utf-8"?>
 <p:sld xmlns:a="http://schemas.openxmlformats.org/drawingml/2006/main" xmlns:r="http://schemas.openxmlformats.org/officeDocument/2006/relationships" xmlns:p="http://schemas.openxmlformats.org/presentationml/2006/main">
   <p:cSld>
     <p:spTree>
@@ -7977,35 +8373,35 @@
                     <a:gridCol w="785093">
                       <a:extLst>
                         <a:ext uri="{9D8B030D-6E8A-4147-A177-3AD203B41FA5}">
-                          <a16:colId xmlns:a16="http://schemas.microsoft.com/office/drawing/2014/main" val="2070464311"/>
+                          <a16:colId xmlns:a16="http://schemas.microsoft.com/office/drawing/2014/main" xmlns="" val="2070464311"/>
                         </a:ext>
                       </a:extLst>
                     </a:gridCol>
                     <a:gridCol w="478557">
                       <a:extLst>
                         <a:ext uri="{9D8B030D-6E8A-4147-A177-3AD203B41FA5}">
-                          <a16:colId xmlns:a16="http://schemas.microsoft.com/office/drawing/2014/main" val="2814482158"/>
+                          <a16:colId xmlns:a16="http://schemas.microsoft.com/office/drawing/2014/main" xmlns="" val="2814482158"/>
                         </a:ext>
                       </a:extLst>
                     </a:gridCol>
                     <a:gridCol w="631825">
                       <a:extLst>
                         <a:ext uri="{9D8B030D-6E8A-4147-A177-3AD203B41FA5}">
-                          <a16:colId xmlns:a16="http://schemas.microsoft.com/office/drawing/2014/main" val="3449075261"/>
+                          <a16:colId xmlns:a16="http://schemas.microsoft.com/office/drawing/2014/main" xmlns="" val="3449075261"/>
                         </a:ext>
                       </a:extLst>
                     </a:gridCol>
                     <a:gridCol w="631825">
                       <a:extLst>
                         <a:ext uri="{9D8B030D-6E8A-4147-A177-3AD203B41FA5}">
-                          <a16:colId xmlns:a16="http://schemas.microsoft.com/office/drawing/2014/main" val="1813670796"/>
+                          <a16:colId xmlns:a16="http://schemas.microsoft.com/office/drawing/2014/main" xmlns="" val="1813670796"/>
                         </a:ext>
                       </a:extLst>
                     </a:gridCol>
                     <a:gridCol w="631825">
                       <a:extLst>
                         <a:ext uri="{9D8B030D-6E8A-4147-A177-3AD203B41FA5}">
-                          <a16:colId xmlns:a16="http://schemas.microsoft.com/office/drawing/2014/main" val="1994465920"/>
+                          <a16:colId xmlns:a16="http://schemas.microsoft.com/office/drawing/2014/main" xmlns="" val="1994465920"/>
                         </a:ext>
                       </a:extLst>
                     </a:gridCol>
@@ -8031,7 +8427,7 @@
                                           <a:schemeClr val="tx1"/>
                                         </a:solidFill>
                                         <a:effectLst/>
-                                        <a:latin typeface="Cambria Math" panose="02040503050406030204" pitchFamily="18" charset="0"/>
+                                        <a:latin typeface="Cambria Math"/>
                                         <a:ea typeface="+mn-ea"/>
                                         <a:cs typeface="+mn-cs"/>
                                       </a:rPr>
@@ -8133,7 +8529,7 @@
                                         <a:schemeClr val="tx1"/>
                                       </a:solidFill>
                                       <a:effectLst/>
-                                      <a:latin typeface="Cambria Math" panose="02040503050406030204" pitchFamily="18" charset="0"/>
+                                      <a:latin typeface="Cambria Math"/>
                                       <a:ea typeface="+mn-ea"/>
                                       <a:cs typeface="+mn-cs"/>
                                     </a:rPr>
@@ -8228,7 +8624,7 @@
                                           <a:schemeClr val="tx1"/>
                                         </a:solidFill>
                                         <a:effectLst/>
-                                        <a:latin typeface="Cambria Math" panose="02040503050406030204" pitchFamily="18" charset="0"/>
+                                        <a:latin typeface="Cambria Math"/>
                                         <a:ea typeface="+mn-ea"/>
                                         <a:cs typeface="+mn-cs"/>
                                       </a:rPr>
@@ -8271,7 +8667,7 @@
                                           <a:schemeClr val="tx1"/>
                                         </a:solidFill>
                                         <a:effectLst/>
-                                        <a:latin typeface="Cambria Math" panose="02040503050406030204" pitchFamily="18" charset="0"/>
+                                        <a:latin typeface="Cambria Math"/>
                                         <a:ea typeface="+mn-ea"/>
                                         <a:cs typeface="+mn-cs"/>
                                       </a:rPr>
@@ -8286,7 +8682,7 @@
                                               <a:schemeClr val="tx1"/>
                                             </a:solidFill>
                                             <a:effectLst/>
-                                            <a:latin typeface="Cambria Math" panose="02040503050406030204" pitchFamily="18" charset="0"/>
+                                            <a:latin typeface="Cambria Math"/>
                                             <a:ea typeface="+mn-ea"/>
                                             <a:cs typeface="+mn-cs"/>
                                           </a:rPr>
@@ -8384,7 +8780,7 @@
                                           <a:schemeClr val="tx1"/>
                                         </a:solidFill>
                                         <a:effectLst/>
-                                        <a:latin typeface="Cambria Math" panose="02040503050406030204" pitchFamily="18" charset="0"/>
+                                        <a:latin typeface="Cambria Math"/>
                                         <a:ea typeface="+mn-ea"/>
                                         <a:cs typeface="+mn-cs"/>
                                       </a:rPr>
@@ -8427,7 +8823,7 @@
                                           <a:schemeClr val="tx1"/>
                                         </a:solidFill>
                                         <a:effectLst/>
-                                        <a:latin typeface="Cambria Math" panose="02040503050406030204" pitchFamily="18" charset="0"/>
+                                        <a:latin typeface="Cambria Math"/>
                                         <a:ea typeface="+mn-ea"/>
                                         <a:cs typeface="+mn-cs"/>
                                       </a:rPr>
@@ -8442,7 +8838,7 @@
                                               <a:schemeClr val="tx1"/>
                                             </a:solidFill>
                                             <a:effectLst/>
-                                            <a:latin typeface="Cambria Math" panose="02040503050406030204" pitchFamily="18" charset="0"/>
+                                            <a:latin typeface="Cambria Math"/>
                                             <a:ea typeface="+mn-ea"/>
                                             <a:cs typeface="+mn-cs"/>
                                           </a:rPr>
@@ -8540,7 +8936,7 @@
                                           <a:schemeClr val="tx1"/>
                                         </a:solidFill>
                                         <a:effectLst/>
-                                        <a:latin typeface="Cambria Math" panose="02040503050406030204" pitchFamily="18" charset="0"/>
+                                        <a:latin typeface="Cambria Math"/>
                                         <a:ea typeface="+mn-ea"/>
                                         <a:cs typeface="+mn-cs"/>
                                       </a:rPr>
@@ -8583,7 +8979,7 @@
                                           <a:schemeClr val="tx1"/>
                                         </a:solidFill>
                                         <a:effectLst/>
-                                        <a:latin typeface="Cambria Math" panose="02040503050406030204" pitchFamily="18" charset="0"/>
+                                        <a:latin typeface="Cambria Math"/>
                                         <a:ea typeface="+mn-ea"/>
                                         <a:cs typeface="+mn-cs"/>
                                       </a:rPr>
@@ -8598,7 +8994,7 @@
                                               <a:schemeClr val="tx1"/>
                                             </a:solidFill>
                                             <a:effectLst/>
-                                            <a:latin typeface="Cambria Math" panose="02040503050406030204" pitchFamily="18" charset="0"/>
+                                            <a:latin typeface="Cambria Math"/>
                                             <a:ea typeface="+mn-ea"/>
                                             <a:cs typeface="+mn-cs"/>
                                           </a:rPr>
@@ -8684,7 +9080,7 @@
                     </a:tc>
                     <a:extLst>
                       <a:ext uri="{0D108BD9-81ED-4DB2-BD59-A6C34878D82A}">
-                        <a16:rowId xmlns:a16="http://schemas.microsoft.com/office/drawing/2014/main" val="3176941515"/>
+                        <a16:rowId xmlns:a16="http://schemas.microsoft.com/office/drawing/2014/main" xmlns="" val="3176941515"/>
                       </a:ext>
                     </a:extLst>
                   </a:tr>
@@ -8917,7 +9313,7 @@
                     </a:tc>
                     <a:extLst>
                       <a:ext uri="{0D108BD9-81ED-4DB2-BD59-A6C34878D82A}">
-                        <a16:rowId xmlns:a16="http://schemas.microsoft.com/office/drawing/2014/main" val="2673339703"/>
+                        <a16:rowId xmlns:a16="http://schemas.microsoft.com/office/drawing/2014/main" xmlns="" val="2673339703"/>
                       </a:ext>
                     </a:extLst>
                   </a:tr>
@@ -9111,7 +9507,7 @@
                     </a:tc>
                     <a:extLst>
                       <a:ext uri="{0D108BD9-81ED-4DB2-BD59-A6C34878D82A}">
-                        <a16:rowId xmlns:a16="http://schemas.microsoft.com/office/drawing/2014/main" val="2736953877"/>
+                        <a16:rowId xmlns:a16="http://schemas.microsoft.com/office/drawing/2014/main" xmlns="" val="2736953877"/>
                       </a:ext>
                     </a:extLst>
                   </a:tr>
@@ -9314,7 +9710,7 @@
                     </a:tc>
                     <a:extLst>
                       <a:ext uri="{0D108BD9-81ED-4DB2-BD59-A6C34878D82A}">
-                        <a16:rowId xmlns:a16="http://schemas.microsoft.com/office/drawing/2014/main" val="935999974"/>
+                        <a16:rowId xmlns:a16="http://schemas.microsoft.com/office/drawing/2014/main" xmlns="" val="935999974"/>
                       </a:ext>
                     </a:extLst>
                   </a:tr>
@@ -9508,7 +9904,7 @@
                     </a:tc>
                     <a:extLst>
                       <a:ext uri="{0D108BD9-81ED-4DB2-BD59-A6C34878D82A}">
-                        <a16:rowId xmlns:a16="http://schemas.microsoft.com/office/drawing/2014/main" val="3527595651"/>
+                        <a16:rowId xmlns:a16="http://schemas.microsoft.com/office/drawing/2014/main" xmlns="" val="3527595651"/>
                       </a:ext>
                     </a:extLst>
                   </a:tr>
@@ -9702,7 +10098,7 @@
                     </a:tc>
                     <a:extLst>
                       <a:ext uri="{0D108BD9-81ED-4DB2-BD59-A6C34878D82A}">
-                        <a16:rowId xmlns:a16="http://schemas.microsoft.com/office/drawing/2014/main" val="2500584138"/>
+                        <a16:rowId xmlns:a16="http://schemas.microsoft.com/office/drawing/2014/main" xmlns="" val="2500584138"/>
                       </a:ext>
                     </a:extLst>
                   </a:tr>
@@ -9896,7 +10292,7 @@
                     </a:tc>
                     <a:extLst>
                       <a:ext uri="{0D108BD9-81ED-4DB2-BD59-A6C34878D82A}">
-                        <a16:rowId xmlns:a16="http://schemas.microsoft.com/office/drawing/2014/main" val="1644191295"/>
+                        <a16:rowId xmlns:a16="http://schemas.microsoft.com/office/drawing/2014/main" xmlns="" val="1644191295"/>
                       </a:ext>
                     </a:extLst>
                   </a:tr>
@@ -10090,7 +10486,7 @@
                     </a:tc>
                     <a:extLst>
                       <a:ext uri="{0D108BD9-81ED-4DB2-BD59-A6C34878D82A}">
-                        <a16:rowId xmlns:a16="http://schemas.microsoft.com/office/drawing/2014/main" val="2249276370"/>
+                        <a16:rowId xmlns:a16="http://schemas.microsoft.com/office/drawing/2014/main" xmlns="" val="2249276370"/>
                       </a:ext>
                     </a:extLst>
                   </a:tr>
@@ -10284,7 +10680,7 @@
                     </a:tc>
                     <a:extLst>
                       <a:ext uri="{0D108BD9-81ED-4DB2-BD59-A6C34878D82A}">
-                        <a16:rowId xmlns:a16="http://schemas.microsoft.com/office/drawing/2014/main" val="889951462"/>
+                        <a16:rowId xmlns:a16="http://schemas.microsoft.com/office/drawing/2014/main" xmlns="" val="889951462"/>
                       </a:ext>
                     </a:extLst>
                   </a:tr>
@@ -10508,7 +10904,7 @@
                     </a:tc>
                     <a:extLst>
                       <a:ext uri="{0D108BD9-81ED-4DB2-BD59-A6C34878D82A}">
-                        <a16:rowId xmlns:a16="http://schemas.microsoft.com/office/drawing/2014/main" val="141707935"/>
+                        <a16:rowId xmlns:a16="http://schemas.microsoft.com/office/drawing/2014/main" xmlns="" val="141707935"/>
                       </a:ext>
                     </a:extLst>
                   </a:tr>
@@ -12825,7 +13221,7 @@
 </p:sld>
 </file>
 
-<file path=ppt/slides/slide3.xml><?xml version="1.0" encoding="utf-8"?>
+<file path=ppt/slides/slide4.xml><?xml version="1.0" encoding="utf-8"?>
 <p:sld xmlns:a="http://schemas.openxmlformats.org/drawingml/2006/main" xmlns:r="http://schemas.openxmlformats.org/officeDocument/2006/relationships" xmlns:p="http://schemas.openxmlformats.org/presentationml/2006/main">
   <p:cSld>
     <p:spTree>
@@ -12872,35 +13268,35 @@
                     <a:gridCol w="785093">
                       <a:extLst>
                         <a:ext uri="{9D8B030D-6E8A-4147-A177-3AD203B41FA5}">
-                          <a16:colId xmlns:a16="http://schemas.microsoft.com/office/drawing/2014/main" val="2070464311"/>
+                          <a16:colId xmlns:a16="http://schemas.microsoft.com/office/drawing/2014/main" xmlns="" val="2070464311"/>
                         </a:ext>
                       </a:extLst>
                     </a:gridCol>
                     <a:gridCol w="478557">
                       <a:extLst>
                         <a:ext uri="{9D8B030D-6E8A-4147-A177-3AD203B41FA5}">
-                          <a16:colId xmlns:a16="http://schemas.microsoft.com/office/drawing/2014/main" val="2814482158"/>
+                          <a16:colId xmlns:a16="http://schemas.microsoft.com/office/drawing/2014/main" xmlns="" val="2814482158"/>
                         </a:ext>
                       </a:extLst>
                     </a:gridCol>
                     <a:gridCol w="631825">
                       <a:extLst>
                         <a:ext uri="{9D8B030D-6E8A-4147-A177-3AD203B41FA5}">
-                          <a16:colId xmlns:a16="http://schemas.microsoft.com/office/drawing/2014/main" val="3449075261"/>
+                          <a16:colId xmlns:a16="http://schemas.microsoft.com/office/drawing/2014/main" xmlns="" val="3449075261"/>
                         </a:ext>
                       </a:extLst>
                     </a:gridCol>
                     <a:gridCol w="631825">
                       <a:extLst>
                         <a:ext uri="{9D8B030D-6E8A-4147-A177-3AD203B41FA5}">
-                          <a16:colId xmlns:a16="http://schemas.microsoft.com/office/drawing/2014/main" val="1813670796"/>
+                          <a16:colId xmlns:a16="http://schemas.microsoft.com/office/drawing/2014/main" xmlns="" val="1813670796"/>
                         </a:ext>
                       </a:extLst>
                     </a:gridCol>
                     <a:gridCol w="631825">
                       <a:extLst>
                         <a:ext uri="{9D8B030D-6E8A-4147-A177-3AD203B41FA5}">
-                          <a16:colId xmlns:a16="http://schemas.microsoft.com/office/drawing/2014/main" val="1994465920"/>
+                          <a16:colId xmlns:a16="http://schemas.microsoft.com/office/drawing/2014/main" xmlns="" val="1994465920"/>
                         </a:ext>
                       </a:extLst>
                     </a:gridCol>
@@ -12926,7 +13322,7 @@
                                           <a:schemeClr val="tx1"/>
                                         </a:solidFill>
                                         <a:effectLst/>
-                                        <a:latin typeface="Cambria Math" panose="02040503050406030204" pitchFamily="18" charset="0"/>
+                                        <a:latin typeface="Cambria Math"/>
                                         <a:ea typeface="+mn-ea"/>
                                         <a:cs typeface="+mn-cs"/>
                                       </a:rPr>
@@ -13028,7 +13424,7 @@
                                         <a:schemeClr val="tx1"/>
                                       </a:solidFill>
                                       <a:effectLst/>
-                                      <a:latin typeface="Cambria Math" panose="02040503050406030204" pitchFamily="18" charset="0"/>
+                                      <a:latin typeface="Cambria Math"/>
                                       <a:ea typeface="+mn-ea"/>
                                       <a:cs typeface="+mn-cs"/>
                                     </a:rPr>
@@ -13123,7 +13519,7 @@
                                           <a:schemeClr val="tx1"/>
                                         </a:solidFill>
                                         <a:effectLst/>
-                                        <a:latin typeface="Cambria Math" panose="02040503050406030204" pitchFamily="18" charset="0"/>
+                                        <a:latin typeface="Cambria Math"/>
                                         <a:ea typeface="+mn-ea"/>
                                         <a:cs typeface="+mn-cs"/>
                                       </a:rPr>
@@ -13166,7 +13562,7 @@
                                           <a:schemeClr val="tx1"/>
                                         </a:solidFill>
                                         <a:effectLst/>
-                                        <a:latin typeface="Cambria Math" panose="02040503050406030204" pitchFamily="18" charset="0"/>
+                                        <a:latin typeface="Cambria Math"/>
                                         <a:ea typeface="+mn-ea"/>
                                         <a:cs typeface="+mn-cs"/>
                                       </a:rPr>
@@ -13181,7 +13577,7 @@
                                               <a:schemeClr val="tx1"/>
                                             </a:solidFill>
                                             <a:effectLst/>
-                                            <a:latin typeface="Cambria Math" panose="02040503050406030204" pitchFamily="18" charset="0"/>
+                                            <a:latin typeface="Cambria Math"/>
                                             <a:ea typeface="+mn-ea"/>
                                             <a:cs typeface="+mn-cs"/>
                                           </a:rPr>
@@ -13279,7 +13675,7 @@
                                           <a:schemeClr val="tx1"/>
                                         </a:solidFill>
                                         <a:effectLst/>
-                                        <a:latin typeface="Cambria Math" panose="02040503050406030204" pitchFamily="18" charset="0"/>
+                                        <a:latin typeface="Cambria Math"/>
                                         <a:ea typeface="+mn-ea"/>
                                         <a:cs typeface="+mn-cs"/>
                                       </a:rPr>
@@ -13322,7 +13718,7 @@
                                           <a:schemeClr val="tx1"/>
                                         </a:solidFill>
                                         <a:effectLst/>
-                                        <a:latin typeface="Cambria Math" panose="02040503050406030204" pitchFamily="18" charset="0"/>
+                                        <a:latin typeface="Cambria Math"/>
                                         <a:ea typeface="+mn-ea"/>
                                         <a:cs typeface="+mn-cs"/>
                                       </a:rPr>
@@ -13337,7 +13733,7 @@
                                               <a:schemeClr val="tx1"/>
                                             </a:solidFill>
                                             <a:effectLst/>
-                                            <a:latin typeface="Cambria Math" panose="02040503050406030204" pitchFamily="18" charset="0"/>
+                                            <a:latin typeface="Cambria Math"/>
                                             <a:ea typeface="+mn-ea"/>
                                             <a:cs typeface="+mn-cs"/>
                                           </a:rPr>
@@ -13435,7 +13831,7 @@
                                           <a:schemeClr val="tx1"/>
                                         </a:solidFill>
                                         <a:effectLst/>
-                                        <a:latin typeface="Cambria Math" panose="02040503050406030204" pitchFamily="18" charset="0"/>
+                                        <a:latin typeface="Cambria Math"/>
                                         <a:ea typeface="+mn-ea"/>
                                         <a:cs typeface="+mn-cs"/>
                                       </a:rPr>
@@ -13478,7 +13874,7 @@
                                           <a:schemeClr val="tx1"/>
                                         </a:solidFill>
                                         <a:effectLst/>
-                                        <a:latin typeface="Cambria Math" panose="02040503050406030204" pitchFamily="18" charset="0"/>
+                                        <a:latin typeface="Cambria Math"/>
                                         <a:ea typeface="+mn-ea"/>
                                         <a:cs typeface="+mn-cs"/>
                                       </a:rPr>
@@ -13493,7 +13889,7 @@
                                               <a:schemeClr val="tx1"/>
                                             </a:solidFill>
                                             <a:effectLst/>
-                                            <a:latin typeface="Cambria Math" panose="02040503050406030204" pitchFamily="18" charset="0"/>
+                                            <a:latin typeface="Cambria Math"/>
                                             <a:ea typeface="+mn-ea"/>
                                             <a:cs typeface="+mn-cs"/>
                                           </a:rPr>
@@ -13579,7 +13975,7 @@
                     </a:tc>
                     <a:extLst>
                       <a:ext uri="{0D108BD9-81ED-4DB2-BD59-A6C34878D82A}">
-                        <a16:rowId xmlns:a16="http://schemas.microsoft.com/office/drawing/2014/main" val="3176941515"/>
+                        <a16:rowId xmlns:a16="http://schemas.microsoft.com/office/drawing/2014/main" xmlns="" val="3176941515"/>
                       </a:ext>
                     </a:extLst>
                   </a:tr>
@@ -13812,7 +14208,7 @@
                     </a:tc>
                     <a:extLst>
                       <a:ext uri="{0D108BD9-81ED-4DB2-BD59-A6C34878D82A}">
-                        <a16:rowId xmlns:a16="http://schemas.microsoft.com/office/drawing/2014/main" val="2673339703"/>
+                        <a16:rowId xmlns:a16="http://schemas.microsoft.com/office/drawing/2014/main" xmlns="" val="2673339703"/>
                       </a:ext>
                     </a:extLst>
                   </a:tr>
@@ -14006,7 +14402,7 @@
                     </a:tc>
                     <a:extLst>
                       <a:ext uri="{0D108BD9-81ED-4DB2-BD59-A6C34878D82A}">
-                        <a16:rowId xmlns:a16="http://schemas.microsoft.com/office/drawing/2014/main" val="2736953877"/>
+                        <a16:rowId xmlns:a16="http://schemas.microsoft.com/office/drawing/2014/main" xmlns="" val="2736953877"/>
                       </a:ext>
                     </a:extLst>
                   </a:tr>
@@ -14209,7 +14605,7 @@
                     </a:tc>
                     <a:extLst>
                       <a:ext uri="{0D108BD9-81ED-4DB2-BD59-A6C34878D82A}">
-                        <a16:rowId xmlns:a16="http://schemas.microsoft.com/office/drawing/2014/main" val="935999974"/>
+                        <a16:rowId xmlns:a16="http://schemas.microsoft.com/office/drawing/2014/main" xmlns="" val="935999974"/>
                       </a:ext>
                     </a:extLst>
                   </a:tr>
@@ -14403,7 +14799,7 @@
                     </a:tc>
                     <a:extLst>
                       <a:ext uri="{0D108BD9-81ED-4DB2-BD59-A6C34878D82A}">
-                        <a16:rowId xmlns:a16="http://schemas.microsoft.com/office/drawing/2014/main" val="3527595651"/>
+                        <a16:rowId xmlns:a16="http://schemas.microsoft.com/office/drawing/2014/main" xmlns="" val="3527595651"/>
                       </a:ext>
                     </a:extLst>
                   </a:tr>
@@ -14597,7 +14993,7 @@
                     </a:tc>
                     <a:extLst>
                       <a:ext uri="{0D108BD9-81ED-4DB2-BD59-A6C34878D82A}">
-                        <a16:rowId xmlns:a16="http://schemas.microsoft.com/office/drawing/2014/main" val="2249276370"/>
+                        <a16:rowId xmlns:a16="http://schemas.microsoft.com/office/drawing/2014/main" xmlns="" val="2249276370"/>
                       </a:ext>
                     </a:extLst>
                   </a:tr>
@@ -14821,7 +15217,7 @@
                     </a:tc>
                     <a:extLst>
                       <a:ext uri="{0D108BD9-81ED-4DB2-BD59-A6C34878D82A}">
-                        <a16:rowId xmlns:a16="http://schemas.microsoft.com/office/drawing/2014/main" val="889951462"/>
+                        <a16:rowId xmlns:a16="http://schemas.microsoft.com/office/drawing/2014/main" xmlns="" val="889951462"/>
                       </a:ext>
                     </a:extLst>
                   </a:tr>
@@ -16475,7 +16871,7 @@
 </p:sld>
 </file>
 
-<file path=ppt/slides/slide4.xml><?xml version="1.0" encoding="utf-8"?>
+<file path=ppt/slides/slide5.xml><?xml version="1.0" encoding="utf-8"?>
 <p:sld xmlns:a="http://schemas.openxmlformats.org/drawingml/2006/main" xmlns:r="http://schemas.openxmlformats.org/officeDocument/2006/relationships" xmlns:p="http://schemas.openxmlformats.org/presentationml/2006/main">
   <p:cSld>
     <p:spTree>
@@ -16596,7 +16992,7 @@
 </p:sld>
 </file>
 
-<file path=ppt/slides/slide5.xml><?xml version="1.0" encoding="utf-8"?>
+<file path=ppt/slides/slide6.xml><?xml version="1.0" encoding="utf-8"?>
 <p:sld xmlns:a="http://schemas.openxmlformats.org/drawingml/2006/main" xmlns:r="http://schemas.openxmlformats.org/officeDocument/2006/relationships" xmlns:p="http://schemas.openxmlformats.org/presentationml/2006/main">
   <p:cSld>
     <p:spTree>
@@ -16717,7 +17113,7 @@
 </p:sld>
 </file>
 
-<file path=ppt/slides/slide6.xml><?xml version="1.0" encoding="utf-8"?>
+<file path=ppt/slides/slide7.xml><?xml version="1.0" encoding="utf-8"?>
 <p:sld xmlns:a="http://schemas.openxmlformats.org/drawingml/2006/main" xmlns:r="http://schemas.openxmlformats.org/officeDocument/2006/relationships" xmlns:p="http://schemas.openxmlformats.org/presentationml/2006/main">
   <p:cSld>
     <p:spTree>
@@ -16838,7 +17234,7 @@
 </p:sld>
 </file>
 
-<file path=ppt/slides/slide7.xml><?xml version="1.0" encoding="utf-8"?>
+<file path=ppt/slides/slide8.xml><?xml version="1.0" encoding="utf-8"?>
 <p:sld xmlns:a="http://schemas.openxmlformats.org/drawingml/2006/main" xmlns:r="http://schemas.openxmlformats.org/officeDocument/2006/relationships" xmlns:p="http://schemas.openxmlformats.org/presentationml/2006/main">
   <p:cSld>
     <p:spTree>
@@ -16959,7 +17355,7 @@
 </p:sld>
 </file>
 
-<file path=ppt/slides/slide8.xml><?xml version="1.0" encoding="utf-8"?>
+<file path=ppt/slides/slide9.xml><?xml version="1.0" encoding="utf-8"?>
 <p:sld xmlns:a="http://schemas.openxmlformats.org/drawingml/2006/main" xmlns:r="http://schemas.openxmlformats.org/officeDocument/2006/relationships" xmlns:p="http://schemas.openxmlformats.org/presentationml/2006/main">
   <p:cSld>
     <p:spTree>

--- a/resources/IgFamily.pptx
+++ b/resources/IgFamily.pptx
@@ -114,7 +114,7 @@
   </p:defaultTextStyle>
   <p:extLst>
     <p:ext uri="{EFAFB233-063F-42B5-8137-9DF3F51BA10A}">
-      <p15:sldGuideLst xmlns:p15="http://schemas.microsoft.com/office/powerpoint/2012/main" xmlns="">
+      <p15:sldGuideLst xmlns:p15="http://schemas.microsoft.com/office/powerpoint/2012/main">
         <p15:guide id="1" orient="horz" pos="2880">
           <p15:clr>
             <a:srgbClr val="A4A3A4"/>
@@ -3170,10 +3170,9 @@
             <a:p>
               <a:pPr algn="ctr"/>
               <a:r>
-                <a:rPr lang="en-AU" dirty="0" smtClean="0"/>
+                <a:rPr lang="en-AU" dirty="0"/>
                 <a:t>Poisson</a:t>
               </a:r>
-              <a:endParaRPr lang="en-AU" dirty="0"/>
             </a:p>
           </p:txBody>
         </p:sp>
@@ -3214,10 +3213,9 @@
             <a:p>
               <a:pPr algn="ctr"/>
               <a:r>
-                <a:rPr lang="en-AU" dirty="0" smtClean="0"/>
+                <a:rPr lang="en-AU" dirty="0"/>
                 <a:t>Exponential</a:t>
               </a:r>
-              <a:endParaRPr lang="en-AU" dirty="0"/>
             </a:p>
           </p:txBody>
         </p:sp>
@@ -3258,10 +3256,9 @@
             <a:p>
               <a:pPr algn="ctr"/>
               <a:r>
-                <a:rPr lang="en-AU" dirty="0" smtClean="0"/>
+                <a:rPr lang="en-AU" dirty="0"/>
                 <a:t>Multinomial</a:t>
               </a:r>
-              <a:endParaRPr lang="en-AU" dirty="0"/>
             </a:p>
           </p:txBody>
         </p:sp>
@@ -3302,10 +3299,9 @@
             <a:p>
               <a:pPr algn="ctr"/>
               <a:r>
-                <a:rPr lang="en-AU" dirty="0" smtClean="0"/>
+                <a:rPr lang="en-AU" dirty="0"/>
                 <a:t>Dirichlet</a:t>
               </a:r>
-              <a:endParaRPr lang="en-AU" dirty="0"/>
             </a:p>
           </p:txBody>
         </p:sp>
@@ -3346,10 +3342,9 @@
             <a:p>
               <a:pPr algn="ctr"/>
               <a:r>
-                <a:rPr lang="en-AU" dirty="0" smtClean="0"/>
+                <a:rPr lang="en-AU" dirty="0"/>
                 <a:t>Dirichlet</a:t>
               </a:r>
-              <a:endParaRPr lang="en-AU" dirty="0"/>
             </a:p>
           </p:txBody>
         </p:sp>
@@ -3514,8 +3509,8 @@
           <a:chExt cx="0" cy="0"/>
         </a:xfrm>
       </p:grpSpPr>
-      <mc:AlternateContent xmlns:mc="http://schemas.openxmlformats.org/markup-compatibility/2006" xmlns:a14="http://schemas.microsoft.com/office/drawing/2010/main">
-        <mc:Choice Requires="a14">
+      <mc:AlternateContent xmlns:mc="http://schemas.openxmlformats.org/markup-compatibility/2006">
+        <mc:Choice xmlns:a14="http://schemas.microsoft.com/office/drawing/2010/main" Requires="a14">
           <p:graphicFrame>
             <p:nvGraphicFramePr>
               <p:cNvPr id="11" name="Table 10"/>
@@ -3525,7 +3520,7 @@
               <p:nvPr>
                 <p:extLst>
                   <p:ext uri="{D42A27DB-BD31-4B8C-83A1-F6EECF244321}">
-                    <p14:modId xmlns:p14="http://schemas.microsoft.com/office/powerpoint/2010/main" val="1125300631"/>
+                    <p14:modId xmlns:p14="http://schemas.microsoft.com/office/powerpoint/2010/main" val="3492260019"/>
                   </p:ext>
                 </p:extLst>
               </p:nvPr>
@@ -3544,40 +3539,169 @@
                     <a:gridCol w="785093">
                       <a:extLst>
                         <a:ext uri="{9D8B030D-6E8A-4147-A177-3AD203B41FA5}">
-                          <a16:colId xmlns:a16="http://schemas.microsoft.com/office/drawing/2014/main" xmlns="" val="2070464311"/>
+                          <a16:colId xmlns:a16="http://schemas.microsoft.com/office/drawing/2014/main" val="2070464311"/>
                         </a:ext>
                       </a:extLst>
                     </a:gridCol>
                     <a:gridCol w="478556">
                       <a:extLst>
                         <a:ext uri="{9D8B030D-6E8A-4147-A177-3AD203B41FA5}">
-                          <a16:colId xmlns:a16="http://schemas.microsoft.com/office/drawing/2014/main" xmlns="" val="2814482158"/>
+                          <a16:colId xmlns:a16="http://schemas.microsoft.com/office/drawing/2014/main" val="2814482158"/>
                         </a:ext>
                       </a:extLst>
                     </a:gridCol>
                     <a:gridCol w="631826">
                       <a:extLst>
                         <a:ext uri="{9D8B030D-6E8A-4147-A177-3AD203B41FA5}">
-                          <a16:colId xmlns:a16="http://schemas.microsoft.com/office/drawing/2014/main" xmlns="" val="3449075261"/>
+                          <a16:colId xmlns:a16="http://schemas.microsoft.com/office/drawing/2014/main" val="3449075261"/>
                         </a:ext>
                       </a:extLst>
                     </a:gridCol>
                     <a:gridCol w="631826">
                       <a:extLst>
                         <a:ext uri="{9D8B030D-6E8A-4147-A177-3AD203B41FA5}">
-                          <a16:colId xmlns:a16="http://schemas.microsoft.com/office/drawing/2014/main" xmlns="" val="1813670796"/>
+                          <a16:colId xmlns:a16="http://schemas.microsoft.com/office/drawing/2014/main" val="1813670796"/>
                         </a:ext>
                       </a:extLst>
                     </a:gridCol>
                     <a:gridCol w="631826">
                       <a:extLst>
                         <a:ext uri="{9D8B030D-6E8A-4147-A177-3AD203B41FA5}">
-                          <a16:colId xmlns:a16="http://schemas.microsoft.com/office/drawing/2014/main" xmlns="" val="1994465920"/>
+                          <a16:colId xmlns:a16="http://schemas.microsoft.com/office/drawing/2014/main" val="1994465920"/>
                         </a:ext>
                       </a:extLst>
                     </a:gridCol>
                   </a:tblGrid>
                   <a:tr h="504055">
+                    <a:tc>
+                      <a:txBody>
+                        <a:bodyPr/>
+                        <a:lstStyle/>
+                        <a:p>
+                          <a:pPr algn="ctr"/>
+                          <a14:m>
+                            <m:oMathPara xmlns:m="http://schemas.openxmlformats.org/officeDocument/2006/math">
+                              <m:oMathParaPr>
+                                <m:jc m:val="centerGroup"/>
+                              </m:oMathParaPr>
+                              <m:oMath xmlns:m="http://schemas.openxmlformats.org/officeDocument/2006/math">
+                                <m:r>
+                                  <a:rPr lang="en-AU" sz="1100" b="1" i="1" kern="1200" smtClean="0">
+                                    <a:solidFill>
+                                      <a:schemeClr val="tx1"/>
+                                    </a:solidFill>
+                                    <a:effectLst/>
+                                    <a:latin typeface="Cambria Math" panose="02040503050406030204" pitchFamily="18" charset="0"/>
+                                    <a:ea typeface="+mn-ea"/>
+                                    <a:cs typeface="+mn-cs"/>
+                                  </a:rPr>
+                                  <m:t>𝒑</m:t>
+                                </m:r>
+                              </m:oMath>
+                            </m:oMathPara>
+                          </a14:m>
+                          <a:endParaRPr lang="en-AU" sz="1100" dirty="0"/>
+                        </a:p>
+                      </a:txBody>
+                      <a:tcPr anchor="ctr">
+                        <a:lnL w="12700" cap="flat" cmpd="sng" algn="ctr">
+                          <a:solidFill>
+                            <a:schemeClr val="tx1"/>
+                          </a:solidFill>
+                          <a:prstDash val="solid"/>
+                          <a:round/>
+                          <a:headEnd type="none" w="med" len="med"/>
+                          <a:tailEnd type="none" w="med" len="med"/>
+                        </a:lnL>
+                        <a:lnR>
+                          <a:noFill/>
+                        </a:lnR>
+                        <a:lnT w="12700" cap="flat" cmpd="sng" algn="ctr">
+                          <a:solidFill>
+                            <a:schemeClr val="tx1"/>
+                          </a:solidFill>
+                          <a:prstDash val="solid"/>
+                          <a:round/>
+                          <a:headEnd type="none" w="med" len="med"/>
+                          <a:tailEnd type="none" w="med" len="med"/>
+                        </a:lnT>
+                        <a:lnB w="12700" cap="flat" cmpd="sng" algn="ctr">
+                          <a:solidFill>
+                            <a:schemeClr val="tx1"/>
+                          </a:solidFill>
+                          <a:prstDash val="solid"/>
+                          <a:round/>
+                          <a:headEnd type="none" w="med" len="med"/>
+                          <a:tailEnd type="none" w="med" len="med"/>
+                        </a:lnB>
+                        <a:lnTlToBr w="12700" cmpd="sng">
+                          <a:noFill/>
+                          <a:prstDash val="solid"/>
+                        </a:lnTlToBr>
+                        <a:lnBlToTr w="12700" cmpd="sng">
+                          <a:noFill/>
+                          <a:prstDash val="solid"/>
+                        </a:lnBlToTr>
+                      </a:tcPr>
+                    </a:tc>
+                    <a:tc>
+                      <a:txBody>
+                        <a:bodyPr/>
+                        <a:lstStyle/>
+                        <a:p>
+                          <a:pPr algn="ctr"/>
+                          <a:r>
+                            <a:rPr lang="en-AU" sz="1100" b="1" i="1" dirty="0"/>
+                            <a:t>#</a:t>
+                          </a:r>
+                          <a14:m>
+                            <m:oMath xmlns:m="http://schemas.openxmlformats.org/officeDocument/2006/math">
+                              <m:r>
+                                <a:rPr lang="en-AU" sz="1100" b="1" i="1" smtClean="0">
+                                  <a:latin typeface="Cambria Math" panose="02040503050406030204" pitchFamily="18" charset="0"/>
+                                </a:rPr>
+                                <m:t>𝒑</m:t>
+                              </m:r>
+                            </m:oMath>
+                          </a14:m>
+                          <a:endParaRPr lang="en-AU" sz="1100" b="1" i="1" dirty="0"/>
+                        </a:p>
+                      </a:txBody>
+                      <a:tcPr anchor="ctr">
+                        <a:lnL>
+                          <a:noFill/>
+                        </a:lnL>
+                        <a:lnR>
+                          <a:noFill/>
+                        </a:lnR>
+                        <a:lnT w="12700" cap="flat" cmpd="sng" algn="ctr">
+                          <a:solidFill>
+                            <a:schemeClr val="tx1"/>
+                          </a:solidFill>
+                          <a:prstDash val="solid"/>
+                          <a:round/>
+                          <a:headEnd type="none" w="med" len="med"/>
+                          <a:tailEnd type="none" w="med" len="med"/>
+                        </a:lnT>
+                        <a:lnB w="12700" cap="flat" cmpd="sng" algn="ctr">
+                          <a:solidFill>
+                            <a:schemeClr val="tx1"/>
+                          </a:solidFill>
+                          <a:prstDash val="solid"/>
+                          <a:round/>
+                          <a:headEnd type="none" w="med" len="med"/>
+                          <a:tailEnd type="none" w="med" len="med"/>
+                        </a:lnB>
+                        <a:lnTlToBr w="12700" cmpd="sng">
+                          <a:noFill/>
+                          <a:prstDash val="solid"/>
+                        </a:lnTlToBr>
+                        <a:lnBlToTr w="12700" cmpd="sng">
+                          <a:noFill/>
+                          <a:prstDash val="solid"/>
+                        </a:lnBlToTr>
+                      </a:tcPr>
+                    </a:tc>
                     <a:tc>
                       <a:txBody>
                         <a:bodyPr/>
@@ -3593,12 +3717,12 @@
                                 <m:sSub>
                                   <m:sSubPr>
                                     <m:ctrlPr>
-                                      <a:rPr lang="en-AU" sz="1200" b="1" i="1" kern="1200" smtClean="0">
+                                      <a:rPr lang="en-AU" sz="1100" b="1" i="1" kern="1200" smtClean="0">
                                         <a:solidFill>
                                           <a:schemeClr val="tx1"/>
                                         </a:solidFill>
                                         <a:effectLst/>
-                                        <a:latin typeface="Cambria Math"/>
+                                        <a:latin typeface="Cambria Math" panose="02040503050406030204" pitchFamily="18" charset="0"/>
                                         <a:ea typeface="+mn-ea"/>
                                         <a:cs typeface="+mn-cs"/>
                                       </a:rPr>
@@ -3606,204 +3730,7 @@
                                   </m:sSubPr>
                                   <m:e>
                                     <m:r>
-                                      <a:rPr lang="en-AU" sz="1200" b="1" i="1" kern="1200">
-                                        <a:solidFill>
-                                          <a:schemeClr val="tx1"/>
-                                        </a:solidFill>
-                                        <a:effectLst/>
-                                        <a:latin typeface="Cambria Math"/>
-                                        <a:ea typeface="+mn-ea"/>
-                                        <a:cs typeface="+mn-cs"/>
-                                      </a:rPr>
-                                      <m:t>𝑷</m:t>
-                                    </m:r>
-                                  </m:e>
-                                  <m:sub>
-                                    <m:r>
-                                      <a:rPr lang="en-AU" sz="1200" b="1" i="1" kern="1200">
-                                        <a:solidFill>
-                                          <a:schemeClr val="tx1"/>
-                                        </a:solidFill>
-                                        <a:effectLst/>
-                                        <a:latin typeface="Cambria Math"/>
-                                        <a:ea typeface="+mn-ea"/>
-                                        <a:cs typeface="+mn-cs"/>
-                                      </a:rPr>
-                                      <m:t>𝒊</m:t>
-                                    </m:r>
-                                  </m:sub>
-                                </m:sSub>
-                              </m:oMath>
-                            </m:oMathPara>
-                          </a14:m>
-                          <a:endParaRPr lang="en-AU" sz="1200" dirty="0"/>
-                        </a:p>
-                      </a:txBody>
-                      <a:tcPr anchor="ctr">
-                        <a:lnL w="12700" cap="flat" cmpd="sng" algn="ctr">
-                          <a:solidFill>
-                            <a:schemeClr val="tx1"/>
-                          </a:solidFill>
-                          <a:prstDash val="solid"/>
-                          <a:round/>
-                          <a:headEnd type="none" w="med" len="med"/>
-                          <a:tailEnd type="none" w="med" len="med"/>
-                        </a:lnL>
-                        <a:lnR>
-                          <a:noFill/>
-                        </a:lnR>
-                        <a:lnT w="12700" cap="flat" cmpd="sng" algn="ctr">
-                          <a:solidFill>
-                            <a:schemeClr val="tx1"/>
-                          </a:solidFill>
-                          <a:prstDash val="solid"/>
-                          <a:round/>
-                          <a:headEnd type="none" w="med" len="med"/>
-                          <a:tailEnd type="none" w="med" len="med"/>
-                        </a:lnT>
-                        <a:lnB w="12700" cap="flat" cmpd="sng" algn="ctr">
-                          <a:solidFill>
-                            <a:schemeClr val="tx1"/>
-                          </a:solidFill>
-                          <a:prstDash val="solid"/>
-                          <a:round/>
-                          <a:headEnd type="none" w="med" len="med"/>
-                          <a:tailEnd type="none" w="med" len="med"/>
-                        </a:lnB>
-                        <a:lnTlToBr w="12700" cmpd="sng">
-                          <a:noFill/>
-                          <a:prstDash val="solid"/>
-                        </a:lnTlToBr>
-                        <a:lnBlToTr w="12700" cmpd="sng">
-                          <a:noFill/>
-                          <a:prstDash val="solid"/>
-                        </a:lnBlToTr>
-                      </a:tcPr>
-                    </a:tc>
-                    <a:tc>
-                      <a:txBody>
-                        <a:bodyPr/>
-                        <a:lstStyle/>
-                        <a:p>
-                          <a:pPr algn="ctr"/>
-                          <a:r>
-                            <a:rPr lang="en-AU" sz="1200" b="1" i="1"/>
-                            <a:t>#</a:t>
-                          </a:r>
-                          <a14:m>
-                            <m:oMath xmlns:m="http://schemas.openxmlformats.org/officeDocument/2006/math">
-                              <m:sSub>
-                                <m:sSubPr>
-                                  <m:ctrlPr>
-                                    <a:rPr lang="en-AU" sz="1200" b="1" i="1" kern="1200" smtClean="0">
-                                      <a:solidFill>
-                                        <a:schemeClr val="tx1"/>
-                                      </a:solidFill>
-                                      <a:effectLst/>
-                                      <a:latin typeface="Cambria Math"/>
-                                      <a:ea typeface="+mn-ea"/>
-                                      <a:cs typeface="+mn-cs"/>
-                                    </a:rPr>
-                                  </m:ctrlPr>
-                                </m:sSubPr>
-                                <m:e>
-                                  <m:r>
-                                    <a:rPr lang="en-AU" sz="1200" b="1" i="1" kern="1200">
-                                      <a:solidFill>
-                                        <a:schemeClr val="tx1"/>
-                                      </a:solidFill>
-                                      <a:effectLst/>
-                                      <a:latin typeface="Cambria Math"/>
-                                      <a:ea typeface="+mn-ea"/>
-                                      <a:cs typeface="+mn-cs"/>
-                                    </a:rPr>
-                                    <m:t>𝑷</m:t>
-                                  </m:r>
-                                </m:e>
-                                <m:sub>
-                                  <m:r>
-                                    <a:rPr lang="en-AU" sz="1200" b="1" i="1" kern="1200">
-                                      <a:solidFill>
-                                        <a:schemeClr val="tx1"/>
-                                      </a:solidFill>
-                                      <a:effectLst/>
-                                      <a:latin typeface="Cambria Math"/>
-                                      <a:ea typeface="+mn-ea"/>
-                                      <a:cs typeface="+mn-cs"/>
-                                    </a:rPr>
-                                    <m:t>𝒊</m:t>
-                                  </m:r>
-                                </m:sub>
-                              </m:sSub>
-                            </m:oMath>
-                          </a14:m>
-                          <a:endParaRPr lang="en-AU" sz="1200" b="1" i="1" dirty="0"/>
-                        </a:p>
-                      </a:txBody>
-                      <a:tcPr anchor="ctr">
-                        <a:lnL>
-                          <a:noFill/>
-                        </a:lnL>
-                        <a:lnR>
-                          <a:noFill/>
-                        </a:lnR>
-                        <a:lnT w="12700" cap="flat" cmpd="sng" algn="ctr">
-                          <a:solidFill>
-                            <a:schemeClr val="tx1"/>
-                          </a:solidFill>
-                          <a:prstDash val="solid"/>
-                          <a:round/>
-                          <a:headEnd type="none" w="med" len="med"/>
-                          <a:tailEnd type="none" w="med" len="med"/>
-                        </a:lnT>
-                        <a:lnB w="12700" cap="flat" cmpd="sng" algn="ctr">
-                          <a:solidFill>
-                            <a:schemeClr val="tx1"/>
-                          </a:solidFill>
-                          <a:prstDash val="solid"/>
-                          <a:round/>
-                          <a:headEnd type="none" w="med" len="med"/>
-                          <a:tailEnd type="none" w="med" len="med"/>
-                        </a:lnB>
-                        <a:lnTlToBr w="12700" cmpd="sng">
-                          <a:noFill/>
-                          <a:prstDash val="solid"/>
-                        </a:lnTlToBr>
-                        <a:lnBlToTr w="12700" cmpd="sng">
-                          <a:noFill/>
-                          <a:prstDash val="solid"/>
-                        </a:lnBlToTr>
-                      </a:tcPr>
-                    </a:tc>
-                    <a:tc>
-                      <a:txBody>
-                        <a:bodyPr/>
-                        <a:lstStyle/>
-                        <a:p>
-                          <a:pPr algn="ctr"/>
-                          <a14:m>
-                            <m:oMathPara xmlns:m="http://schemas.openxmlformats.org/officeDocument/2006/math">
-                              <m:oMathParaPr>
-                                <m:jc m:val="centerGroup"/>
-                              </m:oMathParaPr>
-                              <m:oMath xmlns:m="http://schemas.openxmlformats.org/officeDocument/2006/math">
-                                <m:sSub>
-                                  <m:sSubPr>
-                                    <m:ctrlPr>
-                                      <a:rPr lang="en-AU" sz="1200" b="1" i="1" kern="1200" smtClean="0">
-                                        <a:solidFill>
-                                          <a:schemeClr val="tx1"/>
-                                        </a:solidFill>
-                                        <a:effectLst/>
-                                        <a:latin typeface="Cambria Math"/>
-                                        <a:ea typeface="+mn-ea"/>
-                                        <a:cs typeface="+mn-cs"/>
-                                      </a:rPr>
-                                    </m:ctrlPr>
-                                  </m:sSubPr>
-                                  <m:e>
-                                    <m:r>
-                                      <a:rPr lang="en-AU" sz="1200" b="1" i="1" kern="1200">
+                                      <a:rPr lang="en-AU" sz="1100" b="1" i="1" kern="1200">
                                         <a:solidFill>
                                           <a:schemeClr val="tx1"/>
                                         </a:solidFill>
@@ -3817,83 +3744,76 @@
                                   </m:e>
                                   <m:sub>
                                     <m:r>
-                                      <a:rPr lang="en-AU" sz="1200" b="1" i="1" kern="1200">
+                                      <a:rPr lang="en-AU" sz="1100" b="1" i="1" kern="1200" smtClean="0">
                                         <a:solidFill>
                                           <a:schemeClr val="tx1"/>
                                         </a:solidFill>
                                         <a:effectLst/>
-                                        <a:latin typeface="Cambria Math"/>
+                                        <a:latin typeface="Cambria Math" panose="02040503050406030204" pitchFamily="18" charset="0"/>
                                         <a:ea typeface="+mn-ea"/>
                                         <a:cs typeface="+mn-cs"/>
                                       </a:rPr>
-                                      <m:t>𝒌</m:t>
+                                      <m:t>𝟏</m:t>
+                                    </m:r>
+                                    <m:r>
+                                      <a:rPr lang="en-AU" sz="1100" b="1" i="1" kern="1200" smtClean="0">
+                                        <a:solidFill>
+                                          <a:schemeClr val="tx1"/>
+                                        </a:solidFill>
+                                        <a:effectLst/>
+                                        <a:latin typeface="Cambria Math" panose="02040503050406030204" pitchFamily="18" charset="0"/>
+                                        <a:ea typeface="+mn-ea"/>
+                                        <a:cs typeface="+mn-cs"/>
+                                      </a:rPr>
+                                      <m:t>−</m:t>
+                                    </m:r>
+                                    <m:r>
+                                      <a:rPr lang="en-AU" sz="1100" b="1" i="1" kern="1200" smtClean="0">
+                                        <a:solidFill>
+                                          <a:schemeClr val="tx1"/>
+                                        </a:solidFill>
+                                        <a:effectLst/>
+                                        <a:latin typeface="Cambria Math" panose="02040503050406030204" pitchFamily="18" charset="0"/>
+                                        <a:ea typeface="+mn-ea"/>
+                                        <a:cs typeface="+mn-cs"/>
+                                      </a:rPr>
+                                      <m:t>𝟔𝟗</m:t>
                                     </m:r>
                                   </m:sub>
                                 </m:sSub>
                                 <m:d>
                                   <m:dPr>
                                     <m:ctrlPr>
-                                      <a:rPr lang="en-AU" sz="1200" b="1" i="1" kern="1200">
+                                      <a:rPr lang="en-AU" sz="1100" b="1" i="1" kern="1200">
                                         <a:solidFill>
                                           <a:schemeClr val="tx1"/>
                                         </a:solidFill>
                                         <a:effectLst/>
-                                        <a:latin typeface="Cambria Math"/>
+                                        <a:latin typeface="Cambria Math" panose="02040503050406030204" pitchFamily="18" charset="0"/>
                                         <a:ea typeface="+mn-ea"/>
                                         <a:cs typeface="+mn-cs"/>
                                       </a:rPr>
                                     </m:ctrlPr>
                                   </m:dPr>
                                   <m:e>
-                                    <m:sSub>
-                                      <m:sSubPr>
-                                        <m:ctrlPr>
-                                          <a:rPr lang="en-AU" sz="1200" b="1" i="1" kern="1200">
-                                            <a:solidFill>
-                                              <a:schemeClr val="tx1"/>
-                                            </a:solidFill>
-                                            <a:effectLst/>
-                                            <a:latin typeface="Cambria Math"/>
-                                            <a:ea typeface="+mn-ea"/>
-                                            <a:cs typeface="+mn-cs"/>
-                                          </a:rPr>
-                                        </m:ctrlPr>
-                                      </m:sSubPr>
-                                      <m:e>
-                                        <m:r>
-                                          <a:rPr lang="en-AU" sz="1200" b="1" i="1" kern="1200">
-                                            <a:solidFill>
-                                              <a:schemeClr val="tx1"/>
-                                            </a:solidFill>
-                                            <a:effectLst/>
-                                            <a:latin typeface="Cambria Math"/>
-                                            <a:ea typeface="+mn-ea"/>
-                                            <a:cs typeface="+mn-cs"/>
-                                          </a:rPr>
-                                          <m:t>𝑷</m:t>
-                                        </m:r>
-                                      </m:e>
-                                      <m:sub>
-                                        <m:r>
-                                          <a:rPr lang="en-AU" sz="1200" b="1" i="1" kern="1200">
-                                            <a:solidFill>
-                                              <a:schemeClr val="tx1"/>
-                                            </a:solidFill>
-                                            <a:effectLst/>
-                                            <a:latin typeface="Cambria Math"/>
-                                            <a:ea typeface="+mn-ea"/>
-                                            <a:cs typeface="+mn-cs"/>
-                                          </a:rPr>
-                                          <m:t>𝒊</m:t>
-                                        </m:r>
-                                      </m:sub>
-                                    </m:sSub>
+                                    <m:r>
+                                      <a:rPr lang="en-AU" sz="1100" b="1" i="1" kern="1200" smtClean="0">
+                                        <a:solidFill>
+                                          <a:schemeClr val="tx1"/>
+                                        </a:solidFill>
+                                        <a:effectLst/>
+                                        <a:latin typeface="Cambria Math" panose="02040503050406030204" pitchFamily="18" charset="0"/>
+                                        <a:ea typeface="+mn-ea"/>
+                                        <a:cs typeface="+mn-cs"/>
+                                      </a:rPr>
+                                      <m:t>𝒑</m:t>
+                                    </m:r>
                                   </m:e>
                                 </m:d>
                               </m:oMath>
                             </m:oMathPara>
                           </a14:m>
-                          <a:endParaRPr lang="en-AU" sz="1200" dirty="0"/>
+                          <a:endParaRPr lang="en-AU" sz="1100" dirty="0"/>
                         </a:p>
                       </a:txBody>
                       <a:tcPr anchor="ctr">
@@ -3946,12 +3866,12 @@
                                 <m:sSub>
                                   <m:sSubPr>
                                     <m:ctrlPr>
-                                      <a:rPr lang="en-AU" sz="1200" b="1" i="1" kern="1200" smtClean="0">
+                                      <a:rPr lang="en-AU" sz="1100" b="1" i="1" kern="1200" smtClean="0">
                                         <a:solidFill>
                                           <a:schemeClr val="tx1"/>
                                         </a:solidFill>
                                         <a:effectLst/>
-                                        <a:latin typeface="Cambria Math"/>
+                                        <a:latin typeface="Cambria Math" panose="02040503050406030204" pitchFamily="18" charset="0"/>
                                         <a:ea typeface="+mn-ea"/>
                                         <a:cs typeface="+mn-cs"/>
                                       </a:rPr>
@@ -3959,7 +3879,7 @@
                                   </m:sSubPr>
                                   <m:e>
                                     <m:r>
-                                      <a:rPr lang="en-AU" sz="1200" b="1" i="1" kern="1200" smtClean="0">
+                                      <a:rPr lang="en-AU" sz="1100" b="1" i="1" kern="1200" smtClean="0">
                                         <a:solidFill>
                                           <a:schemeClr val="tx1"/>
                                         </a:solidFill>
@@ -3973,83 +3893,76 @@
                                   </m:e>
                                   <m:sub>
                                     <m:r>
-                                      <a:rPr lang="en-AU" sz="1200" b="1" i="1" kern="1200">
+                                      <a:rPr lang="en-AU" sz="1100" b="1" i="1" kern="1200" smtClean="0">
                                         <a:solidFill>
                                           <a:schemeClr val="tx1"/>
                                         </a:solidFill>
                                         <a:effectLst/>
-                                        <a:latin typeface="Cambria Math"/>
+                                        <a:latin typeface="Cambria Math" panose="02040503050406030204" pitchFamily="18" charset="0"/>
                                         <a:ea typeface="+mn-ea"/>
                                         <a:cs typeface="+mn-cs"/>
                                       </a:rPr>
-                                      <m:t>𝒌</m:t>
+                                      <m:t>𝟏</m:t>
+                                    </m:r>
+                                    <m:r>
+                                      <a:rPr lang="en-AU" sz="1100" b="1" i="1" kern="1200" smtClean="0">
+                                        <a:solidFill>
+                                          <a:schemeClr val="tx1"/>
+                                        </a:solidFill>
+                                        <a:effectLst/>
+                                        <a:latin typeface="Cambria Math" panose="02040503050406030204" pitchFamily="18" charset="0"/>
+                                        <a:ea typeface="+mn-ea"/>
+                                        <a:cs typeface="+mn-cs"/>
+                                      </a:rPr>
+                                      <m:t>−</m:t>
+                                    </m:r>
+                                    <m:r>
+                                      <a:rPr lang="en-AU" sz="1100" b="1" i="1" kern="1200" smtClean="0">
+                                        <a:solidFill>
+                                          <a:schemeClr val="tx1"/>
+                                        </a:solidFill>
+                                        <a:effectLst/>
+                                        <a:latin typeface="Cambria Math" panose="02040503050406030204" pitchFamily="18" charset="0"/>
+                                        <a:ea typeface="+mn-ea"/>
+                                        <a:cs typeface="+mn-cs"/>
+                                      </a:rPr>
+                                      <m:t>𝟔𝟗</m:t>
                                     </m:r>
                                   </m:sub>
                                 </m:sSub>
                                 <m:d>
                                   <m:dPr>
                                     <m:ctrlPr>
-                                      <a:rPr lang="en-AU" sz="1200" b="1" i="1" kern="1200">
+                                      <a:rPr lang="en-AU" sz="1100" b="1" i="1" kern="1200">
                                         <a:solidFill>
                                           <a:schemeClr val="tx1"/>
                                         </a:solidFill>
                                         <a:effectLst/>
-                                        <a:latin typeface="Cambria Math"/>
+                                        <a:latin typeface="Cambria Math" panose="02040503050406030204" pitchFamily="18" charset="0"/>
                                         <a:ea typeface="+mn-ea"/>
                                         <a:cs typeface="+mn-cs"/>
                                       </a:rPr>
                                     </m:ctrlPr>
                                   </m:dPr>
                                   <m:e>
-                                    <m:sSub>
-                                      <m:sSubPr>
-                                        <m:ctrlPr>
-                                          <a:rPr lang="en-AU" sz="1200" b="1" i="1" kern="1200">
-                                            <a:solidFill>
-                                              <a:schemeClr val="tx1"/>
-                                            </a:solidFill>
-                                            <a:effectLst/>
-                                            <a:latin typeface="Cambria Math"/>
-                                            <a:ea typeface="+mn-ea"/>
-                                            <a:cs typeface="+mn-cs"/>
-                                          </a:rPr>
-                                        </m:ctrlPr>
-                                      </m:sSubPr>
-                                      <m:e>
-                                        <m:r>
-                                          <a:rPr lang="en-AU" sz="1200" b="1" i="1" kern="1200">
-                                            <a:solidFill>
-                                              <a:schemeClr val="tx1"/>
-                                            </a:solidFill>
-                                            <a:effectLst/>
-                                            <a:latin typeface="Cambria Math"/>
-                                            <a:ea typeface="+mn-ea"/>
-                                            <a:cs typeface="+mn-cs"/>
-                                          </a:rPr>
-                                          <m:t>𝑷</m:t>
-                                        </m:r>
-                                      </m:e>
-                                      <m:sub>
-                                        <m:r>
-                                          <a:rPr lang="en-AU" sz="1200" b="1" i="1" kern="1200">
-                                            <a:solidFill>
-                                              <a:schemeClr val="tx1"/>
-                                            </a:solidFill>
-                                            <a:effectLst/>
-                                            <a:latin typeface="Cambria Math"/>
-                                            <a:ea typeface="+mn-ea"/>
-                                            <a:cs typeface="+mn-cs"/>
-                                          </a:rPr>
-                                          <m:t>𝒊</m:t>
-                                        </m:r>
-                                      </m:sub>
-                                    </m:sSub>
+                                    <m:r>
+                                      <a:rPr lang="en-AU" sz="1100" b="1" i="1" kern="1200" smtClean="0">
+                                        <a:solidFill>
+                                          <a:schemeClr val="tx1"/>
+                                        </a:solidFill>
+                                        <a:effectLst/>
+                                        <a:latin typeface="Cambria Math" panose="02040503050406030204" pitchFamily="18" charset="0"/>
+                                        <a:ea typeface="+mn-ea"/>
+                                        <a:cs typeface="+mn-cs"/>
+                                      </a:rPr>
+                                      <m:t>𝒑</m:t>
+                                    </m:r>
                                   </m:e>
                                 </m:d>
                               </m:oMath>
                             </m:oMathPara>
                           </a14:m>
-                          <a:endParaRPr lang="en-AU" sz="1200" dirty="0"/>
+                          <a:endParaRPr lang="en-AU" sz="1100" dirty="0"/>
                         </a:p>
                       </a:txBody>
                       <a:tcPr anchor="ctr">
@@ -4102,12 +4015,12 @@
                                 <m:sSub>
                                   <m:sSubPr>
                                     <m:ctrlPr>
-                                      <a:rPr lang="en-AU" sz="1200" b="1" i="1" kern="1200" smtClean="0">
+                                      <a:rPr lang="en-AU" sz="1100" b="1" i="1" kern="1200" smtClean="0">
                                         <a:solidFill>
                                           <a:schemeClr val="tx1"/>
                                         </a:solidFill>
                                         <a:effectLst/>
-                                        <a:latin typeface="Cambria Math"/>
+                                        <a:latin typeface="Cambria Math" panose="02040503050406030204" pitchFamily="18" charset="0"/>
                                         <a:ea typeface="+mn-ea"/>
                                         <a:cs typeface="+mn-cs"/>
                                       </a:rPr>
@@ -4115,7 +4028,7 @@
                                   </m:sSubPr>
                                   <m:e>
                                     <m:r>
-                                      <a:rPr lang="en-AU" sz="1200" b="1" i="1" kern="1200">
+                                      <a:rPr lang="en-AU" sz="1100" b="1" i="1" kern="1200">
                                         <a:solidFill>
                                           <a:schemeClr val="tx1"/>
                                         </a:solidFill>
@@ -4129,83 +4042,76 @@
                                   </m:e>
                                   <m:sub>
                                     <m:r>
-                                      <a:rPr lang="en-AU" sz="1200" b="1" i="1" kern="1200">
+                                      <a:rPr lang="en-AU" sz="1100" b="1" i="1" kern="1200" smtClean="0">
                                         <a:solidFill>
                                           <a:schemeClr val="tx1"/>
                                         </a:solidFill>
                                         <a:effectLst/>
-                                        <a:latin typeface="Cambria Math"/>
+                                        <a:latin typeface="Cambria Math" panose="02040503050406030204" pitchFamily="18" charset="0"/>
                                         <a:ea typeface="+mn-ea"/>
                                         <a:cs typeface="+mn-cs"/>
                                       </a:rPr>
-                                      <m:t>𝒌</m:t>
+                                      <m:t>𝟏</m:t>
+                                    </m:r>
+                                    <m:r>
+                                      <a:rPr lang="en-AU" sz="1100" b="1" i="1" kern="1200" smtClean="0">
+                                        <a:solidFill>
+                                          <a:schemeClr val="tx1"/>
+                                        </a:solidFill>
+                                        <a:effectLst/>
+                                        <a:latin typeface="Cambria Math" panose="02040503050406030204" pitchFamily="18" charset="0"/>
+                                        <a:ea typeface="+mn-ea"/>
+                                        <a:cs typeface="+mn-cs"/>
+                                      </a:rPr>
+                                      <m:t>−</m:t>
+                                    </m:r>
+                                    <m:r>
+                                      <a:rPr lang="en-AU" sz="1100" b="1" i="1" kern="1200" smtClean="0">
+                                        <a:solidFill>
+                                          <a:schemeClr val="tx1"/>
+                                        </a:solidFill>
+                                        <a:effectLst/>
+                                        <a:latin typeface="Cambria Math" panose="02040503050406030204" pitchFamily="18" charset="0"/>
+                                        <a:ea typeface="+mn-ea"/>
+                                        <a:cs typeface="+mn-cs"/>
+                                      </a:rPr>
+                                      <m:t>𝟔𝟗</m:t>
                                     </m:r>
                                   </m:sub>
                                 </m:sSub>
                                 <m:d>
                                   <m:dPr>
                                     <m:ctrlPr>
-                                      <a:rPr lang="en-AU" sz="1200" b="1" i="1" kern="1200">
+                                      <a:rPr lang="en-AU" sz="1100" b="1" i="1" kern="1200">
                                         <a:solidFill>
                                           <a:schemeClr val="tx1"/>
                                         </a:solidFill>
                                         <a:effectLst/>
-                                        <a:latin typeface="Cambria Math"/>
+                                        <a:latin typeface="Cambria Math" panose="02040503050406030204" pitchFamily="18" charset="0"/>
                                         <a:ea typeface="+mn-ea"/>
                                         <a:cs typeface="+mn-cs"/>
                                       </a:rPr>
                                     </m:ctrlPr>
                                   </m:dPr>
                                   <m:e>
-                                    <m:sSub>
-                                      <m:sSubPr>
-                                        <m:ctrlPr>
-                                          <a:rPr lang="en-AU" sz="1200" b="1" i="1" kern="1200">
-                                            <a:solidFill>
-                                              <a:schemeClr val="tx1"/>
-                                            </a:solidFill>
-                                            <a:effectLst/>
-                                            <a:latin typeface="Cambria Math"/>
-                                            <a:ea typeface="+mn-ea"/>
-                                            <a:cs typeface="+mn-cs"/>
-                                          </a:rPr>
-                                        </m:ctrlPr>
-                                      </m:sSubPr>
-                                      <m:e>
-                                        <m:r>
-                                          <a:rPr lang="en-AU" sz="1200" b="1" i="1" kern="1200">
-                                            <a:solidFill>
-                                              <a:schemeClr val="tx1"/>
-                                            </a:solidFill>
-                                            <a:effectLst/>
-                                            <a:latin typeface="Cambria Math"/>
-                                            <a:ea typeface="+mn-ea"/>
-                                            <a:cs typeface="+mn-cs"/>
-                                          </a:rPr>
-                                          <m:t>𝑷</m:t>
-                                        </m:r>
-                                      </m:e>
-                                      <m:sub>
-                                        <m:r>
-                                          <a:rPr lang="en-AU" sz="1200" b="1" i="1" kern="1200">
-                                            <a:solidFill>
-                                              <a:schemeClr val="tx1"/>
-                                            </a:solidFill>
-                                            <a:effectLst/>
-                                            <a:latin typeface="Cambria Math"/>
-                                            <a:ea typeface="+mn-ea"/>
-                                            <a:cs typeface="+mn-cs"/>
-                                          </a:rPr>
-                                          <m:t>𝒊</m:t>
-                                        </m:r>
-                                      </m:sub>
-                                    </m:sSub>
+                                    <m:r>
+                                      <a:rPr lang="en-AU" sz="1100" b="1" i="1" kern="1200" smtClean="0">
+                                        <a:solidFill>
+                                          <a:schemeClr val="tx1"/>
+                                        </a:solidFill>
+                                        <a:effectLst/>
+                                        <a:latin typeface="Cambria Math" panose="02040503050406030204" pitchFamily="18" charset="0"/>
+                                        <a:ea typeface="+mn-ea"/>
+                                        <a:cs typeface="+mn-cs"/>
+                                      </a:rPr>
+                                      <m:t>𝒑</m:t>
+                                    </m:r>
                                   </m:e>
                                 </m:d>
                               </m:oMath>
                             </m:oMathPara>
                           </a14:m>
-                          <a:endParaRPr lang="en-AU" sz="1200" dirty="0"/>
+                          <a:endParaRPr lang="en-AU" sz="1100" dirty="0"/>
                         </a:p>
                       </a:txBody>
                       <a:tcPr anchor="ctr">
@@ -4251,7 +4157,7 @@
                     </a:tc>
                     <a:extLst>
                       <a:ext uri="{0D108BD9-81ED-4DB2-BD59-A6C34878D82A}">
-                        <a16:rowId xmlns:a16="http://schemas.microsoft.com/office/drawing/2014/main" xmlns="" val="3176941515"/>
+                        <a16:rowId xmlns:a16="http://schemas.microsoft.com/office/drawing/2014/main" val="3176941515"/>
                       </a:ext>
                     </a:extLst>
                   </a:tr>
@@ -4484,7 +4390,7 @@
                     </a:tc>
                     <a:extLst>
                       <a:ext uri="{0D108BD9-81ED-4DB2-BD59-A6C34878D82A}">
-                        <a16:rowId xmlns:a16="http://schemas.microsoft.com/office/drawing/2014/main" xmlns="" val="2673339703"/>
+                        <a16:rowId xmlns:a16="http://schemas.microsoft.com/office/drawing/2014/main" val="2673339703"/>
                       </a:ext>
                     </a:extLst>
                   </a:tr>
@@ -4678,7 +4584,7 @@
                     </a:tc>
                     <a:extLst>
                       <a:ext uri="{0D108BD9-81ED-4DB2-BD59-A6C34878D82A}">
-                        <a16:rowId xmlns:a16="http://schemas.microsoft.com/office/drawing/2014/main" xmlns="" val="2736953877"/>
+                        <a16:rowId xmlns:a16="http://schemas.microsoft.com/office/drawing/2014/main" val="2736953877"/>
                       </a:ext>
                     </a:extLst>
                   </a:tr>
@@ -4881,7 +4787,7 @@
                     </a:tc>
                     <a:extLst>
                       <a:ext uri="{0D108BD9-81ED-4DB2-BD59-A6C34878D82A}">
-                        <a16:rowId xmlns:a16="http://schemas.microsoft.com/office/drawing/2014/main" xmlns="" val="935999974"/>
+                        <a16:rowId xmlns:a16="http://schemas.microsoft.com/office/drawing/2014/main" val="935999974"/>
                       </a:ext>
                     </a:extLst>
                   </a:tr>
@@ -5075,7 +4981,7 @@
                     </a:tc>
                     <a:extLst>
                       <a:ext uri="{0D108BD9-81ED-4DB2-BD59-A6C34878D82A}">
-                        <a16:rowId xmlns:a16="http://schemas.microsoft.com/office/drawing/2014/main" xmlns="" val="3527595651"/>
+                        <a16:rowId xmlns:a16="http://schemas.microsoft.com/office/drawing/2014/main" val="3527595651"/>
                       </a:ext>
                     </a:extLst>
                   </a:tr>
@@ -5269,7 +5175,7 @@
                     </a:tc>
                     <a:extLst>
                       <a:ext uri="{0D108BD9-81ED-4DB2-BD59-A6C34878D82A}">
-                        <a16:rowId xmlns:a16="http://schemas.microsoft.com/office/drawing/2014/main" xmlns="" val="2500584138"/>
+                        <a16:rowId xmlns:a16="http://schemas.microsoft.com/office/drawing/2014/main" val="2500584138"/>
                       </a:ext>
                     </a:extLst>
                   </a:tr>
@@ -5463,7 +5369,7 @@
                     </a:tc>
                     <a:extLst>
                       <a:ext uri="{0D108BD9-81ED-4DB2-BD59-A6C34878D82A}">
-                        <a16:rowId xmlns:a16="http://schemas.microsoft.com/office/drawing/2014/main" xmlns="" val="1644191295"/>
+                        <a16:rowId xmlns:a16="http://schemas.microsoft.com/office/drawing/2014/main" val="1644191295"/>
                       </a:ext>
                     </a:extLst>
                   </a:tr>
@@ -5657,7 +5563,7 @@
                     </a:tc>
                     <a:extLst>
                       <a:ext uri="{0D108BD9-81ED-4DB2-BD59-A6C34878D82A}">
-                        <a16:rowId xmlns:a16="http://schemas.microsoft.com/office/drawing/2014/main" xmlns="" val="2249276370"/>
+                        <a16:rowId xmlns:a16="http://schemas.microsoft.com/office/drawing/2014/main" val="2249276370"/>
                       </a:ext>
                     </a:extLst>
                   </a:tr>
@@ -5851,7 +5757,7 @@
                     </a:tc>
                     <a:extLst>
                       <a:ext uri="{0D108BD9-81ED-4DB2-BD59-A6C34878D82A}">
-                        <a16:rowId xmlns:a16="http://schemas.microsoft.com/office/drawing/2014/main" xmlns="" val="889951462"/>
+                        <a16:rowId xmlns:a16="http://schemas.microsoft.com/office/drawing/2014/main" val="889951462"/>
                       </a:ext>
                     </a:extLst>
                   </a:tr>
@@ -6075,7 +5981,7 @@
                     </a:tc>
                     <a:extLst>
                       <a:ext uri="{0D108BD9-81ED-4DB2-BD59-A6C34878D82A}">
-                        <a16:rowId xmlns:a16="http://schemas.microsoft.com/office/drawing/2014/main" xmlns="" val="141707935"/>
+                        <a16:rowId xmlns:a16="http://schemas.microsoft.com/office/drawing/2014/main" val="141707935"/>
                       </a:ext>
                     </a:extLst>
                   </a:tr>
@@ -6084,7 +5990,7 @@
             </a:graphic>
           </p:graphicFrame>
         </mc:Choice>
-        <mc:Fallback xmlns="">
+        <mc:Fallback>
           <p:graphicFrame>
             <p:nvGraphicFramePr>
               <p:cNvPr id="11" name="Table 10"/>
@@ -6094,7 +6000,7 @@
               <p:nvPr>
                 <p:extLst>
                   <p:ext uri="{D42A27DB-BD31-4B8C-83A1-F6EECF244321}">
-                    <p14:modId xmlns:p14="http://schemas.microsoft.com/office/powerpoint/2010/main" val="2083847375"/>
+                    <p14:modId xmlns:p14="http://schemas.microsoft.com/office/powerpoint/2010/main" val="3492260019"/>
                   </p:ext>
                 </p:extLst>
               </p:nvPr>
@@ -6113,35 +6019,35 @@
                     <a:gridCol w="785093">
                       <a:extLst>
                         <a:ext uri="{9D8B030D-6E8A-4147-A177-3AD203B41FA5}">
-                          <a16:colId xmlns="" xmlns:a16="http://schemas.microsoft.com/office/drawing/2014/main" xmlns:a14="http://schemas.microsoft.com/office/drawing/2010/main" val="2070464311"/>
+                          <a16:colId xmlns:a16="http://schemas.microsoft.com/office/drawing/2014/main" val="2070464311"/>
                         </a:ext>
                       </a:extLst>
                     </a:gridCol>
                     <a:gridCol w="478556">
                       <a:extLst>
                         <a:ext uri="{9D8B030D-6E8A-4147-A177-3AD203B41FA5}">
-                          <a16:colId xmlns="" xmlns:a16="http://schemas.microsoft.com/office/drawing/2014/main" xmlns:a14="http://schemas.microsoft.com/office/drawing/2010/main" val="2814482158"/>
+                          <a16:colId xmlns:a16="http://schemas.microsoft.com/office/drawing/2014/main" val="2814482158"/>
                         </a:ext>
                       </a:extLst>
                     </a:gridCol>
                     <a:gridCol w="631826">
                       <a:extLst>
                         <a:ext uri="{9D8B030D-6E8A-4147-A177-3AD203B41FA5}">
-                          <a16:colId xmlns="" xmlns:a16="http://schemas.microsoft.com/office/drawing/2014/main" xmlns:a14="http://schemas.microsoft.com/office/drawing/2010/main" val="3449075261"/>
+                          <a16:colId xmlns:a16="http://schemas.microsoft.com/office/drawing/2014/main" val="3449075261"/>
                         </a:ext>
                       </a:extLst>
                     </a:gridCol>
                     <a:gridCol w="631826">
                       <a:extLst>
                         <a:ext uri="{9D8B030D-6E8A-4147-A177-3AD203B41FA5}">
-                          <a16:colId xmlns="" xmlns:a16="http://schemas.microsoft.com/office/drawing/2014/main" xmlns:a14="http://schemas.microsoft.com/office/drawing/2010/main" val="1813670796"/>
+                          <a16:colId xmlns:a16="http://schemas.microsoft.com/office/drawing/2014/main" val="1813670796"/>
                         </a:ext>
                       </a:extLst>
                     </a:gridCol>
                     <a:gridCol w="631826">
                       <a:extLst>
                         <a:ext uri="{9D8B030D-6E8A-4147-A177-3AD203B41FA5}">
-                          <a16:colId xmlns="" xmlns:a16="http://schemas.microsoft.com/office/drawing/2014/main" xmlns:a14="http://schemas.microsoft.com/office/drawing/2010/main" val="1994465920"/>
+                          <a16:colId xmlns:a16="http://schemas.microsoft.com/office/drawing/2014/main" val="1994465920"/>
                         </a:ext>
                       </a:extLst>
                     </a:gridCol>
@@ -6194,10 +6100,10 @@
                           <a:noFill/>
                           <a:prstDash val="solid"/>
                         </a:lnBlToTr>
-                        <a:blipFill rotWithShape="1">
-                          <a:blip r:embed="rId3"/>
+                        <a:blipFill>
+                          <a:blip r:embed="rId2"/>
                           <a:stretch>
-                            <a:fillRect l="-775" t="-1205" r="-301550" b="-560241"/>
+                            <a:fillRect l="-775" t="-1205" r="-303876" b="-563855"/>
                           </a:stretch>
                         </a:blipFill>
                       </a:tcPr>
@@ -6243,10 +6149,10 @@
                           <a:noFill/>
                           <a:prstDash val="solid"/>
                         </a:lnBlToTr>
-                        <a:blipFill rotWithShape="1">
-                          <a:blip r:embed="rId3"/>
+                        <a:blipFill>
+                          <a:blip r:embed="rId2"/>
                           <a:stretch>
-                            <a:fillRect l="-166667" t="-1205" r="-398718" b="-560241"/>
+                            <a:fillRect l="-164557" t="-1205" r="-396203" b="-563855"/>
                           </a:stretch>
                         </a:blipFill>
                       </a:tcPr>
@@ -6292,10 +6198,10 @@
                           <a:noFill/>
                           <a:prstDash val="solid"/>
                         </a:lnBlToTr>
-                        <a:blipFill rotWithShape="1">
-                          <a:blip r:embed="rId3"/>
+                        <a:blipFill>
+                          <a:blip r:embed="rId2"/>
                           <a:stretch>
-                            <a:fillRect l="-200000" t="-1205" r="-199038" b="-560241"/>
+                            <a:fillRect l="-202913" t="-1205" r="-203883" b="-563855"/>
                           </a:stretch>
                         </a:blipFill>
                       </a:tcPr>
@@ -6341,10 +6247,10 @@
                           <a:noFill/>
                           <a:prstDash val="solid"/>
                         </a:lnBlToTr>
-                        <a:blipFill rotWithShape="1">
-                          <a:blip r:embed="rId3"/>
+                        <a:blipFill>
+                          <a:blip r:embed="rId2"/>
                           <a:stretch>
-                            <a:fillRect l="-302913" t="-1205" r="-100971" b="-560241"/>
+                            <a:fillRect l="-300000" t="-1205" r="-101923" b="-563855"/>
                           </a:stretch>
                         </a:blipFill>
                       </a:tcPr>
@@ -6396,17 +6302,17 @@
                           <a:noFill/>
                           <a:prstDash val="solid"/>
                         </a:lnBlToTr>
-                        <a:blipFill rotWithShape="1">
-                          <a:blip r:embed="rId3"/>
+                        <a:blipFill>
+                          <a:blip r:embed="rId2"/>
                           <a:stretch>
-                            <a:fillRect l="-399038" t="-1205" b="-560241"/>
+                            <a:fillRect l="-400000" t="-1205" r="-1923" b="-563855"/>
                           </a:stretch>
                         </a:blipFill>
                       </a:tcPr>
                     </a:tc>
                     <a:extLst>
                       <a:ext uri="{0D108BD9-81ED-4DB2-BD59-A6C34878D82A}">
-                        <a16:rowId xmlns="" xmlns:a16="http://schemas.microsoft.com/office/drawing/2014/main" xmlns:a14="http://schemas.microsoft.com/office/drawing/2010/main" val="3176941515"/>
+                        <a16:rowId xmlns:a16="http://schemas.microsoft.com/office/drawing/2014/main" val="3176941515"/>
                       </a:ext>
                     </a:extLst>
                   </a:tr>
@@ -6639,7 +6545,7 @@
                     </a:tc>
                     <a:extLst>
                       <a:ext uri="{0D108BD9-81ED-4DB2-BD59-A6C34878D82A}">
-                        <a16:rowId xmlns="" xmlns:a16="http://schemas.microsoft.com/office/drawing/2014/main" xmlns:a14="http://schemas.microsoft.com/office/drawing/2010/main" val="2673339703"/>
+                        <a16:rowId xmlns:a16="http://schemas.microsoft.com/office/drawing/2014/main" val="2673339703"/>
                       </a:ext>
                     </a:extLst>
                   </a:tr>
@@ -6833,7 +6739,7 @@
                     </a:tc>
                     <a:extLst>
                       <a:ext uri="{0D108BD9-81ED-4DB2-BD59-A6C34878D82A}">
-                        <a16:rowId xmlns="" xmlns:a16="http://schemas.microsoft.com/office/drawing/2014/main" xmlns:a14="http://schemas.microsoft.com/office/drawing/2010/main" val="2736953877"/>
+                        <a16:rowId xmlns:a16="http://schemas.microsoft.com/office/drawing/2014/main" val="2736953877"/>
                       </a:ext>
                     </a:extLst>
                   </a:tr>
@@ -7036,7 +6942,7 @@
                     </a:tc>
                     <a:extLst>
                       <a:ext uri="{0D108BD9-81ED-4DB2-BD59-A6C34878D82A}">
-                        <a16:rowId xmlns="" xmlns:a16="http://schemas.microsoft.com/office/drawing/2014/main" xmlns:a14="http://schemas.microsoft.com/office/drawing/2010/main" val="935999974"/>
+                        <a16:rowId xmlns:a16="http://schemas.microsoft.com/office/drawing/2014/main" val="935999974"/>
                       </a:ext>
                     </a:extLst>
                   </a:tr>
@@ -7230,7 +7136,7 @@
                     </a:tc>
                     <a:extLst>
                       <a:ext uri="{0D108BD9-81ED-4DB2-BD59-A6C34878D82A}">
-                        <a16:rowId xmlns="" xmlns:a16="http://schemas.microsoft.com/office/drawing/2014/main" xmlns:a14="http://schemas.microsoft.com/office/drawing/2010/main" val="3527595651"/>
+                        <a16:rowId xmlns:a16="http://schemas.microsoft.com/office/drawing/2014/main" val="3527595651"/>
                       </a:ext>
                     </a:extLst>
                   </a:tr>
@@ -7424,7 +7330,7 @@
                     </a:tc>
                     <a:extLst>
                       <a:ext uri="{0D108BD9-81ED-4DB2-BD59-A6C34878D82A}">
-                        <a16:rowId xmlns="" xmlns:a16="http://schemas.microsoft.com/office/drawing/2014/main" xmlns:a14="http://schemas.microsoft.com/office/drawing/2010/main" val="2500584138"/>
+                        <a16:rowId xmlns:a16="http://schemas.microsoft.com/office/drawing/2014/main" val="2500584138"/>
                       </a:ext>
                     </a:extLst>
                   </a:tr>
@@ -7618,7 +7524,7 @@
                     </a:tc>
                     <a:extLst>
                       <a:ext uri="{0D108BD9-81ED-4DB2-BD59-A6C34878D82A}">
-                        <a16:rowId xmlns="" xmlns:a16="http://schemas.microsoft.com/office/drawing/2014/main" xmlns:a14="http://schemas.microsoft.com/office/drawing/2010/main" val="1644191295"/>
+                        <a16:rowId xmlns:a16="http://schemas.microsoft.com/office/drawing/2014/main" val="1644191295"/>
                       </a:ext>
                     </a:extLst>
                   </a:tr>
@@ -7812,7 +7718,7 @@
                     </a:tc>
                     <a:extLst>
                       <a:ext uri="{0D108BD9-81ED-4DB2-BD59-A6C34878D82A}">
-                        <a16:rowId xmlns="" xmlns:a16="http://schemas.microsoft.com/office/drawing/2014/main" xmlns:a14="http://schemas.microsoft.com/office/drawing/2010/main" val="2249276370"/>
+                        <a16:rowId xmlns:a16="http://schemas.microsoft.com/office/drawing/2014/main" val="2249276370"/>
                       </a:ext>
                     </a:extLst>
                   </a:tr>
@@ -8006,7 +7912,7 @@
                     </a:tc>
                     <a:extLst>
                       <a:ext uri="{0D108BD9-81ED-4DB2-BD59-A6C34878D82A}">
-                        <a16:rowId xmlns="" xmlns:a16="http://schemas.microsoft.com/office/drawing/2014/main" xmlns:a14="http://schemas.microsoft.com/office/drawing/2010/main" val="889951462"/>
+                        <a16:rowId xmlns:a16="http://schemas.microsoft.com/office/drawing/2014/main" val="889951462"/>
                       </a:ext>
                     </a:extLst>
                   </a:tr>
@@ -8230,7 +8136,7 @@
                     </a:tc>
                     <a:extLst>
                       <a:ext uri="{0D108BD9-81ED-4DB2-BD59-A6C34878D82A}">
-                        <a16:rowId xmlns="" xmlns:a16="http://schemas.microsoft.com/office/drawing/2014/main" xmlns:a14="http://schemas.microsoft.com/office/drawing/2010/main" val="141707935"/>
+                        <a16:rowId xmlns:a16="http://schemas.microsoft.com/office/drawing/2014/main" val="141707935"/>
                       </a:ext>
                     </a:extLst>
                   </a:tr>
@@ -8263,7 +8169,7 @@
             <p:nvPr/>
           </p:nvPicPr>
           <p:blipFill rotWithShape="1">
-            <a:blip r:embed="rId4">
+            <a:blip r:embed="rId3">
               <a:extLst>
                 <a:ext uri="{28A0092B-C50C-407E-A947-70E740481C1C}">
                   <a14:useLocalDpi xmlns:a14="http://schemas.microsoft.com/office/drawing/2010/main" val="0"/>
@@ -8292,7 +8198,7 @@
             <p:nvPr/>
           </p:nvPicPr>
           <p:blipFill rotWithShape="1">
-            <a:blip r:embed="rId4">
+            <a:blip r:embed="rId3">
               <a:extLst>
                 <a:ext uri="{28A0092B-C50C-407E-A947-70E740481C1C}">
                   <a14:useLocalDpi xmlns:a14="http://schemas.microsoft.com/office/drawing/2010/main" val="0"/>
@@ -8343,8 +8249,8 @@
           <a:chExt cx="0" cy="0"/>
         </a:xfrm>
       </p:grpSpPr>
-      <mc:AlternateContent xmlns:mc="http://schemas.openxmlformats.org/markup-compatibility/2006" xmlns:a14="http://schemas.microsoft.com/office/drawing/2010/main">
-        <mc:Choice Requires="a14">
+      <mc:AlternateContent xmlns:mc="http://schemas.openxmlformats.org/markup-compatibility/2006">
+        <mc:Choice xmlns:a14="http://schemas.microsoft.com/office/drawing/2010/main" Requires="a14">
           <p:graphicFrame>
             <p:nvGraphicFramePr>
               <p:cNvPr id="6" name="Table 5"/>
@@ -8354,7 +8260,7 @@
               <p:nvPr>
                 <p:extLst>
                   <p:ext uri="{D42A27DB-BD31-4B8C-83A1-F6EECF244321}">
-                    <p14:modId xmlns:p14="http://schemas.microsoft.com/office/powerpoint/2010/main" val="1286778539"/>
+                    <p14:modId xmlns:p14="http://schemas.microsoft.com/office/powerpoint/2010/main" val="1491037563"/>
                   </p:ext>
                 </p:extLst>
               </p:nvPr>
@@ -8373,40 +8279,175 @@
                     <a:gridCol w="785093">
                       <a:extLst>
                         <a:ext uri="{9D8B030D-6E8A-4147-A177-3AD203B41FA5}">
-                          <a16:colId xmlns:a16="http://schemas.microsoft.com/office/drawing/2014/main" xmlns="" val="2070464311"/>
+                          <a16:colId xmlns:a16="http://schemas.microsoft.com/office/drawing/2014/main" val="2070464311"/>
                         </a:ext>
                       </a:extLst>
                     </a:gridCol>
                     <a:gridCol w="478557">
                       <a:extLst>
                         <a:ext uri="{9D8B030D-6E8A-4147-A177-3AD203B41FA5}">
-                          <a16:colId xmlns:a16="http://schemas.microsoft.com/office/drawing/2014/main" xmlns="" val="2814482158"/>
+                          <a16:colId xmlns:a16="http://schemas.microsoft.com/office/drawing/2014/main" val="2814482158"/>
                         </a:ext>
                       </a:extLst>
                     </a:gridCol>
                     <a:gridCol w="631825">
                       <a:extLst>
                         <a:ext uri="{9D8B030D-6E8A-4147-A177-3AD203B41FA5}">
-                          <a16:colId xmlns:a16="http://schemas.microsoft.com/office/drawing/2014/main" xmlns="" val="3449075261"/>
+                          <a16:colId xmlns:a16="http://schemas.microsoft.com/office/drawing/2014/main" val="3449075261"/>
                         </a:ext>
                       </a:extLst>
                     </a:gridCol>
                     <a:gridCol w="631825">
                       <a:extLst>
                         <a:ext uri="{9D8B030D-6E8A-4147-A177-3AD203B41FA5}">
-                          <a16:colId xmlns:a16="http://schemas.microsoft.com/office/drawing/2014/main" xmlns="" val="1813670796"/>
+                          <a16:colId xmlns:a16="http://schemas.microsoft.com/office/drawing/2014/main" val="1813670796"/>
                         </a:ext>
                       </a:extLst>
                     </a:gridCol>
                     <a:gridCol w="631825">
                       <a:extLst>
                         <a:ext uri="{9D8B030D-6E8A-4147-A177-3AD203B41FA5}">
-                          <a16:colId xmlns:a16="http://schemas.microsoft.com/office/drawing/2014/main" xmlns="" val="1994465920"/>
+                          <a16:colId xmlns:a16="http://schemas.microsoft.com/office/drawing/2014/main" val="1994465920"/>
                         </a:ext>
                       </a:extLst>
                     </a:gridCol>
                   </a:tblGrid>
                   <a:tr h="511835">
+                    <a:tc>
+                      <a:txBody>
+                        <a:bodyPr/>
+                        <a:lstStyle/>
+                        <a:p>
+                          <a:pPr algn="ctr"/>
+                          <a14:m>
+                            <m:oMathPara xmlns:m="http://schemas.openxmlformats.org/officeDocument/2006/math">
+                              <m:oMathParaPr>
+                                <m:jc m:val="centerGroup"/>
+                              </m:oMathParaPr>
+                              <m:oMath xmlns:m="http://schemas.openxmlformats.org/officeDocument/2006/math">
+                                <m:r>
+                                  <a:rPr lang="en-AU" sz="1100" b="1" i="1" kern="1200" smtClean="0">
+                                    <a:solidFill>
+                                      <a:schemeClr val="tx1"/>
+                                    </a:solidFill>
+                                    <a:effectLst/>
+                                    <a:latin typeface="Cambria Math" panose="02040503050406030204" pitchFamily="18" charset="0"/>
+                                    <a:ea typeface="+mn-ea"/>
+                                    <a:cs typeface="+mn-cs"/>
+                                  </a:rPr>
+                                  <m:t>𝒑</m:t>
+                                </m:r>
+                              </m:oMath>
+                            </m:oMathPara>
+                          </a14:m>
+                          <a:endParaRPr lang="en-AU" sz="1100" dirty="0"/>
+                        </a:p>
+                      </a:txBody>
+                      <a:tcPr anchor="ctr">
+                        <a:lnL w="12700" cap="flat" cmpd="sng" algn="ctr">
+                          <a:solidFill>
+                            <a:schemeClr val="tx1"/>
+                          </a:solidFill>
+                          <a:prstDash val="solid"/>
+                          <a:round/>
+                          <a:headEnd type="none" w="med" len="med"/>
+                          <a:tailEnd type="none" w="med" len="med"/>
+                        </a:lnL>
+                        <a:lnR>
+                          <a:noFill/>
+                        </a:lnR>
+                        <a:lnT w="12700" cap="flat" cmpd="sng" algn="ctr">
+                          <a:solidFill>
+                            <a:schemeClr val="tx1"/>
+                          </a:solidFill>
+                          <a:prstDash val="solid"/>
+                          <a:round/>
+                          <a:headEnd type="none" w="med" len="med"/>
+                          <a:tailEnd type="none" w="med" len="med"/>
+                        </a:lnT>
+                        <a:lnB w="12700" cap="flat" cmpd="sng" algn="ctr">
+                          <a:solidFill>
+                            <a:schemeClr val="tx1"/>
+                          </a:solidFill>
+                          <a:prstDash val="solid"/>
+                          <a:round/>
+                          <a:headEnd type="none" w="med" len="med"/>
+                          <a:tailEnd type="none" w="med" len="med"/>
+                        </a:lnB>
+                        <a:lnTlToBr w="12700" cmpd="sng">
+                          <a:noFill/>
+                          <a:prstDash val="solid"/>
+                        </a:lnTlToBr>
+                        <a:lnBlToTr w="12700" cmpd="sng">
+                          <a:noFill/>
+                          <a:prstDash val="solid"/>
+                        </a:lnBlToTr>
+                      </a:tcPr>
+                    </a:tc>
+                    <a:tc>
+                      <a:txBody>
+                        <a:bodyPr/>
+                        <a:lstStyle/>
+                        <a:p>
+                          <a:pPr algn="ctr"/>
+                          <a:r>
+                            <a:rPr lang="en-AU" sz="1100" b="1" i="1" dirty="0"/>
+                            <a:t>#</a:t>
+                          </a:r>
+                          <a14:m>
+                            <m:oMath xmlns:m="http://schemas.openxmlformats.org/officeDocument/2006/math">
+                              <m:r>
+                                <a:rPr lang="en-AU" sz="1100" b="1" i="1" kern="1200" smtClean="0">
+                                  <a:solidFill>
+                                    <a:schemeClr val="tx1"/>
+                                  </a:solidFill>
+                                  <a:effectLst/>
+                                  <a:latin typeface="Cambria Math" panose="02040503050406030204" pitchFamily="18" charset="0"/>
+                                  <a:ea typeface="+mn-ea"/>
+                                  <a:cs typeface="+mn-cs"/>
+                                </a:rPr>
+                                <m:t>𝒑</m:t>
+                              </m:r>
+                            </m:oMath>
+                          </a14:m>
+                          <a:endParaRPr lang="en-AU" sz="1100" b="1" i="1" dirty="0"/>
+                        </a:p>
+                      </a:txBody>
+                      <a:tcPr anchor="ctr">
+                        <a:lnL>
+                          <a:noFill/>
+                        </a:lnL>
+                        <a:lnR>
+                          <a:noFill/>
+                        </a:lnR>
+                        <a:lnT w="12700" cap="flat" cmpd="sng" algn="ctr">
+                          <a:solidFill>
+                            <a:schemeClr val="tx1"/>
+                          </a:solidFill>
+                          <a:prstDash val="solid"/>
+                          <a:round/>
+                          <a:headEnd type="none" w="med" len="med"/>
+                          <a:tailEnd type="none" w="med" len="med"/>
+                        </a:lnT>
+                        <a:lnB w="12700" cap="flat" cmpd="sng" algn="ctr">
+                          <a:solidFill>
+                            <a:schemeClr val="tx1"/>
+                          </a:solidFill>
+                          <a:prstDash val="solid"/>
+                          <a:round/>
+                          <a:headEnd type="none" w="med" len="med"/>
+                          <a:tailEnd type="none" w="med" len="med"/>
+                        </a:lnB>
+                        <a:lnTlToBr w="12700" cmpd="sng">
+                          <a:noFill/>
+                          <a:prstDash val="solid"/>
+                        </a:lnTlToBr>
+                        <a:lnBlToTr w="12700" cmpd="sng">
+                          <a:noFill/>
+                          <a:prstDash val="solid"/>
+                        </a:lnBlToTr>
+                      </a:tcPr>
+                    </a:tc>
                     <a:tc>
                       <a:txBody>
                         <a:bodyPr/>
@@ -8422,12 +8463,12 @@
                                 <m:sSub>
                                   <m:sSubPr>
                                     <m:ctrlPr>
-                                      <a:rPr lang="en-AU" sz="1200" b="1" i="1" kern="1200" smtClean="0">
+                                      <a:rPr lang="en-AU" sz="1100" b="1" i="1" kern="1200" smtClean="0">
                                         <a:solidFill>
                                           <a:schemeClr val="tx1"/>
                                         </a:solidFill>
                                         <a:effectLst/>
-                                        <a:latin typeface="Cambria Math"/>
+                                        <a:latin typeface="Cambria Math" panose="02040503050406030204" pitchFamily="18" charset="0"/>
                                         <a:ea typeface="+mn-ea"/>
                                         <a:cs typeface="+mn-cs"/>
                                       </a:rPr>
@@ -8435,204 +8476,7 @@
                                   </m:sSubPr>
                                   <m:e>
                                     <m:r>
-                                      <a:rPr lang="en-AU" sz="1200" b="1" i="1" kern="1200">
-                                        <a:solidFill>
-                                          <a:schemeClr val="tx1"/>
-                                        </a:solidFill>
-                                        <a:effectLst/>
-                                        <a:latin typeface="Cambria Math"/>
-                                        <a:ea typeface="+mn-ea"/>
-                                        <a:cs typeface="+mn-cs"/>
-                                      </a:rPr>
-                                      <m:t>𝑷</m:t>
-                                    </m:r>
-                                  </m:e>
-                                  <m:sub>
-                                    <m:r>
-                                      <a:rPr lang="en-AU" sz="1200" b="1" i="1" kern="1200">
-                                        <a:solidFill>
-                                          <a:schemeClr val="tx1"/>
-                                        </a:solidFill>
-                                        <a:effectLst/>
-                                        <a:latin typeface="Cambria Math"/>
-                                        <a:ea typeface="+mn-ea"/>
-                                        <a:cs typeface="+mn-cs"/>
-                                      </a:rPr>
-                                      <m:t>𝒊</m:t>
-                                    </m:r>
-                                  </m:sub>
-                                </m:sSub>
-                              </m:oMath>
-                            </m:oMathPara>
-                          </a14:m>
-                          <a:endParaRPr lang="en-AU" sz="1200" dirty="0"/>
-                        </a:p>
-                      </a:txBody>
-                      <a:tcPr anchor="ctr">
-                        <a:lnL w="12700" cap="flat" cmpd="sng" algn="ctr">
-                          <a:solidFill>
-                            <a:schemeClr val="tx1"/>
-                          </a:solidFill>
-                          <a:prstDash val="solid"/>
-                          <a:round/>
-                          <a:headEnd type="none" w="med" len="med"/>
-                          <a:tailEnd type="none" w="med" len="med"/>
-                        </a:lnL>
-                        <a:lnR>
-                          <a:noFill/>
-                        </a:lnR>
-                        <a:lnT w="12700" cap="flat" cmpd="sng" algn="ctr">
-                          <a:solidFill>
-                            <a:schemeClr val="tx1"/>
-                          </a:solidFill>
-                          <a:prstDash val="solid"/>
-                          <a:round/>
-                          <a:headEnd type="none" w="med" len="med"/>
-                          <a:tailEnd type="none" w="med" len="med"/>
-                        </a:lnT>
-                        <a:lnB w="12700" cap="flat" cmpd="sng" algn="ctr">
-                          <a:solidFill>
-                            <a:schemeClr val="tx1"/>
-                          </a:solidFill>
-                          <a:prstDash val="solid"/>
-                          <a:round/>
-                          <a:headEnd type="none" w="med" len="med"/>
-                          <a:tailEnd type="none" w="med" len="med"/>
-                        </a:lnB>
-                        <a:lnTlToBr w="12700" cmpd="sng">
-                          <a:noFill/>
-                          <a:prstDash val="solid"/>
-                        </a:lnTlToBr>
-                        <a:lnBlToTr w="12700" cmpd="sng">
-                          <a:noFill/>
-                          <a:prstDash val="solid"/>
-                        </a:lnBlToTr>
-                      </a:tcPr>
-                    </a:tc>
-                    <a:tc>
-                      <a:txBody>
-                        <a:bodyPr/>
-                        <a:lstStyle/>
-                        <a:p>
-                          <a:pPr algn="ctr"/>
-                          <a:r>
-                            <a:rPr lang="en-AU" sz="1200" b="1" i="1" dirty="0"/>
-                            <a:t>#</a:t>
-                          </a:r>
-                          <a14:m>
-                            <m:oMath xmlns:m="http://schemas.openxmlformats.org/officeDocument/2006/math">
-                              <m:sSub>
-                                <m:sSubPr>
-                                  <m:ctrlPr>
-                                    <a:rPr lang="en-AU" sz="1200" b="1" i="1" kern="1200" smtClean="0">
-                                      <a:solidFill>
-                                        <a:schemeClr val="tx1"/>
-                                      </a:solidFill>
-                                      <a:effectLst/>
-                                      <a:latin typeface="Cambria Math"/>
-                                      <a:ea typeface="+mn-ea"/>
-                                      <a:cs typeface="+mn-cs"/>
-                                    </a:rPr>
-                                  </m:ctrlPr>
-                                </m:sSubPr>
-                                <m:e>
-                                  <m:r>
-                                    <a:rPr lang="en-AU" sz="1200" b="1" i="1" kern="1200">
-                                      <a:solidFill>
-                                        <a:schemeClr val="tx1"/>
-                                      </a:solidFill>
-                                      <a:effectLst/>
-                                      <a:latin typeface="Cambria Math"/>
-                                      <a:ea typeface="+mn-ea"/>
-                                      <a:cs typeface="+mn-cs"/>
-                                    </a:rPr>
-                                    <m:t>𝑷</m:t>
-                                  </m:r>
-                                </m:e>
-                                <m:sub>
-                                  <m:r>
-                                    <a:rPr lang="en-AU" sz="1200" b="1" i="1" kern="1200">
-                                      <a:solidFill>
-                                        <a:schemeClr val="tx1"/>
-                                      </a:solidFill>
-                                      <a:effectLst/>
-                                      <a:latin typeface="Cambria Math"/>
-                                      <a:ea typeface="+mn-ea"/>
-                                      <a:cs typeface="+mn-cs"/>
-                                    </a:rPr>
-                                    <m:t>𝒊</m:t>
-                                  </m:r>
-                                </m:sub>
-                              </m:sSub>
-                            </m:oMath>
-                          </a14:m>
-                          <a:endParaRPr lang="en-AU" sz="1200" b="1" i="1" dirty="0"/>
-                        </a:p>
-                      </a:txBody>
-                      <a:tcPr anchor="ctr">
-                        <a:lnL>
-                          <a:noFill/>
-                        </a:lnL>
-                        <a:lnR>
-                          <a:noFill/>
-                        </a:lnR>
-                        <a:lnT w="12700" cap="flat" cmpd="sng" algn="ctr">
-                          <a:solidFill>
-                            <a:schemeClr val="tx1"/>
-                          </a:solidFill>
-                          <a:prstDash val="solid"/>
-                          <a:round/>
-                          <a:headEnd type="none" w="med" len="med"/>
-                          <a:tailEnd type="none" w="med" len="med"/>
-                        </a:lnT>
-                        <a:lnB w="12700" cap="flat" cmpd="sng" algn="ctr">
-                          <a:solidFill>
-                            <a:schemeClr val="tx1"/>
-                          </a:solidFill>
-                          <a:prstDash val="solid"/>
-                          <a:round/>
-                          <a:headEnd type="none" w="med" len="med"/>
-                          <a:tailEnd type="none" w="med" len="med"/>
-                        </a:lnB>
-                        <a:lnTlToBr w="12700" cmpd="sng">
-                          <a:noFill/>
-                          <a:prstDash val="solid"/>
-                        </a:lnTlToBr>
-                        <a:lnBlToTr w="12700" cmpd="sng">
-                          <a:noFill/>
-                          <a:prstDash val="solid"/>
-                        </a:lnBlToTr>
-                      </a:tcPr>
-                    </a:tc>
-                    <a:tc>
-                      <a:txBody>
-                        <a:bodyPr/>
-                        <a:lstStyle/>
-                        <a:p>
-                          <a:pPr algn="ctr"/>
-                          <a14:m>
-                            <m:oMathPara xmlns:m="http://schemas.openxmlformats.org/officeDocument/2006/math">
-                              <m:oMathParaPr>
-                                <m:jc m:val="centerGroup"/>
-                              </m:oMathParaPr>
-                              <m:oMath xmlns:m="http://schemas.openxmlformats.org/officeDocument/2006/math">
-                                <m:sSub>
-                                  <m:sSubPr>
-                                    <m:ctrlPr>
-                                      <a:rPr lang="en-AU" sz="1200" b="1" i="1" kern="1200" smtClean="0">
-                                        <a:solidFill>
-                                          <a:schemeClr val="tx1"/>
-                                        </a:solidFill>
-                                        <a:effectLst/>
-                                        <a:latin typeface="Cambria Math"/>
-                                        <a:ea typeface="+mn-ea"/>
-                                        <a:cs typeface="+mn-cs"/>
-                                      </a:rPr>
-                                    </m:ctrlPr>
-                                  </m:sSubPr>
-                                  <m:e>
-                                    <m:r>
-                                      <a:rPr lang="en-AU" sz="1200" b="1" i="1" kern="1200">
+                                      <a:rPr lang="en-AU" sz="1100" b="1" i="1" kern="1200">
                                         <a:solidFill>
                                           <a:schemeClr val="tx1"/>
                                         </a:solidFill>
@@ -8646,83 +8490,76 @@
                                   </m:e>
                                   <m:sub>
                                     <m:r>
-                                      <a:rPr lang="en-AU" sz="1200" b="1" i="1" kern="1200">
+                                      <a:rPr lang="en-AU" sz="1100" b="1" i="1" kern="1200" smtClean="0">
                                         <a:solidFill>
                                           <a:schemeClr val="tx1"/>
                                         </a:solidFill>
                                         <a:effectLst/>
-                                        <a:latin typeface="Cambria Math"/>
+                                        <a:latin typeface="Cambria Math" panose="02040503050406030204" pitchFamily="18" charset="0"/>
                                         <a:ea typeface="+mn-ea"/>
                                         <a:cs typeface="+mn-cs"/>
                                       </a:rPr>
-                                      <m:t>𝒌</m:t>
+                                      <m:t>𝟑</m:t>
+                                    </m:r>
+                                    <m:r>
+                                      <a:rPr lang="en-AU" sz="1100" b="1" i="1" kern="1200" smtClean="0">
+                                        <a:solidFill>
+                                          <a:schemeClr val="tx1"/>
+                                        </a:solidFill>
+                                        <a:effectLst/>
+                                        <a:latin typeface="Cambria Math" panose="02040503050406030204" pitchFamily="18" charset="0"/>
+                                        <a:ea typeface="+mn-ea"/>
+                                        <a:cs typeface="+mn-cs"/>
+                                      </a:rPr>
+                                      <m:t>−</m:t>
+                                    </m:r>
+                                    <m:r>
+                                      <a:rPr lang="en-AU" sz="1100" b="1" i="1" kern="1200" smtClean="0">
+                                        <a:solidFill>
+                                          <a:schemeClr val="tx1"/>
+                                        </a:solidFill>
+                                        <a:effectLst/>
+                                        <a:latin typeface="Cambria Math" panose="02040503050406030204" pitchFamily="18" charset="0"/>
+                                        <a:ea typeface="+mn-ea"/>
+                                        <a:cs typeface="+mn-cs"/>
+                                      </a:rPr>
+                                      <m:t>𝟕</m:t>
                                     </m:r>
                                   </m:sub>
                                 </m:sSub>
                                 <m:d>
                                   <m:dPr>
                                     <m:ctrlPr>
-                                      <a:rPr lang="en-AU" sz="1200" b="1" i="1" kern="1200">
+                                      <a:rPr lang="en-AU" sz="1100" b="1" i="1" kern="1200">
                                         <a:solidFill>
                                           <a:schemeClr val="tx1"/>
                                         </a:solidFill>
                                         <a:effectLst/>
-                                        <a:latin typeface="Cambria Math"/>
+                                        <a:latin typeface="Cambria Math" panose="02040503050406030204" pitchFamily="18" charset="0"/>
                                         <a:ea typeface="+mn-ea"/>
                                         <a:cs typeface="+mn-cs"/>
                                       </a:rPr>
                                     </m:ctrlPr>
                                   </m:dPr>
                                   <m:e>
-                                    <m:sSub>
-                                      <m:sSubPr>
-                                        <m:ctrlPr>
-                                          <a:rPr lang="en-AU" sz="1200" b="1" i="1" kern="1200">
-                                            <a:solidFill>
-                                              <a:schemeClr val="tx1"/>
-                                            </a:solidFill>
-                                            <a:effectLst/>
-                                            <a:latin typeface="Cambria Math"/>
-                                            <a:ea typeface="+mn-ea"/>
-                                            <a:cs typeface="+mn-cs"/>
-                                          </a:rPr>
-                                        </m:ctrlPr>
-                                      </m:sSubPr>
-                                      <m:e>
-                                        <m:r>
-                                          <a:rPr lang="en-AU" sz="1200" b="1" i="1" kern="1200">
-                                            <a:solidFill>
-                                              <a:schemeClr val="tx1"/>
-                                            </a:solidFill>
-                                            <a:effectLst/>
-                                            <a:latin typeface="Cambria Math"/>
-                                            <a:ea typeface="+mn-ea"/>
-                                            <a:cs typeface="+mn-cs"/>
-                                          </a:rPr>
-                                          <m:t>𝑷</m:t>
-                                        </m:r>
-                                      </m:e>
-                                      <m:sub>
-                                        <m:r>
-                                          <a:rPr lang="en-AU" sz="1200" b="1" i="1" kern="1200">
-                                            <a:solidFill>
-                                              <a:schemeClr val="tx1"/>
-                                            </a:solidFill>
-                                            <a:effectLst/>
-                                            <a:latin typeface="Cambria Math"/>
-                                            <a:ea typeface="+mn-ea"/>
-                                            <a:cs typeface="+mn-cs"/>
-                                          </a:rPr>
-                                          <m:t>𝒊</m:t>
-                                        </m:r>
-                                      </m:sub>
-                                    </m:sSub>
+                                    <m:r>
+                                      <a:rPr lang="en-AU" sz="1100" b="1" i="1" kern="1200" smtClean="0">
+                                        <a:solidFill>
+                                          <a:schemeClr val="tx1"/>
+                                        </a:solidFill>
+                                        <a:effectLst/>
+                                        <a:latin typeface="Cambria Math" panose="02040503050406030204" pitchFamily="18" charset="0"/>
+                                        <a:ea typeface="+mn-ea"/>
+                                        <a:cs typeface="+mn-cs"/>
+                                      </a:rPr>
+                                      <m:t>𝒑</m:t>
+                                    </m:r>
                                   </m:e>
                                 </m:d>
                               </m:oMath>
                             </m:oMathPara>
                           </a14:m>
-                          <a:endParaRPr lang="en-AU" sz="1200" dirty="0"/>
+                          <a:endParaRPr lang="en-AU" sz="1100" dirty="0"/>
                         </a:p>
                       </a:txBody>
                       <a:tcPr anchor="ctr">
@@ -8775,12 +8612,12 @@
                                 <m:sSub>
                                   <m:sSubPr>
                                     <m:ctrlPr>
-                                      <a:rPr lang="en-AU" sz="1200" b="1" i="1" kern="1200" smtClean="0">
+                                      <a:rPr lang="en-AU" sz="1100" b="1" i="1" kern="1200" smtClean="0">
                                         <a:solidFill>
                                           <a:schemeClr val="tx1"/>
                                         </a:solidFill>
                                         <a:effectLst/>
-                                        <a:latin typeface="Cambria Math"/>
+                                        <a:latin typeface="Cambria Math" panose="02040503050406030204" pitchFamily="18" charset="0"/>
                                         <a:ea typeface="+mn-ea"/>
                                         <a:cs typeface="+mn-cs"/>
                                       </a:rPr>
@@ -8788,7 +8625,7 @@
                                   </m:sSubPr>
                                   <m:e>
                                     <m:r>
-                                      <a:rPr lang="en-AU" sz="1200" b="1" i="1" kern="1200" smtClean="0">
+                                      <a:rPr lang="en-AU" sz="1100" b="1" i="1" kern="1200" smtClean="0">
                                         <a:solidFill>
                                           <a:schemeClr val="tx1"/>
                                         </a:solidFill>
@@ -8802,83 +8639,76 @@
                                   </m:e>
                                   <m:sub>
                                     <m:r>
-                                      <a:rPr lang="en-AU" sz="1200" b="1" i="1" kern="1200">
+                                      <a:rPr lang="en-AU" sz="1100" b="1" i="1" kern="1200" smtClean="0">
                                         <a:solidFill>
                                           <a:schemeClr val="tx1"/>
                                         </a:solidFill>
                                         <a:effectLst/>
-                                        <a:latin typeface="Cambria Math"/>
+                                        <a:latin typeface="Cambria Math" panose="02040503050406030204" pitchFamily="18" charset="0"/>
                                         <a:ea typeface="+mn-ea"/>
                                         <a:cs typeface="+mn-cs"/>
                                       </a:rPr>
-                                      <m:t>𝒌</m:t>
+                                      <m:t>𝟑</m:t>
+                                    </m:r>
+                                    <m:r>
+                                      <a:rPr lang="en-AU" sz="1100" b="1" i="1" kern="1200" smtClean="0">
+                                        <a:solidFill>
+                                          <a:schemeClr val="tx1"/>
+                                        </a:solidFill>
+                                        <a:effectLst/>
+                                        <a:latin typeface="Cambria Math" panose="02040503050406030204" pitchFamily="18" charset="0"/>
+                                        <a:ea typeface="+mn-ea"/>
+                                        <a:cs typeface="+mn-cs"/>
+                                      </a:rPr>
+                                      <m:t>−</m:t>
+                                    </m:r>
+                                    <m:r>
+                                      <a:rPr lang="en-AU" sz="1100" b="1" i="1" kern="1200" smtClean="0">
+                                        <a:solidFill>
+                                          <a:schemeClr val="tx1"/>
+                                        </a:solidFill>
+                                        <a:effectLst/>
+                                        <a:latin typeface="Cambria Math" panose="02040503050406030204" pitchFamily="18" charset="0"/>
+                                        <a:ea typeface="+mn-ea"/>
+                                        <a:cs typeface="+mn-cs"/>
+                                      </a:rPr>
+                                      <m:t>𝟕</m:t>
                                     </m:r>
                                   </m:sub>
                                 </m:sSub>
                                 <m:d>
                                   <m:dPr>
                                     <m:ctrlPr>
-                                      <a:rPr lang="en-AU" sz="1200" b="1" i="1" kern="1200">
+                                      <a:rPr lang="en-AU" sz="1100" b="1" i="1" kern="1200">
                                         <a:solidFill>
                                           <a:schemeClr val="tx1"/>
                                         </a:solidFill>
                                         <a:effectLst/>
-                                        <a:latin typeface="Cambria Math"/>
+                                        <a:latin typeface="Cambria Math" panose="02040503050406030204" pitchFamily="18" charset="0"/>
                                         <a:ea typeface="+mn-ea"/>
                                         <a:cs typeface="+mn-cs"/>
                                       </a:rPr>
                                     </m:ctrlPr>
                                   </m:dPr>
                                   <m:e>
-                                    <m:sSub>
-                                      <m:sSubPr>
-                                        <m:ctrlPr>
-                                          <a:rPr lang="en-AU" sz="1200" b="1" i="1" kern="1200">
-                                            <a:solidFill>
-                                              <a:schemeClr val="tx1"/>
-                                            </a:solidFill>
-                                            <a:effectLst/>
-                                            <a:latin typeface="Cambria Math"/>
-                                            <a:ea typeface="+mn-ea"/>
-                                            <a:cs typeface="+mn-cs"/>
-                                          </a:rPr>
-                                        </m:ctrlPr>
-                                      </m:sSubPr>
-                                      <m:e>
-                                        <m:r>
-                                          <a:rPr lang="en-AU" sz="1200" b="1" i="1" kern="1200">
-                                            <a:solidFill>
-                                              <a:schemeClr val="tx1"/>
-                                            </a:solidFill>
-                                            <a:effectLst/>
-                                            <a:latin typeface="Cambria Math"/>
-                                            <a:ea typeface="+mn-ea"/>
-                                            <a:cs typeface="+mn-cs"/>
-                                          </a:rPr>
-                                          <m:t>𝑷</m:t>
-                                        </m:r>
-                                      </m:e>
-                                      <m:sub>
-                                        <m:r>
-                                          <a:rPr lang="en-AU" sz="1200" b="1" i="1" kern="1200">
-                                            <a:solidFill>
-                                              <a:schemeClr val="tx1"/>
-                                            </a:solidFill>
-                                            <a:effectLst/>
-                                            <a:latin typeface="Cambria Math"/>
-                                            <a:ea typeface="+mn-ea"/>
-                                            <a:cs typeface="+mn-cs"/>
-                                          </a:rPr>
-                                          <m:t>𝒊</m:t>
-                                        </m:r>
-                                      </m:sub>
-                                    </m:sSub>
+                                    <m:r>
+                                      <a:rPr lang="en-AU" sz="1100" b="1" i="1" kern="1200" smtClean="0">
+                                        <a:solidFill>
+                                          <a:schemeClr val="tx1"/>
+                                        </a:solidFill>
+                                        <a:effectLst/>
+                                        <a:latin typeface="Cambria Math" panose="02040503050406030204" pitchFamily="18" charset="0"/>
+                                        <a:ea typeface="+mn-ea"/>
+                                        <a:cs typeface="+mn-cs"/>
+                                      </a:rPr>
+                                      <m:t>𝒑</m:t>
+                                    </m:r>
                                   </m:e>
                                 </m:d>
                               </m:oMath>
                             </m:oMathPara>
                           </a14:m>
-                          <a:endParaRPr lang="en-AU" sz="1200" dirty="0"/>
+                          <a:endParaRPr lang="en-AU" sz="1100" dirty="0"/>
                         </a:p>
                       </a:txBody>
                       <a:tcPr anchor="ctr">
@@ -8931,12 +8761,12 @@
                                 <m:sSub>
                                   <m:sSubPr>
                                     <m:ctrlPr>
-                                      <a:rPr lang="en-AU" sz="1200" b="1" i="1" kern="1200" smtClean="0">
+                                      <a:rPr lang="en-AU" sz="1100" b="1" i="1" kern="1200" smtClean="0">
                                         <a:solidFill>
                                           <a:schemeClr val="tx1"/>
                                         </a:solidFill>
                                         <a:effectLst/>
-                                        <a:latin typeface="Cambria Math"/>
+                                        <a:latin typeface="Cambria Math" panose="02040503050406030204" pitchFamily="18" charset="0"/>
                                         <a:ea typeface="+mn-ea"/>
                                         <a:cs typeface="+mn-cs"/>
                                       </a:rPr>
@@ -8944,7 +8774,7 @@
                                   </m:sSubPr>
                                   <m:e>
                                     <m:r>
-                                      <a:rPr lang="en-AU" sz="1200" b="1" i="1" kern="1200">
+                                      <a:rPr lang="en-AU" sz="1100" b="1" i="1" kern="1200">
                                         <a:solidFill>
                                           <a:schemeClr val="tx1"/>
                                         </a:solidFill>
@@ -8958,83 +8788,76 @@
                                   </m:e>
                                   <m:sub>
                                     <m:r>
-                                      <a:rPr lang="en-AU" sz="1200" b="1" i="1" kern="1200">
+                                      <a:rPr lang="en-AU" sz="1100" b="1" i="1" kern="1200" smtClean="0">
                                         <a:solidFill>
                                           <a:schemeClr val="tx1"/>
                                         </a:solidFill>
                                         <a:effectLst/>
-                                        <a:latin typeface="Cambria Math"/>
+                                        <a:latin typeface="Cambria Math" panose="02040503050406030204" pitchFamily="18" charset="0"/>
                                         <a:ea typeface="+mn-ea"/>
                                         <a:cs typeface="+mn-cs"/>
                                       </a:rPr>
-                                      <m:t>𝒌</m:t>
+                                      <m:t>𝟑</m:t>
+                                    </m:r>
+                                    <m:r>
+                                      <a:rPr lang="en-AU" sz="1100" b="1" i="1" kern="1200" smtClean="0">
+                                        <a:solidFill>
+                                          <a:schemeClr val="tx1"/>
+                                        </a:solidFill>
+                                        <a:effectLst/>
+                                        <a:latin typeface="Cambria Math" panose="02040503050406030204" pitchFamily="18" charset="0"/>
+                                        <a:ea typeface="+mn-ea"/>
+                                        <a:cs typeface="+mn-cs"/>
+                                      </a:rPr>
+                                      <m:t>−</m:t>
+                                    </m:r>
+                                    <m:r>
+                                      <a:rPr lang="en-AU" sz="1100" b="1" i="1" kern="1200" smtClean="0">
+                                        <a:solidFill>
+                                          <a:schemeClr val="tx1"/>
+                                        </a:solidFill>
+                                        <a:effectLst/>
+                                        <a:latin typeface="Cambria Math" panose="02040503050406030204" pitchFamily="18" charset="0"/>
+                                        <a:ea typeface="+mn-ea"/>
+                                        <a:cs typeface="+mn-cs"/>
+                                      </a:rPr>
+                                      <m:t>𝟕</m:t>
                                     </m:r>
                                   </m:sub>
                                 </m:sSub>
                                 <m:d>
                                   <m:dPr>
                                     <m:ctrlPr>
-                                      <a:rPr lang="en-AU" sz="1200" b="1" i="1" kern="1200">
+                                      <a:rPr lang="en-AU" sz="1100" b="1" i="1" kern="1200">
                                         <a:solidFill>
                                           <a:schemeClr val="tx1"/>
                                         </a:solidFill>
                                         <a:effectLst/>
-                                        <a:latin typeface="Cambria Math"/>
+                                        <a:latin typeface="Cambria Math" panose="02040503050406030204" pitchFamily="18" charset="0"/>
                                         <a:ea typeface="+mn-ea"/>
                                         <a:cs typeface="+mn-cs"/>
                                       </a:rPr>
                                     </m:ctrlPr>
                                   </m:dPr>
                                   <m:e>
-                                    <m:sSub>
-                                      <m:sSubPr>
-                                        <m:ctrlPr>
-                                          <a:rPr lang="en-AU" sz="1200" b="1" i="1" kern="1200">
-                                            <a:solidFill>
-                                              <a:schemeClr val="tx1"/>
-                                            </a:solidFill>
-                                            <a:effectLst/>
-                                            <a:latin typeface="Cambria Math"/>
-                                            <a:ea typeface="+mn-ea"/>
-                                            <a:cs typeface="+mn-cs"/>
-                                          </a:rPr>
-                                        </m:ctrlPr>
-                                      </m:sSubPr>
-                                      <m:e>
-                                        <m:r>
-                                          <a:rPr lang="en-AU" sz="1200" b="1" i="1" kern="1200">
-                                            <a:solidFill>
-                                              <a:schemeClr val="tx1"/>
-                                            </a:solidFill>
-                                            <a:effectLst/>
-                                            <a:latin typeface="Cambria Math"/>
-                                            <a:ea typeface="+mn-ea"/>
-                                            <a:cs typeface="+mn-cs"/>
-                                          </a:rPr>
-                                          <m:t>𝑷</m:t>
-                                        </m:r>
-                                      </m:e>
-                                      <m:sub>
-                                        <m:r>
-                                          <a:rPr lang="en-AU" sz="1200" b="1" i="1" kern="1200">
-                                            <a:solidFill>
-                                              <a:schemeClr val="tx1"/>
-                                            </a:solidFill>
-                                            <a:effectLst/>
-                                            <a:latin typeface="Cambria Math"/>
-                                            <a:ea typeface="+mn-ea"/>
-                                            <a:cs typeface="+mn-cs"/>
-                                          </a:rPr>
-                                          <m:t>𝒊</m:t>
-                                        </m:r>
-                                      </m:sub>
-                                    </m:sSub>
+                                    <m:r>
+                                      <a:rPr lang="en-AU" sz="1100" b="1" i="1" kern="1200" smtClean="0">
+                                        <a:solidFill>
+                                          <a:schemeClr val="tx1"/>
+                                        </a:solidFill>
+                                        <a:effectLst/>
+                                        <a:latin typeface="Cambria Math" panose="02040503050406030204" pitchFamily="18" charset="0"/>
+                                        <a:ea typeface="+mn-ea"/>
+                                        <a:cs typeface="+mn-cs"/>
+                                      </a:rPr>
+                                      <m:t>𝒑</m:t>
+                                    </m:r>
                                   </m:e>
                                 </m:d>
                               </m:oMath>
                             </m:oMathPara>
                           </a14:m>
-                          <a:endParaRPr lang="en-AU" sz="1200" dirty="0"/>
+                          <a:endParaRPr lang="en-AU" sz="1100" dirty="0"/>
                         </a:p>
                       </a:txBody>
                       <a:tcPr anchor="ctr">
@@ -9080,7 +8903,7 @@
                     </a:tc>
                     <a:extLst>
                       <a:ext uri="{0D108BD9-81ED-4DB2-BD59-A6C34878D82A}">
-                        <a16:rowId xmlns:a16="http://schemas.microsoft.com/office/drawing/2014/main" xmlns="" val="3176941515"/>
+                        <a16:rowId xmlns:a16="http://schemas.microsoft.com/office/drawing/2014/main" val="3176941515"/>
                       </a:ext>
                     </a:extLst>
                   </a:tr>
@@ -9313,7 +9136,7 @@
                     </a:tc>
                     <a:extLst>
                       <a:ext uri="{0D108BD9-81ED-4DB2-BD59-A6C34878D82A}">
-                        <a16:rowId xmlns:a16="http://schemas.microsoft.com/office/drawing/2014/main" xmlns="" val="2673339703"/>
+                        <a16:rowId xmlns:a16="http://schemas.microsoft.com/office/drawing/2014/main" val="2673339703"/>
                       </a:ext>
                     </a:extLst>
                   </a:tr>
@@ -9507,7 +9330,7 @@
                     </a:tc>
                     <a:extLst>
                       <a:ext uri="{0D108BD9-81ED-4DB2-BD59-A6C34878D82A}">
-                        <a16:rowId xmlns:a16="http://schemas.microsoft.com/office/drawing/2014/main" xmlns="" val="2736953877"/>
+                        <a16:rowId xmlns:a16="http://schemas.microsoft.com/office/drawing/2014/main" val="2736953877"/>
                       </a:ext>
                     </a:extLst>
                   </a:tr>
@@ -9710,7 +9533,7 @@
                     </a:tc>
                     <a:extLst>
                       <a:ext uri="{0D108BD9-81ED-4DB2-BD59-A6C34878D82A}">
-                        <a16:rowId xmlns:a16="http://schemas.microsoft.com/office/drawing/2014/main" xmlns="" val="935999974"/>
+                        <a16:rowId xmlns:a16="http://schemas.microsoft.com/office/drawing/2014/main" val="935999974"/>
                       </a:ext>
                     </a:extLst>
                   </a:tr>
@@ -9904,7 +9727,7 @@
                     </a:tc>
                     <a:extLst>
                       <a:ext uri="{0D108BD9-81ED-4DB2-BD59-A6C34878D82A}">
-                        <a16:rowId xmlns:a16="http://schemas.microsoft.com/office/drawing/2014/main" xmlns="" val="3527595651"/>
+                        <a16:rowId xmlns:a16="http://schemas.microsoft.com/office/drawing/2014/main" val="3527595651"/>
                       </a:ext>
                     </a:extLst>
                   </a:tr>
@@ -10098,7 +9921,7 @@
                     </a:tc>
                     <a:extLst>
                       <a:ext uri="{0D108BD9-81ED-4DB2-BD59-A6C34878D82A}">
-                        <a16:rowId xmlns:a16="http://schemas.microsoft.com/office/drawing/2014/main" xmlns="" val="2500584138"/>
+                        <a16:rowId xmlns:a16="http://schemas.microsoft.com/office/drawing/2014/main" val="2500584138"/>
                       </a:ext>
                     </a:extLst>
                   </a:tr>
@@ -10292,7 +10115,7 @@
                     </a:tc>
                     <a:extLst>
                       <a:ext uri="{0D108BD9-81ED-4DB2-BD59-A6C34878D82A}">
-                        <a16:rowId xmlns:a16="http://schemas.microsoft.com/office/drawing/2014/main" xmlns="" val="1644191295"/>
+                        <a16:rowId xmlns:a16="http://schemas.microsoft.com/office/drawing/2014/main" val="1644191295"/>
                       </a:ext>
                     </a:extLst>
                   </a:tr>
@@ -10486,7 +10309,7 @@
                     </a:tc>
                     <a:extLst>
                       <a:ext uri="{0D108BD9-81ED-4DB2-BD59-A6C34878D82A}">
-                        <a16:rowId xmlns:a16="http://schemas.microsoft.com/office/drawing/2014/main" xmlns="" val="2249276370"/>
+                        <a16:rowId xmlns:a16="http://schemas.microsoft.com/office/drawing/2014/main" val="2249276370"/>
                       </a:ext>
                     </a:extLst>
                   </a:tr>
@@ -10680,7 +10503,7 @@
                     </a:tc>
                     <a:extLst>
                       <a:ext uri="{0D108BD9-81ED-4DB2-BD59-A6C34878D82A}">
-                        <a16:rowId xmlns:a16="http://schemas.microsoft.com/office/drawing/2014/main" xmlns="" val="889951462"/>
+                        <a16:rowId xmlns:a16="http://schemas.microsoft.com/office/drawing/2014/main" val="889951462"/>
                       </a:ext>
                     </a:extLst>
                   </a:tr>
@@ -10904,7 +10727,7 @@
                     </a:tc>
                     <a:extLst>
                       <a:ext uri="{0D108BD9-81ED-4DB2-BD59-A6C34878D82A}">
-                        <a16:rowId xmlns:a16="http://schemas.microsoft.com/office/drawing/2014/main" xmlns="" val="141707935"/>
+                        <a16:rowId xmlns:a16="http://schemas.microsoft.com/office/drawing/2014/main" val="141707935"/>
                       </a:ext>
                     </a:extLst>
                   </a:tr>
@@ -10913,7 +10736,7 @@
             </a:graphic>
           </p:graphicFrame>
         </mc:Choice>
-        <mc:Fallback xmlns="">
+        <mc:Fallback>
           <p:graphicFrame>
             <p:nvGraphicFramePr>
               <p:cNvPr id="6" name="Table 5"/>
@@ -10923,7 +10746,7 @@
               <p:nvPr>
                 <p:extLst>
                   <p:ext uri="{D42A27DB-BD31-4B8C-83A1-F6EECF244321}">
-                    <p14:modId xmlns:p14="http://schemas.microsoft.com/office/powerpoint/2010/main" val="1286778539"/>
+                    <p14:modId xmlns:p14="http://schemas.microsoft.com/office/powerpoint/2010/main" val="1491037563"/>
                   </p:ext>
                 </p:extLst>
               </p:nvPr>
@@ -10942,35 +10765,35 @@
                     <a:gridCol w="785093">
                       <a:extLst>
                         <a:ext uri="{9D8B030D-6E8A-4147-A177-3AD203B41FA5}">
-                          <a16:colId xmlns="" xmlns:a16="http://schemas.microsoft.com/office/drawing/2014/main" xmlns:a14="http://schemas.microsoft.com/office/drawing/2010/main" val="2070464311"/>
+                          <a16:colId xmlns:a16="http://schemas.microsoft.com/office/drawing/2014/main" val="2070464311"/>
                         </a:ext>
                       </a:extLst>
                     </a:gridCol>
                     <a:gridCol w="478557">
                       <a:extLst>
                         <a:ext uri="{9D8B030D-6E8A-4147-A177-3AD203B41FA5}">
-                          <a16:colId xmlns="" xmlns:a16="http://schemas.microsoft.com/office/drawing/2014/main" xmlns:a14="http://schemas.microsoft.com/office/drawing/2010/main" val="2814482158"/>
+                          <a16:colId xmlns:a16="http://schemas.microsoft.com/office/drawing/2014/main" val="2814482158"/>
                         </a:ext>
                       </a:extLst>
                     </a:gridCol>
                     <a:gridCol w="631825">
                       <a:extLst>
                         <a:ext uri="{9D8B030D-6E8A-4147-A177-3AD203B41FA5}">
-                          <a16:colId xmlns="" xmlns:a16="http://schemas.microsoft.com/office/drawing/2014/main" xmlns:a14="http://schemas.microsoft.com/office/drawing/2010/main" val="3449075261"/>
+                          <a16:colId xmlns:a16="http://schemas.microsoft.com/office/drawing/2014/main" val="3449075261"/>
                         </a:ext>
                       </a:extLst>
                     </a:gridCol>
                     <a:gridCol w="631825">
                       <a:extLst>
                         <a:ext uri="{9D8B030D-6E8A-4147-A177-3AD203B41FA5}">
-                          <a16:colId xmlns="" xmlns:a16="http://schemas.microsoft.com/office/drawing/2014/main" xmlns:a14="http://schemas.microsoft.com/office/drawing/2010/main" val="1813670796"/>
+                          <a16:colId xmlns:a16="http://schemas.microsoft.com/office/drawing/2014/main" val="1813670796"/>
                         </a:ext>
                       </a:extLst>
                     </a:gridCol>
                     <a:gridCol w="631825">
                       <a:extLst>
                         <a:ext uri="{9D8B030D-6E8A-4147-A177-3AD203B41FA5}">
-                          <a16:colId xmlns="" xmlns:a16="http://schemas.microsoft.com/office/drawing/2014/main" xmlns:a14="http://schemas.microsoft.com/office/drawing/2010/main" val="1994465920"/>
+                          <a16:colId xmlns:a16="http://schemas.microsoft.com/office/drawing/2014/main" val="1994465920"/>
                         </a:ext>
                       </a:extLst>
                     </a:gridCol>
@@ -11023,10 +10846,10 @@
                           <a:noFill/>
                           <a:prstDash val="solid"/>
                         </a:lnBlToTr>
-                        <a:blipFill rotWithShape="1">
+                        <a:blipFill>
                           <a:blip r:embed="rId2"/>
                           <a:stretch>
-                            <a:fillRect t="-1190" r="-302326" b="-561905"/>
+                            <a:fillRect l="-775" t="-1190" r="-303876" b="-565476"/>
                           </a:stretch>
                         </a:blipFill>
                       </a:tcPr>
@@ -11072,10 +10895,10 @@
                           <a:noFill/>
                           <a:prstDash val="solid"/>
                         </a:lnBlToTr>
-                        <a:blipFill rotWithShape="1">
+                        <a:blipFill>
                           <a:blip r:embed="rId2"/>
                           <a:stretch>
-                            <a:fillRect l="-163291" t="-1190" r="-393671" b="-561905"/>
+                            <a:fillRect l="-164557" t="-1190" r="-396203" b="-565476"/>
                           </a:stretch>
                         </a:blipFill>
                       </a:tcPr>
@@ -11121,10 +10944,10 @@
                           <a:noFill/>
                           <a:prstDash val="solid"/>
                         </a:lnBlToTr>
-                        <a:blipFill rotWithShape="1">
+                        <a:blipFill>
                           <a:blip r:embed="rId2"/>
                           <a:stretch>
-                            <a:fillRect l="-201942" t="-1190" r="-201942" b="-561905"/>
+                            <a:fillRect l="-202913" t="-1190" r="-203883" b="-565476"/>
                           </a:stretch>
                         </a:blipFill>
                       </a:tcPr>
@@ -11170,10 +10993,10 @@
                           <a:noFill/>
                           <a:prstDash val="solid"/>
                         </a:lnBlToTr>
-                        <a:blipFill rotWithShape="1">
+                        <a:blipFill>
                           <a:blip r:embed="rId2"/>
                           <a:stretch>
-                            <a:fillRect l="-299038" t="-1190" r="-100000" b="-561905"/>
+                            <a:fillRect l="-300000" t="-1190" r="-101923" b="-565476"/>
                           </a:stretch>
                         </a:blipFill>
                       </a:tcPr>
@@ -11225,17 +11048,17 @@
                           <a:noFill/>
                           <a:prstDash val="solid"/>
                         </a:lnBlToTr>
-                        <a:blipFill rotWithShape="1">
+                        <a:blipFill>
                           <a:blip r:embed="rId2"/>
                           <a:stretch>
-                            <a:fillRect l="-399038" t="-1190" b="-561905"/>
+                            <a:fillRect l="-400000" t="-1190" r="-1923" b="-565476"/>
                           </a:stretch>
                         </a:blipFill>
                       </a:tcPr>
                     </a:tc>
                     <a:extLst>
                       <a:ext uri="{0D108BD9-81ED-4DB2-BD59-A6C34878D82A}">
-                        <a16:rowId xmlns="" xmlns:a16="http://schemas.microsoft.com/office/drawing/2014/main" xmlns:a14="http://schemas.microsoft.com/office/drawing/2010/main" val="3176941515"/>
+                        <a16:rowId xmlns:a16="http://schemas.microsoft.com/office/drawing/2014/main" val="3176941515"/>
                       </a:ext>
                     </a:extLst>
                   </a:tr>
@@ -11247,7 +11070,7 @@
                         <a:p>
                           <a:pPr algn="ctr" fontAlgn="b"/>
                           <a:r>
-                            <a:rPr lang="en-AU" sz="900" u="none" strike="noStrike" dirty="0" smtClean="0">
+                            <a:rPr lang="en-AU" sz="900" u="none" strike="noStrike" dirty="0">
                               <a:effectLst/>
                             </a:rPr>
                             <a:t>FYVDSVK</a:t>
@@ -11303,10 +11126,9 @@
                         <a:p>
                           <a:pPr algn="ctr"/>
                           <a:r>
-                            <a:rPr lang="en-AU" sz="900" dirty="0" smtClean="0"/>
+                            <a:rPr lang="en-AU" sz="900" dirty="0"/>
                             <a:t>9</a:t>
                           </a:r>
-                          <a:endParaRPr lang="en-AU" sz="900" dirty="0"/>
                         </a:p>
                       </a:txBody>
                       <a:tcPr anchor="ctr">
@@ -11345,10 +11167,9 @@
                         <a:p>
                           <a:pPr algn="ctr"/>
                           <a:r>
-                            <a:rPr lang="en-AU" sz="900" dirty="0" smtClean="0"/>
+                            <a:rPr lang="en-AU" sz="900" dirty="0"/>
                             <a:t>1</a:t>
                           </a:r>
-                          <a:endParaRPr lang="en-AU" sz="900" dirty="0"/>
                         </a:p>
                       </a:txBody>
                       <a:tcPr anchor="ctr">
@@ -11387,10 +11208,9 @@
                         <a:p>
                           <a:pPr algn="ctr"/>
                           <a:r>
-                            <a:rPr lang="en-AU" sz="900" dirty="0" smtClean="0"/>
+                            <a:rPr lang="en-AU" sz="900" dirty="0"/>
                             <a:t>0.994</a:t>
                           </a:r>
-                          <a:endParaRPr lang="en-AU" sz="900" dirty="0"/>
                         </a:p>
                       </a:txBody>
                       <a:tcPr anchor="ctr">
@@ -11429,10 +11249,9 @@
                         <a:p>
                           <a:pPr algn="ctr"/>
                           <a:r>
-                            <a:rPr lang="en-AU" sz="900" dirty="0" smtClean="0"/>
+                            <a:rPr lang="en-AU" sz="900" dirty="0"/>
                             <a:t>0.509</a:t>
                           </a:r>
-                          <a:endParaRPr lang="en-AU" sz="900" dirty="0"/>
                         </a:p>
                       </a:txBody>
                       <a:tcPr anchor="ctr">
@@ -11472,7 +11291,7 @@
                     </a:tc>
                     <a:extLst>
                       <a:ext uri="{0D108BD9-81ED-4DB2-BD59-A6C34878D82A}">
-                        <a16:rowId xmlns="" xmlns:a16="http://schemas.microsoft.com/office/drawing/2014/main" xmlns:a14="http://schemas.microsoft.com/office/drawing/2010/main" val="2673339703"/>
+                        <a16:rowId xmlns:a16="http://schemas.microsoft.com/office/drawing/2014/main" val="2673339703"/>
                       </a:ext>
                     </a:extLst>
                   </a:tr>
@@ -11484,10 +11303,9 @@
                         <a:p>
                           <a:pPr algn="ctr"/>
                           <a:r>
-                            <a:rPr lang="en-AU" sz="900" dirty="0" smtClean="0"/>
+                            <a:rPr lang="en-AU" sz="900" dirty="0"/>
                             <a:t>YYVDSVK</a:t>
                           </a:r>
-                          <a:endParaRPr lang="en-AU" sz="900" dirty="0"/>
                         </a:p>
                       </a:txBody>
                       <a:tcPr anchor="ctr">
@@ -11526,118 +11344,114 @@
                         <a:p>
                           <a:pPr algn="ctr"/>
                           <a:r>
-                            <a:rPr lang="en-AU" sz="900" dirty="0" smtClean="0"/>
+                            <a:rPr lang="en-AU" sz="900" dirty="0"/>
                             <a:t>6</a:t>
                           </a:r>
-                          <a:endParaRPr lang="en-AU" sz="900" dirty="0"/>
-                        </a:p>
-                      </a:txBody>
-                      <a:tcPr anchor="ctr">
-                        <a:lnL>
-                          <a:noFill/>
-                        </a:lnL>
-                        <a:lnR>
-                          <a:noFill/>
-                        </a:lnR>
-                        <a:lnT>
-                          <a:noFill/>
-                        </a:lnT>
-                        <a:lnB>
-                          <a:noFill/>
-                        </a:lnB>
-                        <a:lnTlToBr w="12700" cmpd="sng">
-                          <a:noFill/>
-                          <a:prstDash val="solid"/>
-                        </a:lnTlToBr>
-                        <a:lnBlToTr w="12700" cmpd="sng">
-                          <a:noFill/>
-                          <a:prstDash val="solid"/>
-                        </a:lnBlToTr>
-                      </a:tcPr>
-                    </a:tc>
-                    <a:tc>
-                      <a:txBody>
-                        <a:bodyPr/>
-                        <a:lstStyle/>
-                        <a:p>
-                          <a:pPr algn="ctr"/>
-                          <a:r>
-                            <a:rPr lang="en-AU" sz="900" dirty="0" smtClean="0"/>
+                        </a:p>
+                      </a:txBody>
+                      <a:tcPr anchor="ctr">
+                        <a:lnL>
+                          <a:noFill/>
+                        </a:lnL>
+                        <a:lnR>
+                          <a:noFill/>
+                        </a:lnR>
+                        <a:lnT>
+                          <a:noFill/>
+                        </a:lnT>
+                        <a:lnB>
+                          <a:noFill/>
+                        </a:lnB>
+                        <a:lnTlToBr w="12700" cmpd="sng">
+                          <a:noFill/>
+                          <a:prstDash val="solid"/>
+                        </a:lnTlToBr>
+                        <a:lnBlToTr w="12700" cmpd="sng">
+                          <a:noFill/>
+                          <a:prstDash val="solid"/>
+                        </a:lnBlToTr>
+                      </a:tcPr>
+                    </a:tc>
+                    <a:tc>
+                      <a:txBody>
+                        <a:bodyPr/>
+                        <a:lstStyle/>
+                        <a:p>
+                          <a:pPr algn="ctr"/>
+                          <a:r>
+                            <a:rPr lang="en-AU" sz="900" dirty="0"/>
                             <a:t>0</a:t>
                           </a:r>
-                          <a:endParaRPr lang="en-AU" sz="900" dirty="0"/>
-                        </a:p>
-                      </a:txBody>
-                      <a:tcPr anchor="ctr">
-                        <a:lnL>
-                          <a:noFill/>
-                        </a:lnL>
-                        <a:lnR>
-                          <a:noFill/>
-                        </a:lnR>
-                        <a:lnT>
-                          <a:noFill/>
-                        </a:lnT>
-                        <a:lnB>
-                          <a:noFill/>
-                        </a:lnB>
-                        <a:lnTlToBr w="12700" cmpd="sng">
-                          <a:noFill/>
-                          <a:prstDash val="solid"/>
-                        </a:lnTlToBr>
-                        <a:lnBlToTr w="12700" cmpd="sng">
-                          <a:noFill/>
-                          <a:prstDash val="solid"/>
-                        </a:lnBlToTr>
-                      </a:tcPr>
-                    </a:tc>
-                    <a:tc>
-                      <a:txBody>
-                        <a:bodyPr/>
-                        <a:lstStyle/>
-                        <a:p>
-                          <a:pPr algn="ctr"/>
-                          <a:r>
-                            <a:rPr lang="en-AU" sz="900" dirty="0" smtClean="0"/>
+                        </a:p>
+                      </a:txBody>
+                      <a:tcPr anchor="ctr">
+                        <a:lnL>
+                          <a:noFill/>
+                        </a:lnL>
+                        <a:lnR>
+                          <a:noFill/>
+                        </a:lnR>
+                        <a:lnT>
+                          <a:noFill/>
+                        </a:lnT>
+                        <a:lnB>
+                          <a:noFill/>
+                        </a:lnB>
+                        <a:lnTlToBr w="12700" cmpd="sng">
+                          <a:noFill/>
+                          <a:prstDash val="solid"/>
+                        </a:lnTlToBr>
+                        <a:lnBlToTr w="12700" cmpd="sng">
+                          <a:noFill/>
+                          <a:prstDash val="solid"/>
+                        </a:lnBlToTr>
+                      </a:tcPr>
+                    </a:tc>
+                    <a:tc>
+                      <a:txBody>
+                        <a:bodyPr/>
+                        <a:lstStyle/>
+                        <a:p>
+                          <a:pPr algn="ctr"/>
+                          <a:r>
+                            <a:rPr lang="en-AU" sz="900" dirty="0"/>
                             <a:t>0.994</a:t>
                           </a:r>
-                          <a:endParaRPr lang="en-AU" sz="900" dirty="0"/>
-                        </a:p>
-                      </a:txBody>
-                      <a:tcPr anchor="ctr">
-                        <a:lnL>
-                          <a:noFill/>
-                        </a:lnL>
-                        <a:lnR>
-                          <a:noFill/>
-                        </a:lnR>
-                        <a:lnT>
-                          <a:noFill/>
-                        </a:lnT>
-                        <a:lnB>
-                          <a:noFill/>
-                        </a:lnB>
-                        <a:lnTlToBr w="12700" cmpd="sng">
-                          <a:noFill/>
-                          <a:prstDash val="solid"/>
-                        </a:lnTlToBr>
-                        <a:lnBlToTr w="12700" cmpd="sng">
-                          <a:noFill/>
-                          <a:prstDash val="solid"/>
-                        </a:lnBlToTr>
-                      </a:tcPr>
-                    </a:tc>
-                    <a:tc>
-                      <a:txBody>
-                        <a:bodyPr/>
-                        <a:lstStyle/>
-                        <a:p>
-                          <a:pPr algn="ctr"/>
-                          <a:r>
-                            <a:rPr lang="en-AU" sz="900" dirty="0" smtClean="0"/>
+                        </a:p>
+                      </a:txBody>
+                      <a:tcPr anchor="ctr">
+                        <a:lnL>
+                          <a:noFill/>
+                        </a:lnL>
+                        <a:lnR>
+                          <a:noFill/>
+                        </a:lnR>
+                        <a:lnT>
+                          <a:noFill/>
+                        </a:lnT>
+                        <a:lnB>
+                          <a:noFill/>
+                        </a:lnB>
+                        <a:lnTlToBr w="12700" cmpd="sng">
+                          <a:noFill/>
+                          <a:prstDash val="solid"/>
+                        </a:lnTlToBr>
+                        <a:lnBlToTr w="12700" cmpd="sng">
+                          <a:noFill/>
+                          <a:prstDash val="solid"/>
+                        </a:lnBlToTr>
+                      </a:tcPr>
+                    </a:tc>
+                    <a:tc>
+                      <a:txBody>
+                        <a:bodyPr/>
+                        <a:lstStyle/>
+                        <a:p>
+                          <a:pPr algn="ctr"/>
+                          <a:r>
+                            <a:rPr lang="en-AU" sz="900" dirty="0"/>
                             <a:t>0.475</a:t>
                           </a:r>
-                          <a:endParaRPr lang="en-AU" sz="900" dirty="0"/>
                         </a:p>
                       </a:txBody>
                       <a:tcPr anchor="ctr">
@@ -11671,7 +11485,7 @@
                     </a:tc>
                     <a:extLst>
                       <a:ext uri="{0D108BD9-81ED-4DB2-BD59-A6C34878D82A}">
-                        <a16:rowId xmlns="" xmlns:a16="http://schemas.microsoft.com/office/drawing/2014/main" xmlns:a14="http://schemas.microsoft.com/office/drawing/2010/main" val="2736953877"/>
+                        <a16:rowId xmlns:a16="http://schemas.microsoft.com/office/drawing/2014/main" val="2736953877"/>
                       </a:ext>
                     </a:extLst>
                   </a:tr>
@@ -11683,7 +11497,7 @@
                         <a:p>
                           <a:pPr algn="ctr" fontAlgn="b"/>
                           <a:r>
-                            <a:rPr lang="en-AU" sz="900" u="none" strike="noStrike" dirty="0" smtClean="0">
+                            <a:rPr lang="en-AU" sz="900" u="none" strike="noStrike" dirty="0">
                               <a:effectLst/>
                             </a:rPr>
                             <a:t>YVDSVK</a:t>
@@ -11733,118 +11547,114 @@
                         <a:p>
                           <a:pPr algn="ctr"/>
                           <a:r>
-                            <a:rPr lang="en-AU" sz="900" dirty="0" smtClean="0"/>
+                            <a:rPr lang="en-AU" sz="900" dirty="0"/>
                             <a:t>5</a:t>
                           </a:r>
-                          <a:endParaRPr lang="en-AU" sz="900" dirty="0"/>
-                        </a:p>
-                      </a:txBody>
-                      <a:tcPr anchor="ctr">
-                        <a:lnL>
-                          <a:noFill/>
-                        </a:lnL>
-                        <a:lnR>
-                          <a:noFill/>
-                        </a:lnR>
-                        <a:lnT>
-                          <a:noFill/>
-                        </a:lnT>
-                        <a:lnB>
-                          <a:noFill/>
-                        </a:lnB>
-                        <a:lnTlToBr w="12700" cmpd="sng">
-                          <a:noFill/>
-                          <a:prstDash val="solid"/>
-                        </a:lnTlToBr>
-                        <a:lnBlToTr w="12700" cmpd="sng">
-                          <a:noFill/>
-                          <a:prstDash val="solid"/>
-                        </a:lnBlToTr>
-                      </a:tcPr>
-                    </a:tc>
-                    <a:tc>
-                      <a:txBody>
-                        <a:bodyPr/>
-                        <a:lstStyle/>
-                        <a:p>
-                          <a:pPr algn="ctr"/>
-                          <a:r>
-                            <a:rPr lang="en-AU" sz="900" dirty="0" smtClean="0"/>
+                        </a:p>
+                      </a:txBody>
+                      <a:tcPr anchor="ctr">
+                        <a:lnL>
+                          <a:noFill/>
+                        </a:lnL>
+                        <a:lnR>
+                          <a:noFill/>
+                        </a:lnR>
+                        <a:lnT>
+                          <a:noFill/>
+                        </a:lnT>
+                        <a:lnB>
+                          <a:noFill/>
+                        </a:lnB>
+                        <a:lnTlToBr w="12700" cmpd="sng">
+                          <a:noFill/>
+                          <a:prstDash val="solid"/>
+                        </a:lnTlToBr>
+                        <a:lnBlToTr w="12700" cmpd="sng">
+                          <a:noFill/>
+                          <a:prstDash val="solid"/>
+                        </a:lnBlToTr>
+                      </a:tcPr>
+                    </a:tc>
+                    <a:tc>
+                      <a:txBody>
+                        <a:bodyPr/>
+                        <a:lstStyle/>
+                        <a:p>
+                          <a:pPr algn="ctr"/>
+                          <a:r>
+                            <a:rPr lang="en-AU" sz="900" dirty="0"/>
                             <a:t>0</a:t>
                           </a:r>
-                          <a:endParaRPr lang="en-AU" sz="900" dirty="0"/>
-                        </a:p>
-                      </a:txBody>
-                      <a:tcPr anchor="ctr">
-                        <a:lnL>
-                          <a:noFill/>
-                        </a:lnL>
-                        <a:lnR>
-                          <a:noFill/>
-                        </a:lnR>
-                        <a:lnT>
-                          <a:noFill/>
-                        </a:lnT>
-                        <a:lnB>
-                          <a:noFill/>
-                        </a:lnB>
-                        <a:lnTlToBr w="12700" cmpd="sng">
-                          <a:noFill/>
-                          <a:prstDash val="solid"/>
-                        </a:lnTlToBr>
-                        <a:lnBlToTr w="12700" cmpd="sng">
-                          <a:noFill/>
-                          <a:prstDash val="solid"/>
-                        </a:lnBlToTr>
-                      </a:tcPr>
-                    </a:tc>
-                    <a:tc>
-                      <a:txBody>
-                        <a:bodyPr/>
-                        <a:lstStyle/>
-                        <a:p>
-                          <a:pPr algn="ctr"/>
-                          <a:r>
-                            <a:rPr lang="en-AU" sz="900" dirty="0" smtClean="0"/>
+                        </a:p>
+                      </a:txBody>
+                      <a:tcPr anchor="ctr">
+                        <a:lnL>
+                          <a:noFill/>
+                        </a:lnL>
+                        <a:lnR>
+                          <a:noFill/>
+                        </a:lnR>
+                        <a:lnT>
+                          <a:noFill/>
+                        </a:lnT>
+                        <a:lnB>
+                          <a:noFill/>
+                        </a:lnB>
+                        <a:lnTlToBr w="12700" cmpd="sng">
+                          <a:noFill/>
+                          <a:prstDash val="solid"/>
+                        </a:lnTlToBr>
+                        <a:lnBlToTr w="12700" cmpd="sng">
+                          <a:noFill/>
+                          <a:prstDash val="solid"/>
+                        </a:lnBlToTr>
+                      </a:tcPr>
+                    </a:tc>
+                    <a:tc>
+                      <a:txBody>
+                        <a:bodyPr/>
+                        <a:lstStyle/>
+                        <a:p>
+                          <a:pPr algn="ctr"/>
+                          <a:r>
+                            <a:rPr lang="en-AU" sz="900" dirty="0"/>
                             <a:t>0.998</a:t>
                           </a:r>
-                          <a:endParaRPr lang="en-AU" sz="900" dirty="0"/>
-                        </a:p>
-                      </a:txBody>
-                      <a:tcPr anchor="ctr">
-                        <a:lnL>
-                          <a:noFill/>
-                        </a:lnL>
-                        <a:lnR>
-                          <a:noFill/>
-                        </a:lnR>
-                        <a:lnT>
-                          <a:noFill/>
-                        </a:lnT>
-                        <a:lnB>
-                          <a:noFill/>
-                        </a:lnB>
-                        <a:lnTlToBr w="12700" cmpd="sng">
-                          <a:noFill/>
-                          <a:prstDash val="solid"/>
-                        </a:lnTlToBr>
-                        <a:lnBlToTr w="12700" cmpd="sng">
-                          <a:noFill/>
-                          <a:prstDash val="solid"/>
-                        </a:lnBlToTr>
-                      </a:tcPr>
-                    </a:tc>
-                    <a:tc>
-                      <a:txBody>
-                        <a:bodyPr/>
-                        <a:lstStyle/>
-                        <a:p>
-                          <a:pPr algn="ctr"/>
-                          <a:r>
-                            <a:rPr lang="en-AU" sz="900" dirty="0" smtClean="0"/>
+                        </a:p>
+                      </a:txBody>
+                      <a:tcPr anchor="ctr">
+                        <a:lnL>
+                          <a:noFill/>
+                        </a:lnL>
+                        <a:lnR>
+                          <a:noFill/>
+                        </a:lnR>
+                        <a:lnT>
+                          <a:noFill/>
+                        </a:lnT>
+                        <a:lnB>
+                          <a:noFill/>
+                        </a:lnB>
+                        <a:lnTlToBr w="12700" cmpd="sng">
+                          <a:noFill/>
+                          <a:prstDash val="solid"/>
+                        </a:lnTlToBr>
+                        <a:lnBlToTr w="12700" cmpd="sng">
+                          <a:noFill/>
+                          <a:prstDash val="solid"/>
+                        </a:lnBlToTr>
+                      </a:tcPr>
+                    </a:tc>
+                    <a:tc>
+                      <a:txBody>
+                        <a:bodyPr/>
+                        <a:lstStyle/>
+                        <a:p>
+                          <a:pPr algn="ctr"/>
+                          <a:r>
+                            <a:rPr lang="en-AU" sz="900" dirty="0"/>
                             <a:t>0.300</a:t>
                           </a:r>
-                          <a:endParaRPr lang="en-AU" sz="900" dirty="0"/>
                         </a:p>
                       </a:txBody>
                       <a:tcPr anchor="ctr">
@@ -11878,7 +11688,7 @@
                     </a:tc>
                     <a:extLst>
                       <a:ext uri="{0D108BD9-81ED-4DB2-BD59-A6C34878D82A}">
-                        <a16:rowId xmlns="" xmlns:a16="http://schemas.microsoft.com/office/drawing/2014/main" xmlns:a14="http://schemas.microsoft.com/office/drawing/2010/main" val="935999974"/>
+                        <a16:rowId xmlns:a16="http://schemas.microsoft.com/office/drawing/2014/main" val="935999974"/>
                       </a:ext>
                     </a:extLst>
                   </a:tr>
@@ -11890,10 +11700,9 @@
                         <a:p>
                           <a:pPr algn="ctr"/>
                           <a:r>
-                            <a:rPr lang="en-AU" sz="900" dirty="0" smtClean="0"/>
+                            <a:rPr lang="en-AU" sz="900" dirty="0"/>
                             <a:t>FYVDSVGK</a:t>
                           </a:r>
-                          <a:endParaRPr lang="en-AU" sz="900" dirty="0"/>
                         </a:p>
                       </a:txBody>
                       <a:tcPr anchor="ctr">
@@ -11967,10 +11776,9 @@
                         <a:p>
                           <a:pPr algn="ctr"/>
                           <a:r>
-                            <a:rPr lang="en-AU" sz="900" dirty="0" smtClean="0"/>
+                            <a:rPr lang="en-AU" sz="900" dirty="0"/>
                             <a:t>3</a:t>
                           </a:r>
-                          <a:endParaRPr lang="en-AU" sz="900" dirty="0"/>
                         </a:p>
                       </a:txBody>
                       <a:tcPr anchor="ctr">
@@ -12038,10 +11846,9 @@
                         <a:p>
                           <a:pPr algn="ctr"/>
                           <a:r>
-                            <a:rPr lang="en-AU" sz="900" dirty="0" smtClean="0"/>
+                            <a:rPr lang="en-AU" sz="900" dirty="0"/>
                             <a:t>0.500</a:t>
                           </a:r>
-                          <a:endParaRPr lang="en-AU" sz="900" dirty="0"/>
                         </a:p>
                       </a:txBody>
                       <a:tcPr anchor="ctr">
@@ -12075,7 +11882,7 @@
                     </a:tc>
                     <a:extLst>
                       <a:ext uri="{0D108BD9-81ED-4DB2-BD59-A6C34878D82A}">
-                        <a16:rowId xmlns="" xmlns:a16="http://schemas.microsoft.com/office/drawing/2014/main" xmlns:a14="http://schemas.microsoft.com/office/drawing/2010/main" val="3527595651"/>
+                        <a16:rowId xmlns:a16="http://schemas.microsoft.com/office/drawing/2014/main" val="3527595651"/>
                       </a:ext>
                     </a:extLst>
                   </a:tr>
@@ -12087,10 +11894,9 @@
                         <a:p>
                           <a:pPr algn="ctr"/>
                           <a:r>
-                            <a:rPr lang="en-AU" sz="900" dirty="0" smtClean="0"/>
+                            <a:rPr lang="en-AU" sz="900" dirty="0"/>
                             <a:t>WVANLK</a:t>
                           </a:r>
-                          <a:endParaRPr lang="en-AU" sz="900" dirty="0"/>
                         </a:p>
                       </a:txBody>
                       <a:tcPr anchor="ctr">
@@ -12129,10 +11935,9 @@
                         <a:p>
                           <a:pPr algn="ctr"/>
                           <a:r>
-                            <a:rPr lang="en-AU" sz="900" dirty="0" smtClean="0"/>
+                            <a:rPr lang="en-AU" sz="900" dirty="0"/>
                             <a:t>2</a:t>
                           </a:r>
-                          <a:endParaRPr lang="en-AU" sz="900" dirty="0"/>
                         </a:p>
                       </a:txBody>
                       <a:tcPr anchor="ctr">
@@ -12271,7 +12076,7 @@
                     </a:tc>
                     <a:extLst>
                       <a:ext uri="{0D108BD9-81ED-4DB2-BD59-A6C34878D82A}">
-                        <a16:rowId xmlns="" xmlns:a16="http://schemas.microsoft.com/office/drawing/2014/main" xmlns:a14="http://schemas.microsoft.com/office/drawing/2010/main" val="2500584138"/>
+                        <a16:rowId xmlns:a16="http://schemas.microsoft.com/office/drawing/2014/main" val="2500584138"/>
                       </a:ext>
                     </a:extLst>
                   </a:tr>
@@ -12283,10 +12088,9 @@
                         <a:p>
                           <a:pPr algn="ctr"/>
                           <a:r>
-                            <a:rPr lang="en-AU" sz="900" dirty="0" smtClean="0"/>
+                            <a:rPr lang="en-AU" sz="900" dirty="0"/>
                             <a:t>YYTDSVK</a:t>
                           </a:r>
-                          <a:endParaRPr lang="en-AU" sz="900" dirty="0"/>
                         </a:p>
                       </a:txBody>
                       <a:tcPr anchor="ctr">
@@ -12325,10 +12129,9 @@
                         <a:p>
                           <a:pPr algn="ctr"/>
                           <a:r>
-                            <a:rPr lang="en-AU" sz="900" dirty="0" smtClean="0"/>
+                            <a:rPr lang="en-AU" sz="900" dirty="0"/>
                             <a:t>3</a:t>
                           </a:r>
-                          <a:endParaRPr lang="en-AU" sz="900" dirty="0"/>
                         </a:p>
                       </a:txBody>
                       <a:tcPr anchor="ctr">
@@ -12396,46 +12199,44 @@
                         <a:p>
                           <a:pPr algn="ctr"/>
                           <a:r>
-                            <a:rPr lang="en-AU" sz="900" dirty="0" smtClean="0"/>
+                            <a:rPr lang="en-AU" sz="900" dirty="0"/>
                             <a:t>0.568</a:t>
                           </a:r>
-                          <a:endParaRPr lang="en-AU" sz="900" dirty="0"/>
-                        </a:p>
-                      </a:txBody>
-                      <a:tcPr anchor="ctr">
-                        <a:lnL>
-                          <a:noFill/>
-                        </a:lnL>
-                        <a:lnR>
-                          <a:noFill/>
-                        </a:lnR>
-                        <a:lnT>
-                          <a:noFill/>
-                        </a:lnT>
-                        <a:lnB>
-                          <a:noFill/>
-                        </a:lnB>
-                        <a:lnTlToBr w="12700" cmpd="sng">
-                          <a:noFill/>
-                          <a:prstDash val="solid"/>
-                        </a:lnTlToBr>
-                        <a:lnBlToTr w="12700" cmpd="sng">
-                          <a:noFill/>
-                          <a:prstDash val="solid"/>
-                        </a:lnBlToTr>
-                      </a:tcPr>
-                    </a:tc>
-                    <a:tc>
-                      <a:txBody>
-                        <a:bodyPr/>
-                        <a:lstStyle/>
-                        <a:p>
-                          <a:pPr algn="ctr"/>
-                          <a:r>
-                            <a:rPr lang="en-AU" sz="900" dirty="0" smtClean="0"/>
+                        </a:p>
+                      </a:txBody>
+                      <a:tcPr anchor="ctr">
+                        <a:lnL>
+                          <a:noFill/>
+                        </a:lnL>
+                        <a:lnR>
+                          <a:noFill/>
+                        </a:lnR>
+                        <a:lnT>
+                          <a:noFill/>
+                        </a:lnT>
+                        <a:lnB>
+                          <a:noFill/>
+                        </a:lnB>
+                        <a:lnTlToBr w="12700" cmpd="sng">
+                          <a:noFill/>
+                          <a:prstDash val="solid"/>
+                        </a:lnTlToBr>
+                        <a:lnBlToTr w="12700" cmpd="sng">
+                          <a:noFill/>
+                          <a:prstDash val="solid"/>
+                        </a:lnBlToTr>
+                      </a:tcPr>
+                    </a:tc>
+                    <a:tc>
+                      <a:txBody>
+                        <a:bodyPr/>
+                        <a:lstStyle/>
+                        <a:p>
+                          <a:pPr algn="ctr"/>
+                          <a:r>
+                            <a:rPr lang="en-AU" sz="900" dirty="0"/>
                             <a:t>0.075</a:t>
                           </a:r>
-                          <a:endParaRPr lang="en-AU" sz="900" dirty="0"/>
                         </a:p>
                       </a:txBody>
                       <a:tcPr anchor="ctr">
@@ -12469,7 +12270,7 @@
                     </a:tc>
                     <a:extLst>
                       <a:ext uri="{0D108BD9-81ED-4DB2-BD59-A6C34878D82A}">
-                        <a16:rowId xmlns="" xmlns:a16="http://schemas.microsoft.com/office/drawing/2014/main" xmlns:a14="http://schemas.microsoft.com/office/drawing/2010/main" val="1644191295"/>
+                        <a16:rowId xmlns:a16="http://schemas.microsoft.com/office/drawing/2014/main" val="1644191295"/>
                       </a:ext>
                     </a:extLst>
                   </a:tr>
@@ -12481,10 +12282,9 @@
                         <a:p>
                           <a:pPr algn="ctr"/>
                           <a:r>
-                            <a:rPr lang="en-AU" sz="900" dirty="0" smtClean="0"/>
+                            <a:rPr lang="en-AU" sz="900" dirty="0"/>
                             <a:t>YYGDSVK</a:t>
                           </a:r>
-                          <a:endParaRPr lang="en-AU" sz="900" dirty="0"/>
                         </a:p>
                       </a:txBody>
                       <a:tcPr anchor="ctr">
@@ -12523,118 +12323,114 @@
                         <a:p>
                           <a:pPr algn="ctr"/>
                           <a:r>
-                            <a:rPr lang="en-AU" sz="900" dirty="0" smtClean="0"/>
+                            <a:rPr lang="en-AU" sz="900" dirty="0"/>
                             <a:t>3</a:t>
                           </a:r>
-                          <a:endParaRPr lang="en-AU" sz="900" dirty="0"/>
-                        </a:p>
-                      </a:txBody>
-                      <a:tcPr anchor="ctr">
-                        <a:lnL>
-                          <a:noFill/>
-                        </a:lnL>
-                        <a:lnR>
-                          <a:noFill/>
-                        </a:lnR>
-                        <a:lnT>
-                          <a:noFill/>
-                        </a:lnT>
-                        <a:lnB>
-                          <a:noFill/>
-                        </a:lnB>
-                        <a:lnTlToBr w="12700" cmpd="sng">
-                          <a:noFill/>
-                          <a:prstDash val="solid"/>
-                        </a:lnTlToBr>
-                        <a:lnBlToTr w="12700" cmpd="sng">
-                          <a:noFill/>
-                          <a:prstDash val="solid"/>
-                        </a:lnBlToTr>
-                      </a:tcPr>
-                    </a:tc>
-                    <a:tc>
-                      <a:txBody>
-                        <a:bodyPr/>
-                        <a:lstStyle/>
-                        <a:p>
-                          <a:pPr algn="ctr"/>
-                          <a:r>
-                            <a:rPr lang="en-AU" sz="900" dirty="0" smtClean="0"/>
+                        </a:p>
+                      </a:txBody>
+                      <a:tcPr anchor="ctr">
+                        <a:lnL>
+                          <a:noFill/>
+                        </a:lnL>
+                        <a:lnR>
+                          <a:noFill/>
+                        </a:lnR>
+                        <a:lnT>
+                          <a:noFill/>
+                        </a:lnT>
+                        <a:lnB>
+                          <a:noFill/>
+                        </a:lnB>
+                        <a:lnTlToBr w="12700" cmpd="sng">
+                          <a:noFill/>
+                          <a:prstDash val="solid"/>
+                        </a:lnTlToBr>
+                        <a:lnBlToTr w="12700" cmpd="sng">
+                          <a:noFill/>
+                          <a:prstDash val="solid"/>
+                        </a:lnBlToTr>
+                      </a:tcPr>
+                    </a:tc>
+                    <a:tc>
+                      <a:txBody>
+                        <a:bodyPr/>
+                        <a:lstStyle/>
+                        <a:p>
+                          <a:pPr algn="ctr"/>
+                          <a:r>
+                            <a:rPr lang="en-AU" sz="900" dirty="0"/>
                             <a:t>1</a:t>
                           </a:r>
-                          <a:endParaRPr lang="en-AU" sz="900" dirty="0"/>
-                        </a:p>
-                      </a:txBody>
-                      <a:tcPr anchor="ctr">
-                        <a:lnL>
-                          <a:noFill/>
-                        </a:lnL>
-                        <a:lnR>
-                          <a:noFill/>
-                        </a:lnR>
-                        <a:lnT>
-                          <a:noFill/>
-                        </a:lnT>
-                        <a:lnB>
-                          <a:noFill/>
-                        </a:lnB>
-                        <a:lnTlToBr w="12700" cmpd="sng">
-                          <a:noFill/>
-                          <a:prstDash val="solid"/>
-                        </a:lnTlToBr>
-                        <a:lnBlToTr w="12700" cmpd="sng">
-                          <a:noFill/>
-                          <a:prstDash val="solid"/>
-                        </a:lnBlToTr>
-                      </a:tcPr>
-                    </a:tc>
-                    <a:tc>
-                      <a:txBody>
-                        <a:bodyPr/>
-                        <a:lstStyle/>
-                        <a:p>
-                          <a:pPr algn="ctr"/>
-                          <a:r>
-                            <a:rPr lang="en-AU" sz="900" dirty="0" smtClean="0"/>
+                        </a:p>
+                      </a:txBody>
+                      <a:tcPr anchor="ctr">
+                        <a:lnL>
+                          <a:noFill/>
+                        </a:lnL>
+                        <a:lnR>
+                          <a:noFill/>
+                        </a:lnR>
+                        <a:lnT>
+                          <a:noFill/>
+                        </a:lnT>
+                        <a:lnB>
+                          <a:noFill/>
+                        </a:lnB>
+                        <a:lnTlToBr w="12700" cmpd="sng">
+                          <a:noFill/>
+                          <a:prstDash val="solid"/>
+                        </a:lnTlToBr>
+                        <a:lnBlToTr w="12700" cmpd="sng">
+                          <a:noFill/>
+                          <a:prstDash val="solid"/>
+                        </a:lnBlToTr>
+                      </a:tcPr>
+                    </a:tc>
+                    <a:tc>
+                      <a:txBody>
+                        <a:bodyPr/>
+                        <a:lstStyle/>
+                        <a:p>
+                          <a:pPr algn="ctr"/>
+                          <a:r>
+                            <a:rPr lang="en-AU" sz="900" dirty="0"/>
                             <a:t>0.475</a:t>
                           </a:r>
-                          <a:endParaRPr lang="en-AU" sz="900" dirty="0"/>
-                        </a:p>
-                      </a:txBody>
-                      <a:tcPr anchor="ctr">
-                        <a:lnL>
-                          <a:noFill/>
-                        </a:lnL>
-                        <a:lnR>
-                          <a:noFill/>
-                        </a:lnR>
-                        <a:lnT>
-                          <a:noFill/>
-                        </a:lnT>
-                        <a:lnB>
-                          <a:noFill/>
-                        </a:lnB>
-                        <a:lnTlToBr w="12700" cmpd="sng">
-                          <a:noFill/>
-                          <a:prstDash val="solid"/>
-                        </a:lnTlToBr>
-                        <a:lnBlToTr w="12700" cmpd="sng">
-                          <a:noFill/>
-                          <a:prstDash val="solid"/>
-                        </a:lnBlToTr>
-                      </a:tcPr>
-                    </a:tc>
-                    <a:tc>
-                      <a:txBody>
-                        <a:bodyPr/>
-                        <a:lstStyle/>
-                        <a:p>
-                          <a:pPr algn="ctr"/>
-                          <a:r>
-                            <a:rPr lang="en-AU" sz="900" dirty="0" smtClean="0"/>
+                        </a:p>
+                      </a:txBody>
+                      <a:tcPr anchor="ctr">
+                        <a:lnL>
+                          <a:noFill/>
+                        </a:lnL>
+                        <a:lnR>
+                          <a:noFill/>
+                        </a:lnR>
+                        <a:lnT>
+                          <a:noFill/>
+                        </a:lnT>
+                        <a:lnB>
+                          <a:noFill/>
+                        </a:lnB>
+                        <a:lnTlToBr w="12700" cmpd="sng">
+                          <a:noFill/>
+                          <a:prstDash val="solid"/>
+                        </a:lnTlToBr>
+                        <a:lnBlToTr w="12700" cmpd="sng">
+                          <a:noFill/>
+                          <a:prstDash val="solid"/>
+                        </a:lnBlToTr>
+                      </a:tcPr>
+                    </a:tc>
+                    <a:tc>
+                      <a:txBody>
+                        <a:bodyPr/>
+                        <a:lstStyle/>
+                        <a:p>
+                          <a:pPr algn="ctr"/>
+                          <a:r>
+                            <a:rPr lang="en-AU" sz="900" dirty="0"/>
                             <a:t>0.056</a:t>
                           </a:r>
-                          <a:endParaRPr lang="en-AU" sz="900" dirty="0"/>
                         </a:p>
                       </a:txBody>
                       <a:tcPr anchor="ctr">
@@ -12668,7 +12464,7 @@
                     </a:tc>
                     <a:extLst>
                       <a:ext uri="{0D108BD9-81ED-4DB2-BD59-A6C34878D82A}">
-                        <a16:rowId xmlns="" xmlns:a16="http://schemas.microsoft.com/office/drawing/2014/main" xmlns:a14="http://schemas.microsoft.com/office/drawing/2010/main" val="2249276370"/>
+                        <a16:rowId xmlns:a16="http://schemas.microsoft.com/office/drawing/2014/main" val="2249276370"/>
                       </a:ext>
                     </a:extLst>
                   </a:tr>
@@ -12680,10 +12476,9 @@
                         <a:p>
                           <a:pPr algn="ctr"/>
                           <a:r>
-                            <a:rPr lang="en-AU" sz="900" dirty="0" smtClean="0"/>
+                            <a:rPr lang="en-AU" sz="900" dirty="0"/>
                             <a:t>FGYVDSVK</a:t>
                           </a:r>
-                          <a:endParaRPr lang="en-AU" sz="900" dirty="0"/>
                         </a:p>
                       </a:txBody>
                       <a:tcPr anchor="ctr">
@@ -12725,7 +12520,6 @@
                             <a:rPr lang="en-AU" sz="900" dirty="0"/>
                             <a:t>3</a:t>
                           </a:r>
-                          <a:endParaRPr lang="en-AU" sz="900" dirty="0"/>
                         </a:p>
                       </a:txBody>
                       <a:tcPr anchor="ctr">
@@ -12793,46 +12587,44 @@
                         <a:p>
                           <a:pPr algn="ctr"/>
                           <a:r>
-                            <a:rPr lang="en-AU" sz="900" dirty="0" smtClean="0"/>
+                            <a:rPr lang="en-AU" sz="900" dirty="0"/>
                             <a:t>0.437</a:t>
                           </a:r>
-                          <a:endParaRPr lang="en-AU" sz="900" dirty="0"/>
-                        </a:p>
-                      </a:txBody>
-                      <a:tcPr anchor="ctr">
-                        <a:lnL>
-                          <a:noFill/>
-                        </a:lnL>
-                        <a:lnR>
-                          <a:noFill/>
-                        </a:lnR>
-                        <a:lnT>
-                          <a:noFill/>
-                        </a:lnT>
-                        <a:lnB>
-                          <a:noFill/>
-                        </a:lnB>
-                        <a:lnTlToBr w="12700" cmpd="sng">
-                          <a:noFill/>
-                          <a:prstDash val="solid"/>
-                        </a:lnTlToBr>
-                        <a:lnBlToTr w="12700" cmpd="sng">
-                          <a:noFill/>
-                          <a:prstDash val="solid"/>
-                        </a:lnBlToTr>
-                      </a:tcPr>
-                    </a:tc>
-                    <a:tc>
-                      <a:txBody>
-                        <a:bodyPr/>
-                        <a:lstStyle/>
-                        <a:p>
-                          <a:pPr algn="ctr"/>
-                          <a:r>
-                            <a:rPr lang="en-AU" sz="900" dirty="0" smtClean="0"/>
+                        </a:p>
+                      </a:txBody>
+                      <a:tcPr anchor="ctr">
+                        <a:lnL>
+                          <a:noFill/>
+                        </a:lnL>
+                        <a:lnR>
+                          <a:noFill/>
+                        </a:lnR>
+                        <a:lnT>
+                          <a:noFill/>
+                        </a:lnT>
+                        <a:lnB>
+                          <a:noFill/>
+                        </a:lnB>
+                        <a:lnTlToBr w="12700" cmpd="sng">
+                          <a:noFill/>
+                          <a:prstDash val="solid"/>
+                        </a:lnTlToBr>
+                        <a:lnBlToTr w="12700" cmpd="sng">
+                          <a:noFill/>
+                          <a:prstDash val="solid"/>
+                        </a:lnBlToTr>
+                      </a:tcPr>
+                    </a:tc>
+                    <a:tc>
+                      <a:txBody>
+                        <a:bodyPr/>
+                        <a:lstStyle/>
+                        <a:p>
+                          <a:pPr algn="ctr"/>
+                          <a:r>
+                            <a:rPr lang="en-AU" sz="900" dirty="0"/>
                             <a:t>0.033</a:t>
                           </a:r>
-                          <a:endParaRPr lang="en-AU" sz="900" dirty="0"/>
                         </a:p>
                       </a:txBody>
                       <a:tcPr anchor="ctr">
@@ -12866,7 +12658,7 @@
                     </a:tc>
                     <a:extLst>
                       <a:ext uri="{0D108BD9-81ED-4DB2-BD59-A6C34878D82A}">
-                        <a16:rowId xmlns="" xmlns:a16="http://schemas.microsoft.com/office/drawing/2014/main" xmlns:a14="http://schemas.microsoft.com/office/drawing/2010/main" val="889951462"/>
+                        <a16:rowId xmlns:a16="http://schemas.microsoft.com/office/drawing/2014/main" val="889951462"/>
                       </a:ext>
                     </a:extLst>
                   </a:tr>
@@ -12878,10 +12670,9 @@
                         <a:p>
                           <a:pPr algn="ctr"/>
                           <a:r>
-                            <a:rPr lang="en-AU" sz="900" dirty="0" smtClean="0"/>
+                            <a:rPr lang="en-AU" sz="900" dirty="0"/>
                             <a:t>YYADSVK</a:t>
                           </a:r>
-                          <a:endParaRPr lang="en-AU" sz="900" dirty="0"/>
                         </a:p>
                       </a:txBody>
                       <a:tcPr anchor="ctr">
@@ -12926,10 +12717,9 @@
                         <a:p>
                           <a:pPr algn="ctr"/>
                           <a:r>
-                            <a:rPr lang="en-AU" sz="900" dirty="0" smtClean="0"/>
+                            <a:rPr lang="en-AU" sz="900" dirty="0"/>
                             <a:t>13</a:t>
                           </a:r>
-                          <a:endParaRPr lang="en-AU" sz="900" dirty="0"/>
                         </a:p>
                       </a:txBody>
                       <a:tcPr anchor="ctr">
@@ -12968,10 +12758,9 @@
                         <a:p>
                           <a:pPr algn="ctr"/>
                           <a:r>
-                            <a:rPr lang="en-AU" sz="900" dirty="0" smtClean="0"/>
+                            <a:rPr lang="en-AU" sz="900" dirty="0"/>
                             <a:t>1</a:t>
                           </a:r>
-                          <a:endParaRPr lang="en-AU" sz="900" dirty="0"/>
                         </a:p>
                       </a:txBody>
                       <a:tcPr anchor="ctr">
@@ -13010,10 +12799,9 @@
                         <a:p>
                           <a:pPr algn="ctr"/>
                           <a:r>
-                            <a:rPr lang="en-AU" sz="900" dirty="0" smtClean="0"/>
+                            <a:rPr lang="en-AU" sz="900" dirty="0"/>
                             <a:t>0.012</a:t>
                           </a:r>
-                          <a:endParaRPr lang="en-AU" sz="900" dirty="0"/>
                         </a:p>
                       </a:txBody>
                       <a:tcPr anchor="ctr">
@@ -13052,10 +12840,9 @@
                         <a:p>
                           <a:pPr algn="ctr"/>
                           <a:r>
-                            <a:rPr lang="en-AU" sz="900" dirty="0" smtClean="0"/>
+                            <a:rPr lang="en-AU" sz="900" dirty="0"/>
                             <a:t>0.001</a:t>
                           </a:r>
-                          <a:endParaRPr lang="en-AU" sz="900" dirty="0"/>
                         </a:p>
                       </a:txBody>
                       <a:tcPr anchor="ctr">
@@ -13095,7 +12882,7 @@
                     </a:tc>
                     <a:extLst>
                       <a:ext uri="{0D108BD9-81ED-4DB2-BD59-A6C34878D82A}">
-                        <a16:rowId xmlns="" xmlns:a16="http://schemas.microsoft.com/office/drawing/2014/main" xmlns:a14="http://schemas.microsoft.com/office/drawing/2010/main" val="141707935"/>
+                        <a16:rowId xmlns:a16="http://schemas.microsoft.com/office/drawing/2014/main" val="141707935"/>
                       </a:ext>
                     </a:extLst>
                   </a:tr>
@@ -13238,8 +13025,8 @@
           <a:chExt cx="0" cy="0"/>
         </a:xfrm>
       </p:grpSpPr>
-      <mc:AlternateContent xmlns:mc="http://schemas.openxmlformats.org/markup-compatibility/2006" xmlns:a14="http://schemas.microsoft.com/office/drawing/2010/main">
-        <mc:Choice Requires="a14">
+      <mc:AlternateContent xmlns:mc="http://schemas.openxmlformats.org/markup-compatibility/2006">
+        <mc:Choice xmlns:a14="http://schemas.microsoft.com/office/drawing/2010/main" Requires="a14">
           <p:graphicFrame>
             <p:nvGraphicFramePr>
               <p:cNvPr id="6" name="Table 5"/>
@@ -13249,7 +13036,7 @@
               <p:nvPr>
                 <p:extLst>
                   <p:ext uri="{D42A27DB-BD31-4B8C-83A1-F6EECF244321}">
-                    <p14:modId xmlns:p14="http://schemas.microsoft.com/office/powerpoint/2010/main" val="1538006737"/>
+                    <p14:modId xmlns:p14="http://schemas.microsoft.com/office/powerpoint/2010/main" val="2209581917"/>
                   </p:ext>
                 </p:extLst>
               </p:nvPr>
@@ -13268,40 +13055,175 @@
                     <a:gridCol w="785093">
                       <a:extLst>
                         <a:ext uri="{9D8B030D-6E8A-4147-A177-3AD203B41FA5}">
-                          <a16:colId xmlns:a16="http://schemas.microsoft.com/office/drawing/2014/main" xmlns="" val="2070464311"/>
+                          <a16:colId xmlns:a16="http://schemas.microsoft.com/office/drawing/2014/main" val="2070464311"/>
                         </a:ext>
                       </a:extLst>
                     </a:gridCol>
                     <a:gridCol w="478557">
                       <a:extLst>
                         <a:ext uri="{9D8B030D-6E8A-4147-A177-3AD203B41FA5}">
-                          <a16:colId xmlns:a16="http://schemas.microsoft.com/office/drawing/2014/main" xmlns="" val="2814482158"/>
+                          <a16:colId xmlns:a16="http://schemas.microsoft.com/office/drawing/2014/main" val="2814482158"/>
                         </a:ext>
                       </a:extLst>
                     </a:gridCol>
                     <a:gridCol w="631825">
                       <a:extLst>
                         <a:ext uri="{9D8B030D-6E8A-4147-A177-3AD203B41FA5}">
-                          <a16:colId xmlns:a16="http://schemas.microsoft.com/office/drawing/2014/main" xmlns="" val="3449075261"/>
+                          <a16:colId xmlns:a16="http://schemas.microsoft.com/office/drawing/2014/main" val="3449075261"/>
                         </a:ext>
                       </a:extLst>
                     </a:gridCol>
                     <a:gridCol w="631825">
                       <a:extLst>
                         <a:ext uri="{9D8B030D-6E8A-4147-A177-3AD203B41FA5}">
-                          <a16:colId xmlns:a16="http://schemas.microsoft.com/office/drawing/2014/main" xmlns="" val="1813670796"/>
+                          <a16:colId xmlns:a16="http://schemas.microsoft.com/office/drawing/2014/main" val="1813670796"/>
                         </a:ext>
                       </a:extLst>
                     </a:gridCol>
                     <a:gridCol w="631825">
                       <a:extLst>
                         <a:ext uri="{9D8B030D-6E8A-4147-A177-3AD203B41FA5}">
-                          <a16:colId xmlns:a16="http://schemas.microsoft.com/office/drawing/2014/main" xmlns="" val="1994465920"/>
+                          <a16:colId xmlns:a16="http://schemas.microsoft.com/office/drawing/2014/main" val="1994465920"/>
                         </a:ext>
                       </a:extLst>
                     </a:gridCol>
                   </a:tblGrid>
                   <a:tr h="511835">
+                    <a:tc>
+                      <a:txBody>
+                        <a:bodyPr/>
+                        <a:lstStyle/>
+                        <a:p>
+                          <a:pPr algn="ctr"/>
+                          <a14:m>
+                            <m:oMathPara xmlns:m="http://schemas.openxmlformats.org/officeDocument/2006/math">
+                              <m:oMathParaPr>
+                                <m:jc m:val="centerGroup"/>
+                              </m:oMathParaPr>
+                              <m:oMath xmlns:m="http://schemas.openxmlformats.org/officeDocument/2006/math">
+                                <m:r>
+                                  <a:rPr lang="en-AU" sz="1100" b="1" i="1" kern="1200" smtClean="0">
+                                    <a:solidFill>
+                                      <a:schemeClr val="tx1"/>
+                                    </a:solidFill>
+                                    <a:effectLst/>
+                                    <a:latin typeface="Cambria Math" panose="02040503050406030204" pitchFamily="18" charset="0"/>
+                                    <a:ea typeface="+mn-ea"/>
+                                    <a:cs typeface="+mn-cs"/>
+                                  </a:rPr>
+                                  <m:t>𝒑</m:t>
+                                </m:r>
+                              </m:oMath>
+                            </m:oMathPara>
+                          </a14:m>
+                          <a:endParaRPr lang="en-AU" sz="1100" dirty="0"/>
+                        </a:p>
+                      </a:txBody>
+                      <a:tcPr anchor="ctr">
+                        <a:lnL w="12700" cap="flat" cmpd="sng" algn="ctr">
+                          <a:solidFill>
+                            <a:schemeClr val="tx1"/>
+                          </a:solidFill>
+                          <a:prstDash val="solid"/>
+                          <a:round/>
+                          <a:headEnd type="none" w="med" len="med"/>
+                          <a:tailEnd type="none" w="med" len="med"/>
+                        </a:lnL>
+                        <a:lnR>
+                          <a:noFill/>
+                        </a:lnR>
+                        <a:lnT w="12700" cap="flat" cmpd="sng" algn="ctr">
+                          <a:solidFill>
+                            <a:schemeClr val="tx1"/>
+                          </a:solidFill>
+                          <a:prstDash val="solid"/>
+                          <a:round/>
+                          <a:headEnd type="none" w="med" len="med"/>
+                          <a:tailEnd type="none" w="med" len="med"/>
+                        </a:lnT>
+                        <a:lnB w="12700" cap="flat" cmpd="sng" algn="ctr">
+                          <a:solidFill>
+                            <a:schemeClr val="tx1"/>
+                          </a:solidFill>
+                          <a:prstDash val="solid"/>
+                          <a:round/>
+                          <a:headEnd type="none" w="med" len="med"/>
+                          <a:tailEnd type="none" w="med" len="med"/>
+                        </a:lnB>
+                        <a:lnTlToBr w="12700" cmpd="sng">
+                          <a:noFill/>
+                          <a:prstDash val="solid"/>
+                        </a:lnTlToBr>
+                        <a:lnBlToTr w="12700" cmpd="sng">
+                          <a:noFill/>
+                          <a:prstDash val="solid"/>
+                        </a:lnBlToTr>
+                      </a:tcPr>
+                    </a:tc>
+                    <a:tc>
+                      <a:txBody>
+                        <a:bodyPr/>
+                        <a:lstStyle/>
+                        <a:p>
+                          <a:pPr algn="ctr"/>
+                          <a:r>
+                            <a:rPr lang="en-AU" sz="1100" b="1" i="1" dirty="0"/>
+                            <a:t>#</a:t>
+                          </a:r>
+                          <a14:m>
+                            <m:oMath xmlns:m="http://schemas.openxmlformats.org/officeDocument/2006/math">
+                              <m:r>
+                                <a:rPr lang="en-AU" sz="1100" b="1" i="1" kern="1200" smtClean="0">
+                                  <a:solidFill>
+                                    <a:schemeClr val="tx1"/>
+                                  </a:solidFill>
+                                  <a:effectLst/>
+                                  <a:latin typeface="Cambria Math" panose="02040503050406030204" pitchFamily="18" charset="0"/>
+                                  <a:ea typeface="+mn-ea"/>
+                                  <a:cs typeface="+mn-cs"/>
+                                </a:rPr>
+                                <m:t>𝒑</m:t>
+                              </m:r>
+                            </m:oMath>
+                          </a14:m>
+                          <a:endParaRPr lang="en-AU" sz="1100" b="1" i="1" dirty="0"/>
+                        </a:p>
+                      </a:txBody>
+                      <a:tcPr anchor="ctr">
+                        <a:lnL>
+                          <a:noFill/>
+                        </a:lnL>
+                        <a:lnR>
+                          <a:noFill/>
+                        </a:lnR>
+                        <a:lnT w="12700" cap="flat" cmpd="sng" algn="ctr">
+                          <a:solidFill>
+                            <a:schemeClr val="tx1"/>
+                          </a:solidFill>
+                          <a:prstDash val="solid"/>
+                          <a:round/>
+                          <a:headEnd type="none" w="med" len="med"/>
+                          <a:tailEnd type="none" w="med" len="med"/>
+                        </a:lnT>
+                        <a:lnB w="12700" cap="flat" cmpd="sng" algn="ctr">
+                          <a:solidFill>
+                            <a:schemeClr val="tx1"/>
+                          </a:solidFill>
+                          <a:prstDash val="solid"/>
+                          <a:round/>
+                          <a:headEnd type="none" w="med" len="med"/>
+                          <a:tailEnd type="none" w="med" len="med"/>
+                        </a:lnB>
+                        <a:lnTlToBr w="12700" cmpd="sng">
+                          <a:noFill/>
+                          <a:prstDash val="solid"/>
+                        </a:lnTlToBr>
+                        <a:lnBlToTr w="12700" cmpd="sng">
+                          <a:noFill/>
+                          <a:prstDash val="solid"/>
+                        </a:lnBlToTr>
+                      </a:tcPr>
+                    </a:tc>
                     <a:tc>
                       <a:txBody>
                         <a:bodyPr/>
@@ -13317,12 +13239,12 @@
                                 <m:sSub>
                                   <m:sSubPr>
                                     <m:ctrlPr>
-                                      <a:rPr lang="en-AU" sz="1200" b="1" i="1" kern="1200" smtClean="0">
+                                      <a:rPr lang="en-AU" sz="1000" b="1" i="1" kern="1200" smtClean="0">
                                         <a:solidFill>
                                           <a:schemeClr val="tx1"/>
                                         </a:solidFill>
                                         <a:effectLst/>
-                                        <a:latin typeface="Cambria Math"/>
+                                        <a:latin typeface="Cambria Math" panose="02040503050406030204" pitchFamily="18" charset="0"/>
                                         <a:ea typeface="+mn-ea"/>
                                         <a:cs typeface="+mn-cs"/>
                                       </a:rPr>
@@ -13330,204 +13252,7 @@
                                   </m:sSubPr>
                                   <m:e>
                                     <m:r>
-                                      <a:rPr lang="en-AU" sz="1200" b="1" i="1" kern="1200">
-                                        <a:solidFill>
-                                          <a:schemeClr val="tx1"/>
-                                        </a:solidFill>
-                                        <a:effectLst/>
-                                        <a:latin typeface="Cambria Math"/>
-                                        <a:ea typeface="+mn-ea"/>
-                                        <a:cs typeface="+mn-cs"/>
-                                      </a:rPr>
-                                      <m:t>𝑷</m:t>
-                                    </m:r>
-                                  </m:e>
-                                  <m:sub>
-                                    <m:r>
-                                      <a:rPr lang="en-AU" sz="1200" b="1" i="1" kern="1200">
-                                        <a:solidFill>
-                                          <a:schemeClr val="tx1"/>
-                                        </a:solidFill>
-                                        <a:effectLst/>
-                                        <a:latin typeface="Cambria Math"/>
-                                        <a:ea typeface="+mn-ea"/>
-                                        <a:cs typeface="+mn-cs"/>
-                                      </a:rPr>
-                                      <m:t>𝒊</m:t>
-                                    </m:r>
-                                  </m:sub>
-                                </m:sSub>
-                              </m:oMath>
-                            </m:oMathPara>
-                          </a14:m>
-                          <a:endParaRPr lang="en-AU" sz="1200" dirty="0"/>
-                        </a:p>
-                      </a:txBody>
-                      <a:tcPr anchor="ctr">
-                        <a:lnL w="12700" cap="flat" cmpd="sng" algn="ctr">
-                          <a:solidFill>
-                            <a:schemeClr val="tx1"/>
-                          </a:solidFill>
-                          <a:prstDash val="solid"/>
-                          <a:round/>
-                          <a:headEnd type="none" w="med" len="med"/>
-                          <a:tailEnd type="none" w="med" len="med"/>
-                        </a:lnL>
-                        <a:lnR>
-                          <a:noFill/>
-                        </a:lnR>
-                        <a:lnT w="12700" cap="flat" cmpd="sng" algn="ctr">
-                          <a:solidFill>
-                            <a:schemeClr val="tx1"/>
-                          </a:solidFill>
-                          <a:prstDash val="solid"/>
-                          <a:round/>
-                          <a:headEnd type="none" w="med" len="med"/>
-                          <a:tailEnd type="none" w="med" len="med"/>
-                        </a:lnT>
-                        <a:lnB w="12700" cap="flat" cmpd="sng" algn="ctr">
-                          <a:solidFill>
-                            <a:schemeClr val="tx1"/>
-                          </a:solidFill>
-                          <a:prstDash val="solid"/>
-                          <a:round/>
-                          <a:headEnd type="none" w="med" len="med"/>
-                          <a:tailEnd type="none" w="med" len="med"/>
-                        </a:lnB>
-                        <a:lnTlToBr w="12700" cmpd="sng">
-                          <a:noFill/>
-                          <a:prstDash val="solid"/>
-                        </a:lnTlToBr>
-                        <a:lnBlToTr w="12700" cmpd="sng">
-                          <a:noFill/>
-                          <a:prstDash val="solid"/>
-                        </a:lnBlToTr>
-                      </a:tcPr>
-                    </a:tc>
-                    <a:tc>
-                      <a:txBody>
-                        <a:bodyPr/>
-                        <a:lstStyle/>
-                        <a:p>
-                          <a:pPr algn="ctr"/>
-                          <a:r>
-                            <a:rPr lang="en-AU" sz="1200" b="1" i="1" dirty="0"/>
-                            <a:t>#</a:t>
-                          </a:r>
-                          <a14:m>
-                            <m:oMath xmlns:m="http://schemas.openxmlformats.org/officeDocument/2006/math">
-                              <m:sSub>
-                                <m:sSubPr>
-                                  <m:ctrlPr>
-                                    <a:rPr lang="en-AU" sz="1200" b="1" i="1" kern="1200" smtClean="0">
-                                      <a:solidFill>
-                                        <a:schemeClr val="tx1"/>
-                                      </a:solidFill>
-                                      <a:effectLst/>
-                                      <a:latin typeface="Cambria Math"/>
-                                      <a:ea typeface="+mn-ea"/>
-                                      <a:cs typeface="+mn-cs"/>
-                                    </a:rPr>
-                                  </m:ctrlPr>
-                                </m:sSubPr>
-                                <m:e>
-                                  <m:r>
-                                    <a:rPr lang="en-AU" sz="1200" b="1" i="1" kern="1200">
-                                      <a:solidFill>
-                                        <a:schemeClr val="tx1"/>
-                                      </a:solidFill>
-                                      <a:effectLst/>
-                                      <a:latin typeface="Cambria Math"/>
-                                      <a:ea typeface="+mn-ea"/>
-                                      <a:cs typeface="+mn-cs"/>
-                                    </a:rPr>
-                                    <m:t>𝑷</m:t>
-                                  </m:r>
-                                </m:e>
-                                <m:sub>
-                                  <m:r>
-                                    <a:rPr lang="en-AU" sz="1200" b="1" i="1" kern="1200">
-                                      <a:solidFill>
-                                        <a:schemeClr val="tx1"/>
-                                      </a:solidFill>
-                                      <a:effectLst/>
-                                      <a:latin typeface="Cambria Math"/>
-                                      <a:ea typeface="+mn-ea"/>
-                                      <a:cs typeface="+mn-cs"/>
-                                    </a:rPr>
-                                    <m:t>𝒊</m:t>
-                                  </m:r>
-                                </m:sub>
-                              </m:sSub>
-                            </m:oMath>
-                          </a14:m>
-                          <a:endParaRPr lang="en-AU" sz="1200" b="1" i="1" dirty="0"/>
-                        </a:p>
-                      </a:txBody>
-                      <a:tcPr anchor="ctr">
-                        <a:lnL>
-                          <a:noFill/>
-                        </a:lnL>
-                        <a:lnR>
-                          <a:noFill/>
-                        </a:lnR>
-                        <a:lnT w="12700" cap="flat" cmpd="sng" algn="ctr">
-                          <a:solidFill>
-                            <a:schemeClr val="tx1"/>
-                          </a:solidFill>
-                          <a:prstDash val="solid"/>
-                          <a:round/>
-                          <a:headEnd type="none" w="med" len="med"/>
-                          <a:tailEnd type="none" w="med" len="med"/>
-                        </a:lnT>
-                        <a:lnB w="12700" cap="flat" cmpd="sng" algn="ctr">
-                          <a:solidFill>
-                            <a:schemeClr val="tx1"/>
-                          </a:solidFill>
-                          <a:prstDash val="solid"/>
-                          <a:round/>
-                          <a:headEnd type="none" w="med" len="med"/>
-                          <a:tailEnd type="none" w="med" len="med"/>
-                        </a:lnB>
-                        <a:lnTlToBr w="12700" cmpd="sng">
-                          <a:noFill/>
-                          <a:prstDash val="solid"/>
-                        </a:lnTlToBr>
-                        <a:lnBlToTr w="12700" cmpd="sng">
-                          <a:noFill/>
-                          <a:prstDash val="solid"/>
-                        </a:lnBlToTr>
-                      </a:tcPr>
-                    </a:tc>
-                    <a:tc>
-                      <a:txBody>
-                        <a:bodyPr/>
-                        <a:lstStyle/>
-                        <a:p>
-                          <a:pPr algn="ctr"/>
-                          <a14:m>
-                            <m:oMathPara xmlns:m="http://schemas.openxmlformats.org/officeDocument/2006/math">
-                              <m:oMathParaPr>
-                                <m:jc m:val="centerGroup"/>
-                              </m:oMathParaPr>
-                              <m:oMath xmlns:m="http://schemas.openxmlformats.org/officeDocument/2006/math">
-                                <m:sSub>
-                                  <m:sSubPr>
-                                    <m:ctrlPr>
-                                      <a:rPr lang="en-AU" sz="1200" b="1" i="1" kern="1200" smtClean="0">
-                                        <a:solidFill>
-                                          <a:schemeClr val="tx1"/>
-                                        </a:solidFill>
-                                        <a:effectLst/>
-                                        <a:latin typeface="Cambria Math"/>
-                                        <a:ea typeface="+mn-ea"/>
-                                        <a:cs typeface="+mn-cs"/>
-                                      </a:rPr>
-                                    </m:ctrlPr>
-                                  </m:sSubPr>
-                                  <m:e>
-                                    <m:r>
-                                      <a:rPr lang="en-AU" sz="1200" b="1" i="1" kern="1200">
+                                      <a:rPr lang="en-AU" sz="1000" b="1" i="1" kern="1200">
                                         <a:solidFill>
                                           <a:schemeClr val="tx1"/>
                                         </a:solidFill>
@@ -13541,83 +13266,100 @@
                                   </m:e>
                                   <m:sub>
                                     <m:r>
-                                      <a:rPr lang="en-AU" sz="1200" b="1" i="1" kern="1200">
+                                      <a:rPr lang="en-AU" sz="1000" b="1" i="1" kern="1200" smtClean="0">
                                         <a:solidFill>
                                           <a:schemeClr val="tx1"/>
                                         </a:solidFill>
                                         <a:effectLst/>
-                                        <a:latin typeface="Cambria Math"/>
+                                        <a:latin typeface="Cambria Math" panose="02040503050406030204" pitchFamily="18" charset="0"/>
                                         <a:ea typeface="+mn-ea"/>
                                         <a:cs typeface="+mn-cs"/>
                                       </a:rPr>
-                                      <m:t>𝒌</m:t>
+                                      <m:t>𝟑</m:t>
+                                    </m:r>
+                                    <m:r>
+                                      <a:rPr lang="en-AU" sz="1000" b="1" i="1" kern="1200" smtClean="0">
+                                        <a:solidFill>
+                                          <a:schemeClr val="tx1"/>
+                                        </a:solidFill>
+                                        <a:effectLst/>
+                                        <a:latin typeface="Cambria Math" panose="02040503050406030204" pitchFamily="18" charset="0"/>
+                                        <a:ea typeface="+mn-ea"/>
+                                        <a:cs typeface="+mn-cs"/>
+                                      </a:rPr>
+                                      <m:t>−</m:t>
+                                    </m:r>
+                                    <m:r>
+                                      <a:rPr lang="en-AU" sz="1000" b="1" i="1" kern="1200" smtClean="0">
+                                        <a:solidFill>
+                                          <a:schemeClr val="tx1"/>
+                                        </a:solidFill>
+                                        <a:effectLst/>
+                                        <a:latin typeface="Cambria Math" panose="02040503050406030204" pitchFamily="18" charset="0"/>
+                                        <a:ea typeface="+mn-ea"/>
+                                        <a:cs typeface="+mn-cs"/>
+                                      </a:rPr>
+                                      <m:t>𝟔𝟗</m:t>
+                                    </m:r>
+                                    <m:r>
+                                      <a:rPr lang="en-AU" sz="1000" b="1" i="1" kern="1200" smtClean="0">
+                                        <a:solidFill>
+                                          <a:schemeClr val="tx1"/>
+                                        </a:solidFill>
+                                        <a:effectLst/>
+                                        <a:latin typeface="Cambria Math" panose="02040503050406030204" pitchFamily="18" charset="0"/>
+                                        <a:ea typeface="+mn-ea"/>
+                                        <a:cs typeface="+mn-cs"/>
+                                      </a:rPr>
+                                      <m:t>−</m:t>
+                                    </m:r>
+                                    <m:r>
+                                      <a:rPr lang="en-AU" sz="1000" b="1" i="1" kern="1200" smtClean="0">
+                                        <a:solidFill>
+                                          <a:schemeClr val="tx1"/>
+                                        </a:solidFill>
+                                        <a:effectLst/>
+                                        <a:latin typeface="Cambria Math" panose="02040503050406030204" pitchFamily="18" charset="0"/>
+                                        <a:ea typeface="+mn-ea"/>
+                                        <a:cs typeface="+mn-cs"/>
+                                      </a:rPr>
+                                      <m:t>𝟏</m:t>
                                     </m:r>
                                   </m:sub>
                                 </m:sSub>
                                 <m:d>
                                   <m:dPr>
                                     <m:ctrlPr>
-                                      <a:rPr lang="en-AU" sz="1200" b="1" i="1" kern="1200">
+                                      <a:rPr lang="en-AU" sz="1000" b="1" i="1" kern="1200">
                                         <a:solidFill>
                                           <a:schemeClr val="tx1"/>
                                         </a:solidFill>
                                         <a:effectLst/>
-                                        <a:latin typeface="Cambria Math"/>
+                                        <a:latin typeface="Cambria Math" panose="02040503050406030204" pitchFamily="18" charset="0"/>
                                         <a:ea typeface="+mn-ea"/>
                                         <a:cs typeface="+mn-cs"/>
                                       </a:rPr>
                                     </m:ctrlPr>
                                   </m:dPr>
                                   <m:e>
-                                    <m:sSub>
-                                      <m:sSubPr>
-                                        <m:ctrlPr>
-                                          <a:rPr lang="en-AU" sz="1200" b="1" i="1" kern="1200">
-                                            <a:solidFill>
-                                              <a:schemeClr val="tx1"/>
-                                            </a:solidFill>
-                                            <a:effectLst/>
-                                            <a:latin typeface="Cambria Math"/>
-                                            <a:ea typeface="+mn-ea"/>
-                                            <a:cs typeface="+mn-cs"/>
-                                          </a:rPr>
-                                        </m:ctrlPr>
-                                      </m:sSubPr>
-                                      <m:e>
-                                        <m:r>
-                                          <a:rPr lang="en-AU" sz="1200" b="1" i="1" kern="1200">
-                                            <a:solidFill>
-                                              <a:schemeClr val="tx1"/>
-                                            </a:solidFill>
-                                            <a:effectLst/>
-                                            <a:latin typeface="Cambria Math"/>
-                                            <a:ea typeface="+mn-ea"/>
-                                            <a:cs typeface="+mn-cs"/>
-                                          </a:rPr>
-                                          <m:t>𝑷</m:t>
-                                        </m:r>
-                                      </m:e>
-                                      <m:sub>
-                                        <m:r>
-                                          <a:rPr lang="en-AU" sz="1200" b="1" i="1" kern="1200">
-                                            <a:solidFill>
-                                              <a:schemeClr val="tx1"/>
-                                            </a:solidFill>
-                                            <a:effectLst/>
-                                            <a:latin typeface="Cambria Math"/>
-                                            <a:ea typeface="+mn-ea"/>
-                                            <a:cs typeface="+mn-cs"/>
-                                          </a:rPr>
-                                          <m:t>𝒊</m:t>
-                                        </m:r>
-                                      </m:sub>
-                                    </m:sSub>
+                                    <m:r>
+                                      <a:rPr lang="en-AU" sz="1000" b="1" i="1" kern="1200" smtClean="0">
+                                        <a:solidFill>
+                                          <a:schemeClr val="tx1"/>
+                                        </a:solidFill>
+                                        <a:effectLst/>
+                                        <a:latin typeface="Cambria Math" panose="02040503050406030204" pitchFamily="18" charset="0"/>
+                                        <a:ea typeface="+mn-ea"/>
+                                        <a:cs typeface="+mn-cs"/>
+                                      </a:rPr>
+                                      <m:t>𝒑</m:t>
+                                    </m:r>
                                   </m:e>
                                 </m:d>
                               </m:oMath>
                             </m:oMathPara>
                           </a14:m>
-                          <a:endParaRPr lang="en-AU" sz="1200" dirty="0"/>
+                          <a:endParaRPr lang="en-AU" sz="1000" dirty="0"/>
                         </a:p>
                       </a:txBody>
                       <a:tcPr anchor="ctr">
@@ -13670,12 +13412,12 @@
                                 <m:sSub>
                                   <m:sSubPr>
                                     <m:ctrlPr>
-                                      <a:rPr lang="en-AU" sz="1200" b="1" i="1" kern="1200" smtClean="0">
+                                      <a:rPr lang="en-AU" sz="1000" b="1" i="1" kern="1200" smtClean="0">
                                         <a:solidFill>
                                           <a:schemeClr val="tx1"/>
                                         </a:solidFill>
                                         <a:effectLst/>
-                                        <a:latin typeface="Cambria Math"/>
+                                        <a:latin typeface="Cambria Math" panose="02040503050406030204" pitchFamily="18" charset="0"/>
                                         <a:ea typeface="+mn-ea"/>
                                         <a:cs typeface="+mn-cs"/>
                                       </a:rPr>
@@ -13683,7 +13425,7 @@
                                   </m:sSubPr>
                                   <m:e>
                                     <m:r>
-                                      <a:rPr lang="en-AU" sz="1200" b="1" i="1" kern="1200" smtClean="0">
+                                      <a:rPr lang="en-AU" sz="1000" b="1" i="1" kern="1200" smtClean="0">
                                         <a:solidFill>
                                           <a:schemeClr val="tx1"/>
                                         </a:solidFill>
@@ -13697,83 +13439,100 @@
                                   </m:e>
                                   <m:sub>
                                     <m:r>
-                                      <a:rPr lang="en-AU" sz="1200" b="1" i="1" kern="1200">
+                                      <a:rPr lang="en-AU" sz="1000" b="1" i="1" kern="1200" smtClean="0">
                                         <a:solidFill>
                                           <a:schemeClr val="tx1"/>
                                         </a:solidFill>
                                         <a:effectLst/>
-                                        <a:latin typeface="Cambria Math"/>
+                                        <a:latin typeface="Cambria Math" panose="02040503050406030204" pitchFamily="18" charset="0"/>
                                         <a:ea typeface="+mn-ea"/>
                                         <a:cs typeface="+mn-cs"/>
                                       </a:rPr>
-                                      <m:t>𝒌</m:t>
+                                      <m:t>𝟑</m:t>
+                                    </m:r>
+                                    <m:r>
+                                      <a:rPr lang="en-AU" sz="1000" b="1" i="1" kern="1200" smtClean="0">
+                                        <a:solidFill>
+                                          <a:schemeClr val="tx1"/>
+                                        </a:solidFill>
+                                        <a:effectLst/>
+                                        <a:latin typeface="Cambria Math" panose="02040503050406030204" pitchFamily="18" charset="0"/>
+                                        <a:ea typeface="+mn-ea"/>
+                                        <a:cs typeface="+mn-cs"/>
+                                      </a:rPr>
+                                      <m:t>−</m:t>
+                                    </m:r>
+                                    <m:r>
+                                      <a:rPr lang="en-AU" sz="1000" b="1" i="1" kern="1200" smtClean="0">
+                                        <a:solidFill>
+                                          <a:schemeClr val="tx1"/>
+                                        </a:solidFill>
+                                        <a:effectLst/>
+                                        <a:latin typeface="Cambria Math" panose="02040503050406030204" pitchFamily="18" charset="0"/>
+                                        <a:ea typeface="+mn-ea"/>
+                                        <a:cs typeface="+mn-cs"/>
+                                      </a:rPr>
+                                      <m:t>𝟔𝟗</m:t>
+                                    </m:r>
+                                    <m:r>
+                                      <a:rPr lang="en-AU" sz="1000" b="1" i="1" kern="1200" smtClean="0">
+                                        <a:solidFill>
+                                          <a:schemeClr val="tx1"/>
+                                        </a:solidFill>
+                                        <a:effectLst/>
+                                        <a:latin typeface="Cambria Math" panose="02040503050406030204" pitchFamily="18" charset="0"/>
+                                        <a:ea typeface="+mn-ea"/>
+                                        <a:cs typeface="+mn-cs"/>
+                                      </a:rPr>
+                                      <m:t>−</m:t>
+                                    </m:r>
+                                    <m:r>
+                                      <a:rPr lang="en-AU" sz="1000" b="1" i="1" kern="1200" smtClean="0">
+                                        <a:solidFill>
+                                          <a:schemeClr val="tx1"/>
+                                        </a:solidFill>
+                                        <a:effectLst/>
+                                        <a:latin typeface="Cambria Math" panose="02040503050406030204" pitchFamily="18" charset="0"/>
+                                        <a:ea typeface="+mn-ea"/>
+                                        <a:cs typeface="+mn-cs"/>
+                                      </a:rPr>
+                                      <m:t>𝟏</m:t>
                                     </m:r>
                                   </m:sub>
                                 </m:sSub>
                                 <m:d>
                                   <m:dPr>
                                     <m:ctrlPr>
-                                      <a:rPr lang="en-AU" sz="1200" b="1" i="1" kern="1200">
+                                      <a:rPr lang="en-AU" sz="1000" b="1" i="1" kern="1200">
                                         <a:solidFill>
                                           <a:schemeClr val="tx1"/>
                                         </a:solidFill>
                                         <a:effectLst/>
-                                        <a:latin typeface="Cambria Math"/>
+                                        <a:latin typeface="Cambria Math" panose="02040503050406030204" pitchFamily="18" charset="0"/>
                                         <a:ea typeface="+mn-ea"/>
                                         <a:cs typeface="+mn-cs"/>
                                       </a:rPr>
                                     </m:ctrlPr>
                                   </m:dPr>
                                   <m:e>
-                                    <m:sSub>
-                                      <m:sSubPr>
-                                        <m:ctrlPr>
-                                          <a:rPr lang="en-AU" sz="1200" b="1" i="1" kern="1200">
-                                            <a:solidFill>
-                                              <a:schemeClr val="tx1"/>
-                                            </a:solidFill>
-                                            <a:effectLst/>
-                                            <a:latin typeface="Cambria Math"/>
-                                            <a:ea typeface="+mn-ea"/>
-                                            <a:cs typeface="+mn-cs"/>
-                                          </a:rPr>
-                                        </m:ctrlPr>
-                                      </m:sSubPr>
-                                      <m:e>
-                                        <m:r>
-                                          <a:rPr lang="en-AU" sz="1200" b="1" i="1" kern="1200">
-                                            <a:solidFill>
-                                              <a:schemeClr val="tx1"/>
-                                            </a:solidFill>
-                                            <a:effectLst/>
-                                            <a:latin typeface="Cambria Math"/>
-                                            <a:ea typeface="+mn-ea"/>
-                                            <a:cs typeface="+mn-cs"/>
-                                          </a:rPr>
-                                          <m:t>𝑷</m:t>
-                                        </m:r>
-                                      </m:e>
-                                      <m:sub>
-                                        <m:r>
-                                          <a:rPr lang="en-AU" sz="1200" b="1" i="1" kern="1200">
-                                            <a:solidFill>
-                                              <a:schemeClr val="tx1"/>
-                                            </a:solidFill>
-                                            <a:effectLst/>
-                                            <a:latin typeface="Cambria Math"/>
-                                            <a:ea typeface="+mn-ea"/>
-                                            <a:cs typeface="+mn-cs"/>
-                                          </a:rPr>
-                                          <m:t>𝒊</m:t>
-                                        </m:r>
-                                      </m:sub>
-                                    </m:sSub>
+                                    <m:r>
+                                      <a:rPr lang="en-AU" sz="1000" b="1" i="1" kern="1200" smtClean="0">
+                                        <a:solidFill>
+                                          <a:schemeClr val="tx1"/>
+                                        </a:solidFill>
+                                        <a:effectLst/>
+                                        <a:latin typeface="Cambria Math" panose="02040503050406030204" pitchFamily="18" charset="0"/>
+                                        <a:ea typeface="+mn-ea"/>
+                                        <a:cs typeface="+mn-cs"/>
+                                      </a:rPr>
+                                      <m:t>𝒑</m:t>
+                                    </m:r>
                                   </m:e>
                                 </m:d>
                               </m:oMath>
                             </m:oMathPara>
                           </a14:m>
-                          <a:endParaRPr lang="en-AU" sz="1200" dirty="0"/>
+                          <a:endParaRPr lang="en-AU" sz="1000" dirty="0"/>
                         </a:p>
                       </a:txBody>
                       <a:tcPr anchor="ctr">
@@ -13826,12 +13585,12 @@
                                 <m:sSub>
                                   <m:sSubPr>
                                     <m:ctrlPr>
-                                      <a:rPr lang="en-AU" sz="1200" b="1" i="1" kern="1200" smtClean="0">
+                                      <a:rPr lang="en-AU" sz="1000" b="1" i="1" kern="1200" smtClean="0">
                                         <a:solidFill>
                                           <a:schemeClr val="tx1"/>
                                         </a:solidFill>
                                         <a:effectLst/>
-                                        <a:latin typeface="Cambria Math"/>
+                                        <a:latin typeface="Cambria Math" panose="02040503050406030204" pitchFamily="18" charset="0"/>
                                         <a:ea typeface="+mn-ea"/>
                                         <a:cs typeface="+mn-cs"/>
                                       </a:rPr>
@@ -13839,7 +13598,7 @@
                                   </m:sSubPr>
                                   <m:e>
                                     <m:r>
-                                      <a:rPr lang="en-AU" sz="1200" b="1" i="1" kern="1200">
+                                      <a:rPr lang="en-AU" sz="1000" b="1" i="1" kern="1200">
                                         <a:solidFill>
                                           <a:schemeClr val="tx1"/>
                                         </a:solidFill>
@@ -13853,83 +13612,100 @@
                                   </m:e>
                                   <m:sub>
                                     <m:r>
-                                      <a:rPr lang="en-AU" sz="1200" b="1" i="1" kern="1200">
+                                      <a:rPr lang="en-AU" sz="1000" b="1" i="1" kern="1200" smtClean="0">
                                         <a:solidFill>
                                           <a:schemeClr val="tx1"/>
                                         </a:solidFill>
                                         <a:effectLst/>
-                                        <a:latin typeface="Cambria Math"/>
+                                        <a:latin typeface="Cambria Math" panose="02040503050406030204" pitchFamily="18" charset="0"/>
                                         <a:ea typeface="+mn-ea"/>
                                         <a:cs typeface="+mn-cs"/>
                                       </a:rPr>
-                                      <m:t>𝒌</m:t>
+                                      <m:t>𝟑</m:t>
+                                    </m:r>
+                                    <m:r>
+                                      <a:rPr lang="en-AU" sz="1000" b="1" i="1" kern="1200" smtClean="0">
+                                        <a:solidFill>
+                                          <a:schemeClr val="tx1"/>
+                                        </a:solidFill>
+                                        <a:effectLst/>
+                                        <a:latin typeface="Cambria Math" panose="02040503050406030204" pitchFamily="18" charset="0"/>
+                                        <a:ea typeface="+mn-ea"/>
+                                        <a:cs typeface="+mn-cs"/>
+                                      </a:rPr>
+                                      <m:t>−</m:t>
+                                    </m:r>
+                                    <m:r>
+                                      <a:rPr lang="en-AU" sz="1000" b="1" i="1" kern="1200" smtClean="0">
+                                        <a:solidFill>
+                                          <a:schemeClr val="tx1"/>
+                                        </a:solidFill>
+                                        <a:effectLst/>
+                                        <a:latin typeface="Cambria Math" panose="02040503050406030204" pitchFamily="18" charset="0"/>
+                                        <a:ea typeface="+mn-ea"/>
+                                        <a:cs typeface="+mn-cs"/>
+                                      </a:rPr>
+                                      <m:t>𝟔𝟗</m:t>
+                                    </m:r>
+                                    <m:r>
+                                      <a:rPr lang="en-AU" sz="1000" b="1" i="1" kern="1200" smtClean="0">
+                                        <a:solidFill>
+                                          <a:schemeClr val="tx1"/>
+                                        </a:solidFill>
+                                        <a:effectLst/>
+                                        <a:latin typeface="Cambria Math" panose="02040503050406030204" pitchFamily="18" charset="0"/>
+                                        <a:ea typeface="+mn-ea"/>
+                                        <a:cs typeface="+mn-cs"/>
+                                      </a:rPr>
+                                      <m:t>−</m:t>
+                                    </m:r>
+                                    <m:r>
+                                      <a:rPr lang="en-AU" sz="1000" b="1" i="1" kern="1200" smtClean="0">
+                                        <a:solidFill>
+                                          <a:schemeClr val="tx1"/>
+                                        </a:solidFill>
+                                        <a:effectLst/>
+                                        <a:latin typeface="Cambria Math" panose="02040503050406030204" pitchFamily="18" charset="0"/>
+                                        <a:ea typeface="+mn-ea"/>
+                                        <a:cs typeface="+mn-cs"/>
+                                      </a:rPr>
+                                      <m:t>𝟏</m:t>
                                     </m:r>
                                   </m:sub>
                                 </m:sSub>
                                 <m:d>
                                   <m:dPr>
                                     <m:ctrlPr>
-                                      <a:rPr lang="en-AU" sz="1200" b="1" i="1" kern="1200">
+                                      <a:rPr lang="en-AU" sz="1000" b="1" i="1" kern="1200">
                                         <a:solidFill>
                                           <a:schemeClr val="tx1"/>
                                         </a:solidFill>
                                         <a:effectLst/>
-                                        <a:latin typeface="Cambria Math"/>
+                                        <a:latin typeface="Cambria Math" panose="02040503050406030204" pitchFamily="18" charset="0"/>
                                         <a:ea typeface="+mn-ea"/>
                                         <a:cs typeface="+mn-cs"/>
                                       </a:rPr>
                                     </m:ctrlPr>
                                   </m:dPr>
                                   <m:e>
-                                    <m:sSub>
-                                      <m:sSubPr>
-                                        <m:ctrlPr>
-                                          <a:rPr lang="en-AU" sz="1200" b="1" i="1" kern="1200">
-                                            <a:solidFill>
-                                              <a:schemeClr val="tx1"/>
-                                            </a:solidFill>
-                                            <a:effectLst/>
-                                            <a:latin typeface="Cambria Math"/>
-                                            <a:ea typeface="+mn-ea"/>
-                                            <a:cs typeface="+mn-cs"/>
-                                          </a:rPr>
-                                        </m:ctrlPr>
-                                      </m:sSubPr>
-                                      <m:e>
-                                        <m:r>
-                                          <a:rPr lang="en-AU" sz="1200" b="1" i="1" kern="1200">
-                                            <a:solidFill>
-                                              <a:schemeClr val="tx1"/>
-                                            </a:solidFill>
-                                            <a:effectLst/>
-                                            <a:latin typeface="Cambria Math"/>
-                                            <a:ea typeface="+mn-ea"/>
-                                            <a:cs typeface="+mn-cs"/>
-                                          </a:rPr>
-                                          <m:t>𝑷</m:t>
-                                        </m:r>
-                                      </m:e>
-                                      <m:sub>
-                                        <m:r>
-                                          <a:rPr lang="en-AU" sz="1200" b="1" i="1" kern="1200">
-                                            <a:solidFill>
-                                              <a:schemeClr val="tx1"/>
-                                            </a:solidFill>
-                                            <a:effectLst/>
-                                            <a:latin typeface="Cambria Math"/>
-                                            <a:ea typeface="+mn-ea"/>
-                                            <a:cs typeface="+mn-cs"/>
-                                          </a:rPr>
-                                          <m:t>𝒊</m:t>
-                                        </m:r>
-                                      </m:sub>
-                                    </m:sSub>
+                                    <m:r>
+                                      <a:rPr lang="en-AU" sz="1000" b="1" i="1" kern="1200" smtClean="0">
+                                        <a:solidFill>
+                                          <a:schemeClr val="tx1"/>
+                                        </a:solidFill>
+                                        <a:effectLst/>
+                                        <a:latin typeface="Cambria Math" panose="02040503050406030204" pitchFamily="18" charset="0"/>
+                                        <a:ea typeface="+mn-ea"/>
+                                        <a:cs typeface="+mn-cs"/>
+                                      </a:rPr>
+                                      <m:t>𝒑</m:t>
+                                    </m:r>
                                   </m:e>
                                 </m:d>
                               </m:oMath>
                             </m:oMathPara>
                           </a14:m>
-                          <a:endParaRPr lang="en-AU" sz="1200" dirty="0"/>
+                          <a:endParaRPr lang="en-AU" sz="1000" dirty="0"/>
                         </a:p>
                       </a:txBody>
                       <a:tcPr anchor="ctr">
@@ -13975,7 +13751,7 @@
                     </a:tc>
                     <a:extLst>
                       <a:ext uri="{0D108BD9-81ED-4DB2-BD59-A6C34878D82A}">
-                        <a16:rowId xmlns:a16="http://schemas.microsoft.com/office/drawing/2014/main" xmlns="" val="3176941515"/>
+                        <a16:rowId xmlns:a16="http://schemas.microsoft.com/office/drawing/2014/main" val="3176941515"/>
                       </a:ext>
                     </a:extLst>
                   </a:tr>
@@ -14208,7 +13984,7 @@
                     </a:tc>
                     <a:extLst>
                       <a:ext uri="{0D108BD9-81ED-4DB2-BD59-A6C34878D82A}">
-                        <a16:rowId xmlns:a16="http://schemas.microsoft.com/office/drawing/2014/main" xmlns="" val="2673339703"/>
+                        <a16:rowId xmlns:a16="http://schemas.microsoft.com/office/drawing/2014/main" val="2673339703"/>
                       </a:ext>
                     </a:extLst>
                   </a:tr>
@@ -14402,7 +14178,7 @@
                     </a:tc>
                     <a:extLst>
                       <a:ext uri="{0D108BD9-81ED-4DB2-BD59-A6C34878D82A}">
-                        <a16:rowId xmlns:a16="http://schemas.microsoft.com/office/drawing/2014/main" xmlns="" val="2736953877"/>
+                        <a16:rowId xmlns:a16="http://schemas.microsoft.com/office/drawing/2014/main" val="2736953877"/>
                       </a:ext>
                     </a:extLst>
                   </a:tr>
@@ -14605,7 +14381,7 @@
                     </a:tc>
                     <a:extLst>
                       <a:ext uri="{0D108BD9-81ED-4DB2-BD59-A6C34878D82A}">
-                        <a16:rowId xmlns:a16="http://schemas.microsoft.com/office/drawing/2014/main" xmlns="" val="935999974"/>
+                        <a16:rowId xmlns:a16="http://schemas.microsoft.com/office/drawing/2014/main" val="935999974"/>
                       </a:ext>
                     </a:extLst>
                   </a:tr>
@@ -14799,7 +14575,7 @@
                     </a:tc>
                     <a:extLst>
                       <a:ext uri="{0D108BD9-81ED-4DB2-BD59-A6C34878D82A}">
-                        <a16:rowId xmlns:a16="http://schemas.microsoft.com/office/drawing/2014/main" xmlns="" val="3527595651"/>
+                        <a16:rowId xmlns:a16="http://schemas.microsoft.com/office/drawing/2014/main" val="3527595651"/>
                       </a:ext>
                     </a:extLst>
                   </a:tr>
@@ -14993,7 +14769,7 @@
                     </a:tc>
                     <a:extLst>
                       <a:ext uri="{0D108BD9-81ED-4DB2-BD59-A6C34878D82A}">
-                        <a16:rowId xmlns:a16="http://schemas.microsoft.com/office/drawing/2014/main" xmlns="" val="2249276370"/>
+                        <a16:rowId xmlns:a16="http://schemas.microsoft.com/office/drawing/2014/main" val="2249276370"/>
                       </a:ext>
                     </a:extLst>
                   </a:tr>
@@ -15217,7 +14993,7 @@
                     </a:tc>
                     <a:extLst>
                       <a:ext uri="{0D108BD9-81ED-4DB2-BD59-A6C34878D82A}">
-                        <a16:rowId xmlns:a16="http://schemas.microsoft.com/office/drawing/2014/main" xmlns="" val="889951462"/>
+                        <a16:rowId xmlns:a16="http://schemas.microsoft.com/office/drawing/2014/main" val="889951462"/>
                       </a:ext>
                     </a:extLst>
                   </a:tr>
@@ -15226,7 +15002,7 @@
             </a:graphic>
           </p:graphicFrame>
         </mc:Choice>
-        <mc:Fallback xmlns="">
+        <mc:Fallback>
           <p:graphicFrame>
             <p:nvGraphicFramePr>
               <p:cNvPr id="6" name="Table 5"/>
@@ -15236,7 +15012,7 @@
               <p:nvPr>
                 <p:extLst>
                   <p:ext uri="{D42A27DB-BD31-4B8C-83A1-F6EECF244321}">
-                    <p14:modId xmlns:p14="http://schemas.microsoft.com/office/powerpoint/2010/main" val="1538006737"/>
+                    <p14:modId xmlns:p14="http://schemas.microsoft.com/office/powerpoint/2010/main" val="2209581917"/>
                   </p:ext>
                 </p:extLst>
               </p:nvPr>

--- a/resources/IgFamily.pptx
+++ b/resources/IgFamily.pptx
@@ -114,7 +114,7 @@
   </p:defaultTextStyle>
   <p:extLst>
     <p:ext uri="{EFAFB233-063F-42B5-8137-9DF3F51BA10A}">
-      <p15:sldGuideLst xmlns:p15="http://schemas.microsoft.com/office/powerpoint/2012/main">
+      <p15:sldGuideLst xmlns:p15="http://schemas.microsoft.com/office/powerpoint/2012/main" xmlns="">
         <p15:guide id="1" orient="horz" pos="2880">
           <p15:clr>
             <a:srgbClr val="A4A3A4"/>
@@ -312,7 +312,7 @@
           <a:p>
             <a:fld id="{A1603105-CD7D-46BB-B5E1-D51F2A03682D}" type="datetimeFigureOut">
               <a:rPr lang="en-AU" smtClean="0"/>
-              <a:t>14/11/2016</a:t>
+              <a:t>15/11/2016</a:t>
             </a:fld>
             <a:endParaRPr lang="en-AU"/>
           </a:p>
@@ -482,7 +482,7 @@
           <a:p>
             <a:fld id="{A1603105-CD7D-46BB-B5E1-D51F2A03682D}" type="datetimeFigureOut">
               <a:rPr lang="en-AU" smtClean="0"/>
-              <a:t>14/11/2016</a:t>
+              <a:t>15/11/2016</a:t>
             </a:fld>
             <a:endParaRPr lang="en-AU"/>
           </a:p>
@@ -662,7 +662,7 @@
           <a:p>
             <a:fld id="{A1603105-CD7D-46BB-B5E1-D51F2A03682D}" type="datetimeFigureOut">
               <a:rPr lang="en-AU" smtClean="0"/>
-              <a:t>14/11/2016</a:t>
+              <a:t>15/11/2016</a:t>
             </a:fld>
             <a:endParaRPr lang="en-AU"/>
           </a:p>
@@ -832,7 +832,7 @@
           <a:p>
             <a:fld id="{A1603105-CD7D-46BB-B5E1-D51F2A03682D}" type="datetimeFigureOut">
               <a:rPr lang="en-AU" smtClean="0"/>
-              <a:t>14/11/2016</a:t>
+              <a:t>15/11/2016</a:t>
             </a:fld>
             <a:endParaRPr lang="en-AU"/>
           </a:p>
@@ -1078,7 +1078,7 @@
           <a:p>
             <a:fld id="{A1603105-CD7D-46BB-B5E1-D51F2A03682D}" type="datetimeFigureOut">
               <a:rPr lang="en-AU" smtClean="0"/>
-              <a:t>14/11/2016</a:t>
+              <a:t>15/11/2016</a:t>
             </a:fld>
             <a:endParaRPr lang="en-AU"/>
           </a:p>
@@ -1366,7 +1366,7 @@
           <a:p>
             <a:fld id="{A1603105-CD7D-46BB-B5E1-D51F2A03682D}" type="datetimeFigureOut">
               <a:rPr lang="en-AU" smtClean="0"/>
-              <a:t>14/11/2016</a:t>
+              <a:t>15/11/2016</a:t>
             </a:fld>
             <a:endParaRPr lang="en-AU"/>
           </a:p>
@@ -1788,7 +1788,7 @@
           <a:p>
             <a:fld id="{A1603105-CD7D-46BB-B5E1-D51F2A03682D}" type="datetimeFigureOut">
               <a:rPr lang="en-AU" smtClean="0"/>
-              <a:t>14/11/2016</a:t>
+              <a:t>15/11/2016</a:t>
             </a:fld>
             <a:endParaRPr lang="en-AU"/>
           </a:p>
@@ -1906,7 +1906,7 @@
           <a:p>
             <a:fld id="{A1603105-CD7D-46BB-B5E1-D51F2A03682D}" type="datetimeFigureOut">
               <a:rPr lang="en-AU" smtClean="0"/>
-              <a:t>14/11/2016</a:t>
+              <a:t>15/11/2016</a:t>
             </a:fld>
             <a:endParaRPr lang="en-AU"/>
           </a:p>
@@ -2001,7 +2001,7 @@
           <a:p>
             <a:fld id="{A1603105-CD7D-46BB-B5E1-D51F2A03682D}" type="datetimeFigureOut">
               <a:rPr lang="en-AU" smtClean="0"/>
-              <a:t>14/11/2016</a:t>
+              <a:t>15/11/2016</a:t>
             </a:fld>
             <a:endParaRPr lang="en-AU"/>
           </a:p>
@@ -2278,7 +2278,7 @@
           <a:p>
             <a:fld id="{A1603105-CD7D-46BB-B5E1-D51F2A03682D}" type="datetimeFigureOut">
               <a:rPr lang="en-AU" smtClean="0"/>
-              <a:t>14/11/2016</a:t>
+              <a:t>15/11/2016</a:t>
             </a:fld>
             <a:endParaRPr lang="en-AU"/>
           </a:p>
@@ -2531,7 +2531,7 @@
           <a:p>
             <a:fld id="{A1603105-CD7D-46BB-B5E1-D51F2A03682D}" type="datetimeFigureOut">
               <a:rPr lang="en-AU" smtClean="0"/>
-              <a:t>14/11/2016</a:t>
+              <a:t>15/11/2016</a:t>
             </a:fld>
             <a:endParaRPr lang="en-AU"/>
           </a:p>
@@ -2744,7 +2744,7 @@
           <a:p>
             <a:fld id="{A1603105-CD7D-46BB-B5E1-D51F2A03682D}" type="datetimeFigureOut">
               <a:rPr lang="en-AU" smtClean="0"/>
-              <a:t>14/11/2016</a:t>
+              <a:t>15/11/2016</a:t>
             </a:fld>
             <a:endParaRPr lang="en-AU"/>
           </a:p>
@@ -3520,7 +3520,7 @@
               <p:nvPr>
                 <p:extLst>
                   <p:ext uri="{D42A27DB-BD31-4B8C-83A1-F6EECF244321}">
-                    <p14:modId xmlns:p14="http://schemas.microsoft.com/office/powerpoint/2010/main" val="3492260019"/>
+                    <p14:modId xmlns:p14="http://schemas.microsoft.com/office/powerpoint/2010/main" val="1343231129"/>
                   </p:ext>
                 </p:extLst>
               </p:nvPr>
@@ -3539,35 +3539,35 @@
                     <a:gridCol w="785093">
                       <a:extLst>
                         <a:ext uri="{9D8B030D-6E8A-4147-A177-3AD203B41FA5}">
-                          <a16:colId xmlns:a16="http://schemas.microsoft.com/office/drawing/2014/main" val="2070464311"/>
+                          <a16:colId xmlns:a16="http://schemas.microsoft.com/office/drawing/2014/main" xmlns="" val="2070464311"/>
                         </a:ext>
                       </a:extLst>
                     </a:gridCol>
                     <a:gridCol w="478556">
                       <a:extLst>
                         <a:ext uri="{9D8B030D-6E8A-4147-A177-3AD203B41FA5}">
-                          <a16:colId xmlns:a16="http://schemas.microsoft.com/office/drawing/2014/main" val="2814482158"/>
+                          <a16:colId xmlns:a16="http://schemas.microsoft.com/office/drawing/2014/main" xmlns="" val="2814482158"/>
                         </a:ext>
                       </a:extLst>
                     </a:gridCol>
                     <a:gridCol w="631826">
                       <a:extLst>
                         <a:ext uri="{9D8B030D-6E8A-4147-A177-3AD203B41FA5}">
-                          <a16:colId xmlns:a16="http://schemas.microsoft.com/office/drawing/2014/main" val="3449075261"/>
+                          <a16:colId xmlns:a16="http://schemas.microsoft.com/office/drawing/2014/main" xmlns="" val="3449075261"/>
                         </a:ext>
                       </a:extLst>
                     </a:gridCol>
                     <a:gridCol w="631826">
                       <a:extLst>
                         <a:ext uri="{9D8B030D-6E8A-4147-A177-3AD203B41FA5}">
-                          <a16:colId xmlns:a16="http://schemas.microsoft.com/office/drawing/2014/main" val="1813670796"/>
+                          <a16:colId xmlns:a16="http://schemas.microsoft.com/office/drawing/2014/main" xmlns="" val="1813670796"/>
                         </a:ext>
                       </a:extLst>
                     </a:gridCol>
                     <a:gridCol w="631826">
                       <a:extLst>
                         <a:ext uri="{9D8B030D-6E8A-4147-A177-3AD203B41FA5}">
-                          <a16:colId xmlns:a16="http://schemas.microsoft.com/office/drawing/2014/main" val="1994465920"/>
+                          <a16:colId xmlns:a16="http://schemas.microsoft.com/office/drawing/2014/main" xmlns="" val="1994465920"/>
                         </a:ext>
                       </a:extLst>
                     </a:gridCol>
@@ -3722,7 +3722,7 @@
                                           <a:schemeClr val="tx1"/>
                                         </a:solidFill>
                                         <a:effectLst/>
-                                        <a:latin typeface="Cambria Math" panose="02040503050406030204" pitchFamily="18" charset="0"/>
+                                        <a:latin typeface="Cambria Math"/>
                                         <a:ea typeface="+mn-ea"/>
                                         <a:cs typeface="+mn-cs"/>
                                       </a:rPr>
@@ -3756,7 +3756,10 @@
                                       <m:t>𝟏</m:t>
                                     </m:r>
                                     <m:r>
-                                      <a:rPr lang="en-AU" sz="1100" b="1" i="1" kern="1200" smtClean="0">
+                                      <m:rPr>
+                                        <m:nor/>
+                                      </m:rPr>
+                                      <a:rPr lang="en-AU" sz="1100" b="1" i="0" kern="1200" smtClean="0">
                                         <a:solidFill>
                                           <a:schemeClr val="tx1"/>
                                         </a:solidFill>
@@ -3765,7 +3768,7 @@
                                         <a:ea typeface="+mn-ea"/>
                                         <a:cs typeface="+mn-cs"/>
                                       </a:rPr>
-                                      <m:t>−</m:t>
+                                      <m:t>-</m:t>
                                     </m:r>
                                     <m:r>
                                       <a:rPr lang="en-AU" sz="1100" b="1" i="1" kern="1200" smtClean="0">
@@ -3789,7 +3792,7 @@
                                           <a:schemeClr val="tx1"/>
                                         </a:solidFill>
                                         <a:effectLst/>
-                                        <a:latin typeface="Cambria Math" panose="02040503050406030204" pitchFamily="18" charset="0"/>
+                                        <a:latin typeface="Cambria Math"/>
                                         <a:ea typeface="+mn-ea"/>
                                         <a:cs typeface="+mn-cs"/>
                                       </a:rPr>
@@ -3871,7 +3874,7 @@
                                           <a:schemeClr val="tx1"/>
                                         </a:solidFill>
                                         <a:effectLst/>
-                                        <a:latin typeface="Cambria Math" panose="02040503050406030204" pitchFamily="18" charset="0"/>
+                                        <a:latin typeface="Cambria Math"/>
                                         <a:ea typeface="+mn-ea"/>
                                         <a:cs typeface="+mn-cs"/>
                                       </a:rPr>
@@ -3905,7 +3908,10 @@
                                       <m:t>𝟏</m:t>
                                     </m:r>
                                     <m:r>
-                                      <a:rPr lang="en-AU" sz="1100" b="1" i="1" kern="1200" smtClean="0">
+                                      <m:rPr>
+                                        <m:nor/>
+                                      </m:rPr>
+                                      <a:rPr lang="en-AU" sz="1100" b="1" i="0" kern="1200" smtClean="0">
                                         <a:solidFill>
                                           <a:schemeClr val="tx1"/>
                                         </a:solidFill>
@@ -3914,7 +3920,7 @@
                                         <a:ea typeface="+mn-ea"/>
                                         <a:cs typeface="+mn-cs"/>
                                       </a:rPr>
-                                      <m:t>−</m:t>
+                                      <m:t>-</m:t>
                                     </m:r>
                                     <m:r>
                                       <a:rPr lang="en-AU" sz="1100" b="1" i="1" kern="1200" smtClean="0">
@@ -3938,7 +3944,7 @@
                                           <a:schemeClr val="tx1"/>
                                         </a:solidFill>
                                         <a:effectLst/>
-                                        <a:latin typeface="Cambria Math" panose="02040503050406030204" pitchFamily="18" charset="0"/>
+                                        <a:latin typeface="Cambria Math"/>
                                         <a:ea typeface="+mn-ea"/>
                                         <a:cs typeface="+mn-cs"/>
                                       </a:rPr>
@@ -4020,7 +4026,7 @@
                                           <a:schemeClr val="tx1"/>
                                         </a:solidFill>
                                         <a:effectLst/>
-                                        <a:latin typeface="Cambria Math" panose="02040503050406030204" pitchFamily="18" charset="0"/>
+                                        <a:latin typeface="Cambria Math"/>
                                         <a:ea typeface="+mn-ea"/>
                                         <a:cs typeface="+mn-cs"/>
                                       </a:rPr>
@@ -4054,7 +4060,10 @@
                                       <m:t>𝟏</m:t>
                                     </m:r>
                                     <m:r>
-                                      <a:rPr lang="en-AU" sz="1100" b="1" i="1" kern="1200" smtClean="0">
+                                      <m:rPr>
+                                        <m:nor/>
+                                      </m:rPr>
+                                      <a:rPr lang="en-AU" sz="1100" b="1" i="0" kern="1200" smtClean="0">
                                         <a:solidFill>
                                           <a:schemeClr val="tx1"/>
                                         </a:solidFill>
@@ -4063,7 +4072,7 @@
                                         <a:ea typeface="+mn-ea"/>
                                         <a:cs typeface="+mn-cs"/>
                                       </a:rPr>
-                                      <m:t>−</m:t>
+                                      <m:t>-</m:t>
                                     </m:r>
                                     <m:r>
                                       <a:rPr lang="en-AU" sz="1100" b="1" i="1" kern="1200" smtClean="0">
@@ -4087,7 +4096,7 @@
                                           <a:schemeClr val="tx1"/>
                                         </a:solidFill>
                                         <a:effectLst/>
-                                        <a:latin typeface="Cambria Math" panose="02040503050406030204" pitchFamily="18" charset="0"/>
+                                        <a:latin typeface="Cambria Math"/>
                                         <a:ea typeface="+mn-ea"/>
                                         <a:cs typeface="+mn-cs"/>
                                       </a:rPr>
@@ -4157,7 +4166,7 @@
                     </a:tc>
                     <a:extLst>
                       <a:ext uri="{0D108BD9-81ED-4DB2-BD59-A6C34878D82A}">
-                        <a16:rowId xmlns:a16="http://schemas.microsoft.com/office/drawing/2014/main" val="3176941515"/>
+                        <a16:rowId xmlns:a16="http://schemas.microsoft.com/office/drawing/2014/main" xmlns="" val="3176941515"/>
                       </a:ext>
                     </a:extLst>
                   </a:tr>
@@ -4390,7 +4399,7 @@
                     </a:tc>
                     <a:extLst>
                       <a:ext uri="{0D108BD9-81ED-4DB2-BD59-A6C34878D82A}">
-                        <a16:rowId xmlns:a16="http://schemas.microsoft.com/office/drawing/2014/main" val="2673339703"/>
+                        <a16:rowId xmlns:a16="http://schemas.microsoft.com/office/drawing/2014/main" xmlns="" val="2673339703"/>
                       </a:ext>
                     </a:extLst>
                   </a:tr>
@@ -4584,7 +4593,7 @@
                     </a:tc>
                     <a:extLst>
                       <a:ext uri="{0D108BD9-81ED-4DB2-BD59-A6C34878D82A}">
-                        <a16:rowId xmlns:a16="http://schemas.microsoft.com/office/drawing/2014/main" val="2736953877"/>
+                        <a16:rowId xmlns:a16="http://schemas.microsoft.com/office/drawing/2014/main" xmlns="" val="2736953877"/>
                       </a:ext>
                     </a:extLst>
                   </a:tr>
@@ -4787,7 +4796,7 @@
                     </a:tc>
                     <a:extLst>
                       <a:ext uri="{0D108BD9-81ED-4DB2-BD59-A6C34878D82A}">
-                        <a16:rowId xmlns:a16="http://schemas.microsoft.com/office/drawing/2014/main" val="935999974"/>
+                        <a16:rowId xmlns:a16="http://schemas.microsoft.com/office/drawing/2014/main" xmlns="" val="935999974"/>
                       </a:ext>
                     </a:extLst>
                   </a:tr>
@@ -4981,7 +4990,7 @@
                     </a:tc>
                     <a:extLst>
                       <a:ext uri="{0D108BD9-81ED-4DB2-BD59-A6C34878D82A}">
-                        <a16:rowId xmlns:a16="http://schemas.microsoft.com/office/drawing/2014/main" val="3527595651"/>
+                        <a16:rowId xmlns:a16="http://schemas.microsoft.com/office/drawing/2014/main" xmlns="" val="3527595651"/>
                       </a:ext>
                     </a:extLst>
                   </a:tr>
@@ -5175,7 +5184,7 @@
                     </a:tc>
                     <a:extLst>
                       <a:ext uri="{0D108BD9-81ED-4DB2-BD59-A6C34878D82A}">
-                        <a16:rowId xmlns:a16="http://schemas.microsoft.com/office/drawing/2014/main" val="2500584138"/>
+                        <a16:rowId xmlns:a16="http://schemas.microsoft.com/office/drawing/2014/main" xmlns="" val="2500584138"/>
                       </a:ext>
                     </a:extLst>
                   </a:tr>
@@ -5369,7 +5378,7 @@
                     </a:tc>
                     <a:extLst>
                       <a:ext uri="{0D108BD9-81ED-4DB2-BD59-A6C34878D82A}">
-                        <a16:rowId xmlns:a16="http://schemas.microsoft.com/office/drawing/2014/main" val="1644191295"/>
+                        <a16:rowId xmlns:a16="http://schemas.microsoft.com/office/drawing/2014/main" xmlns="" val="1644191295"/>
                       </a:ext>
                     </a:extLst>
                   </a:tr>
@@ -5563,7 +5572,7 @@
                     </a:tc>
                     <a:extLst>
                       <a:ext uri="{0D108BD9-81ED-4DB2-BD59-A6C34878D82A}">
-                        <a16:rowId xmlns:a16="http://schemas.microsoft.com/office/drawing/2014/main" val="2249276370"/>
+                        <a16:rowId xmlns:a16="http://schemas.microsoft.com/office/drawing/2014/main" xmlns="" val="2249276370"/>
                       </a:ext>
                     </a:extLst>
                   </a:tr>
@@ -5757,7 +5766,7 @@
                     </a:tc>
                     <a:extLst>
                       <a:ext uri="{0D108BD9-81ED-4DB2-BD59-A6C34878D82A}">
-                        <a16:rowId xmlns:a16="http://schemas.microsoft.com/office/drawing/2014/main" val="889951462"/>
+                        <a16:rowId xmlns:a16="http://schemas.microsoft.com/office/drawing/2014/main" xmlns="" val="889951462"/>
                       </a:ext>
                     </a:extLst>
                   </a:tr>
@@ -5981,7 +5990,7 @@
                     </a:tc>
                     <a:extLst>
                       <a:ext uri="{0D108BD9-81ED-4DB2-BD59-A6C34878D82A}">
-                        <a16:rowId xmlns:a16="http://schemas.microsoft.com/office/drawing/2014/main" val="141707935"/>
+                        <a16:rowId xmlns:a16="http://schemas.microsoft.com/office/drawing/2014/main" xmlns="" val="141707935"/>
                       </a:ext>
                     </a:extLst>
                   </a:tr>
@@ -6000,7 +6009,7 @@
               <p:nvPr>
                 <p:extLst>
                   <p:ext uri="{D42A27DB-BD31-4B8C-83A1-F6EECF244321}">
-                    <p14:modId xmlns:p14="http://schemas.microsoft.com/office/powerpoint/2010/main" val="3492260019"/>
+                    <p14:modId xmlns:p14="http://schemas.microsoft.com/office/powerpoint/2010/main" val="1343231129"/>
                   </p:ext>
                 </p:extLst>
               </p:nvPr>
@@ -6019,35 +6028,35 @@
                     <a:gridCol w="785093">
                       <a:extLst>
                         <a:ext uri="{9D8B030D-6E8A-4147-A177-3AD203B41FA5}">
-                          <a16:colId xmlns:a16="http://schemas.microsoft.com/office/drawing/2014/main" val="2070464311"/>
+                          <a16:colId xmlns:a16="http://schemas.microsoft.com/office/drawing/2014/main" xmlns:a14="http://schemas.microsoft.com/office/drawing/2010/main" xmlns="" val="2070464311"/>
                         </a:ext>
                       </a:extLst>
                     </a:gridCol>
                     <a:gridCol w="478556">
                       <a:extLst>
                         <a:ext uri="{9D8B030D-6E8A-4147-A177-3AD203B41FA5}">
-                          <a16:colId xmlns:a16="http://schemas.microsoft.com/office/drawing/2014/main" val="2814482158"/>
+                          <a16:colId xmlns:a16="http://schemas.microsoft.com/office/drawing/2014/main" xmlns:a14="http://schemas.microsoft.com/office/drawing/2010/main" xmlns="" val="2814482158"/>
                         </a:ext>
                       </a:extLst>
                     </a:gridCol>
                     <a:gridCol w="631826">
                       <a:extLst>
                         <a:ext uri="{9D8B030D-6E8A-4147-A177-3AD203B41FA5}">
-                          <a16:colId xmlns:a16="http://schemas.microsoft.com/office/drawing/2014/main" val="3449075261"/>
+                          <a16:colId xmlns:a16="http://schemas.microsoft.com/office/drawing/2014/main" xmlns:a14="http://schemas.microsoft.com/office/drawing/2010/main" xmlns="" val="3449075261"/>
                         </a:ext>
                       </a:extLst>
                     </a:gridCol>
                     <a:gridCol w="631826">
                       <a:extLst>
                         <a:ext uri="{9D8B030D-6E8A-4147-A177-3AD203B41FA5}">
-                          <a16:colId xmlns:a16="http://schemas.microsoft.com/office/drawing/2014/main" val="1813670796"/>
+                          <a16:colId xmlns:a16="http://schemas.microsoft.com/office/drawing/2014/main" xmlns:a14="http://schemas.microsoft.com/office/drawing/2010/main" xmlns="" val="1813670796"/>
                         </a:ext>
                       </a:extLst>
                     </a:gridCol>
                     <a:gridCol w="631826">
                       <a:extLst>
                         <a:ext uri="{9D8B030D-6E8A-4147-A177-3AD203B41FA5}">
-                          <a16:colId xmlns:a16="http://schemas.microsoft.com/office/drawing/2014/main" val="1994465920"/>
+                          <a16:colId xmlns:a16="http://schemas.microsoft.com/office/drawing/2014/main" xmlns:a14="http://schemas.microsoft.com/office/drawing/2010/main" xmlns="" val="1994465920"/>
                         </a:ext>
                       </a:extLst>
                     </a:gridCol>
@@ -6100,10 +6109,10 @@
                           <a:noFill/>
                           <a:prstDash val="solid"/>
                         </a:lnBlToTr>
-                        <a:blipFill>
+                        <a:blipFill rotWithShape="1">
                           <a:blip r:embed="rId2"/>
                           <a:stretch>
-                            <a:fillRect l="-775" t="-1205" r="-303876" b="-563855"/>
+                            <a:fillRect l="-775" t="-1205" r="-301550" b="-560241"/>
                           </a:stretch>
                         </a:blipFill>
                       </a:tcPr>
@@ -6149,10 +6158,10 @@
                           <a:noFill/>
                           <a:prstDash val="solid"/>
                         </a:lnBlToTr>
-                        <a:blipFill>
+                        <a:blipFill rotWithShape="1">
                           <a:blip r:embed="rId2"/>
                           <a:stretch>
-                            <a:fillRect l="-164557" t="-1205" r="-396203" b="-563855"/>
+                            <a:fillRect l="-166667" t="-1205" r="-398718" b="-560241"/>
                           </a:stretch>
                         </a:blipFill>
                       </a:tcPr>
@@ -6198,10 +6207,10 @@
                           <a:noFill/>
                           <a:prstDash val="solid"/>
                         </a:lnBlToTr>
-                        <a:blipFill>
+                        <a:blipFill rotWithShape="1">
                           <a:blip r:embed="rId2"/>
                           <a:stretch>
-                            <a:fillRect l="-202913" t="-1205" r="-203883" b="-563855"/>
+                            <a:fillRect l="-200000" t="-1205" r="-199038" b="-560241"/>
                           </a:stretch>
                         </a:blipFill>
                       </a:tcPr>
@@ -6247,10 +6256,10 @@
                           <a:noFill/>
                           <a:prstDash val="solid"/>
                         </a:lnBlToTr>
-                        <a:blipFill>
+                        <a:blipFill rotWithShape="1">
                           <a:blip r:embed="rId2"/>
                           <a:stretch>
-                            <a:fillRect l="-300000" t="-1205" r="-101923" b="-563855"/>
+                            <a:fillRect l="-302913" t="-1205" r="-100971" b="-560241"/>
                           </a:stretch>
                         </a:blipFill>
                       </a:tcPr>
@@ -6302,17 +6311,17 @@
                           <a:noFill/>
                           <a:prstDash val="solid"/>
                         </a:lnBlToTr>
-                        <a:blipFill>
+                        <a:blipFill rotWithShape="1">
                           <a:blip r:embed="rId2"/>
                           <a:stretch>
-                            <a:fillRect l="-400000" t="-1205" r="-1923" b="-563855"/>
+                            <a:fillRect l="-399038" t="-1205" b="-560241"/>
                           </a:stretch>
                         </a:blipFill>
                       </a:tcPr>
                     </a:tc>
                     <a:extLst>
                       <a:ext uri="{0D108BD9-81ED-4DB2-BD59-A6C34878D82A}">
-                        <a16:rowId xmlns:a16="http://schemas.microsoft.com/office/drawing/2014/main" val="3176941515"/>
+                        <a16:rowId xmlns:a16="http://schemas.microsoft.com/office/drawing/2014/main" xmlns:a14="http://schemas.microsoft.com/office/drawing/2010/main" xmlns="" val="3176941515"/>
                       </a:ext>
                     </a:extLst>
                   </a:tr>
@@ -6545,7 +6554,7 @@
                     </a:tc>
                     <a:extLst>
                       <a:ext uri="{0D108BD9-81ED-4DB2-BD59-A6C34878D82A}">
-                        <a16:rowId xmlns:a16="http://schemas.microsoft.com/office/drawing/2014/main" val="2673339703"/>
+                        <a16:rowId xmlns:a16="http://schemas.microsoft.com/office/drawing/2014/main" xmlns:a14="http://schemas.microsoft.com/office/drawing/2010/main" xmlns="" val="2673339703"/>
                       </a:ext>
                     </a:extLst>
                   </a:tr>
@@ -6739,7 +6748,7 @@
                     </a:tc>
                     <a:extLst>
                       <a:ext uri="{0D108BD9-81ED-4DB2-BD59-A6C34878D82A}">
-                        <a16:rowId xmlns:a16="http://schemas.microsoft.com/office/drawing/2014/main" val="2736953877"/>
+                        <a16:rowId xmlns:a16="http://schemas.microsoft.com/office/drawing/2014/main" xmlns:a14="http://schemas.microsoft.com/office/drawing/2010/main" xmlns="" val="2736953877"/>
                       </a:ext>
                     </a:extLst>
                   </a:tr>
@@ -6942,7 +6951,7 @@
                     </a:tc>
                     <a:extLst>
                       <a:ext uri="{0D108BD9-81ED-4DB2-BD59-A6C34878D82A}">
-                        <a16:rowId xmlns:a16="http://schemas.microsoft.com/office/drawing/2014/main" val="935999974"/>
+                        <a16:rowId xmlns:a16="http://schemas.microsoft.com/office/drawing/2014/main" xmlns:a14="http://schemas.microsoft.com/office/drawing/2010/main" xmlns="" val="935999974"/>
                       </a:ext>
                     </a:extLst>
                   </a:tr>
@@ -7136,7 +7145,7 @@
                     </a:tc>
                     <a:extLst>
                       <a:ext uri="{0D108BD9-81ED-4DB2-BD59-A6C34878D82A}">
-                        <a16:rowId xmlns:a16="http://schemas.microsoft.com/office/drawing/2014/main" val="3527595651"/>
+                        <a16:rowId xmlns:a16="http://schemas.microsoft.com/office/drawing/2014/main" xmlns:a14="http://schemas.microsoft.com/office/drawing/2010/main" xmlns="" val="3527595651"/>
                       </a:ext>
                     </a:extLst>
                   </a:tr>
@@ -7330,7 +7339,7 @@
                     </a:tc>
                     <a:extLst>
                       <a:ext uri="{0D108BD9-81ED-4DB2-BD59-A6C34878D82A}">
-                        <a16:rowId xmlns:a16="http://schemas.microsoft.com/office/drawing/2014/main" val="2500584138"/>
+                        <a16:rowId xmlns:a16="http://schemas.microsoft.com/office/drawing/2014/main" xmlns:a14="http://schemas.microsoft.com/office/drawing/2010/main" xmlns="" val="2500584138"/>
                       </a:ext>
                     </a:extLst>
                   </a:tr>
@@ -7524,7 +7533,7 @@
                     </a:tc>
                     <a:extLst>
                       <a:ext uri="{0D108BD9-81ED-4DB2-BD59-A6C34878D82A}">
-                        <a16:rowId xmlns:a16="http://schemas.microsoft.com/office/drawing/2014/main" val="1644191295"/>
+                        <a16:rowId xmlns:a16="http://schemas.microsoft.com/office/drawing/2014/main" xmlns:a14="http://schemas.microsoft.com/office/drawing/2010/main" xmlns="" val="1644191295"/>
                       </a:ext>
                     </a:extLst>
                   </a:tr>
@@ -7718,7 +7727,7 @@
                     </a:tc>
                     <a:extLst>
                       <a:ext uri="{0D108BD9-81ED-4DB2-BD59-A6C34878D82A}">
-                        <a16:rowId xmlns:a16="http://schemas.microsoft.com/office/drawing/2014/main" val="2249276370"/>
+                        <a16:rowId xmlns:a16="http://schemas.microsoft.com/office/drawing/2014/main" xmlns:a14="http://schemas.microsoft.com/office/drawing/2010/main" xmlns="" val="2249276370"/>
                       </a:ext>
                     </a:extLst>
                   </a:tr>
@@ -7912,7 +7921,7 @@
                     </a:tc>
                     <a:extLst>
                       <a:ext uri="{0D108BD9-81ED-4DB2-BD59-A6C34878D82A}">
-                        <a16:rowId xmlns:a16="http://schemas.microsoft.com/office/drawing/2014/main" val="889951462"/>
+                        <a16:rowId xmlns:a16="http://schemas.microsoft.com/office/drawing/2014/main" xmlns:a14="http://schemas.microsoft.com/office/drawing/2010/main" xmlns="" val="889951462"/>
                       </a:ext>
                     </a:extLst>
                   </a:tr>
@@ -8136,7 +8145,7 @@
                     </a:tc>
                     <a:extLst>
                       <a:ext uri="{0D108BD9-81ED-4DB2-BD59-A6C34878D82A}">
-                        <a16:rowId xmlns:a16="http://schemas.microsoft.com/office/drawing/2014/main" val="141707935"/>
+                        <a16:rowId xmlns:a16="http://schemas.microsoft.com/office/drawing/2014/main" xmlns:a14="http://schemas.microsoft.com/office/drawing/2010/main" xmlns="" val="141707935"/>
                       </a:ext>
                     </a:extLst>
                   </a:tr>
@@ -8260,7 +8269,7 @@
               <p:nvPr>
                 <p:extLst>
                   <p:ext uri="{D42A27DB-BD31-4B8C-83A1-F6EECF244321}">
-                    <p14:modId xmlns:p14="http://schemas.microsoft.com/office/powerpoint/2010/main" val="1491037563"/>
+                    <p14:modId xmlns:p14="http://schemas.microsoft.com/office/powerpoint/2010/main" val="49635910"/>
                   </p:ext>
                 </p:extLst>
               </p:nvPr>
@@ -8279,35 +8288,35 @@
                     <a:gridCol w="785093">
                       <a:extLst>
                         <a:ext uri="{9D8B030D-6E8A-4147-A177-3AD203B41FA5}">
-                          <a16:colId xmlns:a16="http://schemas.microsoft.com/office/drawing/2014/main" val="2070464311"/>
+                          <a16:colId xmlns:a16="http://schemas.microsoft.com/office/drawing/2014/main" xmlns="" val="2070464311"/>
                         </a:ext>
                       </a:extLst>
                     </a:gridCol>
                     <a:gridCol w="478557">
                       <a:extLst>
                         <a:ext uri="{9D8B030D-6E8A-4147-A177-3AD203B41FA5}">
-                          <a16:colId xmlns:a16="http://schemas.microsoft.com/office/drawing/2014/main" val="2814482158"/>
+                          <a16:colId xmlns:a16="http://schemas.microsoft.com/office/drawing/2014/main" xmlns="" val="2814482158"/>
                         </a:ext>
                       </a:extLst>
                     </a:gridCol>
                     <a:gridCol w="631825">
                       <a:extLst>
                         <a:ext uri="{9D8B030D-6E8A-4147-A177-3AD203B41FA5}">
-                          <a16:colId xmlns:a16="http://schemas.microsoft.com/office/drawing/2014/main" val="3449075261"/>
+                          <a16:colId xmlns:a16="http://schemas.microsoft.com/office/drawing/2014/main" xmlns="" val="3449075261"/>
                         </a:ext>
                       </a:extLst>
                     </a:gridCol>
                     <a:gridCol w="631825">
                       <a:extLst>
                         <a:ext uri="{9D8B030D-6E8A-4147-A177-3AD203B41FA5}">
-                          <a16:colId xmlns:a16="http://schemas.microsoft.com/office/drawing/2014/main" val="1813670796"/>
+                          <a16:colId xmlns:a16="http://schemas.microsoft.com/office/drawing/2014/main" xmlns="" val="1813670796"/>
                         </a:ext>
                       </a:extLst>
                     </a:gridCol>
                     <a:gridCol w="631825">
                       <a:extLst>
                         <a:ext uri="{9D8B030D-6E8A-4147-A177-3AD203B41FA5}">
-                          <a16:colId xmlns:a16="http://schemas.microsoft.com/office/drawing/2014/main" val="1994465920"/>
+                          <a16:colId xmlns:a16="http://schemas.microsoft.com/office/drawing/2014/main" xmlns="" val="1994465920"/>
                         </a:ext>
                       </a:extLst>
                     </a:gridCol>
@@ -8468,7 +8477,7 @@
                                           <a:schemeClr val="tx1"/>
                                         </a:solidFill>
                                         <a:effectLst/>
-                                        <a:latin typeface="Cambria Math" panose="02040503050406030204" pitchFamily="18" charset="0"/>
+                                        <a:latin typeface="Cambria Math"/>
                                         <a:ea typeface="+mn-ea"/>
                                         <a:cs typeface="+mn-cs"/>
                                       </a:rPr>
@@ -8502,7 +8511,10 @@
                                       <m:t>𝟑</m:t>
                                     </m:r>
                                     <m:r>
-                                      <a:rPr lang="en-AU" sz="1100" b="1" i="1" kern="1200" smtClean="0">
+                                      <m:rPr>
+                                        <m:nor/>
+                                      </m:rPr>
+                                      <a:rPr lang="en-AU" sz="1100" b="1" i="0" kern="1200" smtClean="0">
                                         <a:solidFill>
                                           <a:schemeClr val="tx1"/>
                                         </a:solidFill>
@@ -8511,7 +8523,7 @@
                                         <a:ea typeface="+mn-ea"/>
                                         <a:cs typeface="+mn-cs"/>
                                       </a:rPr>
-                                      <m:t>−</m:t>
+                                      <m:t>-</m:t>
                                     </m:r>
                                     <m:r>
                                       <a:rPr lang="en-AU" sz="1100" b="1" i="1" kern="1200" smtClean="0">
@@ -8535,7 +8547,7 @@
                                           <a:schemeClr val="tx1"/>
                                         </a:solidFill>
                                         <a:effectLst/>
-                                        <a:latin typeface="Cambria Math" panose="02040503050406030204" pitchFamily="18" charset="0"/>
+                                        <a:latin typeface="Cambria Math"/>
                                         <a:ea typeface="+mn-ea"/>
                                         <a:cs typeface="+mn-cs"/>
                                       </a:rPr>
@@ -8617,7 +8629,7 @@
                                           <a:schemeClr val="tx1"/>
                                         </a:solidFill>
                                         <a:effectLst/>
-                                        <a:latin typeface="Cambria Math" panose="02040503050406030204" pitchFamily="18" charset="0"/>
+                                        <a:latin typeface="Cambria Math"/>
                                         <a:ea typeface="+mn-ea"/>
                                         <a:cs typeface="+mn-cs"/>
                                       </a:rPr>
@@ -8651,7 +8663,10 @@
                                       <m:t>𝟑</m:t>
                                     </m:r>
                                     <m:r>
-                                      <a:rPr lang="en-AU" sz="1100" b="1" i="1" kern="1200" smtClean="0">
+                                      <m:rPr>
+                                        <m:nor/>
+                                      </m:rPr>
+                                      <a:rPr lang="en-AU" sz="1100" b="1" i="0" kern="1200" smtClean="0">
                                         <a:solidFill>
                                           <a:schemeClr val="tx1"/>
                                         </a:solidFill>
@@ -8660,7 +8675,7 @@
                                         <a:ea typeface="+mn-ea"/>
                                         <a:cs typeface="+mn-cs"/>
                                       </a:rPr>
-                                      <m:t>−</m:t>
+                                      <m:t>-</m:t>
                                     </m:r>
                                     <m:r>
                                       <a:rPr lang="en-AU" sz="1100" b="1" i="1" kern="1200" smtClean="0">
@@ -8684,7 +8699,7 @@
                                           <a:schemeClr val="tx1"/>
                                         </a:solidFill>
                                         <a:effectLst/>
-                                        <a:latin typeface="Cambria Math" panose="02040503050406030204" pitchFamily="18" charset="0"/>
+                                        <a:latin typeface="Cambria Math"/>
                                         <a:ea typeface="+mn-ea"/>
                                         <a:cs typeface="+mn-cs"/>
                                       </a:rPr>
@@ -8766,7 +8781,7 @@
                                           <a:schemeClr val="tx1"/>
                                         </a:solidFill>
                                         <a:effectLst/>
-                                        <a:latin typeface="Cambria Math" panose="02040503050406030204" pitchFamily="18" charset="0"/>
+                                        <a:latin typeface="Cambria Math"/>
                                         <a:ea typeface="+mn-ea"/>
                                         <a:cs typeface="+mn-cs"/>
                                       </a:rPr>
@@ -8800,7 +8815,10 @@
                                       <m:t>𝟑</m:t>
                                     </m:r>
                                     <m:r>
-                                      <a:rPr lang="en-AU" sz="1100" b="1" i="1" kern="1200" smtClean="0">
+                                      <m:rPr>
+                                        <m:nor/>
+                                      </m:rPr>
+                                      <a:rPr lang="en-AU" sz="1100" b="1" i="0" kern="1200" smtClean="0">
                                         <a:solidFill>
                                           <a:schemeClr val="tx1"/>
                                         </a:solidFill>
@@ -8809,7 +8827,7 @@
                                         <a:ea typeface="+mn-ea"/>
                                         <a:cs typeface="+mn-cs"/>
                                       </a:rPr>
-                                      <m:t>−</m:t>
+                                      <m:t>-</m:t>
                                     </m:r>
                                     <m:r>
                                       <a:rPr lang="en-AU" sz="1100" b="1" i="1" kern="1200" smtClean="0">
@@ -8833,7 +8851,7 @@
                                           <a:schemeClr val="tx1"/>
                                         </a:solidFill>
                                         <a:effectLst/>
-                                        <a:latin typeface="Cambria Math" panose="02040503050406030204" pitchFamily="18" charset="0"/>
+                                        <a:latin typeface="Cambria Math"/>
                                         <a:ea typeface="+mn-ea"/>
                                         <a:cs typeface="+mn-cs"/>
                                       </a:rPr>
@@ -8903,7 +8921,7 @@
                     </a:tc>
                     <a:extLst>
                       <a:ext uri="{0D108BD9-81ED-4DB2-BD59-A6C34878D82A}">
-                        <a16:rowId xmlns:a16="http://schemas.microsoft.com/office/drawing/2014/main" val="3176941515"/>
+                        <a16:rowId xmlns:a16="http://schemas.microsoft.com/office/drawing/2014/main" xmlns="" val="3176941515"/>
                       </a:ext>
                     </a:extLst>
                   </a:tr>
@@ -9136,7 +9154,7 @@
                     </a:tc>
                     <a:extLst>
                       <a:ext uri="{0D108BD9-81ED-4DB2-BD59-A6C34878D82A}">
-                        <a16:rowId xmlns:a16="http://schemas.microsoft.com/office/drawing/2014/main" val="2673339703"/>
+                        <a16:rowId xmlns:a16="http://schemas.microsoft.com/office/drawing/2014/main" xmlns="" val="2673339703"/>
                       </a:ext>
                     </a:extLst>
                   </a:tr>
@@ -9330,7 +9348,7 @@
                     </a:tc>
                     <a:extLst>
                       <a:ext uri="{0D108BD9-81ED-4DB2-BD59-A6C34878D82A}">
-                        <a16:rowId xmlns:a16="http://schemas.microsoft.com/office/drawing/2014/main" val="2736953877"/>
+                        <a16:rowId xmlns:a16="http://schemas.microsoft.com/office/drawing/2014/main" xmlns="" val="2736953877"/>
                       </a:ext>
                     </a:extLst>
                   </a:tr>
@@ -9533,7 +9551,7 @@
                     </a:tc>
                     <a:extLst>
                       <a:ext uri="{0D108BD9-81ED-4DB2-BD59-A6C34878D82A}">
-                        <a16:rowId xmlns:a16="http://schemas.microsoft.com/office/drawing/2014/main" val="935999974"/>
+                        <a16:rowId xmlns:a16="http://schemas.microsoft.com/office/drawing/2014/main" xmlns="" val="935999974"/>
                       </a:ext>
                     </a:extLst>
                   </a:tr>
@@ -9727,7 +9745,7 @@
                     </a:tc>
                     <a:extLst>
                       <a:ext uri="{0D108BD9-81ED-4DB2-BD59-A6C34878D82A}">
-                        <a16:rowId xmlns:a16="http://schemas.microsoft.com/office/drawing/2014/main" val="3527595651"/>
+                        <a16:rowId xmlns:a16="http://schemas.microsoft.com/office/drawing/2014/main" xmlns="" val="3527595651"/>
                       </a:ext>
                     </a:extLst>
                   </a:tr>
@@ -9921,7 +9939,7 @@
                     </a:tc>
                     <a:extLst>
                       <a:ext uri="{0D108BD9-81ED-4DB2-BD59-A6C34878D82A}">
-                        <a16:rowId xmlns:a16="http://schemas.microsoft.com/office/drawing/2014/main" val="2500584138"/>
+                        <a16:rowId xmlns:a16="http://schemas.microsoft.com/office/drawing/2014/main" xmlns="" val="2500584138"/>
                       </a:ext>
                     </a:extLst>
                   </a:tr>
@@ -10115,7 +10133,7 @@
                     </a:tc>
                     <a:extLst>
                       <a:ext uri="{0D108BD9-81ED-4DB2-BD59-A6C34878D82A}">
-                        <a16:rowId xmlns:a16="http://schemas.microsoft.com/office/drawing/2014/main" val="1644191295"/>
+                        <a16:rowId xmlns:a16="http://schemas.microsoft.com/office/drawing/2014/main" xmlns="" val="1644191295"/>
                       </a:ext>
                     </a:extLst>
                   </a:tr>
@@ -10309,7 +10327,7 @@
                     </a:tc>
                     <a:extLst>
                       <a:ext uri="{0D108BD9-81ED-4DB2-BD59-A6C34878D82A}">
-                        <a16:rowId xmlns:a16="http://schemas.microsoft.com/office/drawing/2014/main" val="2249276370"/>
+                        <a16:rowId xmlns:a16="http://schemas.microsoft.com/office/drawing/2014/main" xmlns="" val="2249276370"/>
                       </a:ext>
                     </a:extLst>
                   </a:tr>
@@ -10503,7 +10521,7 @@
                     </a:tc>
                     <a:extLst>
                       <a:ext uri="{0D108BD9-81ED-4DB2-BD59-A6C34878D82A}">
-                        <a16:rowId xmlns:a16="http://schemas.microsoft.com/office/drawing/2014/main" val="889951462"/>
+                        <a16:rowId xmlns:a16="http://schemas.microsoft.com/office/drawing/2014/main" xmlns="" val="889951462"/>
                       </a:ext>
                     </a:extLst>
                   </a:tr>
@@ -10727,7 +10745,7 @@
                     </a:tc>
                     <a:extLst>
                       <a:ext uri="{0D108BD9-81ED-4DB2-BD59-A6C34878D82A}">
-                        <a16:rowId xmlns:a16="http://schemas.microsoft.com/office/drawing/2014/main" val="141707935"/>
+                        <a16:rowId xmlns:a16="http://schemas.microsoft.com/office/drawing/2014/main" xmlns="" val="141707935"/>
                       </a:ext>
                     </a:extLst>
                   </a:tr>
@@ -10746,7 +10764,7 @@
               <p:nvPr>
                 <p:extLst>
                   <p:ext uri="{D42A27DB-BD31-4B8C-83A1-F6EECF244321}">
-                    <p14:modId xmlns:p14="http://schemas.microsoft.com/office/powerpoint/2010/main" val="1491037563"/>
+                    <p14:modId xmlns:p14="http://schemas.microsoft.com/office/powerpoint/2010/main" val="49635910"/>
                   </p:ext>
                 </p:extLst>
               </p:nvPr>
@@ -10765,35 +10783,35 @@
                     <a:gridCol w="785093">
                       <a:extLst>
                         <a:ext uri="{9D8B030D-6E8A-4147-A177-3AD203B41FA5}">
-                          <a16:colId xmlns:a16="http://schemas.microsoft.com/office/drawing/2014/main" val="2070464311"/>
+                          <a16:colId xmlns:a16="http://schemas.microsoft.com/office/drawing/2014/main" xmlns:a14="http://schemas.microsoft.com/office/drawing/2010/main" xmlns="" val="2070464311"/>
                         </a:ext>
                       </a:extLst>
                     </a:gridCol>
                     <a:gridCol w="478557">
                       <a:extLst>
                         <a:ext uri="{9D8B030D-6E8A-4147-A177-3AD203B41FA5}">
-                          <a16:colId xmlns:a16="http://schemas.microsoft.com/office/drawing/2014/main" val="2814482158"/>
+                          <a16:colId xmlns:a16="http://schemas.microsoft.com/office/drawing/2014/main" xmlns:a14="http://schemas.microsoft.com/office/drawing/2010/main" xmlns="" val="2814482158"/>
                         </a:ext>
                       </a:extLst>
                     </a:gridCol>
                     <a:gridCol w="631825">
                       <a:extLst>
                         <a:ext uri="{9D8B030D-6E8A-4147-A177-3AD203B41FA5}">
-                          <a16:colId xmlns:a16="http://schemas.microsoft.com/office/drawing/2014/main" val="3449075261"/>
+                          <a16:colId xmlns:a16="http://schemas.microsoft.com/office/drawing/2014/main" xmlns:a14="http://schemas.microsoft.com/office/drawing/2010/main" xmlns="" val="3449075261"/>
                         </a:ext>
                       </a:extLst>
                     </a:gridCol>
                     <a:gridCol w="631825">
                       <a:extLst>
                         <a:ext uri="{9D8B030D-6E8A-4147-A177-3AD203B41FA5}">
-                          <a16:colId xmlns:a16="http://schemas.microsoft.com/office/drawing/2014/main" val="1813670796"/>
+                          <a16:colId xmlns:a16="http://schemas.microsoft.com/office/drawing/2014/main" xmlns:a14="http://schemas.microsoft.com/office/drawing/2010/main" xmlns="" val="1813670796"/>
                         </a:ext>
                       </a:extLst>
                     </a:gridCol>
                     <a:gridCol w="631825">
                       <a:extLst>
                         <a:ext uri="{9D8B030D-6E8A-4147-A177-3AD203B41FA5}">
-                          <a16:colId xmlns:a16="http://schemas.microsoft.com/office/drawing/2014/main" val="1994465920"/>
+                          <a16:colId xmlns:a16="http://schemas.microsoft.com/office/drawing/2014/main" xmlns:a14="http://schemas.microsoft.com/office/drawing/2010/main" xmlns="" val="1994465920"/>
                         </a:ext>
                       </a:extLst>
                     </a:gridCol>
@@ -10846,10 +10864,10 @@
                           <a:noFill/>
                           <a:prstDash val="solid"/>
                         </a:lnBlToTr>
-                        <a:blipFill>
+                        <a:blipFill rotWithShape="1">
                           <a:blip r:embed="rId2"/>
                           <a:stretch>
-                            <a:fillRect l="-775" t="-1190" r="-303876" b="-565476"/>
+                            <a:fillRect t="-1190" r="-302326" b="-561905"/>
                           </a:stretch>
                         </a:blipFill>
                       </a:tcPr>
@@ -10895,10 +10913,10 @@
                           <a:noFill/>
                           <a:prstDash val="solid"/>
                         </a:lnBlToTr>
-                        <a:blipFill>
+                        <a:blipFill rotWithShape="1">
                           <a:blip r:embed="rId2"/>
                           <a:stretch>
-                            <a:fillRect l="-164557" t="-1190" r="-396203" b="-565476"/>
+                            <a:fillRect l="-163291" t="-1190" r="-393671" b="-561905"/>
                           </a:stretch>
                         </a:blipFill>
                       </a:tcPr>
@@ -10944,10 +10962,10 @@
                           <a:noFill/>
                           <a:prstDash val="solid"/>
                         </a:lnBlToTr>
-                        <a:blipFill>
+                        <a:blipFill rotWithShape="1">
                           <a:blip r:embed="rId2"/>
                           <a:stretch>
-                            <a:fillRect l="-202913" t="-1190" r="-203883" b="-565476"/>
+                            <a:fillRect l="-201942" t="-1190" r="-201942" b="-561905"/>
                           </a:stretch>
                         </a:blipFill>
                       </a:tcPr>
@@ -10993,10 +11011,10 @@
                           <a:noFill/>
                           <a:prstDash val="solid"/>
                         </a:lnBlToTr>
-                        <a:blipFill>
+                        <a:blipFill rotWithShape="1">
                           <a:blip r:embed="rId2"/>
                           <a:stretch>
-                            <a:fillRect l="-300000" t="-1190" r="-101923" b="-565476"/>
+                            <a:fillRect l="-299038" t="-1190" r="-100000" b="-561905"/>
                           </a:stretch>
                         </a:blipFill>
                       </a:tcPr>
@@ -11048,17 +11066,17 @@
                           <a:noFill/>
                           <a:prstDash val="solid"/>
                         </a:lnBlToTr>
-                        <a:blipFill>
+                        <a:blipFill rotWithShape="1">
                           <a:blip r:embed="rId2"/>
                           <a:stretch>
-                            <a:fillRect l="-400000" t="-1190" r="-1923" b="-565476"/>
+                            <a:fillRect l="-399038" t="-1190" b="-561905"/>
                           </a:stretch>
                         </a:blipFill>
                       </a:tcPr>
                     </a:tc>
                     <a:extLst>
                       <a:ext uri="{0D108BD9-81ED-4DB2-BD59-A6C34878D82A}">
-                        <a16:rowId xmlns:a16="http://schemas.microsoft.com/office/drawing/2014/main" val="3176941515"/>
+                        <a16:rowId xmlns:a16="http://schemas.microsoft.com/office/drawing/2014/main" xmlns:a14="http://schemas.microsoft.com/office/drawing/2010/main" xmlns="" val="3176941515"/>
                       </a:ext>
                     </a:extLst>
                   </a:tr>
@@ -11291,7 +11309,7 @@
                     </a:tc>
                     <a:extLst>
                       <a:ext uri="{0D108BD9-81ED-4DB2-BD59-A6C34878D82A}">
-                        <a16:rowId xmlns:a16="http://schemas.microsoft.com/office/drawing/2014/main" val="2673339703"/>
+                        <a16:rowId xmlns:a16="http://schemas.microsoft.com/office/drawing/2014/main" xmlns:a14="http://schemas.microsoft.com/office/drawing/2010/main" xmlns="" val="2673339703"/>
                       </a:ext>
                     </a:extLst>
                   </a:tr>
@@ -11485,7 +11503,7 @@
                     </a:tc>
                     <a:extLst>
                       <a:ext uri="{0D108BD9-81ED-4DB2-BD59-A6C34878D82A}">
-                        <a16:rowId xmlns:a16="http://schemas.microsoft.com/office/drawing/2014/main" val="2736953877"/>
+                        <a16:rowId xmlns:a16="http://schemas.microsoft.com/office/drawing/2014/main" xmlns:a14="http://schemas.microsoft.com/office/drawing/2010/main" xmlns="" val="2736953877"/>
                       </a:ext>
                     </a:extLst>
                   </a:tr>
@@ -11688,7 +11706,7 @@
                     </a:tc>
                     <a:extLst>
                       <a:ext uri="{0D108BD9-81ED-4DB2-BD59-A6C34878D82A}">
-                        <a16:rowId xmlns:a16="http://schemas.microsoft.com/office/drawing/2014/main" val="935999974"/>
+                        <a16:rowId xmlns:a16="http://schemas.microsoft.com/office/drawing/2014/main" xmlns:a14="http://schemas.microsoft.com/office/drawing/2010/main" xmlns="" val="935999974"/>
                       </a:ext>
                     </a:extLst>
                   </a:tr>
@@ -11882,7 +11900,7 @@
                     </a:tc>
                     <a:extLst>
                       <a:ext uri="{0D108BD9-81ED-4DB2-BD59-A6C34878D82A}">
-                        <a16:rowId xmlns:a16="http://schemas.microsoft.com/office/drawing/2014/main" val="3527595651"/>
+                        <a16:rowId xmlns:a16="http://schemas.microsoft.com/office/drawing/2014/main" xmlns:a14="http://schemas.microsoft.com/office/drawing/2010/main" xmlns="" val="3527595651"/>
                       </a:ext>
                     </a:extLst>
                   </a:tr>
@@ -12076,7 +12094,7 @@
                     </a:tc>
                     <a:extLst>
                       <a:ext uri="{0D108BD9-81ED-4DB2-BD59-A6C34878D82A}">
-                        <a16:rowId xmlns:a16="http://schemas.microsoft.com/office/drawing/2014/main" val="2500584138"/>
+                        <a16:rowId xmlns:a16="http://schemas.microsoft.com/office/drawing/2014/main" xmlns:a14="http://schemas.microsoft.com/office/drawing/2010/main" xmlns="" val="2500584138"/>
                       </a:ext>
                     </a:extLst>
                   </a:tr>
@@ -12270,7 +12288,7 @@
                     </a:tc>
                     <a:extLst>
                       <a:ext uri="{0D108BD9-81ED-4DB2-BD59-A6C34878D82A}">
-                        <a16:rowId xmlns:a16="http://schemas.microsoft.com/office/drawing/2014/main" val="1644191295"/>
+                        <a16:rowId xmlns:a16="http://schemas.microsoft.com/office/drawing/2014/main" xmlns:a14="http://schemas.microsoft.com/office/drawing/2010/main" xmlns="" val="1644191295"/>
                       </a:ext>
                     </a:extLst>
                   </a:tr>
@@ -12464,7 +12482,7 @@
                     </a:tc>
                     <a:extLst>
                       <a:ext uri="{0D108BD9-81ED-4DB2-BD59-A6C34878D82A}">
-                        <a16:rowId xmlns:a16="http://schemas.microsoft.com/office/drawing/2014/main" val="2249276370"/>
+                        <a16:rowId xmlns:a16="http://schemas.microsoft.com/office/drawing/2014/main" xmlns:a14="http://schemas.microsoft.com/office/drawing/2010/main" xmlns="" val="2249276370"/>
                       </a:ext>
                     </a:extLst>
                   </a:tr>
@@ -12658,7 +12676,7 @@
                     </a:tc>
                     <a:extLst>
                       <a:ext uri="{0D108BD9-81ED-4DB2-BD59-A6C34878D82A}">
-                        <a16:rowId xmlns:a16="http://schemas.microsoft.com/office/drawing/2014/main" val="889951462"/>
+                        <a16:rowId xmlns:a16="http://schemas.microsoft.com/office/drawing/2014/main" xmlns:a14="http://schemas.microsoft.com/office/drawing/2010/main" xmlns="" val="889951462"/>
                       </a:ext>
                     </a:extLst>
                   </a:tr>
@@ -12882,7 +12900,7 @@
                     </a:tc>
                     <a:extLst>
                       <a:ext uri="{0D108BD9-81ED-4DB2-BD59-A6C34878D82A}">
-                        <a16:rowId xmlns:a16="http://schemas.microsoft.com/office/drawing/2014/main" val="141707935"/>
+                        <a16:rowId xmlns:a16="http://schemas.microsoft.com/office/drawing/2014/main" xmlns:a14="http://schemas.microsoft.com/office/drawing/2010/main" xmlns="" val="141707935"/>
                       </a:ext>
                     </a:extLst>
                   </a:tr>
@@ -13036,7 +13054,7 @@
               <p:nvPr>
                 <p:extLst>
                   <p:ext uri="{D42A27DB-BD31-4B8C-83A1-F6EECF244321}">
-                    <p14:modId xmlns:p14="http://schemas.microsoft.com/office/powerpoint/2010/main" val="2209581917"/>
+                    <p14:modId xmlns:p14="http://schemas.microsoft.com/office/powerpoint/2010/main" val="498312369"/>
                   </p:ext>
                 </p:extLst>
               </p:nvPr>
@@ -13055,35 +13073,35 @@
                     <a:gridCol w="785093">
                       <a:extLst>
                         <a:ext uri="{9D8B030D-6E8A-4147-A177-3AD203B41FA5}">
-                          <a16:colId xmlns:a16="http://schemas.microsoft.com/office/drawing/2014/main" val="2070464311"/>
+                          <a16:colId xmlns:a16="http://schemas.microsoft.com/office/drawing/2014/main" xmlns="" val="2070464311"/>
                         </a:ext>
                       </a:extLst>
                     </a:gridCol>
                     <a:gridCol w="478557">
                       <a:extLst>
                         <a:ext uri="{9D8B030D-6E8A-4147-A177-3AD203B41FA5}">
-                          <a16:colId xmlns:a16="http://schemas.microsoft.com/office/drawing/2014/main" val="2814482158"/>
+                          <a16:colId xmlns:a16="http://schemas.microsoft.com/office/drawing/2014/main" xmlns="" val="2814482158"/>
                         </a:ext>
                       </a:extLst>
                     </a:gridCol>
                     <a:gridCol w="631825">
                       <a:extLst>
                         <a:ext uri="{9D8B030D-6E8A-4147-A177-3AD203B41FA5}">
-                          <a16:colId xmlns:a16="http://schemas.microsoft.com/office/drawing/2014/main" val="3449075261"/>
+                          <a16:colId xmlns:a16="http://schemas.microsoft.com/office/drawing/2014/main" xmlns="" val="3449075261"/>
                         </a:ext>
                       </a:extLst>
                     </a:gridCol>
                     <a:gridCol w="631825">
                       <a:extLst>
                         <a:ext uri="{9D8B030D-6E8A-4147-A177-3AD203B41FA5}">
-                          <a16:colId xmlns:a16="http://schemas.microsoft.com/office/drawing/2014/main" val="1813670796"/>
+                          <a16:colId xmlns:a16="http://schemas.microsoft.com/office/drawing/2014/main" xmlns="" val="1813670796"/>
                         </a:ext>
                       </a:extLst>
                     </a:gridCol>
                     <a:gridCol w="631825">
                       <a:extLst>
                         <a:ext uri="{9D8B030D-6E8A-4147-A177-3AD203B41FA5}">
-                          <a16:colId xmlns:a16="http://schemas.microsoft.com/office/drawing/2014/main" val="1994465920"/>
+                          <a16:colId xmlns:a16="http://schemas.microsoft.com/office/drawing/2014/main" xmlns="" val="1994465920"/>
                         </a:ext>
                       </a:extLst>
                     </a:gridCol>
@@ -13244,7 +13262,7 @@
                                           <a:schemeClr val="tx1"/>
                                         </a:solidFill>
                                         <a:effectLst/>
-                                        <a:latin typeface="Cambria Math" panose="02040503050406030204" pitchFamily="18" charset="0"/>
+                                        <a:latin typeface="Cambria Math"/>
                                         <a:ea typeface="+mn-ea"/>
                                         <a:cs typeface="+mn-cs"/>
                                       </a:rPr>
@@ -13278,7 +13296,10 @@
                                       <m:t>𝟑</m:t>
                                     </m:r>
                                     <m:r>
-                                      <a:rPr lang="en-AU" sz="1000" b="1" i="1" kern="1200" smtClean="0">
+                                      <m:rPr>
+                                        <m:nor/>
+                                      </m:rPr>
+                                      <a:rPr lang="en-AU" sz="1000" b="1" i="0" kern="1200" smtClean="0">
                                         <a:solidFill>
                                           <a:schemeClr val="tx1"/>
                                         </a:solidFill>
@@ -13287,7 +13308,7 @@
                                         <a:ea typeface="+mn-ea"/>
                                         <a:cs typeface="+mn-cs"/>
                                       </a:rPr>
-                                      <m:t>−</m:t>
+                                      <m:t>-</m:t>
                                     </m:r>
                                     <m:r>
                                       <a:rPr lang="en-AU" sz="1000" b="1" i="1" kern="1200" smtClean="0">
@@ -13302,7 +13323,10 @@
                                       <m:t>𝟔𝟗</m:t>
                                     </m:r>
                                     <m:r>
-                                      <a:rPr lang="en-AU" sz="1000" b="1" i="1" kern="1200" smtClean="0">
+                                      <m:rPr>
+                                        <m:nor/>
+                                      </m:rPr>
+                                      <a:rPr lang="en-AU" sz="1000" b="1" i="0" kern="1200" smtClean="0">
                                         <a:solidFill>
                                           <a:schemeClr val="tx1"/>
                                         </a:solidFill>
@@ -13311,7 +13335,7 @@
                                         <a:ea typeface="+mn-ea"/>
                                         <a:cs typeface="+mn-cs"/>
                                       </a:rPr>
-                                      <m:t>−</m:t>
+                                      <m:t>-</m:t>
                                     </m:r>
                                     <m:r>
                                       <a:rPr lang="en-AU" sz="1000" b="1" i="1" kern="1200" smtClean="0">
@@ -13335,7 +13359,7 @@
                                           <a:schemeClr val="tx1"/>
                                         </a:solidFill>
                                         <a:effectLst/>
-                                        <a:latin typeface="Cambria Math" panose="02040503050406030204" pitchFamily="18" charset="0"/>
+                                        <a:latin typeface="Cambria Math"/>
                                         <a:ea typeface="+mn-ea"/>
                                         <a:cs typeface="+mn-cs"/>
                                       </a:rPr>
@@ -13417,7 +13441,7 @@
                                           <a:schemeClr val="tx1"/>
                                         </a:solidFill>
                                         <a:effectLst/>
-                                        <a:latin typeface="Cambria Math" panose="02040503050406030204" pitchFamily="18" charset="0"/>
+                                        <a:latin typeface="Cambria Math"/>
                                         <a:ea typeface="+mn-ea"/>
                                         <a:cs typeface="+mn-cs"/>
                                       </a:rPr>
@@ -13451,7 +13475,10 @@
                                       <m:t>𝟑</m:t>
                                     </m:r>
                                     <m:r>
-                                      <a:rPr lang="en-AU" sz="1000" b="1" i="1" kern="1200" smtClean="0">
+                                      <m:rPr>
+                                        <m:nor/>
+                                      </m:rPr>
+                                      <a:rPr lang="en-AU" sz="1000" b="1" i="0" kern="1200" smtClean="0">
                                         <a:solidFill>
                                           <a:schemeClr val="tx1"/>
                                         </a:solidFill>
@@ -13460,7 +13487,7 @@
                                         <a:ea typeface="+mn-ea"/>
                                         <a:cs typeface="+mn-cs"/>
                                       </a:rPr>
-                                      <m:t>−</m:t>
+                                      <m:t>-</m:t>
                                     </m:r>
                                     <m:r>
                                       <a:rPr lang="en-AU" sz="1000" b="1" i="1" kern="1200" smtClean="0">
@@ -13475,7 +13502,10 @@
                                       <m:t>𝟔𝟗</m:t>
                                     </m:r>
                                     <m:r>
-                                      <a:rPr lang="en-AU" sz="1000" b="1" i="1" kern="1200" smtClean="0">
+                                      <m:rPr>
+                                        <m:nor/>
+                                      </m:rPr>
+                                      <a:rPr lang="en-AU" sz="1000" b="1" i="0" kern="1200" smtClean="0">
                                         <a:solidFill>
                                           <a:schemeClr val="tx1"/>
                                         </a:solidFill>
@@ -13484,7 +13514,7 @@
                                         <a:ea typeface="+mn-ea"/>
                                         <a:cs typeface="+mn-cs"/>
                                       </a:rPr>
-                                      <m:t>−</m:t>
+                                      <m:t>-</m:t>
                                     </m:r>
                                     <m:r>
                                       <a:rPr lang="en-AU" sz="1000" b="1" i="1" kern="1200" smtClean="0">
@@ -13508,7 +13538,7 @@
                                           <a:schemeClr val="tx1"/>
                                         </a:solidFill>
                                         <a:effectLst/>
-                                        <a:latin typeface="Cambria Math" panose="02040503050406030204" pitchFamily="18" charset="0"/>
+                                        <a:latin typeface="Cambria Math"/>
                                         <a:ea typeface="+mn-ea"/>
                                         <a:cs typeface="+mn-cs"/>
                                       </a:rPr>
@@ -13590,7 +13620,7 @@
                                           <a:schemeClr val="tx1"/>
                                         </a:solidFill>
                                         <a:effectLst/>
-                                        <a:latin typeface="Cambria Math" panose="02040503050406030204" pitchFamily="18" charset="0"/>
+                                        <a:latin typeface="Cambria Math"/>
                                         <a:ea typeface="+mn-ea"/>
                                         <a:cs typeface="+mn-cs"/>
                                       </a:rPr>
@@ -13624,7 +13654,10 @@
                                       <m:t>𝟑</m:t>
                                     </m:r>
                                     <m:r>
-                                      <a:rPr lang="en-AU" sz="1000" b="1" i="1" kern="1200" smtClean="0">
+                                      <m:rPr>
+                                        <m:nor/>
+                                      </m:rPr>
+                                      <a:rPr lang="en-AU" sz="1000" b="1" i="0" kern="1200" smtClean="0">
                                         <a:solidFill>
                                           <a:schemeClr val="tx1"/>
                                         </a:solidFill>
@@ -13633,7 +13666,7 @@
                                         <a:ea typeface="+mn-ea"/>
                                         <a:cs typeface="+mn-cs"/>
                                       </a:rPr>
-                                      <m:t>−</m:t>
+                                      <m:t>-</m:t>
                                     </m:r>
                                     <m:r>
                                       <a:rPr lang="en-AU" sz="1000" b="1" i="1" kern="1200" smtClean="0">
@@ -13648,7 +13681,10 @@
                                       <m:t>𝟔𝟗</m:t>
                                     </m:r>
                                     <m:r>
-                                      <a:rPr lang="en-AU" sz="1000" b="1" i="1" kern="1200" smtClean="0">
+                                      <m:rPr>
+                                        <m:nor/>
+                                      </m:rPr>
+                                      <a:rPr lang="en-AU" sz="1000" b="1" i="0" kern="1200" smtClean="0">
                                         <a:solidFill>
                                           <a:schemeClr val="tx1"/>
                                         </a:solidFill>
@@ -13657,7 +13693,7 @@
                                         <a:ea typeface="+mn-ea"/>
                                         <a:cs typeface="+mn-cs"/>
                                       </a:rPr>
-                                      <m:t>−</m:t>
+                                      <m:t>-</m:t>
                                     </m:r>
                                     <m:r>
                                       <a:rPr lang="en-AU" sz="1000" b="1" i="1" kern="1200" smtClean="0">
@@ -13681,7 +13717,7 @@
                                           <a:schemeClr val="tx1"/>
                                         </a:solidFill>
                                         <a:effectLst/>
-                                        <a:latin typeface="Cambria Math" panose="02040503050406030204" pitchFamily="18" charset="0"/>
+                                        <a:latin typeface="Cambria Math"/>
                                         <a:ea typeface="+mn-ea"/>
                                         <a:cs typeface="+mn-cs"/>
                                       </a:rPr>
@@ -13751,7 +13787,7 @@
                     </a:tc>
                     <a:extLst>
                       <a:ext uri="{0D108BD9-81ED-4DB2-BD59-A6C34878D82A}">
-                        <a16:rowId xmlns:a16="http://schemas.microsoft.com/office/drawing/2014/main" val="3176941515"/>
+                        <a16:rowId xmlns:a16="http://schemas.microsoft.com/office/drawing/2014/main" xmlns="" val="3176941515"/>
                       </a:ext>
                     </a:extLst>
                   </a:tr>
@@ -13984,7 +14020,7 @@
                     </a:tc>
                     <a:extLst>
                       <a:ext uri="{0D108BD9-81ED-4DB2-BD59-A6C34878D82A}">
-                        <a16:rowId xmlns:a16="http://schemas.microsoft.com/office/drawing/2014/main" val="2673339703"/>
+                        <a16:rowId xmlns:a16="http://schemas.microsoft.com/office/drawing/2014/main" xmlns="" val="2673339703"/>
                       </a:ext>
                     </a:extLst>
                   </a:tr>
@@ -14178,7 +14214,7 @@
                     </a:tc>
                     <a:extLst>
                       <a:ext uri="{0D108BD9-81ED-4DB2-BD59-A6C34878D82A}">
-                        <a16:rowId xmlns:a16="http://schemas.microsoft.com/office/drawing/2014/main" val="2736953877"/>
+                        <a16:rowId xmlns:a16="http://schemas.microsoft.com/office/drawing/2014/main" xmlns="" val="2736953877"/>
                       </a:ext>
                     </a:extLst>
                   </a:tr>
@@ -14381,7 +14417,7 @@
                     </a:tc>
                     <a:extLst>
                       <a:ext uri="{0D108BD9-81ED-4DB2-BD59-A6C34878D82A}">
-                        <a16:rowId xmlns:a16="http://schemas.microsoft.com/office/drawing/2014/main" val="935999974"/>
+                        <a16:rowId xmlns:a16="http://schemas.microsoft.com/office/drawing/2014/main" xmlns="" val="935999974"/>
                       </a:ext>
                     </a:extLst>
                   </a:tr>
@@ -14575,7 +14611,7 @@
                     </a:tc>
                     <a:extLst>
                       <a:ext uri="{0D108BD9-81ED-4DB2-BD59-A6C34878D82A}">
-                        <a16:rowId xmlns:a16="http://schemas.microsoft.com/office/drawing/2014/main" val="3527595651"/>
+                        <a16:rowId xmlns:a16="http://schemas.microsoft.com/office/drawing/2014/main" xmlns="" val="3527595651"/>
                       </a:ext>
                     </a:extLst>
                   </a:tr>
@@ -14769,7 +14805,7 @@
                     </a:tc>
                     <a:extLst>
                       <a:ext uri="{0D108BD9-81ED-4DB2-BD59-A6C34878D82A}">
-                        <a16:rowId xmlns:a16="http://schemas.microsoft.com/office/drawing/2014/main" val="2249276370"/>
+                        <a16:rowId xmlns:a16="http://schemas.microsoft.com/office/drawing/2014/main" xmlns="" val="2249276370"/>
                       </a:ext>
                     </a:extLst>
                   </a:tr>
@@ -14993,7 +15029,7 @@
                     </a:tc>
                     <a:extLst>
                       <a:ext uri="{0D108BD9-81ED-4DB2-BD59-A6C34878D82A}">
-                        <a16:rowId xmlns:a16="http://schemas.microsoft.com/office/drawing/2014/main" val="889951462"/>
+                        <a16:rowId xmlns:a16="http://schemas.microsoft.com/office/drawing/2014/main" xmlns="" val="889951462"/>
                       </a:ext>
                     </a:extLst>
                   </a:tr>
@@ -15012,7 +15048,7 @@
               <p:nvPr>
                 <p:extLst>
                   <p:ext uri="{D42A27DB-BD31-4B8C-83A1-F6EECF244321}">
-                    <p14:modId xmlns:p14="http://schemas.microsoft.com/office/powerpoint/2010/main" val="2209581917"/>
+                    <p14:modId xmlns:p14="http://schemas.microsoft.com/office/powerpoint/2010/main" val="498312369"/>
                   </p:ext>
                 </p:extLst>
               </p:nvPr>
@@ -15031,35 +15067,35 @@
                     <a:gridCol w="785093">
                       <a:extLst>
                         <a:ext uri="{9D8B030D-6E8A-4147-A177-3AD203B41FA5}">
-                          <a16:colId xmlns:a16="http://schemas.microsoft.com/office/drawing/2014/main" val="2070464311"/>
+                          <a16:colId xmlns:a16="http://schemas.microsoft.com/office/drawing/2014/main" xmlns:a14="http://schemas.microsoft.com/office/drawing/2010/main" xmlns="" val="2070464311"/>
                         </a:ext>
                       </a:extLst>
                     </a:gridCol>
                     <a:gridCol w="478557">
                       <a:extLst>
                         <a:ext uri="{9D8B030D-6E8A-4147-A177-3AD203B41FA5}">
-                          <a16:colId xmlns:a16="http://schemas.microsoft.com/office/drawing/2014/main" val="2814482158"/>
+                          <a16:colId xmlns:a16="http://schemas.microsoft.com/office/drawing/2014/main" xmlns:a14="http://schemas.microsoft.com/office/drawing/2010/main" xmlns="" val="2814482158"/>
                         </a:ext>
                       </a:extLst>
                     </a:gridCol>
                     <a:gridCol w="631825">
                       <a:extLst>
                         <a:ext uri="{9D8B030D-6E8A-4147-A177-3AD203B41FA5}">
-                          <a16:colId xmlns:a16="http://schemas.microsoft.com/office/drawing/2014/main" val="3449075261"/>
+                          <a16:colId xmlns:a16="http://schemas.microsoft.com/office/drawing/2014/main" xmlns:a14="http://schemas.microsoft.com/office/drawing/2010/main" xmlns="" val="3449075261"/>
                         </a:ext>
                       </a:extLst>
                     </a:gridCol>
                     <a:gridCol w="631825">
                       <a:extLst>
                         <a:ext uri="{9D8B030D-6E8A-4147-A177-3AD203B41FA5}">
-                          <a16:colId xmlns:a16="http://schemas.microsoft.com/office/drawing/2014/main" val="1813670796"/>
+                          <a16:colId xmlns:a16="http://schemas.microsoft.com/office/drawing/2014/main" xmlns:a14="http://schemas.microsoft.com/office/drawing/2010/main" xmlns="" val="1813670796"/>
                         </a:ext>
                       </a:extLst>
                     </a:gridCol>
                     <a:gridCol w="631825">
                       <a:extLst>
                         <a:ext uri="{9D8B030D-6E8A-4147-A177-3AD203B41FA5}">
-                          <a16:colId xmlns:a16="http://schemas.microsoft.com/office/drawing/2014/main" val="1994465920"/>
+                          <a16:colId xmlns:a16="http://schemas.microsoft.com/office/drawing/2014/main" xmlns:a14="http://schemas.microsoft.com/office/drawing/2010/main" xmlns="" val="1994465920"/>
                         </a:ext>
                       </a:extLst>
                     </a:gridCol>
@@ -15112,10 +15148,10 @@
                           <a:noFill/>
                           <a:prstDash val="solid"/>
                         </a:lnBlToTr>
-                        <a:blipFill>
+                        <a:blipFill rotWithShape="1">
                           <a:blip r:embed="rId2"/>
                           <a:stretch>
-                            <a:fillRect l="-775" t="-1190" r="-303876" b="-378571"/>
+                            <a:fillRect t="-1190" r="-302326" b="-375000"/>
                           </a:stretch>
                         </a:blipFill>
                       </a:tcPr>
@@ -15161,10 +15197,10 @@
                           <a:noFill/>
                           <a:prstDash val="solid"/>
                         </a:lnBlToTr>
-                        <a:blipFill>
+                        <a:blipFill rotWithShape="1">
                           <a:blip r:embed="rId2"/>
                           <a:stretch>
-                            <a:fillRect l="-164557" t="-1190" r="-396203" b="-378571"/>
+                            <a:fillRect l="-163291" t="-1190" r="-393671" b="-375000"/>
                           </a:stretch>
                         </a:blipFill>
                       </a:tcPr>
@@ -15210,10 +15246,10 @@
                           <a:noFill/>
                           <a:prstDash val="solid"/>
                         </a:lnBlToTr>
-                        <a:blipFill>
+                        <a:blipFill rotWithShape="1">
                           <a:blip r:embed="rId2"/>
                           <a:stretch>
-                            <a:fillRect l="-202913" t="-1190" r="-203883" b="-378571"/>
+                            <a:fillRect l="-201942" t="-1190" r="-201942" b="-375000"/>
                           </a:stretch>
                         </a:blipFill>
                       </a:tcPr>
@@ -15259,10 +15295,10 @@
                           <a:noFill/>
                           <a:prstDash val="solid"/>
                         </a:lnBlToTr>
-                        <a:blipFill>
+                        <a:blipFill rotWithShape="1">
                           <a:blip r:embed="rId2"/>
                           <a:stretch>
-                            <a:fillRect l="-300000" t="-1190" r="-101923" b="-378571"/>
+                            <a:fillRect l="-299038" t="-1190" r="-100000" b="-375000"/>
                           </a:stretch>
                         </a:blipFill>
                       </a:tcPr>
@@ -15314,17 +15350,17 @@
                           <a:noFill/>
                           <a:prstDash val="solid"/>
                         </a:lnBlToTr>
-                        <a:blipFill>
+                        <a:blipFill rotWithShape="1">
                           <a:blip r:embed="rId2"/>
                           <a:stretch>
-                            <a:fillRect l="-400000" t="-1190" r="-1923" b="-378571"/>
+                            <a:fillRect l="-399038" t="-1190" b="-375000"/>
                           </a:stretch>
                         </a:blipFill>
                       </a:tcPr>
                     </a:tc>
                     <a:extLst>
                       <a:ext uri="{0D108BD9-81ED-4DB2-BD59-A6C34878D82A}">
-                        <a16:rowId xmlns:a16="http://schemas.microsoft.com/office/drawing/2014/main" val="3176941515"/>
+                        <a16:rowId xmlns:a16="http://schemas.microsoft.com/office/drawing/2014/main" xmlns:a14="http://schemas.microsoft.com/office/drawing/2010/main" xmlns="" val="3176941515"/>
                       </a:ext>
                     </a:extLst>
                   </a:tr>
@@ -15557,7 +15593,7 @@
                     </a:tc>
                     <a:extLst>
                       <a:ext uri="{0D108BD9-81ED-4DB2-BD59-A6C34878D82A}">
-                        <a16:rowId xmlns:a16="http://schemas.microsoft.com/office/drawing/2014/main" val="2673339703"/>
+                        <a16:rowId xmlns:a16="http://schemas.microsoft.com/office/drawing/2014/main" xmlns:a14="http://schemas.microsoft.com/office/drawing/2010/main" xmlns="" val="2673339703"/>
                       </a:ext>
                     </a:extLst>
                   </a:tr>
@@ -15751,7 +15787,7 @@
                     </a:tc>
                     <a:extLst>
                       <a:ext uri="{0D108BD9-81ED-4DB2-BD59-A6C34878D82A}">
-                        <a16:rowId xmlns:a16="http://schemas.microsoft.com/office/drawing/2014/main" val="2736953877"/>
+                        <a16:rowId xmlns:a16="http://schemas.microsoft.com/office/drawing/2014/main" xmlns:a14="http://schemas.microsoft.com/office/drawing/2010/main" xmlns="" val="2736953877"/>
                       </a:ext>
                     </a:extLst>
                   </a:tr>
@@ -15954,7 +15990,7 @@
                     </a:tc>
                     <a:extLst>
                       <a:ext uri="{0D108BD9-81ED-4DB2-BD59-A6C34878D82A}">
-                        <a16:rowId xmlns:a16="http://schemas.microsoft.com/office/drawing/2014/main" val="935999974"/>
+                        <a16:rowId xmlns:a16="http://schemas.microsoft.com/office/drawing/2014/main" xmlns:a14="http://schemas.microsoft.com/office/drawing/2010/main" xmlns="" val="935999974"/>
                       </a:ext>
                     </a:extLst>
                   </a:tr>
@@ -16148,7 +16184,7 @@
                     </a:tc>
                     <a:extLst>
                       <a:ext uri="{0D108BD9-81ED-4DB2-BD59-A6C34878D82A}">
-                        <a16:rowId xmlns:a16="http://schemas.microsoft.com/office/drawing/2014/main" val="3527595651"/>
+                        <a16:rowId xmlns:a16="http://schemas.microsoft.com/office/drawing/2014/main" xmlns:a14="http://schemas.microsoft.com/office/drawing/2010/main" xmlns="" val="3527595651"/>
                       </a:ext>
                     </a:extLst>
                   </a:tr>
@@ -16342,7 +16378,7 @@
                     </a:tc>
                     <a:extLst>
                       <a:ext uri="{0D108BD9-81ED-4DB2-BD59-A6C34878D82A}">
-                        <a16:rowId xmlns:a16="http://schemas.microsoft.com/office/drawing/2014/main" val="2249276370"/>
+                        <a16:rowId xmlns:a16="http://schemas.microsoft.com/office/drawing/2014/main" xmlns:a14="http://schemas.microsoft.com/office/drawing/2010/main" xmlns="" val="2249276370"/>
                       </a:ext>
                     </a:extLst>
                   </a:tr>
@@ -16566,7 +16602,7 @@
                     </a:tc>
                     <a:extLst>
                       <a:ext uri="{0D108BD9-81ED-4DB2-BD59-A6C34878D82A}">
-                        <a16:rowId xmlns:a16="http://schemas.microsoft.com/office/drawing/2014/main" val="889951462"/>
+                        <a16:rowId xmlns:a16="http://schemas.microsoft.com/office/drawing/2014/main" xmlns:a14="http://schemas.microsoft.com/office/drawing/2010/main" xmlns="" val="889951462"/>
                       </a:ext>
                     </a:extLst>
                   </a:tr>

--- a/resources/IgFamily.pptx
+++ b/resources/IgFamily.pptx
@@ -114,7 +114,7 @@
   </p:defaultTextStyle>
   <p:extLst>
     <p:ext uri="{EFAFB233-063F-42B5-8137-9DF3F51BA10A}">
-      <p15:sldGuideLst xmlns:p15="http://schemas.microsoft.com/office/powerpoint/2012/main" xmlns="">
+      <p15:sldGuideLst xmlns="" xmlns:p15="http://schemas.microsoft.com/office/powerpoint/2012/main">
         <p15:guide id="1" orient="horz" pos="2880">
           <p15:clr>
             <a:srgbClr val="A4A3A4"/>
@@ -312,7 +312,7 @@
           <a:p>
             <a:fld id="{A1603105-CD7D-46BB-B5E1-D51F2A03682D}" type="datetimeFigureOut">
               <a:rPr lang="en-AU" smtClean="0"/>
-              <a:t>15/11/2016</a:t>
+              <a:t>16/11/2016</a:t>
             </a:fld>
             <a:endParaRPr lang="en-AU"/>
           </a:p>
@@ -482,7 +482,7 @@
           <a:p>
             <a:fld id="{A1603105-CD7D-46BB-B5E1-D51F2A03682D}" type="datetimeFigureOut">
               <a:rPr lang="en-AU" smtClean="0"/>
-              <a:t>15/11/2016</a:t>
+              <a:t>16/11/2016</a:t>
             </a:fld>
             <a:endParaRPr lang="en-AU"/>
           </a:p>
@@ -662,7 +662,7 @@
           <a:p>
             <a:fld id="{A1603105-CD7D-46BB-B5E1-D51F2A03682D}" type="datetimeFigureOut">
               <a:rPr lang="en-AU" smtClean="0"/>
-              <a:t>15/11/2016</a:t>
+              <a:t>16/11/2016</a:t>
             </a:fld>
             <a:endParaRPr lang="en-AU"/>
           </a:p>
@@ -832,7 +832,7 @@
           <a:p>
             <a:fld id="{A1603105-CD7D-46BB-B5E1-D51F2A03682D}" type="datetimeFigureOut">
               <a:rPr lang="en-AU" smtClean="0"/>
-              <a:t>15/11/2016</a:t>
+              <a:t>16/11/2016</a:t>
             </a:fld>
             <a:endParaRPr lang="en-AU"/>
           </a:p>
@@ -1078,7 +1078,7 @@
           <a:p>
             <a:fld id="{A1603105-CD7D-46BB-B5E1-D51F2A03682D}" type="datetimeFigureOut">
               <a:rPr lang="en-AU" smtClean="0"/>
-              <a:t>15/11/2016</a:t>
+              <a:t>16/11/2016</a:t>
             </a:fld>
             <a:endParaRPr lang="en-AU"/>
           </a:p>
@@ -1366,7 +1366,7 @@
           <a:p>
             <a:fld id="{A1603105-CD7D-46BB-B5E1-D51F2A03682D}" type="datetimeFigureOut">
               <a:rPr lang="en-AU" smtClean="0"/>
-              <a:t>15/11/2016</a:t>
+              <a:t>16/11/2016</a:t>
             </a:fld>
             <a:endParaRPr lang="en-AU"/>
           </a:p>
@@ -1788,7 +1788,7 @@
           <a:p>
             <a:fld id="{A1603105-CD7D-46BB-B5E1-D51F2A03682D}" type="datetimeFigureOut">
               <a:rPr lang="en-AU" smtClean="0"/>
-              <a:t>15/11/2016</a:t>
+              <a:t>16/11/2016</a:t>
             </a:fld>
             <a:endParaRPr lang="en-AU"/>
           </a:p>
@@ -1906,7 +1906,7 @@
           <a:p>
             <a:fld id="{A1603105-CD7D-46BB-B5E1-D51F2A03682D}" type="datetimeFigureOut">
               <a:rPr lang="en-AU" smtClean="0"/>
-              <a:t>15/11/2016</a:t>
+              <a:t>16/11/2016</a:t>
             </a:fld>
             <a:endParaRPr lang="en-AU"/>
           </a:p>
@@ -2001,7 +2001,7 @@
           <a:p>
             <a:fld id="{A1603105-CD7D-46BB-B5E1-D51F2A03682D}" type="datetimeFigureOut">
               <a:rPr lang="en-AU" smtClean="0"/>
-              <a:t>15/11/2016</a:t>
+              <a:t>16/11/2016</a:t>
             </a:fld>
             <a:endParaRPr lang="en-AU"/>
           </a:p>
@@ -2278,7 +2278,7 @@
           <a:p>
             <a:fld id="{A1603105-CD7D-46BB-B5E1-D51F2A03682D}" type="datetimeFigureOut">
               <a:rPr lang="en-AU" smtClean="0"/>
-              <a:t>15/11/2016</a:t>
+              <a:t>16/11/2016</a:t>
             </a:fld>
             <a:endParaRPr lang="en-AU"/>
           </a:p>
@@ -2531,7 +2531,7 @@
           <a:p>
             <a:fld id="{A1603105-CD7D-46BB-B5E1-D51F2A03682D}" type="datetimeFigureOut">
               <a:rPr lang="en-AU" smtClean="0"/>
-              <a:t>15/11/2016</a:t>
+              <a:t>16/11/2016</a:t>
             </a:fld>
             <a:endParaRPr lang="en-AU"/>
           </a:p>
@@ -2744,7 +2744,7 @@
           <a:p>
             <a:fld id="{A1603105-CD7D-46BB-B5E1-D51F2A03682D}" type="datetimeFigureOut">
               <a:rPr lang="en-AU" smtClean="0"/>
-              <a:t>15/11/2016</a:t>
+              <a:t>16/11/2016</a:t>
             </a:fld>
             <a:endParaRPr lang="en-AU"/>
           </a:p>
@@ -3520,7 +3520,7 @@
               <p:nvPr>
                 <p:extLst>
                   <p:ext uri="{D42A27DB-BD31-4B8C-83A1-F6EECF244321}">
-                    <p14:modId xmlns:p14="http://schemas.microsoft.com/office/powerpoint/2010/main" val="1343231129"/>
+                    <p14:modId xmlns:p14="http://schemas.microsoft.com/office/powerpoint/2010/main" val="738995110"/>
                   </p:ext>
                 </p:extLst>
               </p:nvPr>
@@ -3539,35 +3539,35 @@
                     <a:gridCol w="785093">
                       <a:extLst>
                         <a:ext uri="{9D8B030D-6E8A-4147-A177-3AD203B41FA5}">
-                          <a16:colId xmlns:a16="http://schemas.microsoft.com/office/drawing/2014/main" xmlns="" val="2070464311"/>
+                          <a16:colId xmlns="" xmlns:a16="http://schemas.microsoft.com/office/drawing/2014/main" val="2070464311"/>
                         </a:ext>
                       </a:extLst>
                     </a:gridCol>
                     <a:gridCol w="478556">
                       <a:extLst>
                         <a:ext uri="{9D8B030D-6E8A-4147-A177-3AD203B41FA5}">
-                          <a16:colId xmlns:a16="http://schemas.microsoft.com/office/drawing/2014/main" xmlns="" val="2814482158"/>
+                          <a16:colId xmlns="" xmlns:a16="http://schemas.microsoft.com/office/drawing/2014/main" val="2814482158"/>
                         </a:ext>
                       </a:extLst>
                     </a:gridCol>
                     <a:gridCol w="631826">
                       <a:extLst>
                         <a:ext uri="{9D8B030D-6E8A-4147-A177-3AD203B41FA5}">
-                          <a16:colId xmlns:a16="http://schemas.microsoft.com/office/drawing/2014/main" xmlns="" val="3449075261"/>
+                          <a16:colId xmlns="" xmlns:a16="http://schemas.microsoft.com/office/drawing/2014/main" val="3449075261"/>
                         </a:ext>
                       </a:extLst>
                     </a:gridCol>
                     <a:gridCol w="631826">
                       <a:extLst>
                         <a:ext uri="{9D8B030D-6E8A-4147-A177-3AD203B41FA5}">
-                          <a16:colId xmlns:a16="http://schemas.microsoft.com/office/drawing/2014/main" xmlns="" val="1813670796"/>
+                          <a16:colId xmlns="" xmlns:a16="http://schemas.microsoft.com/office/drawing/2014/main" val="1813670796"/>
                         </a:ext>
                       </a:extLst>
                     </a:gridCol>
                     <a:gridCol w="631826">
                       <a:extLst>
                         <a:ext uri="{9D8B030D-6E8A-4147-A177-3AD203B41FA5}">
-                          <a16:colId xmlns:a16="http://schemas.microsoft.com/office/drawing/2014/main" xmlns="" val="1994465920"/>
+                          <a16:colId xmlns="" xmlns:a16="http://schemas.microsoft.com/office/drawing/2014/main" val="1994465920"/>
                         </a:ext>
                       </a:extLst>
                     </a:gridCol>
@@ -3756,10 +3756,7 @@
                                       <m:t>𝟏</m:t>
                                     </m:r>
                                     <m:r>
-                                      <m:rPr>
-                                        <m:nor/>
-                                      </m:rPr>
-                                      <a:rPr lang="en-AU" sz="1100" b="1" i="0" kern="1200" smtClean="0">
+                                      <a:rPr lang="en-AU" sz="1100" b="1" i="1" kern="1200" smtClean="0">
                                         <a:solidFill>
                                           <a:schemeClr val="tx1"/>
                                         </a:solidFill>
@@ -3768,7 +3765,7 @@
                                         <a:ea typeface="+mn-ea"/>
                                         <a:cs typeface="+mn-cs"/>
                                       </a:rPr>
-                                      <m:t>-</m:t>
+                                      <m:t>−</m:t>
                                     </m:r>
                                     <m:r>
                                       <a:rPr lang="en-AU" sz="1100" b="1" i="1" kern="1200" smtClean="0">
@@ -3908,10 +3905,7 @@
                                       <m:t>𝟏</m:t>
                                     </m:r>
                                     <m:r>
-                                      <m:rPr>
-                                        <m:nor/>
-                                      </m:rPr>
-                                      <a:rPr lang="en-AU" sz="1100" b="1" i="0" kern="1200" smtClean="0">
+                                      <a:rPr lang="en-AU" sz="1100" b="1" i="1" kern="1200" smtClean="0">
                                         <a:solidFill>
                                           <a:schemeClr val="tx1"/>
                                         </a:solidFill>
@@ -3920,7 +3914,7 @@
                                         <a:ea typeface="+mn-ea"/>
                                         <a:cs typeface="+mn-cs"/>
                                       </a:rPr>
-                                      <m:t>-</m:t>
+                                      <m:t>−</m:t>
                                     </m:r>
                                     <m:r>
                                       <a:rPr lang="en-AU" sz="1100" b="1" i="1" kern="1200" smtClean="0">
@@ -4060,10 +4054,7 @@
                                       <m:t>𝟏</m:t>
                                     </m:r>
                                     <m:r>
-                                      <m:rPr>
-                                        <m:nor/>
-                                      </m:rPr>
-                                      <a:rPr lang="en-AU" sz="1100" b="1" i="0" kern="1200" smtClean="0">
+                                      <a:rPr lang="en-AU" sz="1100" b="1" i="1" kern="1200" smtClean="0">
                                         <a:solidFill>
                                           <a:schemeClr val="tx1"/>
                                         </a:solidFill>
@@ -4072,7 +4063,7 @@
                                         <a:ea typeface="+mn-ea"/>
                                         <a:cs typeface="+mn-cs"/>
                                       </a:rPr>
-                                      <m:t>-</m:t>
+                                      <m:t>−</m:t>
                                     </m:r>
                                     <m:r>
                                       <a:rPr lang="en-AU" sz="1100" b="1" i="1" kern="1200" smtClean="0">
@@ -4166,7 +4157,7 @@
                     </a:tc>
                     <a:extLst>
                       <a:ext uri="{0D108BD9-81ED-4DB2-BD59-A6C34878D82A}">
-                        <a16:rowId xmlns:a16="http://schemas.microsoft.com/office/drawing/2014/main" xmlns="" val="3176941515"/>
+                        <a16:rowId xmlns="" xmlns:a16="http://schemas.microsoft.com/office/drawing/2014/main" val="3176941515"/>
                       </a:ext>
                     </a:extLst>
                   </a:tr>
@@ -4316,9 +4307,10 @@
                         <a:p>
                           <a:pPr algn="ctr"/>
                           <a:r>
-                            <a:rPr lang="en-AU" sz="900" dirty="0"/>
-                            <a:t>1</a:t>
-                          </a:r>
+                            <a:rPr lang="en-AU" sz="900" dirty="0" smtClean="0"/>
+                            <a:t>0.999</a:t>
+                          </a:r>
+                          <a:endParaRPr lang="en-AU" sz="900" dirty="0"/>
                         </a:p>
                       </a:txBody>
                       <a:tcPr anchor="ctr">
@@ -4357,9 +4349,10 @@
                         <a:p>
                           <a:pPr algn="ctr"/>
                           <a:r>
-                            <a:rPr lang="en-AU" sz="900" dirty="0"/>
-                            <a:t>1</a:t>
-                          </a:r>
+                            <a:rPr lang="en-AU" sz="900" dirty="0" smtClean="0"/>
+                            <a:t>0.999</a:t>
+                          </a:r>
+                          <a:endParaRPr lang="en-AU" sz="900" dirty="0"/>
                         </a:p>
                       </a:txBody>
                       <a:tcPr anchor="ctr">
@@ -4399,7 +4392,7 @@
                     </a:tc>
                     <a:extLst>
                       <a:ext uri="{0D108BD9-81ED-4DB2-BD59-A6C34878D82A}">
-                        <a16:rowId xmlns:a16="http://schemas.microsoft.com/office/drawing/2014/main" xmlns="" val="2673339703"/>
+                        <a16:rowId xmlns="" xmlns:a16="http://schemas.microsoft.com/office/drawing/2014/main" val="2673339703"/>
                       </a:ext>
                     </a:extLst>
                   </a:tr>
@@ -4593,7 +4586,7 @@
                     </a:tc>
                     <a:extLst>
                       <a:ext uri="{0D108BD9-81ED-4DB2-BD59-A6C34878D82A}">
-                        <a16:rowId xmlns:a16="http://schemas.microsoft.com/office/drawing/2014/main" xmlns="" val="2736953877"/>
+                        <a16:rowId xmlns="" xmlns:a16="http://schemas.microsoft.com/office/drawing/2014/main" val="2736953877"/>
                       </a:ext>
                     </a:extLst>
                   </a:tr>
@@ -4725,44 +4718,46 @@
                         <a:p>
                           <a:pPr algn="ctr"/>
                           <a:r>
-                            <a:rPr lang="en-AU" sz="900" dirty="0"/>
-                            <a:t>1</a:t>
-                          </a:r>
-                        </a:p>
-                      </a:txBody>
-                      <a:tcPr anchor="ctr">
-                        <a:lnL>
-                          <a:noFill/>
-                        </a:lnL>
-                        <a:lnR>
-                          <a:noFill/>
-                        </a:lnR>
-                        <a:lnT>
-                          <a:noFill/>
-                        </a:lnT>
-                        <a:lnB>
-                          <a:noFill/>
-                        </a:lnB>
-                        <a:lnTlToBr w="12700" cmpd="sng">
-                          <a:noFill/>
-                          <a:prstDash val="solid"/>
-                        </a:lnTlToBr>
-                        <a:lnBlToTr w="12700" cmpd="sng">
-                          <a:noFill/>
-                          <a:prstDash val="solid"/>
-                        </a:lnBlToTr>
-                      </a:tcPr>
-                    </a:tc>
-                    <a:tc>
-                      <a:txBody>
-                        <a:bodyPr/>
-                        <a:lstStyle/>
-                        <a:p>
-                          <a:pPr algn="ctr"/>
-                          <a:r>
-                            <a:rPr lang="en-AU" sz="900" dirty="0"/>
-                            <a:t>1</a:t>
-                          </a:r>
+                            <a:rPr lang="en-AU" sz="900" dirty="0" smtClean="0"/>
+                            <a:t>0.999</a:t>
+                          </a:r>
+                          <a:endParaRPr lang="en-AU" sz="900" dirty="0"/>
+                        </a:p>
+                      </a:txBody>
+                      <a:tcPr anchor="ctr">
+                        <a:lnL>
+                          <a:noFill/>
+                        </a:lnL>
+                        <a:lnR>
+                          <a:noFill/>
+                        </a:lnR>
+                        <a:lnT>
+                          <a:noFill/>
+                        </a:lnT>
+                        <a:lnB>
+                          <a:noFill/>
+                        </a:lnB>
+                        <a:lnTlToBr w="12700" cmpd="sng">
+                          <a:noFill/>
+                          <a:prstDash val="solid"/>
+                        </a:lnTlToBr>
+                        <a:lnBlToTr w="12700" cmpd="sng">
+                          <a:noFill/>
+                          <a:prstDash val="solid"/>
+                        </a:lnBlToTr>
+                      </a:tcPr>
+                    </a:tc>
+                    <a:tc>
+                      <a:txBody>
+                        <a:bodyPr/>
+                        <a:lstStyle/>
+                        <a:p>
+                          <a:pPr algn="ctr"/>
+                          <a:r>
+                            <a:rPr lang="en-AU" sz="900" dirty="0" smtClean="0"/>
+                            <a:t>0.999</a:t>
+                          </a:r>
+                          <a:endParaRPr lang="en-AU" sz="900" dirty="0"/>
                         </a:p>
                       </a:txBody>
                       <a:tcPr anchor="ctr">
@@ -4796,7 +4791,7 @@
                     </a:tc>
                     <a:extLst>
                       <a:ext uri="{0D108BD9-81ED-4DB2-BD59-A6C34878D82A}">
-                        <a16:rowId xmlns:a16="http://schemas.microsoft.com/office/drawing/2014/main" xmlns="" val="935999974"/>
+                        <a16:rowId xmlns="" xmlns:a16="http://schemas.microsoft.com/office/drawing/2014/main" val="935999974"/>
                       </a:ext>
                     </a:extLst>
                   </a:tr>
@@ -4919,44 +4914,46 @@
                         <a:p>
                           <a:pPr algn="ctr"/>
                           <a:r>
-                            <a:rPr lang="en-AU" sz="900" dirty="0"/>
-                            <a:t>1</a:t>
-                          </a:r>
-                        </a:p>
-                      </a:txBody>
-                      <a:tcPr anchor="ctr">
-                        <a:lnL>
-                          <a:noFill/>
-                        </a:lnL>
-                        <a:lnR>
-                          <a:noFill/>
-                        </a:lnR>
-                        <a:lnT>
-                          <a:noFill/>
-                        </a:lnT>
-                        <a:lnB>
-                          <a:noFill/>
-                        </a:lnB>
-                        <a:lnTlToBr w="12700" cmpd="sng">
-                          <a:noFill/>
-                          <a:prstDash val="solid"/>
-                        </a:lnTlToBr>
-                        <a:lnBlToTr w="12700" cmpd="sng">
-                          <a:noFill/>
-                          <a:prstDash val="solid"/>
-                        </a:lnBlToTr>
-                      </a:tcPr>
-                    </a:tc>
-                    <a:tc>
-                      <a:txBody>
-                        <a:bodyPr/>
-                        <a:lstStyle/>
-                        <a:p>
-                          <a:pPr algn="ctr"/>
-                          <a:r>
-                            <a:rPr lang="en-AU" sz="900" dirty="0"/>
-                            <a:t>1</a:t>
-                          </a:r>
+                            <a:rPr lang="en-AU" sz="900" dirty="0" smtClean="0"/>
+                            <a:t>0.999</a:t>
+                          </a:r>
+                          <a:endParaRPr lang="en-AU" sz="900" dirty="0"/>
+                        </a:p>
+                      </a:txBody>
+                      <a:tcPr anchor="ctr">
+                        <a:lnL>
+                          <a:noFill/>
+                        </a:lnL>
+                        <a:lnR>
+                          <a:noFill/>
+                        </a:lnR>
+                        <a:lnT>
+                          <a:noFill/>
+                        </a:lnT>
+                        <a:lnB>
+                          <a:noFill/>
+                        </a:lnB>
+                        <a:lnTlToBr w="12700" cmpd="sng">
+                          <a:noFill/>
+                          <a:prstDash val="solid"/>
+                        </a:lnTlToBr>
+                        <a:lnBlToTr w="12700" cmpd="sng">
+                          <a:noFill/>
+                          <a:prstDash val="solid"/>
+                        </a:lnBlToTr>
+                      </a:tcPr>
+                    </a:tc>
+                    <a:tc>
+                      <a:txBody>
+                        <a:bodyPr/>
+                        <a:lstStyle/>
+                        <a:p>
+                          <a:pPr algn="ctr"/>
+                          <a:r>
+                            <a:rPr lang="en-AU" sz="900" dirty="0" smtClean="0"/>
+                            <a:t>0.999</a:t>
+                          </a:r>
+                          <a:endParaRPr lang="en-AU" sz="900" dirty="0"/>
                         </a:p>
                       </a:txBody>
                       <a:tcPr anchor="ctr">
@@ -4990,7 +4987,7 @@
                     </a:tc>
                     <a:extLst>
                       <a:ext uri="{0D108BD9-81ED-4DB2-BD59-A6C34878D82A}">
-                        <a16:rowId xmlns:a16="http://schemas.microsoft.com/office/drawing/2014/main" xmlns="" val="3527595651"/>
+                        <a16:rowId xmlns="" xmlns:a16="http://schemas.microsoft.com/office/drawing/2014/main" val="3527595651"/>
                       </a:ext>
                     </a:extLst>
                   </a:tr>
@@ -5113,44 +5110,46 @@
                         <a:p>
                           <a:pPr algn="ctr"/>
                           <a:r>
-                            <a:rPr lang="en-AU" sz="900" dirty="0"/>
-                            <a:t>1</a:t>
-                          </a:r>
-                        </a:p>
-                      </a:txBody>
-                      <a:tcPr anchor="ctr">
-                        <a:lnL>
-                          <a:noFill/>
-                        </a:lnL>
-                        <a:lnR>
-                          <a:noFill/>
-                        </a:lnR>
-                        <a:lnT>
-                          <a:noFill/>
-                        </a:lnT>
-                        <a:lnB>
-                          <a:noFill/>
-                        </a:lnB>
-                        <a:lnTlToBr w="12700" cmpd="sng">
-                          <a:noFill/>
-                          <a:prstDash val="solid"/>
-                        </a:lnTlToBr>
-                        <a:lnBlToTr w="12700" cmpd="sng">
-                          <a:noFill/>
-                          <a:prstDash val="solid"/>
-                        </a:lnBlToTr>
-                      </a:tcPr>
-                    </a:tc>
-                    <a:tc>
-                      <a:txBody>
-                        <a:bodyPr/>
-                        <a:lstStyle/>
-                        <a:p>
-                          <a:pPr algn="ctr"/>
-                          <a:r>
-                            <a:rPr lang="en-AU" sz="900" dirty="0"/>
-                            <a:t>1</a:t>
-                          </a:r>
+                            <a:rPr lang="en-AU" sz="900" dirty="0" smtClean="0"/>
+                            <a:t>0.999</a:t>
+                          </a:r>
+                          <a:endParaRPr lang="en-AU" sz="900" dirty="0"/>
+                        </a:p>
+                      </a:txBody>
+                      <a:tcPr anchor="ctr">
+                        <a:lnL>
+                          <a:noFill/>
+                        </a:lnL>
+                        <a:lnR>
+                          <a:noFill/>
+                        </a:lnR>
+                        <a:lnT>
+                          <a:noFill/>
+                        </a:lnT>
+                        <a:lnB>
+                          <a:noFill/>
+                        </a:lnB>
+                        <a:lnTlToBr w="12700" cmpd="sng">
+                          <a:noFill/>
+                          <a:prstDash val="solid"/>
+                        </a:lnTlToBr>
+                        <a:lnBlToTr w="12700" cmpd="sng">
+                          <a:noFill/>
+                          <a:prstDash val="solid"/>
+                        </a:lnBlToTr>
+                      </a:tcPr>
+                    </a:tc>
+                    <a:tc>
+                      <a:txBody>
+                        <a:bodyPr/>
+                        <a:lstStyle/>
+                        <a:p>
+                          <a:pPr algn="ctr"/>
+                          <a:r>
+                            <a:rPr lang="en-AU" sz="900" dirty="0" smtClean="0"/>
+                            <a:t>0.999</a:t>
+                          </a:r>
+                          <a:endParaRPr lang="en-AU" sz="900" dirty="0"/>
                         </a:p>
                       </a:txBody>
                       <a:tcPr anchor="ctr">
@@ -5184,7 +5183,7 @@
                     </a:tc>
                     <a:extLst>
                       <a:ext uri="{0D108BD9-81ED-4DB2-BD59-A6C34878D82A}">
-                        <a16:rowId xmlns:a16="http://schemas.microsoft.com/office/drawing/2014/main" xmlns="" val="2500584138"/>
+                        <a16:rowId xmlns="" xmlns:a16="http://schemas.microsoft.com/office/drawing/2014/main" val="2500584138"/>
                       </a:ext>
                     </a:extLst>
                   </a:tr>
@@ -5307,44 +5306,46 @@
                         <a:p>
                           <a:pPr algn="ctr"/>
                           <a:r>
-                            <a:rPr lang="en-AU" sz="900" dirty="0"/>
-                            <a:t>1</a:t>
-                          </a:r>
-                        </a:p>
-                      </a:txBody>
-                      <a:tcPr anchor="ctr">
-                        <a:lnL>
-                          <a:noFill/>
-                        </a:lnL>
-                        <a:lnR>
-                          <a:noFill/>
-                        </a:lnR>
-                        <a:lnT>
-                          <a:noFill/>
-                        </a:lnT>
-                        <a:lnB>
-                          <a:noFill/>
-                        </a:lnB>
-                        <a:lnTlToBr w="12700" cmpd="sng">
-                          <a:noFill/>
-                          <a:prstDash val="solid"/>
-                        </a:lnTlToBr>
-                        <a:lnBlToTr w="12700" cmpd="sng">
-                          <a:noFill/>
-                          <a:prstDash val="solid"/>
-                        </a:lnBlToTr>
-                      </a:tcPr>
-                    </a:tc>
-                    <a:tc>
-                      <a:txBody>
-                        <a:bodyPr/>
-                        <a:lstStyle/>
-                        <a:p>
-                          <a:pPr algn="ctr"/>
-                          <a:r>
-                            <a:rPr lang="en-AU" sz="900" dirty="0"/>
-                            <a:t>1</a:t>
-                          </a:r>
+                            <a:rPr lang="en-AU" sz="900" dirty="0" smtClean="0"/>
+                            <a:t>0.999</a:t>
+                          </a:r>
+                          <a:endParaRPr lang="en-AU" sz="900" dirty="0"/>
+                        </a:p>
+                      </a:txBody>
+                      <a:tcPr anchor="ctr">
+                        <a:lnL>
+                          <a:noFill/>
+                        </a:lnL>
+                        <a:lnR>
+                          <a:noFill/>
+                        </a:lnR>
+                        <a:lnT>
+                          <a:noFill/>
+                        </a:lnT>
+                        <a:lnB>
+                          <a:noFill/>
+                        </a:lnB>
+                        <a:lnTlToBr w="12700" cmpd="sng">
+                          <a:noFill/>
+                          <a:prstDash val="solid"/>
+                        </a:lnTlToBr>
+                        <a:lnBlToTr w="12700" cmpd="sng">
+                          <a:noFill/>
+                          <a:prstDash val="solid"/>
+                        </a:lnBlToTr>
+                      </a:tcPr>
+                    </a:tc>
+                    <a:tc>
+                      <a:txBody>
+                        <a:bodyPr/>
+                        <a:lstStyle/>
+                        <a:p>
+                          <a:pPr algn="ctr"/>
+                          <a:r>
+                            <a:rPr lang="en-AU" sz="900" dirty="0" smtClean="0"/>
+                            <a:t>0.999</a:t>
+                          </a:r>
+                          <a:endParaRPr lang="en-AU" sz="900" dirty="0"/>
                         </a:p>
                       </a:txBody>
                       <a:tcPr anchor="ctr">
@@ -5378,7 +5379,7 @@
                     </a:tc>
                     <a:extLst>
                       <a:ext uri="{0D108BD9-81ED-4DB2-BD59-A6C34878D82A}">
-                        <a16:rowId xmlns:a16="http://schemas.microsoft.com/office/drawing/2014/main" xmlns="" val="1644191295"/>
+                        <a16:rowId xmlns="" xmlns:a16="http://schemas.microsoft.com/office/drawing/2014/main" val="1644191295"/>
                       </a:ext>
                     </a:extLst>
                   </a:tr>
@@ -5501,44 +5502,46 @@
                         <a:p>
                           <a:pPr algn="ctr"/>
                           <a:r>
-                            <a:rPr lang="en-AU" sz="900" dirty="0"/>
-                            <a:t>1</a:t>
-                          </a:r>
-                        </a:p>
-                      </a:txBody>
-                      <a:tcPr anchor="ctr">
-                        <a:lnL>
-                          <a:noFill/>
-                        </a:lnL>
-                        <a:lnR>
-                          <a:noFill/>
-                        </a:lnR>
-                        <a:lnT>
-                          <a:noFill/>
-                        </a:lnT>
-                        <a:lnB>
-                          <a:noFill/>
-                        </a:lnB>
-                        <a:lnTlToBr w="12700" cmpd="sng">
-                          <a:noFill/>
-                          <a:prstDash val="solid"/>
-                        </a:lnTlToBr>
-                        <a:lnBlToTr w="12700" cmpd="sng">
-                          <a:noFill/>
-                          <a:prstDash val="solid"/>
-                        </a:lnBlToTr>
-                      </a:tcPr>
-                    </a:tc>
-                    <a:tc>
-                      <a:txBody>
-                        <a:bodyPr/>
-                        <a:lstStyle/>
-                        <a:p>
-                          <a:pPr algn="ctr"/>
-                          <a:r>
-                            <a:rPr lang="en-AU" sz="900" dirty="0"/>
-                            <a:t>1</a:t>
-                          </a:r>
+                            <a:rPr lang="en-AU" sz="900" dirty="0" smtClean="0"/>
+                            <a:t>0.999</a:t>
+                          </a:r>
+                          <a:endParaRPr lang="en-AU" sz="900" dirty="0"/>
+                        </a:p>
+                      </a:txBody>
+                      <a:tcPr anchor="ctr">
+                        <a:lnL>
+                          <a:noFill/>
+                        </a:lnL>
+                        <a:lnR>
+                          <a:noFill/>
+                        </a:lnR>
+                        <a:lnT>
+                          <a:noFill/>
+                        </a:lnT>
+                        <a:lnB>
+                          <a:noFill/>
+                        </a:lnB>
+                        <a:lnTlToBr w="12700" cmpd="sng">
+                          <a:noFill/>
+                          <a:prstDash val="solid"/>
+                        </a:lnTlToBr>
+                        <a:lnBlToTr w="12700" cmpd="sng">
+                          <a:noFill/>
+                          <a:prstDash val="solid"/>
+                        </a:lnBlToTr>
+                      </a:tcPr>
+                    </a:tc>
+                    <a:tc>
+                      <a:txBody>
+                        <a:bodyPr/>
+                        <a:lstStyle/>
+                        <a:p>
+                          <a:pPr algn="ctr"/>
+                          <a:r>
+                            <a:rPr lang="en-AU" sz="900" dirty="0" smtClean="0"/>
+                            <a:t>0.999</a:t>
+                          </a:r>
+                          <a:endParaRPr lang="en-AU" sz="900" dirty="0"/>
                         </a:p>
                       </a:txBody>
                       <a:tcPr anchor="ctr">
@@ -5572,7 +5575,7 @@
                     </a:tc>
                     <a:extLst>
                       <a:ext uri="{0D108BD9-81ED-4DB2-BD59-A6C34878D82A}">
-                        <a16:rowId xmlns:a16="http://schemas.microsoft.com/office/drawing/2014/main" xmlns="" val="2249276370"/>
+                        <a16:rowId xmlns="" xmlns:a16="http://schemas.microsoft.com/office/drawing/2014/main" val="2249276370"/>
                       </a:ext>
                     </a:extLst>
                   </a:tr>
@@ -5766,7 +5769,7 @@
                     </a:tc>
                     <a:extLst>
                       <a:ext uri="{0D108BD9-81ED-4DB2-BD59-A6C34878D82A}">
-                        <a16:rowId xmlns:a16="http://schemas.microsoft.com/office/drawing/2014/main" xmlns="" val="889951462"/>
+                        <a16:rowId xmlns="" xmlns:a16="http://schemas.microsoft.com/office/drawing/2014/main" val="889951462"/>
                       </a:ext>
                     </a:extLst>
                   </a:tr>
@@ -5990,7 +5993,7 @@
                     </a:tc>
                     <a:extLst>
                       <a:ext uri="{0D108BD9-81ED-4DB2-BD59-A6C34878D82A}">
-                        <a16:rowId xmlns:a16="http://schemas.microsoft.com/office/drawing/2014/main" xmlns="" val="141707935"/>
+                        <a16:rowId xmlns="" xmlns:a16="http://schemas.microsoft.com/office/drawing/2014/main" val="141707935"/>
                       </a:ext>
                     </a:extLst>
                   </a:tr>
@@ -6009,7 +6012,7 @@
               <p:nvPr>
                 <p:extLst>
                   <p:ext uri="{D42A27DB-BD31-4B8C-83A1-F6EECF244321}">
-                    <p14:modId xmlns:p14="http://schemas.microsoft.com/office/powerpoint/2010/main" val="1343231129"/>
+                    <p14:modId xmlns:p14="http://schemas.microsoft.com/office/powerpoint/2010/main" val="738995110"/>
                   </p:ext>
                 </p:extLst>
               </p:nvPr>
@@ -6028,35 +6031,35 @@
                     <a:gridCol w="785093">
                       <a:extLst>
                         <a:ext uri="{9D8B030D-6E8A-4147-A177-3AD203B41FA5}">
-                          <a16:colId xmlns:a16="http://schemas.microsoft.com/office/drawing/2014/main" xmlns:a14="http://schemas.microsoft.com/office/drawing/2010/main" xmlns="" val="2070464311"/>
+                          <a16:colId xmlns="" xmlns:a16="http://schemas.microsoft.com/office/drawing/2014/main" xmlns:a14="http://schemas.microsoft.com/office/drawing/2010/main" val="2070464311"/>
                         </a:ext>
                       </a:extLst>
                     </a:gridCol>
                     <a:gridCol w="478556">
                       <a:extLst>
                         <a:ext uri="{9D8B030D-6E8A-4147-A177-3AD203B41FA5}">
-                          <a16:colId xmlns:a16="http://schemas.microsoft.com/office/drawing/2014/main" xmlns:a14="http://schemas.microsoft.com/office/drawing/2010/main" xmlns="" val="2814482158"/>
+                          <a16:colId xmlns="" xmlns:a16="http://schemas.microsoft.com/office/drawing/2014/main" xmlns:a14="http://schemas.microsoft.com/office/drawing/2010/main" val="2814482158"/>
                         </a:ext>
                       </a:extLst>
                     </a:gridCol>
                     <a:gridCol w="631826">
                       <a:extLst>
                         <a:ext uri="{9D8B030D-6E8A-4147-A177-3AD203B41FA5}">
-                          <a16:colId xmlns:a16="http://schemas.microsoft.com/office/drawing/2014/main" xmlns:a14="http://schemas.microsoft.com/office/drawing/2010/main" xmlns="" val="3449075261"/>
+                          <a16:colId xmlns="" xmlns:a16="http://schemas.microsoft.com/office/drawing/2014/main" xmlns:a14="http://schemas.microsoft.com/office/drawing/2010/main" val="3449075261"/>
                         </a:ext>
                       </a:extLst>
                     </a:gridCol>
                     <a:gridCol w="631826">
                       <a:extLst>
                         <a:ext uri="{9D8B030D-6E8A-4147-A177-3AD203B41FA5}">
-                          <a16:colId xmlns:a16="http://schemas.microsoft.com/office/drawing/2014/main" xmlns:a14="http://schemas.microsoft.com/office/drawing/2010/main" xmlns="" val="1813670796"/>
+                          <a16:colId xmlns="" xmlns:a16="http://schemas.microsoft.com/office/drawing/2014/main" xmlns:a14="http://schemas.microsoft.com/office/drawing/2010/main" val="1813670796"/>
                         </a:ext>
                       </a:extLst>
                     </a:gridCol>
                     <a:gridCol w="631826">
                       <a:extLst>
                         <a:ext uri="{9D8B030D-6E8A-4147-A177-3AD203B41FA5}">
-                          <a16:colId xmlns:a16="http://schemas.microsoft.com/office/drawing/2014/main" xmlns:a14="http://schemas.microsoft.com/office/drawing/2010/main" xmlns="" val="1994465920"/>
+                          <a16:colId xmlns="" xmlns:a16="http://schemas.microsoft.com/office/drawing/2014/main" xmlns:a14="http://schemas.microsoft.com/office/drawing/2010/main" val="1994465920"/>
                         </a:ext>
                       </a:extLst>
                     </a:gridCol>
@@ -6321,7 +6324,7 @@
                     </a:tc>
                     <a:extLst>
                       <a:ext uri="{0D108BD9-81ED-4DB2-BD59-A6C34878D82A}">
-                        <a16:rowId xmlns:a16="http://schemas.microsoft.com/office/drawing/2014/main" xmlns:a14="http://schemas.microsoft.com/office/drawing/2010/main" xmlns="" val="3176941515"/>
+                        <a16:rowId xmlns="" xmlns:a16="http://schemas.microsoft.com/office/drawing/2014/main" xmlns:a14="http://schemas.microsoft.com/office/drawing/2010/main" val="3176941515"/>
                       </a:ext>
                     </a:extLst>
                   </a:tr>
@@ -6471,9 +6474,10 @@
                         <a:p>
                           <a:pPr algn="ctr"/>
                           <a:r>
-                            <a:rPr lang="en-AU" sz="900" dirty="0"/>
-                            <a:t>1</a:t>
-                          </a:r>
+                            <a:rPr lang="en-AU" sz="900" dirty="0" smtClean="0"/>
+                            <a:t>0.999</a:t>
+                          </a:r>
+                          <a:endParaRPr lang="en-AU" sz="900" dirty="0"/>
                         </a:p>
                       </a:txBody>
                       <a:tcPr anchor="ctr">
@@ -6512,9 +6516,10 @@
                         <a:p>
                           <a:pPr algn="ctr"/>
                           <a:r>
-                            <a:rPr lang="en-AU" sz="900" dirty="0"/>
-                            <a:t>1</a:t>
-                          </a:r>
+                            <a:rPr lang="en-AU" sz="900" dirty="0" smtClean="0"/>
+                            <a:t>0.999</a:t>
+                          </a:r>
+                          <a:endParaRPr lang="en-AU" sz="900" dirty="0"/>
                         </a:p>
                       </a:txBody>
                       <a:tcPr anchor="ctr">
@@ -6554,7 +6559,7 @@
                     </a:tc>
                     <a:extLst>
                       <a:ext uri="{0D108BD9-81ED-4DB2-BD59-A6C34878D82A}">
-                        <a16:rowId xmlns:a16="http://schemas.microsoft.com/office/drawing/2014/main" xmlns:a14="http://schemas.microsoft.com/office/drawing/2010/main" xmlns="" val="2673339703"/>
+                        <a16:rowId xmlns="" xmlns:a16="http://schemas.microsoft.com/office/drawing/2014/main" xmlns:a14="http://schemas.microsoft.com/office/drawing/2010/main" val="2673339703"/>
                       </a:ext>
                     </a:extLst>
                   </a:tr>
@@ -6748,7 +6753,7 @@
                     </a:tc>
                     <a:extLst>
                       <a:ext uri="{0D108BD9-81ED-4DB2-BD59-A6C34878D82A}">
-                        <a16:rowId xmlns:a16="http://schemas.microsoft.com/office/drawing/2014/main" xmlns:a14="http://schemas.microsoft.com/office/drawing/2010/main" xmlns="" val="2736953877"/>
+                        <a16:rowId xmlns="" xmlns:a16="http://schemas.microsoft.com/office/drawing/2014/main" xmlns:a14="http://schemas.microsoft.com/office/drawing/2010/main" val="2736953877"/>
                       </a:ext>
                     </a:extLst>
                   </a:tr>
@@ -6880,44 +6885,46 @@
                         <a:p>
                           <a:pPr algn="ctr"/>
                           <a:r>
-                            <a:rPr lang="en-AU" sz="900" dirty="0"/>
-                            <a:t>1</a:t>
-                          </a:r>
-                        </a:p>
-                      </a:txBody>
-                      <a:tcPr anchor="ctr">
-                        <a:lnL>
-                          <a:noFill/>
-                        </a:lnL>
-                        <a:lnR>
-                          <a:noFill/>
-                        </a:lnR>
-                        <a:lnT>
-                          <a:noFill/>
-                        </a:lnT>
-                        <a:lnB>
-                          <a:noFill/>
-                        </a:lnB>
-                        <a:lnTlToBr w="12700" cmpd="sng">
-                          <a:noFill/>
-                          <a:prstDash val="solid"/>
-                        </a:lnTlToBr>
-                        <a:lnBlToTr w="12700" cmpd="sng">
-                          <a:noFill/>
-                          <a:prstDash val="solid"/>
-                        </a:lnBlToTr>
-                      </a:tcPr>
-                    </a:tc>
-                    <a:tc>
-                      <a:txBody>
-                        <a:bodyPr/>
-                        <a:lstStyle/>
-                        <a:p>
-                          <a:pPr algn="ctr"/>
-                          <a:r>
-                            <a:rPr lang="en-AU" sz="900" dirty="0"/>
-                            <a:t>1</a:t>
-                          </a:r>
+                            <a:rPr lang="en-AU" sz="900" dirty="0" smtClean="0"/>
+                            <a:t>0.999</a:t>
+                          </a:r>
+                          <a:endParaRPr lang="en-AU" sz="900" dirty="0"/>
+                        </a:p>
+                      </a:txBody>
+                      <a:tcPr anchor="ctr">
+                        <a:lnL>
+                          <a:noFill/>
+                        </a:lnL>
+                        <a:lnR>
+                          <a:noFill/>
+                        </a:lnR>
+                        <a:lnT>
+                          <a:noFill/>
+                        </a:lnT>
+                        <a:lnB>
+                          <a:noFill/>
+                        </a:lnB>
+                        <a:lnTlToBr w="12700" cmpd="sng">
+                          <a:noFill/>
+                          <a:prstDash val="solid"/>
+                        </a:lnTlToBr>
+                        <a:lnBlToTr w="12700" cmpd="sng">
+                          <a:noFill/>
+                          <a:prstDash val="solid"/>
+                        </a:lnBlToTr>
+                      </a:tcPr>
+                    </a:tc>
+                    <a:tc>
+                      <a:txBody>
+                        <a:bodyPr/>
+                        <a:lstStyle/>
+                        <a:p>
+                          <a:pPr algn="ctr"/>
+                          <a:r>
+                            <a:rPr lang="en-AU" sz="900" dirty="0" smtClean="0"/>
+                            <a:t>0.999</a:t>
+                          </a:r>
+                          <a:endParaRPr lang="en-AU" sz="900" dirty="0"/>
                         </a:p>
                       </a:txBody>
                       <a:tcPr anchor="ctr">
@@ -6951,7 +6958,7 @@
                     </a:tc>
                     <a:extLst>
                       <a:ext uri="{0D108BD9-81ED-4DB2-BD59-A6C34878D82A}">
-                        <a16:rowId xmlns:a16="http://schemas.microsoft.com/office/drawing/2014/main" xmlns:a14="http://schemas.microsoft.com/office/drawing/2010/main" xmlns="" val="935999974"/>
+                        <a16:rowId xmlns="" xmlns:a16="http://schemas.microsoft.com/office/drawing/2014/main" xmlns:a14="http://schemas.microsoft.com/office/drawing/2010/main" val="935999974"/>
                       </a:ext>
                     </a:extLst>
                   </a:tr>
@@ -7074,44 +7081,46 @@
                         <a:p>
                           <a:pPr algn="ctr"/>
                           <a:r>
-                            <a:rPr lang="en-AU" sz="900" dirty="0"/>
-                            <a:t>1</a:t>
-                          </a:r>
-                        </a:p>
-                      </a:txBody>
-                      <a:tcPr anchor="ctr">
-                        <a:lnL>
-                          <a:noFill/>
-                        </a:lnL>
-                        <a:lnR>
-                          <a:noFill/>
-                        </a:lnR>
-                        <a:lnT>
-                          <a:noFill/>
-                        </a:lnT>
-                        <a:lnB>
-                          <a:noFill/>
-                        </a:lnB>
-                        <a:lnTlToBr w="12700" cmpd="sng">
-                          <a:noFill/>
-                          <a:prstDash val="solid"/>
-                        </a:lnTlToBr>
-                        <a:lnBlToTr w="12700" cmpd="sng">
-                          <a:noFill/>
-                          <a:prstDash val="solid"/>
-                        </a:lnBlToTr>
-                      </a:tcPr>
-                    </a:tc>
-                    <a:tc>
-                      <a:txBody>
-                        <a:bodyPr/>
-                        <a:lstStyle/>
-                        <a:p>
-                          <a:pPr algn="ctr"/>
-                          <a:r>
-                            <a:rPr lang="en-AU" sz="900" dirty="0"/>
-                            <a:t>1</a:t>
-                          </a:r>
+                            <a:rPr lang="en-AU" sz="900" dirty="0" smtClean="0"/>
+                            <a:t>0.999</a:t>
+                          </a:r>
+                          <a:endParaRPr lang="en-AU" sz="900" dirty="0"/>
+                        </a:p>
+                      </a:txBody>
+                      <a:tcPr anchor="ctr">
+                        <a:lnL>
+                          <a:noFill/>
+                        </a:lnL>
+                        <a:lnR>
+                          <a:noFill/>
+                        </a:lnR>
+                        <a:lnT>
+                          <a:noFill/>
+                        </a:lnT>
+                        <a:lnB>
+                          <a:noFill/>
+                        </a:lnB>
+                        <a:lnTlToBr w="12700" cmpd="sng">
+                          <a:noFill/>
+                          <a:prstDash val="solid"/>
+                        </a:lnTlToBr>
+                        <a:lnBlToTr w="12700" cmpd="sng">
+                          <a:noFill/>
+                          <a:prstDash val="solid"/>
+                        </a:lnBlToTr>
+                      </a:tcPr>
+                    </a:tc>
+                    <a:tc>
+                      <a:txBody>
+                        <a:bodyPr/>
+                        <a:lstStyle/>
+                        <a:p>
+                          <a:pPr algn="ctr"/>
+                          <a:r>
+                            <a:rPr lang="en-AU" sz="900" dirty="0" smtClean="0"/>
+                            <a:t>0.999</a:t>
+                          </a:r>
+                          <a:endParaRPr lang="en-AU" sz="900" dirty="0"/>
                         </a:p>
                       </a:txBody>
                       <a:tcPr anchor="ctr">
@@ -7145,7 +7154,7 @@
                     </a:tc>
                     <a:extLst>
                       <a:ext uri="{0D108BD9-81ED-4DB2-BD59-A6C34878D82A}">
-                        <a16:rowId xmlns:a16="http://schemas.microsoft.com/office/drawing/2014/main" xmlns:a14="http://schemas.microsoft.com/office/drawing/2010/main" xmlns="" val="3527595651"/>
+                        <a16:rowId xmlns="" xmlns:a16="http://schemas.microsoft.com/office/drawing/2014/main" xmlns:a14="http://schemas.microsoft.com/office/drawing/2010/main" val="3527595651"/>
                       </a:ext>
                     </a:extLst>
                   </a:tr>
@@ -7268,44 +7277,46 @@
                         <a:p>
                           <a:pPr algn="ctr"/>
                           <a:r>
-                            <a:rPr lang="en-AU" sz="900" dirty="0"/>
-                            <a:t>1</a:t>
-                          </a:r>
-                        </a:p>
-                      </a:txBody>
-                      <a:tcPr anchor="ctr">
-                        <a:lnL>
-                          <a:noFill/>
-                        </a:lnL>
-                        <a:lnR>
-                          <a:noFill/>
-                        </a:lnR>
-                        <a:lnT>
-                          <a:noFill/>
-                        </a:lnT>
-                        <a:lnB>
-                          <a:noFill/>
-                        </a:lnB>
-                        <a:lnTlToBr w="12700" cmpd="sng">
-                          <a:noFill/>
-                          <a:prstDash val="solid"/>
-                        </a:lnTlToBr>
-                        <a:lnBlToTr w="12700" cmpd="sng">
-                          <a:noFill/>
-                          <a:prstDash val="solid"/>
-                        </a:lnBlToTr>
-                      </a:tcPr>
-                    </a:tc>
-                    <a:tc>
-                      <a:txBody>
-                        <a:bodyPr/>
-                        <a:lstStyle/>
-                        <a:p>
-                          <a:pPr algn="ctr"/>
-                          <a:r>
-                            <a:rPr lang="en-AU" sz="900" dirty="0"/>
-                            <a:t>1</a:t>
-                          </a:r>
+                            <a:rPr lang="en-AU" sz="900" dirty="0" smtClean="0"/>
+                            <a:t>0.999</a:t>
+                          </a:r>
+                          <a:endParaRPr lang="en-AU" sz="900" dirty="0"/>
+                        </a:p>
+                      </a:txBody>
+                      <a:tcPr anchor="ctr">
+                        <a:lnL>
+                          <a:noFill/>
+                        </a:lnL>
+                        <a:lnR>
+                          <a:noFill/>
+                        </a:lnR>
+                        <a:lnT>
+                          <a:noFill/>
+                        </a:lnT>
+                        <a:lnB>
+                          <a:noFill/>
+                        </a:lnB>
+                        <a:lnTlToBr w="12700" cmpd="sng">
+                          <a:noFill/>
+                          <a:prstDash val="solid"/>
+                        </a:lnTlToBr>
+                        <a:lnBlToTr w="12700" cmpd="sng">
+                          <a:noFill/>
+                          <a:prstDash val="solid"/>
+                        </a:lnBlToTr>
+                      </a:tcPr>
+                    </a:tc>
+                    <a:tc>
+                      <a:txBody>
+                        <a:bodyPr/>
+                        <a:lstStyle/>
+                        <a:p>
+                          <a:pPr algn="ctr"/>
+                          <a:r>
+                            <a:rPr lang="en-AU" sz="900" dirty="0" smtClean="0"/>
+                            <a:t>0.999</a:t>
+                          </a:r>
+                          <a:endParaRPr lang="en-AU" sz="900" dirty="0"/>
                         </a:p>
                       </a:txBody>
                       <a:tcPr anchor="ctr">
@@ -7339,7 +7350,7 @@
                     </a:tc>
                     <a:extLst>
                       <a:ext uri="{0D108BD9-81ED-4DB2-BD59-A6C34878D82A}">
-                        <a16:rowId xmlns:a16="http://schemas.microsoft.com/office/drawing/2014/main" xmlns:a14="http://schemas.microsoft.com/office/drawing/2010/main" xmlns="" val="2500584138"/>
+                        <a16:rowId xmlns="" xmlns:a16="http://schemas.microsoft.com/office/drawing/2014/main" xmlns:a14="http://schemas.microsoft.com/office/drawing/2010/main" val="2500584138"/>
                       </a:ext>
                     </a:extLst>
                   </a:tr>
@@ -7462,44 +7473,46 @@
                         <a:p>
                           <a:pPr algn="ctr"/>
                           <a:r>
-                            <a:rPr lang="en-AU" sz="900" dirty="0"/>
-                            <a:t>1</a:t>
-                          </a:r>
-                        </a:p>
-                      </a:txBody>
-                      <a:tcPr anchor="ctr">
-                        <a:lnL>
-                          <a:noFill/>
-                        </a:lnL>
-                        <a:lnR>
-                          <a:noFill/>
-                        </a:lnR>
-                        <a:lnT>
-                          <a:noFill/>
-                        </a:lnT>
-                        <a:lnB>
-                          <a:noFill/>
-                        </a:lnB>
-                        <a:lnTlToBr w="12700" cmpd="sng">
-                          <a:noFill/>
-                          <a:prstDash val="solid"/>
-                        </a:lnTlToBr>
-                        <a:lnBlToTr w="12700" cmpd="sng">
-                          <a:noFill/>
-                          <a:prstDash val="solid"/>
-                        </a:lnBlToTr>
-                      </a:tcPr>
-                    </a:tc>
-                    <a:tc>
-                      <a:txBody>
-                        <a:bodyPr/>
-                        <a:lstStyle/>
-                        <a:p>
-                          <a:pPr algn="ctr"/>
-                          <a:r>
-                            <a:rPr lang="en-AU" sz="900" dirty="0"/>
-                            <a:t>1</a:t>
-                          </a:r>
+                            <a:rPr lang="en-AU" sz="900" dirty="0" smtClean="0"/>
+                            <a:t>0.999</a:t>
+                          </a:r>
+                          <a:endParaRPr lang="en-AU" sz="900" dirty="0"/>
+                        </a:p>
+                      </a:txBody>
+                      <a:tcPr anchor="ctr">
+                        <a:lnL>
+                          <a:noFill/>
+                        </a:lnL>
+                        <a:lnR>
+                          <a:noFill/>
+                        </a:lnR>
+                        <a:lnT>
+                          <a:noFill/>
+                        </a:lnT>
+                        <a:lnB>
+                          <a:noFill/>
+                        </a:lnB>
+                        <a:lnTlToBr w="12700" cmpd="sng">
+                          <a:noFill/>
+                          <a:prstDash val="solid"/>
+                        </a:lnTlToBr>
+                        <a:lnBlToTr w="12700" cmpd="sng">
+                          <a:noFill/>
+                          <a:prstDash val="solid"/>
+                        </a:lnBlToTr>
+                      </a:tcPr>
+                    </a:tc>
+                    <a:tc>
+                      <a:txBody>
+                        <a:bodyPr/>
+                        <a:lstStyle/>
+                        <a:p>
+                          <a:pPr algn="ctr"/>
+                          <a:r>
+                            <a:rPr lang="en-AU" sz="900" dirty="0" smtClean="0"/>
+                            <a:t>0.999</a:t>
+                          </a:r>
+                          <a:endParaRPr lang="en-AU" sz="900" dirty="0"/>
                         </a:p>
                       </a:txBody>
                       <a:tcPr anchor="ctr">
@@ -7533,7 +7546,7 @@
                     </a:tc>
                     <a:extLst>
                       <a:ext uri="{0D108BD9-81ED-4DB2-BD59-A6C34878D82A}">
-                        <a16:rowId xmlns:a16="http://schemas.microsoft.com/office/drawing/2014/main" xmlns:a14="http://schemas.microsoft.com/office/drawing/2010/main" xmlns="" val="1644191295"/>
+                        <a16:rowId xmlns="" xmlns:a16="http://schemas.microsoft.com/office/drawing/2014/main" xmlns:a14="http://schemas.microsoft.com/office/drawing/2010/main" val="1644191295"/>
                       </a:ext>
                     </a:extLst>
                   </a:tr>
@@ -7656,44 +7669,46 @@
                         <a:p>
                           <a:pPr algn="ctr"/>
                           <a:r>
-                            <a:rPr lang="en-AU" sz="900" dirty="0"/>
-                            <a:t>1</a:t>
-                          </a:r>
-                        </a:p>
-                      </a:txBody>
-                      <a:tcPr anchor="ctr">
-                        <a:lnL>
-                          <a:noFill/>
-                        </a:lnL>
-                        <a:lnR>
-                          <a:noFill/>
-                        </a:lnR>
-                        <a:lnT>
-                          <a:noFill/>
-                        </a:lnT>
-                        <a:lnB>
-                          <a:noFill/>
-                        </a:lnB>
-                        <a:lnTlToBr w="12700" cmpd="sng">
-                          <a:noFill/>
-                          <a:prstDash val="solid"/>
-                        </a:lnTlToBr>
-                        <a:lnBlToTr w="12700" cmpd="sng">
-                          <a:noFill/>
-                          <a:prstDash val="solid"/>
-                        </a:lnBlToTr>
-                      </a:tcPr>
-                    </a:tc>
-                    <a:tc>
-                      <a:txBody>
-                        <a:bodyPr/>
-                        <a:lstStyle/>
-                        <a:p>
-                          <a:pPr algn="ctr"/>
-                          <a:r>
-                            <a:rPr lang="en-AU" sz="900" dirty="0"/>
-                            <a:t>1</a:t>
-                          </a:r>
+                            <a:rPr lang="en-AU" sz="900" dirty="0" smtClean="0"/>
+                            <a:t>0.999</a:t>
+                          </a:r>
+                          <a:endParaRPr lang="en-AU" sz="900" dirty="0"/>
+                        </a:p>
+                      </a:txBody>
+                      <a:tcPr anchor="ctr">
+                        <a:lnL>
+                          <a:noFill/>
+                        </a:lnL>
+                        <a:lnR>
+                          <a:noFill/>
+                        </a:lnR>
+                        <a:lnT>
+                          <a:noFill/>
+                        </a:lnT>
+                        <a:lnB>
+                          <a:noFill/>
+                        </a:lnB>
+                        <a:lnTlToBr w="12700" cmpd="sng">
+                          <a:noFill/>
+                          <a:prstDash val="solid"/>
+                        </a:lnTlToBr>
+                        <a:lnBlToTr w="12700" cmpd="sng">
+                          <a:noFill/>
+                          <a:prstDash val="solid"/>
+                        </a:lnBlToTr>
+                      </a:tcPr>
+                    </a:tc>
+                    <a:tc>
+                      <a:txBody>
+                        <a:bodyPr/>
+                        <a:lstStyle/>
+                        <a:p>
+                          <a:pPr algn="ctr"/>
+                          <a:r>
+                            <a:rPr lang="en-AU" sz="900" dirty="0" smtClean="0"/>
+                            <a:t>0.999</a:t>
+                          </a:r>
+                          <a:endParaRPr lang="en-AU" sz="900" dirty="0"/>
                         </a:p>
                       </a:txBody>
                       <a:tcPr anchor="ctr">
@@ -7727,7 +7742,7 @@
                     </a:tc>
                     <a:extLst>
                       <a:ext uri="{0D108BD9-81ED-4DB2-BD59-A6C34878D82A}">
-                        <a16:rowId xmlns:a16="http://schemas.microsoft.com/office/drawing/2014/main" xmlns:a14="http://schemas.microsoft.com/office/drawing/2010/main" xmlns="" val="2249276370"/>
+                        <a16:rowId xmlns="" xmlns:a16="http://schemas.microsoft.com/office/drawing/2014/main" xmlns:a14="http://schemas.microsoft.com/office/drawing/2010/main" val="2249276370"/>
                       </a:ext>
                     </a:extLst>
                   </a:tr>
@@ -7921,7 +7936,7 @@
                     </a:tc>
                     <a:extLst>
                       <a:ext uri="{0D108BD9-81ED-4DB2-BD59-A6C34878D82A}">
-                        <a16:rowId xmlns:a16="http://schemas.microsoft.com/office/drawing/2014/main" xmlns:a14="http://schemas.microsoft.com/office/drawing/2010/main" xmlns="" val="889951462"/>
+                        <a16:rowId xmlns="" xmlns:a16="http://schemas.microsoft.com/office/drawing/2014/main" xmlns:a14="http://schemas.microsoft.com/office/drawing/2010/main" val="889951462"/>
                       </a:ext>
                     </a:extLst>
                   </a:tr>
@@ -8145,7 +8160,7 @@
                     </a:tc>
                     <a:extLst>
                       <a:ext uri="{0D108BD9-81ED-4DB2-BD59-A6C34878D82A}">
-                        <a16:rowId xmlns:a16="http://schemas.microsoft.com/office/drawing/2014/main" xmlns:a14="http://schemas.microsoft.com/office/drawing/2010/main" xmlns="" val="141707935"/>
+                        <a16:rowId xmlns="" xmlns:a16="http://schemas.microsoft.com/office/drawing/2014/main" xmlns:a14="http://schemas.microsoft.com/office/drawing/2010/main" val="141707935"/>
                       </a:ext>
                     </a:extLst>
                   </a:tr>
@@ -8269,7 +8284,7 @@
               <p:nvPr>
                 <p:extLst>
                   <p:ext uri="{D42A27DB-BD31-4B8C-83A1-F6EECF244321}">
-                    <p14:modId xmlns:p14="http://schemas.microsoft.com/office/powerpoint/2010/main" val="49635910"/>
+                    <p14:modId xmlns:p14="http://schemas.microsoft.com/office/powerpoint/2010/main" val="1421410547"/>
                   </p:ext>
                 </p:extLst>
               </p:nvPr>
@@ -8288,35 +8303,35 @@
                     <a:gridCol w="785093">
                       <a:extLst>
                         <a:ext uri="{9D8B030D-6E8A-4147-A177-3AD203B41FA5}">
-                          <a16:colId xmlns:a16="http://schemas.microsoft.com/office/drawing/2014/main" xmlns="" val="2070464311"/>
+                          <a16:colId xmlns="" xmlns:a16="http://schemas.microsoft.com/office/drawing/2014/main" val="2070464311"/>
                         </a:ext>
                       </a:extLst>
                     </a:gridCol>
                     <a:gridCol w="478557">
                       <a:extLst>
                         <a:ext uri="{9D8B030D-6E8A-4147-A177-3AD203B41FA5}">
-                          <a16:colId xmlns:a16="http://schemas.microsoft.com/office/drawing/2014/main" xmlns="" val="2814482158"/>
+                          <a16:colId xmlns="" xmlns:a16="http://schemas.microsoft.com/office/drawing/2014/main" val="2814482158"/>
                         </a:ext>
                       </a:extLst>
                     </a:gridCol>
                     <a:gridCol w="631825">
                       <a:extLst>
                         <a:ext uri="{9D8B030D-6E8A-4147-A177-3AD203B41FA5}">
-                          <a16:colId xmlns:a16="http://schemas.microsoft.com/office/drawing/2014/main" xmlns="" val="3449075261"/>
+                          <a16:colId xmlns="" xmlns:a16="http://schemas.microsoft.com/office/drawing/2014/main" val="3449075261"/>
                         </a:ext>
                       </a:extLst>
                     </a:gridCol>
                     <a:gridCol w="631825">
                       <a:extLst>
                         <a:ext uri="{9D8B030D-6E8A-4147-A177-3AD203B41FA5}">
-                          <a16:colId xmlns:a16="http://schemas.microsoft.com/office/drawing/2014/main" xmlns="" val="1813670796"/>
+                          <a16:colId xmlns="" xmlns:a16="http://schemas.microsoft.com/office/drawing/2014/main" val="1813670796"/>
                         </a:ext>
                       </a:extLst>
                     </a:gridCol>
                     <a:gridCol w="631825">
                       <a:extLst>
                         <a:ext uri="{9D8B030D-6E8A-4147-A177-3AD203B41FA5}">
-                          <a16:colId xmlns:a16="http://schemas.microsoft.com/office/drawing/2014/main" xmlns="" val="1994465920"/>
+                          <a16:colId xmlns="" xmlns:a16="http://schemas.microsoft.com/office/drawing/2014/main" val="1994465920"/>
                         </a:ext>
                       </a:extLst>
                     </a:gridCol>
@@ -8511,10 +8526,7 @@
                                       <m:t>𝟑</m:t>
                                     </m:r>
                                     <m:r>
-                                      <m:rPr>
-                                        <m:nor/>
-                                      </m:rPr>
-                                      <a:rPr lang="en-AU" sz="1100" b="1" i="0" kern="1200" smtClean="0">
+                                      <a:rPr lang="en-AU" sz="1100" b="1" i="1" kern="1200" smtClean="0">
                                         <a:solidFill>
                                           <a:schemeClr val="tx1"/>
                                         </a:solidFill>
@@ -8523,7 +8535,7 @@
                                         <a:ea typeface="+mn-ea"/>
                                         <a:cs typeface="+mn-cs"/>
                                       </a:rPr>
-                                      <m:t>-</m:t>
+                                      <m:t>−</m:t>
                                     </m:r>
                                     <m:r>
                                       <a:rPr lang="en-AU" sz="1100" b="1" i="1" kern="1200" smtClean="0">
@@ -8663,10 +8675,7 @@
                                       <m:t>𝟑</m:t>
                                     </m:r>
                                     <m:r>
-                                      <m:rPr>
-                                        <m:nor/>
-                                      </m:rPr>
-                                      <a:rPr lang="en-AU" sz="1100" b="1" i="0" kern="1200" smtClean="0">
+                                      <a:rPr lang="en-AU" sz="1100" b="1" i="1" kern="1200" smtClean="0">
                                         <a:solidFill>
                                           <a:schemeClr val="tx1"/>
                                         </a:solidFill>
@@ -8675,7 +8684,7 @@
                                         <a:ea typeface="+mn-ea"/>
                                         <a:cs typeface="+mn-cs"/>
                                       </a:rPr>
-                                      <m:t>-</m:t>
+                                      <m:t>−</m:t>
                                     </m:r>
                                     <m:r>
                                       <a:rPr lang="en-AU" sz="1100" b="1" i="1" kern="1200" smtClean="0">
@@ -8815,10 +8824,7 @@
                                       <m:t>𝟑</m:t>
                                     </m:r>
                                     <m:r>
-                                      <m:rPr>
-                                        <m:nor/>
-                                      </m:rPr>
-                                      <a:rPr lang="en-AU" sz="1100" b="1" i="0" kern="1200" smtClean="0">
+                                      <a:rPr lang="en-AU" sz="1100" b="1" i="1" kern="1200" smtClean="0">
                                         <a:solidFill>
                                           <a:schemeClr val="tx1"/>
                                         </a:solidFill>
@@ -8827,7 +8833,7 @@
                                         <a:ea typeface="+mn-ea"/>
                                         <a:cs typeface="+mn-cs"/>
                                       </a:rPr>
-                                      <m:t>-</m:t>
+                                      <m:t>−</m:t>
                                     </m:r>
                                     <m:r>
                                       <a:rPr lang="en-AU" sz="1100" b="1" i="1" kern="1200" smtClean="0">
@@ -8921,7 +8927,7 @@
                     </a:tc>
                     <a:extLst>
                       <a:ext uri="{0D108BD9-81ED-4DB2-BD59-A6C34878D82A}">
-                        <a16:rowId xmlns:a16="http://schemas.microsoft.com/office/drawing/2014/main" xmlns="" val="3176941515"/>
+                        <a16:rowId xmlns="" xmlns:a16="http://schemas.microsoft.com/office/drawing/2014/main" val="3176941515"/>
                       </a:ext>
                     </a:extLst>
                   </a:tr>
@@ -9154,7 +9160,7 @@
                     </a:tc>
                     <a:extLst>
                       <a:ext uri="{0D108BD9-81ED-4DB2-BD59-A6C34878D82A}">
-                        <a16:rowId xmlns:a16="http://schemas.microsoft.com/office/drawing/2014/main" xmlns="" val="2673339703"/>
+                        <a16:rowId xmlns="" xmlns:a16="http://schemas.microsoft.com/office/drawing/2014/main" val="2673339703"/>
                       </a:ext>
                     </a:extLst>
                   </a:tr>
@@ -9348,7 +9354,7 @@
                     </a:tc>
                     <a:extLst>
                       <a:ext uri="{0D108BD9-81ED-4DB2-BD59-A6C34878D82A}">
-                        <a16:rowId xmlns:a16="http://schemas.microsoft.com/office/drawing/2014/main" xmlns="" val="2736953877"/>
+                        <a16:rowId xmlns="" xmlns:a16="http://schemas.microsoft.com/office/drawing/2014/main" val="2736953877"/>
                       </a:ext>
                     </a:extLst>
                   </a:tr>
@@ -9551,7 +9557,7 @@
                     </a:tc>
                     <a:extLst>
                       <a:ext uri="{0D108BD9-81ED-4DB2-BD59-A6C34878D82A}">
-                        <a16:rowId xmlns:a16="http://schemas.microsoft.com/office/drawing/2014/main" xmlns="" val="935999974"/>
+                        <a16:rowId xmlns="" xmlns:a16="http://schemas.microsoft.com/office/drawing/2014/main" val="935999974"/>
                       </a:ext>
                     </a:extLst>
                   </a:tr>
@@ -9674,9 +9680,10 @@
                         <a:p>
                           <a:pPr algn="ctr"/>
                           <a:r>
-                            <a:rPr lang="en-AU" sz="900" dirty="0"/>
-                            <a:t>1</a:t>
-                          </a:r>
+                            <a:rPr lang="en-AU" sz="900" dirty="0" smtClean="0"/>
+                            <a:t>0.999</a:t>
+                          </a:r>
+                          <a:endParaRPr lang="en-AU" sz="900" dirty="0"/>
                         </a:p>
                       </a:txBody>
                       <a:tcPr anchor="ctr">
@@ -9745,7 +9752,7 @@
                     </a:tc>
                     <a:extLst>
                       <a:ext uri="{0D108BD9-81ED-4DB2-BD59-A6C34878D82A}">
-                        <a16:rowId xmlns:a16="http://schemas.microsoft.com/office/drawing/2014/main" xmlns="" val="3527595651"/>
+                        <a16:rowId xmlns="" xmlns:a16="http://schemas.microsoft.com/office/drawing/2014/main" val="3527595651"/>
                       </a:ext>
                     </a:extLst>
                   </a:tr>
@@ -9868,44 +9875,46 @@
                         <a:p>
                           <a:pPr algn="ctr"/>
                           <a:r>
-                            <a:rPr lang="en-AU" sz="900" dirty="0"/>
-                            <a:t>1</a:t>
-                          </a:r>
-                        </a:p>
-                      </a:txBody>
-                      <a:tcPr anchor="ctr">
-                        <a:lnL>
-                          <a:noFill/>
-                        </a:lnL>
-                        <a:lnR>
-                          <a:noFill/>
-                        </a:lnR>
-                        <a:lnT>
-                          <a:noFill/>
-                        </a:lnT>
-                        <a:lnB>
-                          <a:noFill/>
-                        </a:lnB>
-                        <a:lnTlToBr w="12700" cmpd="sng">
-                          <a:noFill/>
-                          <a:prstDash val="solid"/>
-                        </a:lnTlToBr>
-                        <a:lnBlToTr w="12700" cmpd="sng">
-                          <a:noFill/>
-                          <a:prstDash val="solid"/>
-                        </a:lnBlToTr>
-                      </a:tcPr>
-                    </a:tc>
-                    <a:tc>
-                      <a:txBody>
-                        <a:bodyPr/>
-                        <a:lstStyle/>
-                        <a:p>
-                          <a:pPr algn="ctr"/>
-                          <a:r>
-                            <a:rPr lang="en-AU" sz="900" dirty="0"/>
-                            <a:t>1</a:t>
-                          </a:r>
+                            <a:rPr lang="en-AU" sz="900" dirty="0" smtClean="0"/>
+                            <a:t>0.999</a:t>
+                          </a:r>
+                          <a:endParaRPr lang="en-AU" sz="900" dirty="0"/>
+                        </a:p>
+                      </a:txBody>
+                      <a:tcPr anchor="ctr">
+                        <a:lnL>
+                          <a:noFill/>
+                        </a:lnL>
+                        <a:lnR>
+                          <a:noFill/>
+                        </a:lnR>
+                        <a:lnT>
+                          <a:noFill/>
+                        </a:lnT>
+                        <a:lnB>
+                          <a:noFill/>
+                        </a:lnB>
+                        <a:lnTlToBr w="12700" cmpd="sng">
+                          <a:noFill/>
+                          <a:prstDash val="solid"/>
+                        </a:lnTlToBr>
+                        <a:lnBlToTr w="12700" cmpd="sng">
+                          <a:noFill/>
+                          <a:prstDash val="solid"/>
+                        </a:lnBlToTr>
+                      </a:tcPr>
+                    </a:tc>
+                    <a:tc>
+                      <a:txBody>
+                        <a:bodyPr/>
+                        <a:lstStyle/>
+                        <a:p>
+                          <a:pPr algn="ctr"/>
+                          <a:r>
+                            <a:rPr lang="en-AU" sz="900" dirty="0" smtClean="0"/>
+                            <a:t>0.999</a:t>
+                          </a:r>
+                          <a:endParaRPr lang="en-AU" sz="900" dirty="0"/>
                         </a:p>
                       </a:txBody>
                       <a:tcPr anchor="ctr">
@@ -9939,7 +9948,7 @@
                     </a:tc>
                     <a:extLst>
                       <a:ext uri="{0D108BD9-81ED-4DB2-BD59-A6C34878D82A}">
-                        <a16:rowId xmlns:a16="http://schemas.microsoft.com/office/drawing/2014/main" xmlns="" val="2500584138"/>
+                        <a16:rowId xmlns="" xmlns:a16="http://schemas.microsoft.com/office/drawing/2014/main" val="2500584138"/>
                       </a:ext>
                     </a:extLst>
                   </a:tr>
@@ -10133,7 +10142,7 @@
                     </a:tc>
                     <a:extLst>
                       <a:ext uri="{0D108BD9-81ED-4DB2-BD59-A6C34878D82A}">
-                        <a16:rowId xmlns:a16="http://schemas.microsoft.com/office/drawing/2014/main" xmlns="" val="1644191295"/>
+                        <a16:rowId xmlns="" xmlns:a16="http://schemas.microsoft.com/office/drawing/2014/main" val="1644191295"/>
                       </a:ext>
                     </a:extLst>
                   </a:tr>
@@ -10327,7 +10336,7 @@
                     </a:tc>
                     <a:extLst>
                       <a:ext uri="{0D108BD9-81ED-4DB2-BD59-A6C34878D82A}">
-                        <a16:rowId xmlns:a16="http://schemas.microsoft.com/office/drawing/2014/main" xmlns="" val="2249276370"/>
+                        <a16:rowId xmlns="" xmlns:a16="http://schemas.microsoft.com/office/drawing/2014/main" val="2249276370"/>
                       </a:ext>
                     </a:extLst>
                   </a:tr>
@@ -10521,7 +10530,7 @@
                     </a:tc>
                     <a:extLst>
                       <a:ext uri="{0D108BD9-81ED-4DB2-BD59-A6C34878D82A}">
-                        <a16:rowId xmlns:a16="http://schemas.microsoft.com/office/drawing/2014/main" xmlns="" val="889951462"/>
+                        <a16:rowId xmlns="" xmlns:a16="http://schemas.microsoft.com/office/drawing/2014/main" val="889951462"/>
                       </a:ext>
                     </a:extLst>
                   </a:tr>
@@ -10745,7 +10754,7 @@
                     </a:tc>
                     <a:extLst>
                       <a:ext uri="{0D108BD9-81ED-4DB2-BD59-A6C34878D82A}">
-                        <a16:rowId xmlns:a16="http://schemas.microsoft.com/office/drawing/2014/main" xmlns="" val="141707935"/>
+                        <a16:rowId xmlns="" xmlns:a16="http://schemas.microsoft.com/office/drawing/2014/main" val="141707935"/>
                       </a:ext>
                     </a:extLst>
                   </a:tr>
@@ -10764,7 +10773,7 @@
               <p:nvPr>
                 <p:extLst>
                   <p:ext uri="{D42A27DB-BD31-4B8C-83A1-F6EECF244321}">
-                    <p14:modId xmlns:p14="http://schemas.microsoft.com/office/powerpoint/2010/main" val="49635910"/>
+                    <p14:modId xmlns:p14="http://schemas.microsoft.com/office/powerpoint/2010/main" val="1421410547"/>
                   </p:ext>
                 </p:extLst>
               </p:nvPr>
@@ -10783,35 +10792,35 @@
                     <a:gridCol w="785093">
                       <a:extLst>
                         <a:ext uri="{9D8B030D-6E8A-4147-A177-3AD203B41FA5}">
-                          <a16:colId xmlns:a16="http://schemas.microsoft.com/office/drawing/2014/main" xmlns:a14="http://schemas.microsoft.com/office/drawing/2010/main" xmlns="" val="2070464311"/>
+                          <a16:colId xmlns="" xmlns:a16="http://schemas.microsoft.com/office/drawing/2014/main" xmlns:a14="http://schemas.microsoft.com/office/drawing/2010/main" val="2070464311"/>
                         </a:ext>
                       </a:extLst>
                     </a:gridCol>
                     <a:gridCol w="478557">
                       <a:extLst>
                         <a:ext uri="{9D8B030D-6E8A-4147-A177-3AD203B41FA5}">
-                          <a16:colId xmlns:a16="http://schemas.microsoft.com/office/drawing/2014/main" xmlns:a14="http://schemas.microsoft.com/office/drawing/2010/main" xmlns="" val="2814482158"/>
+                          <a16:colId xmlns="" xmlns:a16="http://schemas.microsoft.com/office/drawing/2014/main" xmlns:a14="http://schemas.microsoft.com/office/drawing/2010/main" val="2814482158"/>
                         </a:ext>
                       </a:extLst>
                     </a:gridCol>
                     <a:gridCol w="631825">
                       <a:extLst>
                         <a:ext uri="{9D8B030D-6E8A-4147-A177-3AD203B41FA5}">
-                          <a16:colId xmlns:a16="http://schemas.microsoft.com/office/drawing/2014/main" xmlns:a14="http://schemas.microsoft.com/office/drawing/2010/main" xmlns="" val="3449075261"/>
+                          <a16:colId xmlns="" xmlns:a16="http://schemas.microsoft.com/office/drawing/2014/main" xmlns:a14="http://schemas.microsoft.com/office/drawing/2010/main" val="3449075261"/>
                         </a:ext>
                       </a:extLst>
                     </a:gridCol>
                     <a:gridCol w="631825">
                       <a:extLst>
                         <a:ext uri="{9D8B030D-6E8A-4147-A177-3AD203B41FA5}">
-                          <a16:colId xmlns:a16="http://schemas.microsoft.com/office/drawing/2014/main" xmlns:a14="http://schemas.microsoft.com/office/drawing/2010/main" xmlns="" val="1813670796"/>
+                          <a16:colId xmlns="" xmlns:a16="http://schemas.microsoft.com/office/drawing/2014/main" xmlns:a14="http://schemas.microsoft.com/office/drawing/2010/main" val="1813670796"/>
                         </a:ext>
                       </a:extLst>
                     </a:gridCol>
                     <a:gridCol w="631825">
                       <a:extLst>
                         <a:ext uri="{9D8B030D-6E8A-4147-A177-3AD203B41FA5}">
-                          <a16:colId xmlns:a16="http://schemas.microsoft.com/office/drawing/2014/main" xmlns:a14="http://schemas.microsoft.com/office/drawing/2010/main" xmlns="" val="1994465920"/>
+                          <a16:colId xmlns="" xmlns:a16="http://schemas.microsoft.com/office/drawing/2014/main" xmlns:a14="http://schemas.microsoft.com/office/drawing/2010/main" val="1994465920"/>
                         </a:ext>
                       </a:extLst>
                     </a:gridCol>
@@ -11076,7 +11085,7 @@
                     </a:tc>
                     <a:extLst>
                       <a:ext uri="{0D108BD9-81ED-4DB2-BD59-A6C34878D82A}">
-                        <a16:rowId xmlns:a16="http://schemas.microsoft.com/office/drawing/2014/main" xmlns:a14="http://schemas.microsoft.com/office/drawing/2010/main" xmlns="" val="3176941515"/>
+                        <a16:rowId xmlns="" xmlns:a16="http://schemas.microsoft.com/office/drawing/2014/main" xmlns:a14="http://schemas.microsoft.com/office/drawing/2010/main" val="3176941515"/>
                       </a:ext>
                     </a:extLst>
                   </a:tr>
@@ -11309,7 +11318,7 @@
                     </a:tc>
                     <a:extLst>
                       <a:ext uri="{0D108BD9-81ED-4DB2-BD59-A6C34878D82A}">
-                        <a16:rowId xmlns:a16="http://schemas.microsoft.com/office/drawing/2014/main" xmlns:a14="http://schemas.microsoft.com/office/drawing/2010/main" xmlns="" val="2673339703"/>
+                        <a16:rowId xmlns="" xmlns:a16="http://schemas.microsoft.com/office/drawing/2014/main" xmlns:a14="http://schemas.microsoft.com/office/drawing/2010/main" val="2673339703"/>
                       </a:ext>
                     </a:extLst>
                   </a:tr>
@@ -11503,7 +11512,7 @@
                     </a:tc>
                     <a:extLst>
                       <a:ext uri="{0D108BD9-81ED-4DB2-BD59-A6C34878D82A}">
-                        <a16:rowId xmlns:a16="http://schemas.microsoft.com/office/drawing/2014/main" xmlns:a14="http://schemas.microsoft.com/office/drawing/2010/main" xmlns="" val="2736953877"/>
+                        <a16:rowId xmlns="" xmlns:a16="http://schemas.microsoft.com/office/drawing/2014/main" xmlns:a14="http://schemas.microsoft.com/office/drawing/2010/main" val="2736953877"/>
                       </a:ext>
                     </a:extLst>
                   </a:tr>
@@ -11706,7 +11715,7 @@
                     </a:tc>
                     <a:extLst>
                       <a:ext uri="{0D108BD9-81ED-4DB2-BD59-A6C34878D82A}">
-                        <a16:rowId xmlns:a16="http://schemas.microsoft.com/office/drawing/2014/main" xmlns:a14="http://schemas.microsoft.com/office/drawing/2010/main" xmlns="" val="935999974"/>
+                        <a16:rowId xmlns="" xmlns:a16="http://schemas.microsoft.com/office/drawing/2014/main" xmlns:a14="http://schemas.microsoft.com/office/drawing/2010/main" val="935999974"/>
                       </a:ext>
                     </a:extLst>
                   </a:tr>
@@ -11829,9 +11838,10 @@
                         <a:p>
                           <a:pPr algn="ctr"/>
                           <a:r>
-                            <a:rPr lang="en-AU" sz="900" dirty="0"/>
-                            <a:t>1</a:t>
-                          </a:r>
+                            <a:rPr lang="en-AU" sz="900" dirty="0" smtClean="0"/>
+                            <a:t>0.999</a:t>
+                          </a:r>
+                          <a:endParaRPr lang="en-AU" sz="900" dirty="0"/>
                         </a:p>
                       </a:txBody>
                       <a:tcPr anchor="ctr">
@@ -11900,7 +11910,7 @@
                     </a:tc>
                     <a:extLst>
                       <a:ext uri="{0D108BD9-81ED-4DB2-BD59-A6C34878D82A}">
-                        <a16:rowId xmlns:a16="http://schemas.microsoft.com/office/drawing/2014/main" xmlns:a14="http://schemas.microsoft.com/office/drawing/2010/main" xmlns="" val="3527595651"/>
+                        <a16:rowId xmlns="" xmlns:a16="http://schemas.microsoft.com/office/drawing/2014/main" xmlns:a14="http://schemas.microsoft.com/office/drawing/2010/main" val="3527595651"/>
                       </a:ext>
                     </a:extLst>
                   </a:tr>
@@ -12023,44 +12033,46 @@
                         <a:p>
                           <a:pPr algn="ctr"/>
                           <a:r>
-                            <a:rPr lang="en-AU" sz="900" dirty="0"/>
-                            <a:t>1</a:t>
-                          </a:r>
-                        </a:p>
-                      </a:txBody>
-                      <a:tcPr anchor="ctr">
-                        <a:lnL>
-                          <a:noFill/>
-                        </a:lnL>
-                        <a:lnR>
-                          <a:noFill/>
-                        </a:lnR>
-                        <a:lnT>
-                          <a:noFill/>
-                        </a:lnT>
-                        <a:lnB>
-                          <a:noFill/>
-                        </a:lnB>
-                        <a:lnTlToBr w="12700" cmpd="sng">
-                          <a:noFill/>
-                          <a:prstDash val="solid"/>
-                        </a:lnTlToBr>
-                        <a:lnBlToTr w="12700" cmpd="sng">
-                          <a:noFill/>
-                          <a:prstDash val="solid"/>
-                        </a:lnBlToTr>
-                      </a:tcPr>
-                    </a:tc>
-                    <a:tc>
-                      <a:txBody>
-                        <a:bodyPr/>
-                        <a:lstStyle/>
-                        <a:p>
-                          <a:pPr algn="ctr"/>
-                          <a:r>
-                            <a:rPr lang="en-AU" sz="900" dirty="0"/>
-                            <a:t>1</a:t>
-                          </a:r>
+                            <a:rPr lang="en-AU" sz="900" dirty="0" smtClean="0"/>
+                            <a:t>0.999</a:t>
+                          </a:r>
+                          <a:endParaRPr lang="en-AU" sz="900" dirty="0"/>
+                        </a:p>
+                      </a:txBody>
+                      <a:tcPr anchor="ctr">
+                        <a:lnL>
+                          <a:noFill/>
+                        </a:lnL>
+                        <a:lnR>
+                          <a:noFill/>
+                        </a:lnR>
+                        <a:lnT>
+                          <a:noFill/>
+                        </a:lnT>
+                        <a:lnB>
+                          <a:noFill/>
+                        </a:lnB>
+                        <a:lnTlToBr w="12700" cmpd="sng">
+                          <a:noFill/>
+                          <a:prstDash val="solid"/>
+                        </a:lnTlToBr>
+                        <a:lnBlToTr w="12700" cmpd="sng">
+                          <a:noFill/>
+                          <a:prstDash val="solid"/>
+                        </a:lnBlToTr>
+                      </a:tcPr>
+                    </a:tc>
+                    <a:tc>
+                      <a:txBody>
+                        <a:bodyPr/>
+                        <a:lstStyle/>
+                        <a:p>
+                          <a:pPr algn="ctr"/>
+                          <a:r>
+                            <a:rPr lang="en-AU" sz="900" dirty="0" smtClean="0"/>
+                            <a:t>0.999</a:t>
+                          </a:r>
+                          <a:endParaRPr lang="en-AU" sz="900" dirty="0"/>
                         </a:p>
                       </a:txBody>
                       <a:tcPr anchor="ctr">
@@ -12094,7 +12106,7 @@
                     </a:tc>
                     <a:extLst>
                       <a:ext uri="{0D108BD9-81ED-4DB2-BD59-A6C34878D82A}">
-                        <a16:rowId xmlns:a16="http://schemas.microsoft.com/office/drawing/2014/main" xmlns:a14="http://schemas.microsoft.com/office/drawing/2010/main" xmlns="" val="2500584138"/>
+                        <a16:rowId xmlns="" xmlns:a16="http://schemas.microsoft.com/office/drawing/2014/main" xmlns:a14="http://schemas.microsoft.com/office/drawing/2010/main" val="2500584138"/>
                       </a:ext>
                     </a:extLst>
                   </a:tr>
@@ -12288,7 +12300,7 @@
                     </a:tc>
                     <a:extLst>
                       <a:ext uri="{0D108BD9-81ED-4DB2-BD59-A6C34878D82A}">
-                        <a16:rowId xmlns:a16="http://schemas.microsoft.com/office/drawing/2014/main" xmlns:a14="http://schemas.microsoft.com/office/drawing/2010/main" xmlns="" val="1644191295"/>
+                        <a16:rowId xmlns="" xmlns:a16="http://schemas.microsoft.com/office/drawing/2014/main" xmlns:a14="http://schemas.microsoft.com/office/drawing/2010/main" val="1644191295"/>
                       </a:ext>
                     </a:extLst>
                   </a:tr>
@@ -12482,7 +12494,7 @@
                     </a:tc>
                     <a:extLst>
                       <a:ext uri="{0D108BD9-81ED-4DB2-BD59-A6C34878D82A}">
-                        <a16:rowId xmlns:a16="http://schemas.microsoft.com/office/drawing/2014/main" xmlns:a14="http://schemas.microsoft.com/office/drawing/2010/main" xmlns="" val="2249276370"/>
+                        <a16:rowId xmlns="" xmlns:a16="http://schemas.microsoft.com/office/drawing/2014/main" xmlns:a14="http://schemas.microsoft.com/office/drawing/2010/main" val="2249276370"/>
                       </a:ext>
                     </a:extLst>
                   </a:tr>
@@ -12676,7 +12688,7 @@
                     </a:tc>
                     <a:extLst>
                       <a:ext uri="{0D108BD9-81ED-4DB2-BD59-A6C34878D82A}">
-                        <a16:rowId xmlns:a16="http://schemas.microsoft.com/office/drawing/2014/main" xmlns:a14="http://schemas.microsoft.com/office/drawing/2010/main" xmlns="" val="889951462"/>
+                        <a16:rowId xmlns="" xmlns:a16="http://schemas.microsoft.com/office/drawing/2014/main" xmlns:a14="http://schemas.microsoft.com/office/drawing/2010/main" val="889951462"/>
                       </a:ext>
                     </a:extLst>
                   </a:tr>
@@ -12900,7 +12912,7 @@
                     </a:tc>
                     <a:extLst>
                       <a:ext uri="{0D108BD9-81ED-4DB2-BD59-A6C34878D82A}">
-                        <a16:rowId xmlns:a16="http://schemas.microsoft.com/office/drawing/2014/main" xmlns:a14="http://schemas.microsoft.com/office/drawing/2010/main" xmlns="" val="141707935"/>
+                        <a16:rowId xmlns="" xmlns:a16="http://schemas.microsoft.com/office/drawing/2014/main" xmlns:a14="http://schemas.microsoft.com/office/drawing/2010/main" val="141707935"/>
                       </a:ext>
                     </a:extLst>
                   </a:tr>
@@ -13054,7 +13066,7 @@
               <p:nvPr>
                 <p:extLst>
                   <p:ext uri="{D42A27DB-BD31-4B8C-83A1-F6EECF244321}">
-                    <p14:modId xmlns:p14="http://schemas.microsoft.com/office/powerpoint/2010/main" val="498312369"/>
+                    <p14:modId xmlns:p14="http://schemas.microsoft.com/office/powerpoint/2010/main" val="172434542"/>
                   </p:ext>
                 </p:extLst>
               </p:nvPr>
@@ -13073,35 +13085,35 @@
                     <a:gridCol w="785093">
                       <a:extLst>
                         <a:ext uri="{9D8B030D-6E8A-4147-A177-3AD203B41FA5}">
-                          <a16:colId xmlns:a16="http://schemas.microsoft.com/office/drawing/2014/main" xmlns="" val="2070464311"/>
+                          <a16:colId xmlns="" xmlns:a16="http://schemas.microsoft.com/office/drawing/2014/main" val="2070464311"/>
                         </a:ext>
                       </a:extLst>
                     </a:gridCol>
                     <a:gridCol w="478557">
                       <a:extLst>
                         <a:ext uri="{9D8B030D-6E8A-4147-A177-3AD203B41FA5}">
-                          <a16:colId xmlns:a16="http://schemas.microsoft.com/office/drawing/2014/main" xmlns="" val="2814482158"/>
+                          <a16:colId xmlns="" xmlns:a16="http://schemas.microsoft.com/office/drawing/2014/main" val="2814482158"/>
                         </a:ext>
                       </a:extLst>
                     </a:gridCol>
                     <a:gridCol w="631825">
                       <a:extLst>
                         <a:ext uri="{9D8B030D-6E8A-4147-A177-3AD203B41FA5}">
-                          <a16:colId xmlns:a16="http://schemas.microsoft.com/office/drawing/2014/main" xmlns="" val="3449075261"/>
+                          <a16:colId xmlns="" xmlns:a16="http://schemas.microsoft.com/office/drawing/2014/main" val="3449075261"/>
                         </a:ext>
                       </a:extLst>
                     </a:gridCol>
                     <a:gridCol w="631825">
                       <a:extLst>
                         <a:ext uri="{9D8B030D-6E8A-4147-A177-3AD203B41FA5}">
-                          <a16:colId xmlns:a16="http://schemas.microsoft.com/office/drawing/2014/main" xmlns="" val="1813670796"/>
+                          <a16:colId xmlns="" xmlns:a16="http://schemas.microsoft.com/office/drawing/2014/main" val="1813670796"/>
                         </a:ext>
                       </a:extLst>
                     </a:gridCol>
                     <a:gridCol w="631825">
                       <a:extLst>
                         <a:ext uri="{9D8B030D-6E8A-4147-A177-3AD203B41FA5}">
-                          <a16:colId xmlns:a16="http://schemas.microsoft.com/office/drawing/2014/main" xmlns="" val="1994465920"/>
+                          <a16:colId xmlns="" xmlns:a16="http://schemas.microsoft.com/office/drawing/2014/main" val="1994465920"/>
                         </a:ext>
                       </a:extLst>
                     </a:gridCol>
@@ -13257,7 +13269,7 @@
                                 <m:sSub>
                                   <m:sSubPr>
                                     <m:ctrlPr>
-                                      <a:rPr lang="en-AU" sz="1000" b="1" i="1" kern="1200" smtClean="0">
+                                      <a:rPr lang="en-AU" sz="900" b="1" i="1" kern="1200" smtClean="0">
                                         <a:solidFill>
                                           <a:schemeClr val="tx1"/>
                                         </a:solidFill>
@@ -13270,7 +13282,7 @@
                                   </m:sSubPr>
                                   <m:e>
                                     <m:r>
-                                      <a:rPr lang="en-AU" sz="1000" b="1" i="1" kern="1200">
+                                      <a:rPr lang="en-AU" sz="900" b="1" i="1" kern="1200">
                                         <a:solidFill>
                                           <a:schemeClr val="tx1"/>
                                         </a:solidFill>
@@ -13284,7 +13296,7 @@
                                   </m:e>
                                   <m:sub>
                                     <m:r>
-                                      <a:rPr lang="en-AU" sz="1000" b="1" i="1" kern="1200" smtClean="0">
+                                      <a:rPr lang="en-AU" sz="900" b="1" i="1" kern="1200" smtClean="0">
                                         <a:solidFill>
                                           <a:schemeClr val="tx1"/>
                                         </a:solidFill>
@@ -13296,10 +13308,7 @@
                                       <m:t>𝟑</m:t>
                                     </m:r>
                                     <m:r>
-                                      <m:rPr>
-                                        <m:nor/>
-                                      </m:rPr>
-                                      <a:rPr lang="en-AU" sz="1000" b="1" i="0" kern="1200" smtClean="0">
+                                      <a:rPr lang="en-AU" sz="900" b="1" i="1" kern="1200" smtClean="0">
                                         <a:solidFill>
                                           <a:schemeClr val="tx1"/>
                                         </a:solidFill>
@@ -13308,10 +13317,10 @@
                                         <a:ea typeface="+mn-ea"/>
                                         <a:cs typeface="+mn-cs"/>
                                       </a:rPr>
-                                      <m:t>-</m:t>
+                                      <m:t>−</m:t>
                                     </m:r>
                                     <m:r>
-                                      <a:rPr lang="en-AU" sz="1000" b="1" i="1" kern="1200" smtClean="0">
+                                      <a:rPr lang="en-AU" sz="900" b="1" i="1" kern="1200" smtClean="0">
                                         <a:solidFill>
                                           <a:schemeClr val="tx1"/>
                                         </a:solidFill>
@@ -13323,10 +13332,7 @@
                                       <m:t>𝟔𝟗</m:t>
                                     </m:r>
                                     <m:r>
-                                      <m:rPr>
-                                        <m:nor/>
-                                      </m:rPr>
-                                      <a:rPr lang="en-AU" sz="1000" b="1" i="0" kern="1200" smtClean="0">
+                                      <a:rPr lang="en-AU" sz="900" b="1" i="1" kern="1200" smtClean="0">
                                         <a:solidFill>
                                           <a:schemeClr val="tx1"/>
                                         </a:solidFill>
@@ -13335,10 +13341,10 @@
                                         <a:ea typeface="+mn-ea"/>
                                         <a:cs typeface="+mn-cs"/>
                                       </a:rPr>
-                                      <m:t>-</m:t>
+                                      <m:t>−</m:t>
                                     </m:r>
                                     <m:r>
-                                      <a:rPr lang="en-AU" sz="1000" b="1" i="1" kern="1200" smtClean="0">
+                                      <a:rPr lang="en-AU" sz="900" b="1" i="1" kern="1200" smtClean="0">
                                         <a:solidFill>
                                           <a:schemeClr val="tx1"/>
                                         </a:solidFill>
@@ -13354,7 +13360,7 @@
                                 <m:d>
                                   <m:dPr>
                                     <m:ctrlPr>
-                                      <a:rPr lang="en-AU" sz="1000" b="1" i="1" kern="1200">
+                                      <a:rPr lang="en-AU" sz="900" b="1" i="1" kern="1200">
                                         <a:solidFill>
                                           <a:schemeClr val="tx1"/>
                                         </a:solidFill>
@@ -13367,7 +13373,7 @@
                                   </m:dPr>
                                   <m:e>
                                     <m:r>
-                                      <a:rPr lang="en-AU" sz="1000" b="1" i="1" kern="1200" smtClean="0">
+                                      <a:rPr lang="en-AU" sz="900" b="1" i="1" kern="1200" smtClean="0">
                                         <a:solidFill>
                                           <a:schemeClr val="tx1"/>
                                         </a:solidFill>
@@ -13383,7 +13389,7 @@
                               </m:oMath>
                             </m:oMathPara>
                           </a14:m>
-                          <a:endParaRPr lang="en-AU" sz="1000" dirty="0"/>
+                          <a:endParaRPr lang="en-AU" sz="900" dirty="0"/>
                         </a:p>
                       </a:txBody>
                       <a:tcPr anchor="ctr">
@@ -13436,7 +13442,7 @@
                                 <m:sSub>
                                   <m:sSubPr>
                                     <m:ctrlPr>
-                                      <a:rPr lang="en-AU" sz="1000" b="1" i="1" kern="1200" smtClean="0">
+                                      <a:rPr lang="en-AU" sz="900" b="1" i="1" kern="1200" smtClean="0">
                                         <a:solidFill>
                                           <a:schemeClr val="tx1"/>
                                         </a:solidFill>
@@ -13449,7 +13455,7 @@
                                   </m:sSubPr>
                                   <m:e>
                                     <m:r>
-                                      <a:rPr lang="en-AU" sz="1000" b="1" i="1" kern="1200" smtClean="0">
+                                      <a:rPr lang="en-AU" sz="900" b="1" i="1" kern="1200" smtClean="0">
                                         <a:solidFill>
                                           <a:schemeClr val="tx1"/>
                                         </a:solidFill>
@@ -13463,7 +13469,7 @@
                                   </m:e>
                                   <m:sub>
                                     <m:r>
-                                      <a:rPr lang="en-AU" sz="1000" b="1" i="1" kern="1200" smtClean="0">
+                                      <a:rPr lang="en-AU" sz="900" b="1" i="1" kern="1200" smtClean="0">
                                         <a:solidFill>
                                           <a:schemeClr val="tx1"/>
                                         </a:solidFill>
@@ -13475,10 +13481,7 @@
                                       <m:t>𝟑</m:t>
                                     </m:r>
                                     <m:r>
-                                      <m:rPr>
-                                        <m:nor/>
-                                      </m:rPr>
-                                      <a:rPr lang="en-AU" sz="1000" b="1" i="0" kern="1200" smtClean="0">
+                                      <a:rPr lang="en-AU" sz="900" b="1" i="1" kern="1200" smtClean="0">
                                         <a:solidFill>
                                           <a:schemeClr val="tx1"/>
                                         </a:solidFill>
@@ -13487,10 +13490,10 @@
                                         <a:ea typeface="+mn-ea"/>
                                         <a:cs typeface="+mn-cs"/>
                                       </a:rPr>
-                                      <m:t>-</m:t>
+                                      <m:t>−</m:t>
                                     </m:r>
                                     <m:r>
-                                      <a:rPr lang="en-AU" sz="1000" b="1" i="1" kern="1200" smtClean="0">
+                                      <a:rPr lang="en-AU" sz="900" b="1" i="1" kern="1200" smtClean="0">
                                         <a:solidFill>
                                           <a:schemeClr val="tx1"/>
                                         </a:solidFill>
@@ -13502,10 +13505,7 @@
                                       <m:t>𝟔𝟗</m:t>
                                     </m:r>
                                     <m:r>
-                                      <m:rPr>
-                                        <m:nor/>
-                                      </m:rPr>
-                                      <a:rPr lang="en-AU" sz="1000" b="1" i="0" kern="1200" smtClean="0">
+                                      <a:rPr lang="en-AU" sz="900" b="1" i="1" kern="1200" smtClean="0">
                                         <a:solidFill>
                                           <a:schemeClr val="tx1"/>
                                         </a:solidFill>
@@ -13514,10 +13514,10 @@
                                         <a:ea typeface="+mn-ea"/>
                                         <a:cs typeface="+mn-cs"/>
                                       </a:rPr>
-                                      <m:t>-</m:t>
+                                      <m:t>−</m:t>
                                     </m:r>
                                     <m:r>
-                                      <a:rPr lang="en-AU" sz="1000" b="1" i="1" kern="1200" smtClean="0">
+                                      <a:rPr lang="en-AU" sz="900" b="1" i="1" kern="1200" smtClean="0">
                                         <a:solidFill>
                                           <a:schemeClr val="tx1"/>
                                         </a:solidFill>
@@ -13533,7 +13533,7 @@
                                 <m:d>
                                   <m:dPr>
                                     <m:ctrlPr>
-                                      <a:rPr lang="en-AU" sz="1000" b="1" i="1" kern="1200">
+                                      <a:rPr lang="en-AU" sz="900" b="1" i="1" kern="1200">
                                         <a:solidFill>
                                           <a:schemeClr val="tx1"/>
                                         </a:solidFill>
@@ -13546,7 +13546,7 @@
                                   </m:dPr>
                                   <m:e>
                                     <m:r>
-                                      <a:rPr lang="en-AU" sz="1000" b="1" i="1" kern="1200" smtClean="0">
+                                      <a:rPr lang="en-AU" sz="900" b="1" i="1" kern="1200" smtClean="0">
                                         <a:solidFill>
                                           <a:schemeClr val="tx1"/>
                                         </a:solidFill>
@@ -13562,7 +13562,7 @@
                               </m:oMath>
                             </m:oMathPara>
                           </a14:m>
-                          <a:endParaRPr lang="en-AU" sz="1000" dirty="0"/>
+                          <a:endParaRPr lang="en-AU" sz="900" dirty="0"/>
                         </a:p>
                       </a:txBody>
                       <a:tcPr anchor="ctr">
@@ -13615,7 +13615,7 @@
                                 <m:sSub>
                                   <m:sSubPr>
                                     <m:ctrlPr>
-                                      <a:rPr lang="en-AU" sz="1000" b="1" i="1" kern="1200" smtClean="0">
+                                      <a:rPr lang="en-AU" sz="900" b="1" i="1" kern="1200" smtClean="0">
                                         <a:solidFill>
                                           <a:schemeClr val="tx1"/>
                                         </a:solidFill>
@@ -13628,7 +13628,7 @@
                                   </m:sSubPr>
                                   <m:e>
                                     <m:r>
-                                      <a:rPr lang="en-AU" sz="1000" b="1" i="1" kern="1200">
+                                      <a:rPr lang="en-AU" sz="900" b="1" i="1" kern="1200">
                                         <a:solidFill>
                                           <a:schemeClr val="tx1"/>
                                         </a:solidFill>
@@ -13642,7 +13642,7 @@
                                   </m:e>
                                   <m:sub>
                                     <m:r>
-                                      <a:rPr lang="en-AU" sz="1000" b="1" i="1" kern="1200" smtClean="0">
+                                      <a:rPr lang="en-AU" sz="900" b="1" i="1" kern="1200" smtClean="0">
                                         <a:solidFill>
                                           <a:schemeClr val="tx1"/>
                                         </a:solidFill>
@@ -13654,10 +13654,7 @@
                                       <m:t>𝟑</m:t>
                                     </m:r>
                                     <m:r>
-                                      <m:rPr>
-                                        <m:nor/>
-                                      </m:rPr>
-                                      <a:rPr lang="en-AU" sz="1000" b="1" i="0" kern="1200" smtClean="0">
+                                      <a:rPr lang="en-AU" sz="900" b="1" i="1" kern="1200" smtClean="0">
                                         <a:solidFill>
                                           <a:schemeClr val="tx1"/>
                                         </a:solidFill>
@@ -13666,10 +13663,10 @@
                                         <a:ea typeface="+mn-ea"/>
                                         <a:cs typeface="+mn-cs"/>
                                       </a:rPr>
-                                      <m:t>-</m:t>
+                                      <m:t>−</m:t>
                                     </m:r>
                                     <m:r>
-                                      <a:rPr lang="en-AU" sz="1000" b="1" i="1" kern="1200" smtClean="0">
+                                      <a:rPr lang="en-AU" sz="900" b="1" i="1" kern="1200" smtClean="0">
                                         <a:solidFill>
                                           <a:schemeClr val="tx1"/>
                                         </a:solidFill>
@@ -13681,10 +13678,7 @@
                                       <m:t>𝟔𝟗</m:t>
                                     </m:r>
                                     <m:r>
-                                      <m:rPr>
-                                        <m:nor/>
-                                      </m:rPr>
-                                      <a:rPr lang="en-AU" sz="1000" b="1" i="0" kern="1200" smtClean="0">
+                                      <a:rPr lang="en-AU" sz="900" b="1" i="1" kern="1200" smtClean="0">
                                         <a:solidFill>
                                           <a:schemeClr val="tx1"/>
                                         </a:solidFill>
@@ -13693,10 +13687,10 @@
                                         <a:ea typeface="+mn-ea"/>
                                         <a:cs typeface="+mn-cs"/>
                                       </a:rPr>
-                                      <m:t>-</m:t>
+                                      <m:t>−</m:t>
                                     </m:r>
                                     <m:r>
-                                      <a:rPr lang="en-AU" sz="1000" b="1" i="1" kern="1200" smtClean="0">
+                                      <a:rPr lang="en-AU" sz="900" b="1" i="1" kern="1200" smtClean="0">
                                         <a:solidFill>
                                           <a:schemeClr val="tx1"/>
                                         </a:solidFill>
@@ -13712,7 +13706,7 @@
                                 <m:d>
                                   <m:dPr>
                                     <m:ctrlPr>
-                                      <a:rPr lang="en-AU" sz="1000" b="1" i="1" kern="1200">
+                                      <a:rPr lang="en-AU" sz="900" b="1" i="1" kern="1200">
                                         <a:solidFill>
                                           <a:schemeClr val="tx1"/>
                                         </a:solidFill>
@@ -13725,7 +13719,7 @@
                                   </m:dPr>
                                   <m:e>
                                     <m:r>
-                                      <a:rPr lang="en-AU" sz="1000" b="1" i="1" kern="1200" smtClean="0">
+                                      <a:rPr lang="en-AU" sz="900" b="1" i="1" kern="1200" smtClean="0">
                                         <a:solidFill>
                                           <a:schemeClr val="tx1"/>
                                         </a:solidFill>
@@ -13741,7 +13735,7 @@
                               </m:oMath>
                             </m:oMathPara>
                           </a14:m>
-                          <a:endParaRPr lang="en-AU" sz="1000" dirty="0"/>
+                          <a:endParaRPr lang="en-AU" sz="900" dirty="0"/>
                         </a:p>
                       </a:txBody>
                       <a:tcPr anchor="ctr">
@@ -13787,7 +13781,7 @@
                     </a:tc>
                     <a:extLst>
                       <a:ext uri="{0D108BD9-81ED-4DB2-BD59-A6C34878D82A}">
-                        <a16:rowId xmlns:a16="http://schemas.microsoft.com/office/drawing/2014/main" xmlns="" val="3176941515"/>
+                        <a16:rowId xmlns="" xmlns:a16="http://schemas.microsoft.com/office/drawing/2014/main" val="3176941515"/>
                       </a:ext>
                     </a:extLst>
                   </a:tr>
@@ -14020,7 +14014,7 @@
                     </a:tc>
                     <a:extLst>
                       <a:ext uri="{0D108BD9-81ED-4DB2-BD59-A6C34878D82A}">
-                        <a16:rowId xmlns:a16="http://schemas.microsoft.com/office/drawing/2014/main" xmlns="" val="2673339703"/>
+                        <a16:rowId xmlns="" xmlns:a16="http://schemas.microsoft.com/office/drawing/2014/main" val="2673339703"/>
                       </a:ext>
                     </a:extLst>
                   </a:tr>
@@ -14143,9 +14137,10 @@
                         <a:p>
                           <a:pPr algn="ctr"/>
                           <a:r>
-                            <a:rPr lang="en-AU" sz="900" dirty="0"/>
-                            <a:t>1.000</a:t>
-                          </a:r>
+                            <a:rPr lang="en-AU" sz="900" dirty="0" smtClean="0"/>
+                            <a:t>0.999</a:t>
+                          </a:r>
+                          <a:endParaRPr lang="en-AU" sz="900" dirty="0"/>
                         </a:p>
                       </a:txBody>
                       <a:tcPr anchor="ctr">
@@ -14214,7 +14209,7 @@
                     </a:tc>
                     <a:extLst>
                       <a:ext uri="{0D108BD9-81ED-4DB2-BD59-A6C34878D82A}">
-                        <a16:rowId xmlns:a16="http://schemas.microsoft.com/office/drawing/2014/main" xmlns="" val="2736953877"/>
+                        <a16:rowId xmlns="" xmlns:a16="http://schemas.microsoft.com/office/drawing/2014/main" val="2736953877"/>
                       </a:ext>
                     </a:extLst>
                   </a:tr>
@@ -14417,7 +14412,7 @@
                     </a:tc>
                     <a:extLst>
                       <a:ext uri="{0D108BD9-81ED-4DB2-BD59-A6C34878D82A}">
-                        <a16:rowId xmlns:a16="http://schemas.microsoft.com/office/drawing/2014/main" xmlns="" val="935999974"/>
+                        <a16:rowId xmlns="" xmlns:a16="http://schemas.microsoft.com/office/drawing/2014/main" val="935999974"/>
                       </a:ext>
                     </a:extLst>
                   </a:tr>
@@ -14611,7 +14606,7 @@
                     </a:tc>
                     <a:extLst>
                       <a:ext uri="{0D108BD9-81ED-4DB2-BD59-A6C34878D82A}">
-                        <a16:rowId xmlns:a16="http://schemas.microsoft.com/office/drawing/2014/main" xmlns="" val="3527595651"/>
+                        <a16:rowId xmlns="" xmlns:a16="http://schemas.microsoft.com/office/drawing/2014/main" val="3527595651"/>
                       </a:ext>
                     </a:extLst>
                   </a:tr>
@@ -14805,7 +14800,7 @@
                     </a:tc>
                     <a:extLst>
                       <a:ext uri="{0D108BD9-81ED-4DB2-BD59-A6C34878D82A}">
-                        <a16:rowId xmlns:a16="http://schemas.microsoft.com/office/drawing/2014/main" xmlns="" val="2249276370"/>
+                        <a16:rowId xmlns="" xmlns:a16="http://schemas.microsoft.com/office/drawing/2014/main" val="2249276370"/>
                       </a:ext>
                     </a:extLst>
                   </a:tr>
@@ -15029,7 +15024,7 @@
                     </a:tc>
                     <a:extLst>
                       <a:ext uri="{0D108BD9-81ED-4DB2-BD59-A6C34878D82A}">
-                        <a16:rowId xmlns:a16="http://schemas.microsoft.com/office/drawing/2014/main" xmlns="" val="889951462"/>
+                        <a16:rowId xmlns="" xmlns:a16="http://schemas.microsoft.com/office/drawing/2014/main" val="889951462"/>
                       </a:ext>
                     </a:extLst>
                   </a:tr>
@@ -15048,7 +15043,7 @@
               <p:nvPr>
                 <p:extLst>
                   <p:ext uri="{D42A27DB-BD31-4B8C-83A1-F6EECF244321}">
-                    <p14:modId xmlns:p14="http://schemas.microsoft.com/office/powerpoint/2010/main" val="498312369"/>
+                    <p14:modId xmlns:p14="http://schemas.microsoft.com/office/powerpoint/2010/main" val="172434542"/>
                   </p:ext>
                 </p:extLst>
               </p:nvPr>
@@ -15067,35 +15062,35 @@
                     <a:gridCol w="785093">
                       <a:extLst>
                         <a:ext uri="{9D8B030D-6E8A-4147-A177-3AD203B41FA5}">
-                          <a16:colId xmlns:a16="http://schemas.microsoft.com/office/drawing/2014/main" xmlns:a14="http://schemas.microsoft.com/office/drawing/2010/main" xmlns="" val="2070464311"/>
+                          <a16:colId xmlns="" xmlns:a16="http://schemas.microsoft.com/office/drawing/2014/main" xmlns:a14="http://schemas.microsoft.com/office/drawing/2010/main" val="2070464311"/>
                         </a:ext>
                       </a:extLst>
                     </a:gridCol>
                     <a:gridCol w="478557">
                       <a:extLst>
                         <a:ext uri="{9D8B030D-6E8A-4147-A177-3AD203B41FA5}">
-                          <a16:colId xmlns:a16="http://schemas.microsoft.com/office/drawing/2014/main" xmlns:a14="http://schemas.microsoft.com/office/drawing/2010/main" xmlns="" val="2814482158"/>
+                          <a16:colId xmlns="" xmlns:a16="http://schemas.microsoft.com/office/drawing/2014/main" xmlns:a14="http://schemas.microsoft.com/office/drawing/2010/main" val="2814482158"/>
                         </a:ext>
                       </a:extLst>
                     </a:gridCol>
                     <a:gridCol w="631825">
                       <a:extLst>
                         <a:ext uri="{9D8B030D-6E8A-4147-A177-3AD203B41FA5}">
-                          <a16:colId xmlns:a16="http://schemas.microsoft.com/office/drawing/2014/main" xmlns:a14="http://schemas.microsoft.com/office/drawing/2010/main" xmlns="" val="3449075261"/>
+                          <a16:colId xmlns="" xmlns:a16="http://schemas.microsoft.com/office/drawing/2014/main" xmlns:a14="http://schemas.microsoft.com/office/drawing/2010/main" val="3449075261"/>
                         </a:ext>
                       </a:extLst>
                     </a:gridCol>
                     <a:gridCol w="631825">
                       <a:extLst>
                         <a:ext uri="{9D8B030D-6E8A-4147-A177-3AD203B41FA5}">
-                          <a16:colId xmlns:a16="http://schemas.microsoft.com/office/drawing/2014/main" xmlns:a14="http://schemas.microsoft.com/office/drawing/2010/main" xmlns="" val="1813670796"/>
+                          <a16:colId xmlns="" xmlns:a16="http://schemas.microsoft.com/office/drawing/2014/main" xmlns:a14="http://schemas.microsoft.com/office/drawing/2010/main" val="1813670796"/>
                         </a:ext>
                       </a:extLst>
                     </a:gridCol>
                     <a:gridCol w="631825">
                       <a:extLst>
                         <a:ext uri="{9D8B030D-6E8A-4147-A177-3AD203B41FA5}">
-                          <a16:colId xmlns:a16="http://schemas.microsoft.com/office/drawing/2014/main" xmlns:a14="http://schemas.microsoft.com/office/drawing/2010/main" xmlns="" val="1994465920"/>
+                          <a16:colId xmlns="" xmlns:a16="http://schemas.microsoft.com/office/drawing/2014/main" xmlns:a14="http://schemas.microsoft.com/office/drawing/2010/main" val="1994465920"/>
                         </a:ext>
                       </a:extLst>
                     </a:gridCol>
@@ -15360,7 +15355,7 @@
                     </a:tc>
                     <a:extLst>
                       <a:ext uri="{0D108BD9-81ED-4DB2-BD59-A6C34878D82A}">
-                        <a16:rowId xmlns:a16="http://schemas.microsoft.com/office/drawing/2014/main" xmlns:a14="http://schemas.microsoft.com/office/drawing/2010/main" xmlns="" val="3176941515"/>
+                        <a16:rowId xmlns="" xmlns:a16="http://schemas.microsoft.com/office/drawing/2014/main" xmlns:a14="http://schemas.microsoft.com/office/drawing/2010/main" val="3176941515"/>
                       </a:ext>
                     </a:extLst>
                   </a:tr>
@@ -15593,7 +15588,7 @@
                     </a:tc>
                     <a:extLst>
                       <a:ext uri="{0D108BD9-81ED-4DB2-BD59-A6C34878D82A}">
-                        <a16:rowId xmlns:a16="http://schemas.microsoft.com/office/drawing/2014/main" xmlns:a14="http://schemas.microsoft.com/office/drawing/2010/main" xmlns="" val="2673339703"/>
+                        <a16:rowId xmlns="" xmlns:a16="http://schemas.microsoft.com/office/drawing/2014/main" xmlns:a14="http://schemas.microsoft.com/office/drawing/2010/main" val="2673339703"/>
                       </a:ext>
                     </a:extLst>
                   </a:tr>
@@ -15716,9 +15711,10 @@
                         <a:p>
                           <a:pPr algn="ctr"/>
                           <a:r>
-                            <a:rPr lang="en-AU" sz="900" dirty="0"/>
-                            <a:t>1.000</a:t>
-                          </a:r>
+                            <a:rPr lang="en-AU" sz="900" dirty="0" smtClean="0"/>
+                            <a:t>0.999</a:t>
+                          </a:r>
+                          <a:endParaRPr lang="en-AU" sz="900" dirty="0"/>
                         </a:p>
                       </a:txBody>
                       <a:tcPr anchor="ctr">
@@ -15787,7 +15783,7 @@
                     </a:tc>
                     <a:extLst>
                       <a:ext uri="{0D108BD9-81ED-4DB2-BD59-A6C34878D82A}">
-                        <a16:rowId xmlns:a16="http://schemas.microsoft.com/office/drawing/2014/main" xmlns:a14="http://schemas.microsoft.com/office/drawing/2010/main" xmlns="" val="2736953877"/>
+                        <a16:rowId xmlns="" xmlns:a16="http://schemas.microsoft.com/office/drawing/2014/main" xmlns:a14="http://schemas.microsoft.com/office/drawing/2010/main" val="2736953877"/>
                       </a:ext>
                     </a:extLst>
                   </a:tr>
@@ -15990,7 +15986,7 @@
                     </a:tc>
                     <a:extLst>
                       <a:ext uri="{0D108BD9-81ED-4DB2-BD59-A6C34878D82A}">
-                        <a16:rowId xmlns:a16="http://schemas.microsoft.com/office/drawing/2014/main" xmlns:a14="http://schemas.microsoft.com/office/drawing/2010/main" xmlns="" val="935999974"/>
+                        <a16:rowId xmlns="" xmlns:a16="http://schemas.microsoft.com/office/drawing/2014/main" xmlns:a14="http://schemas.microsoft.com/office/drawing/2010/main" val="935999974"/>
                       </a:ext>
                     </a:extLst>
                   </a:tr>
@@ -16184,7 +16180,7 @@
                     </a:tc>
                     <a:extLst>
                       <a:ext uri="{0D108BD9-81ED-4DB2-BD59-A6C34878D82A}">
-                        <a16:rowId xmlns:a16="http://schemas.microsoft.com/office/drawing/2014/main" xmlns:a14="http://schemas.microsoft.com/office/drawing/2010/main" xmlns="" val="3527595651"/>
+                        <a16:rowId xmlns="" xmlns:a16="http://schemas.microsoft.com/office/drawing/2014/main" xmlns:a14="http://schemas.microsoft.com/office/drawing/2010/main" val="3527595651"/>
                       </a:ext>
                     </a:extLst>
                   </a:tr>
@@ -16378,7 +16374,7 @@
                     </a:tc>
                     <a:extLst>
                       <a:ext uri="{0D108BD9-81ED-4DB2-BD59-A6C34878D82A}">
-                        <a16:rowId xmlns:a16="http://schemas.microsoft.com/office/drawing/2014/main" xmlns:a14="http://schemas.microsoft.com/office/drawing/2010/main" xmlns="" val="2249276370"/>
+                        <a16:rowId xmlns="" xmlns:a16="http://schemas.microsoft.com/office/drawing/2014/main" xmlns:a14="http://schemas.microsoft.com/office/drawing/2010/main" val="2249276370"/>
                       </a:ext>
                     </a:extLst>
                   </a:tr>
@@ -16602,7 +16598,7 @@
                     </a:tc>
                     <a:extLst>
                       <a:ext uri="{0D108BD9-81ED-4DB2-BD59-A6C34878D82A}">
-                        <a16:rowId xmlns:a16="http://schemas.microsoft.com/office/drawing/2014/main" xmlns:a14="http://schemas.microsoft.com/office/drawing/2010/main" xmlns="" val="889951462"/>
+                        <a16:rowId xmlns="" xmlns:a16="http://schemas.microsoft.com/office/drawing/2014/main" xmlns:a14="http://schemas.microsoft.com/office/drawing/2010/main" val="889951462"/>
                       </a:ext>
                     </a:extLst>
                   </a:tr>

--- a/resources/IgFamily.pptx
+++ b/resources/IgFamily.pptx
@@ -114,7 +114,7 @@
   </p:defaultTextStyle>
   <p:extLst>
     <p:ext uri="{EFAFB233-063F-42B5-8137-9DF3F51BA10A}">
-      <p15:sldGuideLst xmlns="" xmlns:p15="http://schemas.microsoft.com/office/powerpoint/2012/main">
+      <p15:sldGuideLst xmlns:p15="http://schemas.microsoft.com/office/powerpoint/2012/main" xmlns="">
         <p15:guide id="1" orient="horz" pos="2880">
           <p15:clr>
             <a:srgbClr val="A4A3A4"/>
@@ -312,7 +312,7 @@
           <a:p>
             <a:fld id="{A1603105-CD7D-46BB-B5E1-D51F2A03682D}" type="datetimeFigureOut">
               <a:rPr lang="en-AU" smtClean="0"/>
-              <a:t>16/11/2016</a:t>
+              <a:t>17/11/2016</a:t>
             </a:fld>
             <a:endParaRPr lang="en-AU"/>
           </a:p>
@@ -482,7 +482,7 @@
           <a:p>
             <a:fld id="{A1603105-CD7D-46BB-B5E1-D51F2A03682D}" type="datetimeFigureOut">
               <a:rPr lang="en-AU" smtClean="0"/>
-              <a:t>16/11/2016</a:t>
+              <a:t>17/11/2016</a:t>
             </a:fld>
             <a:endParaRPr lang="en-AU"/>
           </a:p>
@@ -662,7 +662,7 @@
           <a:p>
             <a:fld id="{A1603105-CD7D-46BB-B5E1-D51F2A03682D}" type="datetimeFigureOut">
               <a:rPr lang="en-AU" smtClean="0"/>
-              <a:t>16/11/2016</a:t>
+              <a:t>17/11/2016</a:t>
             </a:fld>
             <a:endParaRPr lang="en-AU"/>
           </a:p>
@@ -832,7 +832,7 @@
           <a:p>
             <a:fld id="{A1603105-CD7D-46BB-B5E1-D51F2A03682D}" type="datetimeFigureOut">
               <a:rPr lang="en-AU" smtClean="0"/>
-              <a:t>16/11/2016</a:t>
+              <a:t>17/11/2016</a:t>
             </a:fld>
             <a:endParaRPr lang="en-AU"/>
           </a:p>
@@ -1078,7 +1078,7 @@
           <a:p>
             <a:fld id="{A1603105-CD7D-46BB-B5E1-D51F2A03682D}" type="datetimeFigureOut">
               <a:rPr lang="en-AU" smtClean="0"/>
-              <a:t>16/11/2016</a:t>
+              <a:t>17/11/2016</a:t>
             </a:fld>
             <a:endParaRPr lang="en-AU"/>
           </a:p>
@@ -1366,7 +1366,7 @@
           <a:p>
             <a:fld id="{A1603105-CD7D-46BB-B5E1-D51F2A03682D}" type="datetimeFigureOut">
               <a:rPr lang="en-AU" smtClean="0"/>
-              <a:t>16/11/2016</a:t>
+              <a:t>17/11/2016</a:t>
             </a:fld>
             <a:endParaRPr lang="en-AU"/>
           </a:p>
@@ -1788,7 +1788,7 @@
           <a:p>
             <a:fld id="{A1603105-CD7D-46BB-B5E1-D51F2A03682D}" type="datetimeFigureOut">
               <a:rPr lang="en-AU" smtClean="0"/>
-              <a:t>16/11/2016</a:t>
+              <a:t>17/11/2016</a:t>
             </a:fld>
             <a:endParaRPr lang="en-AU"/>
           </a:p>
@@ -1906,7 +1906,7 @@
           <a:p>
             <a:fld id="{A1603105-CD7D-46BB-B5E1-D51F2A03682D}" type="datetimeFigureOut">
               <a:rPr lang="en-AU" smtClean="0"/>
-              <a:t>16/11/2016</a:t>
+              <a:t>17/11/2016</a:t>
             </a:fld>
             <a:endParaRPr lang="en-AU"/>
           </a:p>
@@ -2001,7 +2001,7 @@
           <a:p>
             <a:fld id="{A1603105-CD7D-46BB-B5E1-D51F2A03682D}" type="datetimeFigureOut">
               <a:rPr lang="en-AU" smtClean="0"/>
-              <a:t>16/11/2016</a:t>
+              <a:t>17/11/2016</a:t>
             </a:fld>
             <a:endParaRPr lang="en-AU"/>
           </a:p>
@@ -2278,7 +2278,7 @@
           <a:p>
             <a:fld id="{A1603105-CD7D-46BB-B5E1-D51F2A03682D}" type="datetimeFigureOut">
               <a:rPr lang="en-AU" smtClean="0"/>
-              <a:t>16/11/2016</a:t>
+              <a:t>17/11/2016</a:t>
             </a:fld>
             <a:endParaRPr lang="en-AU"/>
           </a:p>
@@ -2531,7 +2531,7 @@
           <a:p>
             <a:fld id="{A1603105-CD7D-46BB-B5E1-D51F2A03682D}" type="datetimeFigureOut">
               <a:rPr lang="en-AU" smtClean="0"/>
-              <a:t>16/11/2016</a:t>
+              <a:t>17/11/2016</a:t>
             </a:fld>
             <a:endParaRPr lang="en-AU"/>
           </a:p>
@@ -2744,7 +2744,7 @@
           <a:p>
             <a:fld id="{A1603105-CD7D-46BB-B5E1-D51F2A03682D}" type="datetimeFigureOut">
               <a:rPr lang="en-AU" smtClean="0"/>
-              <a:t>16/11/2016</a:t>
+              <a:t>17/11/2016</a:t>
             </a:fld>
             <a:endParaRPr lang="en-AU"/>
           </a:p>
@@ -3509,6 +3509,36 @@
           <a:chExt cx="0" cy="0"/>
         </a:xfrm>
       </p:grpSpPr>
+      <p:pic>
+        <p:nvPicPr>
+          <p:cNvPr id="7" name="Picture 6"/>
+          <p:cNvPicPr>
+            <a:picLocks noChangeAspect="1"/>
+          </p:cNvPicPr>
+          <p:nvPr/>
+        </p:nvPicPr>
+        <p:blipFill>
+          <a:blip r:embed="rId2">
+            <a:extLst>
+              <a:ext uri="{28A0092B-C50C-407E-A947-70E740481C1C}">
+                <a14:useLocalDpi xmlns:a14="http://schemas.microsoft.com/office/drawing/2010/main" val="0"/>
+              </a:ext>
+            </a:extLst>
+          </a:blip>
+          <a:stretch>
+            <a:fillRect/>
+          </a:stretch>
+        </p:blipFill>
+        <p:spPr>
+          <a:xfrm>
+            <a:off x="764705" y="1905565"/>
+            <a:ext cx="1943100" cy="3049320"/>
+          </a:xfrm>
+          <a:prstGeom prst="rect">
+            <a:avLst/>
+          </a:prstGeom>
+        </p:spPr>
+      </p:pic>
       <mc:AlternateContent xmlns:mc="http://schemas.openxmlformats.org/markup-compatibility/2006">
         <mc:Choice xmlns:a14="http://schemas.microsoft.com/office/drawing/2010/main" Requires="a14">
           <p:graphicFrame>
@@ -3520,14 +3550,14 @@
               <p:nvPr>
                 <p:extLst>
                   <p:ext uri="{D42A27DB-BD31-4B8C-83A1-F6EECF244321}">
-                    <p14:modId xmlns:p14="http://schemas.microsoft.com/office/powerpoint/2010/main" val="738995110"/>
+                    <p14:modId xmlns:p14="http://schemas.microsoft.com/office/powerpoint/2010/main" val="3728019651"/>
                   </p:ext>
                 </p:extLst>
               </p:nvPr>
             </p:nvGraphicFramePr>
             <p:xfrm>
-              <a:off x="3289283" y="1691681"/>
-              <a:ext cx="3159127" cy="3342469"/>
+              <a:off x="3289283" y="1657772"/>
+              <a:ext cx="3159127" cy="3420001"/>
             </p:xfrm>
             <a:graphic>
               <a:graphicData uri="http://schemas.openxmlformats.org/drawingml/2006/table">
@@ -3539,40 +3569,40 @@
                     <a:gridCol w="785093">
                       <a:extLst>
                         <a:ext uri="{9D8B030D-6E8A-4147-A177-3AD203B41FA5}">
-                          <a16:colId xmlns="" xmlns:a16="http://schemas.microsoft.com/office/drawing/2014/main" val="2070464311"/>
+                          <a16:colId xmlns:a16="http://schemas.microsoft.com/office/drawing/2014/main" xmlns="" val="2070464311"/>
                         </a:ext>
                       </a:extLst>
                     </a:gridCol>
                     <a:gridCol w="478556">
                       <a:extLst>
                         <a:ext uri="{9D8B030D-6E8A-4147-A177-3AD203B41FA5}">
-                          <a16:colId xmlns="" xmlns:a16="http://schemas.microsoft.com/office/drawing/2014/main" val="2814482158"/>
+                          <a16:colId xmlns:a16="http://schemas.microsoft.com/office/drawing/2014/main" xmlns="" val="2814482158"/>
                         </a:ext>
                       </a:extLst>
                     </a:gridCol>
                     <a:gridCol w="631826">
                       <a:extLst>
                         <a:ext uri="{9D8B030D-6E8A-4147-A177-3AD203B41FA5}">
-                          <a16:colId xmlns="" xmlns:a16="http://schemas.microsoft.com/office/drawing/2014/main" val="3449075261"/>
+                          <a16:colId xmlns:a16="http://schemas.microsoft.com/office/drawing/2014/main" xmlns="" val="3449075261"/>
                         </a:ext>
                       </a:extLst>
                     </a:gridCol>
                     <a:gridCol w="631826">
                       <a:extLst>
                         <a:ext uri="{9D8B030D-6E8A-4147-A177-3AD203B41FA5}">
-                          <a16:colId xmlns="" xmlns:a16="http://schemas.microsoft.com/office/drawing/2014/main" val="1813670796"/>
+                          <a16:colId xmlns:a16="http://schemas.microsoft.com/office/drawing/2014/main" xmlns="" val="1813670796"/>
                         </a:ext>
                       </a:extLst>
                     </a:gridCol>
                     <a:gridCol w="631826">
                       <a:extLst>
                         <a:ext uri="{9D8B030D-6E8A-4147-A177-3AD203B41FA5}">
-                          <a16:colId xmlns="" xmlns:a16="http://schemas.microsoft.com/office/drawing/2014/main" val="1994465920"/>
+                          <a16:colId xmlns:a16="http://schemas.microsoft.com/office/drawing/2014/main" xmlns="" val="1994465920"/>
                         </a:ext>
                       </a:extLst>
                     </a:gridCol>
                   </a:tblGrid>
-                  <a:tr h="504055">
+                  <a:tr h="585406">
                     <a:tc>
                       <a:txBody>
                         <a:bodyPr/>
@@ -4157,11 +4187,11 @@
                     </a:tc>
                     <a:extLst>
                       <a:ext uri="{0D108BD9-81ED-4DB2-BD59-A6C34878D82A}">
-                        <a16:rowId xmlns="" xmlns:a16="http://schemas.microsoft.com/office/drawing/2014/main" val="3176941515"/>
+                        <a16:rowId xmlns:a16="http://schemas.microsoft.com/office/drawing/2014/main" xmlns="" val="3176941515"/>
                       </a:ext>
                     </a:extLst>
                   </a:tr>
-                  <a:tr h="249252">
+                  <a:tr h="314955">
                     <a:tc>
                       <a:txBody>
                         <a:bodyPr/>
@@ -4392,11 +4422,11 @@
                     </a:tc>
                     <a:extLst>
                       <a:ext uri="{0D108BD9-81ED-4DB2-BD59-A6C34878D82A}">
-                        <a16:rowId xmlns="" xmlns:a16="http://schemas.microsoft.com/office/drawing/2014/main" val="2673339703"/>
+                        <a16:rowId xmlns:a16="http://schemas.microsoft.com/office/drawing/2014/main" xmlns="" val="2673339703"/>
                       </a:ext>
                     </a:extLst>
                   </a:tr>
-                  <a:tr h="378953">
+                  <a:tr h="314955">
                     <a:tc>
                       <a:txBody>
                         <a:bodyPr/>
@@ -4515,9 +4545,10 @@
                         <a:p>
                           <a:pPr algn="ctr"/>
                           <a:r>
-                            <a:rPr lang="en-AU" sz="900" dirty="0"/>
-                            <a:t>0.739</a:t>
-                          </a:r>
+                            <a:rPr lang="en-AU" sz="900" dirty="0" smtClean="0"/>
+                            <a:t>0.729</a:t>
+                          </a:r>
+                          <a:endParaRPr lang="en-AU" sz="900" dirty="0"/>
                         </a:p>
                       </a:txBody>
                       <a:tcPr anchor="ctr">
@@ -4586,11 +4617,11 @@
                     </a:tc>
                     <a:extLst>
                       <a:ext uri="{0D108BD9-81ED-4DB2-BD59-A6C34878D82A}">
-                        <a16:rowId xmlns="" xmlns:a16="http://schemas.microsoft.com/office/drawing/2014/main" val="2736953877"/>
+                        <a16:rowId xmlns:a16="http://schemas.microsoft.com/office/drawing/2014/main" xmlns="" val="2736953877"/>
                       </a:ext>
                     </a:extLst>
                   </a:tr>
-                  <a:tr h="249252">
+                  <a:tr h="314955">
                     <a:tc>
                       <a:txBody>
                         <a:bodyPr/>
@@ -4791,11 +4822,11 @@
                     </a:tc>
                     <a:extLst>
                       <a:ext uri="{0D108BD9-81ED-4DB2-BD59-A6C34878D82A}">
-                        <a16:rowId xmlns="" xmlns:a16="http://schemas.microsoft.com/office/drawing/2014/main" val="935999974"/>
+                        <a16:rowId xmlns:a16="http://schemas.microsoft.com/office/drawing/2014/main" xmlns="" val="935999974"/>
                       </a:ext>
                     </a:extLst>
                   </a:tr>
-                  <a:tr h="378953">
+                  <a:tr h="314955">
                     <a:tc>
                       <a:txBody>
                         <a:bodyPr/>
@@ -4987,11 +5018,201 @@
                     </a:tc>
                     <a:extLst>
                       <a:ext uri="{0D108BD9-81ED-4DB2-BD59-A6C34878D82A}">
-                        <a16:rowId xmlns="" xmlns:a16="http://schemas.microsoft.com/office/drawing/2014/main" val="3527595651"/>
+                        <a16:rowId xmlns:a16="http://schemas.microsoft.com/office/drawing/2014/main" xmlns="" val="3527595651"/>
                       </a:ext>
                     </a:extLst>
                   </a:tr>
-                  <a:tr h="221902">
+                  <a:tr h="314955">
+                    <a:tc>
+                      <a:txBody>
+                        <a:bodyPr/>
+                        <a:lstStyle/>
+                        <a:p>
+                          <a:pPr algn="ctr"/>
+                          <a:r>
+                            <a:rPr lang="en-AU" sz="900" dirty="0"/>
+                            <a:t>YSQNFQGR</a:t>
+                          </a:r>
+                        </a:p>
+                      </a:txBody>
+                      <a:tcPr anchor="ctr">
+                        <a:lnL w="12700" cap="flat" cmpd="sng" algn="ctr">
+                          <a:solidFill>
+                            <a:schemeClr val="tx1"/>
+                          </a:solidFill>
+                          <a:prstDash val="solid"/>
+                          <a:round/>
+                          <a:headEnd type="none" w="med" len="med"/>
+                          <a:tailEnd type="none" w="med" len="med"/>
+                        </a:lnL>
+                        <a:lnR>
+                          <a:noFill/>
+                        </a:lnR>
+                        <a:lnT>
+                          <a:noFill/>
+                        </a:lnT>
+                        <a:lnB>
+                          <a:noFill/>
+                        </a:lnB>
+                        <a:lnTlToBr w="12700" cmpd="sng">
+                          <a:noFill/>
+                          <a:prstDash val="solid"/>
+                        </a:lnTlToBr>
+                        <a:lnBlToTr w="12700" cmpd="sng">
+                          <a:noFill/>
+                          <a:prstDash val="solid"/>
+                        </a:lnBlToTr>
+                      </a:tcPr>
+                    </a:tc>
+                    <a:tc>
+                      <a:txBody>
+                        <a:bodyPr/>
+                        <a:lstStyle/>
+                        <a:p>
+                          <a:pPr algn="ctr"/>
+                          <a:r>
+                            <a:rPr lang="en-AU" sz="900" dirty="0"/>
+                            <a:t>2</a:t>
+                          </a:r>
+                        </a:p>
+                      </a:txBody>
+                      <a:tcPr anchor="ctr">
+                        <a:lnL>
+                          <a:noFill/>
+                        </a:lnL>
+                        <a:lnR>
+                          <a:noFill/>
+                        </a:lnR>
+                        <a:lnT>
+                          <a:noFill/>
+                        </a:lnT>
+                        <a:lnB>
+                          <a:noFill/>
+                        </a:lnB>
+                        <a:lnTlToBr w="12700" cmpd="sng">
+                          <a:noFill/>
+                          <a:prstDash val="solid"/>
+                        </a:lnTlToBr>
+                        <a:lnBlToTr w="12700" cmpd="sng">
+                          <a:noFill/>
+                          <a:prstDash val="solid"/>
+                        </a:lnBlToTr>
+                      </a:tcPr>
+                    </a:tc>
+                    <a:tc>
+                      <a:txBody>
+                        <a:bodyPr/>
+                        <a:lstStyle/>
+                        <a:p>
+                          <a:pPr algn="ctr"/>
+                          <a:r>
+                            <a:rPr lang="en-AU" sz="900" dirty="0"/>
+                            <a:t>2</a:t>
+                          </a:r>
+                        </a:p>
+                      </a:txBody>
+                      <a:tcPr anchor="ctr">
+                        <a:lnL>
+                          <a:noFill/>
+                        </a:lnL>
+                        <a:lnR>
+                          <a:noFill/>
+                        </a:lnR>
+                        <a:lnT>
+                          <a:noFill/>
+                        </a:lnT>
+                        <a:lnB>
+                          <a:noFill/>
+                        </a:lnB>
+                        <a:lnTlToBr w="12700" cmpd="sng">
+                          <a:noFill/>
+                          <a:prstDash val="solid"/>
+                        </a:lnTlToBr>
+                        <a:lnBlToTr w="12700" cmpd="sng">
+                          <a:noFill/>
+                          <a:prstDash val="solid"/>
+                        </a:lnBlToTr>
+                      </a:tcPr>
+                    </a:tc>
+                    <a:tc>
+                      <a:txBody>
+                        <a:bodyPr/>
+                        <a:lstStyle/>
+                        <a:p>
+                          <a:pPr algn="ctr"/>
+                          <a:r>
+                            <a:rPr lang="en-AU" sz="900" dirty="0" smtClean="0"/>
+                            <a:t>0.512</a:t>
+                          </a:r>
+                          <a:endParaRPr lang="en-AU" sz="900" dirty="0"/>
+                        </a:p>
+                      </a:txBody>
+                      <a:tcPr anchor="ctr">
+                        <a:lnL>
+                          <a:noFill/>
+                        </a:lnL>
+                        <a:lnR>
+                          <a:noFill/>
+                        </a:lnR>
+                        <a:lnT>
+                          <a:noFill/>
+                        </a:lnT>
+                        <a:lnB>
+                          <a:noFill/>
+                        </a:lnB>
+                        <a:lnTlToBr w="12700" cmpd="sng">
+                          <a:noFill/>
+                          <a:prstDash val="solid"/>
+                        </a:lnTlToBr>
+                        <a:lnBlToTr w="12700" cmpd="sng">
+                          <a:noFill/>
+                          <a:prstDash val="solid"/>
+                        </a:lnBlToTr>
+                      </a:tcPr>
+                    </a:tc>
+                    <a:tc>
+                      <a:txBody>
+                        <a:bodyPr/>
+                        <a:lstStyle/>
+                        <a:p>
+                          <a:pPr algn="ctr"/>
+                          <a:r>
+                            <a:rPr lang="en-AU" sz="900" dirty="0"/>
+                            <a:t>0.012</a:t>
+                          </a:r>
+                        </a:p>
+                      </a:txBody>
+                      <a:tcPr anchor="ctr">
+                        <a:lnL>
+                          <a:noFill/>
+                        </a:lnL>
+                        <a:lnR w="12700" cap="flat" cmpd="sng" algn="ctr">
+                          <a:solidFill>
+                            <a:schemeClr val="tx1"/>
+                          </a:solidFill>
+                          <a:prstDash val="solid"/>
+                          <a:round/>
+                          <a:headEnd type="none" w="med" len="med"/>
+                          <a:tailEnd type="none" w="med" len="med"/>
+                        </a:lnR>
+                        <a:lnT>
+                          <a:noFill/>
+                        </a:lnT>
+                        <a:lnB>
+                          <a:noFill/>
+                        </a:lnB>
+                        <a:lnTlToBr w="12700" cmpd="sng">
+                          <a:noFill/>
+                          <a:prstDash val="solid"/>
+                        </a:lnTlToBr>
+                        <a:lnBlToTr w="12700" cmpd="sng">
+                          <a:noFill/>
+                          <a:prstDash val="solid"/>
+                        </a:lnBlToTr>
+                      </a:tcPr>
+                    </a:tc>
+                  </a:tr>
+                  <a:tr h="314955">
                     <a:tc>
                       <a:txBody>
                         <a:bodyPr/>
@@ -5183,11 +5404,11 @@
                     </a:tc>
                     <a:extLst>
                       <a:ext uri="{0D108BD9-81ED-4DB2-BD59-A6C34878D82A}">
-                        <a16:rowId xmlns="" xmlns:a16="http://schemas.microsoft.com/office/drawing/2014/main" val="2500584138"/>
+                        <a16:rowId xmlns:a16="http://schemas.microsoft.com/office/drawing/2014/main" xmlns="" val="2500584138"/>
                       </a:ext>
                     </a:extLst>
                   </a:tr>
-                  <a:tr h="297749">
+                  <a:tr h="314955">
                     <a:tc>
                       <a:txBody>
                         <a:bodyPr/>
@@ -5379,11 +5600,11 @@
                     </a:tc>
                     <a:extLst>
                       <a:ext uri="{0D108BD9-81ED-4DB2-BD59-A6C34878D82A}">
-                        <a16:rowId xmlns="" xmlns:a16="http://schemas.microsoft.com/office/drawing/2014/main" val="1644191295"/>
+                        <a16:rowId xmlns:a16="http://schemas.microsoft.com/office/drawing/2014/main" xmlns="" val="1644191295"/>
                       </a:ext>
                     </a:extLst>
                   </a:tr>
-                  <a:tr h="297749">
+                  <a:tr h="314955">
                     <a:tc>
                       <a:txBody>
                         <a:bodyPr/>
@@ -5575,11 +5796,11 @@
                     </a:tc>
                     <a:extLst>
                       <a:ext uri="{0D108BD9-81ED-4DB2-BD59-A6C34878D82A}">
-                        <a16:rowId xmlns="" xmlns:a16="http://schemas.microsoft.com/office/drawing/2014/main" val="2249276370"/>
+                        <a16:rowId xmlns:a16="http://schemas.microsoft.com/office/drawing/2014/main" xmlns="" val="2249276370"/>
                       </a:ext>
                     </a:extLst>
                   </a:tr>
-                  <a:tr h="378953">
+                  <a:tr h="314955">
                     <a:tc>
                       <a:txBody>
                         <a:bodyPr/>
@@ -5588,7 +5809,7 @@
                           <a:pPr algn="ctr"/>
                           <a:r>
                             <a:rPr lang="en-AU" sz="900" dirty="0"/>
-                            <a:t>YSQNFQGR</a:t>
+                            <a:t>YAQNFQDR</a:t>
                           </a:r>
                         </a:p>
                       </a:txBody>
@@ -5608,8 +5829,55 @@
                         <a:lnT>
                           <a:noFill/>
                         </a:lnT>
-                        <a:lnB>
-                          <a:noFill/>
+                        <a:lnB w="12700" cap="flat" cmpd="sng" algn="ctr">
+                          <a:solidFill>
+                            <a:schemeClr val="tx1"/>
+                          </a:solidFill>
+                          <a:prstDash val="solid"/>
+                          <a:round/>
+                          <a:headEnd type="none" w="med" len="med"/>
+                          <a:tailEnd type="none" w="med" len="med"/>
+                        </a:lnB>
+                        <a:lnTlToBr w="12700" cmpd="sng">
+                          <a:noFill/>
+                          <a:prstDash val="solid"/>
+                        </a:lnTlToBr>
+                        <a:lnBlToTr w="12700" cmpd="sng">
+                          <a:noFill/>
+                          <a:prstDash val="solid"/>
+                        </a:lnBlToTr>
+                      </a:tcPr>
+                    </a:tc>
+                    <a:tc>
+                      <a:txBody>
+                        <a:bodyPr/>
+                        <a:lstStyle/>
+                        <a:p>
+                          <a:pPr algn="ctr"/>
+                          <a:r>
+                            <a:rPr lang="en-AU" sz="900" dirty="0"/>
+                            <a:t>5</a:t>
+                          </a:r>
+                        </a:p>
+                      </a:txBody>
+                      <a:tcPr anchor="ctr">
+                        <a:lnL>
+                          <a:noFill/>
+                        </a:lnL>
+                        <a:lnR>
+                          <a:noFill/>
+                        </a:lnR>
+                        <a:lnT>
+                          <a:noFill/>
+                        </a:lnT>
+                        <a:lnB w="12700" cap="flat" cmpd="sng" algn="ctr">
+                          <a:solidFill>
+                            <a:schemeClr val="tx1"/>
+                          </a:solidFill>
+                          <a:prstDash val="solid"/>
+                          <a:round/>
+                          <a:headEnd type="none" w="med" len="med"/>
+                          <a:tailEnd type="none" w="med" len="med"/>
                         </a:lnB>
                         <a:lnTlToBr w="12700" cmpd="sng">
                           <a:noFill/>
@@ -5643,8 +5911,56 @@
                         <a:lnT>
                           <a:noFill/>
                         </a:lnT>
-                        <a:lnB>
-                          <a:noFill/>
+                        <a:lnB w="12700" cap="flat" cmpd="sng" algn="ctr">
+                          <a:solidFill>
+                            <a:schemeClr val="tx1"/>
+                          </a:solidFill>
+                          <a:prstDash val="solid"/>
+                          <a:round/>
+                          <a:headEnd type="none" w="med" len="med"/>
+                          <a:tailEnd type="none" w="med" len="med"/>
+                        </a:lnB>
+                        <a:lnTlToBr w="12700" cmpd="sng">
+                          <a:noFill/>
+                          <a:prstDash val="solid"/>
+                        </a:lnTlToBr>
+                        <a:lnBlToTr w="12700" cmpd="sng">
+                          <a:noFill/>
+                          <a:prstDash val="solid"/>
+                        </a:lnBlToTr>
+                      </a:tcPr>
+                    </a:tc>
+                    <a:tc>
+                      <a:txBody>
+                        <a:bodyPr/>
+                        <a:lstStyle/>
+                        <a:p>
+                          <a:pPr algn="ctr"/>
+                          <a:r>
+                            <a:rPr lang="en-AU" sz="900" dirty="0" smtClean="0"/>
+                            <a:t>0.139</a:t>
+                          </a:r>
+                          <a:endParaRPr lang="en-AU" sz="900" dirty="0"/>
+                        </a:p>
+                      </a:txBody>
+                      <a:tcPr anchor="ctr">
+                        <a:lnL>
+                          <a:noFill/>
+                        </a:lnL>
+                        <a:lnR>
+                          <a:noFill/>
+                        </a:lnR>
+                        <a:lnT>
+                          <a:noFill/>
+                        </a:lnT>
+                        <a:lnB w="12700" cap="flat" cmpd="sng" algn="ctr">
+                          <a:solidFill>
+                            <a:schemeClr val="tx1"/>
+                          </a:solidFill>
+                          <a:prstDash val="solid"/>
+                          <a:round/>
+                          <a:headEnd type="none" w="med" len="med"/>
+                          <a:tailEnd type="none" w="med" len="med"/>
                         </a:lnB>
                         <a:lnTlToBr w="12700" cmpd="sng">
                           <a:noFill/>
@@ -5664,77 +5980,7 @@
                           <a:pPr algn="ctr"/>
                           <a:r>
                             <a:rPr lang="en-AU" sz="900" dirty="0"/>
-                            <a:t>2</a:t>
-                          </a:r>
-                        </a:p>
-                      </a:txBody>
-                      <a:tcPr anchor="ctr">
-                        <a:lnL>
-                          <a:noFill/>
-                        </a:lnL>
-                        <a:lnR>
-                          <a:noFill/>
-                        </a:lnR>
-                        <a:lnT>
-                          <a:noFill/>
-                        </a:lnT>
-                        <a:lnB>
-                          <a:noFill/>
-                        </a:lnB>
-                        <a:lnTlToBr w="12700" cmpd="sng">
-                          <a:noFill/>
-                          <a:prstDash val="solid"/>
-                        </a:lnTlToBr>
-                        <a:lnBlToTr w="12700" cmpd="sng">
-                          <a:noFill/>
-                          <a:prstDash val="solid"/>
-                        </a:lnBlToTr>
-                      </a:tcPr>
-                    </a:tc>
-                    <a:tc>
-                      <a:txBody>
-                        <a:bodyPr/>
-                        <a:lstStyle/>
-                        <a:p>
-                          <a:pPr algn="ctr"/>
-                          <a:r>
-                            <a:rPr lang="en-AU" sz="900" dirty="0"/>
-                            <a:t>0.486</a:t>
-                          </a:r>
-                        </a:p>
-                      </a:txBody>
-                      <a:tcPr anchor="ctr">
-                        <a:lnL>
-                          <a:noFill/>
-                        </a:lnL>
-                        <a:lnR>
-                          <a:noFill/>
-                        </a:lnR>
-                        <a:lnT>
-                          <a:noFill/>
-                        </a:lnT>
-                        <a:lnB>
-                          <a:noFill/>
-                        </a:lnB>
-                        <a:lnTlToBr w="12700" cmpd="sng">
-                          <a:noFill/>
-                          <a:prstDash val="solid"/>
-                        </a:lnTlToBr>
-                        <a:lnBlToTr w="12700" cmpd="sng">
-                          <a:noFill/>
-                          <a:prstDash val="solid"/>
-                        </a:lnBlToTr>
-                      </a:tcPr>
-                    </a:tc>
-                    <a:tc>
-                      <a:txBody>
-                        <a:bodyPr/>
-                        <a:lstStyle/>
-                        <a:p>
-                          <a:pPr algn="ctr"/>
-                          <a:r>
-                            <a:rPr lang="en-AU" sz="900" dirty="0"/>
-                            <a:t>0.012</a:t>
+                            <a:t>0.014</a:t>
                           </a:r>
                         </a:p>
                       </a:txBody>
@@ -5754,8 +6000,14 @@
                         <a:lnT>
                           <a:noFill/>
                         </a:lnT>
-                        <a:lnB>
-                          <a:noFill/>
+                        <a:lnB w="12700" cap="flat" cmpd="sng" algn="ctr">
+                          <a:solidFill>
+                            <a:schemeClr val="tx1"/>
+                          </a:solidFill>
+                          <a:prstDash val="solid"/>
+                          <a:round/>
+                          <a:headEnd type="none" w="med" len="med"/>
+                          <a:tailEnd type="none" w="med" len="med"/>
                         </a:lnB>
                         <a:lnTlToBr w="12700" cmpd="sng">
                           <a:noFill/>
@@ -5769,231 +6021,7 @@
                     </a:tc>
                     <a:extLst>
                       <a:ext uri="{0D108BD9-81ED-4DB2-BD59-A6C34878D82A}">
-                        <a16:rowId xmlns="" xmlns:a16="http://schemas.microsoft.com/office/drawing/2014/main" val="889951462"/>
-                      </a:ext>
-                    </a:extLst>
-                  </a:tr>
-                  <a:tr h="378953">
-                    <a:tc>
-                      <a:txBody>
-                        <a:bodyPr/>
-                        <a:lstStyle/>
-                        <a:p>
-                          <a:pPr algn="ctr"/>
-                          <a:r>
-                            <a:rPr lang="en-AU" sz="900" dirty="0"/>
-                            <a:t>YAQNFQDR</a:t>
-                          </a:r>
-                        </a:p>
-                      </a:txBody>
-                      <a:tcPr anchor="ctr">
-                        <a:lnL w="12700" cap="flat" cmpd="sng" algn="ctr">
-                          <a:solidFill>
-                            <a:schemeClr val="tx1"/>
-                          </a:solidFill>
-                          <a:prstDash val="solid"/>
-                          <a:round/>
-                          <a:headEnd type="none" w="med" len="med"/>
-                          <a:tailEnd type="none" w="med" len="med"/>
-                        </a:lnL>
-                        <a:lnR>
-                          <a:noFill/>
-                        </a:lnR>
-                        <a:lnT>
-                          <a:noFill/>
-                        </a:lnT>
-                        <a:lnB w="12700" cap="flat" cmpd="sng" algn="ctr">
-                          <a:solidFill>
-                            <a:schemeClr val="tx1"/>
-                          </a:solidFill>
-                          <a:prstDash val="solid"/>
-                          <a:round/>
-                          <a:headEnd type="none" w="med" len="med"/>
-                          <a:tailEnd type="none" w="med" len="med"/>
-                        </a:lnB>
-                        <a:lnTlToBr w="12700" cmpd="sng">
-                          <a:noFill/>
-                          <a:prstDash val="solid"/>
-                        </a:lnTlToBr>
-                        <a:lnBlToTr w="12700" cmpd="sng">
-                          <a:noFill/>
-                          <a:prstDash val="solid"/>
-                        </a:lnBlToTr>
-                      </a:tcPr>
-                    </a:tc>
-                    <a:tc>
-                      <a:txBody>
-                        <a:bodyPr/>
-                        <a:lstStyle/>
-                        <a:p>
-                          <a:pPr algn="ctr"/>
-                          <a:r>
-                            <a:rPr lang="en-AU" sz="900" dirty="0"/>
-                            <a:t>5</a:t>
-                          </a:r>
-                        </a:p>
-                      </a:txBody>
-                      <a:tcPr anchor="ctr">
-                        <a:lnL>
-                          <a:noFill/>
-                        </a:lnL>
-                        <a:lnR>
-                          <a:noFill/>
-                        </a:lnR>
-                        <a:lnT>
-                          <a:noFill/>
-                        </a:lnT>
-                        <a:lnB w="12700" cap="flat" cmpd="sng" algn="ctr">
-                          <a:solidFill>
-                            <a:schemeClr val="tx1"/>
-                          </a:solidFill>
-                          <a:prstDash val="solid"/>
-                          <a:round/>
-                          <a:headEnd type="none" w="med" len="med"/>
-                          <a:tailEnd type="none" w="med" len="med"/>
-                        </a:lnB>
-                        <a:lnTlToBr w="12700" cmpd="sng">
-                          <a:noFill/>
-                          <a:prstDash val="solid"/>
-                        </a:lnTlToBr>
-                        <a:lnBlToTr w="12700" cmpd="sng">
-                          <a:noFill/>
-                          <a:prstDash val="solid"/>
-                        </a:lnBlToTr>
-                      </a:tcPr>
-                    </a:tc>
-                    <a:tc>
-                      <a:txBody>
-                        <a:bodyPr/>
-                        <a:lstStyle/>
-                        <a:p>
-                          <a:pPr algn="ctr"/>
-                          <a:r>
-                            <a:rPr lang="en-AU" sz="900" dirty="0"/>
-                            <a:t>2</a:t>
-                          </a:r>
-                        </a:p>
-                      </a:txBody>
-                      <a:tcPr anchor="ctr">
-                        <a:lnL>
-                          <a:noFill/>
-                        </a:lnL>
-                        <a:lnR>
-                          <a:noFill/>
-                        </a:lnR>
-                        <a:lnT>
-                          <a:noFill/>
-                        </a:lnT>
-                        <a:lnB w="12700" cap="flat" cmpd="sng" algn="ctr">
-                          <a:solidFill>
-                            <a:schemeClr val="tx1"/>
-                          </a:solidFill>
-                          <a:prstDash val="solid"/>
-                          <a:round/>
-                          <a:headEnd type="none" w="med" len="med"/>
-                          <a:tailEnd type="none" w="med" len="med"/>
-                        </a:lnB>
-                        <a:lnTlToBr w="12700" cmpd="sng">
-                          <a:noFill/>
-                          <a:prstDash val="solid"/>
-                        </a:lnTlToBr>
-                        <a:lnBlToTr w="12700" cmpd="sng">
-                          <a:noFill/>
-                          <a:prstDash val="solid"/>
-                        </a:lnBlToTr>
-                      </a:tcPr>
-                    </a:tc>
-                    <a:tc>
-                      <a:txBody>
-                        <a:bodyPr/>
-                        <a:lstStyle/>
-                        <a:p>
-                          <a:pPr algn="ctr"/>
-                          <a:r>
-                            <a:rPr lang="en-AU" sz="900" dirty="0"/>
-                            <a:t>0.154</a:t>
-                          </a:r>
-                        </a:p>
-                      </a:txBody>
-                      <a:tcPr anchor="ctr">
-                        <a:lnL>
-                          <a:noFill/>
-                        </a:lnL>
-                        <a:lnR>
-                          <a:noFill/>
-                        </a:lnR>
-                        <a:lnT>
-                          <a:noFill/>
-                        </a:lnT>
-                        <a:lnB w="12700" cap="flat" cmpd="sng" algn="ctr">
-                          <a:solidFill>
-                            <a:schemeClr val="tx1"/>
-                          </a:solidFill>
-                          <a:prstDash val="solid"/>
-                          <a:round/>
-                          <a:headEnd type="none" w="med" len="med"/>
-                          <a:tailEnd type="none" w="med" len="med"/>
-                        </a:lnB>
-                        <a:lnTlToBr w="12700" cmpd="sng">
-                          <a:noFill/>
-                          <a:prstDash val="solid"/>
-                        </a:lnTlToBr>
-                        <a:lnBlToTr w="12700" cmpd="sng">
-                          <a:noFill/>
-                          <a:prstDash val="solid"/>
-                        </a:lnBlToTr>
-                      </a:tcPr>
-                    </a:tc>
-                    <a:tc>
-                      <a:txBody>
-                        <a:bodyPr/>
-                        <a:lstStyle/>
-                        <a:p>
-                          <a:pPr algn="ctr"/>
-                          <a:r>
-                            <a:rPr lang="en-AU" sz="900" dirty="0"/>
-                            <a:t>0.014</a:t>
-                          </a:r>
-                        </a:p>
-                      </a:txBody>
-                      <a:tcPr anchor="ctr">
-                        <a:lnL>
-                          <a:noFill/>
-                        </a:lnL>
-                        <a:lnR w="12700" cap="flat" cmpd="sng" algn="ctr">
-                          <a:solidFill>
-                            <a:schemeClr val="tx1"/>
-                          </a:solidFill>
-                          <a:prstDash val="solid"/>
-                          <a:round/>
-                          <a:headEnd type="none" w="med" len="med"/>
-                          <a:tailEnd type="none" w="med" len="med"/>
-                        </a:lnR>
-                        <a:lnT>
-                          <a:noFill/>
-                        </a:lnT>
-                        <a:lnB w="12700" cap="flat" cmpd="sng" algn="ctr">
-                          <a:solidFill>
-                            <a:schemeClr val="tx1"/>
-                          </a:solidFill>
-                          <a:prstDash val="solid"/>
-                          <a:round/>
-                          <a:headEnd type="none" w="med" len="med"/>
-                          <a:tailEnd type="none" w="med" len="med"/>
-                        </a:lnB>
-                        <a:lnTlToBr w="12700" cmpd="sng">
-                          <a:noFill/>
-                          <a:prstDash val="solid"/>
-                        </a:lnTlToBr>
-                        <a:lnBlToTr w="12700" cmpd="sng">
-                          <a:noFill/>
-                          <a:prstDash val="solid"/>
-                        </a:lnBlToTr>
-                      </a:tcPr>
-                    </a:tc>
-                    <a:extLst>
-                      <a:ext uri="{0D108BD9-81ED-4DB2-BD59-A6C34878D82A}">
-                        <a16:rowId xmlns="" xmlns:a16="http://schemas.microsoft.com/office/drawing/2014/main" val="141707935"/>
+                        <a16:rowId xmlns:a16="http://schemas.microsoft.com/office/drawing/2014/main" xmlns="" val="141707935"/>
                       </a:ext>
                     </a:extLst>
                   </a:tr>
@@ -6012,14 +6040,14 @@
               <p:nvPr>
                 <p:extLst>
                   <p:ext uri="{D42A27DB-BD31-4B8C-83A1-F6EECF244321}">
-                    <p14:modId xmlns:p14="http://schemas.microsoft.com/office/powerpoint/2010/main" val="738995110"/>
+                    <p14:modId xmlns:p14="http://schemas.microsoft.com/office/powerpoint/2010/main" val="3728019651"/>
                   </p:ext>
                 </p:extLst>
               </p:nvPr>
             </p:nvGraphicFramePr>
             <p:xfrm>
-              <a:off x="3289283" y="1691681"/>
-              <a:ext cx="3159127" cy="3342469"/>
+              <a:off x="3289283" y="1657772"/>
+              <a:ext cx="3159127" cy="3420001"/>
             </p:xfrm>
             <a:graphic>
               <a:graphicData uri="http://schemas.openxmlformats.org/drawingml/2006/table">
@@ -6031,40 +6059,40 @@
                     <a:gridCol w="785093">
                       <a:extLst>
                         <a:ext uri="{9D8B030D-6E8A-4147-A177-3AD203B41FA5}">
-                          <a16:colId xmlns="" xmlns:a16="http://schemas.microsoft.com/office/drawing/2014/main" xmlns:a14="http://schemas.microsoft.com/office/drawing/2010/main" val="2070464311"/>
+                          <a16:colId xmlns:a16="http://schemas.microsoft.com/office/drawing/2014/main" xmlns="" xmlns:a14="http://schemas.microsoft.com/office/drawing/2010/main" val="2070464311"/>
                         </a:ext>
                       </a:extLst>
                     </a:gridCol>
                     <a:gridCol w="478556">
                       <a:extLst>
                         <a:ext uri="{9D8B030D-6E8A-4147-A177-3AD203B41FA5}">
-                          <a16:colId xmlns="" xmlns:a16="http://schemas.microsoft.com/office/drawing/2014/main" xmlns:a14="http://schemas.microsoft.com/office/drawing/2010/main" val="2814482158"/>
+                          <a16:colId xmlns:a16="http://schemas.microsoft.com/office/drawing/2014/main" xmlns="" xmlns:a14="http://schemas.microsoft.com/office/drawing/2010/main" val="2814482158"/>
                         </a:ext>
                       </a:extLst>
                     </a:gridCol>
                     <a:gridCol w="631826">
                       <a:extLst>
                         <a:ext uri="{9D8B030D-6E8A-4147-A177-3AD203B41FA5}">
-                          <a16:colId xmlns="" xmlns:a16="http://schemas.microsoft.com/office/drawing/2014/main" xmlns:a14="http://schemas.microsoft.com/office/drawing/2010/main" val="3449075261"/>
+                          <a16:colId xmlns:a16="http://schemas.microsoft.com/office/drawing/2014/main" xmlns="" xmlns:a14="http://schemas.microsoft.com/office/drawing/2010/main" val="3449075261"/>
                         </a:ext>
                       </a:extLst>
                     </a:gridCol>
                     <a:gridCol w="631826">
                       <a:extLst>
                         <a:ext uri="{9D8B030D-6E8A-4147-A177-3AD203B41FA5}">
-                          <a16:colId xmlns="" xmlns:a16="http://schemas.microsoft.com/office/drawing/2014/main" xmlns:a14="http://schemas.microsoft.com/office/drawing/2010/main" val="1813670796"/>
+                          <a16:colId xmlns:a16="http://schemas.microsoft.com/office/drawing/2014/main" xmlns="" xmlns:a14="http://schemas.microsoft.com/office/drawing/2010/main" val="1813670796"/>
                         </a:ext>
                       </a:extLst>
                     </a:gridCol>
                     <a:gridCol w="631826">
                       <a:extLst>
                         <a:ext uri="{9D8B030D-6E8A-4147-A177-3AD203B41FA5}">
-                          <a16:colId xmlns="" xmlns:a16="http://schemas.microsoft.com/office/drawing/2014/main" xmlns:a14="http://schemas.microsoft.com/office/drawing/2010/main" val="1994465920"/>
+                          <a16:colId xmlns:a16="http://schemas.microsoft.com/office/drawing/2014/main" xmlns="" xmlns:a14="http://schemas.microsoft.com/office/drawing/2010/main" val="1994465920"/>
                         </a:ext>
                       </a:extLst>
                     </a:gridCol>
                   </a:tblGrid>
-                  <a:tr h="504055">
+                  <a:tr h="585406">
                     <a:tc>
                       <a:txBody>
                         <a:bodyPr/>
@@ -6113,9 +6141,9 @@
                           <a:prstDash val="solid"/>
                         </a:lnBlToTr>
                         <a:blipFill rotWithShape="1">
-                          <a:blip r:embed="rId2"/>
+                          <a:blip r:embed="rId3"/>
                           <a:stretch>
-                            <a:fillRect l="-775" t="-1205" r="-301550" b="-560241"/>
+                            <a:fillRect l="-775" t="-1042" r="-301550" b="-484375"/>
                           </a:stretch>
                         </a:blipFill>
                       </a:tcPr>
@@ -6162,9 +6190,9 @@
                           <a:prstDash val="solid"/>
                         </a:lnBlToTr>
                         <a:blipFill rotWithShape="1">
-                          <a:blip r:embed="rId2"/>
+                          <a:blip r:embed="rId3"/>
                           <a:stretch>
-                            <a:fillRect l="-166667" t="-1205" r="-398718" b="-560241"/>
+                            <a:fillRect l="-166667" t="-1042" r="-398718" b="-484375"/>
                           </a:stretch>
                         </a:blipFill>
                       </a:tcPr>
@@ -6211,9 +6239,9 @@
                           <a:prstDash val="solid"/>
                         </a:lnBlToTr>
                         <a:blipFill rotWithShape="1">
-                          <a:blip r:embed="rId2"/>
+                          <a:blip r:embed="rId3"/>
                           <a:stretch>
-                            <a:fillRect l="-200000" t="-1205" r="-199038" b="-560241"/>
+                            <a:fillRect l="-200000" t="-1042" r="-199038" b="-484375"/>
                           </a:stretch>
                         </a:blipFill>
                       </a:tcPr>
@@ -6260,9 +6288,9 @@
                           <a:prstDash val="solid"/>
                         </a:lnBlToTr>
                         <a:blipFill rotWithShape="1">
-                          <a:blip r:embed="rId2"/>
+                          <a:blip r:embed="rId3"/>
                           <a:stretch>
-                            <a:fillRect l="-302913" t="-1205" r="-100971" b="-560241"/>
+                            <a:fillRect l="-302913" t="-1042" r="-100971" b="-484375"/>
                           </a:stretch>
                         </a:blipFill>
                       </a:tcPr>
@@ -6315,20 +6343,20 @@
                           <a:prstDash val="solid"/>
                         </a:lnBlToTr>
                         <a:blipFill rotWithShape="1">
-                          <a:blip r:embed="rId2"/>
+                          <a:blip r:embed="rId3"/>
                           <a:stretch>
-                            <a:fillRect l="-399038" t="-1205" b="-560241"/>
+                            <a:fillRect l="-399038" t="-1042" b="-484375"/>
                           </a:stretch>
                         </a:blipFill>
                       </a:tcPr>
                     </a:tc>
                     <a:extLst>
                       <a:ext uri="{0D108BD9-81ED-4DB2-BD59-A6C34878D82A}">
-                        <a16:rowId xmlns="" xmlns:a16="http://schemas.microsoft.com/office/drawing/2014/main" xmlns:a14="http://schemas.microsoft.com/office/drawing/2010/main" val="3176941515"/>
+                        <a16:rowId xmlns:a16="http://schemas.microsoft.com/office/drawing/2014/main" xmlns="" xmlns:a14="http://schemas.microsoft.com/office/drawing/2010/main" val="3176941515"/>
                       </a:ext>
                     </a:extLst>
                   </a:tr>
-                  <a:tr h="249252">
+                  <a:tr h="314955">
                     <a:tc>
                       <a:txBody>
                         <a:bodyPr/>
@@ -6559,11 +6587,11 @@
                     </a:tc>
                     <a:extLst>
                       <a:ext uri="{0D108BD9-81ED-4DB2-BD59-A6C34878D82A}">
-                        <a16:rowId xmlns="" xmlns:a16="http://schemas.microsoft.com/office/drawing/2014/main" xmlns:a14="http://schemas.microsoft.com/office/drawing/2010/main" val="2673339703"/>
+                        <a16:rowId xmlns:a16="http://schemas.microsoft.com/office/drawing/2014/main" xmlns="" xmlns:a14="http://schemas.microsoft.com/office/drawing/2010/main" val="2673339703"/>
                       </a:ext>
                     </a:extLst>
                   </a:tr>
-                  <a:tr h="378953">
+                  <a:tr h="314955">
                     <a:tc>
                       <a:txBody>
                         <a:bodyPr/>
@@ -6682,9 +6710,10 @@
                         <a:p>
                           <a:pPr algn="ctr"/>
                           <a:r>
-                            <a:rPr lang="en-AU" sz="900" dirty="0"/>
-                            <a:t>0.739</a:t>
-                          </a:r>
+                            <a:rPr lang="en-AU" sz="900" dirty="0" smtClean="0"/>
+                            <a:t>0.729</a:t>
+                          </a:r>
+                          <a:endParaRPr lang="en-AU" sz="900" dirty="0"/>
                         </a:p>
                       </a:txBody>
                       <a:tcPr anchor="ctr">
@@ -6753,11 +6782,11 @@
                     </a:tc>
                     <a:extLst>
                       <a:ext uri="{0D108BD9-81ED-4DB2-BD59-A6C34878D82A}">
-                        <a16:rowId xmlns="" xmlns:a16="http://schemas.microsoft.com/office/drawing/2014/main" xmlns:a14="http://schemas.microsoft.com/office/drawing/2010/main" val="2736953877"/>
+                        <a16:rowId xmlns:a16="http://schemas.microsoft.com/office/drawing/2014/main" xmlns="" xmlns:a14="http://schemas.microsoft.com/office/drawing/2010/main" val="2736953877"/>
                       </a:ext>
                     </a:extLst>
                   </a:tr>
-                  <a:tr h="249252">
+                  <a:tr h="314955">
                     <a:tc>
                       <a:txBody>
                         <a:bodyPr/>
@@ -6958,11 +6987,11 @@
                     </a:tc>
                     <a:extLst>
                       <a:ext uri="{0D108BD9-81ED-4DB2-BD59-A6C34878D82A}">
-                        <a16:rowId xmlns="" xmlns:a16="http://schemas.microsoft.com/office/drawing/2014/main" xmlns:a14="http://schemas.microsoft.com/office/drawing/2010/main" val="935999974"/>
+                        <a16:rowId xmlns:a16="http://schemas.microsoft.com/office/drawing/2014/main" xmlns="" xmlns:a14="http://schemas.microsoft.com/office/drawing/2010/main" val="935999974"/>
                       </a:ext>
                     </a:extLst>
                   </a:tr>
-                  <a:tr h="378953">
+                  <a:tr h="314955">
                     <a:tc>
                       <a:txBody>
                         <a:bodyPr/>
@@ -7154,11 +7183,201 @@
                     </a:tc>
                     <a:extLst>
                       <a:ext uri="{0D108BD9-81ED-4DB2-BD59-A6C34878D82A}">
-                        <a16:rowId xmlns="" xmlns:a16="http://schemas.microsoft.com/office/drawing/2014/main" xmlns:a14="http://schemas.microsoft.com/office/drawing/2010/main" val="3527595651"/>
+                        <a16:rowId xmlns:a16="http://schemas.microsoft.com/office/drawing/2014/main" xmlns="" xmlns:a14="http://schemas.microsoft.com/office/drawing/2010/main" val="3527595651"/>
                       </a:ext>
                     </a:extLst>
                   </a:tr>
-                  <a:tr h="228600">
+                  <a:tr h="314955">
+                    <a:tc>
+                      <a:txBody>
+                        <a:bodyPr/>
+                        <a:lstStyle/>
+                        <a:p>
+                          <a:pPr algn="ctr"/>
+                          <a:r>
+                            <a:rPr lang="en-AU" sz="900" dirty="0"/>
+                            <a:t>YSQNFQGR</a:t>
+                          </a:r>
+                        </a:p>
+                      </a:txBody>
+                      <a:tcPr anchor="ctr">
+                        <a:lnL w="12700" cap="flat" cmpd="sng" algn="ctr">
+                          <a:solidFill>
+                            <a:schemeClr val="tx1"/>
+                          </a:solidFill>
+                          <a:prstDash val="solid"/>
+                          <a:round/>
+                          <a:headEnd type="none" w="med" len="med"/>
+                          <a:tailEnd type="none" w="med" len="med"/>
+                        </a:lnL>
+                        <a:lnR>
+                          <a:noFill/>
+                        </a:lnR>
+                        <a:lnT>
+                          <a:noFill/>
+                        </a:lnT>
+                        <a:lnB>
+                          <a:noFill/>
+                        </a:lnB>
+                        <a:lnTlToBr w="12700" cmpd="sng">
+                          <a:noFill/>
+                          <a:prstDash val="solid"/>
+                        </a:lnTlToBr>
+                        <a:lnBlToTr w="12700" cmpd="sng">
+                          <a:noFill/>
+                          <a:prstDash val="solid"/>
+                        </a:lnBlToTr>
+                      </a:tcPr>
+                    </a:tc>
+                    <a:tc>
+                      <a:txBody>
+                        <a:bodyPr/>
+                        <a:lstStyle/>
+                        <a:p>
+                          <a:pPr algn="ctr"/>
+                          <a:r>
+                            <a:rPr lang="en-AU" sz="900" dirty="0"/>
+                            <a:t>2</a:t>
+                          </a:r>
+                        </a:p>
+                      </a:txBody>
+                      <a:tcPr anchor="ctr">
+                        <a:lnL>
+                          <a:noFill/>
+                        </a:lnL>
+                        <a:lnR>
+                          <a:noFill/>
+                        </a:lnR>
+                        <a:lnT>
+                          <a:noFill/>
+                        </a:lnT>
+                        <a:lnB>
+                          <a:noFill/>
+                        </a:lnB>
+                        <a:lnTlToBr w="12700" cmpd="sng">
+                          <a:noFill/>
+                          <a:prstDash val="solid"/>
+                        </a:lnTlToBr>
+                        <a:lnBlToTr w="12700" cmpd="sng">
+                          <a:noFill/>
+                          <a:prstDash val="solid"/>
+                        </a:lnBlToTr>
+                      </a:tcPr>
+                    </a:tc>
+                    <a:tc>
+                      <a:txBody>
+                        <a:bodyPr/>
+                        <a:lstStyle/>
+                        <a:p>
+                          <a:pPr algn="ctr"/>
+                          <a:r>
+                            <a:rPr lang="en-AU" sz="900" dirty="0"/>
+                            <a:t>2</a:t>
+                          </a:r>
+                        </a:p>
+                      </a:txBody>
+                      <a:tcPr anchor="ctr">
+                        <a:lnL>
+                          <a:noFill/>
+                        </a:lnL>
+                        <a:lnR>
+                          <a:noFill/>
+                        </a:lnR>
+                        <a:lnT>
+                          <a:noFill/>
+                        </a:lnT>
+                        <a:lnB>
+                          <a:noFill/>
+                        </a:lnB>
+                        <a:lnTlToBr w="12700" cmpd="sng">
+                          <a:noFill/>
+                          <a:prstDash val="solid"/>
+                        </a:lnTlToBr>
+                        <a:lnBlToTr w="12700" cmpd="sng">
+                          <a:noFill/>
+                          <a:prstDash val="solid"/>
+                        </a:lnBlToTr>
+                      </a:tcPr>
+                    </a:tc>
+                    <a:tc>
+                      <a:txBody>
+                        <a:bodyPr/>
+                        <a:lstStyle/>
+                        <a:p>
+                          <a:pPr algn="ctr"/>
+                          <a:r>
+                            <a:rPr lang="en-AU" sz="900" dirty="0" smtClean="0"/>
+                            <a:t>0.512</a:t>
+                          </a:r>
+                          <a:endParaRPr lang="en-AU" sz="900" dirty="0"/>
+                        </a:p>
+                      </a:txBody>
+                      <a:tcPr anchor="ctr">
+                        <a:lnL>
+                          <a:noFill/>
+                        </a:lnL>
+                        <a:lnR>
+                          <a:noFill/>
+                        </a:lnR>
+                        <a:lnT>
+                          <a:noFill/>
+                        </a:lnT>
+                        <a:lnB>
+                          <a:noFill/>
+                        </a:lnB>
+                        <a:lnTlToBr w="12700" cmpd="sng">
+                          <a:noFill/>
+                          <a:prstDash val="solid"/>
+                        </a:lnTlToBr>
+                        <a:lnBlToTr w="12700" cmpd="sng">
+                          <a:noFill/>
+                          <a:prstDash val="solid"/>
+                        </a:lnBlToTr>
+                      </a:tcPr>
+                    </a:tc>
+                    <a:tc>
+                      <a:txBody>
+                        <a:bodyPr/>
+                        <a:lstStyle/>
+                        <a:p>
+                          <a:pPr algn="ctr"/>
+                          <a:r>
+                            <a:rPr lang="en-AU" sz="900" dirty="0"/>
+                            <a:t>0.012</a:t>
+                          </a:r>
+                        </a:p>
+                      </a:txBody>
+                      <a:tcPr anchor="ctr">
+                        <a:lnL>
+                          <a:noFill/>
+                        </a:lnL>
+                        <a:lnR w="12700" cap="flat" cmpd="sng" algn="ctr">
+                          <a:solidFill>
+                            <a:schemeClr val="tx1"/>
+                          </a:solidFill>
+                          <a:prstDash val="solid"/>
+                          <a:round/>
+                          <a:headEnd type="none" w="med" len="med"/>
+                          <a:tailEnd type="none" w="med" len="med"/>
+                        </a:lnR>
+                        <a:lnT>
+                          <a:noFill/>
+                        </a:lnT>
+                        <a:lnB>
+                          <a:noFill/>
+                        </a:lnB>
+                        <a:lnTlToBr w="12700" cmpd="sng">
+                          <a:noFill/>
+                          <a:prstDash val="solid"/>
+                        </a:lnTlToBr>
+                        <a:lnBlToTr w="12700" cmpd="sng">
+                          <a:noFill/>
+                          <a:prstDash val="solid"/>
+                        </a:lnBlToTr>
+                      </a:tcPr>
+                    </a:tc>
+                  </a:tr>
+                  <a:tr h="314955">
                     <a:tc>
                       <a:txBody>
                         <a:bodyPr/>
@@ -7350,11 +7569,11 @@
                     </a:tc>
                     <a:extLst>
                       <a:ext uri="{0D108BD9-81ED-4DB2-BD59-A6C34878D82A}">
-                        <a16:rowId xmlns="" xmlns:a16="http://schemas.microsoft.com/office/drawing/2014/main" xmlns:a14="http://schemas.microsoft.com/office/drawing/2010/main" val="2500584138"/>
+                        <a16:rowId xmlns:a16="http://schemas.microsoft.com/office/drawing/2014/main" xmlns="" xmlns:a14="http://schemas.microsoft.com/office/drawing/2010/main" val="2500584138"/>
                       </a:ext>
                     </a:extLst>
                   </a:tr>
-                  <a:tr h="297749">
+                  <a:tr h="314955">
                     <a:tc>
                       <a:txBody>
                         <a:bodyPr/>
@@ -7546,11 +7765,11 @@
                     </a:tc>
                     <a:extLst>
                       <a:ext uri="{0D108BD9-81ED-4DB2-BD59-A6C34878D82A}">
-                        <a16:rowId xmlns="" xmlns:a16="http://schemas.microsoft.com/office/drawing/2014/main" xmlns:a14="http://schemas.microsoft.com/office/drawing/2010/main" val="1644191295"/>
+                        <a16:rowId xmlns:a16="http://schemas.microsoft.com/office/drawing/2014/main" xmlns="" xmlns:a14="http://schemas.microsoft.com/office/drawing/2010/main" val="1644191295"/>
                       </a:ext>
                     </a:extLst>
                   </a:tr>
-                  <a:tr h="297749">
+                  <a:tr h="314955">
                     <a:tc>
                       <a:txBody>
                         <a:bodyPr/>
@@ -7742,11 +7961,11 @@
                     </a:tc>
                     <a:extLst>
                       <a:ext uri="{0D108BD9-81ED-4DB2-BD59-A6C34878D82A}">
-                        <a16:rowId xmlns="" xmlns:a16="http://schemas.microsoft.com/office/drawing/2014/main" xmlns:a14="http://schemas.microsoft.com/office/drawing/2010/main" val="2249276370"/>
+                        <a16:rowId xmlns:a16="http://schemas.microsoft.com/office/drawing/2014/main" xmlns="" xmlns:a14="http://schemas.microsoft.com/office/drawing/2010/main" val="2249276370"/>
                       </a:ext>
                     </a:extLst>
                   </a:tr>
-                  <a:tr h="378953">
+                  <a:tr h="314955">
                     <a:tc>
                       <a:txBody>
                         <a:bodyPr/>
@@ -7755,7 +7974,7 @@
                           <a:pPr algn="ctr"/>
                           <a:r>
                             <a:rPr lang="en-AU" sz="900" dirty="0"/>
-                            <a:t>YSQNFQGR</a:t>
+                            <a:t>YAQNFQDR</a:t>
                           </a:r>
                         </a:p>
                       </a:txBody>
@@ -7775,8 +7994,55 @@
                         <a:lnT>
                           <a:noFill/>
                         </a:lnT>
-                        <a:lnB>
-                          <a:noFill/>
+                        <a:lnB w="12700" cap="flat" cmpd="sng" algn="ctr">
+                          <a:solidFill>
+                            <a:schemeClr val="tx1"/>
+                          </a:solidFill>
+                          <a:prstDash val="solid"/>
+                          <a:round/>
+                          <a:headEnd type="none" w="med" len="med"/>
+                          <a:tailEnd type="none" w="med" len="med"/>
+                        </a:lnB>
+                        <a:lnTlToBr w="12700" cmpd="sng">
+                          <a:noFill/>
+                          <a:prstDash val="solid"/>
+                        </a:lnTlToBr>
+                        <a:lnBlToTr w="12700" cmpd="sng">
+                          <a:noFill/>
+                          <a:prstDash val="solid"/>
+                        </a:lnBlToTr>
+                      </a:tcPr>
+                    </a:tc>
+                    <a:tc>
+                      <a:txBody>
+                        <a:bodyPr/>
+                        <a:lstStyle/>
+                        <a:p>
+                          <a:pPr algn="ctr"/>
+                          <a:r>
+                            <a:rPr lang="en-AU" sz="900" dirty="0"/>
+                            <a:t>5</a:t>
+                          </a:r>
+                        </a:p>
+                      </a:txBody>
+                      <a:tcPr anchor="ctr">
+                        <a:lnL>
+                          <a:noFill/>
+                        </a:lnL>
+                        <a:lnR>
+                          <a:noFill/>
+                        </a:lnR>
+                        <a:lnT>
+                          <a:noFill/>
+                        </a:lnT>
+                        <a:lnB w="12700" cap="flat" cmpd="sng" algn="ctr">
+                          <a:solidFill>
+                            <a:schemeClr val="tx1"/>
+                          </a:solidFill>
+                          <a:prstDash val="solid"/>
+                          <a:round/>
+                          <a:headEnd type="none" w="med" len="med"/>
+                          <a:tailEnd type="none" w="med" len="med"/>
                         </a:lnB>
                         <a:lnTlToBr w="12700" cmpd="sng">
                           <a:noFill/>
@@ -7810,8 +8076,56 @@
                         <a:lnT>
                           <a:noFill/>
                         </a:lnT>
-                        <a:lnB>
-                          <a:noFill/>
+                        <a:lnB w="12700" cap="flat" cmpd="sng" algn="ctr">
+                          <a:solidFill>
+                            <a:schemeClr val="tx1"/>
+                          </a:solidFill>
+                          <a:prstDash val="solid"/>
+                          <a:round/>
+                          <a:headEnd type="none" w="med" len="med"/>
+                          <a:tailEnd type="none" w="med" len="med"/>
+                        </a:lnB>
+                        <a:lnTlToBr w="12700" cmpd="sng">
+                          <a:noFill/>
+                          <a:prstDash val="solid"/>
+                        </a:lnTlToBr>
+                        <a:lnBlToTr w="12700" cmpd="sng">
+                          <a:noFill/>
+                          <a:prstDash val="solid"/>
+                        </a:lnBlToTr>
+                      </a:tcPr>
+                    </a:tc>
+                    <a:tc>
+                      <a:txBody>
+                        <a:bodyPr/>
+                        <a:lstStyle/>
+                        <a:p>
+                          <a:pPr algn="ctr"/>
+                          <a:r>
+                            <a:rPr lang="en-AU" sz="900" dirty="0" smtClean="0"/>
+                            <a:t>0.139</a:t>
+                          </a:r>
+                          <a:endParaRPr lang="en-AU" sz="900" dirty="0"/>
+                        </a:p>
+                      </a:txBody>
+                      <a:tcPr anchor="ctr">
+                        <a:lnL>
+                          <a:noFill/>
+                        </a:lnL>
+                        <a:lnR>
+                          <a:noFill/>
+                        </a:lnR>
+                        <a:lnT>
+                          <a:noFill/>
+                        </a:lnT>
+                        <a:lnB w="12700" cap="flat" cmpd="sng" algn="ctr">
+                          <a:solidFill>
+                            <a:schemeClr val="tx1"/>
+                          </a:solidFill>
+                          <a:prstDash val="solid"/>
+                          <a:round/>
+                          <a:headEnd type="none" w="med" len="med"/>
+                          <a:tailEnd type="none" w="med" len="med"/>
                         </a:lnB>
                         <a:lnTlToBr w="12700" cmpd="sng">
                           <a:noFill/>
@@ -7831,77 +8145,7 @@
                           <a:pPr algn="ctr"/>
                           <a:r>
                             <a:rPr lang="en-AU" sz="900" dirty="0"/>
-                            <a:t>2</a:t>
-                          </a:r>
-                        </a:p>
-                      </a:txBody>
-                      <a:tcPr anchor="ctr">
-                        <a:lnL>
-                          <a:noFill/>
-                        </a:lnL>
-                        <a:lnR>
-                          <a:noFill/>
-                        </a:lnR>
-                        <a:lnT>
-                          <a:noFill/>
-                        </a:lnT>
-                        <a:lnB>
-                          <a:noFill/>
-                        </a:lnB>
-                        <a:lnTlToBr w="12700" cmpd="sng">
-                          <a:noFill/>
-                          <a:prstDash val="solid"/>
-                        </a:lnTlToBr>
-                        <a:lnBlToTr w="12700" cmpd="sng">
-                          <a:noFill/>
-                          <a:prstDash val="solid"/>
-                        </a:lnBlToTr>
-                      </a:tcPr>
-                    </a:tc>
-                    <a:tc>
-                      <a:txBody>
-                        <a:bodyPr/>
-                        <a:lstStyle/>
-                        <a:p>
-                          <a:pPr algn="ctr"/>
-                          <a:r>
-                            <a:rPr lang="en-AU" sz="900" dirty="0"/>
-                            <a:t>0.486</a:t>
-                          </a:r>
-                        </a:p>
-                      </a:txBody>
-                      <a:tcPr anchor="ctr">
-                        <a:lnL>
-                          <a:noFill/>
-                        </a:lnL>
-                        <a:lnR>
-                          <a:noFill/>
-                        </a:lnR>
-                        <a:lnT>
-                          <a:noFill/>
-                        </a:lnT>
-                        <a:lnB>
-                          <a:noFill/>
-                        </a:lnB>
-                        <a:lnTlToBr w="12700" cmpd="sng">
-                          <a:noFill/>
-                          <a:prstDash val="solid"/>
-                        </a:lnTlToBr>
-                        <a:lnBlToTr w="12700" cmpd="sng">
-                          <a:noFill/>
-                          <a:prstDash val="solid"/>
-                        </a:lnBlToTr>
-                      </a:tcPr>
-                    </a:tc>
-                    <a:tc>
-                      <a:txBody>
-                        <a:bodyPr/>
-                        <a:lstStyle/>
-                        <a:p>
-                          <a:pPr algn="ctr"/>
-                          <a:r>
-                            <a:rPr lang="en-AU" sz="900" dirty="0"/>
-                            <a:t>0.012</a:t>
+                            <a:t>0.014</a:t>
                           </a:r>
                         </a:p>
                       </a:txBody>
@@ -7921,8 +8165,14 @@
                         <a:lnT>
                           <a:noFill/>
                         </a:lnT>
-                        <a:lnB>
-                          <a:noFill/>
+                        <a:lnB w="12700" cap="flat" cmpd="sng" algn="ctr">
+                          <a:solidFill>
+                            <a:schemeClr val="tx1"/>
+                          </a:solidFill>
+                          <a:prstDash val="solid"/>
+                          <a:round/>
+                          <a:headEnd type="none" w="med" len="med"/>
+                          <a:tailEnd type="none" w="med" len="med"/>
                         </a:lnB>
                         <a:lnTlToBr w="12700" cmpd="sng">
                           <a:noFill/>
@@ -7936,231 +8186,7 @@
                     </a:tc>
                     <a:extLst>
                       <a:ext uri="{0D108BD9-81ED-4DB2-BD59-A6C34878D82A}">
-                        <a16:rowId xmlns="" xmlns:a16="http://schemas.microsoft.com/office/drawing/2014/main" xmlns:a14="http://schemas.microsoft.com/office/drawing/2010/main" val="889951462"/>
-                      </a:ext>
-                    </a:extLst>
-                  </a:tr>
-                  <a:tr h="378953">
-                    <a:tc>
-                      <a:txBody>
-                        <a:bodyPr/>
-                        <a:lstStyle/>
-                        <a:p>
-                          <a:pPr algn="ctr"/>
-                          <a:r>
-                            <a:rPr lang="en-AU" sz="900" dirty="0"/>
-                            <a:t>YAQNFQDR</a:t>
-                          </a:r>
-                        </a:p>
-                      </a:txBody>
-                      <a:tcPr anchor="ctr">
-                        <a:lnL w="12700" cap="flat" cmpd="sng" algn="ctr">
-                          <a:solidFill>
-                            <a:schemeClr val="tx1"/>
-                          </a:solidFill>
-                          <a:prstDash val="solid"/>
-                          <a:round/>
-                          <a:headEnd type="none" w="med" len="med"/>
-                          <a:tailEnd type="none" w="med" len="med"/>
-                        </a:lnL>
-                        <a:lnR>
-                          <a:noFill/>
-                        </a:lnR>
-                        <a:lnT>
-                          <a:noFill/>
-                        </a:lnT>
-                        <a:lnB w="12700" cap="flat" cmpd="sng" algn="ctr">
-                          <a:solidFill>
-                            <a:schemeClr val="tx1"/>
-                          </a:solidFill>
-                          <a:prstDash val="solid"/>
-                          <a:round/>
-                          <a:headEnd type="none" w="med" len="med"/>
-                          <a:tailEnd type="none" w="med" len="med"/>
-                        </a:lnB>
-                        <a:lnTlToBr w="12700" cmpd="sng">
-                          <a:noFill/>
-                          <a:prstDash val="solid"/>
-                        </a:lnTlToBr>
-                        <a:lnBlToTr w="12700" cmpd="sng">
-                          <a:noFill/>
-                          <a:prstDash val="solid"/>
-                        </a:lnBlToTr>
-                      </a:tcPr>
-                    </a:tc>
-                    <a:tc>
-                      <a:txBody>
-                        <a:bodyPr/>
-                        <a:lstStyle/>
-                        <a:p>
-                          <a:pPr algn="ctr"/>
-                          <a:r>
-                            <a:rPr lang="en-AU" sz="900" dirty="0"/>
-                            <a:t>5</a:t>
-                          </a:r>
-                        </a:p>
-                      </a:txBody>
-                      <a:tcPr anchor="ctr">
-                        <a:lnL>
-                          <a:noFill/>
-                        </a:lnL>
-                        <a:lnR>
-                          <a:noFill/>
-                        </a:lnR>
-                        <a:lnT>
-                          <a:noFill/>
-                        </a:lnT>
-                        <a:lnB w="12700" cap="flat" cmpd="sng" algn="ctr">
-                          <a:solidFill>
-                            <a:schemeClr val="tx1"/>
-                          </a:solidFill>
-                          <a:prstDash val="solid"/>
-                          <a:round/>
-                          <a:headEnd type="none" w="med" len="med"/>
-                          <a:tailEnd type="none" w="med" len="med"/>
-                        </a:lnB>
-                        <a:lnTlToBr w="12700" cmpd="sng">
-                          <a:noFill/>
-                          <a:prstDash val="solid"/>
-                        </a:lnTlToBr>
-                        <a:lnBlToTr w="12700" cmpd="sng">
-                          <a:noFill/>
-                          <a:prstDash val="solid"/>
-                        </a:lnBlToTr>
-                      </a:tcPr>
-                    </a:tc>
-                    <a:tc>
-                      <a:txBody>
-                        <a:bodyPr/>
-                        <a:lstStyle/>
-                        <a:p>
-                          <a:pPr algn="ctr"/>
-                          <a:r>
-                            <a:rPr lang="en-AU" sz="900" dirty="0"/>
-                            <a:t>2</a:t>
-                          </a:r>
-                        </a:p>
-                      </a:txBody>
-                      <a:tcPr anchor="ctr">
-                        <a:lnL>
-                          <a:noFill/>
-                        </a:lnL>
-                        <a:lnR>
-                          <a:noFill/>
-                        </a:lnR>
-                        <a:lnT>
-                          <a:noFill/>
-                        </a:lnT>
-                        <a:lnB w="12700" cap="flat" cmpd="sng" algn="ctr">
-                          <a:solidFill>
-                            <a:schemeClr val="tx1"/>
-                          </a:solidFill>
-                          <a:prstDash val="solid"/>
-                          <a:round/>
-                          <a:headEnd type="none" w="med" len="med"/>
-                          <a:tailEnd type="none" w="med" len="med"/>
-                        </a:lnB>
-                        <a:lnTlToBr w="12700" cmpd="sng">
-                          <a:noFill/>
-                          <a:prstDash val="solid"/>
-                        </a:lnTlToBr>
-                        <a:lnBlToTr w="12700" cmpd="sng">
-                          <a:noFill/>
-                          <a:prstDash val="solid"/>
-                        </a:lnBlToTr>
-                      </a:tcPr>
-                    </a:tc>
-                    <a:tc>
-                      <a:txBody>
-                        <a:bodyPr/>
-                        <a:lstStyle/>
-                        <a:p>
-                          <a:pPr algn="ctr"/>
-                          <a:r>
-                            <a:rPr lang="en-AU" sz="900" dirty="0"/>
-                            <a:t>0.154</a:t>
-                          </a:r>
-                        </a:p>
-                      </a:txBody>
-                      <a:tcPr anchor="ctr">
-                        <a:lnL>
-                          <a:noFill/>
-                        </a:lnL>
-                        <a:lnR>
-                          <a:noFill/>
-                        </a:lnR>
-                        <a:lnT>
-                          <a:noFill/>
-                        </a:lnT>
-                        <a:lnB w="12700" cap="flat" cmpd="sng" algn="ctr">
-                          <a:solidFill>
-                            <a:schemeClr val="tx1"/>
-                          </a:solidFill>
-                          <a:prstDash val="solid"/>
-                          <a:round/>
-                          <a:headEnd type="none" w="med" len="med"/>
-                          <a:tailEnd type="none" w="med" len="med"/>
-                        </a:lnB>
-                        <a:lnTlToBr w="12700" cmpd="sng">
-                          <a:noFill/>
-                          <a:prstDash val="solid"/>
-                        </a:lnTlToBr>
-                        <a:lnBlToTr w="12700" cmpd="sng">
-                          <a:noFill/>
-                          <a:prstDash val="solid"/>
-                        </a:lnBlToTr>
-                      </a:tcPr>
-                    </a:tc>
-                    <a:tc>
-                      <a:txBody>
-                        <a:bodyPr/>
-                        <a:lstStyle/>
-                        <a:p>
-                          <a:pPr algn="ctr"/>
-                          <a:r>
-                            <a:rPr lang="en-AU" sz="900" dirty="0"/>
-                            <a:t>0.014</a:t>
-                          </a:r>
-                        </a:p>
-                      </a:txBody>
-                      <a:tcPr anchor="ctr">
-                        <a:lnL>
-                          <a:noFill/>
-                        </a:lnL>
-                        <a:lnR w="12700" cap="flat" cmpd="sng" algn="ctr">
-                          <a:solidFill>
-                            <a:schemeClr val="tx1"/>
-                          </a:solidFill>
-                          <a:prstDash val="solid"/>
-                          <a:round/>
-                          <a:headEnd type="none" w="med" len="med"/>
-                          <a:tailEnd type="none" w="med" len="med"/>
-                        </a:lnR>
-                        <a:lnT>
-                          <a:noFill/>
-                        </a:lnT>
-                        <a:lnB w="12700" cap="flat" cmpd="sng" algn="ctr">
-                          <a:solidFill>
-                            <a:schemeClr val="tx1"/>
-                          </a:solidFill>
-                          <a:prstDash val="solid"/>
-                          <a:round/>
-                          <a:headEnd type="none" w="med" len="med"/>
-                          <a:tailEnd type="none" w="med" len="med"/>
-                        </a:lnB>
-                        <a:lnTlToBr w="12700" cmpd="sng">
-                          <a:noFill/>
-                          <a:prstDash val="solid"/>
-                        </a:lnTlToBr>
-                        <a:lnBlToTr w="12700" cmpd="sng">
-                          <a:noFill/>
-                          <a:prstDash val="solid"/>
-                        </a:lnBlToTr>
-                      </a:tcPr>
-                    </a:tc>
-                    <a:extLst>
-                      <a:ext uri="{0D108BD9-81ED-4DB2-BD59-A6C34878D82A}">
-                        <a16:rowId xmlns="" xmlns:a16="http://schemas.microsoft.com/office/drawing/2014/main" xmlns:a14="http://schemas.microsoft.com/office/drawing/2010/main" val="141707935"/>
+                        <a16:rowId xmlns:a16="http://schemas.microsoft.com/office/drawing/2014/main" xmlns="" xmlns:a14="http://schemas.microsoft.com/office/drawing/2010/main" val="141707935"/>
                       </a:ext>
                     </a:extLst>
                   </a:tr>
@@ -8170,79 +8196,35 @@
           </p:graphicFrame>
         </mc:Fallback>
       </mc:AlternateContent>
-      <p:grpSp>
-        <p:nvGrpSpPr>
-          <p:cNvPr id="5" name="Group 4"/>
-          <p:cNvGrpSpPr/>
+      <p:pic>
+        <p:nvPicPr>
+          <p:cNvPr id="3" name="Picture 2"/>
+          <p:cNvPicPr>
+            <a:picLocks noChangeAspect="1"/>
+          </p:cNvPicPr>
           <p:nvPr/>
-        </p:nvGrpSpPr>
-        <p:grpSpPr>
+        </p:nvPicPr>
+        <p:blipFill rotWithShape="1">
+          <a:blip r:embed="rId4">
+            <a:extLst>
+              <a:ext uri="{28A0092B-C50C-407E-A947-70E740481C1C}">
+                <a14:useLocalDpi xmlns:a14="http://schemas.microsoft.com/office/drawing/2010/main" val="0"/>
+              </a:ext>
+            </a:extLst>
+          </a:blip>
+          <a:srcRect b="96949"/>
+          <a:stretch/>
+        </p:blipFill>
+        <p:spPr>
           <a:xfrm>
             <a:off x="764704" y="1724415"/>
-            <a:ext cx="1943100" cy="3276999"/>
-            <a:chOff x="764704" y="1717655"/>
-            <a:chExt cx="1943100" cy="3276999"/>
+            <a:ext cx="1943100" cy="162100"/>
           </a:xfrm>
-        </p:grpSpPr>
-        <p:pic>
-          <p:nvPicPr>
-            <p:cNvPr id="2" name="Picture 1"/>
-            <p:cNvPicPr>
-              <a:picLocks noChangeAspect="1"/>
-            </p:cNvPicPr>
-            <p:nvPr/>
-          </p:nvPicPr>
-          <p:blipFill rotWithShape="1">
-            <a:blip r:embed="rId3">
-              <a:extLst>
-                <a:ext uri="{28A0092B-C50C-407E-A947-70E740481C1C}">
-                  <a14:useLocalDpi xmlns:a14="http://schemas.microsoft.com/office/drawing/2010/main" val="0"/>
-                </a:ext>
-              </a:extLst>
-            </a:blip>
-            <a:srcRect t="41598" b="-1"/>
-            <a:stretch/>
-          </p:blipFill>
-          <p:spPr>
-            <a:xfrm>
-              <a:off x="764704" y="1891787"/>
-              <a:ext cx="1943100" cy="3102867"/>
-            </a:xfrm>
-            <a:prstGeom prst="rect">
-              <a:avLst/>
-            </a:prstGeom>
-          </p:spPr>
-        </p:pic>
-        <p:pic>
-          <p:nvPicPr>
-            <p:cNvPr id="3" name="Picture 2"/>
-            <p:cNvPicPr>
-              <a:picLocks noChangeAspect="1"/>
-            </p:cNvPicPr>
-            <p:nvPr/>
-          </p:nvPicPr>
-          <p:blipFill rotWithShape="1">
-            <a:blip r:embed="rId3">
-              <a:extLst>
-                <a:ext uri="{28A0092B-C50C-407E-A947-70E740481C1C}">
-                  <a14:useLocalDpi xmlns:a14="http://schemas.microsoft.com/office/drawing/2010/main" val="0"/>
-                </a:ext>
-              </a:extLst>
-            </a:blip>
-            <a:srcRect b="96949"/>
-            <a:stretch/>
-          </p:blipFill>
-          <p:spPr>
-            <a:xfrm>
-              <a:off x="764704" y="1717655"/>
-              <a:ext cx="1943100" cy="162100"/>
-            </a:xfrm>
-            <a:prstGeom prst="rect">
-              <a:avLst/>
-            </a:prstGeom>
-          </p:spPr>
-        </p:pic>
-      </p:grpSp>
+          <a:prstGeom prst="rect">
+            <a:avLst/>
+          </a:prstGeom>
+        </p:spPr>
+      </p:pic>
     </p:spTree>
     <p:extLst>
       <p:ext uri="{BB962C8B-B14F-4D97-AF65-F5344CB8AC3E}">
@@ -8273,8 +8255,8 @@
           <a:chExt cx="0" cy="0"/>
         </a:xfrm>
       </p:grpSpPr>
-      <mc:AlternateContent xmlns:mc="http://schemas.openxmlformats.org/markup-compatibility/2006">
-        <mc:Choice xmlns:a14="http://schemas.microsoft.com/office/drawing/2010/main" Requires="a14">
+      <mc:AlternateContent xmlns:mc="http://schemas.openxmlformats.org/markup-compatibility/2006" xmlns:a14="http://schemas.microsoft.com/office/drawing/2010/main">
+        <mc:Choice Requires="a14">
           <p:graphicFrame>
             <p:nvGraphicFramePr>
               <p:cNvPr id="6" name="Table 5"/>
@@ -8284,14 +8266,14 @@
               <p:nvPr>
                 <p:extLst>
                   <p:ext uri="{D42A27DB-BD31-4B8C-83A1-F6EECF244321}">
-                    <p14:modId xmlns:p14="http://schemas.microsoft.com/office/powerpoint/2010/main" val="1421410547"/>
+                    <p14:modId xmlns:p14="http://schemas.microsoft.com/office/powerpoint/2010/main" val="3262488738"/>
                   </p:ext>
                 </p:extLst>
               </p:nvPr>
             </p:nvGraphicFramePr>
             <p:xfrm>
-              <a:off x="3409732" y="2313841"/>
-              <a:ext cx="3159125" cy="3390899"/>
+              <a:off x="3409732" y="2377852"/>
+              <a:ext cx="3159125" cy="3419997"/>
             </p:xfrm>
             <a:graphic>
               <a:graphicData uri="http://schemas.openxmlformats.org/drawingml/2006/table">
@@ -8303,40 +8285,40 @@
                     <a:gridCol w="785093">
                       <a:extLst>
                         <a:ext uri="{9D8B030D-6E8A-4147-A177-3AD203B41FA5}">
-                          <a16:colId xmlns="" xmlns:a16="http://schemas.microsoft.com/office/drawing/2014/main" val="2070464311"/>
+                          <a16:colId xmlns:a16="http://schemas.microsoft.com/office/drawing/2014/main" xmlns="" val="2070464311"/>
                         </a:ext>
                       </a:extLst>
                     </a:gridCol>
                     <a:gridCol w="478557">
                       <a:extLst>
                         <a:ext uri="{9D8B030D-6E8A-4147-A177-3AD203B41FA5}">
-                          <a16:colId xmlns="" xmlns:a16="http://schemas.microsoft.com/office/drawing/2014/main" val="2814482158"/>
+                          <a16:colId xmlns:a16="http://schemas.microsoft.com/office/drawing/2014/main" xmlns="" val="2814482158"/>
                         </a:ext>
                       </a:extLst>
                     </a:gridCol>
                     <a:gridCol w="631825">
                       <a:extLst>
                         <a:ext uri="{9D8B030D-6E8A-4147-A177-3AD203B41FA5}">
-                          <a16:colId xmlns="" xmlns:a16="http://schemas.microsoft.com/office/drawing/2014/main" val="3449075261"/>
+                          <a16:colId xmlns:a16="http://schemas.microsoft.com/office/drawing/2014/main" xmlns="" val="3449075261"/>
                         </a:ext>
                       </a:extLst>
                     </a:gridCol>
                     <a:gridCol w="631825">
                       <a:extLst>
                         <a:ext uri="{9D8B030D-6E8A-4147-A177-3AD203B41FA5}">
-                          <a16:colId xmlns="" xmlns:a16="http://schemas.microsoft.com/office/drawing/2014/main" val="1813670796"/>
+                          <a16:colId xmlns:a16="http://schemas.microsoft.com/office/drawing/2014/main" xmlns="" val="1813670796"/>
                         </a:ext>
                       </a:extLst>
                     </a:gridCol>
                     <a:gridCol w="631825">
                       <a:extLst>
                         <a:ext uri="{9D8B030D-6E8A-4147-A177-3AD203B41FA5}">
-                          <a16:colId xmlns="" xmlns:a16="http://schemas.microsoft.com/office/drawing/2014/main" val="1994465920"/>
+                          <a16:colId xmlns:a16="http://schemas.microsoft.com/office/drawing/2014/main" xmlns="" val="1994465920"/>
                         </a:ext>
                       </a:extLst>
                     </a:gridCol>
                   </a:tblGrid>
-                  <a:tr h="511835">
+                  <a:tr h="516228">
                     <a:tc>
                       <a:txBody>
                         <a:bodyPr/>
@@ -8526,7 +8508,10 @@
                                       <m:t>𝟑</m:t>
                                     </m:r>
                                     <m:r>
-                                      <a:rPr lang="en-AU" sz="1100" b="1" i="1" kern="1200" smtClean="0">
+                                      <m:rPr>
+                                        <m:nor/>
+                                      </m:rPr>
+                                      <a:rPr lang="en-AU" sz="1100" b="1" i="0" kern="1200" smtClean="0">
                                         <a:solidFill>
                                           <a:schemeClr val="tx1"/>
                                         </a:solidFill>
@@ -8675,7 +8660,10 @@
                                       <m:t>𝟑</m:t>
                                     </m:r>
                                     <m:r>
-                                      <a:rPr lang="en-AU" sz="1100" b="1" i="1" kern="1200" smtClean="0">
+                                      <m:rPr>
+                                        <m:nor/>
+                                      </m:rPr>
+                                      <a:rPr lang="en-AU" sz="1100" b="1" i="0" kern="1200" smtClean="0">
                                         <a:solidFill>
                                           <a:schemeClr val="tx1"/>
                                         </a:solidFill>
@@ -8824,7 +8812,10 @@
                                       <m:t>𝟑</m:t>
                                     </m:r>
                                     <m:r>
-                                      <a:rPr lang="en-AU" sz="1100" b="1" i="1" kern="1200" smtClean="0">
+                                      <m:rPr>
+                                        <m:nor/>
+                                      </m:rPr>
+                                      <a:rPr lang="en-AU" sz="1100" b="1" i="0" kern="1200" smtClean="0">
                                         <a:solidFill>
                                           <a:schemeClr val="tx1"/>
                                         </a:solidFill>
@@ -8927,11 +8918,11 @@
                     </a:tc>
                     <a:extLst>
                       <a:ext uri="{0D108BD9-81ED-4DB2-BD59-A6C34878D82A}">
-                        <a16:rowId xmlns="" xmlns:a16="http://schemas.microsoft.com/office/drawing/2014/main" val="3176941515"/>
+                        <a16:rowId xmlns:a16="http://schemas.microsoft.com/office/drawing/2014/main" xmlns="" val="3176941515"/>
                       </a:ext>
                     </a:extLst>
                   </a:tr>
-                  <a:tr h="319896">
+                  <a:tr h="322641">
                     <a:tc>
                       <a:txBody>
                         <a:bodyPr/>
@@ -9118,9 +9109,10 @@
                         <a:p>
                           <a:pPr algn="ctr"/>
                           <a:r>
-                            <a:rPr lang="en-AU" sz="900" dirty="0"/>
-                            <a:t>0.509</a:t>
-                          </a:r>
+                            <a:rPr lang="en-AU" sz="900" dirty="0" smtClean="0"/>
+                            <a:t>0.386</a:t>
+                          </a:r>
+                          <a:endParaRPr lang="en-AU" sz="900" dirty="0"/>
                         </a:p>
                       </a:txBody>
                       <a:tcPr anchor="ctr">
@@ -9160,11 +9152,11 @@
                     </a:tc>
                     <a:extLst>
                       <a:ext uri="{0D108BD9-81ED-4DB2-BD59-A6C34878D82A}">
-                        <a16:rowId xmlns="" xmlns:a16="http://schemas.microsoft.com/office/drawing/2014/main" val="2673339703"/>
+                        <a16:rowId xmlns:a16="http://schemas.microsoft.com/office/drawing/2014/main" xmlns="" val="2673339703"/>
                       </a:ext>
                     </a:extLst>
                   </a:tr>
-                  <a:tr h="319896">
+                  <a:tr h="322641">
                     <a:tc>
                       <a:txBody>
                         <a:bodyPr/>
@@ -9354,11 +9346,11 @@
                     </a:tc>
                     <a:extLst>
                       <a:ext uri="{0D108BD9-81ED-4DB2-BD59-A6C34878D82A}">
-                        <a16:rowId xmlns="" xmlns:a16="http://schemas.microsoft.com/office/drawing/2014/main" val="2736953877"/>
+                        <a16:rowId xmlns:a16="http://schemas.microsoft.com/office/drawing/2014/main" xmlns="" val="2736953877"/>
                       </a:ext>
                     </a:extLst>
                   </a:tr>
-                  <a:tr h="319896">
+                  <a:tr h="322641">
                     <a:tc>
                       <a:txBody>
                         <a:bodyPr/>
@@ -9486,9 +9478,10 @@
                         <a:p>
                           <a:pPr algn="ctr"/>
                           <a:r>
-                            <a:rPr lang="en-AU" sz="900" dirty="0"/>
-                            <a:t>0.998</a:t>
-                          </a:r>
+                            <a:rPr lang="en-AU" sz="900" dirty="0" smtClean="0"/>
+                            <a:t>0.999</a:t>
+                          </a:r>
+                          <a:endParaRPr lang="en-AU" sz="900" dirty="0"/>
                         </a:p>
                       </a:txBody>
                       <a:tcPr anchor="ctr">
@@ -9557,11 +9550,11 @@
                     </a:tc>
                     <a:extLst>
                       <a:ext uri="{0D108BD9-81ED-4DB2-BD59-A6C34878D82A}">
-                        <a16:rowId xmlns="" xmlns:a16="http://schemas.microsoft.com/office/drawing/2014/main" val="935999974"/>
+                        <a16:rowId xmlns:a16="http://schemas.microsoft.com/office/drawing/2014/main" xmlns="" val="935999974"/>
                       </a:ext>
                     </a:extLst>
                   </a:tr>
-                  <a:tr h="319896">
+                  <a:tr h="322641">
                     <a:tc>
                       <a:txBody>
                         <a:bodyPr/>
@@ -9752,11 +9745,202 @@
                     </a:tc>
                     <a:extLst>
                       <a:ext uri="{0D108BD9-81ED-4DB2-BD59-A6C34878D82A}">
-                        <a16:rowId xmlns="" xmlns:a16="http://schemas.microsoft.com/office/drawing/2014/main" val="3527595651"/>
+                        <a16:rowId xmlns:a16="http://schemas.microsoft.com/office/drawing/2014/main" xmlns="" val="3527595651"/>
                       </a:ext>
                     </a:extLst>
                   </a:tr>
-                  <a:tr h="319896">
+                  <a:tr h="322641">
+                    <a:tc>
+                      <a:txBody>
+                        <a:bodyPr/>
+                        <a:lstStyle/>
+                        <a:p>
+                          <a:pPr algn="ctr"/>
+                          <a:r>
+                            <a:rPr lang="en-AU" sz="900" dirty="0"/>
+                            <a:t>FGYVDSVK</a:t>
+                          </a:r>
+                        </a:p>
+                      </a:txBody>
+                      <a:tcPr anchor="ctr">
+                        <a:lnL w="12700" cap="flat" cmpd="sng" algn="ctr">
+                          <a:solidFill>
+                            <a:schemeClr val="tx1"/>
+                          </a:solidFill>
+                          <a:prstDash val="solid"/>
+                          <a:round/>
+                          <a:headEnd type="none" w="med" len="med"/>
+                          <a:tailEnd type="none" w="med" len="med"/>
+                        </a:lnL>
+                        <a:lnR>
+                          <a:noFill/>
+                        </a:lnR>
+                        <a:lnT>
+                          <a:noFill/>
+                        </a:lnT>
+                        <a:lnB>
+                          <a:noFill/>
+                        </a:lnB>
+                        <a:lnTlToBr w="12700" cmpd="sng">
+                          <a:noFill/>
+                          <a:prstDash val="solid"/>
+                        </a:lnTlToBr>
+                        <a:lnBlToTr w="12700" cmpd="sng">
+                          <a:noFill/>
+                          <a:prstDash val="solid"/>
+                        </a:lnBlToTr>
+                      </a:tcPr>
+                    </a:tc>
+                    <a:tc>
+                      <a:txBody>
+                        <a:bodyPr/>
+                        <a:lstStyle/>
+                        <a:p>
+                          <a:pPr algn="ctr"/>
+                          <a:r>
+                            <a:rPr lang="en-AU" sz="900" dirty="0"/>
+                            <a:t>3</a:t>
+                          </a:r>
+                        </a:p>
+                      </a:txBody>
+                      <a:tcPr anchor="ctr">
+                        <a:lnL>
+                          <a:noFill/>
+                        </a:lnL>
+                        <a:lnR>
+                          <a:noFill/>
+                        </a:lnR>
+                        <a:lnT>
+                          <a:noFill/>
+                        </a:lnT>
+                        <a:lnB>
+                          <a:noFill/>
+                        </a:lnB>
+                        <a:lnTlToBr w="12700" cmpd="sng">
+                          <a:noFill/>
+                          <a:prstDash val="solid"/>
+                        </a:lnTlToBr>
+                        <a:lnBlToTr w="12700" cmpd="sng">
+                          <a:noFill/>
+                          <a:prstDash val="solid"/>
+                        </a:lnBlToTr>
+                      </a:tcPr>
+                    </a:tc>
+                    <a:tc>
+                      <a:txBody>
+                        <a:bodyPr/>
+                        <a:lstStyle/>
+                        <a:p>
+                          <a:pPr algn="ctr"/>
+                          <a:r>
+                            <a:rPr lang="en-AU" sz="900" dirty="0"/>
+                            <a:t>2</a:t>
+                          </a:r>
+                        </a:p>
+                      </a:txBody>
+                      <a:tcPr anchor="ctr">
+                        <a:lnL>
+                          <a:noFill/>
+                        </a:lnL>
+                        <a:lnR>
+                          <a:noFill/>
+                        </a:lnR>
+                        <a:lnT>
+                          <a:noFill/>
+                        </a:lnT>
+                        <a:lnB>
+                          <a:noFill/>
+                        </a:lnB>
+                        <a:lnTlToBr w="12700" cmpd="sng">
+                          <a:noFill/>
+                          <a:prstDash val="solid"/>
+                        </a:lnTlToBr>
+                        <a:lnBlToTr w="12700" cmpd="sng">
+                          <a:noFill/>
+                          <a:prstDash val="solid"/>
+                        </a:lnBlToTr>
+                      </a:tcPr>
+                    </a:tc>
+                    <a:tc>
+                      <a:txBody>
+                        <a:bodyPr/>
+                        <a:lstStyle/>
+                        <a:p>
+                          <a:pPr algn="ctr"/>
+                          <a:r>
+                            <a:rPr lang="en-AU" sz="900" dirty="0" smtClean="0"/>
+                            <a:t>0.930</a:t>
+                          </a:r>
+                          <a:endParaRPr lang="en-AU" sz="900" dirty="0"/>
+                        </a:p>
+                      </a:txBody>
+                      <a:tcPr anchor="ctr">
+                        <a:lnL>
+                          <a:noFill/>
+                        </a:lnL>
+                        <a:lnR>
+                          <a:noFill/>
+                        </a:lnR>
+                        <a:lnT>
+                          <a:noFill/>
+                        </a:lnT>
+                        <a:lnB>
+                          <a:noFill/>
+                        </a:lnB>
+                        <a:lnTlToBr w="12700" cmpd="sng">
+                          <a:noFill/>
+                          <a:prstDash val="solid"/>
+                        </a:lnTlToBr>
+                        <a:lnBlToTr w="12700" cmpd="sng">
+                          <a:noFill/>
+                          <a:prstDash val="solid"/>
+                        </a:lnBlToTr>
+                      </a:tcPr>
+                    </a:tc>
+                    <a:tc>
+                      <a:txBody>
+                        <a:bodyPr/>
+                        <a:lstStyle/>
+                        <a:p>
+                          <a:pPr algn="ctr"/>
+                          <a:r>
+                            <a:rPr lang="en-AU" sz="900" dirty="0" smtClean="0"/>
+                            <a:t>0.173</a:t>
+                          </a:r>
+                          <a:endParaRPr lang="en-AU" sz="900" dirty="0"/>
+                        </a:p>
+                      </a:txBody>
+                      <a:tcPr anchor="ctr">
+                        <a:lnL>
+                          <a:noFill/>
+                        </a:lnL>
+                        <a:lnR w="12700" cap="flat" cmpd="sng" algn="ctr">
+                          <a:solidFill>
+                            <a:schemeClr val="tx1"/>
+                          </a:solidFill>
+                          <a:prstDash val="solid"/>
+                          <a:round/>
+                          <a:headEnd type="none" w="med" len="med"/>
+                          <a:tailEnd type="none" w="med" len="med"/>
+                        </a:lnR>
+                        <a:lnT>
+                          <a:noFill/>
+                        </a:lnT>
+                        <a:lnB>
+                          <a:noFill/>
+                        </a:lnB>
+                        <a:lnTlToBr w="12700" cmpd="sng">
+                          <a:noFill/>
+                          <a:prstDash val="solid"/>
+                        </a:lnTlToBr>
+                        <a:lnBlToTr w="12700" cmpd="sng">
+                          <a:noFill/>
+                          <a:prstDash val="solid"/>
+                        </a:lnBlToTr>
+                      </a:tcPr>
+                    </a:tc>
+                  </a:tr>
+                  <a:tr h="322641">
                     <a:tc>
                       <a:txBody>
                         <a:bodyPr/>
@@ -9948,11 +10132,11 @@
                     </a:tc>
                     <a:extLst>
                       <a:ext uri="{0D108BD9-81ED-4DB2-BD59-A6C34878D82A}">
-                        <a16:rowId xmlns="" xmlns:a16="http://schemas.microsoft.com/office/drawing/2014/main" val="2500584138"/>
+                        <a16:rowId xmlns:a16="http://schemas.microsoft.com/office/drawing/2014/main" xmlns="" val="2500584138"/>
                       </a:ext>
                     </a:extLst>
                   </a:tr>
-                  <a:tr h="319896">
+                  <a:tr h="322641">
                     <a:tc>
                       <a:txBody>
                         <a:bodyPr/>
@@ -10071,44 +10255,46 @@
                         <a:p>
                           <a:pPr algn="ctr"/>
                           <a:r>
-                            <a:rPr lang="en-AU" sz="900" dirty="0"/>
-                            <a:t>0.568</a:t>
-                          </a:r>
-                        </a:p>
-                      </a:txBody>
-                      <a:tcPr anchor="ctr">
-                        <a:lnL>
-                          <a:noFill/>
-                        </a:lnL>
-                        <a:lnR>
-                          <a:noFill/>
-                        </a:lnR>
-                        <a:lnT>
-                          <a:noFill/>
-                        </a:lnT>
-                        <a:lnB>
-                          <a:noFill/>
-                        </a:lnB>
-                        <a:lnTlToBr w="12700" cmpd="sng">
-                          <a:noFill/>
-                          <a:prstDash val="solid"/>
-                        </a:lnTlToBr>
-                        <a:lnBlToTr w="12700" cmpd="sng">
-                          <a:noFill/>
-                          <a:prstDash val="solid"/>
-                        </a:lnBlToTr>
-                      </a:tcPr>
-                    </a:tc>
-                    <a:tc>
-                      <a:txBody>
-                        <a:bodyPr/>
-                        <a:lstStyle/>
-                        <a:p>
-                          <a:pPr algn="ctr"/>
-                          <a:r>
-                            <a:rPr lang="en-AU" sz="900" dirty="0"/>
-                            <a:t>0.075</a:t>
-                          </a:r>
+                            <a:rPr lang="en-AU" sz="900" dirty="0" smtClean="0"/>
+                            <a:t>0.563</a:t>
+                          </a:r>
+                          <a:endParaRPr lang="en-AU" sz="900" dirty="0"/>
+                        </a:p>
+                      </a:txBody>
+                      <a:tcPr anchor="ctr">
+                        <a:lnL>
+                          <a:noFill/>
+                        </a:lnL>
+                        <a:lnR>
+                          <a:noFill/>
+                        </a:lnR>
+                        <a:lnT>
+                          <a:noFill/>
+                        </a:lnT>
+                        <a:lnB>
+                          <a:noFill/>
+                        </a:lnB>
+                        <a:lnTlToBr w="12700" cmpd="sng">
+                          <a:noFill/>
+                          <a:prstDash val="solid"/>
+                        </a:lnTlToBr>
+                        <a:lnBlToTr w="12700" cmpd="sng">
+                          <a:noFill/>
+                          <a:prstDash val="solid"/>
+                        </a:lnBlToTr>
+                      </a:tcPr>
+                    </a:tc>
+                    <a:tc>
+                      <a:txBody>
+                        <a:bodyPr/>
+                        <a:lstStyle/>
+                        <a:p>
+                          <a:pPr algn="ctr"/>
+                          <a:r>
+                            <a:rPr lang="en-AU" sz="900" dirty="0" smtClean="0"/>
+                            <a:t>0.074</a:t>
+                          </a:r>
+                          <a:endParaRPr lang="en-AU" sz="900" dirty="0"/>
                         </a:p>
                       </a:txBody>
                       <a:tcPr anchor="ctr">
@@ -10142,11 +10328,11 @@
                     </a:tc>
                     <a:extLst>
                       <a:ext uri="{0D108BD9-81ED-4DB2-BD59-A6C34878D82A}">
-                        <a16:rowId xmlns="" xmlns:a16="http://schemas.microsoft.com/office/drawing/2014/main" val="1644191295"/>
+                        <a16:rowId xmlns:a16="http://schemas.microsoft.com/office/drawing/2014/main" xmlns="" val="1644191295"/>
                       </a:ext>
                     </a:extLst>
                   </a:tr>
-                  <a:tr h="319896">
+                  <a:tr h="322641">
                     <a:tc>
                       <a:txBody>
                         <a:bodyPr/>
@@ -10265,9 +10451,10 @@
                         <a:p>
                           <a:pPr algn="ctr"/>
                           <a:r>
-                            <a:rPr lang="en-AU" sz="900" dirty="0"/>
-                            <a:t>0.475</a:t>
-                          </a:r>
+                            <a:rPr lang="en-AU" sz="900" dirty="0" smtClean="0"/>
+                            <a:t>0.471</a:t>
+                          </a:r>
+                          <a:endParaRPr lang="en-AU" sz="900" dirty="0"/>
                         </a:p>
                       </a:txBody>
                       <a:tcPr anchor="ctr">
@@ -10336,11 +10523,11 @@
                     </a:tc>
                     <a:extLst>
                       <a:ext uri="{0D108BD9-81ED-4DB2-BD59-A6C34878D82A}">
-                        <a16:rowId xmlns="" xmlns:a16="http://schemas.microsoft.com/office/drawing/2014/main" val="2249276370"/>
+                        <a16:rowId xmlns:a16="http://schemas.microsoft.com/office/drawing/2014/main" xmlns="" val="2249276370"/>
                       </a:ext>
                     </a:extLst>
                   </a:tr>
-                  <a:tr h="319896">
+                  <a:tr h="322641">
                     <a:tc>
                       <a:txBody>
                         <a:bodyPr/>
@@ -10349,7 +10536,7 @@
                           <a:pPr algn="ctr"/>
                           <a:r>
                             <a:rPr lang="en-AU" sz="900" dirty="0"/>
-                            <a:t>FGYVDSVK</a:t>
+                            <a:t>YYADSVK</a:t>
                           </a:r>
                         </a:p>
                       </a:txBody>
@@ -10369,8 +10556,14 @@
                         <a:lnT>
                           <a:noFill/>
                         </a:lnT>
-                        <a:lnB>
-                          <a:noFill/>
+                        <a:lnB w="12700" cap="flat" cmpd="sng" algn="ctr">
+                          <a:solidFill>
+                            <a:schemeClr val="tx1"/>
+                          </a:solidFill>
+                          <a:prstDash val="solid"/>
+                          <a:round/>
+                          <a:headEnd type="none" w="med" len="med"/>
+                          <a:tailEnd type="none" w="med" len="med"/>
                         </a:lnB>
                         <a:lnTlToBr w="12700" cmpd="sng">
                           <a:noFill/>
@@ -10390,22 +10583,28 @@
                           <a:pPr algn="ctr"/>
                           <a:r>
                             <a:rPr lang="en-AU" sz="900" dirty="0"/>
-                            <a:t>3</a:t>
-                          </a:r>
-                        </a:p>
-                      </a:txBody>
-                      <a:tcPr anchor="ctr">
-                        <a:lnL>
-                          <a:noFill/>
-                        </a:lnL>
-                        <a:lnR>
-                          <a:noFill/>
-                        </a:lnR>
-                        <a:lnT>
-                          <a:noFill/>
-                        </a:lnT>
-                        <a:lnB>
-                          <a:noFill/>
+                            <a:t>13</a:t>
+                          </a:r>
+                        </a:p>
+                      </a:txBody>
+                      <a:tcPr anchor="ctr">
+                        <a:lnL>
+                          <a:noFill/>
+                        </a:lnL>
+                        <a:lnR>
+                          <a:noFill/>
+                        </a:lnR>
+                        <a:lnT>
+                          <a:noFill/>
+                        </a:lnT>
+                        <a:lnB w="12700" cap="flat" cmpd="sng" algn="ctr">
+                          <a:solidFill>
+                            <a:schemeClr val="tx1"/>
+                          </a:solidFill>
+                          <a:prstDash val="solid"/>
+                          <a:round/>
+                          <a:headEnd type="none" w="med" len="med"/>
+                          <a:tailEnd type="none" w="med" len="med"/>
                         </a:lnB>
                         <a:lnTlToBr w="12700" cmpd="sng">
                           <a:noFill/>
@@ -10425,22 +10624,28 @@
                           <a:pPr algn="ctr"/>
                           <a:r>
                             <a:rPr lang="en-AU" sz="900" dirty="0"/>
-                            <a:t>2</a:t>
-                          </a:r>
-                        </a:p>
-                      </a:txBody>
-                      <a:tcPr anchor="ctr">
-                        <a:lnL>
-                          <a:noFill/>
-                        </a:lnL>
-                        <a:lnR>
-                          <a:noFill/>
-                        </a:lnR>
-                        <a:lnT>
-                          <a:noFill/>
-                        </a:lnT>
-                        <a:lnB>
-                          <a:noFill/>
+                            <a:t>1</a:t>
+                          </a:r>
+                        </a:p>
+                      </a:txBody>
+                      <a:tcPr anchor="ctr">
+                        <a:lnL>
+                          <a:noFill/>
+                        </a:lnL>
+                        <a:lnR>
+                          <a:noFill/>
+                        </a:lnR>
+                        <a:lnT>
+                          <a:noFill/>
+                        </a:lnT>
+                        <a:lnB w="12700" cap="flat" cmpd="sng" algn="ctr">
+                          <a:solidFill>
+                            <a:schemeClr val="tx1"/>
+                          </a:solidFill>
+                          <a:prstDash val="solid"/>
+                          <a:round/>
+                          <a:headEnd type="none" w="med" len="med"/>
+                          <a:tailEnd type="none" w="med" len="med"/>
                         </a:lnB>
                         <a:lnTlToBr w="12700" cmpd="sng">
                           <a:noFill/>
@@ -10460,22 +10665,28 @@
                           <a:pPr algn="ctr"/>
                           <a:r>
                             <a:rPr lang="en-AU" sz="900" dirty="0"/>
-                            <a:t>0.437</a:t>
-                          </a:r>
-                        </a:p>
-                      </a:txBody>
-                      <a:tcPr anchor="ctr">
-                        <a:lnL>
-                          <a:noFill/>
-                        </a:lnL>
-                        <a:lnR>
-                          <a:noFill/>
-                        </a:lnR>
-                        <a:lnT>
-                          <a:noFill/>
-                        </a:lnT>
-                        <a:lnB>
-                          <a:noFill/>
+                            <a:t>0.012</a:t>
+                          </a:r>
+                        </a:p>
+                      </a:txBody>
+                      <a:tcPr anchor="ctr">
+                        <a:lnL>
+                          <a:noFill/>
+                        </a:lnL>
+                        <a:lnR>
+                          <a:noFill/>
+                        </a:lnR>
+                        <a:lnT>
+                          <a:noFill/>
+                        </a:lnT>
+                        <a:lnB w="12700" cap="flat" cmpd="sng" algn="ctr">
+                          <a:solidFill>
+                            <a:schemeClr val="tx1"/>
+                          </a:solidFill>
+                          <a:prstDash val="solid"/>
+                          <a:round/>
+                          <a:headEnd type="none" w="med" len="med"/>
+                          <a:tailEnd type="none" w="med" len="med"/>
                         </a:lnB>
                         <a:lnTlToBr w="12700" cmpd="sng">
                           <a:noFill/>
@@ -10495,7 +10706,7 @@
                           <a:pPr algn="ctr"/>
                           <a:r>
                             <a:rPr lang="en-AU" sz="900" dirty="0"/>
-                            <a:t>0.033</a:t>
+                            <a:t>0.001</a:t>
                           </a:r>
                         </a:p>
                       </a:txBody>
@@ -10515,8 +10726,14 @@
                         <a:lnT>
                           <a:noFill/>
                         </a:lnT>
-                        <a:lnB>
-                          <a:noFill/>
+                        <a:lnB w="12700" cap="flat" cmpd="sng" algn="ctr">
+                          <a:solidFill>
+                            <a:schemeClr val="tx1"/>
+                          </a:solidFill>
+                          <a:prstDash val="solid"/>
+                          <a:round/>
+                          <a:headEnd type="none" w="med" len="med"/>
+                          <a:tailEnd type="none" w="med" len="med"/>
                         </a:lnB>
                         <a:lnTlToBr w="12700" cmpd="sng">
                           <a:noFill/>
@@ -10530,231 +10747,7 @@
                     </a:tc>
                     <a:extLst>
                       <a:ext uri="{0D108BD9-81ED-4DB2-BD59-A6C34878D82A}">
-                        <a16:rowId xmlns="" xmlns:a16="http://schemas.microsoft.com/office/drawing/2014/main" val="889951462"/>
-                      </a:ext>
-                    </a:extLst>
-                  </a:tr>
-                  <a:tr h="319896">
-                    <a:tc>
-                      <a:txBody>
-                        <a:bodyPr/>
-                        <a:lstStyle/>
-                        <a:p>
-                          <a:pPr algn="ctr"/>
-                          <a:r>
-                            <a:rPr lang="en-AU" sz="900" dirty="0"/>
-                            <a:t>YYADSVK</a:t>
-                          </a:r>
-                        </a:p>
-                      </a:txBody>
-                      <a:tcPr anchor="ctr">
-                        <a:lnL w="12700" cap="flat" cmpd="sng" algn="ctr">
-                          <a:solidFill>
-                            <a:schemeClr val="tx1"/>
-                          </a:solidFill>
-                          <a:prstDash val="solid"/>
-                          <a:round/>
-                          <a:headEnd type="none" w="med" len="med"/>
-                          <a:tailEnd type="none" w="med" len="med"/>
-                        </a:lnL>
-                        <a:lnR>
-                          <a:noFill/>
-                        </a:lnR>
-                        <a:lnT>
-                          <a:noFill/>
-                        </a:lnT>
-                        <a:lnB w="12700" cap="flat" cmpd="sng" algn="ctr">
-                          <a:solidFill>
-                            <a:schemeClr val="tx1"/>
-                          </a:solidFill>
-                          <a:prstDash val="solid"/>
-                          <a:round/>
-                          <a:headEnd type="none" w="med" len="med"/>
-                          <a:tailEnd type="none" w="med" len="med"/>
-                        </a:lnB>
-                        <a:lnTlToBr w="12700" cmpd="sng">
-                          <a:noFill/>
-                          <a:prstDash val="solid"/>
-                        </a:lnTlToBr>
-                        <a:lnBlToTr w="12700" cmpd="sng">
-                          <a:noFill/>
-                          <a:prstDash val="solid"/>
-                        </a:lnBlToTr>
-                      </a:tcPr>
-                    </a:tc>
-                    <a:tc>
-                      <a:txBody>
-                        <a:bodyPr/>
-                        <a:lstStyle/>
-                        <a:p>
-                          <a:pPr algn="ctr"/>
-                          <a:r>
-                            <a:rPr lang="en-AU" sz="900" dirty="0"/>
-                            <a:t>13</a:t>
-                          </a:r>
-                        </a:p>
-                      </a:txBody>
-                      <a:tcPr anchor="ctr">
-                        <a:lnL>
-                          <a:noFill/>
-                        </a:lnL>
-                        <a:lnR>
-                          <a:noFill/>
-                        </a:lnR>
-                        <a:lnT>
-                          <a:noFill/>
-                        </a:lnT>
-                        <a:lnB w="12700" cap="flat" cmpd="sng" algn="ctr">
-                          <a:solidFill>
-                            <a:schemeClr val="tx1"/>
-                          </a:solidFill>
-                          <a:prstDash val="solid"/>
-                          <a:round/>
-                          <a:headEnd type="none" w="med" len="med"/>
-                          <a:tailEnd type="none" w="med" len="med"/>
-                        </a:lnB>
-                        <a:lnTlToBr w="12700" cmpd="sng">
-                          <a:noFill/>
-                          <a:prstDash val="solid"/>
-                        </a:lnTlToBr>
-                        <a:lnBlToTr w="12700" cmpd="sng">
-                          <a:noFill/>
-                          <a:prstDash val="solid"/>
-                        </a:lnBlToTr>
-                      </a:tcPr>
-                    </a:tc>
-                    <a:tc>
-                      <a:txBody>
-                        <a:bodyPr/>
-                        <a:lstStyle/>
-                        <a:p>
-                          <a:pPr algn="ctr"/>
-                          <a:r>
-                            <a:rPr lang="en-AU" sz="900" dirty="0"/>
-                            <a:t>1</a:t>
-                          </a:r>
-                        </a:p>
-                      </a:txBody>
-                      <a:tcPr anchor="ctr">
-                        <a:lnL>
-                          <a:noFill/>
-                        </a:lnL>
-                        <a:lnR>
-                          <a:noFill/>
-                        </a:lnR>
-                        <a:lnT>
-                          <a:noFill/>
-                        </a:lnT>
-                        <a:lnB w="12700" cap="flat" cmpd="sng" algn="ctr">
-                          <a:solidFill>
-                            <a:schemeClr val="tx1"/>
-                          </a:solidFill>
-                          <a:prstDash val="solid"/>
-                          <a:round/>
-                          <a:headEnd type="none" w="med" len="med"/>
-                          <a:tailEnd type="none" w="med" len="med"/>
-                        </a:lnB>
-                        <a:lnTlToBr w="12700" cmpd="sng">
-                          <a:noFill/>
-                          <a:prstDash val="solid"/>
-                        </a:lnTlToBr>
-                        <a:lnBlToTr w="12700" cmpd="sng">
-                          <a:noFill/>
-                          <a:prstDash val="solid"/>
-                        </a:lnBlToTr>
-                      </a:tcPr>
-                    </a:tc>
-                    <a:tc>
-                      <a:txBody>
-                        <a:bodyPr/>
-                        <a:lstStyle/>
-                        <a:p>
-                          <a:pPr algn="ctr"/>
-                          <a:r>
-                            <a:rPr lang="en-AU" sz="900" dirty="0"/>
-                            <a:t>0.012</a:t>
-                          </a:r>
-                        </a:p>
-                      </a:txBody>
-                      <a:tcPr anchor="ctr">
-                        <a:lnL>
-                          <a:noFill/>
-                        </a:lnL>
-                        <a:lnR>
-                          <a:noFill/>
-                        </a:lnR>
-                        <a:lnT>
-                          <a:noFill/>
-                        </a:lnT>
-                        <a:lnB w="12700" cap="flat" cmpd="sng" algn="ctr">
-                          <a:solidFill>
-                            <a:schemeClr val="tx1"/>
-                          </a:solidFill>
-                          <a:prstDash val="solid"/>
-                          <a:round/>
-                          <a:headEnd type="none" w="med" len="med"/>
-                          <a:tailEnd type="none" w="med" len="med"/>
-                        </a:lnB>
-                        <a:lnTlToBr w="12700" cmpd="sng">
-                          <a:noFill/>
-                          <a:prstDash val="solid"/>
-                        </a:lnTlToBr>
-                        <a:lnBlToTr w="12700" cmpd="sng">
-                          <a:noFill/>
-                          <a:prstDash val="solid"/>
-                        </a:lnBlToTr>
-                      </a:tcPr>
-                    </a:tc>
-                    <a:tc>
-                      <a:txBody>
-                        <a:bodyPr/>
-                        <a:lstStyle/>
-                        <a:p>
-                          <a:pPr algn="ctr"/>
-                          <a:r>
-                            <a:rPr lang="en-AU" sz="900" dirty="0"/>
-                            <a:t>0.001</a:t>
-                          </a:r>
-                        </a:p>
-                      </a:txBody>
-                      <a:tcPr anchor="ctr">
-                        <a:lnL>
-                          <a:noFill/>
-                        </a:lnL>
-                        <a:lnR w="12700" cap="flat" cmpd="sng" algn="ctr">
-                          <a:solidFill>
-                            <a:schemeClr val="tx1"/>
-                          </a:solidFill>
-                          <a:prstDash val="solid"/>
-                          <a:round/>
-                          <a:headEnd type="none" w="med" len="med"/>
-                          <a:tailEnd type="none" w="med" len="med"/>
-                        </a:lnR>
-                        <a:lnT>
-                          <a:noFill/>
-                        </a:lnT>
-                        <a:lnB w="12700" cap="flat" cmpd="sng" algn="ctr">
-                          <a:solidFill>
-                            <a:schemeClr val="tx1"/>
-                          </a:solidFill>
-                          <a:prstDash val="solid"/>
-                          <a:round/>
-                          <a:headEnd type="none" w="med" len="med"/>
-                          <a:tailEnd type="none" w="med" len="med"/>
-                        </a:lnB>
-                        <a:lnTlToBr w="12700" cmpd="sng">
-                          <a:noFill/>
-                          <a:prstDash val="solid"/>
-                        </a:lnTlToBr>
-                        <a:lnBlToTr w="12700" cmpd="sng">
-                          <a:noFill/>
-                          <a:prstDash val="solid"/>
-                        </a:lnBlToTr>
-                      </a:tcPr>
-                    </a:tc>
-                    <a:extLst>
-                      <a:ext uri="{0D108BD9-81ED-4DB2-BD59-A6C34878D82A}">
-                        <a16:rowId xmlns="" xmlns:a16="http://schemas.microsoft.com/office/drawing/2014/main" val="141707935"/>
+                        <a16:rowId xmlns:a16="http://schemas.microsoft.com/office/drawing/2014/main" xmlns="" val="141707935"/>
                       </a:ext>
                     </a:extLst>
                   </a:tr>
@@ -10763,7 +10756,7 @@
             </a:graphic>
           </p:graphicFrame>
         </mc:Choice>
-        <mc:Fallback>
+        <mc:Fallback xmlns="">
           <p:graphicFrame>
             <p:nvGraphicFramePr>
               <p:cNvPr id="6" name="Table 5"/>
@@ -10773,14 +10766,14 @@
               <p:nvPr>
                 <p:extLst>
                   <p:ext uri="{D42A27DB-BD31-4B8C-83A1-F6EECF244321}">
-                    <p14:modId xmlns:p14="http://schemas.microsoft.com/office/powerpoint/2010/main" val="1421410547"/>
+                    <p14:modId xmlns:p14="http://schemas.microsoft.com/office/powerpoint/2010/main" val="3262488738"/>
                   </p:ext>
                 </p:extLst>
               </p:nvPr>
             </p:nvGraphicFramePr>
             <p:xfrm>
-              <a:off x="3409732" y="2313841"/>
-              <a:ext cx="3159125" cy="3390899"/>
+              <a:off x="3409732" y="2377852"/>
+              <a:ext cx="3159125" cy="3419997"/>
             </p:xfrm>
             <a:graphic>
               <a:graphicData uri="http://schemas.openxmlformats.org/drawingml/2006/table">
@@ -10825,7 +10818,7 @@
                       </a:extLst>
                     </a:gridCol>
                   </a:tblGrid>
-                  <a:tr h="511835">
+                  <a:tr h="516228">
                     <a:tc>
                       <a:txBody>
                         <a:bodyPr/>
@@ -10876,7 +10869,7 @@
                         <a:blipFill rotWithShape="1">
                           <a:blip r:embed="rId2"/>
                           <a:stretch>
-                            <a:fillRect t="-1190" r="-302326" b="-561905"/>
+                            <a:fillRect r="-302326" b="-561176"/>
                           </a:stretch>
                         </a:blipFill>
                       </a:tcPr>
@@ -10925,7 +10918,7 @@
                         <a:blipFill rotWithShape="1">
                           <a:blip r:embed="rId2"/>
                           <a:stretch>
-                            <a:fillRect l="-163291" t="-1190" r="-393671" b="-561905"/>
+                            <a:fillRect l="-163291" r="-393671" b="-561176"/>
                           </a:stretch>
                         </a:blipFill>
                       </a:tcPr>
@@ -10974,7 +10967,7 @@
                         <a:blipFill rotWithShape="1">
                           <a:blip r:embed="rId2"/>
                           <a:stretch>
-                            <a:fillRect l="-201942" t="-1190" r="-201942" b="-561905"/>
+                            <a:fillRect l="-201942" r="-201942" b="-561176"/>
                           </a:stretch>
                         </a:blipFill>
                       </a:tcPr>
@@ -11023,7 +11016,7 @@
                         <a:blipFill rotWithShape="1">
                           <a:blip r:embed="rId2"/>
                           <a:stretch>
-                            <a:fillRect l="-299038" t="-1190" r="-100000" b="-561905"/>
+                            <a:fillRect l="-299038" r="-100000" b="-561176"/>
                           </a:stretch>
                         </a:blipFill>
                       </a:tcPr>
@@ -11078,7 +11071,7 @@
                         <a:blipFill rotWithShape="1">
                           <a:blip r:embed="rId2"/>
                           <a:stretch>
-                            <a:fillRect l="-399038" t="-1190" b="-561905"/>
+                            <a:fillRect l="-399038" b="-561176"/>
                           </a:stretch>
                         </a:blipFill>
                       </a:tcPr>
@@ -11089,7 +11082,7 @@
                       </a:ext>
                     </a:extLst>
                   </a:tr>
-                  <a:tr h="319896">
+                  <a:tr h="322641">
                     <a:tc>
                       <a:txBody>
                         <a:bodyPr/>
@@ -11276,9 +11269,10 @@
                         <a:p>
                           <a:pPr algn="ctr"/>
                           <a:r>
-                            <a:rPr lang="en-AU" sz="900" dirty="0"/>
-                            <a:t>0.509</a:t>
-                          </a:r>
+                            <a:rPr lang="en-AU" sz="900" dirty="0" smtClean="0"/>
+                            <a:t>0.386</a:t>
+                          </a:r>
+                          <a:endParaRPr lang="en-AU" sz="900" dirty="0"/>
                         </a:p>
                       </a:txBody>
                       <a:tcPr anchor="ctr">
@@ -11322,7 +11316,7 @@
                       </a:ext>
                     </a:extLst>
                   </a:tr>
-                  <a:tr h="319896">
+                  <a:tr h="322641">
                     <a:tc>
                       <a:txBody>
                         <a:bodyPr/>
@@ -11516,7 +11510,7 @@
                       </a:ext>
                     </a:extLst>
                   </a:tr>
-                  <a:tr h="319896">
+                  <a:tr h="322641">
                     <a:tc>
                       <a:txBody>
                         <a:bodyPr/>
@@ -11644,9 +11638,10 @@
                         <a:p>
                           <a:pPr algn="ctr"/>
                           <a:r>
-                            <a:rPr lang="en-AU" sz="900" dirty="0"/>
-                            <a:t>0.998</a:t>
-                          </a:r>
+                            <a:rPr lang="en-AU" sz="900" dirty="0" smtClean="0"/>
+                            <a:t>0.999</a:t>
+                          </a:r>
+                          <a:endParaRPr lang="en-AU" sz="900" dirty="0"/>
                         </a:p>
                       </a:txBody>
                       <a:tcPr anchor="ctr">
@@ -11719,7 +11714,7 @@
                       </a:ext>
                     </a:extLst>
                   </a:tr>
-                  <a:tr h="319896">
+                  <a:tr h="322641">
                     <a:tc>
                       <a:txBody>
                         <a:bodyPr/>
@@ -11914,7 +11909,198 @@
                       </a:ext>
                     </a:extLst>
                   </a:tr>
-                  <a:tr h="319896">
+                  <a:tr h="322641">
+                    <a:tc>
+                      <a:txBody>
+                        <a:bodyPr/>
+                        <a:lstStyle/>
+                        <a:p>
+                          <a:pPr algn="ctr"/>
+                          <a:r>
+                            <a:rPr lang="en-AU" sz="900" dirty="0"/>
+                            <a:t>FGYVDSVK</a:t>
+                          </a:r>
+                        </a:p>
+                      </a:txBody>
+                      <a:tcPr anchor="ctr">
+                        <a:lnL w="12700" cap="flat" cmpd="sng" algn="ctr">
+                          <a:solidFill>
+                            <a:schemeClr val="tx1"/>
+                          </a:solidFill>
+                          <a:prstDash val="solid"/>
+                          <a:round/>
+                          <a:headEnd type="none" w="med" len="med"/>
+                          <a:tailEnd type="none" w="med" len="med"/>
+                        </a:lnL>
+                        <a:lnR>
+                          <a:noFill/>
+                        </a:lnR>
+                        <a:lnT>
+                          <a:noFill/>
+                        </a:lnT>
+                        <a:lnB>
+                          <a:noFill/>
+                        </a:lnB>
+                        <a:lnTlToBr w="12700" cmpd="sng">
+                          <a:noFill/>
+                          <a:prstDash val="solid"/>
+                        </a:lnTlToBr>
+                        <a:lnBlToTr w="12700" cmpd="sng">
+                          <a:noFill/>
+                          <a:prstDash val="solid"/>
+                        </a:lnBlToTr>
+                      </a:tcPr>
+                    </a:tc>
+                    <a:tc>
+                      <a:txBody>
+                        <a:bodyPr/>
+                        <a:lstStyle/>
+                        <a:p>
+                          <a:pPr algn="ctr"/>
+                          <a:r>
+                            <a:rPr lang="en-AU" sz="900" dirty="0"/>
+                            <a:t>3</a:t>
+                          </a:r>
+                        </a:p>
+                      </a:txBody>
+                      <a:tcPr anchor="ctr">
+                        <a:lnL>
+                          <a:noFill/>
+                        </a:lnL>
+                        <a:lnR>
+                          <a:noFill/>
+                        </a:lnR>
+                        <a:lnT>
+                          <a:noFill/>
+                        </a:lnT>
+                        <a:lnB>
+                          <a:noFill/>
+                        </a:lnB>
+                        <a:lnTlToBr w="12700" cmpd="sng">
+                          <a:noFill/>
+                          <a:prstDash val="solid"/>
+                        </a:lnTlToBr>
+                        <a:lnBlToTr w="12700" cmpd="sng">
+                          <a:noFill/>
+                          <a:prstDash val="solid"/>
+                        </a:lnBlToTr>
+                      </a:tcPr>
+                    </a:tc>
+                    <a:tc>
+                      <a:txBody>
+                        <a:bodyPr/>
+                        <a:lstStyle/>
+                        <a:p>
+                          <a:pPr algn="ctr"/>
+                          <a:r>
+                            <a:rPr lang="en-AU" sz="900" dirty="0"/>
+                            <a:t>2</a:t>
+                          </a:r>
+                        </a:p>
+                      </a:txBody>
+                      <a:tcPr anchor="ctr">
+                        <a:lnL>
+                          <a:noFill/>
+                        </a:lnL>
+                        <a:lnR>
+                          <a:noFill/>
+                        </a:lnR>
+                        <a:lnT>
+                          <a:noFill/>
+                        </a:lnT>
+                        <a:lnB>
+                          <a:noFill/>
+                        </a:lnB>
+                        <a:lnTlToBr w="12700" cmpd="sng">
+                          <a:noFill/>
+                          <a:prstDash val="solid"/>
+                        </a:lnTlToBr>
+                        <a:lnBlToTr w="12700" cmpd="sng">
+                          <a:noFill/>
+                          <a:prstDash val="solid"/>
+                        </a:lnBlToTr>
+                      </a:tcPr>
+                    </a:tc>
+                    <a:tc>
+                      <a:txBody>
+                        <a:bodyPr/>
+                        <a:lstStyle/>
+                        <a:p>
+                          <a:pPr algn="ctr"/>
+                          <a:r>
+                            <a:rPr lang="en-AU" sz="900" dirty="0" smtClean="0"/>
+                            <a:t>0.930</a:t>
+                          </a:r>
+                          <a:endParaRPr lang="en-AU" sz="900" dirty="0"/>
+                        </a:p>
+                      </a:txBody>
+                      <a:tcPr anchor="ctr">
+                        <a:lnL>
+                          <a:noFill/>
+                        </a:lnL>
+                        <a:lnR>
+                          <a:noFill/>
+                        </a:lnR>
+                        <a:lnT>
+                          <a:noFill/>
+                        </a:lnT>
+                        <a:lnB>
+                          <a:noFill/>
+                        </a:lnB>
+                        <a:lnTlToBr w="12700" cmpd="sng">
+                          <a:noFill/>
+                          <a:prstDash val="solid"/>
+                        </a:lnTlToBr>
+                        <a:lnBlToTr w="12700" cmpd="sng">
+                          <a:noFill/>
+                          <a:prstDash val="solid"/>
+                        </a:lnBlToTr>
+                      </a:tcPr>
+                    </a:tc>
+                    <a:tc>
+                      <a:txBody>
+                        <a:bodyPr/>
+                        <a:lstStyle/>
+                        <a:p>
+                          <a:pPr algn="ctr"/>
+                          <a:r>
+                            <a:rPr lang="en-AU" sz="900" dirty="0" smtClean="0"/>
+                            <a:t>0.173</a:t>
+                          </a:r>
+                          <a:endParaRPr lang="en-AU" sz="900" dirty="0"/>
+                        </a:p>
+                      </a:txBody>
+                      <a:tcPr anchor="ctr">
+                        <a:lnL>
+                          <a:noFill/>
+                        </a:lnL>
+                        <a:lnR w="12700" cap="flat" cmpd="sng" algn="ctr">
+                          <a:solidFill>
+                            <a:schemeClr val="tx1"/>
+                          </a:solidFill>
+                          <a:prstDash val="solid"/>
+                          <a:round/>
+                          <a:headEnd type="none" w="med" len="med"/>
+                          <a:tailEnd type="none" w="med" len="med"/>
+                        </a:lnR>
+                        <a:lnT>
+                          <a:noFill/>
+                        </a:lnT>
+                        <a:lnB>
+                          <a:noFill/>
+                        </a:lnB>
+                        <a:lnTlToBr w="12700" cmpd="sng">
+                          <a:noFill/>
+                          <a:prstDash val="solid"/>
+                        </a:lnTlToBr>
+                        <a:lnBlToTr w="12700" cmpd="sng">
+                          <a:noFill/>
+                          <a:prstDash val="solid"/>
+                        </a:lnBlToTr>
+                      </a:tcPr>
+                    </a:tc>
+                  </a:tr>
+                  <a:tr h="322641">
                     <a:tc>
                       <a:txBody>
                         <a:bodyPr/>
@@ -12110,7 +12296,7 @@
                       </a:ext>
                     </a:extLst>
                   </a:tr>
-                  <a:tr h="319896">
+                  <a:tr h="322641">
                     <a:tc>
                       <a:txBody>
                         <a:bodyPr/>
@@ -12229,44 +12415,46 @@
                         <a:p>
                           <a:pPr algn="ctr"/>
                           <a:r>
-                            <a:rPr lang="en-AU" sz="900" dirty="0"/>
-                            <a:t>0.568</a:t>
-                          </a:r>
-                        </a:p>
-                      </a:txBody>
-                      <a:tcPr anchor="ctr">
-                        <a:lnL>
-                          <a:noFill/>
-                        </a:lnL>
-                        <a:lnR>
-                          <a:noFill/>
-                        </a:lnR>
-                        <a:lnT>
-                          <a:noFill/>
-                        </a:lnT>
-                        <a:lnB>
-                          <a:noFill/>
-                        </a:lnB>
-                        <a:lnTlToBr w="12700" cmpd="sng">
-                          <a:noFill/>
-                          <a:prstDash val="solid"/>
-                        </a:lnTlToBr>
-                        <a:lnBlToTr w="12700" cmpd="sng">
-                          <a:noFill/>
-                          <a:prstDash val="solid"/>
-                        </a:lnBlToTr>
-                      </a:tcPr>
-                    </a:tc>
-                    <a:tc>
-                      <a:txBody>
-                        <a:bodyPr/>
-                        <a:lstStyle/>
-                        <a:p>
-                          <a:pPr algn="ctr"/>
-                          <a:r>
-                            <a:rPr lang="en-AU" sz="900" dirty="0"/>
-                            <a:t>0.075</a:t>
-                          </a:r>
+                            <a:rPr lang="en-AU" sz="900" dirty="0" smtClean="0"/>
+                            <a:t>0.563</a:t>
+                          </a:r>
+                          <a:endParaRPr lang="en-AU" sz="900" dirty="0"/>
+                        </a:p>
+                      </a:txBody>
+                      <a:tcPr anchor="ctr">
+                        <a:lnL>
+                          <a:noFill/>
+                        </a:lnL>
+                        <a:lnR>
+                          <a:noFill/>
+                        </a:lnR>
+                        <a:lnT>
+                          <a:noFill/>
+                        </a:lnT>
+                        <a:lnB>
+                          <a:noFill/>
+                        </a:lnB>
+                        <a:lnTlToBr w="12700" cmpd="sng">
+                          <a:noFill/>
+                          <a:prstDash val="solid"/>
+                        </a:lnTlToBr>
+                        <a:lnBlToTr w="12700" cmpd="sng">
+                          <a:noFill/>
+                          <a:prstDash val="solid"/>
+                        </a:lnBlToTr>
+                      </a:tcPr>
+                    </a:tc>
+                    <a:tc>
+                      <a:txBody>
+                        <a:bodyPr/>
+                        <a:lstStyle/>
+                        <a:p>
+                          <a:pPr algn="ctr"/>
+                          <a:r>
+                            <a:rPr lang="en-AU" sz="900" dirty="0" smtClean="0"/>
+                            <a:t>0.074</a:t>
+                          </a:r>
+                          <a:endParaRPr lang="en-AU" sz="900" dirty="0"/>
                         </a:p>
                       </a:txBody>
                       <a:tcPr anchor="ctr">
@@ -12304,7 +12492,7 @@
                       </a:ext>
                     </a:extLst>
                   </a:tr>
-                  <a:tr h="319896">
+                  <a:tr h="322641">
                     <a:tc>
                       <a:txBody>
                         <a:bodyPr/>
@@ -12423,9 +12611,10 @@
                         <a:p>
                           <a:pPr algn="ctr"/>
                           <a:r>
-                            <a:rPr lang="en-AU" sz="900" dirty="0"/>
-                            <a:t>0.475</a:t>
-                          </a:r>
+                            <a:rPr lang="en-AU" sz="900" dirty="0" smtClean="0"/>
+                            <a:t>0.471</a:t>
+                          </a:r>
+                          <a:endParaRPr lang="en-AU" sz="900" dirty="0"/>
                         </a:p>
                       </a:txBody>
                       <a:tcPr anchor="ctr">
@@ -12498,201 +12687,7 @@
                       </a:ext>
                     </a:extLst>
                   </a:tr>
-                  <a:tr h="319896">
-                    <a:tc>
-                      <a:txBody>
-                        <a:bodyPr/>
-                        <a:lstStyle/>
-                        <a:p>
-                          <a:pPr algn="ctr"/>
-                          <a:r>
-                            <a:rPr lang="en-AU" sz="900" dirty="0"/>
-                            <a:t>FGYVDSVK</a:t>
-                          </a:r>
-                        </a:p>
-                      </a:txBody>
-                      <a:tcPr anchor="ctr">
-                        <a:lnL w="12700" cap="flat" cmpd="sng" algn="ctr">
-                          <a:solidFill>
-                            <a:schemeClr val="tx1"/>
-                          </a:solidFill>
-                          <a:prstDash val="solid"/>
-                          <a:round/>
-                          <a:headEnd type="none" w="med" len="med"/>
-                          <a:tailEnd type="none" w="med" len="med"/>
-                        </a:lnL>
-                        <a:lnR>
-                          <a:noFill/>
-                        </a:lnR>
-                        <a:lnT>
-                          <a:noFill/>
-                        </a:lnT>
-                        <a:lnB>
-                          <a:noFill/>
-                        </a:lnB>
-                        <a:lnTlToBr w="12700" cmpd="sng">
-                          <a:noFill/>
-                          <a:prstDash val="solid"/>
-                        </a:lnTlToBr>
-                        <a:lnBlToTr w="12700" cmpd="sng">
-                          <a:noFill/>
-                          <a:prstDash val="solid"/>
-                        </a:lnBlToTr>
-                      </a:tcPr>
-                    </a:tc>
-                    <a:tc>
-                      <a:txBody>
-                        <a:bodyPr/>
-                        <a:lstStyle/>
-                        <a:p>
-                          <a:pPr algn="ctr"/>
-                          <a:r>
-                            <a:rPr lang="en-AU" sz="900" dirty="0"/>
-                            <a:t>3</a:t>
-                          </a:r>
-                        </a:p>
-                      </a:txBody>
-                      <a:tcPr anchor="ctr">
-                        <a:lnL>
-                          <a:noFill/>
-                        </a:lnL>
-                        <a:lnR>
-                          <a:noFill/>
-                        </a:lnR>
-                        <a:lnT>
-                          <a:noFill/>
-                        </a:lnT>
-                        <a:lnB>
-                          <a:noFill/>
-                        </a:lnB>
-                        <a:lnTlToBr w="12700" cmpd="sng">
-                          <a:noFill/>
-                          <a:prstDash val="solid"/>
-                        </a:lnTlToBr>
-                        <a:lnBlToTr w="12700" cmpd="sng">
-                          <a:noFill/>
-                          <a:prstDash val="solid"/>
-                        </a:lnBlToTr>
-                      </a:tcPr>
-                    </a:tc>
-                    <a:tc>
-                      <a:txBody>
-                        <a:bodyPr/>
-                        <a:lstStyle/>
-                        <a:p>
-                          <a:pPr algn="ctr"/>
-                          <a:r>
-                            <a:rPr lang="en-AU" sz="900" dirty="0"/>
-                            <a:t>2</a:t>
-                          </a:r>
-                        </a:p>
-                      </a:txBody>
-                      <a:tcPr anchor="ctr">
-                        <a:lnL>
-                          <a:noFill/>
-                        </a:lnL>
-                        <a:lnR>
-                          <a:noFill/>
-                        </a:lnR>
-                        <a:lnT>
-                          <a:noFill/>
-                        </a:lnT>
-                        <a:lnB>
-                          <a:noFill/>
-                        </a:lnB>
-                        <a:lnTlToBr w="12700" cmpd="sng">
-                          <a:noFill/>
-                          <a:prstDash val="solid"/>
-                        </a:lnTlToBr>
-                        <a:lnBlToTr w="12700" cmpd="sng">
-                          <a:noFill/>
-                          <a:prstDash val="solid"/>
-                        </a:lnBlToTr>
-                      </a:tcPr>
-                    </a:tc>
-                    <a:tc>
-                      <a:txBody>
-                        <a:bodyPr/>
-                        <a:lstStyle/>
-                        <a:p>
-                          <a:pPr algn="ctr"/>
-                          <a:r>
-                            <a:rPr lang="en-AU" sz="900" dirty="0"/>
-                            <a:t>0.437</a:t>
-                          </a:r>
-                        </a:p>
-                      </a:txBody>
-                      <a:tcPr anchor="ctr">
-                        <a:lnL>
-                          <a:noFill/>
-                        </a:lnL>
-                        <a:lnR>
-                          <a:noFill/>
-                        </a:lnR>
-                        <a:lnT>
-                          <a:noFill/>
-                        </a:lnT>
-                        <a:lnB>
-                          <a:noFill/>
-                        </a:lnB>
-                        <a:lnTlToBr w="12700" cmpd="sng">
-                          <a:noFill/>
-                          <a:prstDash val="solid"/>
-                        </a:lnTlToBr>
-                        <a:lnBlToTr w="12700" cmpd="sng">
-                          <a:noFill/>
-                          <a:prstDash val="solid"/>
-                        </a:lnBlToTr>
-                      </a:tcPr>
-                    </a:tc>
-                    <a:tc>
-                      <a:txBody>
-                        <a:bodyPr/>
-                        <a:lstStyle/>
-                        <a:p>
-                          <a:pPr algn="ctr"/>
-                          <a:r>
-                            <a:rPr lang="en-AU" sz="900" dirty="0"/>
-                            <a:t>0.033</a:t>
-                          </a:r>
-                        </a:p>
-                      </a:txBody>
-                      <a:tcPr anchor="ctr">
-                        <a:lnL>
-                          <a:noFill/>
-                        </a:lnL>
-                        <a:lnR w="12700" cap="flat" cmpd="sng" algn="ctr">
-                          <a:solidFill>
-                            <a:schemeClr val="tx1"/>
-                          </a:solidFill>
-                          <a:prstDash val="solid"/>
-                          <a:round/>
-                          <a:headEnd type="none" w="med" len="med"/>
-                          <a:tailEnd type="none" w="med" len="med"/>
-                        </a:lnR>
-                        <a:lnT>
-                          <a:noFill/>
-                        </a:lnT>
-                        <a:lnB>
-                          <a:noFill/>
-                        </a:lnB>
-                        <a:lnTlToBr w="12700" cmpd="sng">
-                          <a:noFill/>
-                          <a:prstDash val="solid"/>
-                        </a:lnTlToBr>
-                        <a:lnBlToTr w="12700" cmpd="sng">
-                          <a:noFill/>
-                          <a:prstDash val="solid"/>
-                        </a:lnBlToTr>
-                      </a:tcPr>
-                    </a:tc>
-                    <a:extLst>
-                      <a:ext uri="{0D108BD9-81ED-4DB2-BD59-A6C34878D82A}">
-                        <a16:rowId xmlns="" xmlns:a16="http://schemas.microsoft.com/office/drawing/2014/main" xmlns:a14="http://schemas.microsoft.com/office/drawing/2010/main" val="889951462"/>
-                      </a:ext>
-                    </a:extLst>
-                  </a:tr>
-                  <a:tr h="319896">
+                  <a:tr h="322641">
                     <a:tc>
                       <a:txBody>
                         <a:bodyPr/>
@@ -12924,7 +12919,7 @@
       </mc:AlternateContent>
       <p:grpSp>
         <p:nvGrpSpPr>
-          <p:cNvPr id="3" name="Group 2"/>
+          <p:cNvPr id="7" name="Group 6"/>
           <p:cNvGrpSpPr/>
           <p:nvPr/>
         </p:nvGrpSpPr>
@@ -12932,19 +12927,19 @@
           <a:xfrm>
             <a:off x="836712" y="2445719"/>
             <a:ext cx="1944216" cy="3127141"/>
-            <a:chOff x="836712" y="3109695"/>
+            <a:chOff x="836712" y="2445719"/>
             <a:chExt cx="1944216" cy="3127141"/>
           </a:xfrm>
         </p:grpSpPr>
         <p:pic>
           <p:nvPicPr>
-            <p:cNvPr id="8" name="Picture 7"/>
+            <p:cNvPr id="5" name="Picture 4"/>
             <p:cNvPicPr>
               <a:picLocks noChangeAspect="1"/>
             </p:cNvPicPr>
             <p:nvPr/>
           </p:nvPicPr>
-          <p:blipFill rotWithShape="1">
+          <p:blipFill>
             <a:blip r:embed="rId3">
               <a:extLst>
                 <a:ext uri="{28A0092B-C50C-407E-A947-70E740481C1C}">
@@ -12952,13 +12947,14 @@
                 </a:ext>
               </a:extLst>
             </a:blip>
-            <a:srcRect l="926" t="39497" r="1"/>
-            <a:stretch/>
+            <a:stretch>
+              <a:fillRect/>
+            </a:stretch>
           </p:blipFill>
           <p:spPr>
             <a:xfrm>
-              <a:off x="836712" y="3275856"/>
-              <a:ext cx="1808662" cy="2316448"/>
+              <a:off x="850900" y="2632860"/>
+              <a:ext cx="1758950" cy="2288389"/>
             </a:xfrm>
             <a:prstGeom prst="rect">
               <a:avLst/>
@@ -12987,8 +12983,8 @@
           </p:blipFill>
           <p:spPr>
             <a:xfrm>
-              <a:off x="836712" y="5848058"/>
-              <a:ext cx="1791758" cy="388778"/>
+              <a:off x="838200" y="5184082"/>
+              <a:ext cx="1790270" cy="388778"/>
             </a:xfrm>
             <a:prstGeom prst="rect">
               <a:avLst/>
@@ -13004,7 +13000,7 @@
             <p:nvPr/>
           </p:nvPicPr>
           <p:blipFill rotWithShape="1">
-            <a:blip r:embed="rId3">
+            <a:blip r:embed="rId5">
               <a:extLst>
                 <a:ext uri="{28A0092B-C50C-407E-A947-70E740481C1C}">
                   <a14:useLocalDpi xmlns:a14="http://schemas.microsoft.com/office/drawing/2010/main" val="0"/>
@@ -13016,7 +13012,7 @@
           </p:blipFill>
           <p:spPr>
             <a:xfrm>
-              <a:off x="836712" y="3109695"/>
+              <a:off x="836712" y="2445719"/>
               <a:ext cx="1944216" cy="187141"/>
             </a:xfrm>
             <a:prstGeom prst="rect">
@@ -13055,8 +13051,8 @@
           <a:chExt cx="0" cy="0"/>
         </a:xfrm>
       </p:grpSpPr>
-      <mc:AlternateContent xmlns:mc="http://schemas.openxmlformats.org/markup-compatibility/2006">
-        <mc:Choice xmlns:a14="http://schemas.microsoft.com/office/drawing/2010/main" Requires="a14">
+      <mc:AlternateContent xmlns:mc="http://schemas.openxmlformats.org/markup-compatibility/2006" xmlns:a14="http://schemas.microsoft.com/office/drawing/2010/main">
+        <mc:Choice Requires="a14">
           <p:graphicFrame>
             <p:nvGraphicFramePr>
               <p:cNvPr id="6" name="Table 5"/>
@@ -13066,7 +13062,7 @@
               <p:nvPr>
                 <p:extLst>
                   <p:ext uri="{D42A27DB-BD31-4B8C-83A1-F6EECF244321}">
-                    <p14:modId xmlns:p14="http://schemas.microsoft.com/office/powerpoint/2010/main" val="172434542"/>
+                    <p14:modId xmlns:p14="http://schemas.microsoft.com/office/powerpoint/2010/main" val="3345140896"/>
                   </p:ext>
                 </p:extLst>
               </p:nvPr>
@@ -13085,35 +13081,35 @@
                     <a:gridCol w="785093">
                       <a:extLst>
                         <a:ext uri="{9D8B030D-6E8A-4147-A177-3AD203B41FA5}">
-                          <a16:colId xmlns="" xmlns:a16="http://schemas.microsoft.com/office/drawing/2014/main" val="2070464311"/>
+                          <a16:colId xmlns:a16="http://schemas.microsoft.com/office/drawing/2014/main" xmlns="" val="2070464311"/>
                         </a:ext>
                       </a:extLst>
                     </a:gridCol>
                     <a:gridCol w="478557">
                       <a:extLst>
                         <a:ext uri="{9D8B030D-6E8A-4147-A177-3AD203B41FA5}">
-                          <a16:colId xmlns="" xmlns:a16="http://schemas.microsoft.com/office/drawing/2014/main" val="2814482158"/>
+                          <a16:colId xmlns:a16="http://schemas.microsoft.com/office/drawing/2014/main" xmlns="" val="2814482158"/>
                         </a:ext>
                       </a:extLst>
                     </a:gridCol>
                     <a:gridCol w="631825">
                       <a:extLst>
                         <a:ext uri="{9D8B030D-6E8A-4147-A177-3AD203B41FA5}">
-                          <a16:colId xmlns="" xmlns:a16="http://schemas.microsoft.com/office/drawing/2014/main" val="3449075261"/>
+                          <a16:colId xmlns:a16="http://schemas.microsoft.com/office/drawing/2014/main" xmlns="" val="3449075261"/>
                         </a:ext>
                       </a:extLst>
                     </a:gridCol>
                     <a:gridCol w="631825">
                       <a:extLst>
                         <a:ext uri="{9D8B030D-6E8A-4147-A177-3AD203B41FA5}">
-                          <a16:colId xmlns="" xmlns:a16="http://schemas.microsoft.com/office/drawing/2014/main" val="1813670796"/>
+                          <a16:colId xmlns:a16="http://schemas.microsoft.com/office/drawing/2014/main" xmlns="" val="1813670796"/>
                         </a:ext>
                       </a:extLst>
                     </a:gridCol>
                     <a:gridCol w="631825">
                       <a:extLst>
                         <a:ext uri="{9D8B030D-6E8A-4147-A177-3AD203B41FA5}">
-                          <a16:colId xmlns="" xmlns:a16="http://schemas.microsoft.com/office/drawing/2014/main" val="1994465920"/>
+                          <a16:colId xmlns:a16="http://schemas.microsoft.com/office/drawing/2014/main" xmlns="" val="1994465920"/>
                         </a:ext>
                       </a:extLst>
                     </a:gridCol>
@@ -13308,7 +13304,10 @@
                                       <m:t>𝟑</m:t>
                                     </m:r>
                                     <m:r>
-                                      <a:rPr lang="en-AU" sz="900" b="1" i="1" kern="1200" smtClean="0">
+                                      <m:rPr>
+                                        <m:nor/>
+                                      </m:rPr>
+                                      <a:rPr lang="en-AU" sz="900" b="1" i="0" kern="1200" smtClean="0">
                                         <a:solidFill>
                                           <a:schemeClr val="tx1"/>
                                         </a:solidFill>
@@ -13332,7 +13331,10 @@
                                       <m:t>𝟔𝟗</m:t>
                                     </m:r>
                                     <m:r>
-                                      <a:rPr lang="en-AU" sz="900" b="1" i="1" kern="1200" smtClean="0">
+                                      <m:rPr>
+                                        <m:nor/>
+                                      </m:rPr>
+                                      <a:rPr lang="en-AU" sz="900" b="1" i="0" kern="1200" smtClean="0">
                                         <a:solidFill>
                                           <a:schemeClr val="tx1"/>
                                         </a:solidFill>
@@ -13481,7 +13483,10 @@
                                       <m:t>𝟑</m:t>
                                     </m:r>
                                     <m:r>
-                                      <a:rPr lang="en-AU" sz="900" b="1" i="1" kern="1200" smtClean="0">
+                                      <m:rPr>
+                                        <m:nor/>
+                                      </m:rPr>
+                                      <a:rPr lang="en-AU" sz="900" b="1" i="0" kern="1200" smtClean="0">
                                         <a:solidFill>
                                           <a:schemeClr val="tx1"/>
                                         </a:solidFill>
@@ -13505,7 +13510,10 @@
                                       <m:t>𝟔𝟗</m:t>
                                     </m:r>
                                     <m:r>
-                                      <a:rPr lang="en-AU" sz="900" b="1" i="1" kern="1200" smtClean="0">
+                                      <m:rPr>
+                                        <m:nor/>
+                                      </m:rPr>
+                                      <a:rPr lang="en-AU" sz="900" b="1" i="0" kern="1200" smtClean="0">
                                         <a:solidFill>
                                           <a:schemeClr val="tx1"/>
                                         </a:solidFill>
@@ -13654,7 +13662,10 @@
                                       <m:t>𝟑</m:t>
                                     </m:r>
                                     <m:r>
-                                      <a:rPr lang="en-AU" sz="900" b="1" i="1" kern="1200" smtClean="0">
+                                      <m:rPr>
+                                        <m:nor/>
+                                      </m:rPr>
+                                      <a:rPr lang="en-AU" sz="900" b="1" i="0" kern="1200" smtClean="0">
                                         <a:solidFill>
                                           <a:schemeClr val="tx1"/>
                                         </a:solidFill>
@@ -13678,7 +13689,10 @@
                                       <m:t>𝟔𝟗</m:t>
                                     </m:r>
                                     <m:r>
-                                      <a:rPr lang="en-AU" sz="900" b="1" i="1" kern="1200" smtClean="0">
+                                      <m:rPr>
+                                        <m:nor/>
+                                      </m:rPr>
+                                      <a:rPr lang="en-AU" sz="900" b="1" i="0" kern="1200" smtClean="0">
                                         <a:solidFill>
                                           <a:schemeClr val="tx1"/>
                                         </a:solidFill>
@@ -13781,7 +13795,7 @@
                     </a:tc>
                     <a:extLst>
                       <a:ext uri="{0D108BD9-81ED-4DB2-BD59-A6C34878D82A}">
-                        <a16:rowId xmlns="" xmlns:a16="http://schemas.microsoft.com/office/drawing/2014/main" val="3176941515"/>
+                        <a16:rowId xmlns:a16="http://schemas.microsoft.com/office/drawing/2014/main" xmlns="" val="3176941515"/>
                       </a:ext>
                     </a:extLst>
                   </a:tr>
@@ -13931,9 +13945,10 @@
                         <a:p>
                           <a:pPr algn="ctr"/>
                           <a:r>
-                            <a:rPr lang="en-AU" sz="900" dirty="0"/>
-                            <a:t>0.901</a:t>
-                          </a:r>
+                            <a:rPr lang="en-AU" sz="900" dirty="0" smtClean="0"/>
+                            <a:t>0.856</a:t>
+                          </a:r>
+                          <a:endParaRPr lang="en-AU" sz="900" dirty="0"/>
                         </a:p>
                       </a:txBody>
                       <a:tcPr anchor="ctr">
@@ -14014,7 +14029,7 @@
                     </a:tc>
                     <a:extLst>
                       <a:ext uri="{0D108BD9-81ED-4DB2-BD59-A6C34878D82A}">
-                        <a16:rowId xmlns="" xmlns:a16="http://schemas.microsoft.com/office/drawing/2014/main" val="2673339703"/>
+                        <a16:rowId xmlns:a16="http://schemas.microsoft.com/office/drawing/2014/main" xmlns="" val="2673339703"/>
                       </a:ext>
                     </a:extLst>
                   </a:tr>
@@ -14138,7 +14153,7 @@
                           <a:pPr algn="ctr"/>
                           <a:r>
                             <a:rPr lang="en-AU" sz="900" dirty="0" smtClean="0"/>
-                            <a:t>0.999</a:t>
+                            <a:t>0.998</a:t>
                           </a:r>
                           <a:endParaRPr lang="en-AU" sz="900" dirty="0"/>
                         </a:p>
@@ -14173,9 +14188,10 @@
                         <a:p>
                           <a:pPr algn="ctr"/>
                           <a:r>
-                            <a:rPr lang="en-AU" sz="900" dirty="0"/>
-                            <a:t>0.990</a:t>
-                          </a:r>
+                            <a:rPr lang="en-AU" sz="900" dirty="0" smtClean="0"/>
+                            <a:t>0.911</a:t>
+                          </a:r>
+                          <a:endParaRPr lang="en-AU" sz="900" dirty="0"/>
                         </a:p>
                       </a:txBody>
                       <a:tcPr anchor="ctr">
@@ -14209,7 +14225,7 @@
                     </a:tc>
                     <a:extLst>
                       <a:ext uri="{0D108BD9-81ED-4DB2-BD59-A6C34878D82A}">
-                        <a16:rowId xmlns="" xmlns:a16="http://schemas.microsoft.com/office/drawing/2014/main" val="2736953877"/>
+                        <a16:rowId xmlns:a16="http://schemas.microsoft.com/office/drawing/2014/main" xmlns="" val="2736953877"/>
                       </a:ext>
                     </a:extLst>
                   </a:tr>
@@ -14341,9 +14357,10 @@
                         <a:p>
                           <a:pPr algn="ctr"/>
                           <a:r>
-                            <a:rPr lang="en-AU" sz="900" dirty="0"/>
-                            <a:t>0.484</a:t>
-                          </a:r>
+                            <a:rPr lang="en-AU" sz="900" dirty="0" smtClean="0"/>
+                            <a:t>0.465</a:t>
+                          </a:r>
+                          <a:endParaRPr lang="en-AU" sz="900" dirty="0"/>
                         </a:p>
                       </a:txBody>
                       <a:tcPr anchor="ctr">
@@ -14412,7 +14429,7 @@
                     </a:tc>
                     <a:extLst>
                       <a:ext uri="{0D108BD9-81ED-4DB2-BD59-A6C34878D82A}">
-                        <a16:rowId xmlns="" xmlns:a16="http://schemas.microsoft.com/office/drawing/2014/main" val="935999974"/>
+                        <a16:rowId xmlns:a16="http://schemas.microsoft.com/office/drawing/2014/main" xmlns="" val="935999974"/>
                       </a:ext>
                     </a:extLst>
                   </a:tr>
@@ -14535,9 +14552,10 @@
                         <a:p>
                           <a:pPr algn="ctr"/>
                           <a:r>
-                            <a:rPr lang="en-AU" sz="900" dirty="0"/>
-                            <a:t>0.394</a:t>
-                          </a:r>
+                            <a:rPr lang="en-AU" sz="900" dirty="0" smtClean="0"/>
+                            <a:t>0.379</a:t>
+                          </a:r>
+                          <a:endParaRPr lang="en-AU" sz="900" dirty="0"/>
                         </a:p>
                       </a:txBody>
                       <a:tcPr anchor="ctr">
@@ -14606,7 +14624,7 @@
                     </a:tc>
                     <a:extLst>
                       <a:ext uri="{0D108BD9-81ED-4DB2-BD59-A6C34878D82A}">
-                        <a16:rowId xmlns="" xmlns:a16="http://schemas.microsoft.com/office/drawing/2014/main" val="3527595651"/>
+                        <a16:rowId xmlns:a16="http://schemas.microsoft.com/office/drawing/2014/main" xmlns="" val="3527595651"/>
                       </a:ext>
                     </a:extLst>
                   </a:tr>
@@ -14729,44 +14747,46 @@
                         <a:p>
                           <a:pPr algn="ctr"/>
                           <a:r>
-                            <a:rPr lang="en-AU" sz="900" dirty="0"/>
-                            <a:t>0.874</a:t>
-                          </a:r>
-                        </a:p>
-                      </a:txBody>
-                      <a:tcPr anchor="ctr">
-                        <a:lnL>
-                          <a:noFill/>
-                        </a:lnL>
-                        <a:lnR>
-                          <a:noFill/>
-                        </a:lnR>
-                        <a:lnT>
-                          <a:noFill/>
-                        </a:lnT>
-                        <a:lnB>
-                          <a:noFill/>
-                        </a:lnB>
-                        <a:lnTlToBr w="12700" cmpd="sng">
-                          <a:noFill/>
-                          <a:prstDash val="solid"/>
-                        </a:lnTlToBr>
-                        <a:lnBlToTr w="12700" cmpd="sng">
-                          <a:noFill/>
-                          <a:prstDash val="solid"/>
-                        </a:lnBlToTr>
-                      </a:tcPr>
-                    </a:tc>
-                    <a:tc>
-                      <a:txBody>
-                        <a:bodyPr/>
-                        <a:lstStyle/>
-                        <a:p>
-                          <a:pPr algn="ctr"/>
-                          <a:r>
-                            <a:rPr lang="en-AU" sz="900" dirty="0"/>
-                            <a:t>0.095</a:t>
-                          </a:r>
+                            <a:rPr lang="en-AU" sz="900" dirty="0" smtClean="0"/>
+                            <a:t>0.742</a:t>
+                          </a:r>
+                          <a:endParaRPr lang="en-AU" sz="900" dirty="0"/>
+                        </a:p>
+                      </a:txBody>
+                      <a:tcPr anchor="ctr">
+                        <a:lnL>
+                          <a:noFill/>
+                        </a:lnL>
+                        <a:lnR>
+                          <a:noFill/>
+                        </a:lnR>
+                        <a:lnT>
+                          <a:noFill/>
+                        </a:lnT>
+                        <a:lnB>
+                          <a:noFill/>
+                        </a:lnB>
+                        <a:lnTlToBr w="12700" cmpd="sng">
+                          <a:noFill/>
+                          <a:prstDash val="solid"/>
+                        </a:lnTlToBr>
+                        <a:lnBlToTr w="12700" cmpd="sng">
+                          <a:noFill/>
+                          <a:prstDash val="solid"/>
+                        </a:lnBlToTr>
+                      </a:tcPr>
+                    </a:tc>
+                    <a:tc>
+                      <a:txBody>
+                        <a:bodyPr/>
+                        <a:lstStyle/>
+                        <a:p>
+                          <a:pPr algn="ctr"/>
+                          <a:r>
+                            <a:rPr lang="en-AU" sz="900" dirty="0" smtClean="0"/>
+                            <a:t>0.072</a:t>
+                          </a:r>
+                          <a:endParaRPr lang="en-AU" sz="900" dirty="0"/>
                         </a:p>
                       </a:txBody>
                       <a:tcPr anchor="ctr">
@@ -14800,7 +14820,7 @@
                     </a:tc>
                     <a:extLst>
                       <a:ext uri="{0D108BD9-81ED-4DB2-BD59-A6C34878D82A}">
-                        <a16:rowId xmlns="" xmlns:a16="http://schemas.microsoft.com/office/drawing/2014/main" val="2249276370"/>
+                        <a16:rowId xmlns:a16="http://schemas.microsoft.com/office/drawing/2014/main" xmlns="" val="2249276370"/>
                       </a:ext>
                     </a:extLst>
                   </a:tr>
@@ -14941,9 +14961,10 @@
                         <a:p>
                           <a:pPr algn="ctr"/>
                           <a:r>
-                            <a:rPr lang="en-AU" sz="900" dirty="0"/>
-                            <a:t>0.693</a:t>
-                          </a:r>
+                            <a:rPr lang="en-AU" sz="900" dirty="0" smtClean="0"/>
+                            <a:t>0.704</a:t>
+                          </a:r>
+                          <a:endParaRPr lang="en-AU" sz="900" dirty="0"/>
                         </a:p>
                       </a:txBody>
                       <a:tcPr anchor="ctr">
@@ -14982,9 +15003,10 @@
                         <a:p>
                           <a:pPr algn="ctr"/>
                           <a:r>
-                            <a:rPr lang="en-AU" sz="900" dirty="0"/>
-                            <a:t>0.032</a:t>
-                          </a:r>
+                            <a:rPr lang="en-AU" sz="900" dirty="0" smtClean="0"/>
+                            <a:t>0.054</a:t>
+                          </a:r>
+                          <a:endParaRPr lang="en-AU" sz="900" dirty="0"/>
                         </a:p>
                       </a:txBody>
                       <a:tcPr anchor="ctr">
@@ -15024,7 +15046,7 @@
                     </a:tc>
                     <a:extLst>
                       <a:ext uri="{0D108BD9-81ED-4DB2-BD59-A6C34878D82A}">
-                        <a16:rowId xmlns="" xmlns:a16="http://schemas.microsoft.com/office/drawing/2014/main" val="889951462"/>
+                        <a16:rowId xmlns:a16="http://schemas.microsoft.com/office/drawing/2014/main" xmlns="" val="889951462"/>
                       </a:ext>
                     </a:extLst>
                   </a:tr>
@@ -15033,7 +15055,7 @@
             </a:graphic>
           </p:graphicFrame>
         </mc:Choice>
-        <mc:Fallback>
+        <mc:Fallback xmlns="">
           <p:graphicFrame>
             <p:nvGraphicFramePr>
               <p:cNvPr id="6" name="Table 5"/>
@@ -15043,7 +15065,7 @@
               <p:nvPr>
                 <p:extLst>
                   <p:ext uri="{D42A27DB-BD31-4B8C-83A1-F6EECF244321}">
-                    <p14:modId xmlns:p14="http://schemas.microsoft.com/office/powerpoint/2010/main" val="172434542"/>
+                    <p14:modId xmlns:p14="http://schemas.microsoft.com/office/powerpoint/2010/main" val="3345140896"/>
                   </p:ext>
                 </p:extLst>
               </p:nvPr>
@@ -15062,35 +15084,35 @@
                     <a:gridCol w="785093">
                       <a:extLst>
                         <a:ext uri="{9D8B030D-6E8A-4147-A177-3AD203B41FA5}">
-                          <a16:colId xmlns="" xmlns:a16="http://schemas.microsoft.com/office/drawing/2014/main" xmlns:a14="http://schemas.microsoft.com/office/drawing/2010/main" val="2070464311"/>
+                          <a16:colId xmlns:a16="http://schemas.microsoft.com/office/drawing/2014/main" xmlns="" xmlns:a14="http://schemas.microsoft.com/office/drawing/2010/main" val="2070464311"/>
                         </a:ext>
                       </a:extLst>
                     </a:gridCol>
                     <a:gridCol w="478557">
                       <a:extLst>
                         <a:ext uri="{9D8B030D-6E8A-4147-A177-3AD203B41FA5}">
-                          <a16:colId xmlns="" xmlns:a16="http://schemas.microsoft.com/office/drawing/2014/main" xmlns:a14="http://schemas.microsoft.com/office/drawing/2010/main" val="2814482158"/>
+                          <a16:colId xmlns:a16="http://schemas.microsoft.com/office/drawing/2014/main" xmlns="" xmlns:a14="http://schemas.microsoft.com/office/drawing/2010/main" val="2814482158"/>
                         </a:ext>
                       </a:extLst>
                     </a:gridCol>
                     <a:gridCol w="631825">
                       <a:extLst>
                         <a:ext uri="{9D8B030D-6E8A-4147-A177-3AD203B41FA5}">
-                          <a16:colId xmlns="" xmlns:a16="http://schemas.microsoft.com/office/drawing/2014/main" xmlns:a14="http://schemas.microsoft.com/office/drawing/2010/main" val="3449075261"/>
+                          <a16:colId xmlns:a16="http://schemas.microsoft.com/office/drawing/2014/main" xmlns="" xmlns:a14="http://schemas.microsoft.com/office/drawing/2010/main" val="3449075261"/>
                         </a:ext>
                       </a:extLst>
                     </a:gridCol>
                     <a:gridCol w="631825">
                       <a:extLst>
                         <a:ext uri="{9D8B030D-6E8A-4147-A177-3AD203B41FA5}">
-                          <a16:colId xmlns="" xmlns:a16="http://schemas.microsoft.com/office/drawing/2014/main" xmlns:a14="http://schemas.microsoft.com/office/drawing/2010/main" val="1813670796"/>
+                          <a16:colId xmlns:a16="http://schemas.microsoft.com/office/drawing/2014/main" xmlns="" xmlns:a14="http://schemas.microsoft.com/office/drawing/2010/main" val="1813670796"/>
                         </a:ext>
                       </a:extLst>
                     </a:gridCol>
                     <a:gridCol w="631825">
                       <a:extLst>
                         <a:ext uri="{9D8B030D-6E8A-4147-A177-3AD203B41FA5}">
-                          <a16:colId xmlns="" xmlns:a16="http://schemas.microsoft.com/office/drawing/2014/main" xmlns:a14="http://schemas.microsoft.com/office/drawing/2010/main" val="1994465920"/>
+                          <a16:colId xmlns:a16="http://schemas.microsoft.com/office/drawing/2014/main" xmlns="" xmlns:a14="http://schemas.microsoft.com/office/drawing/2010/main" val="1994465920"/>
                         </a:ext>
                       </a:extLst>
                     </a:gridCol>
@@ -15355,7 +15377,7 @@
                     </a:tc>
                     <a:extLst>
                       <a:ext uri="{0D108BD9-81ED-4DB2-BD59-A6C34878D82A}">
-                        <a16:rowId xmlns="" xmlns:a16="http://schemas.microsoft.com/office/drawing/2014/main" xmlns:a14="http://schemas.microsoft.com/office/drawing/2010/main" val="3176941515"/>
+                        <a16:rowId xmlns:a16="http://schemas.microsoft.com/office/drawing/2014/main" xmlns="" xmlns:a14="http://schemas.microsoft.com/office/drawing/2010/main" val="3176941515"/>
                       </a:ext>
                     </a:extLst>
                   </a:tr>
@@ -15505,9 +15527,10 @@
                         <a:p>
                           <a:pPr algn="ctr"/>
                           <a:r>
-                            <a:rPr lang="en-AU" sz="900" dirty="0"/>
-                            <a:t>0.901</a:t>
-                          </a:r>
+                            <a:rPr lang="en-AU" sz="900" dirty="0" smtClean="0"/>
+                            <a:t>0.856</a:t>
+                          </a:r>
+                          <a:endParaRPr lang="en-AU" sz="900" dirty="0"/>
                         </a:p>
                       </a:txBody>
                       <a:tcPr anchor="ctr">
@@ -15588,7 +15611,7 @@
                     </a:tc>
                     <a:extLst>
                       <a:ext uri="{0D108BD9-81ED-4DB2-BD59-A6C34878D82A}">
-                        <a16:rowId xmlns="" xmlns:a16="http://schemas.microsoft.com/office/drawing/2014/main" xmlns:a14="http://schemas.microsoft.com/office/drawing/2010/main" val="2673339703"/>
+                        <a16:rowId xmlns:a16="http://schemas.microsoft.com/office/drawing/2014/main" xmlns="" xmlns:a14="http://schemas.microsoft.com/office/drawing/2010/main" val="2673339703"/>
                       </a:ext>
                     </a:extLst>
                   </a:tr>
@@ -15712,7 +15735,7 @@
                           <a:pPr algn="ctr"/>
                           <a:r>
                             <a:rPr lang="en-AU" sz="900" dirty="0" smtClean="0"/>
-                            <a:t>0.999</a:t>
+                            <a:t>0.998</a:t>
                           </a:r>
                           <a:endParaRPr lang="en-AU" sz="900" dirty="0"/>
                         </a:p>
@@ -15747,9 +15770,10 @@
                         <a:p>
                           <a:pPr algn="ctr"/>
                           <a:r>
-                            <a:rPr lang="en-AU" sz="900" dirty="0"/>
-                            <a:t>0.990</a:t>
-                          </a:r>
+                            <a:rPr lang="en-AU" sz="900" dirty="0" smtClean="0"/>
+                            <a:t>0.911</a:t>
+                          </a:r>
+                          <a:endParaRPr lang="en-AU" sz="900" dirty="0"/>
                         </a:p>
                       </a:txBody>
                       <a:tcPr anchor="ctr">
@@ -15783,7 +15807,7 @@
                     </a:tc>
                     <a:extLst>
                       <a:ext uri="{0D108BD9-81ED-4DB2-BD59-A6C34878D82A}">
-                        <a16:rowId xmlns="" xmlns:a16="http://schemas.microsoft.com/office/drawing/2014/main" xmlns:a14="http://schemas.microsoft.com/office/drawing/2010/main" val="2736953877"/>
+                        <a16:rowId xmlns:a16="http://schemas.microsoft.com/office/drawing/2014/main" xmlns="" xmlns:a14="http://schemas.microsoft.com/office/drawing/2010/main" val="2736953877"/>
                       </a:ext>
                     </a:extLst>
                   </a:tr>
@@ -15915,9 +15939,10 @@
                         <a:p>
                           <a:pPr algn="ctr"/>
                           <a:r>
-                            <a:rPr lang="en-AU" sz="900" dirty="0"/>
-                            <a:t>0.484</a:t>
-                          </a:r>
+                            <a:rPr lang="en-AU" sz="900" dirty="0" smtClean="0"/>
+                            <a:t>0.465</a:t>
+                          </a:r>
+                          <a:endParaRPr lang="en-AU" sz="900" dirty="0"/>
                         </a:p>
                       </a:txBody>
                       <a:tcPr anchor="ctr">
@@ -15986,7 +16011,7 @@
                     </a:tc>
                     <a:extLst>
                       <a:ext uri="{0D108BD9-81ED-4DB2-BD59-A6C34878D82A}">
-                        <a16:rowId xmlns="" xmlns:a16="http://schemas.microsoft.com/office/drawing/2014/main" xmlns:a14="http://schemas.microsoft.com/office/drawing/2010/main" val="935999974"/>
+                        <a16:rowId xmlns:a16="http://schemas.microsoft.com/office/drawing/2014/main" xmlns="" xmlns:a14="http://schemas.microsoft.com/office/drawing/2010/main" val="935999974"/>
                       </a:ext>
                     </a:extLst>
                   </a:tr>
@@ -16109,9 +16134,10 @@
                         <a:p>
                           <a:pPr algn="ctr"/>
                           <a:r>
-                            <a:rPr lang="en-AU" sz="900" dirty="0"/>
-                            <a:t>0.394</a:t>
-                          </a:r>
+                            <a:rPr lang="en-AU" sz="900" dirty="0" smtClean="0"/>
+                            <a:t>0.379</a:t>
+                          </a:r>
+                          <a:endParaRPr lang="en-AU" sz="900" dirty="0"/>
                         </a:p>
                       </a:txBody>
                       <a:tcPr anchor="ctr">
@@ -16180,7 +16206,7 @@
                     </a:tc>
                     <a:extLst>
                       <a:ext uri="{0D108BD9-81ED-4DB2-BD59-A6C34878D82A}">
-                        <a16:rowId xmlns="" xmlns:a16="http://schemas.microsoft.com/office/drawing/2014/main" xmlns:a14="http://schemas.microsoft.com/office/drawing/2010/main" val="3527595651"/>
+                        <a16:rowId xmlns:a16="http://schemas.microsoft.com/office/drawing/2014/main" xmlns="" xmlns:a14="http://schemas.microsoft.com/office/drawing/2010/main" val="3527595651"/>
                       </a:ext>
                     </a:extLst>
                   </a:tr>
@@ -16303,44 +16329,46 @@
                         <a:p>
                           <a:pPr algn="ctr"/>
                           <a:r>
-                            <a:rPr lang="en-AU" sz="900" dirty="0"/>
-                            <a:t>0.874</a:t>
-                          </a:r>
-                        </a:p>
-                      </a:txBody>
-                      <a:tcPr anchor="ctr">
-                        <a:lnL>
-                          <a:noFill/>
-                        </a:lnL>
-                        <a:lnR>
-                          <a:noFill/>
-                        </a:lnR>
-                        <a:lnT>
-                          <a:noFill/>
-                        </a:lnT>
-                        <a:lnB>
-                          <a:noFill/>
-                        </a:lnB>
-                        <a:lnTlToBr w="12700" cmpd="sng">
-                          <a:noFill/>
-                          <a:prstDash val="solid"/>
-                        </a:lnTlToBr>
-                        <a:lnBlToTr w="12700" cmpd="sng">
-                          <a:noFill/>
-                          <a:prstDash val="solid"/>
-                        </a:lnBlToTr>
-                      </a:tcPr>
-                    </a:tc>
-                    <a:tc>
-                      <a:txBody>
-                        <a:bodyPr/>
-                        <a:lstStyle/>
-                        <a:p>
-                          <a:pPr algn="ctr"/>
-                          <a:r>
-                            <a:rPr lang="en-AU" sz="900" dirty="0"/>
-                            <a:t>0.095</a:t>
-                          </a:r>
+                            <a:rPr lang="en-AU" sz="900" dirty="0" smtClean="0"/>
+                            <a:t>0.742</a:t>
+                          </a:r>
+                          <a:endParaRPr lang="en-AU" sz="900" dirty="0"/>
+                        </a:p>
+                      </a:txBody>
+                      <a:tcPr anchor="ctr">
+                        <a:lnL>
+                          <a:noFill/>
+                        </a:lnL>
+                        <a:lnR>
+                          <a:noFill/>
+                        </a:lnR>
+                        <a:lnT>
+                          <a:noFill/>
+                        </a:lnT>
+                        <a:lnB>
+                          <a:noFill/>
+                        </a:lnB>
+                        <a:lnTlToBr w="12700" cmpd="sng">
+                          <a:noFill/>
+                          <a:prstDash val="solid"/>
+                        </a:lnTlToBr>
+                        <a:lnBlToTr w="12700" cmpd="sng">
+                          <a:noFill/>
+                          <a:prstDash val="solid"/>
+                        </a:lnBlToTr>
+                      </a:tcPr>
+                    </a:tc>
+                    <a:tc>
+                      <a:txBody>
+                        <a:bodyPr/>
+                        <a:lstStyle/>
+                        <a:p>
+                          <a:pPr algn="ctr"/>
+                          <a:r>
+                            <a:rPr lang="en-AU" sz="900" dirty="0" smtClean="0"/>
+                            <a:t>0.072</a:t>
+                          </a:r>
+                          <a:endParaRPr lang="en-AU" sz="900" dirty="0"/>
                         </a:p>
                       </a:txBody>
                       <a:tcPr anchor="ctr">
@@ -16374,7 +16402,7 @@
                     </a:tc>
                     <a:extLst>
                       <a:ext uri="{0D108BD9-81ED-4DB2-BD59-A6C34878D82A}">
-                        <a16:rowId xmlns="" xmlns:a16="http://schemas.microsoft.com/office/drawing/2014/main" xmlns:a14="http://schemas.microsoft.com/office/drawing/2010/main" val="2249276370"/>
+                        <a16:rowId xmlns:a16="http://schemas.microsoft.com/office/drawing/2014/main" xmlns="" xmlns:a14="http://schemas.microsoft.com/office/drawing/2010/main" val="2249276370"/>
                       </a:ext>
                     </a:extLst>
                   </a:tr>
@@ -16515,9 +16543,10 @@
                         <a:p>
                           <a:pPr algn="ctr"/>
                           <a:r>
-                            <a:rPr lang="en-AU" sz="900" dirty="0"/>
-                            <a:t>0.693</a:t>
-                          </a:r>
+                            <a:rPr lang="en-AU" sz="900" dirty="0" smtClean="0"/>
+                            <a:t>0.704</a:t>
+                          </a:r>
+                          <a:endParaRPr lang="en-AU" sz="900" dirty="0"/>
                         </a:p>
                       </a:txBody>
                       <a:tcPr anchor="ctr">
@@ -16556,9 +16585,10 @@
                         <a:p>
                           <a:pPr algn="ctr"/>
                           <a:r>
-                            <a:rPr lang="en-AU" sz="900" dirty="0"/>
-                            <a:t>0.032</a:t>
-                          </a:r>
+                            <a:rPr lang="en-AU" sz="900" dirty="0" smtClean="0"/>
+                            <a:t>0.054</a:t>
+                          </a:r>
+                          <a:endParaRPr lang="en-AU" sz="900" dirty="0"/>
                         </a:p>
                       </a:txBody>
                       <a:tcPr anchor="ctr">
@@ -16598,7 +16628,7 @@
                     </a:tc>
                     <a:extLst>
                       <a:ext uri="{0D108BD9-81ED-4DB2-BD59-A6C34878D82A}">
-                        <a16:rowId xmlns="" xmlns:a16="http://schemas.microsoft.com/office/drawing/2014/main" xmlns:a14="http://schemas.microsoft.com/office/drawing/2010/main" val="889951462"/>
+                        <a16:rowId xmlns:a16="http://schemas.microsoft.com/office/drawing/2014/main" xmlns="" xmlns:a14="http://schemas.microsoft.com/office/drawing/2010/main" val="889951462"/>
                       </a:ext>
                     </a:extLst>
                   </a:tr>
@@ -16608,64 +16638,79 @@
           </p:graphicFrame>
         </mc:Fallback>
       </mc:AlternateContent>
-      <p:pic>
-        <p:nvPicPr>
-          <p:cNvPr id="4" name="Picture 3"/>
-          <p:cNvPicPr>
-            <a:picLocks noChangeAspect="1"/>
-          </p:cNvPicPr>
+      <p:grpSp>
+        <p:nvGrpSpPr>
+          <p:cNvPr id="3" name="Group 2"/>
+          <p:cNvGrpSpPr/>
           <p:nvPr/>
-        </p:nvPicPr>
-        <p:blipFill rotWithShape="1">
-          <a:blip r:embed="rId3">
-            <a:extLst>
-              <a:ext uri="{28A0092B-C50C-407E-A947-70E740481C1C}">
-                <a14:useLocalDpi xmlns:a14="http://schemas.microsoft.com/office/drawing/2010/main" val="0"/>
-              </a:ext>
-            </a:extLst>
-          </a:blip>
-          <a:srcRect t="41783"/>
-          <a:stretch/>
-        </p:blipFill>
-        <p:spPr>
-          <a:xfrm>
-            <a:off x="1704416" y="2376661"/>
-            <a:ext cx="924054" cy="2645423"/>
-          </a:xfrm>
-          <a:prstGeom prst="rect">
-            <a:avLst/>
-          </a:prstGeom>
-        </p:spPr>
-      </p:pic>
-      <p:pic>
-        <p:nvPicPr>
-          <p:cNvPr id="2" name="Picture 1"/>
-          <p:cNvPicPr>
-            <a:picLocks noChangeAspect="1"/>
-          </p:cNvPicPr>
-          <p:nvPr/>
-        </p:nvPicPr>
-        <p:blipFill rotWithShape="1">
-          <a:blip r:embed="rId3">
-            <a:extLst>
-              <a:ext uri="{28A0092B-C50C-407E-A947-70E740481C1C}">
-                <a14:useLocalDpi xmlns:a14="http://schemas.microsoft.com/office/drawing/2010/main" val="0"/>
-              </a:ext>
-            </a:extLst>
-          </a:blip>
-          <a:srcRect b="96249"/>
-          <a:stretch/>
-        </p:blipFill>
-        <p:spPr>
+        </p:nvGrpSpPr>
+        <p:grpSpPr>
           <a:xfrm>
             <a:off x="1704416" y="2206217"/>
-            <a:ext cx="924054" cy="170444"/>
+            <a:ext cx="924054" cy="2815867"/>
+            <a:chOff x="1704416" y="2206217"/>
+            <a:chExt cx="924054" cy="2815867"/>
           </a:xfrm>
-          <a:prstGeom prst="rect">
-            <a:avLst/>
-          </a:prstGeom>
-        </p:spPr>
-      </p:pic>
+        </p:grpSpPr>
+        <p:pic>
+          <p:nvPicPr>
+            <p:cNvPr id="4" name="Picture 3"/>
+            <p:cNvPicPr>
+              <a:picLocks noChangeAspect="1"/>
+            </p:cNvPicPr>
+            <p:nvPr/>
+          </p:nvPicPr>
+          <p:blipFill rotWithShape="1">
+            <a:blip r:embed="rId3">
+              <a:extLst>
+                <a:ext uri="{28A0092B-C50C-407E-A947-70E740481C1C}">
+                  <a14:useLocalDpi xmlns:a14="http://schemas.microsoft.com/office/drawing/2010/main" val="0"/>
+                </a:ext>
+              </a:extLst>
+            </a:blip>
+            <a:srcRect t="41783"/>
+            <a:stretch/>
+          </p:blipFill>
+          <p:spPr>
+            <a:xfrm>
+              <a:off x="1704416" y="2376661"/>
+              <a:ext cx="924054" cy="2645423"/>
+            </a:xfrm>
+            <a:prstGeom prst="rect">
+              <a:avLst/>
+            </a:prstGeom>
+          </p:spPr>
+        </p:pic>
+        <p:pic>
+          <p:nvPicPr>
+            <p:cNvPr id="2" name="Picture 1"/>
+            <p:cNvPicPr>
+              <a:picLocks noChangeAspect="1"/>
+            </p:cNvPicPr>
+            <p:nvPr/>
+          </p:nvPicPr>
+          <p:blipFill rotWithShape="1">
+            <a:blip r:embed="rId3">
+              <a:extLst>
+                <a:ext uri="{28A0092B-C50C-407E-A947-70E740481C1C}">
+                  <a14:useLocalDpi xmlns:a14="http://schemas.microsoft.com/office/drawing/2010/main" val="0"/>
+                </a:ext>
+              </a:extLst>
+            </a:blip>
+            <a:srcRect b="96249"/>
+            <a:stretch/>
+          </p:blipFill>
+          <p:spPr>
+            <a:xfrm>
+              <a:off x="1704416" y="2206217"/>
+              <a:ext cx="924054" cy="170444"/>
+            </a:xfrm>
+            <a:prstGeom prst="rect">
+              <a:avLst/>
+            </a:prstGeom>
+          </p:spPr>
+        </p:pic>
+      </p:grpSp>
     </p:spTree>
     <p:extLst>
       <p:ext uri="{BB962C8B-B14F-4D97-AF65-F5344CB8AC3E}">
